--- a/正文/latex/pic.pptx
+++ b/正文/latex/pic.pptx
@@ -13,6 +13,8 @@
     <p:sldId id="261" r:id="rId7"/>
     <p:sldId id="262" r:id="rId8"/>
     <p:sldId id="263" r:id="rId9"/>
+    <p:sldId id="264" r:id="rId10"/>
+    <p:sldId id="265" r:id="rId11"/>
   </p:sldIdLst>
   <p:sldSz cx="12192000" cy="6858000"/>
   <p:notesSz cx="6858000" cy="9144000"/>
@@ -5638,6 +5640,2917 @@
 </p:sld>
 </file>
 
+<file path=ppt/slides/slide10.xml><?xml version="1.0" encoding="utf-8"?>
+<p:sld xmlns:a="http://schemas.openxmlformats.org/drawingml/2006/main" xmlns:r="http://schemas.openxmlformats.org/officeDocument/2006/relationships" xmlns:p="http://schemas.openxmlformats.org/presentationml/2006/main">
+  <p:cSld>
+    <p:spTree>
+      <p:nvGrpSpPr>
+        <p:cNvPr id="1" name=""/>
+        <p:cNvGrpSpPr/>
+        <p:nvPr/>
+      </p:nvGrpSpPr>
+      <p:grpSpPr>
+        <a:xfrm>
+          <a:off x="0" y="0"/>
+          <a:ext cx="0" cy="0"/>
+          <a:chOff x="0" y="0"/>
+          <a:chExt cx="0" cy="0"/>
+        </a:xfrm>
+      </p:grpSpPr>
+      <mc:AlternateContent xmlns:mc="http://schemas.openxmlformats.org/markup-compatibility/2006" xmlns:a14="http://schemas.microsoft.com/office/drawing/2010/main">
+        <mc:Choice Requires="a14">
+          <p:sp>
+            <p:nvSpPr>
+              <p:cNvPr id="4" name="文本框 3">
+                <a:extLst>
+                  <a:ext uri="{FF2B5EF4-FFF2-40B4-BE49-F238E27FC236}">
+                    <a16:creationId xmlns:a16="http://schemas.microsoft.com/office/drawing/2014/main" id="{BADC498D-72FD-2662-0A3F-E79AC0B68B5B}"/>
+                  </a:ext>
+                </a:extLst>
+              </p:cNvPr>
+              <p:cNvSpPr txBox="1"/>
+              <p:nvPr/>
+            </p:nvSpPr>
+            <p:spPr>
+              <a:xfrm>
+                <a:off x="4917928" y="2107989"/>
+                <a:ext cx="810671" cy="369332"/>
+              </a:xfrm>
+              <a:prstGeom prst="rect">
+                <a:avLst/>
+              </a:prstGeom>
+              <a:noFill/>
+            </p:spPr>
+            <p:txBody>
+              <a:bodyPr wrap="none" rtlCol="0">
+                <a:spAutoFit/>
+              </a:bodyPr>
+              <a:lstStyle/>
+              <a:p>
+                <a:pPr/>
+                <a14:m>
+                  <m:oMathPara xmlns:m="http://schemas.openxmlformats.org/officeDocument/2006/math">
+                    <m:oMathParaPr>
+                      <m:jc m:val="centerGroup"/>
+                    </m:oMathParaPr>
+                    <m:oMath xmlns:m="http://schemas.openxmlformats.org/officeDocument/2006/math">
+                      <m:r>
+                        <a:rPr lang="en-US" altLang="zh-CN" i="1" smtClean="0">
+                          <a:latin typeface="Cambria Math" panose="02040503050406030204" pitchFamily="18" charset="0"/>
+                        </a:rPr>
+                        <m:t>𝐷𝑒𝑔𝑃</m:t>
+                      </m:r>
+                    </m:oMath>
+                  </m:oMathPara>
+                </a14:m>
+                <a:endParaRPr lang="en-US" altLang="zh-CN"/>
+              </a:p>
+            </p:txBody>
+          </p:sp>
+        </mc:Choice>
+        <mc:Fallback xmlns="">
+          <p:sp>
+            <p:nvSpPr>
+              <p:cNvPr id="4" name="文本框 3">
+                <a:extLst>
+                  <a:ext uri="{FF2B5EF4-FFF2-40B4-BE49-F238E27FC236}">
+                    <a16:creationId xmlns:a16="http://schemas.microsoft.com/office/drawing/2014/main" id="{BADC498D-72FD-2662-0A3F-E79AC0B68B5B}"/>
+                  </a:ext>
+                </a:extLst>
+              </p:cNvPr>
+              <p:cNvSpPr txBox="1">
+                <a:spLocks noRot="1" noChangeAspect="1" noMove="1" noResize="1" noEditPoints="1" noAdjustHandles="1" noChangeArrowheads="1" noChangeShapeType="1" noTextEdit="1"/>
+              </p:cNvSpPr>
+              <p:nvPr/>
+            </p:nvSpPr>
+            <p:spPr>
+              <a:xfrm>
+                <a:off x="4917928" y="2107989"/>
+                <a:ext cx="810671" cy="369332"/>
+              </a:xfrm>
+              <a:prstGeom prst="rect">
+                <a:avLst/>
+              </a:prstGeom>
+              <a:blipFill>
+                <a:blip r:embed="rId2"/>
+                <a:stretch>
+                  <a:fillRect b="-13333"/>
+                </a:stretch>
+              </a:blipFill>
+            </p:spPr>
+            <p:txBody>
+              <a:bodyPr/>
+              <a:lstStyle/>
+              <a:p>
+                <a:r>
+                  <a:rPr lang="zh-CN" altLang="en-US">
+                    <a:noFill/>
+                  </a:rPr>
+                  <a:t> </a:t>
+                </a:r>
+              </a:p>
+            </p:txBody>
+          </p:sp>
+        </mc:Fallback>
+      </mc:AlternateContent>
+      <mc:AlternateContent xmlns:mc="http://schemas.openxmlformats.org/markup-compatibility/2006">
+        <mc:Choice xmlns:a14="http://schemas.microsoft.com/office/drawing/2010/main" Requires="a14">
+          <p:sp>
+            <p:nvSpPr>
+              <p:cNvPr id="2" name="文本框 1">
+                <a:extLst>
+                  <a:ext uri="{FF2B5EF4-FFF2-40B4-BE49-F238E27FC236}">
+                    <a16:creationId xmlns:a16="http://schemas.microsoft.com/office/drawing/2014/main" id="{E7D389EC-CA87-8E2E-FAC1-7EC70B06E529}"/>
+                  </a:ext>
+                </a:extLst>
+              </p:cNvPr>
+              <p:cNvSpPr txBox="1"/>
+              <p:nvPr/>
+            </p:nvSpPr>
+            <p:spPr>
+              <a:xfrm>
+                <a:off x="4033367" y="2761272"/>
+                <a:ext cx="592663" cy="369332"/>
+              </a:xfrm>
+              <a:prstGeom prst="rect">
+                <a:avLst/>
+              </a:prstGeom>
+              <a:noFill/>
+            </p:spPr>
+            <p:txBody>
+              <a:bodyPr wrap="none" rtlCol="0">
+                <a:spAutoFit/>
+              </a:bodyPr>
+              <a:lstStyle/>
+              <a:p>
+                <a:pPr/>
+                <a14:m>
+                  <m:oMathPara xmlns:m="http://schemas.openxmlformats.org/officeDocument/2006/math">
+                    <m:oMathParaPr>
+                      <m:jc m:val="centerGroup"/>
+                    </m:oMathParaPr>
+                    <m:oMath xmlns:m="http://schemas.openxmlformats.org/officeDocument/2006/math">
+                      <m:r>
+                        <a:rPr lang="en-US" altLang="zh-CN" b="0" i="1" smtClean="0">
+                          <a:latin typeface="Cambria Math" panose="02040503050406030204" pitchFamily="18" charset="0"/>
+                        </a:rPr>
+                        <m:t>𝑀</m:t>
+                      </m:r>
+                      <m:r>
+                        <a:rPr lang="en-US" altLang="zh-CN" i="1" smtClean="0">
+                          <a:latin typeface="Cambria Math" panose="02040503050406030204" pitchFamily="18" charset="0"/>
+                        </a:rPr>
+                        <m:t>𝑃</m:t>
+                      </m:r>
+                    </m:oMath>
+                  </m:oMathPara>
+                </a14:m>
+                <a:endParaRPr lang="en-US" altLang="zh-CN" dirty="0"/>
+              </a:p>
+            </p:txBody>
+          </p:sp>
+        </mc:Choice>
+        <mc:Fallback>
+          <p:sp>
+            <p:nvSpPr>
+              <p:cNvPr id="2" name="文本框 1">
+                <a:extLst>
+                  <a:ext uri="{FF2B5EF4-FFF2-40B4-BE49-F238E27FC236}">
+                    <a16:creationId xmlns:a16="http://schemas.microsoft.com/office/drawing/2014/main" id="{E7D389EC-CA87-8E2E-FAC1-7EC70B06E529}"/>
+                  </a:ext>
+                </a:extLst>
+              </p:cNvPr>
+              <p:cNvSpPr txBox="1">
+                <a:spLocks noRot="1" noChangeAspect="1" noMove="1" noResize="1" noEditPoints="1" noAdjustHandles="1" noChangeArrowheads="1" noChangeShapeType="1" noTextEdit="1"/>
+              </p:cNvSpPr>
+              <p:nvPr/>
+            </p:nvSpPr>
+            <p:spPr>
+              <a:xfrm>
+                <a:off x="4033367" y="2761272"/>
+                <a:ext cx="592663" cy="369332"/>
+              </a:xfrm>
+              <a:prstGeom prst="rect">
+                <a:avLst/>
+              </a:prstGeom>
+              <a:blipFill>
+                <a:blip r:embed="rId3"/>
+                <a:stretch>
+                  <a:fillRect/>
+                </a:stretch>
+              </a:blipFill>
+            </p:spPr>
+            <p:txBody>
+              <a:bodyPr/>
+              <a:lstStyle/>
+              <a:p>
+                <a:r>
+                  <a:rPr lang="zh-CN" altLang="en-US">
+                    <a:noFill/>
+                  </a:rPr>
+                  <a:t> </a:t>
+                </a:r>
+              </a:p>
+            </p:txBody>
+          </p:sp>
+        </mc:Fallback>
+      </mc:AlternateContent>
+      <mc:AlternateContent xmlns:mc="http://schemas.openxmlformats.org/markup-compatibility/2006" xmlns:a14="http://schemas.microsoft.com/office/drawing/2010/main">
+        <mc:Choice Requires="a14">
+          <p:sp>
+            <p:nvSpPr>
+              <p:cNvPr id="3" name="文本框 2">
+                <a:extLst>
+                  <a:ext uri="{FF2B5EF4-FFF2-40B4-BE49-F238E27FC236}">
+                    <a16:creationId xmlns:a16="http://schemas.microsoft.com/office/drawing/2014/main" id="{8B95ACB2-66B9-E950-0053-1DCF252015C0}"/>
+                  </a:ext>
+                </a:extLst>
+              </p:cNvPr>
+              <p:cNvSpPr txBox="1"/>
+              <p:nvPr/>
+            </p:nvSpPr>
+            <p:spPr>
+              <a:xfrm>
+                <a:off x="5865938" y="2776800"/>
+                <a:ext cx="721672" cy="369332"/>
+              </a:xfrm>
+              <a:prstGeom prst="rect">
+                <a:avLst/>
+              </a:prstGeom>
+              <a:noFill/>
+            </p:spPr>
+            <p:txBody>
+              <a:bodyPr wrap="none" rtlCol="0">
+                <a:spAutoFit/>
+              </a:bodyPr>
+              <a:lstStyle/>
+              <a:p>
+                <a:pPr/>
+                <a14:m>
+                  <m:oMathPara xmlns:m="http://schemas.openxmlformats.org/officeDocument/2006/math">
+                    <m:oMathParaPr>
+                      <m:jc m:val="centerGroup"/>
+                    </m:oMathParaPr>
+                    <m:oMath xmlns:m="http://schemas.openxmlformats.org/officeDocument/2006/math">
+                      <m:r>
+                        <a:rPr lang="en-US" altLang="zh-CN" i="1" smtClean="0">
+                          <a:latin typeface="Cambria Math" panose="02040503050406030204" pitchFamily="18" charset="0"/>
+                        </a:rPr>
+                        <m:t>𝐷𝑒𝑔</m:t>
+                      </m:r>
+                      <m:r>
+                        <a:rPr lang="en-US" altLang="zh-CN" b="0" i="1" smtClean="0">
+                          <a:latin typeface="Cambria Math" panose="02040503050406030204" pitchFamily="18" charset="0"/>
+                        </a:rPr>
+                        <m:t>′</m:t>
+                      </m:r>
+                    </m:oMath>
+                  </m:oMathPara>
+                </a14:m>
+                <a:endParaRPr lang="en-US" altLang="zh-CN" dirty="0"/>
+              </a:p>
+            </p:txBody>
+          </p:sp>
+        </mc:Choice>
+        <mc:Fallback xmlns="">
+          <p:sp>
+            <p:nvSpPr>
+              <p:cNvPr id="3" name="文本框 2">
+                <a:extLst>
+                  <a:ext uri="{FF2B5EF4-FFF2-40B4-BE49-F238E27FC236}">
+                    <a16:creationId xmlns:a16="http://schemas.microsoft.com/office/drawing/2014/main" id="{8B95ACB2-66B9-E950-0053-1DCF252015C0}"/>
+                  </a:ext>
+                </a:extLst>
+              </p:cNvPr>
+              <p:cNvSpPr txBox="1">
+                <a:spLocks noRot="1" noChangeAspect="1" noMove="1" noResize="1" noEditPoints="1" noAdjustHandles="1" noChangeArrowheads="1" noChangeShapeType="1" noTextEdit="1"/>
+              </p:cNvSpPr>
+              <p:nvPr/>
+            </p:nvSpPr>
+            <p:spPr>
+              <a:xfrm>
+                <a:off x="5865938" y="2776800"/>
+                <a:ext cx="721672" cy="369332"/>
+              </a:xfrm>
+              <a:prstGeom prst="rect">
+                <a:avLst/>
+              </a:prstGeom>
+              <a:blipFill>
+                <a:blip r:embed="rId4"/>
+                <a:stretch>
+                  <a:fillRect b="-13333"/>
+                </a:stretch>
+              </a:blipFill>
+            </p:spPr>
+            <p:txBody>
+              <a:bodyPr/>
+              <a:lstStyle/>
+              <a:p>
+                <a:r>
+                  <a:rPr lang="zh-CN" altLang="en-US">
+                    <a:noFill/>
+                  </a:rPr>
+                  <a:t> </a:t>
+                </a:r>
+              </a:p>
+            </p:txBody>
+          </p:sp>
+        </mc:Fallback>
+      </mc:AlternateContent>
+      <mc:AlternateContent xmlns:mc="http://schemas.openxmlformats.org/markup-compatibility/2006" xmlns:a14="http://schemas.microsoft.com/office/drawing/2010/main">
+        <mc:Choice Requires="a14">
+          <p:sp>
+            <p:nvSpPr>
+              <p:cNvPr id="6" name="文本框 5">
+                <a:extLst>
+                  <a:ext uri="{FF2B5EF4-FFF2-40B4-BE49-F238E27FC236}">
+                    <a16:creationId xmlns:a16="http://schemas.microsoft.com/office/drawing/2014/main" id="{FA2C9A11-CFF2-4005-D650-0ABEAEEDFD65}"/>
+                  </a:ext>
+                </a:extLst>
+              </p:cNvPr>
+              <p:cNvSpPr txBox="1"/>
+              <p:nvPr/>
+            </p:nvSpPr>
+            <p:spPr>
+              <a:xfrm>
+                <a:off x="6966014" y="3578780"/>
+                <a:ext cx="810671" cy="369332"/>
+              </a:xfrm>
+              <a:prstGeom prst="rect">
+                <a:avLst/>
+              </a:prstGeom>
+              <a:noFill/>
+            </p:spPr>
+            <p:txBody>
+              <a:bodyPr wrap="none" rtlCol="0">
+                <a:spAutoFit/>
+              </a:bodyPr>
+              <a:lstStyle/>
+              <a:p>
+                <a:pPr/>
+                <a14:m>
+                  <m:oMathPara xmlns:m="http://schemas.openxmlformats.org/officeDocument/2006/math">
+                    <m:oMathParaPr>
+                      <m:jc m:val="centerGroup"/>
+                    </m:oMathParaPr>
+                    <m:oMath xmlns:m="http://schemas.openxmlformats.org/officeDocument/2006/math">
+                      <m:r>
+                        <a:rPr lang="en-US" altLang="zh-CN" i="1" smtClean="0">
+                          <a:latin typeface="Cambria Math" panose="02040503050406030204" pitchFamily="18" charset="0"/>
+                        </a:rPr>
+                        <m:t>𝐷𝑒𝑔𝑃</m:t>
+                      </m:r>
+                    </m:oMath>
+                  </m:oMathPara>
+                </a14:m>
+                <a:endParaRPr lang="en-US" altLang="zh-CN"/>
+              </a:p>
+            </p:txBody>
+          </p:sp>
+        </mc:Choice>
+        <mc:Fallback xmlns="">
+          <p:sp>
+            <p:nvSpPr>
+              <p:cNvPr id="6" name="文本框 5">
+                <a:extLst>
+                  <a:ext uri="{FF2B5EF4-FFF2-40B4-BE49-F238E27FC236}">
+                    <a16:creationId xmlns:a16="http://schemas.microsoft.com/office/drawing/2014/main" id="{FA2C9A11-CFF2-4005-D650-0ABEAEEDFD65}"/>
+                  </a:ext>
+                </a:extLst>
+              </p:cNvPr>
+              <p:cNvSpPr txBox="1">
+                <a:spLocks noRot="1" noChangeAspect="1" noMove="1" noResize="1" noEditPoints="1" noAdjustHandles="1" noChangeArrowheads="1" noChangeShapeType="1" noTextEdit="1"/>
+              </p:cNvSpPr>
+              <p:nvPr/>
+            </p:nvSpPr>
+            <p:spPr>
+              <a:xfrm>
+                <a:off x="6966014" y="3578780"/>
+                <a:ext cx="810671" cy="369332"/>
+              </a:xfrm>
+              <a:prstGeom prst="rect">
+                <a:avLst/>
+              </a:prstGeom>
+              <a:blipFill>
+                <a:blip r:embed="rId5"/>
+                <a:stretch>
+                  <a:fillRect b="-11475"/>
+                </a:stretch>
+              </a:blipFill>
+            </p:spPr>
+            <p:txBody>
+              <a:bodyPr/>
+              <a:lstStyle/>
+              <a:p>
+                <a:r>
+                  <a:rPr lang="zh-CN" altLang="en-US">
+                    <a:noFill/>
+                  </a:rPr>
+                  <a:t> </a:t>
+                </a:r>
+              </a:p>
+            </p:txBody>
+          </p:sp>
+        </mc:Fallback>
+      </mc:AlternateContent>
+      <mc:AlternateContent xmlns:mc="http://schemas.openxmlformats.org/markup-compatibility/2006" xmlns:a14="http://schemas.microsoft.com/office/drawing/2010/main">
+        <mc:Choice Requires="a14">
+          <p:sp>
+            <p:nvSpPr>
+              <p:cNvPr id="8" name="文本框 7">
+                <a:extLst>
+                  <a:ext uri="{FF2B5EF4-FFF2-40B4-BE49-F238E27FC236}">
+                    <a16:creationId xmlns:a16="http://schemas.microsoft.com/office/drawing/2014/main" id="{A5B211BB-9350-EBCD-7C32-25CED1C1AD9B}"/>
+                  </a:ext>
+                </a:extLst>
+              </p:cNvPr>
+              <p:cNvSpPr txBox="1"/>
+              <p:nvPr/>
+            </p:nvSpPr>
+            <p:spPr>
+              <a:xfrm>
+                <a:off x="7976352" y="4247985"/>
+                <a:ext cx="713657" cy="369332"/>
+              </a:xfrm>
+              <a:prstGeom prst="rect">
+                <a:avLst/>
+              </a:prstGeom>
+              <a:noFill/>
+            </p:spPr>
+            <p:txBody>
+              <a:bodyPr wrap="none" rtlCol="0">
+                <a:spAutoFit/>
+              </a:bodyPr>
+              <a:lstStyle/>
+              <a:p>
+                <a:pPr/>
+                <a14:m>
+                  <m:oMathPara xmlns:m="http://schemas.openxmlformats.org/officeDocument/2006/math">
+                    <m:oMathParaPr>
+                      <m:jc m:val="centerGroup"/>
+                    </m:oMathParaPr>
+                    <m:oMath xmlns:m="http://schemas.openxmlformats.org/officeDocument/2006/math">
+                      <m:r>
+                        <a:rPr lang="en-US" altLang="zh-CN" i="1" smtClean="0">
+                          <a:latin typeface="Cambria Math" panose="02040503050406030204" pitchFamily="18" charset="0"/>
+                        </a:rPr>
+                        <m:t>𝐷𝑒𝑔</m:t>
+                      </m:r>
+                      <m:r>
+                        <a:rPr lang="en-US" altLang="zh-CN" i="1" smtClean="0">
+                          <a:latin typeface="Cambria Math" panose="02040503050406030204" pitchFamily="18" charset="0"/>
+                        </a:rPr>
+                        <m:t>’</m:t>
+                      </m:r>
+                    </m:oMath>
+                  </m:oMathPara>
+                </a14:m>
+                <a:endParaRPr lang="en-US" altLang="zh-CN"/>
+              </a:p>
+            </p:txBody>
+          </p:sp>
+        </mc:Choice>
+        <mc:Fallback xmlns="">
+          <p:sp>
+            <p:nvSpPr>
+              <p:cNvPr id="8" name="文本框 7">
+                <a:extLst>
+                  <a:ext uri="{FF2B5EF4-FFF2-40B4-BE49-F238E27FC236}">
+                    <a16:creationId xmlns:a16="http://schemas.microsoft.com/office/drawing/2014/main" id="{A5B211BB-9350-EBCD-7C32-25CED1C1AD9B}"/>
+                  </a:ext>
+                </a:extLst>
+              </p:cNvPr>
+              <p:cNvSpPr txBox="1">
+                <a:spLocks noRot="1" noChangeAspect="1" noMove="1" noResize="1" noEditPoints="1" noAdjustHandles="1" noChangeArrowheads="1" noChangeShapeType="1" noTextEdit="1"/>
+              </p:cNvSpPr>
+              <p:nvPr/>
+            </p:nvSpPr>
+            <p:spPr>
+              <a:xfrm>
+                <a:off x="7976352" y="4247985"/>
+                <a:ext cx="713657" cy="369332"/>
+              </a:xfrm>
+              <a:prstGeom prst="rect">
+                <a:avLst/>
+              </a:prstGeom>
+              <a:blipFill>
+                <a:blip r:embed="rId7"/>
+                <a:stretch>
+                  <a:fillRect b="-13333"/>
+                </a:stretch>
+              </a:blipFill>
+            </p:spPr>
+            <p:txBody>
+              <a:bodyPr/>
+              <a:lstStyle/>
+              <a:p>
+                <a:r>
+                  <a:rPr lang="zh-CN" altLang="en-US">
+                    <a:noFill/>
+                  </a:rPr>
+                  <a:t> </a:t>
+                </a:r>
+              </a:p>
+            </p:txBody>
+          </p:sp>
+        </mc:Fallback>
+      </mc:AlternateContent>
+      <mc:AlternateContent xmlns:mc="http://schemas.openxmlformats.org/markup-compatibility/2006" xmlns:a14="http://schemas.microsoft.com/office/drawing/2010/main">
+        <mc:Choice Requires="a14">
+          <p:sp>
+            <p:nvSpPr>
+              <p:cNvPr id="9" name="文本框 8">
+                <a:extLst>
+                  <a:ext uri="{FF2B5EF4-FFF2-40B4-BE49-F238E27FC236}">
+                    <a16:creationId xmlns:a16="http://schemas.microsoft.com/office/drawing/2014/main" id="{41B9BAC2-28DC-365D-D372-26FDA4C6349D}"/>
+                  </a:ext>
+                </a:extLst>
+              </p:cNvPr>
+              <p:cNvSpPr txBox="1"/>
+              <p:nvPr/>
+            </p:nvSpPr>
+            <p:spPr>
+              <a:xfrm>
+                <a:off x="7274303" y="4869468"/>
+                <a:ext cx="773673" cy="369332"/>
+              </a:xfrm>
+              <a:prstGeom prst="rect">
+                <a:avLst/>
+              </a:prstGeom>
+              <a:noFill/>
+            </p:spPr>
+            <p:txBody>
+              <a:bodyPr wrap="none" rtlCol="0">
+                <a:spAutoFit/>
+              </a:bodyPr>
+              <a:lstStyle/>
+              <a:p>
+                <a:pPr/>
+                <a14:m>
+                  <m:oMathPara xmlns:m="http://schemas.openxmlformats.org/officeDocument/2006/math">
+                    <m:oMathParaPr>
+                      <m:jc m:val="centerGroup"/>
+                    </m:oMathParaPr>
+                    <m:oMath xmlns:m="http://schemas.openxmlformats.org/officeDocument/2006/math">
+                      <m:sSup>
+                        <m:sSupPr>
+                          <m:ctrlPr>
+                            <a:rPr lang="en-US" altLang="zh-CN" i="1" smtClean="0">
+                              <a:latin typeface="Cambria Math" panose="02040503050406030204" pitchFamily="18" charset="0"/>
+                            </a:rPr>
+                          </m:ctrlPr>
+                        </m:sSupPr>
+                        <m:e>
+                          <m:r>
+                            <a:rPr lang="en-US" altLang="zh-CN" b="0" i="1" smtClean="0">
+                              <a:latin typeface="Cambria Math" panose="02040503050406030204" pitchFamily="18" charset="0"/>
+                            </a:rPr>
+                            <m:t>𝐷𝑒𝑔</m:t>
+                          </m:r>
+                        </m:e>
+                        <m:sup>
+                          <m:r>
+                            <a:rPr lang="en-US" altLang="zh-CN" b="0" i="1" smtClean="0">
+                              <a:latin typeface="Cambria Math" panose="02040503050406030204" pitchFamily="18" charset="0"/>
+                            </a:rPr>
+                            <m:t>0</m:t>
+                          </m:r>
+                        </m:sup>
+                      </m:sSup>
+                    </m:oMath>
+                  </m:oMathPara>
+                </a14:m>
+                <a:endParaRPr lang="en-US" altLang="zh-CN" dirty="0"/>
+              </a:p>
+            </p:txBody>
+          </p:sp>
+        </mc:Choice>
+        <mc:Fallback xmlns="">
+          <p:sp>
+            <p:nvSpPr>
+              <p:cNvPr id="9" name="文本框 8">
+                <a:extLst>
+                  <a:ext uri="{FF2B5EF4-FFF2-40B4-BE49-F238E27FC236}">
+                    <a16:creationId xmlns:a16="http://schemas.microsoft.com/office/drawing/2014/main" id="{41B9BAC2-28DC-365D-D372-26FDA4C6349D}"/>
+                  </a:ext>
+                </a:extLst>
+              </p:cNvPr>
+              <p:cNvSpPr txBox="1">
+                <a:spLocks noRot="1" noChangeAspect="1" noMove="1" noResize="1" noEditPoints="1" noAdjustHandles="1" noChangeArrowheads="1" noChangeShapeType="1" noTextEdit="1"/>
+              </p:cNvSpPr>
+              <p:nvPr/>
+            </p:nvSpPr>
+            <p:spPr>
+              <a:xfrm>
+                <a:off x="7274303" y="4869468"/>
+                <a:ext cx="773673" cy="369332"/>
+              </a:xfrm>
+              <a:prstGeom prst="rect">
+                <a:avLst/>
+              </a:prstGeom>
+              <a:blipFill>
+                <a:blip r:embed="rId8"/>
+                <a:stretch>
+                  <a:fillRect b="-13333"/>
+                </a:stretch>
+              </a:blipFill>
+            </p:spPr>
+            <p:txBody>
+              <a:bodyPr/>
+              <a:lstStyle/>
+              <a:p>
+                <a:r>
+                  <a:rPr lang="zh-CN" altLang="en-US">
+                    <a:noFill/>
+                  </a:rPr>
+                  <a:t> </a:t>
+                </a:r>
+              </a:p>
+            </p:txBody>
+          </p:sp>
+        </mc:Fallback>
+      </mc:AlternateContent>
+      <mc:AlternateContent xmlns:mc="http://schemas.openxmlformats.org/markup-compatibility/2006" xmlns:a14="http://schemas.microsoft.com/office/drawing/2010/main">
+        <mc:Choice Requires="a14">
+          <p:sp>
+            <p:nvSpPr>
+              <p:cNvPr id="10" name="文本框 9">
+                <a:extLst>
+                  <a:ext uri="{FF2B5EF4-FFF2-40B4-BE49-F238E27FC236}">
+                    <a16:creationId xmlns:a16="http://schemas.microsoft.com/office/drawing/2014/main" id="{C4C321FD-814A-7A1B-E5DF-83206F4D5AFD}"/>
+                  </a:ext>
+                </a:extLst>
+              </p:cNvPr>
+              <p:cNvSpPr txBox="1"/>
+              <p:nvPr/>
+            </p:nvSpPr>
+            <p:spPr>
+              <a:xfrm>
+                <a:off x="8785421" y="4887358"/>
+                <a:ext cx="541367" cy="369332"/>
+              </a:xfrm>
+              <a:prstGeom prst="rect">
+                <a:avLst/>
+              </a:prstGeom>
+              <a:noFill/>
+            </p:spPr>
+            <p:txBody>
+              <a:bodyPr wrap="none" rtlCol="0">
+                <a:spAutoFit/>
+              </a:bodyPr>
+              <a:lstStyle/>
+              <a:p>
+                <a:pPr/>
+                <a14:m>
+                  <m:oMathPara xmlns:m="http://schemas.openxmlformats.org/officeDocument/2006/math">
+                    <m:oMathParaPr>
+                      <m:jc m:val="centerGroup"/>
+                    </m:oMathParaPr>
+                    <m:oMath xmlns:m="http://schemas.openxmlformats.org/officeDocument/2006/math">
+                      <m:r>
+                        <a:rPr lang="en-US" altLang="zh-CN" i="1" smtClean="0">
+                          <a:latin typeface="Cambria Math" panose="02040503050406030204" pitchFamily="18" charset="0"/>
+                        </a:rPr>
+                        <m:t>𝐴𝑃</m:t>
+                      </m:r>
+                    </m:oMath>
+                  </m:oMathPara>
+                </a14:m>
+                <a:endParaRPr lang="en-US" altLang="zh-CN"/>
+              </a:p>
+            </p:txBody>
+          </p:sp>
+        </mc:Choice>
+        <mc:Fallback xmlns="">
+          <p:sp>
+            <p:nvSpPr>
+              <p:cNvPr id="10" name="文本框 9">
+                <a:extLst>
+                  <a:ext uri="{FF2B5EF4-FFF2-40B4-BE49-F238E27FC236}">
+                    <a16:creationId xmlns:a16="http://schemas.microsoft.com/office/drawing/2014/main" id="{C4C321FD-814A-7A1B-E5DF-83206F4D5AFD}"/>
+                  </a:ext>
+                </a:extLst>
+              </p:cNvPr>
+              <p:cNvSpPr txBox="1">
+                <a:spLocks noRot="1" noChangeAspect="1" noMove="1" noResize="1" noEditPoints="1" noAdjustHandles="1" noChangeArrowheads="1" noChangeShapeType="1" noTextEdit="1"/>
+              </p:cNvSpPr>
+              <p:nvPr/>
+            </p:nvSpPr>
+            <p:spPr>
+              <a:xfrm>
+                <a:off x="8785421" y="4887358"/>
+                <a:ext cx="541367" cy="369332"/>
+              </a:xfrm>
+              <a:prstGeom prst="rect">
+                <a:avLst/>
+              </a:prstGeom>
+              <a:blipFill>
+                <a:blip r:embed="rId9"/>
+                <a:stretch>
+                  <a:fillRect/>
+                </a:stretch>
+              </a:blipFill>
+            </p:spPr>
+            <p:txBody>
+              <a:bodyPr/>
+              <a:lstStyle/>
+              <a:p>
+                <a:r>
+                  <a:rPr lang="zh-CN" altLang="en-US">
+                    <a:noFill/>
+                  </a:rPr>
+                  <a:t> </a:t>
+                </a:r>
+              </a:p>
+            </p:txBody>
+          </p:sp>
+        </mc:Fallback>
+      </mc:AlternateContent>
+      <mc:AlternateContent xmlns:mc="http://schemas.openxmlformats.org/markup-compatibility/2006" xmlns:a14="http://schemas.microsoft.com/office/drawing/2010/main">
+        <mc:Choice Requires="a14">
+          <p:sp>
+            <p:nvSpPr>
+              <p:cNvPr id="12" name="文本框 11">
+                <a:extLst>
+                  <a:ext uri="{FF2B5EF4-FFF2-40B4-BE49-F238E27FC236}">
+                    <a16:creationId xmlns:a16="http://schemas.microsoft.com/office/drawing/2014/main" id="{68DC509C-EB06-6067-D3CF-355F5F6395B3}"/>
+                  </a:ext>
+                </a:extLst>
+              </p:cNvPr>
+              <p:cNvSpPr txBox="1"/>
+              <p:nvPr/>
+            </p:nvSpPr>
+            <p:spPr>
+              <a:xfrm>
+                <a:off x="4774805" y="3509000"/>
+                <a:ext cx="773673" cy="369332"/>
+              </a:xfrm>
+              <a:prstGeom prst="rect">
+                <a:avLst/>
+              </a:prstGeom>
+              <a:noFill/>
+            </p:spPr>
+            <p:txBody>
+              <a:bodyPr wrap="none" rtlCol="0">
+                <a:spAutoFit/>
+              </a:bodyPr>
+              <a:lstStyle/>
+              <a:p>
+                <a:pPr/>
+                <a14:m>
+                  <m:oMathPara xmlns:m="http://schemas.openxmlformats.org/officeDocument/2006/math">
+                    <m:oMathParaPr>
+                      <m:jc m:val="centerGroup"/>
+                    </m:oMathParaPr>
+                    <m:oMath xmlns:m="http://schemas.openxmlformats.org/officeDocument/2006/math">
+                      <m:sSup>
+                        <m:sSupPr>
+                          <m:ctrlPr>
+                            <a:rPr lang="en-US" altLang="zh-CN" i="1" smtClean="0">
+                              <a:latin typeface="Cambria Math" panose="02040503050406030204" pitchFamily="18" charset="0"/>
+                            </a:rPr>
+                          </m:ctrlPr>
+                        </m:sSupPr>
+                        <m:e>
+                          <m:r>
+                            <a:rPr lang="en-US" altLang="zh-CN" b="0" i="1" smtClean="0">
+                              <a:latin typeface="Cambria Math" panose="02040503050406030204" pitchFamily="18" charset="0"/>
+                            </a:rPr>
+                            <m:t>𝐷𝑒𝑔</m:t>
+                          </m:r>
+                        </m:e>
+                        <m:sup>
+                          <m:r>
+                            <a:rPr lang="en-US" altLang="zh-CN" b="0" i="1" smtClean="0">
+                              <a:latin typeface="Cambria Math" panose="02040503050406030204" pitchFamily="18" charset="0"/>
+                            </a:rPr>
+                            <m:t>0</m:t>
+                          </m:r>
+                        </m:sup>
+                      </m:sSup>
+                    </m:oMath>
+                  </m:oMathPara>
+                </a14:m>
+                <a:endParaRPr lang="en-US" altLang="zh-CN"/>
+              </a:p>
+            </p:txBody>
+          </p:sp>
+        </mc:Choice>
+        <mc:Fallback xmlns="">
+          <p:sp>
+            <p:nvSpPr>
+              <p:cNvPr id="12" name="文本框 11">
+                <a:extLst>
+                  <a:ext uri="{FF2B5EF4-FFF2-40B4-BE49-F238E27FC236}">
+                    <a16:creationId xmlns:a16="http://schemas.microsoft.com/office/drawing/2014/main" id="{68DC509C-EB06-6067-D3CF-355F5F6395B3}"/>
+                  </a:ext>
+                </a:extLst>
+              </p:cNvPr>
+              <p:cNvSpPr txBox="1">
+                <a:spLocks noRot="1" noChangeAspect="1" noMove="1" noResize="1" noEditPoints="1" noAdjustHandles="1" noChangeArrowheads="1" noChangeShapeType="1" noTextEdit="1"/>
+              </p:cNvSpPr>
+              <p:nvPr/>
+            </p:nvSpPr>
+            <p:spPr>
+              <a:xfrm>
+                <a:off x="4774805" y="3509000"/>
+                <a:ext cx="773673" cy="369332"/>
+              </a:xfrm>
+              <a:prstGeom prst="rect">
+                <a:avLst/>
+              </a:prstGeom>
+              <a:blipFill>
+                <a:blip r:embed="rId10"/>
+                <a:stretch>
+                  <a:fillRect b="-13333"/>
+                </a:stretch>
+              </a:blipFill>
+            </p:spPr>
+            <p:txBody>
+              <a:bodyPr/>
+              <a:lstStyle/>
+              <a:p>
+                <a:r>
+                  <a:rPr lang="zh-CN" altLang="en-US">
+                    <a:noFill/>
+                  </a:rPr>
+                  <a:t> </a:t>
+                </a:r>
+              </a:p>
+            </p:txBody>
+          </p:sp>
+        </mc:Fallback>
+      </mc:AlternateContent>
+      <p:cxnSp>
+        <p:nvCxnSpPr>
+          <p:cNvPr id="14" name="直接连接符 13">
+            <a:extLst>
+              <a:ext uri="{FF2B5EF4-FFF2-40B4-BE49-F238E27FC236}">
+                <a16:creationId xmlns:a16="http://schemas.microsoft.com/office/drawing/2014/main" id="{16C02841-3110-214F-038F-0751E6683D75}"/>
+              </a:ext>
+            </a:extLst>
+          </p:cNvPr>
+          <p:cNvCxnSpPr>
+            <a:stCxn id="4" idx="2"/>
+            <a:endCxn id="2" idx="0"/>
+          </p:cNvCxnSpPr>
+          <p:nvPr/>
+        </p:nvCxnSpPr>
+        <p:spPr>
+          <a:xfrm flipH="1">
+            <a:off x="4329699" y="2477321"/>
+            <a:ext cx="993565" cy="283951"/>
+          </a:xfrm>
+          <a:prstGeom prst="line">
+            <a:avLst/>
+          </a:prstGeom>
+          <a:ln w="12700">
+            <a:solidFill>
+              <a:schemeClr val="tx1"/>
+            </a:solidFill>
+          </a:ln>
+        </p:spPr>
+        <p:style>
+          <a:lnRef idx="1">
+            <a:schemeClr val="accent1"/>
+          </a:lnRef>
+          <a:fillRef idx="0">
+            <a:schemeClr val="accent1"/>
+          </a:fillRef>
+          <a:effectRef idx="0">
+            <a:schemeClr val="accent1"/>
+          </a:effectRef>
+          <a:fontRef idx="minor">
+            <a:schemeClr val="tx1"/>
+          </a:fontRef>
+        </p:style>
+      </p:cxnSp>
+      <p:cxnSp>
+        <p:nvCxnSpPr>
+          <p:cNvPr id="16" name="直接连接符 15">
+            <a:extLst>
+              <a:ext uri="{FF2B5EF4-FFF2-40B4-BE49-F238E27FC236}">
+                <a16:creationId xmlns:a16="http://schemas.microsoft.com/office/drawing/2014/main" id="{15B979E2-E9D4-F2E3-9A5E-B80D48CFCEDB}"/>
+              </a:ext>
+            </a:extLst>
+          </p:cNvPr>
+          <p:cNvCxnSpPr>
+            <a:cxnSpLocks/>
+            <a:stCxn id="4" idx="2"/>
+            <a:endCxn id="3" idx="0"/>
+          </p:cNvCxnSpPr>
+          <p:nvPr/>
+        </p:nvCxnSpPr>
+        <p:spPr>
+          <a:xfrm>
+            <a:off x="5323264" y="2477321"/>
+            <a:ext cx="903510" cy="299479"/>
+          </a:xfrm>
+          <a:prstGeom prst="line">
+            <a:avLst/>
+          </a:prstGeom>
+          <a:ln w="12700">
+            <a:solidFill>
+              <a:schemeClr val="tx1"/>
+            </a:solidFill>
+          </a:ln>
+        </p:spPr>
+        <p:style>
+          <a:lnRef idx="1">
+            <a:schemeClr val="accent1"/>
+          </a:lnRef>
+          <a:fillRef idx="0">
+            <a:schemeClr val="accent1"/>
+          </a:fillRef>
+          <a:effectRef idx="0">
+            <a:schemeClr val="accent1"/>
+          </a:effectRef>
+          <a:fontRef idx="minor">
+            <a:schemeClr val="tx1"/>
+          </a:fontRef>
+        </p:style>
+      </p:cxnSp>
+      <p:cxnSp>
+        <p:nvCxnSpPr>
+          <p:cNvPr id="19" name="直接连接符 18">
+            <a:extLst>
+              <a:ext uri="{FF2B5EF4-FFF2-40B4-BE49-F238E27FC236}">
+                <a16:creationId xmlns:a16="http://schemas.microsoft.com/office/drawing/2014/main" id="{94649AA1-E922-047F-D734-40125D482227}"/>
+              </a:ext>
+            </a:extLst>
+          </p:cNvPr>
+          <p:cNvCxnSpPr>
+            <a:cxnSpLocks/>
+            <a:stCxn id="3" idx="2"/>
+            <a:endCxn id="12" idx="0"/>
+          </p:cNvCxnSpPr>
+          <p:nvPr/>
+        </p:nvCxnSpPr>
+        <p:spPr>
+          <a:xfrm flipH="1">
+            <a:off x="5161642" y="3146132"/>
+            <a:ext cx="1065132" cy="362868"/>
+          </a:xfrm>
+          <a:prstGeom prst="line">
+            <a:avLst/>
+          </a:prstGeom>
+          <a:ln w="12700">
+            <a:solidFill>
+              <a:schemeClr val="tx1"/>
+            </a:solidFill>
+          </a:ln>
+        </p:spPr>
+        <p:style>
+          <a:lnRef idx="1">
+            <a:schemeClr val="accent1"/>
+          </a:lnRef>
+          <a:fillRef idx="0">
+            <a:schemeClr val="accent1"/>
+          </a:fillRef>
+          <a:effectRef idx="0">
+            <a:schemeClr val="accent1"/>
+          </a:effectRef>
+          <a:fontRef idx="minor">
+            <a:schemeClr val="tx1"/>
+          </a:fontRef>
+        </p:style>
+      </p:cxnSp>
+      <p:cxnSp>
+        <p:nvCxnSpPr>
+          <p:cNvPr id="22" name="直接连接符 21">
+            <a:extLst>
+              <a:ext uri="{FF2B5EF4-FFF2-40B4-BE49-F238E27FC236}">
+                <a16:creationId xmlns:a16="http://schemas.microsoft.com/office/drawing/2014/main" id="{DA143DB0-CAAA-751D-4641-0ABACA35C5D8}"/>
+              </a:ext>
+            </a:extLst>
+          </p:cNvPr>
+          <p:cNvCxnSpPr>
+            <a:cxnSpLocks/>
+            <a:stCxn id="3" idx="2"/>
+            <a:endCxn id="6" idx="0"/>
+          </p:cNvCxnSpPr>
+          <p:nvPr/>
+        </p:nvCxnSpPr>
+        <p:spPr>
+          <a:xfrm>
+            <a:off x="6226774" y="3146132"/>
+            <a:ext cx="1144576" cy="432648"/>
+          </a:xfrm>
+          <a:prstGeom prst="line">
+            <a:avLst/>
+          </a:prstGeom>
+          <a:ln w="12700">
+            <a:solidFill>
+              <a:schemeClr val="tx1"/>
+            </a:solidFill>
+          </a:ln>
+        </p:spPr>
+        <p:style>
+          <a:lnRef idx="1">
+            <a:schemeClr val="accent1"/>
+          </a:lnRef>
+          <a:fillRef idx="0">
+            <a:schemeClr val="accent1"/>
+          </a:fillRef>
+          <a:effectRef idx="0">
+            <a:schemeClr val="accent1"/>
+          </a:effectRef>
+          <a:fontRef idx="minor">
+            <a:schemeClr val="tx1"/>
+          </a:fontRef>
+        </p:style>
+      </p:cxnSp>
+      <p:cxnSp>
+        <p:nvCxnSpPr>
+          <p:cNvPr id="25" name="直接连接符 24">
+            <a:extLst>
+              <a:ext uri="{FF2B5EF4-FFF2-40B4-BE49-F238E27FC236}">
+                <a16:creationId xmlns:a16="http://schemas.microsoft.com/office/drawing/2014/main" id="{FB62A621-1752-9763-6EB5-88464E19743D}"/>
+              </a:ext>
+            </a:extLst>
+          </p:cNvPr>
+          <p:cNvCxnSpPr>
+            <a:cxnSpLocks/>
+            <a:stCxn id="6" idx="2"/>
+          </p:cNvCxnSpPr>
+          <p:nvPr/>
+        </p:nvCxnSpPr>
+        <p:spPr>
+          <a:xfrm flipH="1">
+            <a:off x="6608654" y="3948112"/>
+            <a:ext cx="762696" cy="299873"/>
+          </a:xfrm>
+          <a:prstGeom prst="line">
+            <a:avLst/>
+          </a:prstGeom>
+          <a:ln w="12700">
+            <a:solidFill>
+              <a:schemeClr val="tx1"/>
+            </a:solidFill>
+          </a:ln>
+        </p:spPr>
+        <p:style>
+          <a:lnRef idx="1">
+            <a:schemeClr val="accent1"/>
+          </a:lnRef>
+          <a:fillRef idx="0">
+            <a:schemeClr val="accent1"/>
+          </a:fillRef>
+          <a:effectRef idx="0">
+            <a:schemeClr val="accent1"/>
+          </a:effectRef>
+          <a:fontRef idx="minor">
+            <a:schemeClr val="tx1"/>
+          </a:fontRef>
+        </p:style>
+      </p:cxnSp>
+      <p:cxnSp>
+        <p:nvCxnSpPr>
+          <p:cNvPr id="28" name="直接连接符 27">
+            <a:extLst>
+              <a:ext uri="{FF2B5EF4-FFF2-40B4-BE49-F238E27FC236}">
+                <a16:creationId xmlns:a16="http://schemas.microsoft.com/office/drawing/2014/main" id="{29DC1CFA-A5CA-14CF-8014-DD89EF57D32B}"/>
+              </a:ext>
+            </a:extLst>
+          </p:cNvPr>
+          <p:cNvCxnSpPr>
+            <a:cxnSpLocks/>
+            <a:stCxn id="6" idx="2"/>
+            <a:endCxn id="8" idx="0"/>
+          </p:cNvCxnSpPr>
+          <p:nvPr/>
+        </p:nvCxnSpPr>
+        <p:spPr>
+          <a:xfrm>
+            <a:off x="7371350" y="3948112"/>
+            <a:ext cx="961831" cy="299873"/>
+          </a:xfrm>
+          <a:prstGeom prst="line">
+            <a:avLst/>
+          </a:prstGeom>
+          <a:ln w="12700">
+            <a:solidFill>
+              <a:schemeClr val="tx1"/>
+            </a:solidFill>
+          </a:ln>
+        </p:spPr>
+        <p:style>
+          <a:lnRef idx="1">
+            <a:schemeClr val="accent1"/>
+          </a:lnRef>
+          <a:fillRef idx="0">
+            <a:schemeClr val="accent1"/>
+          </a:fillRef>
+          <a:effectRef idx="0">
+            <a:schemeClr val="accent1"/>
+          </a:effectRef>
+          <a:fontRef idx="minor">
+            <a:schemeClr val="tx1"/>
+          </a:fontRef>
+        </p:style>
+      </p:cxnSp>
+      <p:cxnSp>
+        <p:nvCxnSpPr>
+          <p:cNvPr id="31" name="直接连接符 30">
+            <a:extLst>
+              <a:ext uri="{FF2B5EF4-FFF2-40B4-BE49-F238E27FC236}">
+                <a16:creationId xmlns:a16="http://schemas.microsoft.com/office/drawing/2014/main" id="{17E95D2D-35B9-6532-DAD2-D33F5F382593}"/>
+              </a:ext>
+            </a:extLst>
+          </p:cNvPr>
+          <p:cNvCxnSpPr>
+            <a:cxnSpLocks/>
+            <a:stCxn id="8" idx="2"/>
+            <a:endCxn id="9" idx="0"/>
+          </p:cNvCxnSpPr>
+          <p:nvPr/>
+        </p:nvCxnSpPr>
+        <p:spPr>
+          <a:xfrm flipH="1">
+            <a:off x="7661140" y="4617317"/>
+            <a:ext cx="672041" cy="252151"/>
+          </a:xfrm>
+          <a:prstGeom prst="line">
+            <a:avLst/>
+          </a:prstGeom>
+          <a:ln w="12700">
+            <a:solidFill>
+              <a:schemeClr val="tx1"/>
+            </a:solidFill>
+          </a:ln>
+        </p:spPr>
+        <p:style>
+          <a:lnRef idx="1">
+            <a:schemeClr val="accent1"/>
+          </a:lnRef>
+          <a:fillRef idx="0">
+            <a:schemeClr val="accent1"/>
+          </a:fillRef>
+          <a:effectRef idx="0">
+            <a:schemeClr val="accent1"/>
+          </a:effectRef>
+          <a:fontRef idx="minor">
+            <a:schemeClr val="tx1"/>
+          </a:fontRef>
+        </p:style>
+      </p:cxnSp>
+      <p:cxnSp>
+        <p:nvCxnSpPr>
+          <p:cNvPr id="34" name="直接连接符 33">
+            <a:extLst>
+              <a:ext uri="{FF2B5EF4-FFF2-40B4-BE49-F238E27FC236}">
+                <a16:creationId xmlns:a16="http://schemas.microsoft.com/office/drawing/2014/main" id="{4F4B3293-AD84-3A37-E4B2-5AEA080404A5}"/>
+              </a:ext>
+            </a:extLst>
+          </p:cNvPr>
+          <p:cNvCxnSpPr>
+            <a:cxnSpLocks/>
+            <a:stCxn id="8" idx="2"/>
+            <a:endCxn id="10" idx="0"/>
+          </p:cNvCxnSpPr>
+          <p:nvPr/>
+        </p:nvCxnSpPr>
+        <p:spPr>
+          <a:xfrm>
+            <a:off x="8333181" y="4617317"/>
+            <a:ext cx="722924" cy="270041"/>
+          </a:xfrm>
+          <a:prstGeom prst="line">
+            <a:avLst/>
+          </a:prstGeom>
+          <a:ln w="12700">
+            <a:solidFill>
+              <a:schemeClr val="tx1"/>
+            </a:solidFill>
+          </a:ln>
+        </p:spPr>
+        <p:style>
+          <a:lnRef idx="1">
+            <a:schemeClr val="accent1"/>
+          </a:lnRef>
+          <a:fillRef idx="0">
+            <a:schemeClr val="accent1"/>
+          </a:fillRef>
+          <a:effectRef idx="0">
+            <a:schemeClr val="accent1"/>
+          </a:effectRef>
+          <a:fontRef idx="minor">
+            <a:schemeClr val="tx1"/>
+          </a:fontRef>
+        </p:style>
+      </p:cxnSp>
+      <p:cxnSp>
+        <p:nvCxnSpPr>
+          <p:cNvPr id="37" name="直接连接符 36">
+            <a:extLst>
+              <a:ext uri="{FF2B5EF4-FFF2-40B4-BE49-F238E27FC236}">
+                <a16:creationId xmlns:a16="http://schemas.microsoft.com/office/drawing/2014/main" id="{B45A0D3A-0F94-DC01-70CB-BAB2EDE7198C}"/>
+              </a:ext>
+            </a:extLst>
+          </p:cNvPr>
+          <p:cNvCxnSpPr>
+            <a:cxnSpLocks/>
+            <a:stCxn id="10" idx="2"/>
+            <a:endCxn id="141" idx="0"/>
+          </p:cNvCxnSpPr>
+          <p:nvPr/>
+        </p:nvCxnSpPr>
+        <p:spPr>
+          <a:xfrm flipH="1">
+            <a:off x="8559301" y="5256690"/>
+            <a:ext cx="496804" cy="247955"/>
+          </a:xfrm>
+          <a:prstGeom prst="line">
+            <a:avLst/>
+          </a:prstGeom>
+          <a:ln w="12700">
+            <a:solidFill>
+              <a:schemeClr val="tx1"/>
+            </a:solidFill>
+          </a:ln>
+        </p:spPr>
+        <p:style>
+          <a:lnRef idx="1">
+            <a:schemeClr val="accent1"/>
+          </a:lnRef>
+          <a:fillRef idx="0">
+            <a:schemeClr val="accent1"/>
+          </a:fillRef>
+          <a:effectRef idx="0">
+            <a:schemeClr val="accent1"/>
+          </a:effectRef>
+          <a:fontRef idx="minor">
+            <a:schemeClr val="tx1"/>
+          </a:fontRef>
+        </p:style>
+      </p:cxnSp>
+      <mc:AlternateContent xmlns:mc="http://schemas.openxmlformats.org/markup-compatibility/2006" xmlns:a14="http://schemas.microsoft.com/office/drawing/2010/main">
+        <mc:Choice Requires="a14">
+          <p:sp>
+            <p:nvSpPr>
+              <p:cNvPr id="41" name="文本框 40">
+                <a:extLst>
+                  <a:ext uri="{FF2B5EF4-FFF2-40B4-BE49-F238E27FC236}">
+                    <a16:creationId xmlns:a16="http://schemas.microsoft.com/office/drawing/2014/main" id="{69DEAEAB-F721-1EC1-81C6-17ECB9278418}"/>
+                  </a:ext>
+                </a:extLst>
+              </p:cNvPr>
+              <p:cNvSpPr txBox="1"/>
+              <p:nvPr/>
+            </p:nvSpPr>
+            <p:spPr>
+              <a:xfrm>
+                <a:off x="9397539" y="5551385"/>
+                <a:ext cx="444352" cy="369332"/>
+              </a:xfrm>
+              <a:prstGeom prst="rect">
+                <a:avLst/>
+              </a:prstGeom>
+              <a:noFill/>
+            </p:spPr>
+            <p:txBody>
+              <a:bodyPr wrap="none" rtlCol="0">
+                <a:spAutoFit/>
+              </a:bodyPr>
+              <a:lstStyle/>
+              <a:p>
+                <a:pPr/>
+                <a14:m>
+                  <m:oMathPara xmlns:m="http://schemas.openxmlformats.org/officeDocument/2006/math">
+                    <m:oMathParaPr>
+                      <m:jc m:val="centerGroup"/>
+                    </m:oMathParaPr>
+                    <m:oMath xmlns:m="http://schemas.openxmlformats.org/officeDocument/2006/math">
+                      <m:r>
+                        <a:rPr lang="en-US" altLang="zh-CN" i="1" smtClean="0">
+                          <a:latin typeface="Cambria Math" panose="02040503050406030204" pitchFamily="18" charset="0"/>
+                        </a:rPr>
+                        <m:t>𝐴</m:t>
+                      </m:r>
+                      <m:r>
+                        <a:rPr lang="en-US" altLang="zh-CN" i="1" smtClean="0">
+                          <a:latin typeface="Cambria Math" panose="02040503050406030204" pitchFamily="18" charset="0"/>
+                        </a:rPr>
+                        <m:t>’</m:t>
+                      </m:r>
+                    </m:oMath>
+                  </m:oMathPara>
+                </a14:m>
+                <a:endParaRPr lang="en-US" altLang="zh-CN"/>
+              </a:p>
+            </p:txBody>
+          </p:sp>
+        </mc:Choice>
+        <mc:Fallback xmlns="">
+          <p:sp>
+            <p:nvSpPr>
+              <p:cNvPr id="41" name="文本框 40">
+                <a:extLst>
+                  <a:ext uri="{FF2B5EF4-FFF2-40B4-BE49-F238E27FC236}">
+                    <a16:creationId xmlns:a16="http://schemas.microsoft.com/office/drawing/2014/main" id="{69DEAEAB-F721-1EC1-81C6-17ECB9278418}"/>
+                  </a:ext>
+                </a:extLst>
+              </p:cNvPr>
+              <p:cNvSpPr txBox="1">
+                <a:spLocks noRot="1" noChangeAspect="1" noMove="1" noResize="1" noEditPoints="1" noAdjustHandles="1" noChangeArrowheads="1" noChangeShapeType="1" noTextEdit="1"/>
+              </p:cNvSpPr>
+              <p:nvPr/>
+            </p:nvSpPr>
+            <p:spPr>
+              <a:xfrm>
+                <a:off x="9397539" y="5551385"/>
+                <a:ext cx="444352" cy="369332"/>
+              </a:xfrm>
+              <a:prstGeom prst="rect">
+                <a:avLst/>
+              </a:prstGeom>
+              <a:blipFill>
+                <a:blip r:embed="rId11"/>
+                <a:stretch>
+                  <a:fillRect/>
+                </a:stretch>
+              </a:blipFill>
+            </p:spPr>
+            <p:txBody>
+              <a:bodyPr/>
+              <a:lstStyle/>
+              <a:p>
+                <a:r>
+                  <a:rPr lang="zh-CN" altLang="en-US">
+                    <a:noFill/>
+                  </a:rPr>
+                  <a:t> </a:t>
+                </a:r>
+              </a:p>
+            </p:txBody>
+          </p:sp>
+        </mc:Fallback>
+      </mc:AlternateContent>
+      <p:cxnSp>
+        <p:nvCxnSpPr>
+          <p:cNvPr id="43" name="直接连接符 42">
+            <a:extLst>
+              <a:ext uri="{FF2B5EF4-FFF2-40B4-BE49-F238E27FC236}">
+                <a16:creationId xmlns:a16="http://schemas.microsoft.com/office/drawing/2014/main" id="{3974FEF4-3336-C1C0-60E7-C784A61BF704}"/>
+              </a:ext>
+            </a:extLst>
+          </p:cNvPr>
+          <p:cNvCxnSpPr>
+            <a:cxnSpLocks/>
+            <a:stCxn id="10" idx="2"/>
+            <a:endCxn id="41" idx="0"/>
+          </p:cNvCxnSpPr>
+          <p:nvPr/>
+        </p:nvCxnSpPr>
+        <p:spPr>
+          <a:xfrm>
+            <a:off x="9056105" y="5256690"/>
+            <a:ext cx="563610" cy="294695"/>
+          </a:xfrm>
+          <a:prstGeom prst="line">
+            <a:avLst/>
+          </a:prstGeom>
+          <a:ln w="12700">
+            <a:solidFill>
+              <a:schemeClr val="tx1"/>
+            </a:solidFill>
+          </a:ln>
+        </p:spPr>
+        <p:style>
+          <a:lnRef idx="1">
+            <a:schemeClr val="accent1"/>
+          </a:lnRef>
+          <a:fillRef idx="0">
+            <a:schemeClr val="accent1"/>
+          </a:fillRef>
+          <a:effectRef idx="0">
+            <a:schemeClr val="accent1"/>
+          </a:effectRef>
+          <a:fontRef idx="minor">
+            <a:schemeClr val="tx1"/>
+          </a:fontRef>
+        </p:style>
+      </p:cxnSp>
+      <mc:AlternateContent xmlns:mc="http://schemas.openxmlformats.org/markup-compatibility/2006" xmlns:a14="http://schemas.microsoft.com/office/drawing/2010/main">
+        <mc:Choice Requires="a14">
+          <p:sp>
+            <p:nvSpPr>
+              <p:cNvPr id="47" name="文本框 46">
+                <a:extLst>
+                  <a:ext uri="{FF2B5EF4-FFF2-40B4-BE49-F238E27FC236}">
+                    <a16:creationId xmlns:a16="http://schemas.microsoft.com/office/drawing/2014/main" id="{7F963081-B602-7A78-D889-3FCE575ACD20}"/>
+                  </a:ext>
+                </a:extLst>
+              </p:cNvPr>
+              <p:cNvSpPr txBox="1"/>
+              <p:nvPr/>
+            </p:nvSpPr>
+            <p:spPr>
+              <a:xfrm>
+                <a:off x="9370641" y="6014205"/>
+                <a:ext cx="498149" cy="369332"/>
+              </a:xfrm>
+              <a:prstGeom prst="rect">
+                <a:avLst/>
+              </a:prstGeom>
+              <a:noFill/>
+            </p:spPr>
+            <p:txBody>
+              <a:bodyPr wrap="none" rtlCol="0">
+                <a:spAutoFit/>
+              </a:bodyPr>
+              <a:lstStyle/>
+              <a:p>
+                <a:pPr/>
+                <a14:m>
+                  <m:oMathPara xmlns:m="http://schemas.openxmlformats.org/officeDocument/2006/math">
+                    <m:oMathParaPr>
+                      <m:jc m:val="centerGroup"/>
+                    </m:oMathParaPr>
+                    <m:oMath xmlns:m="http://schemas.openxmlformats.org/officeDocument/2006/math">
+                      <m:sSup>
+                        <m:sSupPr>
+                          <m:ctrlPr>
+                            <a:rPr lang="en-US" altLang="zh-CN" i="1" smtClean="0">
+                              <a:latin typeface="Cambria Math" panose="02040503050406030204" pitchFamily="18" charset="0"/>
+                            </a:rPr>
+                          </m:ctrlPr>
+                        </m:sSupPr>
+                        <m:e>
+                          <m:r>
+                            <a:rPr lang="en-US" altLang="zh-CN" b="0" i="1" smtClean="0">
+                              <a:latin typeface="Cambria Math" panose="02040503050406030204" pitchFamily="18" charset="0"/>
+                            </a:rPr>
+                            <m:t>𝐴</m:t>
+                          </m:r>
+                        </m:e>
+                        <m:sup>
+                          <m:r>
+                            <a:rPr lang="en-US" altLang="zh-CN" b="0" i="1" smtClean="0">
+                              <a:latin typeface="Cambria Math" panose="02040503050406030204" pitchFamily="18" charset="0"/>
+                            </a:rPr>
+                            <m:t>0</m:t>
+                          </m:r>
+                        </m:sup>
+                      </m:sSup>
+                    </m:oMath>
+                  </m:oMathPara>
+                </a14:m>
+                <a:endParaRPr lang="en-US" altLang="zh-CN"/>
+              </a:p>
+            </p:txBody>
+          </p:sp>
+        </mc:Choice>
+        <mc:Fallback xmlns="">
+          <p:sp>
+            <p:nvSpPr>
+              <p:cNvPr id="47" name="文本框 46">
+                <a:extLst>
+                  <a:ext uri="{FF2B5EF4-FFF2-40B4-BE49-F238E27FC236}">
+                    <a16:creationId xmlns:a16="http://schemas.microsoft.com/office/drawing/2014/main" id="{7F963081-B602-7A78-D889-3FCE575ACD20}"/>
+                  </a:ext>
+                </a:extLst>
+              </p:cNvPr>
+              <p:cNvSpPr txBox="1">
+                <a:spLocks noRot="1" noChangeAspect="1" noMove="1" noResize="1" noEditPoints="1" noAdjustHandles="1" noChangeArrowheads="1" noChangeShapeType="1" noTextEdit="1"/>
+              </p:cNvSpPr>
+              <p:nvPr/>
+            </p:nvSpPr>
+            <p:spPr>
+              <a:xfrm>
+                <a:off x="9370641" y="6014205"/>
+                <a:ext cx="498149" cy="369332"/>
+              </a:xfrm>
+              <a:prstGeom prst="rect">
+                <a:avLst/>
+              </a:prstGeom>
+              <a:blipFill>
+                <a:blip r:embed="rId12"/>
+                <a:stretch>
+                  <a:fillRect/>
+                </a:stretch>
+              </a:blipFill>
+            </p:spPr>
+            <p:txBody>
+              <a:bodyPr/>
+              <a:lstStyle/>
+              <a:p>
+                <a:r>
+                  <a:rPr lang="zh-CN" altLang="en-US">
+                    <a:noFill/>
+                  </a:rPr>
+                  <a:t> </a:t>
+                </a:r>
+              </a:p>
+            </p:txBody>
+          </p:sp>
+        </mc:Fallback>
+      </mc:AlternateContent>
+      <p:cxnSp>
+        <p:nvCxnSpPr>
+          <p:cNvPr id="48" name="直接连接符 47">
+            <a:extLst>
+              <a:ext uri="{FF2B5EF4-FFF2-40B4-BE49-F238E27FC236}">
+                <a16:creationId xmlns:a16="http://schemas.microsoft.com/office/drawing/2014/main" id="{CAD9C502-9A60-65AF-8EE2-217224191A75}"/>
+              </a:ext>
+            </a:extLst>
+          </p:cNvPr>
+          <p:cNvCxnSpPr>
+            <a:cxnSpLocks/>
+            <a:stCxn id="47" idx="0"/>
+            <a:endCxn id="41" idx="2"/>
+          </p:cNvCxnSpPr>
+          <p:nvPr/>
+        </p:nvCxnSpPr>
+        <p:spPr>
+          <a:xfrm flipH="1" flipV="1">
+            <a:off x="9619715" y="5920717"/>
+            <a:ext cx="1" cy="93488"/>
+          </a:xfrm>
+          <a:prstGeom prst="line">
+            <a:avLst/>
+          </a:prstGeom>
+          <a:ln w="12700">
+            <a:solidFill>
+              <a:schemeClr val="tx1"/>
+            </a:solidFill>
+          </a:ln>
+        </p:spPr>
+        <p:style>
+          <a:lnRef idx="1">
+            <a:schemeClr val="accent1"/>
+          </a:lnRef>
+          <a:fillRef idx="0">
+            <a:schemeClr val="accent1"/>
+          </a:fillRef>
+          <a:effectRef idx="0">
+            <a:schemeClr val="accent1"/>
+          </a:effectRef>
+          <a:fontRef idx="minor">
+            <a:schemeClr val="tx1"/>
+          </a:fontRef>
+        </p:style>
+      </p:cxnSp>
+      <mc:AlternateContent xmlns:mc="http://schemas.openxmlformats.org/markup-compatibility/2006">
+        <mc:Choice xmlns:a14="http://schemas.microsoft.com/office/drawing/2010/main" Requires="a14">
+          <p:sp>
+            <p:nvSpPr>
+              <p:cNvPr id="90" name="文本框 89">
+                <a:extLst>
+                  <a:ext uri="{FF2B5EF4-FFF2-40B4-BE49-F238E27FC236}">
+                    <a16:creationId xmlns:a16="http://schemas.microsoft.com/office/drawing/2014/main" id="{B8324AC4-AD96-EC37-F6A1-15FC3975D5C7}"/>
+                  </a:ext>
+                </a:extLst>
+              </p:cNvPr>
+              <p:cNvSpPr txBox="1"/>
+              <p:nvPr/>
+            </p:nvSpPr>
+            <p:spPr>
+              <a:xfrm>
+                <a:off x="4507480" y="3810180"/>
+                <a:ext cx="1179234" cy="391646"/>
+              </a:xfrm>
+              <a:prstGeom prst="rect">
+                <a:avLst/>
+              </a:prstGeom>
+              <a:noFill/>
+            </p:spPr>
+            <p:txBody>
+              <a:bodyPr wrap="none" rtlCol="0">
+                <a:spAutoFit/>
+              </a:bodyPr>
+              <a:lstStyle/>
+              <a:p>
+                <a14:m>
+                  <m:oMath xmlns:m="http://schemas.openxmlformats.org/officeDocument/2006/math">
+                    <m:r>
+                      <a:rPr lang="en-US" altLang="zh-CN" b="0" i="1" smtClean="0">
+                        <a:latin typeface="Cambria Math" panose="02040503050406030204" pitchFamily="18" charset="0"/>
+                      </a:rPr>
+                      <m:t>(</m:t>
+                    </m:r>
+                    <m:sSub>
+                      <m:sSubPr>
+                        <m:ctrlPr>
+                          <a:rPr lang="en-US" altLang="zh-CN" i="1" smtClean="0">
+                            <a:latin typeface="Cambria Math" panose="02040503050406030204" pitchFamily="18" charset="0"/>
+                          </a:rPr>
+                        </m:ctrlPr>
+                      </m:sSubPr>
+                      <m:e>
+                        <m:r>
+                          <a:rPr lang="en-US" altLang="zh-CN" b="0" i="1" smtClean="0">
+                            <a:latin typeface="Cambria Math" panose="02040503050406030204" pitchFamily="18" charset="0"/>
+                          </a:rPr>
+                          <m:t>𝑔𝑎𝑜</m:t>
+                        </m:r>
+                      </m:e>
+                      <m:sub>
+                        <m:r>
+                          <a:rPr lang="en-US" altLang="zh-CN" b="0" i="1" smtClean="0">
+                            <a:latin typeface="Cambria Math" panose="02040503050406030204" pitchFamily="18" charset="0"/>
+                          </a:rPr>
+                          <m:t>𝑖</m:t>
+                        </m:r>
+                      </m:sub>
+                    </m:sSub>
+                  </m:oMath>
+                </a14:m>
+                <a:r>
+                  <a:rPr lang="en-US" altLang="zh-CN" dirty="0"/>
+                  <a:t>-</a:t>
+                </a:r>
+                <a14:m>
+                  <m:oMath xmlns:m="http://schemas.openxmlformats.org/officeDocument/2006/math">
+                    <m:r>
+                      <a:rPr lang="zh-CN" altLang="en-US" i="1" smtClean="0">
+                        <a:latin typeface="Cambria Math" panose="02040503050406030204" pitchFamily="18" charset="0"/>
+                      </a:rPr>
+                      <m:t>𝜇</m:t>
+                    </m:r>
+                    <m:sSub>
+                      <m:sSubPr>
+                        <m:ctrlPr>
+                          <a:rPr lang="en-US" altLang="zh-CN" i="1" smtClean="0">
+                            <a:latin typeface="Cambria Math" panose="02040503050406030204" pitchFamily="18" charset="0"/>
+                          </a:rPr>
+                        </m:ctrlPr>
+                      </m:sSubPr>
+                      <m:e>
+                        <m:r>
+                          <a:rPr lang="en-US" altLang="zh-CN" b="0" i="1" smtClean="0">
+                            <a:latin typeface="Cambria Math" panose="02040503050406030204" pitchFamily="18" charset="0"/>
+                          </a:rPr>
+                          <m:t>)</m:t>
+                        </m:r>
+                      </m:e>
+                      <m:sub>
+                        <m:r>
+                          <a:rPr lang="en-US" altLang="zh-CN" b="0" i="1" smtClean="0">
+                            <a:latin typeface="Cambria Math" panose="02040503050406030204" pitchFamily="18" charset="0"/>
+                          </a:rPr>
+                          <m:t>𝑗</m:t>
+                        </m:r>
+                      </m:sub>
+                    </m:sSub>
+                  </m:oMath>
+                </a14:m>
+                <a:endParaRPr lang="en-US" altLang="zh-CN" dirty="0"/>
+              </a:p>
+            </p:txBody>
+          </p:sp>
+        </mc:Choice>
+        <mc:Fallback>
+          <p:sp>
+            <p:nvSpPr>
+              <p:cNvPr id="90" name="文本框 89">
+                <a:extLst>
+                  <a:ext uri="{FF2B5EF4-FFF2-40B4-BE49-F238E27FC236}">
+                    <a16:creationId xmlns:a16="http://schemas.microsoft.com/office/drawing/2014/main" id="{B8324AC4-AD96-EC37-F6A1-15FC3975D5C7}"/>
+                  </a:ext>
+                </a:extLst>
+              </p:cNvPr>
+              <p:cNvSpPr txBox="1">
+                <a:spLocks noRot="1" noChangeAspect="1" noMove="1" noResize="1" noEditPoints="1" noAdjustHandles="1" noChangeArrowheads="1" noChangeShapeType="1" noTextEdit="1"/>
+              </p:cNvSpPr>
+              <p:nvPr/>
+            </p:nvSpPr>
+            <p:spPr>
+              <a:xfrm>
+                <a:off x="4507480" y="3810180"/>
+                <a:ext cx="1179234" cy="391646"/>
+              </a:xfrm>
+              <a:prstGeom prst="rect">
+                <a:avLst/>
+              </a:prstGeom>
+              <a:blipFill>
+                <a:blip r:embed="rId13"/>
+                <a:stretch>
+                  <a:fillRect l="-1546" t="-6250" b="-20313"/>
+                </a:stretch>
+              </a:blipFill>
+            </p:spPr>
+            <p:txBody>
+              <a:bodyPr/>
+              <a:lstStyle/>
+              <a:p>
+                <a:r>
+                  <a:rPr lang="zh-CN" altLang="en-US">
+                    <a:noFill/>
+                  </a:rPr>
+                  <a:t> </a:t>
+                </a:r>
+              </a:p>
+            </p:txBody>
+          </p:sp>
+        </mc:Fallback>
+      </mc:AlternateContent>
+      <p:cxnSp>
+        <p:nvCxnSpPr>
+          <p:cNvPr id="92" name="连接符: 肘形 91">
+            <a:extLst>
+              <a:ext uri="{FF2B5EF4-FFF2-40B4-BE49-F238E27FC236}">
+                <a16:creationId xmlns:a16="http://schemas.microsoft.com/office/drawing/2014/main" id="{8E3C6B32-9CBB-F48D-D4E3-DD6EE7DB8792}"/>
+              </a:ext>
+            </a:extLst>
+          </p:cNvPr>
+          <p:cNvCxnSpPr>
+            <a:cxnSpLocks/>
+            <a:stCxn id="112" idx="1"/>
+            <a:endCxn id="115" idx="2"/>
+          </p:cNvCxnSpPr>
+          <p:nvPr/>
+        </p:nvCxnSpPr>
+        <p:spPr>
+          <a:xfrm rot="10800000">
+            <a:off x="7644574" y="5513266"/>
+            <a:ext cx="1752967" cy="942117"/>
+          </a:xfrm>
+          <a:prstGeom prst="bentConnector2">
+            <a:avLst/>
+          </a:prstGeom>
+          <a:ln w="12700">
+            <a:solidFill>
+              <a:schemeClr val="tx1"/>
+            </a:solidFill>
+            <a:prstDash val="solid"/>
+            <a:tailEnd type="triangle"/>
+          </a:ln>
+        </p:spPr>
+        <p:style>
+          <a:lnRef idx="1">
+            <a:schemeClr val="accent1"/>
+          </a:lnRef>
+          <a:fillRef idx="0">
+            <a:schemeClr val="accent1"/>
+          </a:fillRef>
+          <a:effectRef idx="0">
+            <a:schemeClr val="accent1"/>
+          </a:effectRef>
+          <a:fontRef idx="minor">
+            <a:schemeClr val="tx1"/>
+          </a:fontRef>
+        </p:style>
+      </p:cxnSp>
+      <p:cxnSp>
+        <p:nvCxnSpPr>
+          <p:cNvPr id="97" name="连接符: 肘形 96">
+            <a:extLst>
+              <a:ext uri="{FF2B5EF4-FFF2-40B4-BE49-F238E27FC236}">
+                <a16:creationId xmlns:a16="http://schemas.microsoft.com/office/drawing/2014/main" id="{8556C2F5-DC96-4EE5-2D40-61B83DC1BC6F}"/>
+              </a:ext>
+            </a:extLst>
+          </p:cNvPr>
+          <p:cNvCxnSpPr>
+            <a:cxnSpLocks/>
+            <a:stCxn id="115" idx="1"/>
+            <a:endCxn id="90" idx="2"/>
+          </p:cNvCxnSpPr>
+          <p:nvPr/>
+        </p:nvCxnSpPr>
+        <p:spPr>
+          <a:xfrm rot="10800000">
+            <a:off x="5097098" y="4201826"/>
+            <a:ext cx="2343221" cy="1115616"/>
+          </a:xfrm>
+          <a:prstGeom prst="bentConnector2">
+            <a:avLst/>
+          </a:prstGeom>
+          <a:ln w="12700">
+            <a:solidFill>
+              <a:schemeClr val="tx1"/>
+            </a:solidFill>
+            <a:prstDash val="solid"/>
+            <a:tailEnd type="triangle"/>
+          </a:ln>
+        </p:spPr>
+        <p:style>
+          <a:lnRef idx="1">
+            <a:schemeClr val="accent1"/>
+          </a:lnRef>
+          <a:fillRef idx="0">
+            <a:schemeClr val="accent1"/>
+          </a:fillRef>
+          <a:effectRef idx="0">
+            <a:schemeClr val="accent1"/>
+          </a:effectRef>
+          <a:fontRef idx="minor">
+            <a:schemeClr val="tx1"/>
+          </a:fontRef>
+        </p:style>
+      </p:cxnSp>
+      <mc:AlternateContent xmlns:mc="http://schemas.openxmlformats.org/markup-compatibility/2006" xmlns:a14="http://schemas.microsoft.com/office/drawing/2010/main">
+        <mc:Choice Requires="a14">
+          <p:sp>
+            <p:nvSpPr>
+              <p:cNvPr id="112" name="文本框 111">
+                <a:extLst>
+                  <a:ext uri="{FF2B5EF4-FFF2-40B4-BE49-F238E27FC236}">
+                    <a16:creationId xmlns:a16="http://schemas.microsoft.com/office/drawing/2014/main" id="{5EC1E644-F881-87AB-4FC6-61ADDE6A7933}"/>
+                  </a:ext>
+                </a:extLst>
+              </p:cNvPr>
+              <p:cNvSpPr txBox="1"/>
+              <p:nvPr/>
+            </p:nvSpPr>
+            <p:spPr>
+              <a:xfrm>
+                <a:off x="9397540" y="6270716"/>
+                <a:ext cx="409792" cy="369332"/>
+              </a:xfrm>
+              <a:prstGeom prst="rect">
+                <a:avLst/>
+              </a:prstGeom>
+              <a:noFill/>
+            </p:spPr>
+            <p:txBody>
+              <a:bodyPr wrap="none" rtlCol="0">
+                <a:spAutoFit/>
+              </a:bodyPr>
+              <a:lstStyle/>
+              <a:p>
+                <a:pPr/>
+                <a14:m>
+                  <m:oMathPara xmlns:m="http://schemas.openxmlformats.org/officeDocument/2006/math">
+                    <m:oMathParaPr>
+                      <m:jc m:val="centerGroup"/>
+                    </m:oMathParaPr>
+                    <m:oMath xmlns:m="http://schemas.openxmlformats.org/officeDocument/2006/math">
+                      <m:sSub>
+                        <m:sSubPr>
+                          <m:ctrlPr>
+                            <a:rPr lang="en-US" altLang="zh-CN" i="1" smtClean="0">
+                              <a:latin typeface="Cambria Math" panose="02040503050406030204" pitchFamily="18" charset="0"/>
+                            </a:rPr>
+                          </m:ctrlPr>
+                        </m:sSubPr>
+                        <m:e>
+                          <m:r>
+                            <a:rPr lang="en-US" altLang="zh-CN" b="0" i="1" smtClean="0">
+                              <a:latin typeface="Cambria Math" panose="02040503050406030204" pitchFamily="18" charset="0"/>
+                            </a:rPr>
+                            <m:t>𝑡</m:t>
+                          </m:r>
+                        </m:e>
+                        <m:sub>
+                          <m:r>
+                            <a:rPr lang="en-US" altLang="zh-CN" b="0" i="1" smtClean="0">
+                              <a:latin typeface="Cambria Math" panose="02040503050406030204" pitchFamily="18" charset="0"/>
+                            </a:rPr>
+                            <m:t>𝑖</m:t>
+                          </m:r>
+                        </m:sub>
+                      </m:sSub>
+                    </m:oMath>
+                  </m:oMathPara>
+                </a14:m>
+                <a:endParaRPr lang="en-US" altLang="zh-CN"/>
+              </a:p>
+            </p:txBody>
+          </p:sp>
+        </mc:Choice>
+        <mc:Fallback xmlns="">
+          <p:sp>
+            <p:nvSpPr>
+              <p:cNvPr id="112" name="文本框 111">
+                <a:extLst>
+                  <a:ext uri="{FF2B5EF4-FFF2-40B4-BE49-F238E27FC236}">
+                    <a16:creationId xmlns:a16="http://schemas.microsoft.com/office/drawing/2014/main" id="{5EC1E644-F881-87AB-4FC6-61ADDE6A7933}"/>
+                  </a:ext>
+                </a:extLst>
+              </p:cNvPr>
+              <p:cNvSpPr txBox="1">
+                <a:spLocks noRot="1" noChangeAspect="1" noMove="1" noResize="1" noEditPoints="1" noAdjustHandles="1" noChangeArrowheads="1" noChangeShapeType="1" noTextEdit="1"/>
+              </p:cNvSpPr>
+              <p:nvPr/>
+            </p:nvSpPr>
+            <p:spPr>
+              <a:xfrm>
+                <a:off x="9397540" y="6270716"/>
+                <a:ext cx="409792" cy="369332"/>
+              </a:xfrm>
+              <a:prstGeom prst="rect">
+                <a:avLst/>
+              </a:prstGeom>
+              <a:blipFill>
+                <a:blip r:embed="rId14"/>
+                <a:stretch>
+                  <a:fillRect b="-1667"/>
+                </a:stretch>
+              </a:blipFill>
+            </p:spPr>
+            <p:txBody>
+              <a:bodyPr/>
+              <a:lstStyle/>
+              <a:p>
+                <a:r>
+                  <a:rPr lang="zh-CN" altLang="en-US">
+                    <a:noFill/>
+                  </a:rPr>
+                  <a:t> </a:t>
+                </a:r>
+              </a:p>
+            </p:txBody>
+          </p:sp>
+        </mc:Fallback>
+      </mc:AlternateContent>
+      <mc:AlternateContent xmlns:mc="http://schemas.openxmlformats.org/markup-compatibility/2006" xmlns:a14="http://schemas.microsoft.com/office/drawing/2010/main">
+        <mc:Choice Requires="a14">
+          <p:sp>
+            <p:nvSpPr>
+              <p:cNvPr id="115" name="文本框 114">
+                <a:extLst>
+                  <a:ext uri="{FF2B5EF4-FFF2-40B4-BE49-F238E27FC236}">
+                    <a16:creationId xmlns:a16="http://schemas.microsoft.com/office/drawing/2014/main" id="{7BC62686-D3E2-719C-27AD-7C6B6A324F09}"/>
+                  </a:ext>
+                </a:extLst>
+              </p:cNvPr>
+              <p:cNvSpPr txBox="1"/>
+              <p:nvPr/>
+            </p:nvSpPr>
+            <p:spPr>
+              <a:xfrm>
+                <a:off x="7440318" y="5121619"/>
+                <a:ext cx="408509" cy="391646"/>
+              </a:xfrm>
+              <a:prstGeom prst="rect">
+                <a:avLst/>
+              </a:prstGeom>
+              <a:noFill/>
+            </p:spPr>
+            <p:txBody>
+              <a:bodyPr wrap="none" rtlCol="0">
+                <a:spAutoFit/>
+              </a:bodyPr>
+              <a:lstStyle/>
+              <a:p>
+                <a:pPr/>
+                <a14:m>
+                  <m:oMathPara xmlns:m="http://schemas.openxmlformats.org/officeDocument/2006/math">
+                    <m:oMathParaPr>
+                      <m:jc m:val="centerGroup"/>
+                    </m:oMathParaPr>
+                    <m:oMath xmlns:m="http://schemas.openxmlformats.org/officeDocument/2006/math">
+                      <m:sSub>
+                        <m:sSubPr>
+                          <m:ctrlPr>
+                            <a:rPr lang="en-US" altLang="zh-CN" i="1" smtClean="0">
+                              <a:latin typeface="Cambria Math" panose="02040503050406030204" pitchFamily="18" charset="0"/>
+                            </a:rPr>
+                          </m:ctrlPr>
+                        </m:sSubPr>
+                        <m:e>
+                          <m:r>
+                            <a:rPr lang="en-US" altLang="zh-CN" b="0" i="1" smtClean="0">
+                              <a:latin typeface="Cambria Math" panose="02040503050406030204" pitchFamily="18" charset="0"/>
+                            </a:rPr>
+                            <m:t>𝑡</m:t>
+                          </m:r>
+                        </m:e>
+                        <m:sub>
+                          <m:r>
+                            <a:rPr lang="en-US" altLang="zh-CN" b="0" i="1" smtClean="0">
+                              <a:latin typeface="Cambria Math" panose="02040503050406030204" pitchFamily="18" charset="0"/>
+                            </a:rPr>
+                            <m:t>𝑗</m:t>
+                          </m:r>
+                        </m:sub>
+                      </m:sSub>
+                    </m:oMath>
+                  </m:oMathPara>
+                </a14:m>
+                <a:endParaRPr lang="en-US" altLang="zh-CN"/>
+              </a:p>
+            </p:txBody>
+          </p:sp>
+        </mc:Choice>
+        <mc:Fallback xmlns="">
+          <p:sp>
+            <p:nvSpPr>
+              <p:cNvPr id="115" name="文本框 114">
+                <a:extLst>
+                  <a:ext uri="{FF2B5EF4-FFF2-40B4-BE49-F238E27FC236}">
+                    <a16:creationId xmlns:a16="http://schemas.microsoft.com/office/drawing/2014/main" id="{7BC62686-D3E2-719C-27AD-7C6B6A324F09}"/>
+                  </a:ext>
+                </a:extLst>
+              </p:cNvPr>
+              <p:cNvSpPr txBox="1">
+                <a:spLocks noRot="1" noChangeAspect="1" noMove="1" noResize="1" noEditPoints="1" noAdjustHandles="1" noChangeArrowheads="1" noChangeShapeType="1" noTextEdit="1"/>
+              </p:cNvSpPr>
+              <p:nvPr/>
+            </p:nvSpPr>
+            <p:spPr>
+              <a:xfrm>
+                <a:off x="7440318" y="5121619"/>
+                <a:ext cx="408509" cy="391646"/>
+              </a:xfrm>
+              <a:prstGeom prst="rect">
+                <a:avLst/>
+              </a:prstGeom>
+              <a:blipFill>
+                <a:blip r:embed="rId15"/>
+                <a:stretch>
+                  <a:fillRect b="-9375"/>
+                </a:stretch>
+              </a:blipFill>
+            </p:spPr>
+            <p:txBody>
+              <a:bodyPr/>
+              <a:lstStyle/>
+              <a:p>
+                <a:r>
+                  <a:rPr lang="zh-CN" altLang="en-US">
+                    <a:noFill/>
+                  </a:rPr>
+                  <a:t> </a:t>
+                </a:r>
+              </a:p>
+            </p:txBody>
+          </p:sp>
+        </mc:Fallback>
+      </mc:AlternateContent>
+      <mc:AlternateContent xmlns:mc="http://schemas.openxmlformats.org/markup-compatibility/2006" xmlns:a14="http://schemas.microsoft.com/office/drawing/2010/main">
+        <mc:Choice Requires="a14">
+          <p:sp>
+            <p:nvSpPr>
+              <p:cNvPr id="141" name="文本框 140">
+                <a:extLst>
+                  <a:ext uri="{FF2B5EF4-FFF2-40B4-BE49-F238E27FC236}">
+                    <a16:creationId xmlns:a16="http://schemas.microsoft.com/office/drawing/2014/main" id="{AC93F4A9-D3FE-9716-0656-070653713C3F}"/>
+                  </a:ext>
+                </a:extLst>
+              </p:cNvPr>
+              <p:cNvSpPr txBox="1"/>
+              <p:nvPr/>
+            </p:nvSpPr>
+            <p:spPr>
+              <a:xfrm>
+                <a:off x="8333181" y="5504645"/>
+                <a:ext cx="452240" cy="369332"/>
+              </a:xfrm>
+              <a:prstGeom prst="rect">
+                <a:avLst/>
+              </a:prstGeom>
+              <a:noFill/>
+            </p:spPr>
+            <p:txBody>
+              <a:bodyPr wrap="none" rtlCol="0">
+                <a:spAutoFit/>
+              </a:bodyPr>
+              <a:lstStyle/>
+              <a:p>
+                <a:pPr/>
+                <a14:m>
+                  <m:oMathPara xmlns:m="http://schemas.openxmlformats.org/officeDocument/2006/math">
+                    <m:oMathParaPr>
+                      <m:jc m:val="centerGroup"/>
+                    </m:oMathParaPr>
+                    <m:oMath xmlns:m="http://schemas.openxmlformats.org/officeDocument/2006/math">
+                      <m:sSub>
+                        <m:sSubPr>
+                          <m:ctrlPr>
+                            <a:rPr lang="en-US" altLang="zh-CN" i="1" smtClean="0">
+                              <a:latin typeface="Cambria Math" panose="02040503050406030204" pitchFamily="18" charset="0"/>
+                            </a:rPr>
+                          </m:ctrlPr>
+                        </m:sSubPr>
+                        <m:e>
+                          <m:r>
+                            <a:rPr lang="en-US" altLang="zh-CN" b="0" i="1" smtClean="0">
+                              <a:latin typeface="Cambria Math" panose="02040503050406030204" pitchFamily="18" charset="0"/>
+                            </a:rPr>
+                            <m:t>𝑡</m:t>
+                          </m:r>
+                        </m:e>
+                        <m:sub>
+                          <m:r>
+                            <a:rPr lang="en-US" altLang="zh-CN" b="0" i="1" smtClean="0">
+                              <a:latin typeface="Cambria Math" panose="02040503050406030204" pitchFamily="18" charset="0"/>
+                            </a:rPr>
+                            <m:t>𝑘</m:t>
+                          </m:r>
+                        </m:sub>
+                      </m:sSub>
+                    </m:oMath>
+                  </m:oMathPara>
+                </a14:m>
+                <a:endParaRPr lang="en-US" altLang="zh-CN"/>
+              </a:p>
+            </p:txBody>
+          </p:sp>
+        </mc:Choice>
+        <mc:Fallback xmlns="">
+          <p:sp>
+            <p:nvSpPr>
+              <p:cNvPr id="141" name="文本框 140">
+                <a:extLst>
+                  <a:ext uri="{FF2B5EF4-FFF2-40B4-BE49-F238E27FC236}">
+                    <a16:creationId xmlns:a16="http://schemas.microsoft.com/office/drawing/2014/main" id="{AC93F4A9-D3FE-9716-0656-070653713C3F}"/>
+                  </a:ext>
+                </a:extLst>
+              </p:cNvPr>
+              <p:cNvSpPr txBox="1">
+                <a:spLocks noRot="1" noChangeAspect="1" noMove="1" noResize="1" noEditPoints="1" noAdjustHandles="1" noChangeArrowheads="1" noChangeShapeType="1" noTextEdit="1"/>
+              </p:cNvSpPr>
+              <p:nvPr/>
+            </p:nvSpPr>
+            <p:spPr>
+              <a:xfrm>
+                <a:off x="8333181" y="5504645"/>
+                <a:ext cx="452240" cy="369332"/>
+              </a:xfrm>
+              <a:prstGeom prst="rect">
+                <a:avLst/>
+              </a:prstGeom>
+              <a:blipFill>
+                <a:blip r:embed="rId17"/>
+                <a:stretch>
+                  <a:fillRect/>
+                </a:stretch>
+              </a:blipFill>
+            </p:spPr>
+            <p:txBody>
+              <a:bodyPr/>
+              <a:lstStyle/>
+              <a:p>
+                <a:r>
+                  <a:rPr lang="zh-CN" altLang="en-US">
+                    <a:noFill/>
+                  </a:rPr>
+                  <a:t> </a:t>
+                </a:r>
+              </a:p>
+            </p:txBody>
+          </p:sp>
+        </mc:Fallback>
+      </mc:AlternateContent>
+      <mc:AlternateContent xmlns:mc="http://schemas.openxmlformats.org/markup-compatibility/2006">
+        <mc:Choice xmlns:a14="http://schemas.microsoft.com/office/drawing/2010/main" Requires="a14">
+          <p:sp>
+            <p:nvSpPr>
+              <p:cNvPr id="142" name="文本框 141">
+                <a:extLst>
+                  <a:ext uri="{FF2B5EF4-FFF2-40B4-BE49-F238E27FC236}">
+                    <a16:creationId xmlns:a16="http://schemas.microsoft.com/office/drawing/2014/main" id="{3DC4C53C-9C52-C615-D356-A9D76952D67D}"/>
+                  </a:ext>
+                </a:extLst>
+              </p:cNvPr>
+              <p:cNvSpPr txBox="1"/>
+              <p:nvPr/>
+            </p:nvSpPr>
+            <p:spPr>
+              <a:xfrm>
+                <a:off x="2889795" y="590549"/>
+                <a:ext cx="894027" cy="369332"/>
+              </a:xfrm>
+              <a:prstGeom prst="rect">
+                <a:avLst/>
+              </a:prstGeom>
+              <a:noFill/>
+            </p:spPr>
+            <p:txBody>
+              <a:bodyPr wrap="none" rtlCol="0">
+                <a:spAutoFit/>
+              </a:bodyPr>
+              <a:lstStyle/>
+              <a:p>
+                <a:pPr/>
+                <a14:m>
+                  <m:oMathPara xmlns:m="http://schemas.openxmlformats.org/officeDocument/2006/math">
+                    <m:oMathParaPr>
+                      <m:jc m:val="centerGroup"/>
+                    </m:oMathParaPr>
+                    <m:oMath xmlns:m="http://schemas.openxmlformats.org/officeDocument/2006/math">
+                      <m:r>
+                        <a:rPr lang="en-US" altLang="zh-CN" b="0" i="1" smtClean="0">
+                          <a:latin typeface="Cambria Math" panose="02040503050406030204" pitchFamily="18" charset="0"/>
+                        </a:rPr>
+                        <m:t>𝑃𝑟𝑒𝑑</m:t>
+                      </m:r>
+                      <m:r>
+                        <a:rPr lang="en-US" altLang="zh-CN" i="1" smtClean="0">
+                          <a:latin typeface="Cambria Math" panose="02040503050406030204" pitchFamily="18" charset="0"/>
+                        </a:rPr>
+                        <m:t>𝑃</m:t>
+                      </m:r>
+                    </m:oMath>
+                  </m:oMathPara>
+                </a14:m>
+                <a:endParaRPr lang="en-US" altLang="zh-CN" dirty="0"/>
+              </a:p>
+            </p:txBody>
+          </p:sp>
+        </mc:Choice>
+        <mc:Fallback>
+          <p:sp>
+            <p:nvSpPr>
+              <p:cNvPr id="142" name="文本框 141">
+                <a:extLst>
+                  <a:ext uri="{FF2B5EF4-FFF2-40B4-BE49-F238E27FC236}">
+                    <a16:creationId xmlns:a16="http://schemas.microsoft.com/office/drawing/2014/main" id="{3DC4C53C-9C52-C615-D356-A9D76952D67D}"/>
+                  </a:ext>
+                </a:extLst>
+              </p:cNvPr>
+              <p:cNvSpPr txBox="1">
+                <a:spLocks noRot="1" noChangeAspect="1" noMove="1" noResize="1" noEditPoints="1" noAdjustHandles="1" noChangeArrowheads="1" noChangeShapeType="1" noTextEdit="1"/>
+              </p:cNvSpPr>
+              <p:nvPr/>
+            </p:nvSpPr>
+            <p:spPr>
+              <a:xfrm>
+                <a:off x="2889795" y="590549"/>
+                <a:ext cx="894027" cy="369332"/>
+              </a:xfrm>
+              <a:prstGeom prst="rect">
+                <a:avLst/>
+              </a:prstGeom>
+              <a:blipFill>
+                <a:blip r:embed="rId18"/>
+                <a:stretch>
+                  <a:fillRect/>
+                </a:stretch>
+              </a:blipFill>
+            </p:spPr>
+            <p:txBody>
+              <a:bodyPr/>
+              <a:lstStyle/>
+              <a:p>
+                <a:r>
+                  <a:rPr lang="zh-CN" altLang="en-US">
+                    <a:noFill/>
+                  </a:rPr>
+                  <a:t> </a:t>
+                </a:r>
+              </a:p>
+            </p:txBody>
+          </p:sp>
+        </mc:Fallback>
+      </mc:AlternateContent>
+      <mc:AlternateContent xmlns:mc="http://schemas.openxmlformats.org/markup-compatibility/2006">
+        <mc:Choice xmlns:a14="http://schemas.microsoft.com/office/drawing/2010/main" Requires="a14">
+          <p:sp>
+            <p:nvSpPr>
+              <p:cNvPr id="147" name="文本框 146">
+                <a:extLst>
+                  <a:ext uri="{FF2B5EF4-FFF2-40B4-BE49-F238E27FC236}">
+                    <a16:creationId xmlns:a16="http://schemas.microsoft.com/office/drawing/2014/main" id="{2C3E468F-84CA-D966-E4B6-6E3D9AF1ECE1}"/>
+                  </a:ext>
+                </a:extLst>
+              </p:cNvPr>
+              <p:cNvSpPr txBox="1"/>
+              <p:nvPr/>
+            </p:nvSpPr>
+            <p:spPr>
+              <a:xfrm>
+                <a:off x="3875014" y="1276393"/>
+                <a:ext cx="797013" cy="369332"/>
+              </a:xfrm>
+              <a:prstGeom prst="rect">
+                <a:avLst/>
+              </a:prstGeom>
+              <a:noFill/>
+            </p:spPr>
+            <p:txBody>
+              <a:bodyPr wrap="none" rtlCol="0">
+                <a:spAutoFit/>
+              </a:bodyPr>
+              <a:lstStyle/>
+              <a:p>
+                <a:pPr/>
+                <a14:m>
+                  <m:oMathPara xmlns:m="http://schemas.openxmlformats.org/officeDocument/2006/math">
+                    <m:oMathParaPr>
+                      <m:jc m:val="centerGroup"/>
+                    </m:oMathParaPr>
+                    <m:oMath xmlns:m="http://schemas.openxmlformats.org/officeDocument/2006/math">
+                      <m:r>
+                        <a:rPr lang="en-US" altLang="zh-CN" b="0" i="1" smtClean="0">
+                          <a:latin typeface="Cambria Math" panose="02040503050406030204" pitchFamily="18" charset="0"/>
+                        </a:rPr>
+                        <m:t>𝑃𝑟𝑒𝑑</m:t>
+                      </m:r>
+                      <m:r>
+                        <a:rPr lang="en-US" altLang="zh-CN" i="1" smtClean="0">
+                          <a:latin typeface="Cambria Math" panose="02040503050406030204" pitchFamily="18" charset="0"/>
+                        </a:rPr>
+                        <m:t>’</m:t>
+                      </m:r>
+                    </m:oMath>
+                  </m:oMathPara>
+                </a14:m>
+                <a:endParaRPr lang="en-US" altLang="zh-CN" dirty="0"/>
+              </a:p>
+            </p:txBody>
+          </p:sp>
+        </mc:Choice>
+        <mc:Fallback>
+          <p:sp>
+            <p:nvSpPr>
+              <p:cNvPr id="147" name="文本框 146">
+                <a:extLst>
+                  <a:ext uri="{FF2B5EF4-FFF2-40B4-BE49-F238E27FC236}">
+                    <a16:creationId xmlns:a16="http://schemas.microsoft.com/office/drawing/2014/main" id="{2C3E468F-84CA-D966-E4B6-6E3D9AF1ECE1}"/>
+                  </a:ext>
+                </a:extLst>
+              </p:cNvPr>
+              <p:cNvSpPr txBox="1">
+                <a:spLocks noRot="1" noChangeAspect="1" noMove="1" noResize="1" noEditPoints="1" noAdjustHandles="1" noChangeArrowheads="1" noChangeShapeType="1" noTextEdit="1"/>
+              </p:cNvSpPr>
+              <p:nvPr/>
+            </p:nvSpPr>
+            <p:spPr>
+              <a:xfrm>
+                <a:off x="3875014" y="1276393"/>
+                <a:ext cx="797013" cy="369332"/>
+              </a:xfrm>
+              <a:prstGeom prst="rect">
+                <a:avLst/>
+              </a:prstGeom>
+              <a:blipFill>
+                <a:blip r:embed="rId19"/>
+                <a:stretch>
+                  <a:fillRect/>
+                </a:stretch>
+              </a:blipFill>
+            </p:spPr>
+            <p:txBody>
+              <a:bodyPr/>
+              <a:lstStyle/>
+              <a:p>
+                <a:r>
+                  <a:rPr lang="zh-CN" altLang="en-US">
+                    <a:noFill/>
+                  </a:rPr>
+                  <a:t> </a:t>
+                </a:r>
+              </a:p>
+            </p:txBody>
+          </p:sp>
+        </mc:Fallback>
+      </mc:AlternateContent>
+      <p:cxnSp>
+        <p:nvCxnSpPr>
+          <p:cNvPr id="157" name="直接连接符 156">
+            <a:extLst>
+              <a:ext uri="{FF2B5EF4-FFF2-40B4-BE49-F238E27FC236}">
+                <a16:creationId xmlns:a16="http://schemas.microsoft.com/office/drawing/2014/main" id="{866465E3-D602-B8C5-0618-DFBDDDE7ABBA}"/>
+              </a:ext>
+            </a:extLst>
+          </p:cNvPr>
+          <p:cNvCxnSpPr>
+            <a:cxnSpLocks/>
+            <a:endCxn id="142" idx="2"/>
+          </p:cNvCxnSpPr>
+          <p:nvPr/>
+        </p:nvCxnSpPr>
+        <p:spPr>
+          <a:xfrm flipV="1">
+            <a:off x="2362067" y="959881"/>
+            <a:ext cx="974742" cy="349277"/>
+          </a:xfrm>
+          <a:prstGeom prst="line">
+            <a:avLst/>
+          </a:prstGeom>
+          <a:ln w="12700">
+            <a:solidFill>
+              <a:schemeClr val="tx1"/>
+            </a:solidFill>
+          </a:ln>
+        </p:spPr>
+        <p:style>
+          <a:lnRef idx="1">
+            <a:schemeClr val="accent1"/>
+          </a:lnRef>
+          <a:fillRef idx="0">
+            <a:schemeClr val="accent1"/>
+          </a:fillRef>
+          <a:effectRef idx="0">
+            <a:schemeClr val="accent1"/>
+          </a:effectRef>
+          <a:fontRef idx="minor">
+            <a:schemeClr val="tx1"/>
+          </a:fontRef>
+        </p:style>
+      </p:cxnSp>
+      <p:cxnSp>
+        <p:nvCxnSpPr>
+          <p:cNvPr id="160" name="直接连接符 159">
+            <a:extLst>
+              <a:ext uri="{FF2B5EF4-FFF2-40B4-BE49-F238E27FC236}">
+                <a16:creationId xmlns:a16="http://schemas.microsoft.com/office/drawing/2014/main" id="{361819B8-5878-64B9-B200-3918C6D30549}"/>
+              </a:ext>
+            </a:extLst>
+          </p:cNvPr>
+          <p:cNvCxnSpPr>
+            <a:cxnSpLocks/>
+            <a:stCxn id="147" idx="0"/>
+            <a:endCxn id="142" idx="2"/>
+          </p:cNvCxnSpPr>
+          <p:nvPr/>
+        </p:nvCxnSpPr>
+        <p:spPr>
+          <a:xfrm flipH="1" flipV="1">
+            <a:off x="3336809" y="959881"/>
+            <a:ext cx="936712" cy="316512"/>
+          </a:xfrm>
+          <a:prstGeom prst="line">
+            <a:avLst/>
+          </a:prstGeom>
+          <a:ln w="12700">
+            <a:solidFill>
+              <a:schemeClr val="tx1"/>
+            </a:solidFill>
+          </a:ln>
+        </p:spPr>
+        <p:style>
+          <a:lnRef idx="1">
+            <a:schemeClr val="accent1"/>
+          </a:lnRef>
+          <a:fillRef idx="0">
+            <a:schemeClr val="accent1"/>
+          </a:fillRef>
+          <a:effectRef idx="0">
+            <a:schemeClr val="accent1"/>
+          </a:effectRef>
+          <a:fontRef idx="minor">
+            <a:schemeClr val="tx1"/>
+          </a:fontRef>
+        </p:style>
+      </p:cxnSp>
+      <p:cxnSp>
+        <p:nvCxnSpPr>
+          <p:cNvPr id="166" name="直接连接符 165">
+            <a:extLst>
+              <a:ext uri="{FF2B5EF4-FFF2-40B4-BE49-F238E27FC236}">
+                <a16:creationId xmlns:a16="http://schemas.microsoft.com/office/drawing/2014/main" id="{888452A3-12ED-7E1E-BA84-E65492B1D72E}"/>
+              </a:ext>
+            </a:extLst>
+          </p:cNvPr>
+          <p:cNvCxnSpPr>
+            <a:cxnSpLocks/>
+            <a:stCxn id="147" idx="2"/>
+            <a:endCxn id="215" idx="0"/>
+          </p:cNvCxnSpPr>
+          <p:nvPr/>
+        </p:nvCxnSpPr>
+        <p:spPr>
+          <a:xfrm flipH="1">
+            <a:off x="3716981" y="1645725"/>
+            <a:ext cx="556540" cy="312544"/>
+          </a:xfrm>
+          <a:prstGeom prst="line">
+            <a:avLst/>
+          </a:prstGeom>
+          <a:ln w="12700">
+            <a:solidFill>
+              <a:schemeClr val="tx1"/>
+            </a:solidFill>
+          </a:ln>
+        </p:spPr>
+        <p:style>
+          <a:lnRef idx="1">
+            <a:schemeClr val="accent1"/>
+          </a:lnRef>
+          <a:fillRef idx="0">
+            <a:schemeClr val="accent1"/>
+          </a:fillRef>
+          <a:effectRef idx="0">
+            <a:schemeClr val="accent1"/>
+          </a:effectRef>
+          <a:fontRef idx="minor">
+            <a:schemeClr val="tx1"/>
+          </a:fontRef>
+        </p:style>
+      </p:cxnSp>
+      <p:cxnSp>
+        <p:nvCxnSpPr>
+          <p:cNvPr id="202" name="直接连接符 201">
+            <a:extLst>
+              <a:ext uri="{FF2B5EF4-FFF2-40B4-BE49-F238E27FC236}">
+                <a16:creationId xmlns:a16="http://schemas.microsoft.com/office/drawing/2014/main" id="{453E73D1-6A72-8ED7-76EE-CCBD57914043}"/>
+              </a:ext>
+            </a:extLst>
+          </p:cNvPr>
+          <p:cNvCxnSpPr>
+            <a:cxnSpLocks/>
+            <a:stCxn id="4" idx="0"/>
+            <a:endCxn id="147" idx="2"/>
+          </p:cNvCxnSpPr>
+          <p:nvPr/>
+        </p:nvCxnSpPr>
+        <p:spPr>
+          <a:xfrm flipH="1" flipV="1">
+            <a:off x="4273521" y="1645725"/>
+            <a:ext cx="1049743" cy="462264"/>
+          </a:xfrm>
+          <a:prstGeom prst="line">
+            <a:avLst/>
+          </a:prstGeom>
+          <a:ln w="12700">
+            <a:solidFill>
+              <a:schemeClr val="tx1"/>
+            </a:solidFill>
+          </a:ln>
+        </p:spPr>
+        <p:style>
+          <a:lnRef idx="1">
+            <a:schemeClr val="accent1"/>
+          </a:lnRef>
+          <a:fillRef idx="0">
+            <a:schemeClr val="accent1"/>
+          </a:fillRef>
+          <a:effectRef idx="0">
+            <a:schemeClr val="accent1"/>
+          </a:effectRef>
+          <a:fontRef idx="minor">
+            <a:schemeClr val="tx1"/>
+          </a:fontRef>
+        </p:style>
+      </p:cxnSp>
+      <mc:AlternateContent xmlns:mc="http://schemas.openxmlformats.org/markup-compatibility/2006">
+        <mc:Choice xmlns:a14="http://schemas.microsoft.com/office/drawing/2010/main" Requires="a14">
+          <p:sp>
+            <p:nvSpPr>
+              <p:cNvPr id="215" name="文本框 214">
+                <a:extLst>
+                  <a:ext uri="{FF2B5EF4-FFF2-40B4-BE49-F238E27FC236}">
+                    <a16:creationId xmlns:a16="http://schemas.microsoft.com/office/drawing/2014/main" id="{6E91EB17-9AE7-239F-C755-751CCDDD856F}"/>
+                  </a:ext>
+                </a:extLst>
+              </p:cNvPr>
+              <p:cNvSpPr txBox="1"/>
+              <p:nvPr/>
+            </p:nvSpPr>
+            <p:spPr>
+              <a:xfrm>
+                <a:off x="3286799" y="1958269"/>
+                <a:ext cx="860364" cy="369332"/>
+              </a:xfrm>
+              <a:prstGeom prst="rect">
+                <a:avLst/>
+              </a:prstGeom>
+              <a:noFill/>
+            </p:spPr>
+            <p:txBody>
+              <a:bodyPr wrap="none" rtlCol="0">
+                <a:spAutoFit/>
+              </a:bodyPr>
+              <a:lstStyle/>
+              <a:p>
+                <a:pPr/>
+                <a14:m>
+                  <m:oMathPara xmlns:m="http://schemas.openxmlformats.org/officeDocument/2006/math">
+                    <m:oMathParaPr>
+                      <m:jc m:val="centerGroup"/>
+                    </m:oMathParaPr>
+                    <m:oMath xmlns:m="http://schemas.openxmlformats.org/officeDocument/2006/math">
+                      <m:sSup>
+                        <m:sSupPr>
+                          <m:ctrlPr>
+                            <a:rPr lang="en-US" altLang="zh-CN" i="1" smtClean="0">
+                              <a:latin typeface="Cambria Math" panose="02040503050406030204" pitchFamily="18" charset="0"/>
+                            </a:rPr>
+                          </m:ctrlPr>
+                        </m:sSupPr>
+                        <m:e>
+                          <m:r>
+                            <a:rPr lang="en-US" altLang="zh-CN" b="0" i="1" smtClean="0">
+                              <a:latin typeface="Cambria Math" panose="02040503050406030204" pitchFamily="18" charset="0"/>
+                            </a:rPr>
+                            <m:t>𝑃𝑟𝑒𝑑</m:t>
+                          </m:r>
+                        </m:e>
+                        <m:sup>
+                          <m:r>
+                            <a:rPr lang="en-US" altLang="zh-CN" b="0" i="1" smtClean="0">
+                              <a:latin typeface="Cambria Math" panose="02040503050406030204" pitchFamily="18" charset="0"/>
+                            </a:rPr>
+                            <m:t>0</m:t>
+                          </m:r>
+                        </m:sup>
+                      </m:sSup>
+                    </m:oMath>
+                  </m:oMathPara>
+                </a14:m>
+                <a:endParaRPr lang="en-US" altLang="zh-CN" dirty="0"/>
+              </a:p>
+            </p:txBody>
+          </p:sp>
+        </mc:Choice>
+        <mc:Fallback>
+          <p:sp>
+            <p:nvSpPr>
+              <p:cNvPr id="215" name="文本框 214">
+                <a:extLst>
+                  <a:ext uri="{FF2B5EF4-FFF2-40B4-BE49-F238E27FC236}">
+                    <a16:creationId xmlns:a16="http://schemas.microsoft.com/office/drawing/2014/main" id="{6E91EB17-9AE7-239F-C755-751CCDDD856F}"/>
+                  </a:ext>
+                </a:extLst>
+              </p:cNvPr>
+              <p:cNvSpPr txBox="1">
+                <a:spLocks noRot="1" noChangeAspect="1" noMove="1" noResize="1" noEditPoints="1" noAdjustHandles="1" noChangeArrowheads="1" noChangeShapeType="1" noTextEdit="1"/>
+              </p:cNvSpPr>
+              <p:nvPr/>
+            </p:nvSpPr>
+            <p:spPr>
+              <a:xfrm>
+                <a:off x="3286799" y="1958269"/>
+                <a:ext cx="860364" cy="369332"/>
+              </a:xfrm>
+              <a:prstGeom prst="rect">
+                <a:avLst/>
+              </a:prstGeom>
+              <a:blipFill>
+                <a:blip r:embed="rId20"/>
+                <a:stretch>
+                  <a:fillRect/>
+                </a:stretch>
+              </a:blipFill>
+            </p:spPr>
+            <p:txBody>
+              <a:bodyPr/>
+              <a:lstStyle/>
+              <a:p>
+                <a:r>
+                  <a:rPr lang="zh-CN" altLang="en-US">
+                    <a:noFill/>
+                  </a:rPr>
+                  <a:t> </a:t>
+                </a:r>
+              </a:p>
+            </p:txBody>
+          </p:sp>
+        </mc:Fallback>
+      </mc:AlternateContent>
+      <p:sp>
+        <p:nvSpPr>
+          <p:cNvPr id="229" name="等腰三角形 228">
+            <a:extLst>
+              <a:ext uri="{FF2B5EF4-FFF2-40B4-BE49-F238E27FC236}">
+                <a16:creationId xmlns:a16="http://schemas.microsoft.com/office/drawing/2014/main" id="{763893E1-3983-DC82-B082-E742B28E0787}"/>
+              </a:ext>
+            </a:extLst>
+          </p:cNvPr>
+          <p:cNvSpPr/>
+          <p:nvPr/>
+        </p:nvSpPr>
+        <p:spPr>
+          <a:xfrm>
+            <a:off x="3987372" y="3116302"/>
+            <a:ext cx="684655" cy="230414"/>
+          </a:xfrm>
+          <a:prstGeom prst="triangle">
+            <a:avLst/>
+          </a:prstGeom>
+          <a:noFill/>
+          <a:ln>
+            <a:solidFill>
+              <a:schemeClr val="tx1"/>
+            </a:solidFill>
+          </a:ln>
+        </p:spPr>
+        <p:style>
+          <a:lnRef idx="2">
+            <a:schemeClr val="accent1">
+              <a:shade val="15000"/>
+            </a:schemeClr>
+          </a:lnRef>
+          <a:fillRef idx="1">
+            <a:schemeClr val="accent1"/>
+          </a:fillRef>
+          <a:effectRef idx="0">
+            <a:schemeClr val="accent1"/>
+          </a:effectRef>
+          <a:fontRef idx="minor">
+            <a:schemeClr val="lt1"/>
+          </a:fontRef>
+        </p:style>
+        <p:txBody>
+          <a:bodyPr rtlCol="0" anchor="ctr"/>
+          <a:lstStyle/>
+          <a:p>
+            <a:pPr algn="ctr"/>
+            <a:endParaRPr lang="zh-CN" altLang="en-US"/>
+          </a:p>
+        </p:txBody>
+      </p:sp>
+      <mc:AlternateContent xmlns:mc="http://schemas.openxmlformats.org/markup-compatibility/2006">
+        <mc:Choice xmlns:a14="http://schemas.microsoft.com/office/drawing/2010/main" Requires="a14">
+          <p:sp>
+            <p:nvSpPr>
+              <p:cNvPr id="230" name="文本框 229">
+                <a:extLst>
+                  <a:ext uri="{FF2B5EF4-FFF2-40B4-BE49-F238E27FC236}">
+                    <a16:creationId xmlns:a16="http://schemas.microsoft.com/office/drawing/2014/main" id="{AB43F32C-9BA1-0B2A-2388-E3F83F6C5175}"/>
+                  </a:ext>
+                </a:extLst>
+              </p:cNvPr>
+              <p:cNvSpPr txBox="1"/>
+              <p:nvPr/>
+            </p:nvSpPr>
+            <p:spPr>
+              <a:xfrm>
+                <a:off x="3897562" y="3324334"/>
+                <a:ext cx="753027" cy="369332"/>
+              </a:xfrm>
+              <a:prstGeom prst="rect">
+                <a:avLst/>
+              </a:prstGeom>
+              <a:noFill/>
+            </p:spPr>
+            <p:txBody>
+              <a:bodyPr wrap="none" rtlCol="0">
+                <a:spAutoFit/>
+              </a:bodyPr>
+              <a:lstStyle/>
+              <a:p>
+                <a:pPr/>
+                <a14:m>
+                  <m:oMathPara xmlns:m="http://schemas.openxmlformats.org/officeDocument/2006/math">
+                    <m:oMathParaPr>
+                      <m:jc m:val="centerGroup"/>
+                    </m:oMathParaPr>
+                    <m:oMath xmlns:m="http://schemas.openxmlformats.org/officeDocument/2006/math">
+                      <m:r>
+                        <a:rPr lang="en-US" altLang="zh-CN" b="0" i="1" smtClean="0">
+                          <a:latin typeface="Cambria Math" panose="02040503050406030204" pitchFamily="18" charset="0"/>
+                        </a:rPr>
+                        <m:t> 2 </m:t>
+                      </m:r>
+                      <m:r>
+                        <a:rPr lang="en-US" altLang="zh-CN" b="0" i="1" smtClean="0">
+                          <a:latin typeface="Cambria Math" panose="02040503050406030204" pitchFamily="18" charset="0"/>
+                        </a:rPr>
+                        <m:t>𝑚𝑖</m:t>
+                      </m:r>
+                    </m:oMath>
+                  </m:oMathPara>
+                </a14:m>
+                <a:endParaRPr lang="zh-CN" altLang="en-US" dirty="0"/>
+              </a:p>
+            </p:txBody>
+          </p:sp>
+        </mc:Choice>
+        <mc:Fallback>
+          <p:sp>
+            <p:nvSpPr>
+              <p:cNvPr id="230" name="文本框 229">
+                <a:extLst>
+                  <a:ext uri="{FF2B5EF4-FFF2-40B4-BE49-F238E27FC236}">
+                    <a16:creationId xmlns:a16="http://schemas.microsoft.com/office/drawing/2014/main" id="{AB43F32C-9BA1-0B2A-2388-E3F83F6C5175}"/>
+                  </a:ext>
+                </a:extLst>
+              </p:cNvPr>
+              <p:cNvSpPr txBox="1">
+                <a:spLocks noRot="1" noChangeAspect="1" noMove="1" noResize="1" noEditPoints="1" noAdjustHandles="1" noChangeArrowheads="1" noChangeShapeType="1" noTextEdit="1"/>
+              </p:cNvSpPr>
+              <p:nvPr/>
+            </p:nvSpPr>
+            <p:spPr>
+              <a:xfrm>
+                <a:off x="3897562" y="3324334"/>
+                <a:ext cx="753027" cy="369332"/>
+              </a:xfrm>
+              <a:prstGeom prst="rect">
+                <a:avLst/>
+              </a:prstGeom>
+              <a:blipFill>
+                <a:blip r:embed="rId21"/>
+                <a:stretch>
+                  <a:fillRect/>
+                </a:stretch>
+              </a:blipFill>
+            </p:spPr>
+            <p:txBody>
+              <a:bodyPr/>
+              <a:lstStyle/>
+              <a:p>
+                <a:r>
+                  <a:rPr lang="zh-CN" altLang="en-US">
+                    <a:noFill/>
+                  </a:rPr>
+                  <a:t> </a:t>
+                </a:r>
+              </a:p>
+            </p:txBody>
+          </p:sp>
+        </mc:Fallback>
+      </mc:AlternateContent>
+      <mc:AlternateContent xmlns:mc="http://schemas.openxmlformats.org/markup-compatibility/2006">
+        <mc:Choice xmlns:a14="http://schemas.microsoft.com/office/drawing/2010/main" Requires="a14">
+          <p:sp>
+            <p:nvSpPr>
+              <p:cNvPr id="50" name="文本框 49">
+                <a:extLst>
+                  <a:ext uri="{FF2B5EF4-FFF2-40B4-BE49-F238E27FC236}">
+                    <a16:creationId xmlns:a16="http://schemas.microsoft.com/office/drawing/2014/main" id="{8D196B61-DC70-4FEF-B2F5-70F745A4D717}"/>
+                  </a:ext>
+                </a:extLst>
+              </p:cNvPr>
+              <p:cNvSpPr txBox="1"/>
+              <p:nvPr/>
+            </p:nvSpPr>
+            <p:spPr>
+              <a:xfrm>
+                <a:off x="3280060" y="2232270"/>
+                <a:ext cx="690637" cy="369332"/>
+              </a:xfrm>
+              <a:prstGeom prst="rect">
+                <a:avLst/>
+              </a:prstGeom>
+              <a:noFill/>
+            </p:spPr>
+            <p:txBody>
+              <a:bodyPr wrap="none" rtlCol="0">
+                <a:spAutoFit/>
+              </a:bodyPr>
+              <a:lstStyle/>
+              <a:p>
+                <a:pPr/>
+                <a14:m>
+                  <m:oMathPara xmlns:m="http://schemas.openxmlformats.org/officeDocument/2006/math">
+                    <m:oMathParaPr>
+                      <m:jc m:val="centerGroup"/>
+                    </m:oMathParaPr>
+                    <m:oMath xmlns:m="http://schemas.openxmlformats.org/officeDocument/2006/math">
+                      <m:r>
+                        <a:rPr lang="en-US" altLang="zh-CN" b="0" i="1" smtClean="0">
+                          <a:latin typeface="Cambria Math" panose="02040503050406030204" pitchFamily="18" charset="0"/>
+                        </a:rPr>
+                        <m:t> </m:t>
+                      </m:r>
+                      <m:r>
+                        <a:rPr lang="en-US" altLang="zh-CN" b="0" i="1" smtClean="0">
+                          <a:latin typeface="Cambria Math" panose="02040503050406030204" pitchFamily="18" charset="0"/>
+                        </a:rPr>
+                        <m:t>𝑦𝑜𝑢</m:t>
+                      </m:r>
+                    </m:oMath>
+                  </m:oMathPara>
+                </a14:m>
+                <a:endParaRPr lang="zh-CN" altLang="en-US" dirty="0"/>
+              </a:p>
+            </p:txBody>
+          </p:sp>
+        </mc:Choice>
+        <mc:Fallback>
+          <p:sp>
+            <p:nvSpPr>
+              <p:cNvPr id="50" name="文本框 49">
+                <a:extLst>
+                  <a:ext uri="{FF2B5EF4-FFF2-40B4-BE49-F238E27FC236}">
+                    <a16:creationId xmlns:a16="http://schemas.microsoft.com/office/drawing/2014/main" id="{8D196B61-DC70-4FEF-B2F5-70F745A4D717}"/>
+                  </a:ext>
+                </a:extLst>
+              </p:cNvPr>
+              <p:cNvSpPr txBox="1">
+                <a:spLocks noRot="1" noChangeAspect="1" noMove="1" noResize="1" noEditPoints="1" noAdjustHandles="1" noChangeArrowheads="1" noChangeShapeType="1" noTextEdit="1"/>
+              </p:cNvSpPr>
+              <p:nvPr/>
+            </p:nvSpPr>
+            <p:spPr>
+              <a:xfrm>
+                <a:off x="3280060" y="2232270"/>
+                <a:ext cx="690637" cy="369332"/>
+              </a:xfrm>
+              <a:prstGeom prst="rect">
+                <a:avLst/>
+              </a:prstGeom>
+              <a:blipFill>
+                <a:blip r:embed="rId22"/>
+                <a:stretch>
+                  <a:fillRect b="-6557"/>
+                </a:stretch>
+              </a:blipFill>
+            </p:spPr>
+            <p:txBody>
+              <a:bodyPr/>
+              <a:lstStyle/>
+              <a:p>
+                <a:r>
+                  <a:rPr lang="zh-CN" altLang="en-US">
+                    <a:noFill/>
+                  </a:rPr>
+                  <a:t> </a:t>
+                </a:r>
+              </a:p>
+            </p:txBody>
+          </p:sp>
+        </mc:Fallback>
+      </mc:AlternateContent>
+    </p:spTree>
+    <p:extLst>
+      <p:ext uri="{BB962C8B-B14F-4D97-AF65-F5344CB8AC3E}">
+        <p14:creationId xmlns:p14="http://schemas.microsoft.com/office/powerpoint/2010/main" val="30283453"/>
+      </p:ext>
+    </p:extLst>
+  </p:cSld>
+  <p:clrMapOvr>
+    <a:masterClrMapping/>
+  </p:clrMapOvr>
+</p:sld>
+</file>
+
 <file path=ppt/slides/slide2.xml><?xml version="1.0" encoding="utf-8"?>
 <p:sld xmlns:a="http://schemas.openxmlformats.org/drawingml/2006/main" xmlns:r="http://schemas.openxmlformats.org/officeDocument/2006/relationships" xmlns:p="http://schemas.openxmlformats.org/presentationml/2006/main">
   <p:cSld>
@@ -11229,8 +14142,8 @@
           <a:chExt cx="0" cy="0"/>
         </a:xfrm>
       </p:grpSpPr>
-      <mc:AlternateContent xmlns:mc="http://schemas.openxmlformats.org/markup-compatibility/2006">
-        <mc:Choice xmlns:a14="http://schemas.microsoft.com/office/drawing/2010/main" Requires="a14">
+      <mc:AlternateContent xmlns:mc="http://schemas.openxmlformats.org/markup-compatibility/2006" xmlns:a14="http://schemas.microsoft.com/office/drawing/2010/main">
+        <mc:Choice Requires="a14">
           <p:sp>
             <p:nvSpPr>
               <p:cNvPr id="3" name="文本框 2">
@@ -11280,7 +14193,7 @@
             </p:txBody>
           </p:sp>
         </mc:Choice>
-        <mc:Fallback>
+        <mc:Fallback xmlns="">
           <p:sp>
             <p:nvSpPr>
               <p:cNvPr id="3" name="文本框 2">
@@ -11325,8 +14238,8 @@
           </p:sp>
         </mc:Fallback>
       </mc:AlternateContent>
-      <mc:AlternateContent xmlns:mc="http://schemas.openxmlformats.org/markup-compatibility/2006">
-        <mc:Choice xmlns:a14="http://schemas.microsoft.com/office/drawing/2010/main" Requires="a14">
+      <mc:AlternateContent xmlns:mc="http://schemas.openxmlformats.org/markup-compatibility/2006" xmlns:a14="http://schemas.microsoft.com/office/drawing/2010/main">
+        <mc:Choice Requires="a14">
           <p:sp>
             <p:nvSpPr>
               <p:cNvPr id="10" name="文本框 9">
@@ -11382,7 +14295,7 @@
             </p:txBody>
           </p:sp>
         </mc:Choice>
-        <mc:Fallback>
+        <mc:Fallback xmlns="">
           <p:sp>
             <p:nvSpPr>
               <p:cNvPr id="10" name="文本框 9">
@@ -11427,8 +14340,8 @@
           </p:sp>
         </mc:Fallback>
       </mc:AlternateContent>
-      <mc:AlternateContent xmlns:mc="http://schemas.openxmlformats.org/markup-compatibility/2006">
-        <mc:Choice xmlns:a14="http://schemas.microsoft.com/office/drawing/2010/main" Requires="a14">
+      <mc:AlternateContent xmlns:mc="http://schemas.openxmlformats.org/markup-compatibility/2006" xmlns:a14="http://schemas.microsoft.com/office/drawing/2010/main">
+        <mc:Choice Requires="a14">
           <p:sp>
             <p:nvSpPr>
               <p:cNvPr id="12" name="文本框 11">
@@ -11457,6 +14370,7 @@
               </a:bodyPr>
               <a:lstStyle/>
               <a:p>
+                <a:pPr/>
                 <a14:m>
                   <m:oMathPara xmlns:m="http://schemas.openxmlformats.org/officeDocument/2006/math">
                     <m:oMathParaPr>
@@ -11477,7 +14391,7 @@
             </p:txBody>
           </p:sp>
         </mc:Choice>
-        <mc:Fallback>
+        <mc:Fallback xmlns="">
           <p:sp>
             <p:nvSpPr>
               <p:cNvPr id="12" name="文本框 11">
@@ -11657,8 +14571,8 @@
           </a:fontRef>
         </p:style>
       </p:cxnSp>
-      <mc:AlternateContent xmlns:mc="http://schemas.openxmlformats.org/markup-compatibility/2006">
-        <mc:Choice xmlns:a14="http://schemas.microsoft.com/office/drawing/2010/main" Requires="a14">
+      <mc:AlternateContent xmlns:mc="http://schemas.openxmlformats.org/markup-compatibility/2006" xmlns:a14="http://schemas.microsoft.com/office/drawing/2010/main">
+        <mc:Choice Requires="a14">
           <p:sp>
             <p:nvSpPr>
               <p:cNvPr id="41" name="文本框 40">
@@ -11708,7 +14622,7 @@
             </p:txBody>
           </p:sp>
         </mc:Choice>
-        <mc:Fallback>
+        <mc:Fallback xmlns="">
           <p:sp>
             <p:nvSpPr>
               <p:cNvPr id="41" name="文本框 40">
@@ -11847,8 +14761,8 @@
           </a:fontRef>
         </p:style>
       </p:cxnSp>
-      <mc:AlternateContent xmlns:mc="http://schemas.openxmlformats.org/markup-compatibility/2006">
-        <mc:Choice xmlns:a14="http://schemas.microsoft.com/office/drawing/2010/main" Requires="a14">
+      <mc:AlternateContent xmlns:mc="http://schemas.openxmlformats.org/markup-compatibility/2006" xmlns:a14="http://schemas.microsoft.com/office/drawing/2010/main">
+        <mc:Choice Requires="a14">
           <p:sp>
             <p:nvSpPr>
               <p:cNvPr id="112" name="文本框 111">
@@ -11917,7 +14831,7 @@
             </p:txBody>
           </p:sp>
         </mc:Choice>
-        <mc:Fallback>
+        <mc:Fallback xmlns="">
           <p:sp>
             <p:nvSpPr>
               <p:cNvPr id="112" name="文本框 111">
@@ -11962,8 +14876,8 @@
           </p:sp>
         </mc:Fallback>
       </mc:AlternateContent>
-      <mc:AlternateContent xmlns:mc="http://schemas.openxmlformats.org/markup-compatibility/2006">
-        <mc:Choice xmlns:a14="http://schemas.microsoft.com/office/drawing/2010/main" Requires="a14">
+      <mc:AlternateContent xmlns:mc="http://schemas.openxmlformats.org/markup-compatibility/2006" xmlns:a14="http://schemas.microsoft.com/office/drawing/2010/main">
+        <mc:Choice Requires="a14">
           <p:sp>
             <p:nvSpPr>
               <p:cNvPr id="141" name="文本框 140">
@@ -12032,7 +14946,7 @@
             </p:txBody>
           </p:sp>
         </mc:Choice>
-        <mc:Fallback>
+        <mc:Fallback xmlns="">
           <p:sp>
             <p:nvSpPr>
               <p:cNvPr id="141" name="文本框 140">
@@ -12122,8 +15036,8 @@
           </a:fontRef>
         </p:style>
       </p:cxnSp>
-      <mc:AlternateContent xmlns:mc="http://schemas.openxmlformats.org/markup-compatibility/2006">
-        <mc:Choice xmlns:a14="http://schemas.microsoft.com/office/drawing/2010/main" Requires="a14">
+      <mc:AlternateContent xmlns:mc="http://schemas.openxmlformats.org/markup-compatibility/2006" xmlns:a14="http://schemas.microsoft.com/office/drawing/2010/main">
+        <mc:Choice Requires="a14">
           <p:sp>
             <p:nvSpPr>
               <p:cNvPr id="38" name="文本框 37">
@@ -12179,7 +15093,7 @@
             </p:txBody>
           </p:sp>
         </mc:Choice>
-        <mc:Fallback>
+        <mc:Fallback xmlns="">
           <p:sp>
             <p:nvSpPr>
               <p:cNvPr id="38" name="文本框 37">
@@ -12224,8 +15138,8 @@
           </p:sp>
         </mc:Fallback>
       </mc:AlternateContent>
-      <mc:AlternateContent xmlns:mc="http://schemas.openxmlformats.org/markup-compatibility/2006">
-        <mc:Choice xmlns:a14="http://schemas.microsoft.com/office/drawing/2010/main" Requires="a14">
+      <mc:AlternateContent xmlns:mc="http://schemas.openxmlformats.org/markup-compatibility/2006" xmlns:a14="http://schemas.microsoft.com/office/drawing/2010/main">
+        <mc:Choice Requires="a14">
           <p:sp>
             <p:nvSpPr>
               <p:cNvPr id="42" name="文本框 41">
@@ -12294,7 +15208,7 @@
             </p:txBody>
           </p:sp>
         </mc:Choice>
-        <mc:Fallback>
+        <mc:Fallback xmlns="">
           <p:sp>
             <p:nvSpPr>
               <p:cNvPr id="42" name="文本框 41">
@@ -12339,8 +15253,8 @@
           </p:sp>
         </mc:Fallback>
       </mc:AlternateContent>
-      <mc:AlternateContent xmlns:mc="http://schemas.openxmlformats.org/markup-compatibility/2006">
-        <mc:Choice xmlns:a14="http://schemas.microsoft.com/office/drawing/2010/main" Requires="a14">
+      <mc:AlternateContent xmlns:mc="http://schemas.openxmlformats.org/markup-compatibility/2006" xmlns:a14="http://schemas.microsoft.com/office/drawing/2010/main">
+        <mc:Choice Requires="a14">
           <p:sp>
             <p:nvSpPr>
               <p:cNvPr id="44" name="文本框 43">
@@ -12396,7 +15310,7 @@
             </p:txBody>
           </p:sp>
         </mc:Choice>
-        <mc:Fallback>
+        <mc:Fallback xmlns="">
           <p:sp>
             <p:nvSpPr>
               <p:cNvPr id="44" name="文本框 43">
@@ -12583,8 +15497,8 @@
           </a:fontRef>
         </p:style>
       </p:cxnSp>
-      <mc:AlternateContent xmlns:mc="http://schemas.openxmlformats.org/markup-compatibility/2006">
-        <mc:Choice xmlns:a14="http://schemas.microsoft.com/office/drawing/2010/main" Requires="a14">
+      <mc:AlternateContent xmlns:mc="http://schemas.openxmlformats.org/markup-compatibility/2006" xmlns:a14="http://schemas.microsoft.com/office/drawing/2010/main">
+        <mc:Choice Requires="a14">
           <p:sp>
             <p:nvSpPr>
               <p:cNvPr id="57" name="文本框 56">
@@ -12613,7 +15527,6 @@
               </a:bodyPr>
               <a:lstStyle/>
               <a:p>
-                <a:pPr/>
                 <a14:m>
                   <m:oMath xmlns:m="http://schemas.openxmlformats.org/officeDocument/2006/math">
                     <m:sSub>
@@ -12662,7 +15575,7 @@
             </p:txBody>
           </p:sp>
         </mc:Choice>
-        <mc:Fallback>
+        <mc:Fallback xmlns="">
           <p:sp>
             <p:nvSpPr>
               <p:cNvPr id="57" name="文本框 56">
@@ -13516,8 +16429,8 @@
           </a:fontRef>
         </p:style>
       </p:cxnSp>
-      <mc:AlternateContent xmlns:mc="http://schemas.openxmlformats.org/markup-compatibility/2006">
-        <mc:Choice xmlns:a14="http://schemas.microsoft.com/office/drawing/2010/main" Requires="a14">
+      <mc:AlternateContent xmlns:mc="http://schemas.openxmlformats.org/markup-compatibility/2006" xmlns:a14="http://schemas.microsoft.com/office/drawing/2010/main">
+        <mc:Choice Requires="a14">
           <p:sp>
             <p:nvSpPr>
               <p:cNvPr id="47" name="文本框 46">
@@ -13586,7 +16499,7 @@
             </p:txBody>
           </p:sp>
         </mc:Choice>
-        <mc:Fallback>
+        <mc:Fallback xmlns="">
           <p:sp>
             <p:nvSpPr>
               <p:cNvPr id="47" name="文本框 46">
@@ -13676,8 +16589,8 @@
           </a:fontRef>
         </p:style>
       </p:cxnSp>
-      <mc:AlternateContent xmlns:mc="http://schemas.openxmlformats.org/markup-compatibility/2006">
-        <mc:Choice xmlns:a14="http://schemas.microsoft.com/office/drawing/2010/main" Requires="a14">
+      <mc:AlternateContent xmlns:mc="http://schemas.openxmlformats.org/markup-compatibility/2006" xmlns:a14="http://schemas.microsoft.com/office/drawing/2010/main">
+        <mc:Choice Requires="a14">
           <p:sp>
             <p:nvSpPr>
               <p:cNvPr id="90" name="文本框 89">
@@ -13754,7 +16667,7 @@
             </p:txBody>
           </p:sp>
         </mc:Choice>
-        <mc:Fallback>
+        <mc:Fallback xmlns="">
           <p:sp>
             <p:nvSpPr>
               <p:cNvPr id="90" name="文本框 89">
@@ -13848,8 +16761,8 @@
           </a:fontRef>
         </p:style>
       </p:cxnSp>
-      <mc:AlternateContent xmlns:mc="http://schemas.openxmlformats.org/markup-compatibility/2006">
-        <mc:Choice xmlns:a14="http://schemas.microsoft.com/office/drawing/2010/main" Requires="a14">
+      <mc:AlternateContent xmlns:mc="http://schemas.openxmlformats.org/markup-compatibility/2006" xmlns:a14="http://schemas.microsoft.com/office/drawing/2010/main">
+        <mc:Choice Requires="a14">
           <p:sp>
             <p:nvSpPr>
               <p:cNvPr id="112" name="文本框 111">
@@ -13918,7 +16831,7 @@
             </p:txBody>
           </p:sp>
         </mc:Choice>
-        <mc:Fallback>
+        <mc:Fallback xmlns="">
           <p:sp>
             <p:nvSpPr>
               <p:cNvPr id="112" name="文本框 111">
@@ -13963,8 +16876,8 @@
           </p:sp>
         </mc:Fallback>
       </mc:AlternateContent>
-      <mc:AlternateContent xmlns:mc="http://schemas.openxmlformats.org/markup-compatibility/2006">
-        <mc:Choice xmlns:a14="http://schemas.microsoft.com/office/drawing/2010/main" Requires="a14">
+      <mc:AlternateContent xmlns:mc="http://schemas.openxmlformats.org/markup-compatibility/2006" xmlns:a14="http://schemas.microsoft.com/office/drawing/2010/main">
+        <mc:Choice Requires="a14">
           <p:sp>
             <p:nvSpPr>
               <p:cNvPr id="33" name="文本框 32">
@@ -14020,7 +16933,7 @@
             </p:txBody>
           </p:sp>
         </mc:Choice>
-        <mc:Fallback>
+        <mc:Fallback xmlns="">
           <p:sp>
             <p:nvSpPr>
               <p:cNvPr id="33" name="文本框 32">
@@ -14095,8 +17008,8 @@
           <a:chExt cx="0" cy="0"/>
         </a:xfrm>
       </p:grpSpPr>
-      <mc:AlternateContent xmlns:mc="http://schemas.openxmlformats.org/markup-compatibility/2006">
-        <mc:Choice xmlns:a14="http://schemas.microsoft.com/office/drawing/2010/main" Requires="a14">
+      <mc:AlternateContent xmlns:mc="http://schemas.openxmlformats.org/markup-compatibility/2006" xmlns:a14="http://schemas.microsoft.com/office/drawing/2010/main">
+        <mc:Choice Requires="a14">
           <p:sp>
             <p:nvSpPr>
               <p:cNvPr id="4" name="文本框 3">
@@ -14146,7 +17059,7 @@
             </p:txBody>
           </p:sp>
         </mc:Choice>
-        <mc:Fallback>
+        <mc:Fallback xmlns="">
           <p:sp>
             <p:nvSpPr>
               <p:cNvPr id="4" name="文本框 3">
@@ -14191,8 +17104,8 @@
           </p:sp>
         </mc:Fallback>
       </mc:AlternateContent>
-      <mc:AlternateContent xmlns:mc="http://schemas.openxmlformats.org/markup-compatibility/2006">
-        <mc:Choice xmlns:a14="http://schemas.microsoft.com/office/drawing/2010/main" Requires="a14">
+      <mc:AlternateContent xmlns:mc="http://schemas.openxmlformats.org/markup-compatibility/2006" xmlns:a14="http://schemas.microsoft.com/office/drawing/2010/main">
+        <mc:Choice Requires="a14">
           <p:sp>
             <p:nvSpPr>
               <p:cNvPr id="3" name="文本框 2">
@@ -14248,7 +17161,7 @@
             </p:txBody>
           </p:sp>
         </mc:Choice>
-        <mc:Fallback>
+        <mc:Fallback xmlns="">
           <p:sp>
             <p:nvSpPr>
               <p:cNvPr id="3" name="文本框 2">
@@ -14293,8 +17206,8 @@
           </p:sp>
         </mc:Fallback>
       </mc:AlternateContent>
-      <mc:AlternateContent xmlns:mc="http://schemas.openxmlformats.org/markup-compatibility/2006">
-        <mc:Choice xmlns:a14="http://schemas.microsoft.com/office/drawing/2010/main" Requires="a14">
+      <mc:AlternateContent xmlns:mc="http://schemas.openxmlformats.org/markup-compatibility/2006" xmlns:a14="http://schemas.microsoft.com/office/drawing/2010/main">
+        <mc:Choice Requires="a14">
           <p:sp>
             <p:nvSpPr>
               <p:cNvPr id="6" name="文本框 5">
@@ -14344,7 +17257,7 @@
             </p:txBody>
           </p:sp>
         </mc:Choice>
-        <mc:Fallback>
+        <mc:Fallback xmlns="">
           <p:sp>
             <p:nvSpPr>
               <p:cNvPr id="6" name="文本框 5">
@@ -14389,8 +17302,8 @@
           </p:sp>
         </mc:Fallback>
       </mc:AlternateContent>
-      <mc:AlternateContent xmlns:mc="http://schemas.openxmlformats.org/markup-compatibility/2006">
-        <mc:Choice xmlns:a14="http://schemas.microsoft.com/office/drawing/2010/main" Requires="a14">
+      <mc:AlternateContent xmlns:mc="http://schemas.openxmlformats.org/markup-compatibility/2006" xmlns:a14="http://schemas.microsoft.com/office/drawing/2010/main">
+        <mc:Choice Requires="a14">
           <p:sp>
             <p:nvSpPr>
               <p:cNvPr id="7" name="文本框 6">
@@ -14440,7 +17353,7 @@
             </p:txBody>
           </p:sp>
         </mc:Choice>
-        <mc:Fallback>
+        <mc:Fallback xmlns="">
           <p:sp>
             <p:nvSpPr>
               <p:cNvPr id="7" name="文本框 6">
@@ -14485,8 +17398,8 @@
           </p:sp>
         </mc:Fallback>
       </mc:AlternateContent>
-      <mc:AlternateContent xmlns:mc="http://schemas.openxmlformats.org/markup-compatibility/2006">
-        <mc:Choice xmlns:a14="http://schemas.microsoft.com/office/drawing/2010/main" Requires="a14">
+      <mc:AlternateContent xmlns:mc="http://schemas.openxmlformats.org/markup-compatibility/2006" xmlns:a14="http://schemas.microsoft.com/office/drawing/2010/main">
+        <mc:Choice Requires="a14">
           <p:sp>
             <p:nvSpPr>
               <p:cNvPr id="8" name="文本框 7">
@@ -14542,7 +17455,7 @@
             </p:txBody>
           </p:sp>
         </mc:Choice>
-        <mc:Fallback>
+        <mc:Fallback xmlns="">
           <p:sp>
             <p:nvSpPr>
               <p:cNvPr id="8" name="文本框 7">
@@ -14587,8 +17500,8 @@
           </p:sp>
         </mc:Fallback>
       </mc:AlternateContent>
-      <mc:AlternateContent xmlns:mc="http://schemas.openxmlformats.org/markup-compatibility/2006">
-        <mc:Choice xmlns:a14="http://schemas.microsoft.com/office/drawing/2010/main" Requires="a14">
+      <mc:AlternateContent xmlns:mc="http://schemas.openxmlformats.org/markup-compatibility/2006" xmlns:a14="http://schemas.microsoft.com/office/drawing/2010/main">
+        <mc:Choice Requires="a14">
           <p:sp>
             <p:nvSpPr>
               <p:cNvPr id="9" name="文本框 8">
@@ -14657,7 +17570,7 @@
             </p:txBody>
           </p:sp>
         </mc:Choice>
-        <mc:Fallback>
+        <mc:Fallback xmlns="">
           <p:sp>
             <p:nvSpPr>
               <p:cNvPr id="9" name="文本框 8">
@@ -14702,8 +17615,8 @@
           </p:sp>
         </mc:Fallback>
       </mc:AlternateContent>
-      <mc:AlternateContent xmlns:mc="http://schemas.openxmlformats.org/markup-compatibility/2006">
-        <mc:Choice xmlns:a14="http://schemas.microsoft.com/office/drawing/2010/main" Requires="a14">
+      <mc:AlternateContent xmlns:mc="http://schemas.openxmlformats.org/markup-compatibility/2006" xmlns:a14="http://schemas.microsoft.com/office/drawing/2010/main">
+        <mc:Choice Requires="a14">
           <p:sp>
             <p:nvSpPr>
               <p:cNvPr id="10" name="文本框 9">
@@ -14753,7 +17666,7 @@
             </p:txBody>
           </p:sp>
         </mc:Choice>
-        <mc:Fallback>
+        <mc:Fallback xmlns="">
           <p:sp>
             <p:nvSpPr>
               <p:cNvPr id="10" name="文本框 9">
@@ -14798,8 +17711,8 @@
           </p:sp>
         </mc:Fallback>
       </mc:AlternateContent>
-      <mc:AlternateContent xmlns:mc="http://schemas.openxmlformats.org/markup-compatibility/2006">
-        <mc:Choice xmlns:a14="http://schemas.microsoft.com/office/drawing/2010/main" Requires="a14">
+      <mc:AlternateContent xmlns:mc="http://schemas.openxmlformats.org/markup-compatibility/2006" xmlns:a14="http://schemas.microsoft.com/office/drawing/2010/main">
+        <mc:Choice Requires="a14">
           <p:sp>
             <p:nvSpPr>
               <p:cNvPr id="12" name="文本框 11">
@@ -14868,7 +17781,7 @@
             </p:txBody>
           </p:sp>
         </mc:Choice>
-        <mc:Fallback>
+        <mc:Fallback xmlns="">
           <p:sp>
             <p:nvSpPr>
               <p:cNvPr id="12" name="文本框 11">
@@ -15272,8 +18185,8 @@
           </a:fontRef>
         </p:style>
       </p:cxnSp>
-      <mc:AlternateContent xmlns:mc="http://schemas.openxmlformats.org/markup-compatibility/2006">
-        <mc:Choice xmlns:a14="http://schemas.microsoft.com/office/drawing/2010/main" Requires="a14">
+      <mc:AlternateContent xmlns:mc="http://schemas.openxmlformats.org/markup-compatibility/2006" xmlns:a14="http://schemas.microsoft.com/office/drawing/2010/main">
+        <mc:Choice Requires="a14">
           <p:sp>
             <p:nvSpPr>
               <p:cNvPr id="115" name="文本框 114">
@@ -15342,7 +18255,7 @@
             </p:txBody>
           </p:sp>
         </mc:Choice>
-        <mc:Fallback>
+        <mc:Fallback xmlns="">
           <p:sp>
             <p:nvSpPr>
               <p:cNvPr id="115" name="文本框 114">
@@ -15439,8 +18352,8 @@
           </a:p>
         </p:txBody>
       </p:sp>
-      <mc:AlternateContent xmlns:mc="http://schemas.openxmlformats.org/markup-compatibility/2006">
-        <mc:Choice xmlns:a14="http://schemas.microsoft.com/office/drawing/2010/main" Requires="a14">
+      <mc:AlternateContent xmlns:mc="http://schemas.openxmlformats.org/markup-compatibility/2006" xmlns:a14="http://schemas.microsoft.com/office/drawing/2010/main">
+        <mc:Choice Requires="a14">
           <p:sp>
             <p:nvSpPr>
               <p:cNvPr id="139" name="文本框 138">
@@ -15502,7 +18415,7 @@
             </p:txBody>
           </p:sp>
         </mc:Choice>
-        <mc:Fallback>
+        <mc:Fallback xmlns="">
           <p:sp>
             <p:nvSpPr>
               <p:cNvPr id="139" name="文本框 138">
@@ -15547,8 +18460,8 @@
           </p:sp>
         </mc:Fallback>
       </mc:AlternateContent>
-      <mc:AlternateContent xmlns:mc="http://schemas.openxmlformats.org/markup-compatibility/2006">
-        <mc:Choice xmlns:a14="http://schemas.microsoft.com/office/drawing/2010/main" Requires="a14">
+      <mc:AlternateContent xmlns:mc="http://schemas.openxmlformats.org/markup-compatibility/2006" xmlns:a14="http://schemas.microsoft.com/office/drawing/2010/main">
+        <mc:Choice Requires="a14">
           <p:sp>
             <p:nvSpPr>
               <p:cNvPr id="49" name="文本框 48">
@@ -15604,7 +18517,7 @@
             </p:txBody>
           </p:sp>
         </mc:Choice>
-        <mc:Fallback>
+        <mc:Fallback xmlns="">
           <p:sp>
             <p:nvSpPr>
               <p:cNvPr id="49" name="文本框 48">
@@ -15649,8 +18562,8 @@
           </p:sp>
         </mc:Fallback>
       </mc:AlternateContent>
-      <mc:AlternateContent xmlns:mc="http://schemas.openxmlformats.org/markup-compatibility/2006">
-        <mc:Choice xmlns:a14="http://schemas.microsoft.com/office/drawing/2010/main" Requires="a14">
+      <mc:AlternateContent xmlns:mc="http://schemas.openxmlformats.org/markup-compatibility/2006" xmlns:a14="http://schemas.microsoft.com/office/drawing/2010/main">
+        <mc:Choice Requires="a14">
           <p:sp>
             <p:nvSpPr>
               <p:cNvPr id="50" name="文本框 49">
@@ -15719,7 +18632,7 @@
             </p:txBody>
           </p:sp>
         </mc:Choice>
-        <mc:Fallback>
+        <mc:Fallback xmlns="">
           <p:sp>
             <p:nvSpPr>
               <p:cNvPr id="50" name="文本框 49">
@@ -15854,8 +18767,8 @@
           </a:fontRef>
         </p:style>
       </p:cxnSp>
-      <mc:AlternateContent xmlns:mc="http://schemas.openxmlformats.org/markup-compatibility/2006">
-        <mc:Choice xmlns:a14="http://schemas.microsoft.com/office/drawing/2010/main" Requires="a14">
+      <mc:AlternateContent xmlns:mc="http://schemas.openxmlformats.org/markup-compatibility/2006" xmlns:a14="http://schemas.microsoft.com/office/drawing/2010/main">
+        <mc:Choice Requires="a14">
           <p:sp>
             <p:nvSpPr>
               <p:cNvPr id="17" name="文本框 16">
@@ -15951,7 +18864,7 @@
             </p:txBody>
           </p:sp>
         </mc:Choice>
-        <mc:Fallback>
+        <mc:Fallback xmlns="">
           <p:sp>
             <p:nvSpPr>
               <p:cNvPr id="17" name="文本框 16">
@@ -15996,8 +18909,8 @@
           </p:sp>
         </mc:Fallback>
       </mc:AlternateContent>
-      <mc:AlternateContent xmlns:mc="http://schemas.openxmlformats.org/markup-compatibility/2006">
-        <mc:Choice xmlns:a14="http://schemas.microsoft.com/office/drawing/2010/main" Requires="a14">
+      <mc:AlternateContent xmlns:mc="http://schemas.openxmlformats.org/markup-compatibility/2006" xmlns:a14="http://schemas.microsoft.com/office/drawing/2010/main">
+        <mc:Choice Requires="a14">
           <p:sp>
             <p:nvSpPr>
               <p:cNvPr id="56" name="文本框 55">
@@ -16066,7 +18979,7 @@
             </p:txBody>
           </p:sp>
         </mc:Choice>
-        <mc:Fallback>
+        <mc:Fallback xmlns="">
           <p:sp>
             <p:nvSpPr>
               <p:cNvPr id="56" name="文本框 55">
@@ -16238,8 +19151,8 @@
           <a:chExt cx="0" cy="0"/>
         </a:xfrm>
       </p:grpSpPr>
-      <mc:AlternateContent xmlns:mc="http://schemas.openxmlformats.org/markup-compatibility/2006">
-        <mc:Choice xmlns:a14="http://schemas.microsoft.com/office/drawing/2010/main" Requires="a14">
+      <mc:AlternateContent xmlns:mc="http://schemas.openxmlformats.org/markup-compatibility/2006" xmlns:a14="http://schemas.microsoft.com/office/drawing/2010/main">
+        <mc:Choice Requires="a14">
           <p:sp>
             <p:nvSpPr>
               <p:cNvPr id="4" name="文本框 3">
@@ -16289,7 +19202,7 @@
             </p:txBody>
           </p:sp>
         </mc:Choice>
-        <mc:Fallback>
+        <mc:Fallback xmlns="">
           <p:sp>
             <p:nvSpPr>
               <p:cNvPr id="4" name="文本框 3">
@@ -16334,8 +19247,8 @@
           </p:sp>
         </mc:Fallback>
       </mc:AlternateContent>
-      <mc:AlternateContent xmlns:mc="http://schemas.openxmlformats.org/markup-compatibility/2006">
-        <mc:Choice xmlns:a14="http://schemas.microsoft.com/office/drawing/2010/main" Requires="a14">
+      <mc:AlternateContent xmlns:mc="http://schemas.openxmlformats.org/markup-compatibility/2006" xmlns:a14="http://schemas.microsoft.com/office/drawing/2010/main">
+        <mc:Choice Requires="a14">
           <p:sp>
             <p:nvSpPr>
               <p:cNvPr id="3" name="文本框 2">
@@ -16391,7 +19304,7 @@
             </p:txBody>
           </p:sp>
         </mc:Choice>
-        <mc:Fallback>
+        <mc:Fallback xmlns="">
           <p:sp>
             <p:nvSpPr>
               <p:cNvPr id="3" name="文本框 2">
@@ -16436,8 +19349,8 @@
           </p:sp>
         </mc:Fallback>
       </mc:AlternateContent>
-      <mc:AlternateContent xmlns:mc="http://schemas.openxmlformats.org/markup-compatibility/2006">
-        <mc:Choice xmlns:a14="http://schemas.microsoft.com/office/drawing/2010/main" Requires="a14">
+      <mc:AlternateContent xmlns:mc="http://schemas.openxmlformats.org/markup-compatibility/2006" xmlns:a14="http://schemas.microsoft.com/office/drawing/2010/main">
+        <mc:Choice Requires="a14">
           <p:sp>
             <p:nvSpPr>
               <p:cNvPr id="6" name="文本框 5">
@@ -16493,7 +19406,7 @@
             </p:txBody>
           </p:sp>
         </mc:Choice>
-        <mc:Fallback>
+        <mc:Fallback xmlns="">
           <p:sp>
             <p:nvSpPr>
               <p:cNvPr id="6" name="文本框 5">
@@ -16538,8 +19451,8 @@
           </p:sp>
         </mc:Fallback>
       </mc:AlternateContent>
-      <mc:AlternateContent xmlns:mc="http://schemas.openxmlformats.org/markup-compatibility/2006">
-        <mc:Choice xmlns:a14="http://schemas.microsoft.com/office/drawing/2010/main" Requires="a14">
+      <mc:AlternateContent xmlns:mc="http://schemas.openxmlformats.org/markup-compatibility/2006" xmlns:a14="http://schemas.microsoft.com/office/drawing/2010/main">
+        <mc:Choice Requires="a14">
           <p:sp>
             <p:nvSpPr>
               <p:cNvPr id="7" name="文本框 6">
@@ -16608,7 +19521,7 @@
             </p:txBody>
           </p:sp>
         </mc:Choice>
-        <mc:Fallback>
+        <mc:Fallback xmlns="">
           <p:sp>
             <p:nvSpPr>
               <p:cNvPr id="7" name="文本框 6">
@@ -16653,8 +19566,8 @@
           </p:sp>
         </mc:Fallback>
       </mc:AlternateContent>
-      <mc:AlternateContent xmlns:mc="http://schemas.openxmlformats.org/markup-compatibility/2006">
-        <mc:Choice xmlns:a14="http://schemas.microsoft.com/office/drawing/2010/main" Requires="a14">
+      <mc:AlternateContent xmlns:mc="http://schemas.openxmlformats.org/markup-compatibility/2006" xmlns:a14="http://schemas.microsoft.com/office/drawing/2010/main">
+        <mc:Choice Requires="a14">
           <p:sp>
             <p:nvSpPr>
               <p:cNvPr id="8" name="文本框 7">
@@ -16710,7 +19623,7 @@
             </p:txBody>
           </p:sp>
         </mc:Choice>
-        <mc:Fallback>
+        <mc:Fallback xmlns="">
           <p:sp>
             <p:nvSpPr>
               <p:cNvPr id="8" name="文本框 7">
@@ -16755,8 +19668,8 @@
           </p:sp>
         </mc:Fallback>
       </mc:AlternateContent>
-      <mc:AlternateContent xmlns:mc="http://schemas.openxmlformats.org/markup-compatibility/2006">
-        <mc:Choice xmlns:a14="http://schemas.microsoft.com/office/drawing/2010/main" Requires="a14">
+      <mc:AlternateContent xmlns:mc="http://schemas.openxmlformats.org/markup-compatibility/2006" xmlns:a14="http://schemas.microsoft.com/office/drawing/2010/main">
+        <mc:Choice Requires="a14">
           <p:sp>
             <p:nvSpPr>
               <p:cNvPr id="10" name="文本框 9">
@@ -16812,7 +19725,7 @@
             </p:txBody>
           </p:sp>
         </mc:Choice>
-        <mc:Fallback>
+        <mc:Fallback xmlns="">
           <p:sp>
             <p:nvSpPr>
               <p:cNvPr id="10" name="文本框 9">
@@ -16857,8 +19770,8 @@
           </p:sp>
         </mc:Fallback>
       </mc:AlternateContent>
-      <mc:AlternateContent xmlns:mc="http://schemas.openxmlformats.org/markup-compatibility/2006">
-        <mc:Choice xmlns:a14="http://schemas.microsoft.com/office/drawing/2010/main" Requires="a14">
+      <mc:AlternateContent xmlns:mc="http://schemas.openxmlformats.org/markup-compatibility/2006" xmlns:a14="http://schemas.microsoft.com/office/drawing/2010/main">
+        <mc:Choice Requires="a14">
           <p:sp>
             <p:nvSpPr>
               <p:cNvPr id="12" name="文本框 11">
@@ -16927,7 +19840,7 @@
             </p:txBody>
           </p:sp>
         </mc:Choice>
-        <mc:Fallback>
+        <mc:Fallback xmlns="">
           <p:sp>
             <p:nvSpPr>
               <p:cNvPr id="12" name="文本框 11">
@@ -17375,8 +20288,8 @@
           </a:fontRef>
         </p:style>
       </p:cxnSp>
-      <mc:AlternateContent xmlns:mc="http://schemas.openxmlformats.org/markup-compatibility/2006">
-        <mc:Choice xmlns:a14="http://schemas.microsoft.com/office/drawing/2010/main" Requires="a14">
+      <mc:AlternateContent xmlns:mc="http://schemas.openxmlformats.org/markup-compatibility/2006" xmlns:a14="http://schemas.microsoft.com/office/drawing/2010/main">
+        <mc:Choice Requires="a14">
           <p:sp>
             <p:nvSpPr>
               <p:cNvPr id="41" name="文本框 40">
@@ -17432,7 +20345,7 @@
             </p:txBody>
           </p:sp>
         </mc:Choice>
-        <mc:Fallback>
+        <mc:Fallback xmlns="">
           <p:sp>
             <p:nvSpPr>
               <p:cNvPr id="41" name="文本框 40">
@@ -17567,8 +20480,8 @@
           </a:fontRef>
         </p:style>
       </p:cxnSp>
-      <mc:AlternateContent xmlns:mc="http://schemas.openxmlformats.org/markup-compatibility/2006">
-        <mc:Choice xmlns:a14="http://schemas.microsoft.com/office/drawing/2010/main" Requires="a14">
+      <mc:AlternateContent xmlns:mc="http://schemas.openxmlformats.org/markup-compatibility/2006" xmlns:a14="http://schemas.microsoft.com/office/drawing/2010/main">
+        <mc:Choice Requires="a14">
           <p:sp>
             <p:nvSpPr>
               <p:cNvPr id="49" name="文本框 48">
@@ -17624,7 +20537,7 @@
             </p:txBody>
           </p:sp>
         </mc:Choice>
-        <mc:Fallback>
+        <mc:Fallback xmlns="">
           <p:sp>
             <p:nvSpPr>
               <p:cNvPr id="49" name="文本框 48">
@@ -17669,8 +20582,8 @@
           </p:sp>
         </mc:Fallback>
       </mc:AlternateContent>
-      <mc:AlternateContent xmlns:mc="http://schemas.openxmlformats.org/markup-compatibility/2006">
-        <mc:Choice xmlns:a14="http://schemas.microsoft.com/office/drawing/2010/main" Requires="a14">
+      <mc:AlternateContent xmlns:mc="http://schemas.openxmlformats.org/markup-compatibility/2006" xmlns:a14="http://schemas.microsoft.com/office/drawing/2010/main">
+        <mc:Choice Requires="a14">
           <p:sp>
             <p:nvSpPr>
               <p:cNvPr id="66" name="文本框 65">
@@ -17720,7 +20633,7 @@
             </p:txBody>
           </p:sp>
         </mc:Choice>
-        <mc:Fallback>
+        <mc:Fallback xmlns="">
           <p:sp>
             <p:nvSpPr>
               <p:cNvPr id="66" name="文本框 65">
@@ -17765,8 +20678,8 @@
           </p:sp>
         </mc:Fallback>
       </mc:AlternateContent>
-      <mc:AlternateContent xmlns:mc="http://schemas.openxmlformats.org/markup-compatibility/2006">
-        <mc:Choice xmlns:a14="http://schemas.microsoft.com/office/drawing/2010/main" Requires="a14">
+      <mc:AlternateContent xmlns:mc="http://schemas.openxmlformats.org/markup-compatibility/2006" xmlns:a14="http://schemas.microsoft.com/office/drawing/2010/main">
+        <mc:Choice Requires="a14">
           <p:sp>
             <p:nvSpPr>
               <p:cNvPr id="68" name="文本框 67">
@@ -17795,7 +20708,6 @@
               </a:bodyPr>
               <a:lstStyle/>
               <a:p>
-                <a:pPr/>
                 <a14:m>
                   <m:oMath xmlns:m="http://schemas.openxmlformats.org/officeDocument/2006/math">
                     <m:r>
@@ -17844,7 +20756,7 @@
             </p:txBody>
           </p:sp>
         </mc:Choice>
-        <mc:Fallback>
+        <mc:Fallback xmlns="">
           <p:sp>
             <p:nvSpPr>
               <p:cNvPr id="68" name="文本框 67">
@@ -17889,8 +20801,8 @@
           </p:sp>
         </mc:Fallback>
       </mc:AlternateContent>
-      <mc:AlternateContent xmlns:mc="http://schemas.openxmlformats.org/markup-compatibility/2006">
-        <mc:Choice xmlns:a14="http://schemas.microsoft.com/office/drawing/2010/main" Requires="a14">
+      <mc:AlternateContent xmlns:mc="http://schemas.openxmlformats.org/markup-compatibility/2006" xmlns:a14="http://schemas.microsoft.com/office/drawing/2010/main">
+        <mc:Choice Requires="a14">
           <p:sp>
             <p:nvSpPr>
               <p:cNvPr id="73" name="文本框 72">
@@ -17959,7 +20871,7 @@
             </p:txBody>
           </p:sp>
         </mc:Choice>
-        <mc:Fallback>
+        <mc:Fallback xmlns="">
           <p:sp>
             <p:nvSpPr>
               <p:cNvPr id="73" name="文本框 72">
@@ -18049,8 +20961,8 @@
           </a:fontRef>
         </p:style>
       </p:cxnSp>
-      <mc:AlternateContent xmlns:mc="http://schemas.openxmlformats.org/markup-compatibility/2006">
-        <mc:Choice xmlns:a14="http://schemas.microsoft.com/office/drawing/2010/main" Requires="a14">
+      <mc:AlternateContent xmlns:mc="http://schemas.openxmlformats.org/markup-compatibility/2006" xmlns:a14="http://schemas.microsoft.com/office/drawing/2010/main">
+        <mc:Choice Requires="a14">
           <p:sp>
             <p:nvSpPr>
               <p:cNvPr id="78" name="文本框 77">
@@ -18119,7 +21031,7 @@
             </p:txBody>
           </p:sp>
         </mc:Choice>
-        <mc:Fallback>
+        <mc:Fallback xmlns="">
           <p:sp>
             <p:nvSpPr>
               <p:cNvPr id="78" name="文本框 77">
@@ -18164,8 +21076,8 @@
           </p:sp>
         </mc:Fallback>
       </mc:AlternateContent>
-      <mc:AlternateContent xmlns:mc="http://schemas.openxmlformats.org/markup-compatibility/2006">
-        <mc:Choice xmlns:a14="http://schemas.microsoft.com/office/drawing/2010/main" Requires="a14">
+      <mc:AlternateContent xmlns:mc="http://schemas.openxmlformats.org/markup-compatibility/2006" xmlns:a14="http://schemas.microsoft.com/office/drawing/2010/main">
+        <mc:Choice Requires="a14">
           <p:sp>
             <p:nvSpPr>
               <p:cNvPr id="80" name="文本框 79">
@@ -18234,7 +21146,7 @@
             </p:txBody>
           </p:sp>
         </mc:Choice>
-        <mc:Fallback>
+        <mc:Fallback xmlns="">
           <p:sp>
             <p:nvSpPr>
               <p:cNvPr id="80" name="文本框 79">
@@ -18331,8 +21243,8 @@
           </a:p>
         </p:txBody>
       </p:sp>
-      <mc:AlternateContent xmlns:mc="http://schemas.openxmlformats.org/markup-compatibility/2006">
-        <mc:Choice xmlns:a14="http://schemas.microsoft.com/office/drawing/2010/main" Requires="a14">
+      <mc:AlternateContent xmlns:mc="http://schemas.openxmlformats.org/markup-compatibility/2006" xmlns:a14="http://schemas.microsoft.com/office/drawing/2010/main">
+        <mc:Choice Requires="a14">
           <p:sp>
             <p:nvSpPr>
               <p:cNvPr id="82" name="文本框 81">
@@ -18388,7 +21300,7 @@
             </p:txBody>
           </p:sp>
         </mc:Choice>
-        <mc:Fallback>
+        <mc:Fallback xmlns="">
           <p:sp>
             <p:nvSpPr>
               <p:cNvPr id="82" name="文本框 81">
@@ -18561,8 +21473,8 @@
           <a:chExt cx="0" cy="0"/>
         </a:xfrm>
       </p:grpSpPr>
-      <mc:AlternateContent xmlns:mc="http://schemas.openxmlformats.org/markup-compatibility/2006">
-        <mc:Choice xmlns:a14="http://schemas.microsoft.com/office/drawing/2010/main" Requires="a14">
+      <mc:AlternateContent xmlns:mc="http://schemas.openxmlformats.org/markup-compatibility/2006" xmlns:a14="http://schemas.microsoft.com/office/drawing/2010/main">
+        <mc:Choice Requires="a14">
           <p:sp>
             <p:nvSpPr>
               <p:cNvPr id="4" name="文本框 3">
@@ -18612,7 +21524,7 @@
             </p:txBody>
           </p:sp>
         </mc:Choice>
-        <mc:Fallback>
+        <mc:Fallback xmlns="">
           <p:sp>
             <p:nvSpPr>
               <p:cNvPr id="4" name="文本框 3">
@@ -18657,8 +21569,8 @@
           </p:sp>
         </mc:Fallback>
       </mc:AlternateContent>
-      <mc:AlternateContent xmlns:mc="http://schemas.openxmlformats.org/markup-compatibility/2006">
-        <mc:Choice xmlns:a14="http://schemas.microsoft.com/office/drawing/2010/main" Requires="a14">
+      <mc:AlternateContent xmlns:mc="http://schemas.openxmlformats.org/markup-compatibility/2006" xmlns:a14="http://schemas.microsoft.com/office/drawing/2010/main">
+        <mc:Choice Requires="a14">
           <p:sp>
             <p:nvSpPr>
               <p:cNvPr id="2" name="文本框 1">
@@ -18708,7 +21620,7 @@
             </p:txBody>
           </p:sp>
         </mc:Choice>
-        <mc:Fallback>
+        <mc:Fallback xmlns="">
           <p:sp>
             <p:nvSpPr>
               <p:cNvPr id="2" name="文本框 1">
@@ -18753,8 +21665,8 @@
           </p:sp>
         </mc:Fallback>
       </mc:AlternateContent>
-      <mc:AlternateContent xmlns:mc="http://schemas.openxmlformats.org/markup-compatibility/2006">
-        <mc:Choice xmlns:a14="http://schemas.microsoft.com/office/drawing/2010/main" Requires="a14">
+      <mc:AlternateContent xmlns:mc="http://schemas.openxmlformats.org/markup-compatibility/2006" xmlns:a14="http://schemas.microsoft.com/office/drawing/2010/main">
+        <mc:Choice Requires="a14">
           <p:sp>
             <p:nvSpPr>
               <p:cNvPr id="3" name="文本框 2">
@@ -18810,7 +21722,7 @@
             </p:txBody>
           </p:sp>
         </mc:Choice>
-        <mc:Fallback>
+        <mc:Fallback xmlns="">
           <p:sp>
             <p:nvSpPr>
               <p:cNvPr id="3" name="文本框 2">
@@ -18855,8 +21767,8 @@
           </p:sp>
         </mc:Fallback>
       </mc:AlternateContent>
-      <mc:AlternateContent xmlns:mc="http://schemas.openxmlformats.org/markup-compatibility/2006">
-        <mc:Choice xmlns:a14="http://schemas.microsoft.com/office/drawing/2010/main" Requires="a14">
+      <mc:AlternateContent xmlns:mc="http://schemas.openxmlformats.org/markup-compatibility/2006" xmlns:a14="http://schemas.microsoft.com/office/drawing/2010/main">
+        <mc:Choice Requires="a14">
           <p:sp>
             <p:nvSpPr>
               <p:cNvPr id="6" name="文本框 5">
@@ -18906,7 +21818,7 @@
             </p:txBody>
           </p:sp>
         </mc:Choice>
-        <mc:Fallback>
+        <mc:Fallback xmlns="">
           <p:sp>
             <p:nvSpPr>
               <p:cNvPr id="6" name="文本框 5">
@@ -18951,8 +21863,8 @@
           </p:sp>
         </mc:Fallback>
       </mc:AlternateContent>
-      <mc:AlternateContent xmlns:mc="http://schemas.openxmlformats.org/markup-compatibility/2006">
-        <mc:Choice xmlns:a14="http://schemas.microsoft.com/office/drawing/2010/main" Requires="a14">
+      <mc:AlternateContent xmlns:mc="http://schemas.openxmlformats.org/markup-compatibility/2006" xmlns:a14="http://schemas.microsoft.com/office/drawing/2010/main">
+        <mc:Choice Requires="a14">
           <p:sp>
             <p:nvSpPr>
               <p:cNvPr id="7" name="文本框 6">
@@ -19002,7 +21914,7 @@
             </p:txBody>
           </p:sp>
         </mc:Choice>
-        <mc:Fallback>
+        <mc:Fallback xmlns="">
           <p:sp>
             <p:nvSpPr>
               <p:cNvPr id="7" name="文本框 6">
@@ -19047,8 +21959,8 @@
           </p:sp>
         </mc:Fallback>
       </mc:AlternateContent>
-      <mc:AlternateContent xmlns:mc="http://schemas.openxmlformats.org/markup-compatibility/2006">
-        <mc:Choice xmlns:a14="http://schemas.microsoft.com/office/drawing/2010/main" Requires="a14">
+      <mc:AlternateContent xmlns:mc="http://schemas.openxmlformats.org/markup-compatibility/2006" xmlns:a14="http://schemas.microsoft.com/office/drawing/2010/main">
+        <mc:Choice Requires="a14">
           <p:sp>
             <p:nvSpPr>
               <p:cNvPr id="8" name="文本框 7">
@@ -19104,7 +22016,7 @@
             </p:txBody>
           </p:sp>
         </mc:Choice>
-        <mc:Fallback>
+        <mc:Fallback xmlns="">
           <p:sp>
             <p:nvSpPr>
               <p:cNvPr id="8" name="文本框 7">
@@ -19149,8 +22061,8 @@
           </p:sp>
         </mc:Fallback>
       </mc:AlternateContent>
-      <mc:AlternateContent xmlns:mc="http://schemas.openxmlformats.org/markup-compatibility/2006">
-        <mc:Choice xmlns:a14="http://schemas.microsoft.com/office/drawing/2010/main" Requires="a14">
+      <mc:AlternateContent xmlns:mc="http://schemas.openxmlformats.org/markup-compatibility/2006" xmlns:a14="http://schemas.microsoft.com/office/drawing/2010/main">
+        <mc:Choice Requires="a14">
           <p:sp>
             <p:nvSpPr>
               <p:cNvPr id="9" name="文本框 8">
@@ -19219,7 +22131,7 @@
             </p:txBody>
           </p:sp>
         </mc:Choice>
-        <mc:Fallback>
+        <mc:Fallback xmlns="">
           <p:sp>
             <p:nvSpPr>
               <p:cNvPr id="9" name="文本框 8">
@@ -19264,8 +22176,8 @@
           </p:sp>
         </mc:Fallback>
       </mc:AlternateContent>
-      <mc:AlternateContent xmlns:mc="http://schemas.openxmlformats.org/markup-compatibility/2006">
-        <mc:Choice xmlns:a14="http://schemas.microsoft.com/office/drawing/2010/main" Requires="a14">
+      <mc:AlternateContent xmlns:mc="http://schemas.openxmlformats.org/markup-compatibility/2006" xmlns:a14="http://schemas.microsoft.com/office/drawing/2010/main">
+        <mc:Choice Requires="a14">
           <p:sp>
             <p:nvSpPr>
               <p:cNvPr id="10" name="文本框 9">
@@ -19315,7 +22227,7 @@
             </p:txBody>
           </p:sp>
         </mc:Choice>
-        <mc:Fallback>
+        <mc:Fallback xmlns="">
           <p:sp>
             <p:nvSpPr>
               <p:cNvPr id="10" name="文本框 9">
@@ -19360,8 +22272,8 @@
           </p:sp>
         </mc:Fallback>
       </mc:AlternateContent>
-      <mc:AlternateContent xmlns:mc="http://schemas.openxmlformats.org/markup-compatibility/2006">
-        <mc:Choice xmlns:a14="http://schemas.microsoft.com/office/drawing/2010/main" Requires="a14">
+      <mc:AlternateContent xmlns:mc="http://schemas.openxmlformats.org/markup-compatibility/2006" xmlns:a14="http://schemas.microsoft.com/office/drawing/2010/main">
+        <mc:Choice Requires="a14">
           <p:sp>
             <p:nvSpPr>
               <p:cNvPr id="12" name="文本框 11">
@@ -19430,7 +22342,7 @@
             </p:txBody>
           </p:sp>
         </mc:Choice>
-        <mc:Fallback>
+        <mc:Fallback xmlns="">
           <p:sp>
             <p:nvSpPr>
               <p:cNvPr id="12" name="文本框 11">
@@ -19879,8 +22791,8 @@
           </a:fontRef>
         </p:style>
       </p:cxnSp>
-      <mc:AlternateContent xmlns:mc="http://schemas.openxmlformats.org/markup-compatibility/2006">
-        <mc:Choice xmlns:a14="http://schemas.microsoft.com/office/drawing/2010/main" Requires="a14">
+      <mc:AlternateContent xmlns:mc="http://schemas.openxmlformats.org/markup-compatibility/2006" xmlns:a14="http://schemas.microsoft.com/office/drawing/2010/main">
+        <mc:Choice Requires="a14">
           <p:sp>
             <p:nvSpPr>
               <p:cNvPr id="41" name="文本框 40">
@@ -19936,7 +22848,7 @@
             </p:txBody>
           </p:sp>
         </mc:Choice>
-        <mc:Fallback>
+        <mc:Fallback xmlns="">
           <p:sp>
             <p:nvSpPr>
               <p:cNvPr id="41" name="文本框 40">
@@ -20026,8 +22938,8 @@
           </a:fontRef>
         </p:style>
       </p:cxnSp>
-      <mc:AlternateContent xmlns:mc="http://schemas.openxmlformats.org/markup-compatibility/2006">
-        <mc:Choice xmlns:a14="http://schemas.microsoft.com/office/drawing/2010/main" Requires="a14">
+      <mc:AlternateContent xmlns:mc="http://schemas.openxmlformats.org/markup-compatibility/2006" xmlns:a14="http://schemas.microsoft.com/office/drawing/2010/main">
+        <mc:Choice Requires="a14">
           <p:sp>
             <p:nvSpPr>
               <p:cNvPr id="47" name="文本框 46">
@@ -20096,7 +23008,7 @@
             </p:txBody>
           </p:sp>
         </mc:Choice>
-        <mc:Fallback>
+        <mc:Fallback xmlns="">
           <p:sp>
             <p:nvSpPr>
               <p:cNvPr id="47" name="文本框 46">
@@ -20186,8 +23098,8 @@
           </a:fontRef>
         </p:style>
       </p:cxnSp>
-      <mc:AlternateContent xmlns:mc="http://schemas.openxmlformats.org/markup-compatibility/2006">
-        <mc:Choice xmlns:a14="http://schemas.microsoft.com/office/drawing/2010/main" Requires="a14">
+      <mc:AlternateContent xmlns:mc="http://schemas.openxmlformats.org/markup-compatibility/2006" xmlns:a14="http://schemas.microsoft.com/office/drawing/2010/main">
+        <mc:Choice Requires="a14">
           <p:sp>
             <p:nvSpPr>
               <p:cNvPr id="90" name="文本框 89">
@@ -20331,7 +23243,7 @@
             </p:txBody>
           </p:sp>
         </mc:Choice>
-        <mc:Fallback>
+        <mc:Fallback xmlns="">
           <p:sp>
             <p:nvSpPr>
               <p:cNvPr id="90" name="文本框 89">
@@ -20470,8 +23382,8 @@
           </a:fontRef>
         </p:style>
       </p:cxnSp>
-      <mc:AlternateContent xmlns:mc="http://schemas.openxmlformats.org/markup-compatibility/2006">
-        <mc:Choice xmlns:a14="http://schemas.microsoft.com/office/drawing/2010/main" Requires="a14">
+      <mc:AlternateContent xmlns:mc="http://schemas.openxmlformats.org/markup-compatibility/2006" xmlns:a14="http://schemas.microsoft.com/office/drawing/2010/main">
+        <mc:Choice Requires="a14">
           <p:sp>
             <p:nvSpPr>
               <p:cNvPr id="112" name="文本框 111">
@@ -20540,7 +23452,7 @@
             </p:txBody>
           </p:sp>
         </mc:Choice>
-        <mc:Fallback>
+        <mc:Fallback xmlns="">
           <p:sp>
             <p:nvSpPr>
               <p:cNvPr id="112" name="文本框 111">
@@ -20585,8 +23497,8 @@
           </p:sp>
         </mc:Fallback>
       </mc:AlternateContent>
-      <mc:AlternateContent xmlns:mc="http://schemas.openxmlformats.org/markup-compatibility/2006">
-        <mc:Choice xmlns:a14="http://schemas.microsoft.com/office/drawing/2010/main" Requires="a14">
+      <mc:AlternateContent xmlns:mc="http://schemas.openxmlformats.org/markup-compatibility/2006" xmlns:a14="http://schemas.microsoft.com/office/drawing/2010/main">
+        <mc:Choice Requires="a14">
           <p:sp>
             <p:nvSpPr>
               <p:cNvPr id="115" name="文本框 114">
@@ -20655,7 +23567,7 @@
             </p:txBody>
           </p:sp>
         </mc:Choice>
-        <mc:Fallback>
+        <mc:Fallback xmlns="">
           <p:sp>
             <p:nvSpPr>
               <p:cNvPr id="115" name="文本框 114">
@@ -20752,8 +23664,8 @@
           </a:p>
         </p:txBody>
       </p:sp>
-      <mc:AlternateContent xmlns:mc="http://schemas.openxmlformats.org/markup-compatibility/2006">
-        <mc:Choice xmlns:a14="http://schemas.microsoft.com/office/drawing/2010/main" Requires="a14">
+      <mc:AlternateContent xmlns:mc="http://schemas.openxmlformats.org/markup-compatibility/2006" xmlns:a14="http://schemas.microsoft.com/office/drawing/2010/main">
+        <mc:Choice Requires="a14">
           <p:sp>
             <p:nvSpPr>
               <p:cNvPr id="139" name="文本框 138">
@@ -20809,7 +23721,7 @@
             </p:txBody>
           </p:sp>
         </mc:Choice>
-        <mc:Fallback>
+        <mc:Fallback xmlns="">
           <p:sp>
             <p:nvSpPr>
               <p:cNvPr id="139" name="文本框 138">
@@ -20854,8 +23766,8 @@
           </p:sp>
         </mc:Fallback>
       </mc:AlternateContent>
-      <mc:AlternateContent xmlns:mc="http://schemas.openxmlformats.org/markup-compatibility/2006">
-        <mc:Choice xmlns:a14="http://schemas.microsoft.com/office/drawing/2010/main" Requires="a14">
+      <mc:AlternateContent xmlns:mc="http://schemas.openxmlformats.org/markup-compatibility/2006" xmlns:a14="http://schemas.microsoft.com/office/drawing/2010/main">
+        <mc:Choice Requires="a14">
           <p:sp>
             <p:nvSpPr>
               <p:cNvPr id="141" name="文本框 140">
@@ -20924,7 +23836,7 @@
             </p:txBody>
           </p:sp>
         </mc:Choice>
-        <mc:Fallback>
+        <mc:Fallback xmlns="">
           <p:sp>
             <p:nvSpPr>
               <p:cNvPr id="141" name="文本框 140">
@@ -21021,8 +23933,8 @@
           </a:p>
         </p:txBody>
       </p:sp>
-      <mc:AlternateContent xmlns:mc="http://schemas.openxmlformats.org/markup-compatibility/2006">
-        <mc:Choice xmlns:a14="http://schemas.microsoft.com/office/drawing/2010/main" Requires="a14">
+      <mc:AlternateContent xmlns:mc="http://schemas.openxmlformats.org/markup-compatibility/2006" xmlns:a14="http://schemas.microsoft.com/office/drawing/2010/main">
+        <mc:Choice Requires="a14">
           <p:sp>
             <p:nvSpPr>
               <p:cNvPr id="230" name="文本框 229">
@@ -21084,7 +23996,7 @@
             </p:txBody>
           </p:sp>
         </mc:Choice>
-        <mc:Fallback>
+        <mc:Fallback xmlns="">
           <p:sp>
             <p:nvSpPr>
               <p:cNvPr id="230" name="文本框 229">
@@ -21133,6 +24045,3497 @@
     <p:extLst>
       <p:ext uri="{BB962C8B-B14F-4D97-AF65-F5344CB8AC3E}">
         <p14:creationId xmlns:p14="http://schemas.microsoft.com/office/powerpoint/2010/main" val="2647302185"/>
+      </p:ext>
+    </p:extLst>
+  </p:cSld>
+  <p:clrMapOvr>
+    <a:masterClrMapping/>
+  </p:clrMapOvr>
+</p:sld>
+</file>
+
+<file path=ppt/slides/slide9.xml><?xml version="1.0" encoding="utf-8"?>
+<p:sld xmlns:a="http://schemas.openxmlformats.org/drawingml/2006/main" xmlns:r="http://schemas.openxmlformats.org/officeDocument/2006/relationships" xmlns:p="http://schemas.openxmlformats.org/presentationml/2006/main">
+  <p:cSld>
+    <p:spTree>
+      <p:nvGrpSpPr>
+        <p:cNvPr id="1" name=""/>
+        <p:cNvGrpSpPr/>
+        <p:nvPr/>
+      </p:nvGrpSpPr>
+      <p:grpSpPr>
+        <a:xfrm>
+          <a:off x="0" y="0"/>
+          <a:ext cx="0" cy="0"/>
+          <a:chOff x="0" y="0"/>
+          <a:chExt cx="0" cy="0"/>
+        </a:xfrm>
+      </p:grpSpPr>
+      <mc:AlternateContent xmlns:mc="http://schemas.openxmlformats.org/markup-compatibility/2006" xmlns:a14="http://schemas.microsoft.com/office/drawing/2010/main">
+        <mc:Choice Requires="a14">
+          <p:sp>
+            <p:nvSpPr>
+              <p:cNvPr id="4" name="文本框 3">
+                <a:extLst>
+                  <a:ext uri="{FF2B5EF4-FFF2-40B4-BE49-F238E27FC236}">
+                    <a16:creationId xmlns:a16="http://schemas.microsoft.com/office/drawing/2014/main" id="{BADC498D-72FD-2662-0A3F-E79AC0B68B5B}"/>
+                  </a:ext>
+                </a:extLst>
+              </p:cNvPr>
+              <p:cNvSpPr txBox="1"/>
+              <p:nvPr/>
+            </p:nvSpPr>
+            <p:spPr>
+              <a:xfrm>
+                <a:off x="4917928" y="2107989"/>
+                <a:ext cx="810671" cy="369332"/>
+              </a:xfrm>
+              <a:prstGeom prst="rect">
+                <a:avLst/>
+              </a:prstGeom>
+              <a:noFill/>
+            </p:spPr>
+            <p:txBody>
+              <a:bodyPr wrap="none" rtlCol="0">
+                <a:spAutoFit/>
+              </a:bodyPr>
+              <a:lstStyle/>
+              <a:p>
+                <a:pPr/>
+                <a14:m>
+                  <m:oMathPara xmlns:m="http://schemas.openxmlformats.org/officeDocument/2006/math">
+                    <m:oMathParaPr>
+                      <m:jc m:val="centerGroup"/>
+                    </m:oMathParaPr>
+                    <m:oMath xmlns:m="http://schemas.openxmlformats.org/officeDocument/2006/math">
+                      <m:r>
+                        <a:rPr lang="en-US" altLang="zh-CN" i="1" smtClean="0">
+                          <a:latin typeface="Cambria Math" panose="02040503050406030204" pitchFamily="18" charset="0"/>
+                        </a:rPr>
+                        <m:t>𝐷𝑒𝑔𝑃</m:t>
+                      </m:r>
+                    </m:oMath>
+                  </m:oMathPara>
+                </a14:m>
+                <a:endParaRPr lang="en-US" altLang="zh-CN"/>
+              </a:p>
+            </p:txBody>
+          </p:sp>
+        </mc:Choice>
+        <mc:Fallback xmlns="">
+          <p:sp>
+            <p:nvSpPr>
+              <p:cNvPr id="4" name="文本框 3">
+                <a:extLst>
+                  <a:ext uri="{FF2B5EF4-FFF2-40B4-BE49-F238E27FC236}">
+                    <a16:creationId xmlns:a16="http://schemas.microsoft.com/office/drawing/2014/main" id="{BADC498D-72FD-2662-0A3F-E79AC0B68B5B}"/>
+                  </a:ext>
+                </a:extLst>
+              </p:cNvPr>
+              <p:cNvSpPr txBox="1">
+                <a:spLocks noRot="1" noChangeAspect="1" noMove="1" noResize="1" noEditPoints="1" noAdjustHandles="1" noChangeArrowheads="1" noChangeShapeType="1" noTextEdit="1"/>
+              </p:cNvSpPr>
+              <p:nvPr/>
+            </p:nvSpPr>
+            <p:spPr>
+              <a:xfrm>
+                <a:off x="4917928" y="2107989"/>
+                <a:ext cx="810671" cy="369332"/>
+              </a:xfrm>
+              <a:prstGeom prst="rect">
+                <a:avLst/>
+              </a:prstGeom>
+              <a:blipFill>
+                <a:blip r:embed="rId2"/>
+                <a:stretch>
+                  <a:fillRect b="-13333"/>
+                </a:stretch>
+              </a:blipFill>
+            </p:spPr>
+            <p:txBody>
+              <a:bodyPr/>
+              <a:lstStyle/>
+              <a:p>
+                <a:r>
+                  <a:rPr lang="zh-CN" altLang="en-US">
+                    <a:noFill/>
+                  </a:rPr>
+                  <a:t> </a:t>
+                </a:r>
+              </a:p>
+            </p:txBody>
+          </p:sp>
+        </mc:Fallback>
+      </mc:AlternateContent>
+      <mc:AlternateContent xmlns:mc="http://schemas.openxmlformats.org/markup-compatibility/2006">
+        <mc:Choice xmlns:a14="http://schemas.microsoft.com/office/drawing/2010/main" Requires="a14">
+          <p:sp>
+            <p:nvSpPr>
+              <p:cNvPr id="2" name="文本框 1">
+                <a:extLst>
+                  <a:ext uri="{FF2B5EF4-FFF2-40B4-BE49-F238E27FC236}">
+                    <a16:creationId xmlns:a16="http://schemas.microsoft.com/office/drawing/2014/main" id="{E7D389EC-CA87-8E2E-FAC1-7EC70B06E529}"/>
+                  </a:ext>
+                </a:extLst>
+              </p:cNvPr>
+              <p:cNvSpPr txBox="1"/>
+              <p:nvPr/>
+            </p:nvSpPr>
+            <p:spPr>
+              <a:xfrm>
+                <a:off x="4045197" y="2745653"/>
+                <a:ext cx="586251" cy="369332"/>
+              </a:xfrm>
+              <a:prstGeom prst="rect">
+                <a:avLst/>
+              </a:prstGeom>
+              <a:noFill/>
+            </p:spPr>
+            <p:txBody>
+              <a:bodyPr wrap="none" rtlCol="0">
+                <a:spAutoFit/>
+              </a:bodyPr>
+              <a:lstStyle/>
+              <a:p>
+                <a:pPr/>
+                <a14:m>
+                  <m:oMathPara xmlns:m="http://schemas.openxmlformats.org/officeDocument/2006/math">
+                    <m:oMathParaPr>
+                      <m:jc m:val="centerGroup"/>
+                    </m:oMathParaPr>
+                    <m:oMath xmlns:m="http://schemas.openxmlformats.org/officeDocument/2006/math">
+                      <m:r>
+                        <m:rPr>
+                          <m:sty m:val="p"/>
+                        </m:rPr>
+                        <a:rPr lang="en-US" altLang="zh-CN" i="1">
+                          <a:latin typeface="Cambria Math" panose="02040503050406030204" pitchFamily="18" charset="0"/>
+                        </a:rPr>
+                        <m:t>bi</m:t>
+                      </m:r>
+                      <m:r>
+                        <a:rPr lang="en-US" altLang="zh-CN" i="1" smtClean="0">
+                          <a:latin typeface="Cambria Math" panose="02040503050406030204" pitchFamily="18" charset="0"/>
+                        </a:rPr>
+                        <m:t>𝑃</m:t>
+                      </m:r>
+                    </m:oMath>
+                  </m:oMathPara>
+                </a14:m>
+                <a:endParaRPr lang="en-US" altLang="zh-CN" dirty="0"/>
+              </a:p>
+            </p:txBody>
+          </p:sp>
+        </mc:Choice>
+        <mc:Fallback>
+          <p:sp>
+            <p:nvSpPr>
+              <p:cNvPr id="2" name="文本框 1">
+                <a:extLst>
+                  <a:ext uri="{FF2B5EF4-FFF2-40B4-BE49-F238E27FC236}">
+                    <a16:creationId xmlns:a16="http://schemas.microsoft.com/office/drawing/2014/main" id="{E7D389EC-CA87-8E2E-FAC1-7EC70B06E529}"/>
+                  </a:ext>
+                </a:extLst>
+              </p:cNvPr>
+              <p:cNvSpPr txBox="1">
+                <a:spLocks noRot="1" noChangeAspect="1" noMove="1" noResize="1" noEditPoints="1" noAdjustHandles="1" noChangeArrowheads="1" noChangeShapeType="1" noTextEdit="1"/>
+              </p:cNvSpPr>
+              <p:nvPr/>
+            </p:nvSpPr>
+            <p:spPr>
+              <a:xfrm>
+                <a:off x="4045197" y="2745653"/>
+                <a:ext cx="586251" cy="369332"/>
+              </a:xfrm>
+              <a:prstGeom prst="rect">
+                <a:avLst/>
+              </a:prstGeom>
+              <a:blipFill>
+                <a:blip r:embed="rId3"/>
+                <a:stretch>
+                  <a:fillRect/>
+                </a:stretch>
+              </a:blipFill>
+            </p:spPr>
+            <p:txBody>
+              <a:bodyPr/>
+              <a:lstStyle/>
+              <a:p>
+                <a:r>
+                  <a:rPr lang="zh-CN" altLang="en-US">
+                    <a:noFill/>
+                  </a:rPr>
+                  <a:t> </a:t>
+                </a:r>
+              </a:p>
+            </p:txBody>
+          </p:sp>
+        </mc:Fallback>
+      </mc:AlternateContent>
+      <mc:AlternateContent xmlns:mc="http://schemas.openxmlformats.org/markup-compatibility/2006" xmlns:a14="http://schemas.microsoft.com/office/drawing/2010/main">
+        <mc:Choice Requires="a14">
+          <p:sp>
+            <p:nvSpPr>
+              <p:cNvPr id="3" name="文本框 2">
+                <a:extLst>
+                  <a:ext uri="{FF2B5EF4-FFF2-40B4-BE49-F238E27FC236}">
+                    <a16:creationId xmlns:a16="http://schemas.microsoft.com/office/drawing/2014/main" id="{8B95ACB2-66B9-E950-0053-1DCF252015C0}"/>
+                  </a:ext>
+                </a:extLst>
+              </p:cNvPr>
+              <p:cNvSpPr txBox="1"/>
+              <p:nvPr/>
+            </p:nvSpPr>
+            <p:spPr>
+              <a:xfrm>
+                <a:off x="5865938" y="2776800"/>
+                <a:ext cx="721672" cy="369332"/>
+              </a:xfrm>
+              <a:prstGeom prst="rect">
+                <a:avLst/>
+              </a:prstGeom>
+              <a:noFill/>
+            </p:spPr>
+            <p:txBody>
+              <a:bodyPr wrap="none" rtlCol="0">
+                <a:spAutoFit/>
+              </a:bodyPr>
+              <a:lstStyle/>
+              <a:p>
+                <a:pPr/>
+                <a14:m>
+                  <m:oMathPara xmlns:m="http://schemas.openxmlformats.org/officeDocument/2006/math">
+                    <m:oMathParaPr>
+                      <m:jc m:val="centerGroup"/>
+                    </m:oMathParaPr>
+                    <m:oMath xmlns:m="http://schemas.openxmlformats.org/officeDocument/2006/math">
+                      <m:r>
+                        <a:rPr lang="en-US" altLang="zh-CN" i="1" smtClean="0">
+                          <a:latin typeface="Cambria Math" panose="02040503050406030204" pitchFamily="18" charset="0"/>
+                        </a:rPr>
+                        <m:t>𝐷𝑒𝑔</m:t>
+                      </m:r>
+                      <m:r>
+                        <a:rPr lang="en-US" altLang="zh-CN" b="0" i="1" smtClean="0">
+                          <a:latin typeface="Cambria Math" panose="02040503050406030204" pitchFamily="18" charset="0"/>
+                        </a:rPr>
+                        <m:t>′</m:t>
+                      </m:r>
+                    </m:oMath>
+                  </m:oMathPara>
+                </a14:m>
+                <a:endParaRPr lang="en-US" altLang="zh-CN" dirty="0"/>
+              </a:p>
+            </p:txBody>
+          </p:sp>
+        </mc:Choice>
+        <mc:Fallback xmlns="">
+          <p:sp>
+            <p:nvSpPr>
+              <p:cNvPr id="3" name="文本框 2">
+                <a:extLst>
+                  <a:ext uri="{FF2B5EF4-FFF2-40B4-BE49-F238E27FC236}">
+                    <a16:creationId xmlns:a16="http://schemas.microsoft.com/office/drawing/2014/main" id="{8B95ACB2-66B9-E950-0053-1DCF252015C0}"/>
+                  </a:ext>
+                </a:extLst>
+              </p:cNvPr>
+              <p:cNvSpPr txBox="1">
+                <a:spLocks noRot="1" noChangeAspect="1" noMove="1" noResize="1" noEditPoints="1" noAdjustHandles="1" noChangeArrowheads="1" noChangeShapeType="1" noTextEdit="1"/>
+              </p:cNvSpPr>
+              <p:nvPr/>
+            </p:nvSpPr>
+            <p:spPr>
+              <a:xfrm>
+                <a:off x="5865938" y="2776800"/>
+                <a:ext cx="721672" cy="369332"/>
+              </a:xfrm>
+              <a:prstGeom prst="rect">
+                <a:avLst/>
+              </a:prstGeom>
+              <a:blipFill>
+                <a:blip r:embed="rId4"/>
+                <a:stretch>
+                  <a:fillRect b="-13333"/>
+                </a:stretch>
+              </a:blipFill>
+            </p:spPr>
+            <p:txBody>
+              <a:bodyPr/>
+              <a:lstStyle/>
+              <a:p>
+                <a:r>
+                  <a:rPr lang="zh-CN" altLang="en-US">
+                    <a:noFill/>
+                  </a:rPr>
+                  <a:t> </a:t>
+                </a:r>
+              </a:p>
+            </p:txBody>
+          </p:sp>
+        </mc:Fallback>
+      </mc:AlternateContent>
+      <mc:AlternateContent xmlns:mc="http://schemas.openxmlformats.org/markup-compatibility/2006" xmlns:a14="http://schemas.microsoft.com/office/drawing/2010/main">
+        <mc:Choice Requires="a14">
+          <p:sp>
+            <p:nvSpPr>
+              <p:cNvPr id="6" name="文本框 5">
+                <a:extLst>
+                  <a:ext uri="{FF2B5EF4-FFF2-40B4-BE49-F238E27FC236}">
+                    <a16:creationId xmlns:a16="http://schemas.microsoft.com/office/drawing/2014/main" id="{FA2C9A11-CFF2-4005-D650-0ABEAEEDFD65}"/>
+                  </a:ext>
+                </a:extLst>
+              </p:cNvPr>
+              <p:cNvSpPr txBox="1"/>
+              <p:nvPr/>
+            </p:nvSpPr>
+            <p:spPr>
+              <a:xfrm>
+                <a:off x="6966014" y="3578780"/>
+                <a:ext cx="810671" cy="369332"/>
+              </a:xfrm>
+              <a:prstGeom prst="rect">
+                <a:avLst/>
+              </a:prstGeom>
+              <a:noFill/>
+            </p:spPr>
+            <p:txBody>
+              <a:bodyPr wrap="none" rtlCol="0">
+                <a:spAutoFit/>
+              </a:bodyPr>
+              <a:lstStyle/>
+              <a:p>
+                <a:pPr/>
+                <a14:m>
+                  <m:oMathPara xmlns:m="http://schemas.openxmlformats.org/officeDocument/2006/math">
+                    <m:oMathParaPr>
+                      <m:jc m:val="centerGroup"/>
+                    </m:oMathParaPr>
+                    <m:oMath xmlns:m="http://schemas.openxmlformats.org/officeDocument/2006/math">
+                      <m:r>
+                        <a:rPr lang="en-US" altLang="zh-CN" i="1" smtClean="0">
+                          <a:latin typeface="Cambria Math" panose="02040503050406030204" pitchFamily="18" charset="0"/>
+                        </a:rPr>
+                        <m:t>𝐷𝑒𝑔𝑃</m:t>
+                      </m:r>
+                    </m:oMath>
+                  </m:oMathPara>
+                </a14:m>
+                <a:endParaRPr lang="en-US" altLang="zh-CN"/>
+              </a:p>
+            </p:txBody>
+          </p:sp>
+        </mc:Choice>
+        <mc:Fallback xmlns="">
+          <p:sp>
+            <p:nvSpPr>
+              <p:cNvPr id="6" name="文本框 5">
+                <a:extLst>
+                  <a:ext uri="{FF2B5EF4-FFF2-40B4-BE49-F238E27FC236}">
+                    <a16:creationId xmlns:a16="http://schemas.microsoft.com/office/drawing/2014/main" id="{FA2C9A11-CFF2-4005-D650-0ABEAEEDFD65}"/>
+                  </a:ext>
+                </a:extLst>
+              </p:cNvPr>
+              <p:cNvSpPr txBox="1">
+                <a:spLocks noRot="1" noChangeAspect="1" noMove="1" noResize="1" noEditPoints="1" noAdjustHandles="1" noChangeArrowheads="1" noChangeShapeType="1" noTextEdit="1"/>
+              </p:cNvSpPr>
+              <p:nvPr/>
+            </p:nvSpPr>
+            <p:spPr>
+              <a:xfrm>
+                <a:off x="6966014" y="3578780"/>
+                <a:ext cx="810671" cy="369332"/>
+              </a:xfrm>
+              <a:prstGeom prst="rect">
+                <a:avLst/>
+              </a:prstGeom>
+              <a:blipFill>
+                <a:blip r:embed="rId5"/>
+                <a:stretch>
+                  <a:fillRect b="-11475"/>
+                </a:stretch>
+              </a:blipFill>
+            </p:spPr>
+            <p:txBody>
+              <a:bodyPr/>
+              <a:lstStyle/>
+              <a:p>
+                <a:r>
+                  <a:rPr lang="zh-CN" altLang="en-US">
+                    <a:noFill/>
+                  </a:rPr>
+                  <a:t> </a:t>
+                </a:r>
+              </a:p>
+            </p:txBody>
+          </p:sp>
+        </mc:Fallback>
+      </mc:AlternateContent>
+      <mc:AlternateContent xmlns:mc="http://schemas.openxmlformats.org/markup-compatibility/2006">
+        <mc:Choice xmlns:a14="http://schemas.microsoft.com/office/drawing/2010/main" Requires="a14">
+          <p:sp>
+            <p:nvSpPr>
+              <p:cNvPr id="7" name="文本框 6">
+                <a:extLst>
+                  <a:ext uri="{FF2B5EF4-FFF2-40B4-BE49-F238E27FC236}">
+                    <a16:creationId xmlns:a16="http://schemas.microsoft.com/office/drawing/2014/main" id="{529851E2-5A55-6641-C29C-6D5925F4C6BC}"/>
+                  </a:ext>
+                </a:extLst>
+              </p:cNvPr>
+              <p:cNvSpPr txBox="1"/>
+              <p:nvPr/>
+            </p:nvSpPr>
+            <p:spPr>
+              <a:xfrm>
+                <a:off x="6167251" y="4247985"/>
+                <a:ext cx="882806" cy="369332"/>
+              </a:xfrm>
+              <a:prstGeom prst="rect">
+                <a:avLst/>
+              </a:prstGeom>
+              <a:noFill/>
+            </p:spPr>
+            <p:txBody>
+              <a:bodyPr wrap="none" rtlCol="0">
+                <a:spAutoFit/>
+              </a:bodyPr>
+              <a:lstStyle/>
+              <a:p>
+                <a:pPr/>
+                <a14:m>
+                  <m:oMathPara xmlns:m="http://schemas.openxmlformats.org/officeDocument/2006/math">
+                    <m:oMathParaPr>
+                      <m:jc m:val="centerGroup"/>
+                    </m:oMathParaPr>
+                    <m:oMath xmlns:m="http://schemas.openxmlformats.org/officeDocument/2006/math">
+                      <m:r>
+                        <a:rPr lang="en-US" altLang="zh-CN" i="1" smtClean="0">
+                          <a:latin typeface="Cambria Math" panose="02040503050406030204" pitchFamily="18" charset="0"/>
+                        </a:rPr>
+                        <m:t>𝐷𝑖𝑓𝑓</m:t>
+                      </m:r>
+                      <m:r>
+                        <a:rPr lang="en-US" altLang="zh-CN" i="1" smtClean="0">
+                          <a:latin typeface="Cambria Math" panose="02040503050406030204" pitchFamily="18" charset="0"/>
+                        </a:rPr>
+                        <m:t>𝑃</m:t>
+                      </m:r>
+                    </m:oMath>
+                  </m:oMathPara>
+                </a14:m>
+                <a:endParaRPr lang="en-US" altLang="zh-CN" dirty="0"/>
+              </a:p>
+            </p:txBody>
+          </p:sp>
+        </mc:Choice>
+        <mc:Fallback>
+          <p:sp>
+            <p:nvSpPr>
+              <p:cNvPr id="7" name="文本框 6">
+                <a:extLst>
+                  <a:ext uri="{FF2B5EF4-FFF2-40B4-BE49-F238E27FC236}">
+                    <a16:creationId xmlns:a16="http://schemas.microsoft.com/office/drawing/2014/main" id="{529851E2-5A55-6641-C29C-6D5925F4C6BC}"/>
+                  </a:ext>
+                </a:extLst>
+              </p:cNvPr>
+              <p:cNvSpPr txBox="1">
+                <a:spLocks noRot="1" noChangeAspect="1" noMove="1" noResize="1" noEditPoints="1" noAdjustHandles="1" noChangeArrowheads="1" noChangeShapeType="1" noTextEdit="1"/>
+              </p:cNvSpPr>
+              <p:nvPr/>
+            </p:nvSpPr>
+            <p:spPr>
+              <a:xfrm>
+                <a:off x="6167251" y="4247985"/>
+                <a:ext cx="882806" cy="369332"/>
+              </a:xfrm>
+              <a:prstGeom prst="rect">
+                <a:avLst/>
+              </a:prstGeom>
+              <a:blipFill>
+                <a:blip r:embed="rId6"/>
+                <a:stretch>
+                  <a:fillRect b="-13333"/>
+                </a:stretch>
+              </a:blipFill>
+            </p:spPr>
+            <p:txBody>
+              <a:bodyPr/>
+              <a:lstStyle/>
+              <a:p>
+                <a:r>
+                  <a:rPr lang="zh-CN" altLang="en-US">
+                    <a:noFill/>
+                  </a:rPr>
+                  <a:t> </a:t>
+                </a:r>
+              </a:p>
+            </p:txBody>
+          </p:sp>
+        </mc:Fallback>
+      </mc:AlternateContent>
+      <mc:AlternateContent xmlns:mc="http://schemas.openxmlformats.org/markup-compatibility/2006" xmlns:a14="http://schemas.microsoft.com/office/drawing/2010/main">
+        <mc:Choice Requires="a14">
+          <p:sp>
+            <p:nvSpPr>
+              <p:cNvPr id="8" name="文本框 7">
+                <a:extLst>
+                  <a:ext uri="{FF2B5EF4-FFF2-40B4-BE49-F238E27FC236}">
+                    <a16:creationId xmlns:a16="http://schemas.microsoft.com/office/drawing/2014/main" id="{A5B211BB-9350-EBCD-7C32-25CED1C1AD9B}"/>
+                  </a:ext>
+                </a:extLst>
+              </p:cNvPr>
+              <p:cNvSpPr txBox="1"/>
+              <p:nvPr/>
+            </p:nvSpPr>
+            <p:spPr>
+              <a:xfrm>
+                <a:off x="7976352" y="4247985"/>
+                <a:ext cx="713657" cy="369332"/>
+              </a:xfrm>
+              <a:prstGeom prst="rect">
+                <a:avLst/>
+              </a:prstGeom>
+              <a:noFill/>
+            </p:spPr>
+            <p:txBody>
+              <a:bodyPr wrap="none" rtlCol="0">
+                <a:spAutoFit/>
+              </a:bodyPr>
+              <a:lstStyle/>
+              <a:p>
+                <a:pPr/>
+                <a14:m>
+                  <m:oMathPara xmlns:m="http://schemas.openxmlformats.org/officeDocument/2006/math">
+                    <m:oMathParaPr>
+                      <m:jc m:val="centerGroup"/>
+                    </m:oMathParaPr>
+                    <m:oMath xmlns:m="http://schemas.openxmlformats.org/officeDocument/2006/math">
+                      <m:r>
+                        <a:rPr lang="en-US" altLang="zh-CN" i="1" smtClean="0">
+                          <a:latin typeface="Cambria Math" panose="02040503050406030204" pitchFamily="18" charset="0"/>
+                        </a:rPr>
+                        <m:t>𝐷𝑒𝑔</m:t>
+                      </m:r>
+                      <m:r>
+                        <a:rPr lang="en-US" altLang="zh-CN" i="1" smtClean="0">
+                          <a:latin typeface="Cambria Math" panose="02040503050406030204" pitchFamily="18" charset="0"/>
+                        </a:rPr>
+                        <m:t>’</m:t>
+                      </m:r>
+                    </m:oMath>
+                  </m:oMathPara>
+                </a14:m>
+                <a:endParaRPr lang="en-US" altLang="zh-CN"/>
+              </a:p>
+            </p:txBody>
+          </p:sp>
+        </mc:Choice>
+        <mc:Fallback xmlns="">
+          <p:sp>
+            <p:nvSpPr>
+              <p:cNvPr id="8" name="文本框 7">
+                <a:extLst>
+                  <a:ext uri="{FF2B5EF4-FFF2-40B4-BE49-F238E27FC236}">
+                    <a16:creationId xmlns:a16="http://schemas.microsoft.com/office/drawing/2014/main" id="{A5B211BB-9350-EBCD-7C32-25CED1C1AD9B}"/>
+                  </a:ext>
+                </a:extLst>
+              </p:cNvPr>
+              <p:cNvSpPr txBox="1">
+                <a:spLocks noRot="1" noChangeAspect="1" noMove="1" noResize="1" noEditPoints="1" noAdjustHandles="1" noChangeArrowheads="1" noChangeShapeType="1" noTextEdit="1"/>
+              </p:cNvSpPr>
+              <p:nvPr/>
+            </p:nvSpPr>
+            <p:spPr>
+              <a:xfrm>
+                <a:off x="7976352" y="4247985"/>
+                <a:ext cx="713657" cy="369332"/>
+              </a:xfrm>
+              <a:prstGeom prst="rect">
+                <a:avLst/>
+              </a:prstGeom>
+              <a:blipFill>
+                <a:blip r:embed="rId7"/>
+                <a:stretch>
+                  <a:fillRect b="-13333"/>
+                </a:stretch>
+              </a:blipFill>
+            </p:spPr>
+            <p:txBody>
+              <a:bodyPr/>
+              <a:lstStyle/>
+              <a:p>
+                <a:r>
+                  <a:rPr lang="zh-CN" altLang="en-US">
+                    <a:noFill/>
+                  </a:rPr>
+                  <a:t> </a:t>
+                </a:r>
+              </a:p>
+            </p:txBody>
+          </p:sp>
+        </mc:Fallback>
+      </mc:AlternateContent>
+      <mc:AlternateContent xmlns:mc="http://schemas.openxmlformats.org/markup-compatibility/2006" xmlns:a14="http://schemas.microsoft.com/office/drawing/2010/main">
+        <mc:Choice Requires="a14">
+          <p:sp>
+            <p:nvSpPr>
+              <p:cNvPr id="9" name="文本框 8">
+                <a:extLst>
+                  <a:ext uri="{FF2B5EF4-FFF2-40B4-BE49-F238E27FC236}">
+                    <a16:creationId xmlns:a16="http://schemas.microsoft.com/office/drawing/2014/main" id="{41B9BAC2-28DC-365D-D372-26FDA4C6349D}"/>
+                  </a:ext>
+                </a:extLst>
+              </p:cNvPr>
+              <p:cNvSpPr txBox="1"/>
+              <p:nvPr/>
+            </p:nvSpPr>
+            <p:spPr>
+              <a:xfrm>
+                <a:off x="7274303" y="4869468"/>
+                <a:ext cx="773673" cy="369332"/>
+              </a:xfrm>
+              <a:prstGeom prst="rect">
+                <a:avLst/>
+              </a:prstGeom>
+              <a:noFill/>
+            </p:spPr>
+            <p:txBody>
+              <a:bodyPr wrap="none" rtlCol="0">
+                <a:spAutoFit/>
+              </a:bodyPr>
+              <a:lstStyle/>
+              <a:p>
+                <a:pPr/>
+                <a14:m>
+                  <m:oMathPara xmlns:m="http://schemas.openxmlformats.org/officeDocument/2006/math">
+                    <m:oMathParaPr>
+                      <m:jc m:val="centerGroup"/>
+                    </m:oMathParaPr>
+                    <m:oMath xmlns:m="http://schemas.openxmlformats.org/officeDocument/2006/math">
+                      <m:sSup>
+                        <m:sSupPr>
+                          <m:ctrlPr>
+                            <a:rPr lang="en-US" altLang="zh-CN" i="1" smtClean="0">
+                              <a:latin typeface="Cambria Math" panose="02040503050406030204" pitchFamily="18" charset="0"/>
+                            </a:rPr>
+                          </m:ctrlPr>
+                        </m:sSupPr>
+                        <m:e>
+                          <m:r>
+                            <a:rPr lang="en-US" altLang="zh-CN" b="0" i="1" smtClean="0">
+                              <a:latin typeface="Cambria Math" panose="02040503050406030204" pitchFamily="18" charset="0"/>
+                            </a:rPr>
+                            <m:t>𝐷𝑒𝑔</m:t>
+                          </m:r>
+                        </m:e>
+                        <m:sup>
+                          <m:r>
+                            <a:rPr lang="en-US" altLang="zh-CN" b="0" i="1" smtClean="0">
+                              <a:latin typeface="Cambria Math" panose="02040503050406030204" pitchFamily="18" charset="0"/>
+                            </a:rPr>
+                            <m:t>0</m:t>
+                          </m:r>
+                        </m:sup>
+                      </m:sSup>
+                    </m:oMath>
+                  </m:oMathPara>
+                </a14:m>
+                <a:endParaRPr lang="en-US" altLang="zh-CN" dirty="0"/>
+              </a:p>
+            </p:txBody>
+          </p:sp>
+        </mc:Choice>
+        <mc:Fallback xmlns="">
+          <p:sp>
+            <p:nvSpPr>
+              <p:cNvPr id="9" name="文本框 8">
+                <a:extLst>
+                  <a:ext uri="{FF2B5EF4-FFF2-40B4-BE49-F238E27FC236}">
+                    <a16:creationId xmlns:a16="http://schemas.microsoft.com/office/drawing/2014/main" id="{41B9BAC2-28DC-365D-D372-26FDA4C6349D}"/>
+                  </a:ext>
+                </a:extLst>
+              </p:cNvPr>
+              <p:cNvSpPr txBox="1">
+                <a:spLocks noRot="1" noChangeAspect="1" noMove="1" noResize="1" noEditPoints="1" noAdjustHandles="1" noChangeArrowheads="1" noChangeShapeType="1" noTextEdit="1"/>
+              </p:cNvSpPr>
+              <p:nvPr/>
+            </p:nvSpPr>
+            <p:spPr>
+              <a:xfrm>
+                <a:off x="7274303" y="4869468"/>
+                <a:ext cx="773673" cy="369332"/>
+              </a:xfrm>
+              <a:prstGeom prst="rect">
+                <a:avLst/>
+              </a:prstGeom>
+              <a:blipFill>
+                <a:blip r:embed="rId8"/>
+                <a:stretch>
+                  <a:fillRect b="-13333"/>
+                </a:stretch>
+              </a:blipFill>
+            </p:spPr>
+            <p:txBody>
+              <a:bodyPr/>
+              <a:lstStyle/>
+              <a:p>
+                <a:r>
+                  <a:rPr lang="zh-CN" altLang="en-US">
+                    <a:noFill/>
+                  </a:rPr>
+                  <a:t> </a:t>
+                </a:r>
+              </a:p>
+            </p:txBody>
+          </p:sp>
+        </mc:Fallback>
+      </mc:AlternateContent>
+      <mc:AlternateContent xmlns:mc="http://schemas.openxmlformats.org/markup-compatibility/2006" xmlns:a14="http://schemas.microsoft.com/office/drawing/2010/main">
+        <mc:Choice Requires="a14">
+          <p:sp>
+            <p:nvSpPr>
+              <p:cNvPr id="10" name="文本框 9">
+                <a:extLst>
+                  <a:ext uri="{FF2B5EF4-FFF2-40B4-BE49-F238E27FC236}">
+                    <a16:creationId xmlns:a16="http://schemas.microsoft.com/office/drawing/2014/main" id="{C4C321FD-814A-7A1B-E5DF-83206F4D5AFD}"/>
+                  </a:ext>
+                </a:extLst>
+              </p:cNvPr>
+              <p:cNvSpPr txBox="1"/>
+              <p:nvPr/>
+            </p:nvSpPr>
+            <p:spPr>
+              <a:xfrm>
+                <a:off x="8785421" y="4887358"/>
+                <a:ext cx="541367" cy="369332"/>
+              </a:xfrm>
+              <a:prstGeom prst="rect">
+                <a:avLst/>
+              </a:prstGeom>
+              <a:noFill/>
+            </p:spPr>
+            <p:txBody>
+              <a:bodyPr wrap="none" rtlCol="0">
+                <a:spAutoFit/>
+              </a:bodyPr>
+              <a:lstStyle/>
+              <a:p>
+                <a:pPr/>
+                <a14:m>
+                  <m:oMathPara xmlns:m="http://schemas.openxmlformats.org/officeDocument/2006/math">
+                    <m:oMathParaPr>
+                      <m:jc m:val="centerGroup"/>
+                    </m:oMathParaPr>
+                    <m:oMath xmlns:m="http://schemas.openxmlformats.org/officeDocument/2006/math">
+                      <m:r>
+                        <a:rPr lang="en-US" altLang="zh-CN" i="1" smtClean="0">
+                          <a:latin typeface="Cambria Math" panose="02040503050406030204" pitchFamily="18" charset="0"/>
+                        </a:rPr>
+                        <m:t>𝐴𝑃</m:t>
+                      </m:r>
+                    </m:oMath>
+                  </m:oMathPara>
+                </a14:m>
+                <a:endParaRPr lang="en-US" altLang="zh-CN"/>
+              </a:p>
+            </p:txBody>
+          </p:sp>
+        </mc:Choice>
+        <mc:Fallback xmlns="">
+          <p:sp>
+            <p:nvSpPr>
+              <p:cNvPr id="10" name="文本框 9">
+                <a:extLst>
+                  <a:ext uri="{FF2B5EF4-FFF2-40B4-BE49-F238E27FC236}">
+                    <a16:creationId xmlns:a16="http://schemas.microsoft.com/office/drawing/2014/main" id="{C4C321FD-814A-7A1B-E5DF-83206F4D5AFD}"/>
+                  </a:ext>
+                </a:extLst>
+              </p:cNvPr>
+              <p:cNvSpPr txBox="1">
+                <a:spLocks noRot="1" noChangeAspect="1" noMove="1" noResize="1" noEditPoints="1" noAdjustHandles="1" noChangeArrowheads="1" noChangeShapeType="1" noTextEdit="1"/>
+              </p:cNvSpPr>
+              <p:nvPr/>
+            </p:nvSpPr>
+            <p:spPr>
+              <a:xfrm>
+                <a:off x="8785421" y="4887358"/>
+                <a:ext cx="541367" cy="369332"/>
+              </a:xfrm>
+              <a:prstGeom prst="rect">
+                <a:avLst/>
+              </a:prstGeom>
+              <a:blipFill>
+                <a:blip r:embed="rId9"/>
+                <a:stretch>
+                  <a:fillRect/>
+                </a:stretch>
+              </a:blipFill>
+            </p:spPr>
+            <p:txBody>
+              <a:bodyPr/>
+              <a:lstStyle/>
+              <a:p>
+                <a:r>
+                  <a:rPr lang="zh-CN" altLang="en-US">
+                    <a:noFill/>
+                  </a:rPr>
+                  <a:t> </a:t>
+                </a:r>
+              </a:p>
+            </p:txBody>
+          </p:sp>
+        </mc:Fallback>
+      </mc:AlternateContent>
+      <mc:AlternateContent xmlns:mc="http://schemas.openxmlformats.org/markup-compatibility/2006" xmlns:a14="http://schemas.microsoft.com/office/drawing/2010/main">
+        <mc:Choice Requires="a14">
+          <p:sp>
+            <p:nvSpPr>
+              <p:cNvPr id="12" name="文本框 11">
+                <a:extLst>
+                  <a:ext uri="{FF2B5EF4-FFF2-40B4-BE49-F238E27FC236}">
+                    <a16:creationId xmlns:a16="http://schemas.microsoft.com/office/drawing/2014/main" id="{68DC509C-EB06-6067-D3CF-355F5F6395B3}"/>
+                  </a:ext>
+                </a:extLst>
+              </p:cNvPr>
+              <p:cNvSpPr txBox="1"/>
+              <p:nvPr/>
+            </p:nvSpPr>
+            <p:spPr>
+              <a:xfrm>
+                <a:off x="4774805" y="3509000"/>
+                <a:ext cx="773673" cy="369332"/>
+              </a:xfrm>
+              <a:prstGeom prst="rect">
+                <a:avLst/>
+              </a:prstGeom>
+              <a:noFill/>
+            </p:spPr>
+            <p:txBody>
+              <a:bodyPr wrap="none" rtlCol="0">
+                <a:spAutoFit/>
+              </a:bodyPr>
+              <a:lstStyle/>
+              <a:p>
+                <a:pPr/>
+                <a14:m>
+                  <m:oMathPara xmlns:m="http://schemas.openxmlformats.org/officeDocument/2006/math">
+                    <m:oMathParaPr>
+                      <m:jc m:val="centerGroup"/>
+                    </m:oMathParaPr>
+                    <m:oMath xmlns:m="http://schemas.openxmlformats.org/officeDocument/2006/math">
+                      <m:sSup>
+                        <m:sSupPr>
+                          <m:ctrlPr>
+                            <a:rPr lang="en-US" altLang="zh-CN" i="1" smtClean="0">
+                              <a:latin typeface="Cambria Math" panose="02040503050406030204" pitchFamily="18" charset="0"/>
+                            </a:rPr>
+                          </m:ctrlPr>
+                        </m:sSupPr>
+                        <m:e>
+                          <m:r>
+                            <a:rPr lang="en-US" altLang="zh-CN" b="0" i="1" smtClean="0">
+                              <a:latin typeface="Cambria Math" panose="02040503050406030204" pitchFamily="18" charset="0"/>
+                            </a:rPr>
+                            <m:t>𝐷𝑒𝑔</m:t>
+                          </m:r>
+                        </m:e>
+                        <m:sup>
+                          <m:r>
+                            <a:rPr lang="en-US" altLang="zh-CN" b="0" i="1" smtClean="0">
+                              <a:latin typeface="Cambria Math" panose="02040503050406030204" pitchFamily="18" charset="0"/>
+                            </a:rPr>
+                            <m:t>0</m:t>
+                          </m:r>
+                        </m:sup>
+                      </m:sSup>
+                    </m:oMath>
+                  </m:oMathPara>
+                </a14:m>
+                <a:endParaRPr lang="en-US" altLang="zh-CN"/>
+              </a:p>
+            </p:txBody>
+          </p:sp>
+        </mc:Choice>
+        <mc:Fallback xmlns="">
+          <p:sp>
+            <p:nvSpPr>
+              <p:cNvPr id="12" name="文本框 11">
+                <a:extLst>
+                  <a:ext uri="{FF2B5EF4-FFF2-40B4-BE49-F238E27FC236}">
+                    <a16:creationId xmlns:a16="http://schemas.microsoft.com/office/drawing/2014/main" id="{68DC509C-EB06-6067-D3CF-355F5F6395B3}"/>
+                  </a:ext>
+                </a:extLst>
+              </p:cNvPr>
+              <p:cNvSpPr txBox="1">
+                <a:spLocks noRot="1" noChangeAspect="1" noMove="1" noResize="1" noEditPoints="1" noAdjustHandles="1" noChangeArrowheads="1" noChangeShapeType="1" noTextEdit="1"/>
+              </p:cNvSpPr>
+              <p:nvPr/>
+            </p:nvSpPr>
+            <p:spPr>
+              <a:xfrm>
+                <a:off x="4774805" y="3509000"/>
+                <a:ext cx="773673" cy="369332"/>
+              </a:xfrm>
+              <a:prstGeom prst="rect">
+                <a:avLst/>
+              </a:prstGeom>
+              <a:blipFill>
+                <a:blip r:embed="rId10"/>
+                <a:stretch>
+                  <a:fillRect b="-13333"/>
+                </a:stretch>
+              </a:blipFill>
+            </p:spPr>
+            <p:txBody>
+              <a:bodyPr/>
+              <a:lstStyle/>
+              <a:p>
+                <a:r>
+                  <a:rPr lang="zh-CN" altLang="en-US">
+                    <a:noFill/>
+                  </a:rPr>
+                  <a:t> </a:t>
+                </a:r>
+              </a:p>
+            </p:txBody>
+          </p:sp>
+        </mc:Fallback>
+      </mc:AlternateContent>
+      <p:cxnSp>
+        <p:nvCxnSpPr>
+          <p:cNvPr id="14" name="直接连接符 13">
+            <a:extLst>
+              <a:ext uri="{FF2B5EF4-FFF2-40B4-BE49-F238E27FC236}">
+                <a16:creationId xmlns:a16="http://schemas.microsoft.com/office/drawing/2014/main" id="{16C02841-3110-214F-038F-0751E6683D75}"/>
+              </a:ext>
+            </a:extLst>
+          </p:cNvPr>
+          <p:cNvCxnSpPr>
+            <a:stCxn id="4" idx="2"/>
+            <a:endCxn id="2" idx="0"/>
+          </p:cNvCxnSpPr>
+          <p:nvPr/>
+        </p:nvCxnSpPr>
+        <p:spPr>
+          <a:xfrm flipH="1">
+            <a:off x="4338323" y="2477321"/>
+            <a:ext cx="984941" cy="268332"/>
+          </a:xfrm>
+          <a:prstGeom prst="line">
+            <a:avLst/>
+          </a:prstGeom>
+          <a:ln w="12700">
+            <a:solidFill>
+              <a:schemeClr val="tx1"/>
+            </a:solidFill>
+          </a:ln>
+        </p:spPr>
+        <p:style>
+          <a:lnRef idx="1">
+            <a:schemeClr val="accent1"/>
+          </a:lnRef>
+          <a:fillRef idx="0">
+            <a:schemeClr val="accent1"/>
+          </a:fillRef>
+          <a:effectRef idx="0">
+            <a:schemeClr val="accent1"/>
+          </a:effectRef>
+          <a:fontRef idx="minor">
+            <a:schemeClr val="tx1"/>
+          </a:fontRef>
+        </p:style>
+      </p:cxnSp>
+      <p:cxnSp>
+        <p:nvCxnSpPr>
+          <p:cNvPr id="16" name="直接连接符 15">
+            <a:extLst>
+              <a:ext uri="{FF2B5EF4-FFF2-40B4-BE49-F238E27FC236}">
+                <a16:creationId xmlns:a16="http://schemas.microsoft.com/office/drawing/2014/main" id="{15B979E2-E9D4-F2E3-9A5E-B80D48CFCEDB}"/>
+              </a:ext>
+            </a:extLst>
+          </p:cNvPr>
+          <p:cNvCxnSpPr>
+            <a:cxnSpLocks/>
+            <a:stCxn id="4" idx="2"/>
+            <a:endCxn id="3" idx="0"/>
+          </p:cNvCxnSpPr>
+          <p:nvPr/>
+        </p:nvCxnSpPr>
+        <p:spPr>
+          <a:xfrm>
+            <a:off x="5323264" y="2477321"/>
+            <a:ext cx="903510" cy="299479"/>
+          </a:xfrm>
+          <a:prstGeom prst="line">
+            <a:avLst/>
+          </a:prstGeom>
+          <a:ln w="12700">
+            <a:solidFill>
+              <a:schemeClr val="tx1"/>
+            </a:solidFill>
+          </a:ln>
+        </p:spPr>
+        <p:style>
+          <a:lnRef idx="1">
+            <a:schemeClr val="accent1"/>
+          </a:lnRef>
+          <a:fillRef idx="0">
+            <a:schemeClr val="accent1"/>
+          </a:fillRef>
+          <a:effectRef idx="0">
+            <a:schemeClr val="accent1"/>
+          </a:effectRef>
+          <a:fontRef idx="minor">
+            <a:schemeClr val="tx1"/>
+          </a:fontRef>
+        </p:style>
+      </p:cxnSp>
+      <p:cxnSp>
+        <p:nvCxnSpPr>
+          <p:cNvPr id="19" name="直接连接符 18">
+            <a:extLst>
+              <a:ext uri="{FF2B5EF4-FFF2-40B4-BE49-F238E27FC236}">
+                <a16:creationId xmlns:a16="http://schemas.microsoft.com/office/drawing/2014/main" id="{94649AA1-E922-047F-D734-40125D482227}"/>
+              </a:ext>
+            </a:extLst>
+          </p:cNvPr>
+          <p:cNvCxnSpPr>
+            <a:cxnSpLocks/>
+            <a:stCxn id="3" idx="2"/>
+            <a:endCxn id="12" idx="0"/>
+          </p:cNvCxnSpPr>
+          <p:nvPr/>
+        </p:nvCxnSpPr>
+        <p:spPr>
+          <a:xfrm flipH="1">
+            <a:off x="5161642" y="3146132"/>
+            <a:ext cx="1065132" cy="362868"/>
+          </a:xfrm>
+          <a:prstGeom prst="line">
+            <a:avLst/>
+          </a:prstGeom>
+          <a:ln w="12700">
+            <a:solidFill>
+              <a:schemeClr val="tx1"/>
+            </a:solidFill>
+          </a:ln>
+        </p:spPr>
+        <p:style>
+          <a:lnRef idx="1">
+            <a:schemeClr val="accent1"/>
+          </a:lnRef>
+          <a:fillRef idx="0">
+            <a:schemeClr val="accent1"/>
+          </a:fillRef>
+          <a:effectRef idx="0">
+            <a:schemeClr val="accent1"/>
+          </a:effectRef>
+          <a:fontRef idx="minor">
+            <a:schemeClr val="tx1"/>
+          </a:fontRef>
+        </p:style>
+      </p:cxnSp>
+      <p:cxnSp>
+        <p:nvCxnSpPr>
+          <p:cNvPr id="22" name="直接连接符 21">
+            <a:extLst>
+              <a:ext uri="{FF2B5EF4-FFF2-40B4-BE49-F238E27FC236}">
+                <a16:creationId xmlns:a16="http://schemas.microsoft.com/office/drawing/2014/main" id="{DA143DB0-CAAA-751D-4641-0ABACA35C5D8}"/>
+              </a:ext>
+            </a:extLst>
+          </p:cNvPr>
+          <p:cNvCxnSpPr>
+            <a:cxnSpLocks/>
+            <a:stCxn id="3" idx="2"/>
+            <a:endCxn id="6" idx="0"/>
+          </p:cNvCxnSpPr>
+          <p:nvPr/>
+        </p:nvCxnSpPr>
+        <p:spPr>
+          <a:xfrm>
+            <a:off x="6226774" y="3146132"/>
+            <a:ext cx="1144576" cy="432648"/>
+          </a:xfrm>
+          <a:prstGeom prst="line">
+            <a:avLst/>
+          </a:prstGeom>
+          <a:ln w="12700">
+            <a:solidFill>
+              <a:schemeClr val="tx1"/>
+            </a:solidFill>
+          </a:ln>
+        </p:spPr>
+        <p:style>
+          <a:lnRef idx="1">
+            <a:schemeClr val="accent1"/>
+          </a:lnRef>
+          <a:fillRef idx="0">
+            <a:schemeClr val="accent1"/>
+          </a:fillRef>
+          <a:effectRef idx="0">
+            <a:schemeClr val="accent1"/>
+          </a:effectRef>
+          <a:fontRef idx="minor">
+            <a:schemeClr val="tx1"/>
+          </a:fontRef>
+        </p:style>
+      </p:cxnSp>
+      <p:cxnSp>
+        <p:nvCxnSpPr>
+          <p:cNvPr id="25" name="直接连接符 24">
+            <a:extLst>
+              <a:ext uri="{FF2B5EF4-FFF2-40B4-BE49-F238E27FC236}">
+                <a16:creationId xmlns:a16="http://schemas.microsoft.com/office/drawing/2014/main" id="{FB62A621-1752-9763-6EB5-88464E19743D}"/>
+              </a:ext>
+            </a:extLst>
+          </p:cNvPr>
+          <p:cNvCxnSpPr>
+            <a:cxnSpLocks/>
+            <a:stCxn id="6" idx="2"/>
+            <a:endCxn id="7" idx="0"/>
+          </p:cNvCxnSpPr>
+          <p:nvPr/>
+        </p:nvCxnSpPr>
+        <p:spPr>
+          <a:xfrm flipH="1">
+            <a:off x="6608654" y="3948112"/>
+            <a:ext cx="762696" cy="299873"/>
+          </a:xfrm>
+          <a:prstGeom prst="line">
+            <a:avLst/>
+          </a:prstGeom>
+          <a:ln w="12700">
+            <a:solidFill>
+              <a:schemeClr val="tx1"/>
+            </a:solidFill>
+          </a:ln>
+        </p:spPr>
+        <p:style>
+          <a:lnRef idx="1">
+            <a:schemeClr val="accent1"/>
+          </a:lnRef>
+          <a:fillRef idx="0">
+            <a:schemeClr val="accent1"/>
+          </a:fillRef>
+          <a:effectRef idx="0">
+            <a:schemeClr val="accent1"/>
+          </a:effectRef>
+          <a:fontRef idx="minor">
+            <a:schemeClr val="tx1"/>
+          </a:fontRef>
+        </p:style>
+      </p:cxnSp>
+      <p:cxnSp>
+        <p:nvCxnSpPr>
+          <p:cNvPr id="28" name="直接连接符 27">
+            <a:extLst>
+              <a:ext uri="{FF2B5EF4-FFF2-40B4-BE49-F238E27FC236}">
+                <a16:creationId xmlns:a16="http://schemas.microsoft.com/office/drawing/2014/main" id="{29DC1CFA-A5CA-14CF-8014-DD89EF57D32B}"/>
+              </a:ext>
+            </a:extLst>
+          </p:cNvPr>
+          <p:cNvCxnSpPr>
+            <a:cxnSpLocks/>
+            <a:stCxn id="6" idx="2"/>
+            <a:endCxn id="8" idx="0"/>
+          </p:cNvCxnSpPr>
+          <p:nvPr/>
+        </p:nvCxnSpPr>
+        <p:spPr>
+          <a:xfrm>
+            <a:off x="7371350" y="3948112"/>
+            <a:ext cx="961831" cy="299873"/>
+          </a:xfrm>
+          <a:prstGeom prst="line">
+            <a:avLst/>
+          </a:prstGeom>
+          <a:ln w="12700">
+            <a:solidFill>
+              <a:schemeClr val="tx1"/>
+            </a:solidFill>
+          </a:ln>
+        </p:spPr>
+        <p:style>
+          <a:lnRef idx="1">
+            <a:schemeClr val="accent1"/>
+          </a:lnRef>
+          <a:fillRef idx="0">
+            <a:schemeClr val="accent1"/>
+          </a:fillRef>
+          <a:effectRef idx="0">
+            <a:schemeClr val="accent1"/>
+          </a:effectRef>
+          <a:fontRef idx="minor">
+            <a:schemeClr val="tx1"/>
+          </a:fontRef>
+        </p:style>
+      </p:cxnSp>
+      <p:cxnSp>
+        <p:nvCxnSpPr>
+          <p:cNvPr id="31" name="直接连接符 30">
+            <a:extLst>
+              <a:ext uri="{FF2B5EF4-FFF2-40B4-BE49-F238E27FC236}">
+                <a16:creationId xmlns:a16="http://schemas.microsoft.com/office/drawing/2014/main" id="{17E95D2D-35B9-6532-DAD2-D33F5F382593}"/>
+              </a:ext>
+            </a:extLst>
+          </p:cNvPr>
+          <p:cNvCxnSpPr>
+            <a:cxnSpLocks/>
+            <a:stCxn id="8" idx="2"/>
+            <a:endCxn id="9" idx="0"/>
+          </p:cNvCxnSpPr>
+          <p:nvPr/>
+        </p:nvCxnSpPr>
+        <p:spPr>
+          <a:xfrm flipH="1">
+            <a:off x="7661140" y="4617317"/>
+            <a:ext cx="672041" cy="252151"/>
+          </a:xfrm>
+          <a:prstGeom prst="line">
+            <a:avLst/>
+          </a:prstGeom>
+          <a:ln w="12700">
+            <a:solidFill>
+              <a:schemeClr val="tx1"/>
+            </a:solidFill>
+          </a:ln>
+        </p:spPr>
+        <p:style>
+          <a:lnRef idx="1">
+            <a:schemeClr val="accent1"/>
+          </a:lnRef>
+          <a:fillRef idx="0">
+            <a:schemeClr val="accent1"/>
+          </a:fillRef>
+          <a:effectRef idx="0">
+            <a:schemeClr val="accent1"/>
+          </a:effectRef>
+          <a:fontRef idx="minor">
+            <a:schemeClr val="tx1"/>
+          </a:fontRef>
+        </p:style>
+      </p:cxnSp>
+      <p:cxnSp>
+        <p:nvCxnSpPr>
+          <p:cNvPr id="34" name="直接连接符 33">
+            <a:extLst>
+              <a:ext uri="{FF2B5EF4-FFF2-40B4-BE49-F238E27FC236}">
+                <a16:creationId xmlns:a16="http://schemas.microsoft.com/office/drawing/2014/main" id="{4F4B3293-AD84-3A37-E4B2-5AEA080404A5}"/>
+              </a:ext>
+            </a:extLst>
+          </p:cNvPr>
+          <p:cNvCxnSpPr>
+            <a:cxnSpLocks/>
+            <a:stCxn id="8" idx="2"/>
+            <a:endCxn id="10" idx="0"/>
+          </p:cNvCxnSpPr>
+          <p:nvPr/>
+        </p:nvCxnSpPr>
+        <p:spPr>
+          <a:xfrm>
+            <a:off x="8333181" y="4617317"/>
+            <a:ext cx="722924" cy="270041"/>
+          </a:xfrm>
+          <a:prstGeom prst="line">
+            <a:avLst/>
+          </a:prstGeom>
+          <a:ln w="12700">
+            <a:solidFill>
+              <a:schemeClr val="tx1"/>
+            </a:solidFill>
+          </a:ln>
+        </p:spPr>
+        <p:style>
+          <a:lnRef idx="1">
+            <a:schemeClr val="accent1"/>
+          </a:lnRef>
+          <a:fillRef idx="0">
+            <a:schemeClr val="accent1"/>
+          </a:fillRef>
+          <a:effectRef idx="0">
+            <a:schemeClr val="accent1"/>
+          </a:effectRef>
+          <a:fontRef idx="minor">
+            <a:schemeClr val="tx1"/>
+          </a:fontRef>
+        </p:style>
+      </p:cxnSp>
+      <p:cxnSp>
+        <p:nvCxnSpPr>
+          <p:cNvPr id="37" name="直接连接符 36">
+            <a:extLst>
+              <a:ext uri="{FF2B5EF4-FFF2-40B4-BE49-F238E27FC236}">
+                <a16:creationId xmlns:a16="http://schemas.microsoft.com/office/drawing/2014/main" id="{B45A0D3A-0F94-DC01-70CB-BAB2EDE7198C}"/>
+              </a:ext>
+            </a:extLst>
+          </p:cNvPr>
+          <p:cNvCxnSpPr>
+            <a:cxnSpLocks/>
+            <a:stCxn id="10" idx="2"/>
+            <a:endCxn id="141" idx="0"/>
+          </p:cNvCxnSpPr>
+          <p:nvPr/>
+        </p:nvCxnSpPr>
+        <p:spPr>
+          <a:xfrm flipH="1">
+            <a:off x="8559301" y="5256690"/>
+            <a:ext cx="496804" cy="247955"/>
+          </a:xfrm>
+          <a:prstGeom prst="line">
+            <a:avLst/>
+          </a:prstGeom>
+          <a:ln w="12700">
+            <a:solidFill>
+              <a:schemeClr val="tx1"/>
+            </a:solidFill>
+          </a:ln>
+        </p:spPr>
+        <p:style>
+          <a:lnRef idx="1">
+            <a:schemeClr val="accent1"/>
+          </a:lnRef>
+          <a:fillRef idx="0">
+            <a:schemeClr val="accent1"/>
+          </a:fillRef>
+          <a:effectRef idx="0">
+            <a:schemeClr val="accent1"/>
+          </a:effectRef>
+          <a:fontRef idx="minor">
+            <a:schemeClr val="tx1"/>
+          </a:fontRef>
+        </p:style>
+      </p:cxnSp>
+      <mc:AlternateContent xmlns:mc="http://schemas.openxmlformats.org/markup-compatibility/2006" xmlns:a14="http://schemas.microsoft.com/office/drawing/2010/main">
+        <mc:Choice Requires="a14">
+          <p:sp>
+            <p:nvSpPr>
+              <p:cNvPr id="41" name="文本框 40">
+                <a:extLst>
+                  <a:ext uri="{FF2B5EF4-FFF2-40B4-BE49-F238E27FC236}">
+                    <a16:creationId xmlns:a16="http://schemas.microsoft.com/office/drawing/2014/main" id="{69DEAEAB-F721-1EC1-81C6-17ECB9278418}"/>
+                  </a:ext>
+                </a:extLst>
+              </p:cNvPr>
+              <p:cNvSpPr txBox="1"/>
+              <p:nvPr/>
+            </p:nvSpPr>
+            <p:spPr>
+              <a:xfrm>
+                <a:off x="9397539" y="5551385"/>
+                <a:ext cx="444352" cy="369332"/>
+              </a:xfrm>
+              <a:prstGeom prst="rect">
+                <a:avLst/>
+              </a:prstGeom>
+              <a:noFill/>
+            </p:spPr>
+            <p:txBody>
+              <a:bodyPr wrap="none" rtlCol="0">
+                <a:spAutoFit/>
+              </a:bodyPr>
+              <a:lstStyle/>
+              <a:p>
+                <a:pPr/>
+                <a14:m>
+                  <m:oMathPara xmlns:m="http://schemas.openxmlformats.org/officeDocument/2006/math">
+                    <m:oMathParaPr>
+                      <m:jc m:val="centerGroup"/>
+                    </m:oMathParaPr>
+                    <m:oMath xmlns:m="http://schemas.openxmlformats.org/officeDocument/2006/math">
+                      <m:r>
+                        <a:rPr lang="en-US" altLang="zh-CN" i="1" smtClean="0">
+                          <a:latin typeface="Cambria Math" panose="02040503050406030204" pitchFamily="18" charset="0"/>
+                        </a:rPr>
+                        <m:t>𝐴</m:t>
+                      </m:r>
+                      <m:r>
+                        <a:rPr lang="en-US" altLang="zh-CN" i="1" smtClean="0">
+                          <a:latin typeface="Cambria Math" panose="02040503050406030204" pitchFamily="18" charset="0"/>
+                        </a:rPr>
+                        <m:t>’</m:t>
+                      </m:r>
+                    </m:oMath>
+                  </m:oMathPara>
+                </a14:m>
+                <a:endParaRPr lang="en-US" altLang="zh-CN"/>
+              </a:p>
+            </p:txBody>
+          </p:sp>
+        </mc:Choice>
+        <mc:Fallback xmlns="">
+          <p:sp>
+            <p:nvSpPr>
+              <p:cNvPr id="41" name="文本框 40">
+                <a:extLst>
+                  <a:ext uri="{FF2B5EF4-FFF2-40B4-BE49-F238E27FC236}">
+                    <a16:creationId xmlns:a16="http://schemas.microsoft.com/office/drawing/2014/main" id="{69DEAEAB-F721-1EC1-81C6-17ECB9278418}"/>
+                  </a:ext>
+                </a:extLst>
+              </p:cNvPr>
+              <p:cNvSpPr txBox="1">
+                <a:spLocks noRot="1" noChangeAspect="1" noMove="1" noResize="1" noEditPoints="1" noAdjustHandles="1" noChangeArrowheads="1" noChangeShapeType="1" noTextEdit="1"/>
+              </p:cNvSpPr>
+              <p:nvPr/>
+            </p:nvSpPr>
+            <p:spPr>
+              <a:xfrm>
+                <a:off x="9397539" y="5551385"/>
+                <a:ext cx="444352" cy="369332"/>
+              </a:xfrm>
+              <a:prstGeom prst="rect">
+                <a:avLst/>
+              </a:prstGeom>
+              <a:blipFill>
+                <a:blip r:embed="rId11"/>
+                <a:stretch>
+                  <a:fillRect/>
+                </a:stretch>
+              </a:blipFill>
+            </p:spPr>
+            <p:txBody>
+              <a:bodyPr/>
+              <a:lstStyle/>
+              <a:p>
+                <a:r>
+                  <a:rPr lang="zh-CN" altLang="en-US">
+                    <a:noFill/>
+                  </a:rPr>
+                  <a:t> </a:t>
+                </a:r>
+              </a:p>
+            </p:txBody>
+          </p:sp>
+        </mc:Fallback>
+      </mc:AlternateContent>
+      <p:cxnSp>
+        <p:nvCxnSpPr>
+          <p:cNvPr id="43" name="直接连接符 42">
+            <a:extLst>
+              <a:ext uri="{FF2B5EF4-FFF2-40B4-BE49-F238E27FC236}">
+                <a16:creationId xmlns:a16="http://schemas.microsoft.com/office/drawing/2014/main" id="{3974FEF4-3336-C1C0-60E7-C784A61BF704}"/>
+              </a:ext>
+            </a:extLst>
+          </p:cNvPr>
+          <p:cNvCxnSpPr>
+            <a:cxnSpLocks/>
+            <a:stCxn id="10" idx="2"/>
+            <a:endCxn id="41" idx="0"/>
+          </p:cNvCxnSpPr>
+          <p:nvPr/>
+        </p:nvCxnSpPr>
+        <p:spPr>
+          <a:xfrm>
+            <a:off x="9056105" y="5256690"/>
+            <a:ext cx="563610" cy="294695"/>
+          </a:xfrm>
+          <a:prstGeom prst="line">
+            <a:avLst/>
+          </a:prstGeom>
+          <a:ln w="12700">
+            <a:solidFill>
+              <a:schemeClr val="tx1"/>
+            </a:solidFill>
+          </a:ln>
+        </p:spPr>
+        <p:style>
+          <a:lnRef idx="1">
+            <a:schemeClr val="accent1"/>
+          </a:lnRef>
+          <a:fillRef idx="0">
+            <a:schemeClr val="accent1"/>
+          </a:fillRef>
+          <a:effectRef idx="0">
+            <a:schemeClr val="accent1"/>
+          </a:effectRef>
+          <a:fontRef idx="minor">
+            <a:schemeClr val="tx1"/>
+          </a:fontRef>
+        </p:style>
+      </p:cxnSp>
+      <mc:AlternateContent xmlns:mc="http://schemas.openxmlformats.org/markup-compatibility/2006" xmlns:a14="http://schemas.microsoft.com/office/drawing/2010/main">
+        <mc:Choice Requires="a14">
+          <p:sp>
+            <p:nvSpPr>
+              <p:cNvPr id="47" name="文本框 46">
+                <a:extLst>
+                  <a:ext uri="{FF2B5EF4-FFF2-40B4-BE49-F238E27FC236}">
+                    <a16:creationId xmlns:a16="http://schemas.microsoft.com/office/drawing/2014/main" id="{7F963081-B602-7A78-D889-3FCE575ACD20}"/>
+                  </a:ext>
+                </a:extLst>
+              </p:cNvPr>
+              <p:cNvSpPr txBox="1"/>
+              <p:nvPr/>
+            </p:nvSpPr>
+            <p:spPr>
+              <a:xfrm>
+                <a:off x="9370641" y="6014205"/>
+                <a:ext cx="498149" cy="369332"/>
+              </a:xfrm>
+              <a:prstGeom prst="rect">
+                <a:avLst/>
+              </a:prstGeom>
+              <a:noFill/>
+            </p:spPr>
+            <p:txBody>
+              <a:bodyPr wrap="none" rtlCol="0">
+                <a:spAutoFit/>
+              </a:bodyPr>
+              <a:lstStyle/>
+              <a:p>
+                <a:pPr/>
+                <a14:m>
+                  <m:oMathPara xmlns:m="http://schemas.openxmlformats.org/officeDocument/2006/math">
+                    <m:oMathParaPr>
+                      <m:jc m:val="centerGroup"/>
+                    </m:oMathParaPr>
+                    <m:oMath xmlns:m="http://schemas.openxmlformats.org/officeDocument/2006/math">
+                      <m:sSup>
+                        <m:sSupPr>
+                          <m:ctrlPr>
+                            <a:rPr lang="en-US" altLang="zh-CN" i="1" smtClean="0">
+                              <a:latin typeface="Cambria Math" panose="02040503050406030204" pitchFamily="18" charset="0"/>
+                            </a:rPr>
+                          </m:ctrlPr>
+                        </m:sSupPr>
+                        <m:e>
+                          <m:r>
+                            <a:rPr lang="en-US" altLang="zh-CN" b="0" i="1" smtClean="0">
+                              <a:latin typeface="Cambria Math" panose="02040503050406030204" pitchFamily="18" charset="0"/>
+                            </a:rPr>
+                            <m:t>𝐴</m:t>
+                          </m:r>
+                        </m:e>
+                        <m:sup>
+                          <m:r>
+                            <a:rPr lang="en-US" altLang="zh-CN" b="0" i="1" smtClean="0">
+                              <a:latin typeface="Cambria Math" panose="02040503050406030204" pitchFamily="18" charset="0"/>
+                            </a:rPr>
+                            <m:t>0</m:t>
+                          </m:r>
+                        </m:sup>
+                      </m:sSup>
+                    </m:oMath>
+                  </m:oMathPara>
+                </a14:m>
+                <a:endParaRPr lang="en-US" altLang="zh-CN"/>
+              </a:p>
+            </p:txBody>
+          </p:sp>
+        </mc:Choice>
+        <mc:Fallback xmlns="">
+          <p:sp>
+            <p:nvSpPr>
+              <p:cNvPr id="47" name="文本框 46">
+                <a:extLst>
+                  <a:ext uri="{FF2B5EF4-FFF2-40B4-BE49-F238E27FC236}">
+                    <a16:creationId xmlns:a16="http://schemas.microsoft.com/office/drawing/2014/main" id="{7F963081-B602-7A78-D889-3FCE575ACD20}"/>
+                  </a:ext>
+                </a:extLst>
+              </p:cNvPr>
+              <p:cNvSpPr txBox="1">
+                <a:spLocks noRot="1" noChangeAspect="1" noMove="1" noResize="1" noEditPoints="1" noAdjustHandles="1" noChangeArrowheads="1" noChangeShapeType="1" noTextEdit="1"/>
+              </p:cNvSpPr>
+              <p:nvPr/>
+            </p:nvSpPr>
+            <p:spPr>
+              <a:xfrm>
+                <a:off x="9370641" y="6014205"/>
+                <a:ext cx="498149" cy="369332"/>
+              </a:xfrm>
+              <a:prstGeom prst="rect">
+                <a:avLst/>
+              </a:prstGeom>
+              <a:blipFill>
+                <a:blip r:embed="rId12"/>
+                <a:stretch>
+                  <a:fillRect/>
+                </a:stretch>
+              </a:blipFill>
+            </p:spPr>
+            <p:txBody>
+              <a:bodyPr/>
+              <a:lstStyle/>
+              <a:p>
+                <a:r>
+                  <a:rPr lang="zh-CN" altLang="en-US">
+                    <a:noFill/>
+                  </a:rPr>
+                  <a:t> </a:t>
+                </a:r>
+              </a:p>
+            </p:txBody>
+          </p:sp>
+        </mc:Fallback>
+      </mc:AlternateContent>
+      <p:cxnSp>
+        <p:nvCxnSpPr>
+          <p:cNvPr id="48" name="直接连接符 47">
+            <a:extLst>
+              <a:ext uri="{FF2B5EF4-FFF2-40B4-BE49-F238E27FC236}">
+                <a16:creationId xmlns:a16="http://schemas.microsoft.com/office/drawing/2014/main" id="{CAD9C502-9A60-65AF-8EE2-217224191A75}"/>
+              </a:ext>
+            </a:extLst>
+          </p:cNvPr>
+          <p:cNvCxnSpPr>
+            <a:cxnSpLocks/>
+            <a:stCxn id="47" idx="0"/>
+            <a:endCxn id="41" idx="2"/>
+          </p:cNvCxnSpPr>
+          <p:nvPr/>
+        </p:nvCxnSpPr>
+        <p:spPr>
+          <a:xfrm flipH="1" flipV="1">
+            <a:off x="9619715" y="5920717"/>
+            <a:ext cx="1" cy="93488"/>
+          </a:xfrm>
+          <a:prstGeom prst="line">
+            <a:avLst/>
+          </a:prstGeom>
+          <a:ln w="12700">
+            <a:solidFill>
+              <a:schemeClr val="tx1"/>
+            </a:solidFill>
+          </a:ln>
+        </p:spPr>
+        <p:style>
+          <a:lnRef idx="1">
+            <a:schemeClr val="accent1"/>
+          </a:lnRef>
+          <a:fillRef idx="0">
+            <a:schemeClr val="accent1"/>
+          </a:fillRef>
+          <a:effectRef idx="0">
+            <a:schemeClr val="accent1"/>
+          </a:effectRef>
+          <a:fontRef idx="minor">
+            <a:schemeClr val="tx1"/>
+          </a:fontRef>
+        </p:style>
+      </p:cxnSp>
+      <mc:AlternateContent xmlns:mc="http://schemas.openxmlformats.org/markup-compatibility/2006" xmlns:a14="http://schemas.microsoft.com/office/drawing/2010/main">
+        <mc:Choice Requires="a14">
+          <p:sp>
+            <p:nvSpPr>
+              <p:cNvPr id="90" name="文本框 89">
+                <a:extLst>
+                  <a:ext uri="{FF2B5EF4-FFF2-40B4-BE49-F238E27FC236}">
+                    <a16:creationId xmlns:a16="http://schemas.microsoft.com/office/drawing/2014/main" id="{B8324AC4-AD96-EC37-F6A1-15FC3975D5C7}"/>
+                  </a:ext>
+                </a:extLst>
+              </p:cNvPr>
+              <p:cNvSpPr txBox="1"/>
+              <p:nvPr/>
+            </p:nvSpPr>
+            <p:spPr>
+              <a:xfrm>
+                <a:off x="4451640" y="3810179"/>
+                <a:ext cx="1512915" cy="391646"/>
+              </a:xfrm>
+              <a:prstGeom prst="rect">
+                <a:avLst/>
+              </a:prstGeom>
+              <a:noFill/>
+            </p:spPr>
+            <p:txBody>
+              <a:bodyPr wrap="none" rtlCol="0">
+                <a:spAutoFit/>
+              </a:bodyPr>
+              <a:lstStyle/>
+              <a:p>
+                <a14:m>
+                  <m:oMath xmlns:m="http://schemas.openxmlformats.org/officeDocument/2006/math">
+                    <m:r>
+                      <a:rPr lang="en-US" altLang="zh-CN" b="0" i="1" smtClean="0">
+                        <a:latin typeface="Cambria Math" panose="02040503050406030204" pitchFamily="18" charset="0"/>
+                      </a:rPr>
+                      <m:t>(</m:t>
+                    </m:r>
+                    <m:sSub>
+                      <m:sSubPr>
+                        <m:ctrlPr>
+                          <a:rPr lang="en-US" altLang="zh-CN" i="1" smtClean="0">
+                            <a:latin typeface="Cambria Math" panose="02040503050406030204" pitchFamily="18" charset="0"/>
+                          </a:rPr>
+                        </m:ctrlPr>
+                      </m:sSubPr>
+                      <m:e>
+                        <m:r>
+                          <a:rPr lang="en-US" altLang="zh-CN" b="0" i="1" smtClean="0">
+                            <a:latin typeface="Cambria Math" panose="02040503050406030204" pitchFamily="18" charset="0"/>
+                          </a:rPr>
+                          <m:t>𝑔𝑎𝑜</m:t>
+                        </m:r>
+                      </m:e>
+                      <m:sub>
+                        <m:r>
+                          <a:rPr lang="en-US" altLang="zh-CN" b="0" i="1" smtClean="0">
+                            <a:latin typeface="Cambria Math" panose="02040503050406030204" pitchFamily="18" charset="0"/>
+                          </a:rPr>
+                          <m:t>𝑖</m:t>
+                        </m:r>
+                      </m:sub>
+                    </m:sSub>
+                  </m:oMath>
+                </a14:m>
+                <a:r>
+                  <a:rPr lang="en-US" altLang="zh-CN" dirty="0"/>
+                  <a:t>-</a:t>
+                </a:r>
+                <a14:m>
+                  <m:oMath xmlns:m="http://schemas.openxmlformats.org/officeDocument/2006/math">
+                    <m:r>
+                      <a:rPr lang="zh-CN" altLang="en-US" i="1" smtClean="0">
+                        <a:latin typeface="Cambria Math" panose="02040503050406030204" pitchFamily="18" charset="0"/>
+                      </a:rPr>
+                      <m:t>𝜇</m:t>
+                    </m:r>
+                    <m:sSub>
+                      <m:sSubPr>
+                        <m:ctrlPr>
+                          <a:rPr lang="en-US" altLang="zh-CN" i="1" smtClean="0">
+                            <a:latin typeface="Cambria Math" panose="02040503050406030204" pitchFamily="18" charset="0"/>
+                          </a:rPr>
+                        </m:ctrlPr>
+                      </m:sSubPr>
+                      <m:e>
+                        <m:r>
+                          <a:rPr lang="en-US" altLang="zh-CN" b="0" i="1" smtClean="0">
+                            <a:latin typeface="Cambria Math" panose="02040503050406030204" pitchFamily="18" charset="0"/>
+                          </a:rPr>
+                          <m:t>)</m:t>
+                        </m:r>
+                      </m:e>
+                      <m:sub>
+                        <m:r>
+                          <a:rPr lang="en-US" altLang="zh-CN" b="0" i="1" smtClean="0">
+                            <a:latin typeface="Cambria Math" panose="02040503050406030204" pitchFamily="18" charset="0"/>
+                          </a:rPr>
+                          <m:t>𝑗</m:t>
+                        </m:r>
+                      </m:sub>
+                    </m:sSub>
+                  </m:oMath>
+                </a14:m>
+                <a:r>
+                  <a:rPr lang="en-US" altLang="zh-CN" dirty="0"/>
+                  <a:t>-</a:t>
+                </a:r>
+                <a14:m>
+                  <m:oMath xmlns:m="http://schemas.openxmlformats.org/officeDocument/2006/math">
+                    <m:sSub>
+                      <m:sSubPr>
+                        <m:ctrlPr>
+                          <a:rPr lang="en-US" altLang="zh-CN" i="1" smtClean="0">
+                            <a:latin typeface="Cambria Math" panose="02040503050406030204" pitchFamily="18" charset="0"/>
+                          </a:rPr>
+                        </m:ctrlPr>
+                      </m:sSubPr>
+                      <m:e>
+                        <m:r>
+                          <a:rPr lang="zh-CN" altLang="en-US" i="1">
+                            <a:latin typeface="Cambria Math" panose="02040503050406030204" pitchFamily="18" charset="0"/>
+                          </a:rPr>
+                          <m:t>𝜉</m:t>
+                        </m:r>
+                      </m:e>
+                      <m:sub>
+                        <m:r>
+                          <m:rPr>
+                            <m:sty m:val="p"/>
+                          </m:rPr>
+                          <a:rPr lang="en-US" altLang="zh-CN" i="1">
+                            <a:latin typeface="Cambria Math" panose="02040503050406030204" pitchFamily="18" charset="0"/>
+                          </a:rPr>
+                          <m:t>n</m:t>
+                        </m:r>
+                      </m:sub>
+                    </m:sSub>
+                  </m:oMath>
+                </a14:m>
+                <a:endParaRPr lang="en-US" altLang="zh-CN" dirty="0"/>
+              </a:p>
+            </p:txBody>
+          </p:sp>
+        </mc:Choice>
+        <mc:Fallback xmlns="">
+          <p:sp>
+            <p:nvSpPr>
+              <p:cNvPr id="90" name="文本框 89">
+                <a:extLst>
+                  <a:ext uri="{FF2B5EF4-FFF2-40B4-BE49-F238E27FC236}">
+                    <a16:creationId xmlns:a16="http://schemas.microsoft.com/office/drawing/2014/main" id="{B8324AC4-AD96-EC37-F6A1-15FC3975D5C7}"/>
+                  </a:ext>
+                </a:extLst>
+              </p:cNvPr>
+              <p:cNvSpPr txBox="1">
+                <a:spLocks noRot="1" noChangeAspect="1" noMove="1" noResize="1" noEditPoints="1" noAdjustHandles="1" noChangeArrowheads="1" noChangeShapeType="1" noTextEdit="1"/>
+              </p:cNvSpPr>
+              <p:nvPr/>
+            </p:nvSpPr>
+            <p:spPr>
+              <a:xfrm>
+                <a:off x="4451640" y="3810179"/>
+                <a:ext cx="1512915" cy="391646"/>
+              </a:xfrm>
+              <a:prstGeom prst="rect">
+                <a:avLst/>
+              </a:prstGeom>
+              <a:blipFill>
+                <a:blip r:embed="rId13"/>
+                <a:stretch>
+                  <a:fillRect l="-1210" t="-6250" b="-20313"/>
+                </a:stretch>
+              </a:blipFill>
+            </p:spPr>
+            <p:txBody>
+              <a:bodyPr/>
+              <a:lstStyle/>
+              <a:p>
+                <a:r>
+                  <a:rPr lang="zh-CN" altLang="en-US">
+                    <a:noFill/>
+                  </a:rPr>
+                  <a:t> </a:t>
+                </a:r>
+              </a:p>
+            </p:txBody>
+          </p:sp>
+        </mc:Fallback>
+      </mc:AlternateContent>
+      <p:cxnSp>
+        <p:nvCxnSpPr>
+          <p:cNvPr id="92" name="连接符: 肘形 91">
+            <a:extLst>
+              <a:ext uri="{FF2B5EF4-FFF2-40B4-BE49-F238E27FC236}">
+                <a16:creationId xmlns:a16="http://schemas.microsoft.com/office/drawing/2014/main" id="{8E3C6B32-9CBB-F48D-D4E3-DD6EE7DB8792}"/>
+              </a:ext>
+            </a:extLst>
+          </p:cNvPr>
+          <p:cNvCxnSpPr>
+            <a:cxnSpLocks/>
+            <a:stCxn id="112" idx="1"/>
+            <a:endCxn id="115" idx="2"/>
+          </p:cNvCxnSpPr>
+          <p:nvPr/>
+        </p:nvCxnSpPr>
+        <p:spPr>
+          <a:xfrm rot="10800000">
+            <a:off x="7644574" y="5513266"/>
+            <a:ext cx="1752967" cy="942117"/>
+          </a:xfrm>
+          <a:prstGeom prst="bentConnector2">
+            <a:avLst/>
+          </a:prstGeom>
+          <a:ln w="12700">
+            <a:solidFill>
+              <a:schemeClr val="tx1"/>
+            </a:solidFill>
+            <a:prstDash val="solid"/>
+            <a:tailEnd type="triangle"/>
+          </a:ln>
+        </p:spPr>
+        <p:style>
+          <a:lnRef idx="1">
+            <a:schemeClr val="accent1"/>
+          </a:lnRef>
+          <a:fillRef idx="0">
+            <a:schemeClr val="accent1"/>
+          </a:fillRef>
+          <a:effectRef idx="0">
+            <a:schemeClr val="accent1"/>
+          </a:effectRef>
+          <a:fontRef idx="minor">
+            <a:schemeClr val="tx1"/>
+          </a:fontRef>
+        </p:style>
+      </p:cxnSp>
+      <p:cxnSp>
+        <p:nvCxnSpPr>
+          <p:cNvPr id="97" name="连接符: 肘形 96">
+            <a:extLst>
+              <a:ext uri="{FF2B5EF4-FFF2-40B4-BE49-F238E27FC236}">
+                <a16:creationId xmlns:a16="http://schemas.microsoft.com/office/drawing/2014/main" id="{8556C2F5-DC96-4EE5-2D40-61B83DC1BC6F}"/>
+              </a:ext>
+            </a:extLst>
+          </p:cNvPr>
+          <p:cNvCxnSpPr>
+            <a:cxnSpLocks/>
+            <a:stCxn id="115" idx="1"/>
+            <a:endCxn id="90" idx="2"/>
+          </p:cNvCxnSpPr>
+          <p:nvPr/>
+        </p:nvCxnSpPr>
+        <p:spPr>
+          <a:xfrm rot="10800000">
+            <a:off x="5208098" y="4201826"/>
+            <a:ext cx="2232220" cy="1115617"/>
+          </a:xfrm>
+          <a:prstGeom prst="bentConnector2">
+            <a:avLst/>
+          </a:prstGeom>
+          <a:ln w="12700">
+            <a:solidFill>
+              <a:schemeClr val="tx1"/>
+            </a:solidFill>
+            <a:prstDash val="solid"/>
+            <a:tailEnd type="triangle"/>
+          </a:ln>
+        </p:spPr>
+        <p:style>
+          <a:lnRef idx="1">
+            <a:schemeClr val="accent1"/>
+          </a:lnRef>
+          <a:fillRef idx="0">
+            <a:schemeClr val="accent1"/>
+          </a:fillRef>
+          <a:effectRef idx="0">
+            <a:schemeClr val="accent1"/>
+          </a:effectRef>
+          <a:fontRef idx="minor">
+            <a:schemeClr val="tx1"/>
+          </a:fontRef>
+        </p:style>
+      </p:cxnSp>
+      <mc:AlternateContent xmlns:mc="http://schemas.openxmlformats.org/markup-compatibility/2006" xmlns:a14="http://schemas.microsoft.com/office/drawing/2010/main">
+        <mc:Choice Requires="a14">
+          <p:sp>
+            <p:nvSpPr>
+              <p:cNvPr id="112" name="文本框 111">
+                <a:extLst>
+                  <a:ext uri="{FF2B5EF4-FFF2-40B4-BE49-F238E27FC236}">
+                    <a16:creationId xmlns:a16="http://schemas.microsoft.com/office/drawing/2014/main" id="{5EC1E644-F881-87AB-4FC6-61ADDE6A7933}"/>
+                  </a:ext>
+                </a:extLst>
+              </p:cNvPr>
+              <p:cNvSpPr txBox="1"/>
+              <p:nvPr/>
+            </p:nvSpPr>
+            <p:spPr>
+              <a:xfrm>
+                <a:off x="9397540" y="6270716"/>
+                <a:ext cx="409792" cy="369332"/>
+              </a:xfrm>
+              <a:prstGeom prst="rect">
+                <a:avLst/>
+              </a:prstGeom>
+              <a:noFill/>
+            </p:spPr>
+            <p:txBody>
+              <a:bodyPr wrap="none" rtlCol="0">
+                <a:spAutoFit/>
+              </a:bodyPr>
+              <a:lstStyle/>
+              <a:p>
+                <a:pPr/>
+                <a14:m>
+                  <m:oMathPara xmlns:m="http://schemas.openxmlformats.org/officeDocument/2006/math">
+                    <m:oMathParaPr>
+                      <m:jc m:val="centerGroup"/>
+                    </m:oMathParaPr>
+                    <m:oMath xmlns:m="http://schemas.openxmlformats.org/officeDocument/2006/math">
+                      <m:sSub>
+                        <m:sSubPr>
+                          <m:ctrlPr>
+                            <a:rPr lang="en-US" altLang="zh-CN" i="1" smtClean="0">
+                              <a:latin typeface="Cambria Math" panose="02040503050406030204" pitchFamily="18" charset="0"/>
+                            </a:rPr>
+                          </m:ctrlPr>
+                        </m:sSubPr>
+                        <m:e>
+                          <m:r>
+                            <a:rPr lang="en-US" altLang="zh-CN" b="0" i="1" smtClean="0">
+                              <a:latin typeface="Cambria Math" panose="02040503050406030204" pitchFamily="18" charset="0"/>
+                            </a:rPr>
+                            <m:t>𝑡</m:t>
+                          </m:r>
+                        </m:e>
+                        <m:sub>
+                          <m:r>
+                            <a:rPr lang="en-US" altLang="zh-CN" b="0" i="1" smtClean="0">
+                              <a:latin typeface="Cambria Math" panose="02040503050406030204" pitchFamily="18" charset="0"/>
+                            </a:rPr>
+                            <m:t>𝑖</m:t>
+                          </m:r>
+                        </m:sub>
+                      </m:sSub>
+                    </m:oMath>
+                  </m:oMathPara>
+                </a14:m>
+                <a:endParaRPr lang="en-US" altLang="zh-CN"/>
+              </a:p>
+            </p:txBody>
+          </p:sp>
+        </mc:Choice>
+        <mc:Fallback xmlns="">
+          <p:sp>
+            <p:nvSpPr>
+              <p:cNvPr id="112" name="文本框 111">
+                <a:extLst>
+                  <a:ext uri="{FF2B5EF4-FFF2-40B4-BE49-F238E27FC236}">
+                    <a16:creationId xmlns:a16="http://schemas.microsoft.com/office/drawing/2014/main" id="{5EC1E644-F881-87AB-4FC6-61ADDE6A7933}"/>
+                  </a:ext>
+                </a:extLst>
+              </p:cNvPr>
+              <p:cNvSpPr txBox="1">
+                <a:spLocks noRot="1" noChangeAspect="1" noMove="1" noResize="1" noEditPoints="1" noAdjustHandles="1" noChangeArrowheads="1" noChangeShapeType="1" noTextEdit="1"/>
+              </p:cNvSpPr>
+              <p:nvPr/>
+            </p:nvSpPr>
+            <p:spPr>
+              <a:xfrm>
+                <a:off x="9397540" y="6270716"/>
+                <a:ext cx="409792" cy="369332"/>
+              </a:xfrm>
+              <a:prstGeom prst="rect">
+                <a:avLst/>
+              </a:prstGeom>
+              <a:blipFill>
+                <a:blip r:embed="rId14"/>
+                <a:stretch>
+                  <a:fillRect b="-1667"/>
+                </a:stretch>
+              </a:blipFill>
+            </p:spPr>
+            <p:txBody>
+              <a:bodyPr/>
+              <a:lstStyle/>
+              <a:p>
+                <a:r>
+                  <a:rPr lang="zh-CN" altLang="en-US">
+                    <a:noFill/>
+                  </a:rPr>
+                  <a:t> </a:t>
+                </a:r>
+              </a:p>
+            </p:txBody>
+          </p:sp>
+        </mc:Fallback>
+      </mc:AlternateContent>
+      <mc:AlternateContent xmlns:mc="http://schemas.openxmlformats.org/markup-compatibility/2006" xmlns:a14="http://schemas.microsoft.com/office/drawing/2010/main">
+        <mc:Choice Requires="a14">
+          <p:sp>
+            <p:nvSpPr>
+              <p:cNvPr id="115" name="文本框 114">
+                <a:extLst>
+                  <a:ext uri="{FF2B5EF4-FFF2-40B4-BE49-F238E27FC236}">
+                    <a16:creationId xmlns:a16="http://schemas.microsoft.com/office/drawing/2014/main" id="{7BC62686-D3E2-719C-27AD-7C6B6A324F09}"/>
+                  </a:ext>
+                </a:extLst>
+              </p:cNvPr>
+              <p:cNvSpPr txBox="1"/>
+              <p:nvPr/>
+            </p:nvSpPr>
+            <p:spPr>
+              <a:xfrm>
+                <a:off x="7440318" y="5121619"/>
+                <a:ext cx="408509" cy="391646"/>
+              </a:xfrm>
+              <a:prstGeom prst="rect">
+                <a:avLst/>
+              </a:prstGeom>
+              <a:noFill/>
+            </p:spPr>
+            <p:txBody>
+              <a:bodyPr wrap="none" rtlCol="0">
+                <a:spAutoFit/>
+              </a:bodyPr>
+              <a:lstStyle/>
+              <a:p>
+                <a:pPr/>
+                <a14:m>
+                  <m:oMathPara xmlns:m="http://schemas.openxmlformats.org/officeDocument/2006/math">
+                    <m:oMathParaPr>
+                      <m:jc m:val="centerGroup"/>
+                    </m:oMathParaPr>
+                    <m:oMath xmlns:m="http://schemas.openxmlformats.org/officeDocument/2006/math">
+                      <m:sSub>
+                        <m:sSubPr>
+                          <m:ctrlPr>
+                            <a:rPr lang="en-US" altLang="zh-CN" i="1" smtClean="0">
+                              <a:latin typeface="Cambria Math" panose="02040503050406030204" pitchFamily="18" charset="0"/>
+                            </a:rPr>
+                          </m:ctrlPr>
+                        </m:sSubPr>
+                        <m:e>
+                          <m:r>
+                            <a:rPr lang="en-US" altLang="zh-CN" b="0" i="1" smtClean="0">
+                              <a:latin typeface="Cambria Math" panose="02040503050406030204" pitchFamily="18" charset="0"/>
+                            </a:rPr>
+                            <m:t>𝑡</m:t>
+                          </m:r>
+                        </m:e>
+                        <m:sub>
+                          <m:r>
+                            <a:rPr lang="en-US" altLang="zh-CN" b="0" i="1" smtClean="0">
+                              <a:latin typeface="Cambria Math" panose="02040503050406030204" pitchFamily="18" charset="0"/>
+                            </a:rPr>
+                            <m:t>𝑗</m:t>
+                          </m:r>
+                        </m:sub>
+                      </m:sSub>
+                    </m:oMath>
+                  </m:oMathPara>
+                </a14:m>
+                <a:endParaRPr lang="en-US" altLang="zh-CN"/>
+              </a:p>
+            </p:txBody>
+          </p:sp>
+        </mc:Choice>
+        <mc:Fallback xmlns="">
+          <p:sp>
+            <p:nvSpPr>
+              <p:cNvPr id="115" name="文本框 114">
+                <a:extLst>
+                  <a:ext uri="{FF2B5EF4-FFF2-40B4-BE49-F238E27FC236}">
+                    <a16:creationId xmlns:a16="http://schemas.microsoft.com/office/drawing/2014/main" id="{7BC62686-D3E2-719C-27AD-7C6B6A324F09}"/>
+                  </a:ext>
+                </a:extLst>
+              </p:cNvPr>
+              <p:cNvSpPr txBox="1">
+                <a:spLocks noRot="1" noChangeAspect="1" noMove="1" noResize="1" noEditPoints="1" noAdjustHandles="1" noChangeArrowheads="1" noChangeShapeType="1" noTextEdit="1"/>
+              </p:cNvSpPr>
+              <p:nvPr/>
+            </p:nvSpPr>
+            <p:spPr>
+              <a:xfrm>
+                <a:off x="7440318" y="5121619"/>
+                <a:ext cx="408509" cy="391646"/>
+              </a:xfrm>
+              <a:prstGeom prst="rect">
+                <a:avLst/>
+              </a:prstGeom>
+              <a:blipFill>
+                <a:blip r:embed="rId15"/>
+                <a:stretch>
+                  <a:fillRect b="-9375"/>
+                </a:stretch>
+              </a:blipFill>
+            </p:spPr>
+            <p:txBody>
+              <a:bodyPr/>
+              <a:lstStyle/>
+              <a:p>
+                <a:r>
+                  <a:rPr lang="zh-CN" altLang="en-US">
+                    <a:noFill/>
+                  </a:rPr>
+                  <a:t> </a:t>
+                </a:r>
+              </a:p>
+            </p:txBody>
+          </p:sp>
+        </mc:Fallback>
+      </mc:AlternateContent>
+      <p:sp>
+        <p:nvSpPr>
+          <p:cNvPr id="126" name="等腰三角形 125">
+            <a:extLst>
+              <a:ext uri="{FF2B5EF4-FFF2-40B4-BE49-F238E27FC236}">
+                <a16:creationId xmlns:a16="http://schemas.microsoft.com/office/drawing/2014/main" id="{BE1C878F-EA42-D7C1-5E4B-C3F9F24DC86A}"/>
+              </a:ext>
+            </a:extLst>
+          </p:cNvPr>
+          <p:cNvSpPr/>
+          <p:nvPr/>
+        </p:nvSpPr>
+        <p:spPr>
+          <a:xfrm>
+            <a:off x="6266326" y="4631061"/>
+            <a:ext cx="684655" cy="230414"/>
+          </a:xfrm>
+          <a:prstGeom prst="triangle">
+            <a:avLst/>
+          </a:prstGeom>
+          <a:noFill/>
+          <a:ln>
+            <a:solidFill>
+              <a:schemeClr val="tx1"/>
+            </a:solidFill>
+          </a:ln>
+        </p:spPr>
+        <p:style>
+          <a:lnRef idx="2">
+            <a:schemeClr val="accent1">
+              <a:shade val="15000"/>
+            </a:schemeClr>
+          </a:lnRef>
+          <a:fillRef idx="1">
+            <a:schemeClr val="accent1"/>
+          </a:fillRef>
+          <a:effectRef idx="0">
+            <a:schemeClr val="accent1"/>
+          </a:effectRef>
+          <a:fontRef idx="minor">
+            <a:schemeClr val="lt1"/>
+          </a:fontRef>
+        </p:style>
+        <p:txBody>
+          <a:bodyPr rtlCol="0" anchor="ctr"/>
+          <a:lstStyle/>
+          <a:p>
+            <a:pPr algn="ctr"/>
+            <a:endParaRPr lang="zh-CN" altLang="en-US"/>
+          </a:p>
+        </p:txBody>
+      </p:sp>
+      <mc:AlternateContent xmlns:mc="http://schemas.openxmlformats.org/markup-compatibility/2006">
+        <mc:Choice xmlns:a14="http://schemas.microsoft.com/office/drawing/2010/main" Requires="a14">
+          <p:sp>
+            <p:nvSpPr>
+              <p:cNvPr id="139" name="文本框 138">
+                <a:extLst>
+                  <a:ext uri="{FF2B5EF4-FFF2-40B4-BE49-F238E27FC236}">
+                    <a16:creationId xmlns:a16="http://schemas.microsoft.com/office/drawing/2014/main" id="{C5C2DB54-A45A-2172-ECB2-89139A1AE721}"/>
+                  </a:ext>
+                </a:extLst>
+              </p:cNvPr>
+              <p:cNvSpPr txBox="1"/>
+              <p:nvPr/>
+            </p:nvSpPr>
+            <p:spPr>
+              <a:xfrm>
+                <a:off x="6184851" y="4832488"/>
+                <a:ext cx="878061" cy="369332"/>
+              </a:xfrm>
+              <a:prstGeom prst="rect">
+                <a:avLst/>
+              </a:prstGeom>
+              <a:noFill/>
+            </p:spPr>
+            <p:txBody>
+              <a:bodyPr wrap="none" rtlCol="0">
+                <a:spAutoFit/>
+              </a:bodyPr>
+              <a:lstStyle/>
+              <a:p>
+                <a:pPr/>
+                <a14:m>
+                  <m:oMathPara xmlns:m="http://schemas.openxmlformats.org/officeDocument/2006/math">
+                    <m:oMathParaPr>
+                      <m:jc m:val="centerGroup"/>
+                    </m:oMathParaPr>
+                    <m:oMath xmlns:m="http://schemas.openxmlformats.org/officeDocument/2006/math">
+                      <m:r>
+                        <a:rPr lang="en-US" altLang="zh-CN" b="0" i="1" smtClean="0">
+                          <a:latin typeface="Cambria Math" panose="02040503050406030204" pitchFamily="18" charset="0"/>
+                        </a:rPr>
+                        <m:t>1.7 </m:t>
+                      </m:r>
+                      <m:r>
+                        <a:rPr lang="en-US" altLang="zh-CN" b="0" i="1" smtClean="0">
+                          <a:latin typeface="Cambria Math" panose="02040503050406030204" pitchFamily="18" charset="0"/>
+                        </a:rPr>
+                        <m:t>𝑚𝑖</m:t>
+                      </m:r>
+                    </m:oMath>
+                  </m:oMathPara>
+                </a14:m>
+                <a:endParaRPr lang="zh-CN" altLang="en-US" dirty="0"/>
+              </a:p>
+            </p:txBody>
+          </p:sp>
+        </mc:Choice>
+        <mc:Fallback>
+          <p:sp>
+            <p:nvSpPr>
+              <p:cNvPr id="139" name="文本框 138">
+                <a:extLst>
+                  <a:ext uri="{FF2B5EF4-FFF2-40B4-BE49-F238E27FC236}">
+                    <a16:creationId xmlns:a16="http://schemas.microsoft.com/office/drawing/2014/main" id="{C5C2DB54-A45A-2172-ECB2-89139A1AE721}"/>
+                  </a:ext>
+                </a:extLst>
+              </p:cNvPr>
+              <p:cNvSpPr txBox="1">
+                <a:spLocks noRot="1" noChangeAspect="1" noMove="1" noResize="1" noEditPoints="1" noAdjustHandles="1" noChangeArrowheads="1" noChangeShapeType="1" noTextEdit="1"/>
+              </p:cNvSpPr>
+              <p:nvPr/>
+            </p:nvSpPr>
+            <p:spPr>
+              <a:xfrm>
+                <a:off x="6184851" y="4832488"/>
+                <a:ext cx="878061" cy="369332"/>
+              </a:xfrm>
+              <a:prstGeom prst="rect">
+                <a:avLst/>
+              </a:prstGeom>
+              <a:blipFill>
+                <a:blip r:embed="rId16"/>
+                <a:stretch>
+                  <a:fillRect/>
+                </a:stretch>
+              </a:blipFill>
+            </p:spPr>
+            <p:txBody>
+              <a:bodyPr/>
+              <a:lstStyle/>
+              <a:p>
+                <a:r>
+                  <a:rPr lang="zh-CN" altLang="en-US">
+                    <a:noFill/>
+                  </a:rPr>
+                  <a:t> </a:t>
+                </a:r>
+              </a:p>
+            </p:txBody>
+          </p:sp>
+        </mc:Fallback>
+      </mc:AlternateContent>
+      <mc:AlternateContent xmlns:mc="http://schemas.openxmlformats.org/markup-compatibility/2006" xmlns:a14="http://schemas.microsoft.com/office/drawing/2010/main">
+        <mc:Choice Requires="a14">
+          <p:sp>
+            <p:nvSpPr>
+              <p:cNvPr id="141" name="文本框 140">
+                <a:extLst>
+                  <a:ext uri="{FF2B5EF4-FFF2-40B4-BE49-F238E27FC236}">
+                    <a16:creationId xmlns:a16="http://schemas.microsoft.com/office/drawing/2014/main" id="{AC93F4A9-D3FE-9716-0656-070653713C3F}"/>
+                  </a:ext>
+                </a:extLst>
+              </p:cNvPr>
+              <p:cNvSpPr txBox="1"/>
+              <p:nvPr/>
+            </p:nvSpPr>
+            <p:spPr>
+              <a:xfrm>
+                <a:off x="8333181" y="5504645"/>
+                <a:ext cx="452240" cy="369332"/>
+              </a:xfrm>
+              <a:prstGeom prst="rect">
+                <a:avLst/>
+              </a:prstGeom>
+              <a:noFill/>
+            </p:spPr>
+            <p:txBody>
+              <a:bodyPr wrap="none" rtlCol="0">
+                <a:spAutoFit/>
+              </a:bodyPr>
+              <a:lstStyle/>
+              <a:p>
+                <a:pPr/>
+                <a14:m>
+                  <m:oMathPara xmlns:m="http://schemas.openxmlformats.org/officeDocument/2006/math">
+                    <m:oMathParaPr>
+                      <m:jc m:val="centerGroup"/>
+                    </m:oMathParaPr>
+                    <m:oMath xmlns:m="http://schemas.openxmlformats.org/officeDocument/2006/math">
+                      <m:sSub>
+                        <m:sSubPr>
+                          <m:ctrlPr>
+                            <a:rPr lang="en-US" altLang="zh-CN" i="1" smtClean="0">
+                              <a:latin typeface="Cambria Math" panose="02040503050406030204" pitchFamily="18" charset="0"/>
+                            </a:rPr>
+                          </m:ctrlPr>
+                        </m:sSubPr>
+                        <m:e>
+                          <m:r>
+                            <a:rPr lang="en-US" altLang="zh-CN" b="0" i="1" smtClean="0">
+                              <a:latin typeface="Cambria Math" panose="02040503050406030204" pitchFamily="18" charset="0"/>
+                            </a:rPr>
+                            <m:t>𝑡</m:t>
+                          </m:r>
+                        </m:e>
+                        <m:sub>
+                          <m:r>
+                            <a:rPr lang="en-US" altLang="zh-CN" b="0" i="1" smtClean="0">
+                              <a:latin typeface="Cambria Math" panose="02040503050406030204" pitchFamily="18" charset="0"/>
+                            </a:rPr>
+                            <m:t>𝑘</m:t>
+                          </m:r>
+                        </m:sub>
+                      </m:sSub>
+                    </m:oMath>
+                  </m:oMathPara>
+                </a14:m>
+                <a:endParaRPr lang="en-US" altLang="zh-CN"/>
+              </a:p>
+            </p:txBody>
+          </p:sp>
+        </mc:Choice>
+        <mc:Fallback xmlns="">
+          <p:sp>
+            <p:nvSpPr>
+              <p:cNvPr id="141" name="文本框 140">
+                <a:extLst>
+                  <a:ext uri="{FF2B5EF4-FFF2-40B4-BE49-F238E27FC236}">
+                    <a16:creationId xmlns:a16="http://schemas.microsoft.com/office/drawing/2014/main" id="{AC93F4A9-D3FE-9716-0656-070653713C3F}"/>
+                  </a:ext>
+                </a:extLst>
+              </p:cNvPr>
+              <p:cNvSpPr txBox="1">
+                <a:spLocks noRot="1" noChangeAspect="1" noMove="1" noResize="1" noEditPoints="1" noAdjustHandles="1" noChangeArrowheads="1" noChangeShapeType="1" noTextEdit="1"/>
+              </p:cNvSpPr>
+              <p:nvPr/>
+            </p:nvSpPr>
+            <p:spPr>
+              <a:xfrm>
+                <a:off x="8333181" y="5504645"/>
+                <a:ext cx="452240" cy="369332"/>
+              </a:xfrm>
+              <a:prstGeom prst="rect">
+                <a:avLst/>
+              </a:prstGeom>
+              <a:blipFill>
+                <a:blip r:embed="rId17"/>
+                <a:stretch>
+                  <a:fillRect/>
+                </a:stretch>
+              </a:blipFill>
+            </p:spPr>
+            <p:txBody>
+              <a:bodyPr/>
+              <a:lstStyle/>
+              <a:p>
+                <a:r>
+                  <a:rPr lang="zh-CN" altLang="en-US">
+                    <a:noFill/>
+                  </a:rPr>
+                  <a:t> </a:t>
+                </a:r>
+              </a:p>
+            </p:txBody>
+          </p:sp>
+        </mc:Fallback>
+      </mc:AlternateContent>
+      <mc:AlternateContent xmlns:mc="http://schemas.openxmlformats.org/markup-compatibility/2006" xmlns:a14="http://schemas.microsoft.com/office/drawing/2010/main">
+        <mc:Choice Requires="a14">
+          <p:sp>
+            <p:nvSpPr>
+              <p:cNvPr id="142" name="文本框 141">
+                <a:extLst>
+                  <a:ext uri="{FF2B5EF4-FFF2-40B4-BE49-F238E27FC236}">
+                    <a16:creationId xmlns:a16="http://schemas.microsoft.com/office/drawing/2014/main" id="{3DC4C53C-9C52-C615-D356-A9D76952D67D}"/>
+                  </a:ext>
+                </a:extLst>
+              </p:cNvPr>
+              <p:cNvSpPr txBox="1"/>
+              <p:nvPr/>
+            </p:nvSpPr>
+            <p:spPr>
+              <a:xfrm>
+                <a:off x="1998585" y="152753"/>
+                <a:ext cx="483659" cy="369332"/>
+              </a:xfrm>
+              <a:prstGeom prst="rect">
+                <a:avLst/>
+              </a:prstGeom>
+              <a:noFill/>
+            </p:spPr>
+            <p:txBody>
+              <a:bodyPr wrap="none" rtlCol="0">
+                <a:spAutoFit/>
+              </a:bodyPr>
+              <a:lstStyle/>
+              <a:p>
+                <a:pPr/>
+                <a14:m>
+                  <m:oMathPara xmlns:m="http://schemas.openxmlformats.org/officeDocument/2006/math">
+                    <m:oMathParaPr>
+                      <m:jc m:val="centerGroup"/>
+                    </m:oMathParaPr>
+                    <m:oMath xmlns:m="http://schemas.openxmlformats.org/officeDocument/2006/math">
+                      <m:r>
+                        <a:rPr lang="en-US" altLang="zh-CN" b="0" i="1" smtClean="0">
+                          <a:latin typeface="Cambria Math" panose="02040503050406030204" pitchFamily="18" charset="0"/>
+                        </a:rPr>
+                        <m:t>𝐼</m:t>
+                      </m:r>
+                      <m:r>
+                        <a:rPr lang="en-US" altLang="zh-CN" i="1" smtClean="0">
+                          <a:latin typeface="Cambria Math" panose="02040503050406030204" pitchFamily="18" charset="0"/>
+                        </a:rPr>
+                        <m:t>𝑃</m:t>
+                      </m:r>
+                    </m:oMath>
+                  </m:oMathPara>
+                </a14:m>
+                <a:endParaRPr lang="en-US" altLang="zh-CN"/>
+              </a:p>
+            </p:txBody>
+          </p:sp>
+        </mc:Choice>
+        <mc:Fallback xmlns="">
+          <p:sp>
+            <p:nvSpPr>
+              <p:cNvPr id="142" name="文本框 141">
+                <a:extLst>
+                  <a:ext uri="{FF2B5EF4-FFF2-40B4-BE49-F238E27FC236}">
+                    <a16:creationId xmlns:a16="http://schemas.microsoft.com/office/drawing/2014/main" id="{3DC4C53C-9C52-C615-D356-A9D76952D67D}"/>
+                  </a:ext>
+                </a:extLst>
+              </p:cNvPr>
+              <p:cNvSpPr txBox="1">
+                <a:spLocks noRot="1" noChangeAspect="1" noMove="1" noResize="1" noEditPoints="1" noAdjustHandles="1" noChangeArrowheads="1" noChangeShapeType="1" noTextEdit="1"/>
+              </p:cNvSpPr>
+              <p:nvPr/>
+            </p:nvSpPr>
+            <p:spPr>
+              <a:xfrm>
+                <a:off x="1998585" y="152753"/>
+                <a:ext cx="483659" cy="369332"/>
+              </a:xfrm>
+              <a:prstGeom prst="rect">
+                <a:avLst/>
+              </a:prstGeom>
+              <a:blipFill>
+                <a:blip r:embed="rId18"/>
+                <a:stretch>
+                  <a:fillRect/>
+                </a:stretch>
+              </a:blipFill>
+            </p:spPr>
+            <p:txBody>
+              <a:bodyPr/>
+              <a:lstStyle/>
+              <a:p>
+                <a:r>
+                  <a:rPr lang="zh-CN" altLang="en-US">
+                    <a:noFill/>
+                  </a:rPr>
+                  <a:t> </a:t>
+                </a:r>
+              </a:p>
+            </p:txBody>
+          </p:sp>
+        </mc:Fallback>
+      </mc:AlternateContent>
+      <mc:AlternateContent xmlns:mc="http://schemas.openxmlformats.org/markup-compatibility/2006" xmlns:a14="http://schemas.microsoft.com/office/drawing/2010/main">
+        <mc:Choice Requires="a14">
+          <p:sp>
+            <p:nvSpPr>
+              <p:cNvPr id="147" name="文本框 146">
+                <a:extLst>
+                  <a:ext uri="{FF2B5EF4-FFF2-40B4-BE49-F238E27FC236}">
+                    <a16:creationId xmlns:a16="http://schemas.microsoft.com/office/drawing/2014/main" id="{2C3E468F-84CA-D966-E4B6-6E3D9AF1ECE1}"/>
+                  </a:ext>
+                </a:extLst>
+              </p:cNvPr>
+              <p:cNvSpPr txBox="1"/>
+              <p:nvPr/>
+            </p:nvSpPr>
+            <p:spPr>
+              <a:xfrm>
+                <a:off x="2983804" y="838597"/>
+                <a:ext cx="373820" cy="369332"/>
+              </a:xfrm>
+              <a:prstGeom prst="rect">
+                <a:avLst/>
+              </a:prstGeom>
+              <a:noFill/>
+            </p:spPr>
+            <p:txBody>
+              <a:bodyPr wrap="none" rtlCol="0">
+                <a:spAutoFit/>
+              </a:bodyPr>
+              <a:lstStyle/>
+              <a:p>
+                <a:pPr/>
+                <a14:m>
+                  <m:oMathPara xmlns:m="http://schemas.openxmlformats.org/officeDocument/2006/math">
+                    <m:oMathParaPr>
+                      <m:jc m:val="centerGroup"/>
+                    </m:oMathParaPr>
+                    <m:oMath xmlns:m="http://schemas.openxmlformats.org/officeDocument/2006/math">
+                      <m:r>
+                        <m:rPr>
+                          <m:sty m:val="p"/>
+                        </m:rPr>
+                        <a:rPr lang="en-US" altLang="zh-CN" b="0" i="0" smtClean="0">
+                          <a:latin typeface="Cambria Math" panose="02040503050406030204" pitchFamily="18" charset="0"/>
+                        </a:rPr>
+                        <m:t>I</m:t>
+                      </m:r>
+                      <m:r>
+                        <a:rPr lang="en-US" altLang="zh-CN" i="1" smtClean="0">
+                          <a:latin typeface="Cambria Math" panose="02040503050406030204" pitchFamily="18" charset="0"/>
+                        </a:rPr>
+                        <m:t>’</m:t>
+                      </m:r>
+                    </m:oMath>
+                  </m:oMathPara>
+                </a14:m>
+                <a:endParaRPr lang="en-US" altLang="zh-CN"/>
+              </a:p>
+            </p:txBody>
+          </p:sp>
+        </mc:Choice>
+        <mc:Fallback xmlns="">
+          <p:sp>
+            <p:nvSpPr>
+              <p:cNvPr id="147" name="文本框 146">
+                <a:extLst>
+                  <a:ext uri="{FF2B5EF4-FFF2-40B4-BE49-F238E27FC236}">
+                    <a16:creationId xmlns:a16="http://schemas.microsoft.com/office/drawing/2014/main" id="{2C3E468F-84CA-D966-E4B6-6E3D9AF1ECE1}"/>
+                  </a:ext>
+                </a:extLst>
+              </p:cNvPr>
+              <p:cNvSpPr txBox="1">
+                <a:spLocks noRot="1" noChangeAspect="1" noMove="1" noResize="1" noEditPoints="1" noAdjustHandles="1" noChangeArrowheads="1" noChangeShapeType="1" noTextEdit="1"/>
+              </p:cNvSpPr>
+              <p:nvPr/>
+            </p:nvSpPr>
+            <p:spPr>
+              <a:xfrm>
+                <a:off x="2983804" y="838597"/>
+                <a:ext cx="373820" cy="369332"/>
+              </a:xfrm>
+              <a:prstGeom prst="rect">
+                <a:avLst/>
+              </a:prstGeom>
+              <a:blipFill>
+                <a:blip r:embed="rId19"/>
+                <a:stretch>
+                  <a:fillRect/>
+                </a:stretch>
+              </a:blipFill>
+            </p:spPr>
+            <p:txBody>
+              <a:bodyPr/>
+              <a:lstStyle/>
+              <a:p>
+                <a:r>
+                  <a:rPr lang="zh-CN" altLang="en-US">
+                    <a:noFill/>
+                  </a:rPr>
+                  <a:t> </a:t>
+                </a:r>
+              </a:p>
+            </p:txBody>
+          </p:sp>
+        </mc:Fallback>
+      </mc:AlternateContent>
+      <mc:AlternateContent xmlns:mc="http://schemas.openxmlformats.org/markup-compatibility/2006" xmlns:a14="http://schemas.microsoft.com/office/drawing/2010/main">
+        <mc:Choice Requires="a14">
+          <p:sp>
+            <p:nvSpPr>
+              <p:cNvPr id="154" name="文本框 153">
+                <a:extLst>
+                  <a:ext uri="{FF2B5EF4-FFF2-40B4-BE49-F238E27FC236}">
+                    <a16:creationId xmlns:a16="http://schemas.microsoft.com/office/drawing/2014/main" id="{A1509B48-A6D1-4366-AEFA-2062C04CBACF}"/>
+                  </a:ext>
+                </a:extLst>
+              </p:cNvPr>
+              <p:cNvSpPr txBox="1"/>
+              <p:nvPr/>
+            </p:nvSpPr>
+            <p:spPr>
+              <a:xfrm>
+                <a:off x="1188952" y="871362"/>
+                <a:ext cx="563809" cy="369332"/>
+              </a:xfrm>
+              <a:prstGeom prst="rect">
+                <a:avLst/>
+              </a:prstGeom>
+              <a:noFill/>
+            </p:spPr>
+            <p:txBody>
+              <a:bodyPr wrap="none" rtlCol="0">
+                <a:spAutoFit/>
+              </a:bodyPr>
+              <a:lstStyle/>
+              <a:p>
+                <a:pPr/>
+                <a14:m>
+                  <m:oMathPara xmlns:m="http://schemas.openxmlformats.org/officeDocument/2006/math">
+                    <m:oMathParaPr>
+                      <m:jc m:val="centerGroup"/>
+                    </m:oMathParaPr>
+                    <m:oMath xmlns:m="http://schemas.openxmlformats.org/officeDocument/2006/math">
+                      <m:r>
+                        <a:rPr lang="en-US" altLang="zh-CN" b="0" i="1" smtClean="0">
+                          <a:latin typeface="Cambria Math" panose="02040503050406030204" pitchFamily="18" charset="0"/>
+                        </a:rPr>
+                        <m:t>𝑁𝑃</m:t>
+                      </m:r>
+                    </m:oMath>
+                  </m:oMathPara>
+                </a14:m>
+                <a:endParaRPr lang="en-US" altLang="zh-CN"/>
+              </a:p>
+            </p:txBody>
+          </p:sp>
+        </mc:Choice>
+        <mc:Fallback xmlns="">
+          <p:sp>
+            <p:nvSpPr>
+              <p:cNvPr id="154" name="文本框 153">
+                <a:extLst>
+                  <a:ext uri="{FF2B5EF4-FFF2-40B4-BE49-F238E27FC236}">
+                    <a16:creationId xmlns:a16="http://schemas.microsoft.com/office/drawing/2014/main" id="{A1509B48-A6D1-4366-AEFA-2062C04CBACF}"/>
+                  </a:ext>
+                </a:extLst>
+              </p:cNvPr>
+              <p:cNvSpPr txBox="1">
+                <a:spLocks noRot="1" noChangeAspect="1" noMove="1" noResize="1" noEditPoints="1" noAdjustHandles="1" noChangeArrowheads="1" noChangeShapeType="1" noTextEdit="1"/>
+              </p:cNvSpPr>
+              <p:nvPr/>
+            </p:nvSpPr>
+            <p:spPr>
+              <a:xfrm>
+                <a:off x="1188952" y="871362"/>
+                <a:ext cx="563809" cy="369332"/>
+              </a:xfrm>
+              <a:prstGeom prst="rect">
+                <a:avLst/>
+              </a:prstGeom>
+              <a:blipFill>
+                <a:blip r:embed="rId20"/>
+                <a:stretch>
+                  <a:fillRect/>
+                </a:stretch>
+              </a:blipFill>
+            </p:spPr>
+            <p:txBody>
+              <a:bodyPr/>
+              <a:lstStyle/>
+              <a:p>
+                <a:r>
+                  <a:rPr lang="zh-CN" altLang="en-US">
+                    <a:noFill/>
+                  </a:rPr>
+                  <a:t> </a:t>
+                </a:r>
+              </a:p>
+            </p:txBody>
+          </p:sp>
+        </mc:Fallback>
+      </mc:AlternateContent>
+      <p:sp>
+        <p:nvSpPr>
+          <p:cNvPr id="155" name="等腰三角形 154">
+            <a:extLst>
+              <a:ext uri="{FF2B5EF4-FFF2-40B4-BE49-F238E27FC236}">
+                <a16:creationId xmlns:a16="http://schemas.microsoft.com/office/drawing/2014/main" id="{4519AC16-307D-A61F-0C11-864D0809E19A}"/>
+              </a:ext>
+            </a:extLst>
+          </p:cNvPr>
+          <p:cNvSpPr/>
+          <p:nvPr/>
+        </p:nvSpPr>
+        <p:spPr>
+          <a:xfrm>
+            <a:off x="1114990" y="1230247"/>
+            <a:ext cx="684655" cy="230414"/>
+          </a:xfrm>
+          <a:prstGeom prst="triangle">
+            <a:avLst/>
+          </a:prstGeom>
+          <a:noFill/>
+          <a:ln>
+            <a:solidFill>
+              <a:schemeClr val="tx1"/>
+            </a:solidFill>
+          </a:ln>
+        </p:spPr>
+        <p:style>
+          <a:lnRef idx="2">
+            <a:schemeClr val="accent1">
+              <a:shade val="15000"/>
+            </a:schemeClr>
+          </a:lnRef>
+          <a:fillRef idx="1">
+            <a:schemeClr val="accent1"/>
+          </a:fillRef>
+          <a:effectRef idx="0">
+            <a:schemeClr val="accent1"/>
+          </a:effectRef>
+          <a:fontRef idx="minor">
+            <a:schemeClr val="lt1"/>
+          </a:fontRef>
+        </p:style>
+        <p:txBody>
+          <a:bodyPr rtlCol="0" anchor="ctr"/>
+          <a:lstStyle/>
+          <a:p>
+            <a:pPr algn="ctr"/>
+            <a:endParaRPr lang="zh-CN" altLang="en-US"/>
+          </a:p>
+        </p:txBody>
+      </p:sp>
+      <mc:AlternateContent xmlns:mc="http://schemas.openxmlformats.org/markup-compatibility/2006" xmlns:a14="http://schemas.microsoft.com/office/drawing/2010/main">
+        <mc:Choice Requires="a14">
+          <p:sp>
+            <p:nvSpPr>
+              <p:cNvPr id="156" name="文本框 155">
+                <a:extLst>
+                  <a:ext uri="{FF2B5EF4-FFF2-40B4-BE49-F238E27FC236}">
+                    <a16:creationId xmlns:a16="http://schemas.microsoft.com/office/drawing/2014/main" id="{9362988C-C1C6-0562-0263-DE67C9F7FD3B}"/>
+                  </a:ext>
+                </a:extLst>
+              </p:cNvPr>
+              <p:cNvSpPr txBox="1"/>
+              <p:nvPr/>
+            </p:nvSpPr>
+            <p:spPr>
+              <a:xfrm>
+                <a:off x="1075601" y="1460661"/>
+                <a:ext cx="724044" cy="369332"/>
+              </a:xfrm>
+              <a:prstGeom prst="rect">
+                <a:avLst/>
+              </a:prstGeom>
+              <a:noFill/>
+            </p:spPr>
+            <p:txBody>
+              <a:bodyPr wrap="none" rtlCol="0">
+                <a:spAutoFit/>
+              </a:bodyPr>
+              <a:lstStyle/>
+              <a:p>
+                <a:pPr/>
+                <a14:m>
+                  <m:oMathPara xmlns:m="http://schemas.openxmlformats.org/officeDocument/2006/math">
+                    <m:oMathParaPr>
+                      <m:jc m:val="centerGroup"/>
+                    </m:oMathParaPr>
+                    <m:oMath xmlns:m="http://schemas.openxmlformats.org/officeDocument/2006/math">
+                      <m:r>
+                        <a:rPr lang="en-US" altLang="zh-CN" b="0" i="1" smtClean="0">
+                          <a:latin typeface="Cambria Math" panose="02040503050406030204" pitchFamily="18" charset="0"/>
+                        </a:rPr>
+                        <m:t>𝐽𝑜h𝑛</m:t>
+                      </m:r>
+                    </m:oMath>
+                  </m:oMathPara>
+                </a14:m>
+                <a:endParaRPr lang="zh-CN" altLang="en-US"/>
+              </a:p>
+            </p:txBody>
+          </p:sp>
+        </mc:Choice>
+        <mc:Fallback xmlns="">
+          <p:sp>
+            <p:nvSpPr>
+              <p:cNvPr id="156" name="文本框 155">
+                <a:extLst>
+                  <a:ext uri="{FF2B5EF4-FFF2-40B4-BE49-F238E27FC236}">
+                    <a16:creationId xmlns:a16="http://schemas.microsoft.com/office/drawing/2014/main" id="{9362988C-C1C6-0562-0263-DE67C9F7FD3B}"/>
+                  </a:ext>
+                </a:extLst>
+              </p:cNvPr>
+              <p:cNvSpPr txBox="1">
+                <a:spLocks noRot="1" noChangeAspect="1" noMove="1" noResize="1" noEditPoints="1" noAdjustHandles="1" noChangeArrowheads="1" noChangeShapeType="1" noTextEdit="1"/>
+              </p:cNvSpPr>
+              <p:nvPr/>
+            </p:nvSpPr>
+            <p:spPr>
+              <a:xfrm>
+                <a:off x="1075601" y="1460661"/>
+                <a:ext cx="724044" cy="369332"/>
+              </a:xfrm>
+              <a:prstGeom prst="rect">
+                <a:avLst/>
+              </a:prstGeom>
+              <a:blipFill>
+                <a:blip r:embed="rId21"/>
+                <a:stretch>
+                  <a:fillRect b="-11667"/>
+                </a:stretch>
+              </a:blipFill>
+            </p:spPr>
+            <p:txBody>
+              <a:bodyPr/>
+              <a:lstStyle/>
+              <a:p>
+                <a:r>
+                  <a:rPr lang="zh-CN" altLang="en-US">
+                    <a:noFill/>
+                  </a:rPr>
+                  <a:t> </a:t>
+                </a:r>
+              </a:p>
+            </p:txBody>
+          </p:sp>
+        </mc:Fallback>
+      </mc:AlternateContent>
+      <p:cxnSp>
+        <p:nvCxnSpPr>
+          <p:cNvPr id="157" name="直接连接符 156">
+            <a:extLst>
+              <a:ext uri="{FF2B5EF4-FFF2-40B4-BE49-F238E27FC236}">
+                <a16:creationId xmlns:a16="http://schemas.microsoft.com/office/drawing/2014/main" id="{866465E3-D602-B8C5-0618-DFBDDDE7ABBA}"/>
+              </a:ext>
+            </a:extLst>
+          </p:cNvPr>
+          <p:cNvCxnSpPr>
+            <a:cxnSpLocks/>
+            <a:stCxn id="154" idx="0"/>
+            <a:endCxn id="142" idx="2"/>
+          </p:cNvCxnSpPr>
+          <p:nvPr/>
+        </p:nvCxnSpPr>
+        <p:spPr>
+          <a:xfrm flipV="1">
+            <a:off x="1470857" y="522085"/>
+            <a:ext cx="769558" cy="349277"/>
+          </a:xfrm>
+          <a:prstGeom prst="line">
+            <a:avLst/>
+          </a:prstGeom>
+          <a:ln w="12700">
+            <a:solidFill>
+              <a:schemeClr val="tx1"/>
+            </a:solidFill>
+          </a:ln>
+        </p:spPr>
+        <p:style>
+          <a:lnRef idx="1">
+            <a:schemeClr val="accent1"/>
+          </a:lnRef>
+          <a:fillRef idx="0">
+            <a:schemeClr val="accent1"/>
+          </a:fillRef>
+          <a:effectRef idx="0">
+            <a:schemeClr val="accent1"/>
+          </a:effectRef>
+          <a:fontRef idx="minor">
+            <a:schemeClr val="tx1"/>
+          </a:fontRef>
+        </p:style>
+      </p:cxnSp>
+      <p:cxnSp>
+        <p:nvCxnSpPr>
+          <p:cNvPr id="160" name="直接连接符 159">
+            <a:extLst>
+              <a:ext uri="{FF2B5EF4-FFF2-40B4-BE49-F238E27FC236}">
+                <a16:creationId xmlns:a16="http://schemas.microsoft.com/office/drawing/2014/main" id="{361819B8-5878-64B9-B200-3918C6D30549}"/>
+              </a:ext>
+            </a:extLst>
+          </p:cNvPr>
+          <p:cNvCxnSpPr>
+            <a:cxnSpLocks/>
+            <a:stCxn id="147" idx="0"/>
+            <a:endCxn id="142" idx="2"/>
+          </p:cNvCxnSpPr>
+          <p:nvPr/>
+        </p:nvCxnSpPr>
+        <p:spPr>
+          <a:xfrm flipH="1" flipV="1">
+            <a:off x="2240415" y="522085"/>
+            <a:ext cx="930299" cy="316512"/>
+          </a:xfrm>
+          <a:prstGeom prst="line">
+            <a:avLst/>
+          </a:prstGeom>
+          <a:ln w="12700">
+            <a:solidFill>
+              <a:schemeClr val="tx1"/>
+            </a:solidFill>
+          </a:ln>
+        </p:spPr>
+        <p:style>
+          <a:lnRef idx="1">
+            <a:schemeClr val="accent1"/>
+          </a:lnRef>
+          <a:fillRef idx="0">
+            <a:schemeClr val="accent1"/>
+          </a:fillRef>
+          <a:effectRef idx="0">
+            <a:schemeClr val="accent1"/>
+          </a:effectRef>
+          <a:fontRef idx="minor">
+            <a:schemeClr val="tx1"/>
+          </a:fontRef>
+        </p:style>
+      </p:cxnSp>
+      <p:cxnSp>
+        <p:nvCxnSpPr>
+          <p:cNvPr id="166" name="直接连接符 165">
+            <a:extLst>
+              <a:ext uri="{FF2B5EF4-FFF2-40B4-BE49-F238E27FC236}">
+                <a16:creationId xmlns:a16="http://schemas.microsoft.com/office/drawing/2014/main" id="{888452A3-12ED-7E1E-BA84-E65492B1D72E}"/>
+              </a:ext>
+            </a:extLst>
+          </p:cNvPr>
+          <p:cNvCxnSpPr>
+            <a:cxnSpLocks/>
+            <a:stCxn id="147" idx="2"/>
+            <a:endCxn id="215" idx="0"/>
+          </p:cNvCxnSpPr>
+          <p:nvPr/>
+        </p:nvCxnSpPr>
+        <p:spPr>
+          <a:xfrm flipH="1">
+            <a:off x="2620587" y="1207929"/>
+            <a:ext cx="550127" cy="312544"/>
+          </a:xfrm>
+          <a:prstGeom prst="line">
+            <a:avLst/>
+          </a:prstGeom>
+          <a:ln w="12700">
+            <a:solidFill>
+              <a:schemeClr val="tx1"/>
+            </a:solidFill>
+          </a:ln>
+        </p:spPr>
+        <p:style>
+          <a:lnRef idx="1">
+            <a:schemeClr val="accent1"/>
+          </a:lnRef>
+          <a:fillRef idx="0">
+            <a:schemeClr val="accent1"/>
+          </a:fillRef>
+          <a:effectRef idx="0">
+            <a:schemeClr val="accent1"/>
+          </a:effectRef>
+          <a:fontRef idx="minor">
+            <a:schemeClr val="tx1"/>
+          </a:fontRef>
+        </p:style>
+      </p:cxnSp>
+      <p:sp>
+        <p:nvSpPr>
+          <p:cNvPr id="201" name="文本框 200">
+            <a:extLst>
+              <a:ext uri="{FF2B5EF4-FFF2-40B4-BE49-F238E27FC236}">
+                <a16:creationId xmlns:a16="http://schemas.microsoft.com/office/drawing/2014/main" id="{210CADAE-8900-2F7F-A865-559C34EC4A84}"/>
+              </a:ext>
+            </a:extLst>
+          </p:cNvPr>
+          <p:cNvSpPr txBox="1"/>
+          <p:nvPr/>
+        </p:nvSpPr>
+        <p:spPr>
+          <a:xfrm>
+            <a:off x="4165038" y="1503710"/>
+            <a:ext cx="346570" cy="369332"/>
+          </a:xfrm>
+          <a:prstGeom prst="rect">
+            <a:avLst/>
+          </a:prstGeom>
+          <a:noFill/>
+        </p:spPr>
+        <p:txBody>
+          <a:bodyPr wrap="square" rtlCol="0">
+            <a:spAutoFit/>
+          </a:bodyPr>
+          <a:lstStyle/>
+          <a:p>
+            <a:r>
+              <a:rPr lang="en-US" altLang="zh-CN"/>
+              <a:t>…</a:t>
+            </a:r>
+          </a:p>
+        </p:txBody>
+      </p:sp>
+      <p:cxnSp>
+        <p:nvCxnSpPr>
+          <p:cNvPr id="202" name="直接连接符 201">
+            <a:extLst>
+              <a:ext uri="{FF2B5EF4-FFF2-40B4-BE49-F238E27FC236}">
+                <a16:creationId xmlns:a16="http://schemas.microsoft.com/office/drawing/2014/main" id="{453E73D1-6A72-8ED7-76EE-CCBD57914043}"/>
+              </a:ext>
+            </a:extLst>
+          </p:cNvPr>
+          <p:cNvCxnSpPr>
+            <a:cxnSpLocks/>
+          </p:cNvCxnSpPr>
+          <p:nvPr/>
+        </p:nvCxnSpPr>
+        <p:spPr>
+          <a:xfrm flipH="1" flipV="1">
+            <a:off x="4587217" y="1838120"/>
+            <a:ext cx="661422" cy="306466"/>
+          </a:xfrm>
+          <a:prstGeom prst="line">
+            <a:avLst/>
+          </a:prstGeom>
+          <a:ln w="12700">
+            <a:solidFill>
+              <a:schemeClr val="tx1"/>
+            </a:solidFill>
+          </a:ln>
+        </p:spPr>
+        <p:style>
+          <a:lnRef idx="1">
+            <a:schemeClr val="accent1"/>
+          </a:lnRef>
+          <a:fillRef idx="0">
+            <a:schemeClr val="accent1"/>
+          </a:fillRef>
+          <a:effectRef idx="0">
+            <a:schemeClr val="accent1"/>
+          </a:effectRef>
+          <a:fontRef idx="minor">
+            <a:schemeClr val="tx1"/>
+          </a:fontRef>
+        </p:style>
+      </p:cxnSp>
+      <p:cxnSp>
+        <p:nvCxnSpPr>
+          <p:cNvPr id="205" name="直接连接符 204">
+            <a:extLst>
+              <a:ext uri="{FF2B5EF4-FFF2-40B4-BE49-F238E27FC236}">
+                <a16:creationId xmlns:a16="http://schemas.microsoft.com/office/drawing/2014/main" id="{48BBC60E-3EB8-32C4-EC31-57F1086AB8FD}"/>
+              </a:ext>
+            </a:extLst>
+          </p:cNvPr>
+          <p:cNvCxnSpPr>
+            <a:cxnSpLocks/>
+            <a:stCxn id="147" idx="2"/>
+          </p:cNvCxnSpPr>
+          <p:nvPr/>
+        </p:nvCxnSpPr>
+        <p:spPr>
+          <a:xfrm>
+            <a:off x="3170714" y="1207929"/>
+            <a:ext cx="816658" cy="338830"/>
+          </a:xfrm>
+          <a:prstGeom prst="line">
+            <a:avLst/>
+          </a:prstGeom>
+          <a:ln w="12700">
+            <a:solidFill>
+              <a:schemeClr val="tx1"/>
+            </a:solidFill>
+          </a:ln>
+        </p:spPr>
+        <p:style>
+          <a:lnRef idx="1">
+            <a:schemeClr val="accent1"/>
+          </a:lnRef>
+          <a:fillRef idx="0">
+            <a:schemeClr val="accent1"/>
+          </a:fillRef>
+          <a:effectRef idx="0">
+            <a:schemeClr val="accent1"/>
+          </a:effectRef>
+          <a:fontRef idx="minor">
+            <a:schemeClr val="tx1"/>
+          </a:fontRef>
+        </p:style>
+      </p:cxnSp>
+      <mc:AlternateContent xmlns:mc="http://schemas.openxmlformats.org/markup-compatibility/2006" xmlns:a14="http://schemas.microsoft.com/office/drawing/2010/main">
+        <mc:Choice Requires="a14">
+          <p:sp>
+            <p:nvSpPr>
+              <p:cNvPr id="215" name="文本框 214">
+                <a:extLst>
+                  <a:ext uri="{FF2B5EF4-FFF2-40B4-BE49-F238E27FC236}">
+                    <a16:creationId xmlns:a16="http://schemas.microsoft.com/office/drawing/2014/main" id="{6E91EB17-9AE7-239F-C755-751CCDDD856F}"/>
+                  </a:ext>
+                </a:extLst>
+              </p:cNvPr>
+              <p:cNvSpPr txBox="1"/>
+              <p:nvPr/>
+            </p:nvSpPr>
+            <p:spPr>
+              <a:xfrm>
+                <a:off x="2395589" y="1520473"/>
+                <a:ext cx="449995" cy="369332"/>
+              </a:xfrm>
+              <a:prstGeom prst="rect">
+                <a:avLst/>
+              </a:prstGeom>
+              <a:noFill/>
+            </p:spPr>
+            <p:txBody>
+              <a:bodyPr wrap="none" rtlCol="0">
+                <a:spAutoFit/>
+              </a:bodyPr>
+              <a:lstStyle/>
+              <a:p>
+                <a:pPr/>
+                <a14:m>
+                  <m:oMathPara xmlns:m="http://schemas.openxmlformats.org/officeDocument/2006/math">
+                    <m:oMathParaPr>
+                      <m:jc m:val="centerGroup"/>
+                    </m:oMathParaPr>
+                    <m:oMath xmlns:m="http://schemas.openxmlformats.org/officeDocument/2006/math">
+                      <m:sSup>
+                        <m:sSupPr>
+                          <m:ctrlPr>
+                            <a:rPr lang="en-US" altLang="zh-CN" i="1" smtClean="0">
+                              <a:latin typeface="Cambria Math" panose="02040503050406030204" pitchFamily="18" charset="0"/>
+                            </a:rPr>
+                          </m:ctrlPr>
+                        </m:sSupPr>
+                        <m:e>
+                          <m:r>
+                            <a:rPr lang="en-US" altLang="zh-CN" b="0" i="1" smtClean="0">
+                              <a:latin typeface="Cambria Math" panose="02040503050406030204" pitchFamily="18" charset="0"/>
+                            </a:rPr>
+                            <m:t>𝐼</m:t>
+                          </m:r>
+                        </m:e>
+                        <m:sup>
+                          <m:r>
+                            <a:rPr lang="en-US" altLang="zh-CN" b="0" i="1" smtClean="0">
+                              <a:latin typeface="Cambria Math" panose="02040503050406030204" pitchFamily="18" charset="0"/>
+                            </a:rPr>
+                            <m:t>0</m:t>
+                          </m:r>
+                        </m:sup>
+                      </m:sSup>
+                    </m:oMath>
+                  </m:oMathPara>
+                </a14:m>
+                <a:endParaRPr lang="en-US" altLang="zh-CN"/>
+              </a:p>
+            </p:txBody>
+          </p:sp>
+        </mc:Choice>
+        <mc:Fallback xmlns="">
+          <p:sp>
+            <p:nvSpPr>
+              <p:cNvPr id="215" name="文本框 214">
+                <a:extLst>
+                  <a:ext uri="{FF2B5EF4-FFF2-40B4-BE49-F238E27FC236}">
+                    <a16:creationId xmlns:a16="http://schemas.microsoft.com/office/drawing/2014/main" id="{6E91EB17-9AE7-239F-C755-751CCDDD856F}"/>
+                  </a:ext>
+                </a:extLst>
+              </p:cNvPr>
+              <p:cNvSpPr txBox="1">
+                <a:spLocks noRot="1" noChangeAspect="1" noMove="1" noResize="1" noEditPoints="1" noAdjustHandles="1" noChangeArrowheads="1" noChangeShapeType="1" noTextEdit="1"/>
+              </p:cNvSpPr>
+              <p:nvPr/>
+            </p:nvSpPr>
+            <p:spPr>
+              <a:xfrm>
+                <a:off x="2395589" y="1520473"/>
+                <a:ext cx="449995" cy="369332"/>
+              </a:xfrm>
+              <a:prstGeom prst="rect">
+                <a:avLst/>
+              </a:prstGeom>
+              <a:blipFill>
+                <a:blip r:embed="rId22"/>
+                <a:stretch>
+                  <a:fillRect/>
+                </a:stretch>
+              </a:blipFill>
+            </p:spPr>
+            <p:txBody>
+              <a:bodyPr/>
+              <a:lstStyle/>
+              <a:p>
+                <a:r>
+                  <a:rPr lang="zh-CN" altLang="en-US">
+                    <a:noFill/>
+                  </a:rPr>
+                  <a:t> </a:t>
+                </a:r>
+              </a:p>
+            </p:txBody>
+          </p:sp>
+        </mc:Fallback>
+      </mc:AlternateContent>
+      <p:sp>
+        <p:nvSpPr>
+          <p:cNvPr id="229" name="等腰三角形 228">
+            <a:extLst>
+              <a:ext uri="{FF2B5EF4-FFF2-40B4-BE49-F238E27FC236}">
+                <a16:creationId xmlns:a16="http://schemas.microsoft.com/office/drawing/2014/main" id="{763893E1-3983-DC82-B082-E742B28E0787}"/>
+              </a:ext>
+            </a:extLst>
+          </p:cNvPr>
+          <p:cNvSpPr/>
+          <p:nvPr/>
+        </p:nvSpPr>
+        <p:spPr>
+          <a:xfrm>
+            <a:off x="3987372" y="3116302"/>
+            <a:ext cx="684655" cy="230414"/>
+          </a:xfrm>
+          <a:prstGeom prst="triangle">
+            <a:avLst/>
+          </a:prstGeom>
+          <a:noFill/>
+          <a:ln>
+            <a:solidFill>
+              <a:schemeClr val="tx1"/>
+            </a:solidFill>
+          </a:ln>
+        </p:spPr>
+        <p:style>
+          <a:lnRef idx="2">
+            <a:schemeClr val="accent1">
+              <a:shade val="15000"/>
+            </a:schemeClr>
+          </a:lnRef>
+          <a:fillRef idx="1">
+            <a:schemeClr val="accent1"/>
+          </a:fillRef>
+          <a:effectRef idx="0">
+            <a:schemeClr val="accent1"/>
+          </a:effectRef>
+          <a:fontRef idx="minor">
+            <a:schemeClr val="lt1"/>
+          </a:fontRef>
+        </p:style>
+        <p:txBody>
+          <a:bodyPr rtlCol="0" anchor="ctr"/>
+          <a:lstStyle/>
+          <a:p>
+            <a:pPr algn="ctr"/>
+            <a:endParaRPr lang="zh-CN" altLang="en-US"/>
+          </a:p>
+        </p:txBody>
+      </p:sp>
+      <mc:AlternateContent xmlns:mc="http://schemas.openxmlformats.org/markup-compatibility/2006">
+        <mc:Choice xmlns:a14="http://schemas.microsoft.com/office/drawing/2010/main" Requires="a14">
+          <p:sp>
+            <p:nvSpPr>
+              <p:cNvPr id="230" name="文本框 229">
+                <a:extLst>
+                  <a:ext uri="{FF2B5EF4-FFF2-40B4-BE49-F238E27FC236}">
+                    <a16:creationId xmlns:a16="http://schemas.microsoft.com/office/drawing/2014/main" id="{AB43F32C-9BA1-0B2A-2388-E3F83F6C5175}"/>
+                  </a:ext>
+                </a:extLst>
+              </p:cNvPr>
+              <p:cNvSpPr txBox="1"/>
+              <p:nvPr/>
+            </p:nvSpPr>
+            <p:spPr>
+              <a:xfrm>
+                <a:off x="3752802" y="3346716"/>
+                <a:ext cx="1165126" cy="369332"/>
+              </a:xfrm>
+              <a:prstGeom prst="rect">
+                <a:avLst/>
+              </a:prstGeom>
+              <a:noFill/>
+            </p:spPr>
+            <p:txBody>
+              <a:bodyPr wrap="none" rtlCol="0">
+                <a:spAutoFit/>
+              </a:bodyPr>
+              <a:lstStyle/>
+              <a:p>
+                <a:pPr/>
+                <a14:m>
+                  <m:oMathPara xmlns:m="http://schemas.openxmlformats.org/officeDocument/2006/math">
+                    <m:oMathParaPr>
+                      <m:jc m:val="centerGroup"/>
+                    </m:oMathParaPr>
+                    <m:oMath xmlns:m="http://schemas.openxmlformats.org/officeDocument/2006/math">
+                      <m:r>
+                        <a:rPr lang="en-US" altLang="zh-CN" b="0" i="1" smtClean="0">
+                          <a:latin typeface="Cambria Math" panose="02040503050406030204" pitchFamily="18" charset="0"/>
+                        </a:rPr>
+                        <m:t> </m:t>
+                      </m:r>
+                      <m:r>
+                        <a:rPr lang="en-US" altLang="zh-CN" b="0" i="1" smtClean="0">
+                          <a:latin typeface="Cambria Math" panose="02040503050406030204" pitchFamily="18" charset="0"/>
+                        </a:rPr>
+                        <m:t>h𝑒</m:t>
+                      </m:r>
+                      <m:r>
+                        <a:rPr lang="en-US" altLang="zh-CN" b="0" i="1" smtClean="0">
+                          <a:latin typeface="Cambria Math" panose="02040503050406030204" pitchFamily="18" charset="0"/>
+                        </a:rPr>
+                        <m:t> </m:t>
+                      </m:r>
+                      <m:r>
+                        <a:rPr lang="en-US" altLang="zh-CN" b="0" i="1" smtClean="0">
+                          <a:latin typeface="Cambria Math" panose="02040503050406030204" pitchFamily="18" charset="0"/>
+                        </a:rPr>
+                        <m:t>𝑀𝑎𝑟𝑦</m:t>
+                      </m:r>
+                    </m:oMath>
+                  </m:oMathPara>
+                </a14:m>
+                <a:endParaRPr lang="zh-CN" altLang="en-US" dirty="0"/>
+              </a:p>
+            </p:txBody>
+          </p:sp>
+        </mc:Choice>
+        <mc:Fallback>
+          <p:sp>
+            <p:nvSpPr>
+              <p:cNvPr id="230" name="文本框 229">
+                <a:extLst>
+                  <a:ext uri="{FF2B5EF4-FFF2-40B4-BE49-F238E27FC236}">
+                    <a16:creationId xmlns:a16="http://schemas.microsoft.com/office/drawing/2014/main" id="{AB43F32C-9BA1-0B2A-2388-E3F83F6C5175}"/>
+                  </a:ext>
+                </a:extLst>
+              </p:cNvPr>
+              <p:cNvSpPr txBox="1">
+                <a:spLocks noRot="1" noChangeAspect="1" noMove="1" noResize="1" noEditPoints="1" noAdjustHandles="1" noChangeArrowheads="1" noChangeShapeType="1" noTextEdit="1"/>
+              </p:cNvSpPr>
+              <p:nvPr/>
+            </p:nvSpPr>
+            <p:spPr>
+              <a:xfrm>
+                <a:off x="3752802" y="3346716"/>
+                <a:ext cx="1165126" cy="369332"/>
+              </a:xfrm>
+              <a:prstGeom prst="rect">
+                <a:avLst/>
+              </a:prstGeom>
+              <a:blipFill>
+                <a:blip r:embed="rId23"/>
+                <a:stretch>
+                  <a:fillRect b="-11475"/>
+                </a:stretch>
+              </a:blipFill>
+            </p:spPr>
+            <p:txBody>
+              <a:bodyPr/>
+              <a:lstStyle/>
+              <a:p>
+                <a:r>
+                  <a:rPr lang="zh-CN" altLang="en-US">
+                    <a:noFill/>
+                  </a:rPr>
+                  <a:t> </a:t>
+                </a:r>
+              </a:p>
+            </p:txBody>
+          </p:sp>
+        </mc:Fallback>
+      </mc:AlternateContent>
+      <p:cxnSp>
+        <p:nvCxnSpPr>
+          <p:cNvPr id="231" name="连接符: 肘形 230">
+            <a:extLst>
+              <a:ext uri="{FF2B5EF4-FFF2-40B4-BE49-F238E27FC236}">
+                <a16:creationId xmlns:a16="http://schemas.microsoft.com/office/drawing/2014/main" id="{E07BDBB9-950D-A153-DFA7-C2977A378195}"/>
+              </a:ext>
+            </a:extLst>
+          </p:cNvPr>
+          <p:cNvCxnSpPr>
+            <a:cxnSpLocks/>
+            <a:stCxn id="141" idx="2"/>
+            <a:endCxn id="156" idx="2"/>
+          </p:cNvCxnSpPr>
+          <p:nvPr/>
+        </p:nvCxnSpPr>
+        <p:spPr>
+          <a:xfrm rot="5400000" flipH="1">
+            <a:off x="2976470" y="291146"/>
+            <a:ext cx="4043984" cy="7121678"/>
+          </a:xfrm>
+          <a:prstGeom prst="bentConnector3">
+            <a:avLst>
+              <a:gd name="adj1" fmla="val -5653"/>
+            </a:avLst>
+          </a:prstGeom>
+          <a:ln w="12700">
+            <a:solidFill>
+              <a:schemeClr val="tx1"/>
+            </a:solidFill>
+            <a:prstDash val="lgDashDot"/>
+            <a:tailEnd type="triangle"/>
+          </a:ln>
+        </p:spPr>
+        <p:style>
+          <a:lnRef idx="1">
+            <a:schemeClr val="accent1"/>
+          </a:lnRef>
+          <a:fillRef idx="0">
+            <a:schemeClr val="accent1"/>
+          </a:fillRef>
+          <a:effectRef idx="0">
+            <a:schemeClr val="accent1"/>
+          </a:effectRef>
+          <a:fontRef idx="minor">
+            <a:schemeClr val="tx1"/>
+          </a:fontRef>
+        </p:style>
+      </p:cxnSp>
+    </p:spTree>
+    <p:extLst>
+      <p:ext uri="{BB962C8B-B14F-4D97-AF65-F5344CB8AC3E}">
+        <p14:creationId xmlns:p14="http://schemas.microsoft.com/office/powerpoint/2010/main" val="2776021268"/>
       </p:ext>
     </p:extLst>
   </p:cSld>

--- a/正文/latex/pic.pptx
+++ b/正文/latex/pic.pptx
@@ -268,7 +268,7 @@
           <a:p>
             <a:fld id="{26632025-FB45-42CA-915A-C7DCBA5F44DF}" type="datetimeFigureOut">
               <a:rPr lang="zh-CN" altLang="en-US" smtClean="0"/>
-              <a:t>2023/7/4</a:t>
+              <a:t>2023/7/5</a:t>
             </a:fld>
             <a:endParaRPr lang="zh-CN" altLang="en-US"/>
           </a:p>
@@ -466,7 +466,7 @@
           <a:p>
             <a:fld id="{26632025-FB45-42CA-915A-C7DCBA5F44DF}" type="datetimeFigureOut">
               <a:rPr lang="zh-CN" altLang="en-US" smtClean="0"/>
-              <a:t>2023/7/4</a:t>
+              <a:t>2023/7/5</a:t>
             </a:fld>
             <a:endParaRPr lang="zh-CN" altLang="en-US"/>
           </a:p>
@@ -674,7 +674,7 @@
           <a:p>
             <a:fld id="{26632025-FB45-42CA-915A-C7DCBA5F44DF}" type="datetimeFigureOut">
               <a:rPr lang="zh-CN" altLang="en-US" smtClean="0"/>
-              <a:t>2023/7/4</a:t>
+              <a:t>2023/7/5</a:t>
             </a:fld>
             <a:endParaRPr lang="zh-CN" altLang="en-US"/>
           </a:p>
@@ -872,7 +872,7 @@
           <a:p>
             <a:fld id="{26632025-FB45-42CA-915A-C7DCBA5F44DF}" type="datetimeFigureOut">
               <a:rPr lang="zh-CN" altLang="en-US" smtClean="0"/>
-              <a:t>2023/7/4</a:t>
+              <a:t>2023/7/5</a:t>
             </a:fld>
             <a:endParaRPr lang="zh-CN" altLang="en-US"/>
           </a:p>
@@ -1147,7 +1147,7 @@
           <a:p>
             <a:fld id="{26632025-FB45-42CA-915A-C7DCBA5F44DF}" type="datetimeFigureOut">
               <a:rPr lang="zh-CN" altLang="en-US" smtClean="0"/>
-              <a:t>2023/7/4</a:t>
+              <a:t>2023/7/5</a:t>
             </a:fld>
             <a:endParaRPr lang="zh-CN" altLang="en-US"/>
           </a:p>
@@ -1412,7 +1412,7 @@
           <a:p>
             <a:fld id="{26632025-FB45-42CA-915A-C7DCBA5F44DF}" type="datetimeFigureOut">
               <a:rPr lang="zh-CN" altLang="en-US" smtClean="0"/>
-              <a:t>2023/7/4</a:t>
+              <a:t>2023/7/5</a:t>
             </a:fld>
             <a:endParaRPr lang="zh-CN" altLang="en-US"/>
           </a:p>
@@ -1824,7 +1824,7 @@
           <a:p>
             <a:fld id="{26632025-FB45-42CA-915A-C7DCBA5F44DF}" type="datetimeFigureOut">
               <a:rPr lang="zh-CN" altLang="en-US" smtClean="0"/>
-              <a:t>2023/7/4</a:t>
+              <a:t>2023/7/5</a:t>
             </a:fld>
             <a:endParaRPr lang="zh-CN" altLang="en-US"/>
           </a:p>
@@ -1965,7 +1965,7 @@
           <a:p>
             <a:fld id="{26632025-FB45-42CA-915A-C7DCBA5F44DF}" type="datetimeFigureOut">
               <a:rPr lang="zh-CN" altLang="en-US" smtClean="0"/>
-              <a:t>2023/7/4</a:t>
+              <a:t>2023/7/5</a:t>
             </a:fld>
             <a:endParaRPr lang="zh-CN" altLang="en-US"/>
           </a:p>
@@ -2078,7 +2078,7 @@
           <a:p>
             <a:fld id="{26632025-FB45-42CA-915A-C7DCBA5F44DF}" type="datetimeFigureOut">
               <a:rPr lang="zh-CN" altLang="en-US" smtClean="0"/>
-              <a:t>2023/7/4</a:t>
+              <a:t>2023/7/5</a:t>
             </a:fld>
             <a:endParaRPr lang="zh-CN" altLang="en-US"/>
           </a:p>
@@ -2389,7 +2389,7 @@
           <a:p>
             <a:fld id="{26632025-FB45-42CA-915A-C7DCBA5F44DF}" type="datetimeFigureOut">
               <a:rPr lang="zh-CN" altLang="en-US" smtClean="0"/>
-              <a:t>2023/7/4</a:t>
+              <a:t>2023/7/5</a:t>
             </a:fld>
             <a:endParaRPr lang="zh-CN" altLang="en-US"/>
           </a:p>
@@ -2677,7 +2677,7 @@
           <a:p>
             <a:fld id="{26632025-FB45-42CA-915A-C7DCBA5F44DF}" type="datetimeFigureOut">
               <a:rPr lang="zh-CN" altLang="en-US" smtClean="0"/>
-              <a:t>2023/7/4</a:t>
+              <a:t>2023/7/5</a:t>
             </a:fld>
             <a:endParaRPr lang="zh-CN" altLang="en-US"/>
           </a:p>
@@ -2918,7 +2918,7 @@
           <a:p>
             <a:fld id="{26632025-FB45-42CA-915A-C7DCBA5F44DF}" type="datetimeFigureOut">
               <a:rPr lang="zh-CN" altLang="en-US" smtClean="0"/>
-              <a:t>2023/7/4</a:t>
+              <a:t>2023/7/5</a:t>
             </a:fld>
             <a:endParaRPr lang="zh-CN" altLang="en-US"/>
           </a:p>
@@ -5657,14 +5657,14 @@
           <a:chExt cx="0" cy="0"/>
         </a:xfrm>
       </p:grpSpPr>
-      <mc:AlternateContent xmlns:mc="http://schemas.openxmlformats.org/markup-compatibility/2006" xmlns:a14="http://schemas.microsoft.com/office/drawing/2010/main">
-        <mc:Choice Requires="a14">
-          <p:sp>
-            <p:nvSpPr>
-              <p:cNvPr id="4" name="文本框 3">
-                <a:extLst>
-                  <a:ext uri="{FF2B5EF4-FFF2-40B4-BE49-F238E27FC236}">
-                    <a16:creationId xmlns:a16="http://schemas.microsoft.com/office/drawing/2014/main" id="{BADC498D-72FD-2662-0A3F-E79AC0B68B5B}"/>
+      <mc:AlternateContent xmlns:mc="http://schemas.openxmlformats.org/markup-compatibility/2006">
+        <mc:Choice xmlns:a14="http://schemas.microsoft.com/office/drawing/2010/main" Requires="a14">
+          <p:sp>
+            <p:nvSpPr>
+              <p:cNvPr id="39" name="文本框 38">
+                <a:extLst>
+                  <a:ext uri="{FF2B5EF4-FFF2-40B4-BE49-F238E27FC236}">
+                    <a16:creationId xmlns:a16="http://schemas.microsoft.com/office/drawing/2014/main" id="{B371E44A-53FE-4F71-9EEF-3E01BF5237A7}"/>
                   </a:ext>
                 </a:extLst>
               </p:cNvPr>
@@ -5673,7 +5673,7 @@
             </p:nvSpPr>
             <p:spPr>
               <a:xfrm>
-                <a:off x="4917928" y="2107989"/>
+                <a:off x="5190303" y="2374182"/>
                 <a:ext cx="810671" cy="369332"/>
               </a:xfrm>
               <a:prstGeom prst="rect">
@@ -5708,13 +5708,13 @@
             </p:txBody>
           </p:sp>
         </mc:Choice>
-        <mc:Fallback xmlns="">
-          <p:sp>
-            <p:nvSpPr>
-              <p:cNvPr id="4" name="文本框 3">
-                <a:extLst>
-                  <a:ext uri="{FF2B5EF4-FFF2-40B4-BE49-F238E27FC236}">
-                    <a16:creationId xmlns:a16="http://schemas.microsoft.com/office/drawing/2014/main" id="{BADC498D-72FD-2662-0A3F-E79AC0B68B5B}"/>
+        <mc:Fallback>
+          <p:sp>
+            <p:nvSpPr>
+              <p:cNvPr id="39" name="文本框 38">
+                <a:extLst>
+                  <a:ext uri="{FF2B5EF4-FFF2-40B4-BE49-F238E27FC236}">
+                    <a16:creationId xmlns:a16="http://schemas.microsoft.com/office/drawing/2014/main" id="{B371E44A-53FE-4F71-9EEF-3E01BF5237A7}"/>
                   </a:ext>
                 </a:extLst>
               </p:cNvPr>
@@ -5725,7 +5725,7 @@
             </p:nvSpPr>
             <p:spPr>
               <a:xfrm>
-                <a:off x="4917928" y="2107989"/>
+                <a:off x="5190303" y="2374182"/>
                 <a:ext cx="810671" cy="369332"/>
               </a:xfrm>
               <a:prstGeom prst="rect">
@@ -5734,7 +5734,7 @@
               <a:blipFill>
                 <a:blip r:embed="rId2"/>
                 <a:stretch>
-                  <a:fillRect b="-13333"/>
+                  <a:fillRect b="-11475"/>
                 </a:stretch>
               </a:blipFill>
             </p:spPr>
@@ -5757,10 +5757,10 @@
         <mc:Choice xmlns:a14="http://schemas.microsoft.com/office/drawing/2010/main" Requires="a14">
           <p:sp>
             <p:nvSpPr>
-              <p:cNvPr id="2" name="文本框 1">
-                <a:extLst>
-                  <a:ext uri="{FF2B5EF4-FFF2-40B4-BE49-F238E27FC236}">
-                    <a16:creationId xmlns:a16="http://schemas.microsoft.com/office/drawing/2014/main" id="{E7D389EC-CA87-8E2E-FAC1-7EC70B06E529}"/>
+              <p:cNvPr id="40" name="文本框 39">
+                <a:extLst>
+                  <a:ext uri="{FF2B5EF4-FFF2-40B4-BE49-F238E27FC236}">
+                    <a16:creationId xmlns:a16="http://schemas.microsoft.com/office/drawing/2014/main" id="{1376D1EA-FE2C-40BD-AD5D-2740AA05C38C}"/>
                   </a:ext>
                 </a:extLst>
               </p:cNvPr>
@@ -5769,8 +5769,8 @@
             </p:nvSpPr>
             <p:spPr>
               <a:xfrm>
-                <a:off x="4033367" y="2761272"/>
-                <a:ext cx="592663" cy="369332"/>
+                <a:off x="4039416" y="3032843"/>
+                <a:ext cx="1086388" cy="369332"/>
               </a:xfrm>
               <a:prstGeom prst="rect">
                 <a:avLst/>
@@ -5794,7 +5794,7 @@
                         <a:rPr lang="en-US" altLang="zh-CN" b="0" i="1" smtClean="0">
                           <a:latin typeface="Cambria Math" panose="02040503050406030204" pitchFamily="18" charset="0"/>
                         </a:rPr>
-                        <m:t>𝑀</m:t>
+                        <m:t>𝑎𝑠𝑠𝑖𝑔𝑛</m:t>
                       </m:r>
                       <m:r>
                         <a:rPr lang="en-US" altLang="zh-CN" i="1" smtClean="0">
@@ -5813,10 +5813,10 @@
         <mc:Fallback>
           <p:sp>
             <p:nvSpPr>
-              <p:cNvPr id="2" name="文本框 1">
-                <a:extLst>
-                  <a:ext uri="{FF2B5EF4-FFF2-40B4-BE49-F238E27FC236}">
-                    <a16:creationId xmlns:a16="http://schemas.microsoft.com/office/drawing/2014/main" id="{E7D389EC-CA87-8E2E-FAC1-7EC70B06E529}"/>
+              <p:cNvPr id="40" name="文本框 39">
+                <a:extLst>
+                  <a:ext uri="{FF2B5EF4-FFF2-40B4-BE49-F238E27FC236}">
+                    <a16:creationId xmlns:a16="http://schemas.microsoft.com/office/drawing/2014/main" id="{1376D1EA-FE2C-40BD-AD5D-2740AA05C38C}"/>
                   </a:ext>
                 </a:extLst>
               </p:cNvPr>
@@ -5827,8 +5827,8 @@
             </p:nvSpPr>
             <p:spPr>
               <a:xfrm>
-                <a:off x="4033367" y="2761272"/>
-                <a:ext cx="592663" cy="369332"/>
+                <a:off x="4039416" y="3032843"/>
+                <a:ext cx="1086388" cy="369332"/>
               </a:xfrm>
               <a:prstGeom prst="rect">
                 <a:avLst/>
@@ -5836,7 +5836,7 @@
               <a:blipFill>
                 <a:blip r:embed="rId3"/>
                 <a:stretch>
-                  <a:fillRect/>
+                  <a:fillRect b="-13333"/>
                 </a:stretch>
               </a:blipFill>
             </p:spPr>
@@ -5855,14 +5855,14 @@
           </p:sp>
         </mc:Fallback>
       </mc:AlternateContent>
-      <mc:AlternateContent xmlns:mc="http://schemas.openxmlformats.org/markup-compatibility/2006" xmlns:a14="http://schemas.microsoft.com/office/drawing/2010/main">
-        <mc:Choice Requires="a14">
-          <p:sp>
-            <p:nvSpPr>
-              <p:cNvPr id="3" name="文本框 2">
-                <a:extLst>
-                  <a:ext uri="{FF2B5EF4-FFF2-40B4-BE49-F238E27FC236}">
-                    <a16:creationId xmlns:a16="http://schemas.microsoft.com/office/drawing/2014/main" id="{8B95ACB2-66B9-E950-0053-1DCF252015C0}"/>
+      <mc:AlternateContent xmlns:mc="http://schemas.openxmlformats.org/markup-compatibility/2006">
+        <mc:Choice xmlns:a14="http://schemas.microsoft.com/office/drawing/2010/main" Requires="a14">
+          <p:sp>
+            <p:nvSpPr>
+              <p:cNvPr id="42" name="文本框 41">
+                <a:extLst>
+                  <a:ext uri="{FF2B5EF4-FFF2-40B4-BE49-F238E27FC236}">
+                    <a16:creationId xmlns:a16="http://schemas.microsoft.com/office/drawing/2014/main" id="{773516CA-6BD7-402B-B98D-B41264F7E325}"/>
                   </a:ext>
                 </a:extLst>
               </p:cNvPr>
@@ -5871,7 +5871,7 @@
             </p:nvSpPr>
             <p:spPr>
               <a:xfrm>
-                <a:off x="5865938" y="2776800"/>
+                <a:off x="6138313" y="3042993"/>
                 <a:ext cx="721672" cy="369332"/>
               </a:xfrm>
               <a:prstGeom prst="rect">
@@ -5912,13 +5912,13 @@
             </p:txBody>
           </p:sp>
         </mc:Choice>
-        <mc:Fallback xmlns="">
-          <p:sp>
-            <p:nvSpPr>
-              <p:cNvPr id="3" name="文本框 2">
-                <a:extLst>
-                  <a:ext uri="{FF2B5EF4-FFF2-40B4-BE49-F238E27FC236}">
-                    <a16:creationId xmlns:a16="http://schemas.microsoft.com/office/drawing/2014/main" id="{8B95ACB2-66B9-E950-0053-1DCF252015C0}"/>
+        <mc:Fallback>
+          <p:sp>
+            <p:nvSpPr>
+              <p:cNvPr id="42" name="文本框 41">
+                <a:extLst>
+                  <a:ext uri="{FF2B5EF4-FFF2-40B4-BE49-F238E27FC236}">
+                    <a16:creationId xmlns:a16="http://schemas.microsoft.com/office/drawing/2014/main" id="{773516CA-6BD7-402B-B98D-B41264F7E325}"/>
                   </a:ext>
                 </a:extLst>
               </p:cNvPr>
@@ -5929,7 +5929,7 @@
             </p:nvSpPr>
             <p:spPr>
               <a:xfrm>
-                <a:off x="5865938" y="2776800"/>
+                <a:off x="6138313" y="3042993"/>
                 <a:ext cx="721672" cy="369332"/>
               </a:xfrm>
               <a:prstGeom prst="rect">
@@ -5938,7 +5938,7 @@
               <a:blipFill>
                 <a:blip r:embed="rId4"/>
                 <a:stretch>
-                  <a:fillRect b="-13333"/>
+                  <a:fillRect b="-11475"/>
                 </a:stretch>
               </a:blipFill>
             </p:spPr>
@@ -5957,14 +5957,14 @@
           </p:sp>
         </mc:Fallback>
       </mc:AlternateContent>
-      <mc:AlternateContent xmlns:mc="http://schemas.openxmlformats.org/markup-compatibility/2006" xmlns:a14="http://schemas.microsoft.com/office/drawing/2010/main">
-        <mc:Choice Requires="a14">
-          <p:sp>
-            <p:nvSpPr>
-              <p:cNvPr id="6" name="文本框 5">
-                <a:extLst>
-                  <a:ext uri="{FF2B5EF4-FFF2-40B4-BE49-F238E27FC236}">
-                    <a16:creationId xmlns:a16="http://schemas.microsoft.com/office/drawing/2014/main" id="{FA2C9A11-CFF2-4005-D650-0ABEAEEDFD65}"/>
+      <mc:AlternateContent xmlns:mc="http://schemas.openxmlformats.org/markup-compatibility/2006">
+        <mc:Choice xmlns:a14="http://schemas.microsoft.com/office/drawing/2010/main" Requires="a14">
+          <p:sp>
+            <p:nvSpPr>
+              <p:cNvPr id="44" name="文本框 43">
+                <a:extLst>
+                  <a:ext uri="{FF2B5EF4-FFF2-40B4-BE49-F238E27FC236}">
+                    <a16:creationId xmlns:a16="http://schemas.microsoft.com/office/drawing/2014/main" id="{28D59E40-6D43-4881-9CA8-CA080DF52F15}"/>
                   </a:ext>
                 </a:extLst>
               </p:cNvPr>
@@ -5973,8 +5973,8 @@
             </p:nvSpPr>
             <p:spPr>
               <a:xfrm>
-                <a:off x="6966014" y="3578780"/>
-                <a:ext cx="810671" cy="369332"/>
+                <a:off x="7195103" y="3775193"/>
+                <a:ext cx="541367" cy="369332"/>
               </a:xfrm>
               <a:prstGeom prst="rect">
                 <a:avLst/>
@@ -5998,7 +5998,7 @@
                         <a:rPr lang="en-US" altLang="zh-CN" i="1" smtClean="0">
                           <a:latin typeface="Cambria Math" panose="02040503050406030204" pitchFamily="18" charset="0"/>
                         </a:rPr>
-                        <m:t>𝐷𝑒𝑔𝑃</m:t>
+                        <m:t>𝐴𝑃</m:t>
                       </m:r>
                     </m:oMath>
                   </m:oMathPara>
@@ -6008,13 +6008,13 @@
             </p:txBody>
           </p:sp>
         </mc:Choice>
-        <mc:Fallback xmlns="">
-          <p:sp>
-            <p:nvSpPr>
-              <p:cNvPr id="6" name="文本框 5">
-                <a:extLst>
-                  <a:ext uri="{FF2B5EF4-FFF2-40B4-BE49-F238E27FC236}">
-                    <a16:creationId xmlns:a16="http://schemas.microsoft.com/office/drawing/2014/main" id="{FA2C9A11-CFF2-4005-D650-0ABEAEEDFD65}"/>
+        <mc:Fallback>
+          <p:sp>
+            <p:nvSpPr>
+              <p:cNvPr id="44" name="文本框 43">
+                <a:extLst>
+                  <a:ext uri="{FF2B5EF4-FFF2-40B4-BE49-F238E27FC236}">
+                    <a16:creationId xmlns:a16="http://schemas.microsoft.com/office/drawing/2014/main" id="{28D59E40-6D43-4881-9CA8-CA080DF52F15}"/>
                   </a:ext>
                 </a:extLst>
               </p:cNvPr>
@@ -6025,8 +6025,8 @@
             </p:nvSpPr>
             <p:spPr>
               <a:xfrm>
-                <a:off x="6966014" y="3578780"/>
-                <a:ext cx="810671" cy="369332"/>
+                <a:off x="7195103" y="3775193"/>
+                <a:ext cx="541367" cy="369332"/>
               </a:xfrm>
               <a:prstGeom prst="rect">
                 <a:avLst/>
@@ -6034,7 +6034,7 @@
               <a:blipFill>
                 <a:blip r:embed="rId5"/>
                 <a:stretch>
-                  <a:fillRect b="-11475"/>
+                  <a:fillRect/>
                 </a:stretch>
               </a:blipFill>
             </p:spPr>
@@ -6053,14 +6053,14 @@
           </p:sp>
         </mc:Fallback>
       </mc:AlternateContent>
-      <mc:AlternateContent xmlns:mc="http://schemas.openxmlformats.org/markup-compatibility/2006" xmlns:a14="http://schemas.microsoft.com/office/drawing/2010/main">
-        <mc:Choice Requires="a14">
-          <p:sp>
-            <p:nvSpPr>
-              <p:cNvPr id="8" name="文本框 7">
-                <a:extLst>
-                  <a:ext uri="{FF2B5EF4-FFF2-40B4-BE49-F238E27FC236}">
-                    <a16:creationId xmlns:a16="http://schemas.microsoft.com/office/drawing/2014/main" id="{A5B211BB-9350-EBCD-7C32-25CED1C1AD9B}"/>
+      <mc:AlternateContent xmlns:mc="http://schemas.openxmlformats.org/markup-compatibility/2006">
+        <mc:Choice xmlns:a14="http://schemas.microsoft.com/office/drawing/2010/main" Requires="a14">
+          <p:sp>
+            <p:nvSpPr>
+              <p:cNvPr id="45" name="文本框 44">
+                <a:extLst>
+                  <a:ext uri="{FF2B5EF4-FFF2-40B4-BE49-F238E27FC236}">
+                    <a16:creationId xmlns:a16="http://schemas.microsoft.com/office/drawing/2014/main" id="{82FDA685-7115-44AA-BF6B-35EC3B0DC824}"/>
                   </a:ext>
                 </a:extLst>
               </p:cNvPr>
@@ -6069,109 +6069,7 @@
             </p:nvSpPr>
             <p:spPr>
               <a:xfrm>
-                <a:off x="7976352" y="4247985"/>
-                <a:ext cx="713657" cy="369332"/>
-              </a:xfrm>
-              <a:prstGeom prst="rect">
-                <a:avLst/>
-              </a:prstGeom>
-              <a:noFill/>
-            </p:spPr>
-            <p:txBody>
-              <a:bodyPr wrap="none" rtlCol="0">
-                <a:spAutoFit/>
-              </a:bodyPr>
-              <a:lstStyle/>
-              <a:p>
-                <a:pPr/>
-                <a14:m>
-                  <m:oMathPara xmlns:m="http://schemas.openxmlformats.org/officeDocument/2006/math">
-                    <m:oMathParaPr>
-                      <m:jc m:val="centerGroup"/>
-                    </m:oMathParaPr>
-                    <m:oMath xmlns:m="http://schemas.openxmlformats.org/officeDocument/2006/math">
-                      <m:r>
-                        <a:rPr lang="en-US" altLang="zh-CN" i="1" smtClean="0">
-                          <a:latin typeface="Cambria Math" panose="02040503050406030204" pitchFamily="18" charset="0"/>
-                        </a:rPr>
-                        <m:t>𝐷𝑒𝑔</m:t>
-                      </m:r>
-                      <m:r>
-                        <a:rPr lang="en-US" altLang="zh-CN" i="1" smtClean="0">
-                          <a:latin typeface="Cambria Math" panose="02040503050406030204" pitchFamily="18" charset="0"/>
-                        </a:rPr>
-                        <m:t>’</m:t>
-                      </m:r>
-                    </m:oMath>
-                  </m:oMathPara>
-                </a14:m>
-                <a:endParaRPr lang="en-US" altLang="zh-CN"/>
-              </a:p>
-            </p:txBody>
-          </p:sp>
-        </mc:Choice>
-        <mc:Fallback xmlns="">
-          <p:sp>
-            <p:nvSpPr>
-              <p:cNvPr id="8" name="文本框 7">
-                <a:extLst>
-                  <a:ext uri="{FF2B5EF4-FFF2-40B4-BE49-F238E27FC236}">
-                    <a16:creationId xmlns:a16="http://schemas.microsoft.com/office/drawing/2014/main" id="{A5B211BB-9350-EBCD-7C32-25CED1C1AD9B}"/>
-                  </a:ext>
-                </a:extLst>
-              </p:cNvPr>
-              <p:cNvSpPr txBox="1">
-                <a:spLocks noRot="1" noChangeAspect="1" noMove="1" noResize="1" noEditPoints="1" noAdjustHandles="1" noChangeArrowheads="1" noChangeShapeType="1" noTextEdit="1"/>
-              </p:cNvSpPr>
-              <p:nvPr/>
-            </p:nvSpPr>
-            <p:spPr>
-              <a:xfrm>
-                <a:off x="7976352" y="4247985"/>
-                <a:ext cx="713657" cy="369332"/>
-              </a:xfrm>
-              <a:prstGeom prst="rect">
-                <a:avLst/>
-              </a:prstGeom>
-              <a:blipFill>
-                <a:blip r:embed="rId7"/>
-                <a:stretch>
-                  <a:fillRect b="-13333"/>
-                </a:stretch>
-              </a:blipFill>
-            </p:spPr>
-            <p:txBody>
-              <a:bodyPr/>
-              <a:lstStyle/>
-              <a:p>
-                <a:r>
-                  <a:rPr lang="zh-CN" altLang="en-US">
-                    <a:noFill/>
-                  </a:rPr>
-                  <a:t> </a:t>
-                </a:r>
-              </a:p>
-            </p:txBody>
-          </p:sp>
-        </mc:Fallback>
-      </mc:AlternateContent>
-      <mc:AlternateContent xmlns:mc="http://schemas.openxmlformats.org/markup-compatibility/2006" xmlns:a14="http://schemas.microsoft.com/office/drawing/2010/main">
-        <mc:Choice Requires="a14">
-          <p:sp>
-            <p:nvSpPr>
-              <p:cNvPr id="9" name="文本框 8">
-                <a:extLst>
-                  <a:ext uri="{FF2B5EF4-FFF2-40B4-BE49-F238E27FC236}">
-                    <a16:creationId xmlns:a16="http://schemas.microsoft.com/office/drawing/2014/main" id="{41B9BAC2-28DC-365D-D372-26FDA4C6349D}"/>
-                  </a:ext>
-                </a:extLst>
-              </p:cNvPr>
-              <p:cNvSpPr txBox="1"/>
-              <p:nvPr/>
-            </p:nvSpPr>
-            <p:spPr>
-              <a:xfrm>
-                <a:off x="7274303" y="4869468"/>
+                <a:off x="5047180" y="3775193"/>
                 <a:ext cx="773673" cy="369332"/>
               </a:xfrm>
               <a:prstGeom prst="rect">
@@ -6225,13 +6123,13 @@
             </p:txBody>
           </p:sp>
         </mc:Choice>
-        <mc:Fallback xmlns="">
-          <p:sp>
-            <p:nvSpPr>
-              <p:cNvPr id="9" name="文本框 8">
-                <a:extLst>
-                  <a:ext uri="{FF2B5EF4-FFF2-40B4-BE49-F238E27FC236}">
-                    <a16:creationId xmlns:a16="http://schemas.microsoft.com/office/drawing/2014/main" id="{41B9BAC2-28DC-365D-D372-26FDA4C6349D}"/>
+        <mc:Fallback>
+          <p:sp>
+            <p:nvSpPr>
+              <p:cNvPr id="45" name="文本框 44">
+                <a:extLst>
+                  <a:ext uri="{FF2B5EF4-FFF2-40B4-BE49-F238E27FC236}">
+                    <a16:creationId xmlns:a16="http://schemas.microsoft.com/office/drawing/2014/main" id="{82FDA685-7115-44AA-BF6B-35EC3B0DC824}"/>
                   </a:ext>
                 </a:extLst>
               </p:cNvPr>
@@ -6242,16 +6140,16 @@
             </p:nvSpPr>
             <p:spPr>
               <a:xfrm>
-                <a:off x="7274303" y="4869468"/>
+                <a:off x="5047180" y="3775193"/>
                 <a:ext cx="773673" cy="369332"/>
               </a:xfrm>
               <a:prstGeom prst="rect">
                 <a:avLst/>
               </a:prstGeom>
               <a:blipFill>
-                <a:blip r:embed="rId8"/>
+                <a:blip r:embed="rId6"/>
                 <a:stretch>
-                  <a:fillRect b="-13333"/>
+                  <a:fillRect b="-11475"/>
                 </a:stretch>
               </a:blipFill>
             </p:spPr>
@@ -6270,236 +6168,25 @@
           </p:sp>
         </mc:Fallback>
       </mc:AlternateContent>
-      <mc:AlternateContent xmlns:mc="http://schemas.openxmlformats.org/markup-compatibility/2006" xmlns:a14="http://schemas.microsoft.com/office/drawing/2010/main">
-        <mc:Choice Requires="a14">
-          <p:sp>
-            <p:nvSpPr>
-              <p:cNvPr id="10" name="文本框 9">
-                <a:extLst>
-                  <a:ext uri="{FF2B5EF4-FFF2-40B4-BE49-F238E27FC236}">
-                    <a16:creationId xmlns:a16="http://schemas.microsoft.com/office/drawing/2014/main" id="{C4C321FD-814A-7A1B-E5DF-83206F4D5AFD}"/>
-                  </a:ext>
-                </a:extLst>
-              </p:cNvPr>
-              <p:cNvSpPr txBox="1"/>
-              <p:nvPr/>
-            </p:nvSpPr>
-            <p:spPr>
-              <a:xfrm>
-                <a:off x="8785421" y="4887358"/>
-                <a:ext cx="541367" cy="369332"/>
-              </a:xfrm>
-              <a:prstGeom prst="rect">
-                <a:avLst/>
-              </a:prstGeom>
-              <a:noFill/>
-            </p:spPr>
-            <p:txBody>
-              <a:bodyPr wrap="none" rtlCol="0">
-                <a:spAutoFit/>
-              </a:bodyPr>
-              <a:lstStyle/>
-              <a:p>
-                <a:pPr/>
-                <a14:m>
-                  <m:oMathPara xmlns:m="http://schemas.openxmlformats.org/officeDocument/2006/math">
-                    <m:oMathParaPr>
-                      <m:jc m:val="centerGroup"/>
-                    </m:oMathParaPr>
-                    <m:oMath xmlns:m="http://schemas.openxmlformats.org/officeDocument/2006/math">
-                      <m:r>
-                        <a:rPr lang="en-US" altLang="zh-CN" i="1" smtClean="0">
-                          <a:latin typeface="Cambria Math" panose="02040503050406030204" pitchFamily="18" charset="0"/>
-                        </a:rPr>
-                        <m:t>𝐴𝑃</m:t>
-                      </m:r>
-                    </m:oMath>
-                  </m:oMathPara>
-                </a14:m>
-                <a:endParaRPr lang="en-US" altLang="zh-CN"/>
-              </a:p>
-            </p:txBody>
-          </p:sp>
-        </mc:Choice>
-        <mc:Fallback xmlns="">
-          <p:sp>
-            <p:nvSpPr>
-              <p:cNvPr id="10" name="文本框 9">
-                <a:extLst>
-                  <a:ext uri="{FF2B5EF4-FFF2-40B4-BE49-F238E27FC236}">
-                    <a16:creationId xmlns:a16="http://schemas.microsoft.com/office/drawing/2014/main" id="{C4C321FD-814A-7A1B-E5DF-83206F4D5AFD}"/>
-                  </a:ext>
-                </a:extLst>
-              </p:cNvPr>
-              <p:cNvSpPr txBox="1">
-                <a:spLocks noRot="1" noChangeAspect="1" noMove="1" noResize="1" noEditPoints="1" noAdjustHandles="1" noChangeArrowheads="1" noChangeShapeType="1" noTextEdit="1"/>
-              </p:cNvSpPr>
-              <p:nvPr/>
-            </p:nvSpPr>
-            <p:spPr>
-              <a:xfrm>
-                <a:off x="8785421" y="4887358"/>
-                <a:ext cx="541367" cy="369332"/>
-              </a:xfrm>
-              <a:prstGeom prst="rect">
-                <a:avLst/>
-              </a:prstGeom>
-              <a:blipFill>
-                <a:blip r:embed="rId9"/>
-                <a:stretch>
-                  <a:fillRect/>
-                </a:stretch>
-              </a:blipFill>
-            </p:spPr>
-            <p:txBody>
-              <a:bodyPr/>
-              <a:lstStyle/>
-              <a:p>
-                <a:r>
-                  <a:rPr lang="zh-CN" altLang="en-US">
-                    <a:noFill/>
-                  </a:rPr>
-                  <a:t> </a:t>
-                </a:r>
-              </a:p>
-            </p:txBody>
-          </p:sp>
-        </mc:Fallback>
-      </mc:AlternateContent>
-      <mc:AlternateContent xmlns:mc="http://schemas.openxmlformats.org/markup-compatibility/2006" xmlns:a14="http://schemas.microsoft.com/office/drawing/2010/main">
-        <mc:Choice Requires="a14">
-          <p:sp>
-            <p:nvSpPr>
-              <p:cNvPr id="12" name="文本框 11">
-                <a:extLst>
-                  <a:ext uri="{FF2B5EF4-FFF2-40B4-BE49-F238E27FC236}">
-                    <a16:creationId xmlns:a16="http://schemas.microsoft.com/office/drawing/2014/main" id="{68DC509C-EB06-6067-D3CF-355F5F6395B3}"/>
-                  </a:ext>
-                </a:extLst>
-              </p:cNvPr>
-              <p:cNvSpPr txBox="1"/>
-              <p:nvPr/>
-            </p:nvSpPr>
-            <p:spPr>
-              <a:xfrm>
-                <a:off x="4774805" y="3509000"/>
-                <a:ext cx="773673" cy="369332"/>
-              </a:xfrm>
-              <a:prstGeom prst="rect">
-                <a:avLst/>
-              </a:prstGeom>
-              <a:noFill/>
-            </p:spPr>
-            <p:txBody>
-              <a:bodyPr wrap="none" rtlCol="0">
-                <a:spAutoFit/>
-              </a:bodyPr>
-              <a:lstStyle/>
-              <a:p>
-                <a:pPr/>
-                <a14:m>
-                  <m:oMathPara xmlns:m="http://schemas.openxmlformats.org/officeDocument/2006/math">
-                    <m:oMathParaPr>
-                      <m:jc m:val="centerGroup"/>
-                    </m:oMathParaPr>
-                    <m:oMath xmlns:m="http://schemas.openxmlformats.org/officeDocument/2006/math">
-                      <m:sSup>
-                        <m:sSupPr>
-                          <m:ctrlPr>
-                            <a:rPr lang="en-US" altLang="zh-CN" i="1" smtClean="0">
-                              <a:latin typeface="Cambria Math" panose="02040503050406030204" pitchFamily="18" charset="0"/>
-                            </a:rPr>
-                          </m:ctrlPr>
-                        </m:sSupPr>
-                        <m:e>
-                          <m:r>
-                            <a:rPr lang="en-US" altLang="zh-CN" b="0" i="1" smtClean="0">
-                              <a:latin typeface="Cambria Math" panose="02040503050406030204" pitchFamily="18" charset="0"/>
-                            </a:rPr>
-                            <m:t>𝐷𝑒𝑔</m:t>
-                          </m:r>
-                        </m:e>
-                        <m:sup>
-                          <m:r>
-                            <a:rPr lang="en-US" altLang="zh-CN" b="0" i="1" smtClean="0">
-                              <a:latin typeface="Cambria Math" panose="02040503050406030204" pitchFamily="18" charset="0"/>
-                            </a:rPr>
-                            <m:t>0</m:t>
-                          </m:r>
-                        </m:sup>
-                      </m:sSup>
-                    </m:oMath>
-                  </m:oMathPara>
-                </a14:m>
-                <a:endParaRPr lang="en-US" altLang="zh-CN"/>
-              </a:p>
-            </p:txBody>
-          </p:sp>
-        </mc:Choice>
-        <mc:Fallback xmlns="">
-          <p:sp>
-            <p:nvSpPr>
-              <p:cNvPr id="12" name="文本框 11">
-                <a:extLst>
-                  <a:ext uri="{FF2B5EF4-FFF2-40B4-BE49-F238E27FC236}">
-                    <a16:creationId xmlns:a16="http://schemas.microsoft.com/office/drawing/2014/main" id="{68DC509C-EB06-6067-D3CF-355F5F6395B3}"/>
-                  </a:ext>
-                </a:extLst>
-              </p:cNvPr>
-              <p:cNvSpPr txBox="1">
-                <a:spLocks noRot="1" noChangeAspect="1" noMove="1" noResize="1" noEditPoints="1" noAdjustHandles="1" noChangeArrowheads="1" noChangeShapeType="1" noTextEdit="1"/>
-              </p:cNvSpPr>
-              <p:nvPr/>
-            </p:nvSpPr>
-            <p:spPr>
-              <a:xfrm>
-                <a:off x="4774805" y="3509000"/>
-                <a:ext cx="773673" cy="369332"/>
-              </a:xfrm>
-              <a:prstGeom prst="rect">
-                <a:avLst/>
-              </a:prstGeom>
-              <a:blipFill>
-                <a:blip r:embed="rId10"/>
-                <a:stretch>
-                  <a:fillRect b="-13333"/>
-                </a:stretch>
-              </a:blipFill>
-            </p:spPr>
-            <p:txBody>
-              <a:bodyPr/>
-              <a:lstStyle/>
-              <a:p>
-                <a:r>
-                  <a:rPr lang="zh-CN" altLang="en-US">
-                    <a:noFill/>
-                  </a:rPr>
-                  <a:t> </a:t>
-                </a:r>
-              </a:p>
-            </p:txBody>
-          </p:sp>
-        </mc:Fallback>
-      </mc:AlternateContent>
       <p:cxnSp>
         <p:nvCxnSpPr>
-          <p:cNvPr id="14" name="直接连接符 13">
+          <p:cNvPr id="46" name="直接连接符 45">
             <a:extLst>
               <a:ext uri="{FF2B5EF4-FFF2-40B4-BE49-F238E27FC236}">
-                <a16:creationId xmlns:a16="http://schemas.microsoft.com/office/drawing/2014/main" id="{16C02841-3110-214F-038F-0751E6683D75}"/>
+                <a16:creationId xmlns:a16="http://schemas.microsoft.com/office/drawing/2014/main" id="{F20AD1B3-F21F-4FF8-A06B-7DC84BD29DB5}"/>
               </a:ext>
             </a:extLst>
           </p:cNvPr>
           <p:cNvCxnSpPr>
-            <a:stCxn id="4" idx="2"/>
-            <a:endCxn id="2" idx="0"/>
+            <a:stCxn id="39" idx="2"/>
+            <a:endCxn id="40" idx="0"/>
           </p:cNvCxnSpPr>
           <p:nvPr/>
         </p:nvCxnSpPr>
         <p:spPr>
           <a:xfrm flipH="1">
-            <a:off x="4329699" y="2477321"/>
-            <a:ext cx="993565" cy="283951"/>
+            <a:off x="4582610" y="2743514"/>
+            <a:ext cx="1013029" cy="289329"/>
           </a:xfrm>
           <a:prstGeom prst="line">
             <a:avLst/>
@@ -6527,23 +6214,23 @@
       </p:cxnSp>
       <p:cxnSp>
         <p:nvCxnSpPr>
-          <p:cNvPr id="16" name="直接连接符 15">
+          <p:cNvPr id="49" name="直接连接符 48">
             <a:extLst>
               <a:ext uri="{FF2B5EF4-FFF2-40B4-BE49-F238E27FC236}">
-                <a16:creationId xmlns:a16="http://schemas.microsoft.com/office/drawing/2014/main" id="{15B979E2-E9D4-F2E3-9A5E-B80D48CFCEDB}"/>
+                <a16:creationId xmlns:a16="http://schemas.microsoft.com/office/drawing/2014/main" id="{3ECDA8C8-C219-4D8E-A6ED-560B1305DE2F}"/>
               </a:ext>
             </a:extLst>
           </p:cNvPr>
           <p:cNvCxnSpPr>
             <a:cxnSpLocks/>
-            <a:stCxn id="4" idx="2"/>
-            <a:endCxn id="3" idx="0"/>
+            <a:stCxn id="39" idx="2"/>
+            <a:endCxn id="42" idx="0"/>
           </p:cNvCxnSpPr>
           <p:nvPr/>
         </p:nvCxnSpPr>
         <p:spPr>
           <a:xfrm>
-            <a:off x="5323264" y="2477321"/>
+            <a:off x="5595639" y="2743514"/>
             <a:ext cx="903510" cy="299479"/>
           </a:xfrm>
           <a:prstGeom prst="line">
@@ -6572,23 +6259,23 @@
       </p:cxnSp>
       <p:cxnSp>
         <p:nvCxnSpPr>
-          <p:cNvPr id="19" name="直接连接符 18">
+          <p:cNvPr id="51" name="直接连接符 50">
             <a:extLst>
               <a:ext uri="{FF2B5EF4-FFF2-40B4-BE49-F238E27FC236}">
-                <a16:creationId xmlns:a16="http://schemas.microsoft.com/office/drawing/2014/main" id="{94649AA1-E922-047F-D734-40125D482227}"/>
+                <a16:creationId xmlns:a16="http://schemas.microsoft.com/office/drawing/2014/main" id="{0779F229-ED35-43CF-98B8-C67C2515243E}"/>
               </a:ext>
             </a:extLst>
           </p:cNvPr>
           <p:cNvCxnSpPr>
             <a:cxnSpLocks/>
-            <a:stCxn id="3" idx="2"/>
-            <a:endCxn id="12" idx="0"/>
+            <a:stCxn id="42" idx="2"/>
+            <a:endCxn id="45" idx="0"/>
           </p:cNvCxnSpPr>
           <p:nvPr/>
         </p:nvCxnSpPr>
         <p:spPr>
           <a:xfrm flipH="1">
-            <a:off x="5161642" y="3146132"/>
+            <a:off x="5434017" y="3412325"/>
             <a:ext cx="1065132" cy="362868"/>
           </a:xfrm>
           <a:prstGeom prst="line">
@@ -6617,24 +6304,24 @@
       </p:cxnSp>
       <p:cxnSp>
         <p:nvCxnSpPr>
-          <p:cNvPr id="22" name="直接连接符 21">
+          <p:cNvPr id="52" name="直接连接符 51">
             <a:extLst>
               <a:ext uri="{FF2B5EF4-FFF2-40B4-BE49-F238E27FC236}">
-                <a16:creationId xmlns:a16="http://schemas.microsoft.com/office/drawing/2014/main" id="{DA143DB0-CAAA-751D-4641-0ABACA35C5D8}"/>
+                <a16:creationId xmlns:a16="http://schemas.microsoft.com/office/drawing/2014/main" id="{DFE17977-4FA8-459F-B5E6-99B76471B38D}"/>
               </a:ext>
             </a:extLst>
           </p:cNvPr>
           <p:cNvCxnSpPr>
             <a:cxnSpLocks/>
-            <a:stCxn id="3" idx="2"/>
-            <a:endCxn id="6" idx="0"/>
+            <a:stCxn id="42" idx="2"/>
+            <a:endCxn id="44" idx="0"/>
           </p:cNvCxnSpPr>
           <p:nvPr/>
         </p:nvCxnSpPr>
         <p:spPr>
           <a:xfrm>
-            <a:off x="6226774" y="3146132"/>
-            <a:ext cx="1144576" cy="432648"/>
+            <a:off x="6499149" y="3412325"/>
+            <a:ext cx="966638" cy="362868"/>
           </a:xfrm>
           <a:prstGeom prst="line">
             <a:avLst/>
@@ -6662,202 +6349,23 @@
       </p:cxnSp>
       <p:cxnSp>
         <p:nvCxnSpPr>
-          <p:cNvPr id="25" name="直接连接符 24">
+          <p:cNvPr id="53" name="直接连接符 52">
             <a:extLst>
               <a:ext uri="{FF2B5EF4-FFF2-40B4-BE49-F238E27FC236}">
-                <a16:creationId xmlns:a16="http://schemas.microsoft.com/office/drawing/2014/main" id="{FB62A621-1752-9763-6EB5-88464E19743D}"/>
+                <a16:creationId xmlns:a16="http://schemas.microsoft.com/office/drawing/2014/main" id="{C70A9FC0-6CA4-4CF9-BEC6-1C68333964E7}"/>
               </a:ext>
             </a:extLst>
           </p:cNvPr>
           <p:cNvCxnSpPr>
             <a:cxnSpLocks/>
-            <a:stCxn id="6" idx="2"/>
+            <a:stCxn id="44" idx="2"/>
+            <a:endCxn id="59" idx="0"/>
           </p:cNvCxnSpPr>
           <p:nvPr/>
         </p:nvCxnSpPr>
         <p:spPr>
           <a:xfrm flipH="1">
-            <a:off x="6608654" y="3948112"/>
-            <a:ext cx="762696" cy="299873"/>
-          </a:xfrm>
-          <a:prstGeom prst="line">
-            <a:avLst/>
-          </a:prstGeom>
-          <a:ln w="12700">
-            <a:solidFill>
-              <a:schemeClr val="tx1"/>
-            </a:solidFill>
-          </a:ln>
-        </p:spPr>
-        <p:style>
-          <a:lnRef idx="1">
-            <a:schemeClr val="accent1"/>
-          </a:lnRef>
-          <a:fillRef idx="0">
-            <a:schemeClr val="accent1"/>
-          </a:fillRef>
-          <a:effectRef idx="0">
-            <a:schemeClr val="accent1"/>
-          </a:effectRef>
-          <a:fontRef idx="minor">
-            <a:schemeClr val="tx1"/>
-          </a:fontRef>
-        </p:style>
-      </p:cxnSp>
-      <p:cxnSp>
-        <p:nvCxnSpPr>
-          <p:cNvPr id="28" name="直接连接符 27">
-            <a:extLst>
-              <a:ext uri="{FF2B5EF4-FFF2-40B4-BE49-F238E27FC236}">
-                <a16:creationId xmlns:a16="http://schemas.microsoft.com/office/drawing/2014/main" id="{29DC1CFA-A5CA-14CF-8014-DD89EF57D32B}"/>
-              </a:ext>
-            </a:extLst>
-          </p:cNvPr>
-          <p:cNvCxnSpPr>
-            <a:cxnSpLocks/>
-            <a:stCxn id="6" idx="2"/>
-            <a:endCxn id="8" idx="0"/>
-          </p:cNvCxnSpPr>
-          <p:nvPr/>
-        </p:nvCxnSpPr>
-        <p:spPr>
-          <a:xfrm>
-            <a:off x="7371350" y="3948112"/>
-            <a:ext cx="961831" cy="299873"/>
-          </a:xfrm>
-          <a:prstGeom prst="line">
-            <a:avLst/>
-          </a:prstGeom>
-          <a:ln w="12700">
-            <a:solidFill>
-              <a:schemeClr val="tx1"/>
-            </a:solidFill>
-          </a:ln>
-        </p:spPr>
-        <p:style>
-          <a:lnRef idx="1">
-            <a:schemeClr val="accent1"/>
-          </a:lnRef>
-          <a:fillRef idx="0">
-            <a:schemeClr val="accent1"/>
-          </a:fillRef>
-          <a:effectRef idx="0">
-            <a:schemeClr val="accent1"/>
-          </a:effectRef>
-          <a:fontRef idx="minor">
-            <a:schemeClr val="tx1"/>
-          </a:fontRef>
-        </p:style>
-      </p:cxnSp>
-      <p:cxnSp>
-        <p:nvCxnSpPr>
-          <p:cNvPr id="31" name="直接连接符 30">
-            <a:extLst>
-              <a:ext uri="{FF2B5EF4-FFF2-40B4-BE49-F238E27FC236}">
-                <a16:creationId xmlns:a16="http://schemas.microsoft.com/office/drawing/2014/main" id="{17E95D2D-35B9-6532-DAD2-D33F5F382593}"/>
-              </a:ext>
-            </a:extLst>
-          </p:cNvPr>
-          <p:cNvCxnSpPr>
-            <a:cxnSpLocks/>
-            <a:stCxn id="8" idx="2"/>
-            <a:endCxn id="9" idx="0"/>
-          </p:cNvCxnSpPr>
-          <p:nvPr/>
-        </p:nvCxnSpPr>
-        <p:spPr>
-          <a:xfrm flipH="1">
-            <a:off x="7661140" y="4617317"/>
-            <a:ext cx="672041" cy="252151"/>
-          </a:xfrm>
-          <a:prstGeom prst="line">
-            <a:avLst/>
-          </a:prstGeom>
-          <a:ln w="12700">
-            <a:solidFill>
-              <a:schemeClr val="tx1"/>
-            </a:solidFill>
-          </a:ln>
-        </p:spPr>
-        <p:style>
-          <a:lnRef idx="1">
-            <a:schemeClr val="accent1"/>
-          </a:lnRef>
-          <a:fillRef idx="0">
-            <a:schemeClr val="accent1"/>
-          </a:fillRef>
-          <a:effectRef idx="0">
-            <a:schemeClr val="accent1"/>
-          </a:effectRef>
-          <a:fontRef idx="minor">
-            <a:schemeClr val="tx1"/>
-          </a:fontRef>
-        </p:style>
-      </p:cxnSp>
-      <p:cxnSp>
-        <p:nvCxnSpPr>
-          <p:cNvPr id="34" name="直接连接符 33">
-            <a:extLst>
-              <a:ext uri="{FF2B5EF4-FFF2-40B4-BE49-F238E27FC236}">
-                <a16:creationId xmlns:a16="http://schemas.microsoft.com/office/drawing/2014/main" id="{4F4B3293-AD84-3A37-E4B2-5AEA080404A5}"/>
-              </a:ext>
-            </a:extLst>
-          </p:cNvPr>
-          <p:cNvCxnSpPr>
-            <a:cxnSpLocks/>
-            <a:stCxn id="8" idx="2"/>
-            <a:endCxn id="10" idx="0"/>
-          </p:cNvCxnSpPr>
-          <p:nvPr/>
-        </p:nvCxnSpPr>
-        <p:spPr>
-          <a:xfrm>
-            <a:off x="8333181" y="4617317"/>
-            <a:ext cx="722924" cy="270041"/>
-          </a:xfrm>
-          <a:prstGeom prst="line">
-            <a:avLst/>
-          </a:prstGeom>
-          <a:ln w="12700">
-            <a:solidFill>
-              <a:schemeClr val="tx1"/>
-            </a:solidFill>
-          </a:ln>
-        </p:spPr>
-        <p:style>
-          <a:lnRef idx="1">
-            <a:schemeClr val="accent1"/>
-          </a:lnRef>
-          <a:fillRef idx="0">
-            <a:schemeClr val="accent1"/>
-          </a:fillRef>
-          <a:effectRef idx="0">
-            <a:schemeClr val="accent1"/>
-          </a:effectRef>
-          <a:fontRef idx="minor">
-            <a:schemeClr val="tx1"/>
-          </a:fontRef>
-        </p:style>
-      </p:cxnSp>
-      <p:cxnSp>
-        <p:nvCxnSpPr>
-          <p:cNvPr id="37" name="直接连接符 36">
-            <a:extLst>
-              <a:ext uri="{FF2B5EF4-FFF2-40B4-BE49-F238E27FC236}">
-                <a16:creationId xmlns:a16="http://schemas.microsoft.com/office/drawing/2014/main" id="{B45A0D3A-0F94-DC01-70CB-BAB2EDE7198C}"/>
-              </a:ext>
-            </a:extLst>
-          </p:cNvPr>
-          <p:cNvCxnSpPr>
-            <a:cxnSpLocks/>
-            <a:stCxn id="10" idx="2"/>
-            <a:endCxn id="141" idx="0"/>
-          </p:cNvCxnSpPr>
-          <p:nvPr/>
-        </p:nvCxnSpPr>
-        <p:spPr>
-          <a:xfrm flipH="1">
-            <a:off x="8559301" y="5256690"/>
+            <a:off x="6968983" y="4144525"/>
             <a:ext cx="496804" cy="247955"/>
           </a:xfrm>
           <a:prstGeom prst="line">
@@ -6884,14 +6392,14 @@
           </a:fontRef>
         </p:style>
       </p:cxnSp>
-      <mc:AlternateContent xmlns:mc="http://schemas.openxmlformats.org/markup-compatibility/2006" xmlns:a14="http://schemas.microsoft.com/office/drawing/2010/main">
-        <mc:Choice Requires="a14">
-          <p:sp>
-            <p:nvSpPr>
-              <p:cNvPr id="41" name="文本框 40">
-                <a:extLst>
-                  <a:ext uri="{FF2B5EF4-FFF2-40B4-BE49-F238E27FC236}">
-                    <a16:creationId xmlns:a16="http://schemas.microsoft.com/office/drawing/2014/main" id="{69DEAEAB-F721-1EC1-81C6-17ECB9278418}"/>
+      <mc:AlternateContent xmlns:mc="http://schemas.openxmlformats.org/markup-compatibility/2006">
+        <mc:Choice xmlns:a14="http://schemas.microsoft.com/office/drawing/2010/main" Requires="a14">
+          <p:sp>
+            <p:nvSpPr>
+              <p:cNvPr id="54" name="文本框 53">
+                <a:extLst>
+                  <a:ext uri="{FF2B5EF4-FFF2-40B4-BE49-F238E27FC236}">
+                    <a16:creationId xmlns:a16="http://schemas.microsoft.com/office/drawing/2014/main" id="{6BC8C22B-B5E0-4212-86AC-D63CC4600C27}"/>
                   </a:ext>
                 </a:extLst>
               </p:cNvPr>
@@ -6900,7 +6408,7 @@
             </p:nvSpPr>
             <p:spPr>
               <a:xfrm>
-                <a:off x="9397539" y="5551385"/>
+                <a:off x="7807221" y="4439220"/>
                 <a:ext cx="444352" cy="369332"/>
               </a:xfrm>
               <a:prstGeom prst="rect">
@@ -6941,13 +6449,13 @@
             </p:txBody>
           </p:sp>
         </mc:Choice>
-        <mc:Fallback xmlns="">
-          <p:sp>
-            <p:nvSpPr>
-              <p:cNvPr id="41" name="文本框 40">
-                <a:extLst>
-                  <a:ext uri="{FF2B5EF4-FFF2-40B4-BE49-F238E27FC236}">
-                    <a16:creationId xmlns:a16="http://schemas.microsoft.com/office/drawing/2014/main" id="{69DEAEAB-F721-1EC1-81C6-17ECB9278418}"/>
+        <mc:Fallback>
+          <p:sp>
+            <p:nvSpPr>
+              <p:cNvPr id="54" name="文本框 53">
+                <a:extLst>
+                  <a:ext uri="{FF2B5EF4-FFF2-40B4-BE49-F238E27FC236}">
+                    <a16:creationId xmlns:a16="http://schemas.microsoft.com/office/drawing/2014/main" id="{6BC8C22B-B5E0-4212-86AC-D63CC4600C27}"/>
                   </a:ext>
                 </a:extLst>
               </p:cNvPr>
@@ -6958,14 +6466,14 @@
             </p:nvSpPr>
             <p:spPr>
               <a:xfrm>
-                <a:off x="9397539" y="5551385"/>
+                <a:off x="7807221" y="4439220"/>
                 <a:ext cx="444352" cy="369332"/>
               </a:xfrm>
               <a:prstGeom prst="rect">
                 <a:avLst/>
               </a:prstGeom>
               <a:blipFill>
-                <a:blip r:embed="rId11"/>
+                <a:blip r:embed="rId7"/>
                 <a:stretch>
                   <a:fillRect/>
                 </a:stretch>
@@ -6988,23 +6496,23 @@
       </mc:AlternateContent>
       <p:cxnSp>
         <p:nvCxnSpPr>
-          <p:cNvPr id="43" name="直接连接符 42">
+          <p:cNvPr id="55" name="直接连接符 54">
             <a:extLst>
               <a:ext uri="{FF2B5EF4-FFF2-40B4-BE49-F238E27FC236}">
-                <a16:creationId xmlns:a16="http://schemas.microsoft.com/office/drawing/2014/main" id="{3974FEF4-3336-C1C0-60E7-C784A61BF704}"/>
+                <a16:creationId xmlns:a16="http://schemas.microsoft.com/office/drawing/2014/main" id="{F3A22714-F019-4419-8F11-249483D036AD}"/>
               </a:ext>
             </a:extLst>
           </p:cNvPr>
           <p:cNvCxnSpPr>
             <a:cxnSpLocks/>
-            <a:stCxn id="10" idx="2"/>
-            <a:endCxn id="41" idx="0"/>
+            <a:stCxn id="44" idx="2"/>
+            <a:endCxn id="54" idx="0"/>
           </p:cNvCxnSpPr>
           <p:nvPr/>
         </p:nvCxnSpPr>
         <p:spPr>
           <a:xfrm>
-            <a:off x="9056105" y="5256690"/>
+            <a:off x="7465787" y="4144525"/>
             <a:ext cx="563610" cy="294695"/>
           </a:xfrm>
           <a:prstGeom prst="line">
@@ -7031,14 +6539,14 @@
           </a:fontRef>
         </p:style>
       </p:cxnSp>
-      <mc:AlternateContent xmlns:mc="http://schemas.openxmlformats.org/markup-compatibility/2006" xmlns:a14="http://schemas.microsoft.com/office/drawing/2010/main">
-        <mc:Choice Requires="a14">
-          <p:sp>
-            <p:nvSpPr>
-              <p:cNvPr id="47" name="文本框 46">
-                <a:extLst>
-                  <a:ext uri="{FF2B5EF4-FFF2-40B4-BE49-F238E27FC236}">
-                    <a16:creationId xmlns:a16="http://schemas.microsoft.com/office/drawing/2014/main" id="{7F963081-B602-7A78-D889-3FCE575ACD20}"/>
+      <mc:AlternateContent xmlns:mc="http://schemas.openxmlformats.org/markup-compatibility/2006">
+        <mc:Choice xmlns:a14="http://schemas.microsoft.com/office/drawing/2010/main" Requires="a14">
+          <p:sp>
+            <p:nvSpPr>
+              <p:cNvPr id="56" name="文本框 55">
+                <a:extLst>
+                  <a:ext uri="{FF2B5EF4-FFF2-40B4-BE49-F238E27FC236}">
+                    <a16:creationId xmlns:a16="http://schemas.microsoft.com/office/drawing/2014/main" id="{D5ED9424-1525-4F62-9F46-0F04131C2B42}"/>
                   </a:ext>
                 </a:extLst>
               </p:cNvPr>
@@ -7047,7 +6555,7 @@
             </p:nvSpPr>
             <p:spPr>
               <a:xfrm>
-                <a:off x="9370641" y="6014205"/>
+                <a:off x="7780323" y="4902040"/>
                 <a:ext cx="498149" cy="369332"/>
               </a:xfrm>
               <a:prstGeom prst="rect">
@@ -7101,13 +6609,13 @@
             </p:txBody>
           </p:sp>
         </mc:Choice>
-        <mc:Fallback xmlns="">
-          <p:sp>
-            <p:nvSpPr>
-              <p:cNvPr id="47" name="文本框 46">
-                <a:extLst>
-                  <a:ext uri="{FF2B5EF4-FFF2-40B4-BE49-F238E27FC236}">
-                    <a16:creationId xmlns:a16="http://schemas.microsoft.com/office/drawing/2014/main" id="{7F963081-B602-7A78-D889-3FCE575ACD20}"/>
+        <mc:Fallback>
+          <p:sp>
+            <p:nvSpPr>
+              <p:cNvPr id="56" name="文本框 55">
+                <a:extLst>
+                  <a:ext uri="{FF2B5EF4-FFF2-40B4-BE49-F238E27FC236}">
+                    <a16:creationId xmlns:a16="http://schemas.microsoft.com/office/drawing/2014/main" id="{D5ED9424-1525-4F62-9F46-0F04131C2B42}"/>
                   </a:ext>
                 </a:extLst>
               </p:cNvPr>
@@ -7118,14 +6626,14 @@
             </p:nvSpPr>
             <p:spPr>
               <a:xfrm>
-                <a:off x="9370641" y="6014205"/>
+                <a:off x="7780323" y="4902040"/>
                 <a:ext cx="498149" cy="369332"/>
               </a:xfrm>
               <a:prstGeom prst="rect">
                 <a:avLst/>
               </a:prstGeom>
               <a:blipFill>
-                <a:blip r:embed="rId12"/>
+                <a:blip r:embed="rId8"/>
                 <a:stretch>
                   <a:fillRect/>
                 </a:stretch>
@@ -7148,23 +6656,23 @@
       </mc:AlternateContent>
       <p:cxnSp>
         <p:nvCxnSpPr>
-          <p:cNvPr id="48" name="直接连接符 47">
+          <p:cNvPr id="57" name="直接连接符 56">
             <a:extLst>
               <a:ext uri="{FF2B5EF4-FFF2-40B4-BE49-F238E27FC236}">
-                <a16:creationId xmlns:a16="http://schemas.microsoft.com/office/drawing/2014/main" id="{CAD9C502-9A60-65AF-8EE2-217224191A75}"/>
+                <a16:creationId xmlns:a16="http://schemas.microsoft.com/office/drawing/2014/main" id="{C31EFCB4-B104-4C2D-8940-EEDA6D980A35}"/>
               </a:ext>
             </a:extLst>
           </p:cNvPr>
           <p:cNvCxnSpPr>
             <a:cxnSpLocks/>
-            <a:stCxn id="47" idx="0"/>
-            <a:endCxn id="41" idx="2"/>
+            <a:stCxn id="56" idx="0"/>
+            <a:endCxn id="54" idx="2"/>
           </p:cNvCxnSpPr>
           <p:nvPr/>
         </p:nvCxnSpPr>
         <p:spPr>
           <a:xfrm flipH="1" flipV="1">
-            <a:off x="9619715" y="5920717"/>
+            <a:off x="8029397" y="4808552"/>
             <a:ext cx="1" cy="93488"/>
           </a:xfrm>
           <a:prstGeom prst="line">
@@ -7195,10 +6703,10 @@
         <mc:Choice xmlns:a14="http://schemas.microsoft.com/office/drawing/2010/main" Requires="a14">
           <p:sp>
             <p:nvSpPr>
-              <p:cNvPr id="90" name="文本框 89">
-                <a:extLst>
-                  <a:ext uri="{FF2B5EF4-FFF2-40B4-BE49-F238E27FC236}">
-                    <a16:creationId xmlns:a16="http://schemas.microsoft.com/office/drawing/2014/main" id="{B8324AC4-AD96-EC37-F6A1-15FC3975D5C7}"/>
+              <p:cNvPr id="59" name="文本框 58">
+                <a:extLst>
+                  <a:ext uri="{FF2B5EF4-FFF2-40B4-BE49-F238E27FC236}">
+                    <a16:creationId xmlns:a16="http://schemas.microsoft.com/office/drawing/2014/main" id="{57280F2B-F5AA-4804-A3CF-6612BD50EC3F}"/>
                   </a:ext>
                 </a:extLst>
               </p:cNvPr>
@@ -7207,8 +6715,8 @@
             </p:nvSpPr>
             <p:spPr>
               <a:xfrm>
-                <a:off x="4507480" y="3810180"/>
-                <a:ext cx="1179234" cy="391646"/>
+                <a:off x="6742863" y="4392480"/>
+                <a:ext cx="452240" cy="369332"/>
               </a:xfrm>
               <a:prstGeom prst="rect">
                 <a:avLst/>
@@ -7221,14 +6729,1162 @@
               </a:bodyPr>
               <a:lstStyle/>
               <a:p>
+                <a:pPr/>
+                <a14:m>
+                  <m:oMathPara xmlns:m="http://schemas.openxmlformats.org/officeDocument/2006/math">
+                    <m:oMathParaPr>
+                      <m:jc m:val="centerGroup"/>
+                    </m:oMathParaPr>
+                    <m:oMath xmlns:m="http://schemas.openxmlformats.org/officeDocument/2006/math">
+                      <m:sSub>
+                        <m:sSubPr>
+                          <m:ctrlPr>
+                            <a:rPr lang="en-US" altLang="zh-CN" i="1" smtClean="0">
+                              <a:latin typeface="Cambria Math" panose="02040503050406030204" pitchFamily="18" charset="0"/>
+                            </a:rPr>
+                          </m:ctrlPr>
+                        </m:sSubPr>
+                        <m:e>
+                          <m:r>
+                            <a:rPr lang="en-US" altLang="zh-CN" b="0" i="1" smtClean="0">
+                              <a:latin typeface="Cambria Math" panose="02040503050406030204" pitchFamily="18" charset="0"/>
+                            </a:rPr>
+                            <m:t>𝑡</m:t>
+                          </m:r>
+                        </m:e>
+                        <m:sub>
+                          <m:r>
+                            <a:rPr lang="en-US" altLang="zh-CN" b="0" i="1" smtClean="0">
+                              <a:latin typeface="Cambria Math" panose="02040503050406030204" pitchFamily="18" charset="0"/>
+                            </a:rPr>
+                            <m:t>𝑘</m:t>
+                          </m:r>
+                        </m:sub>
+                      </m:sSub>
+                    </m:oMath>
+                  </m:oMathPara>
+                </a14:m>
+                <a:endParaRPr lang="en-US" altLang="zh-CN"/>
+              </a:p>
+            </p:txBody>
+          </p:sp>
+        </mc:Choice>
+        <mc:Fallback>
+          <p:sp>
+            <p:nvSpPr>
+              <p:cNvPr id="59" name="文本框 58">
+                <a:extLst>
+                  <a:ext uri="{FF2B5EF4-FFF2-40B4-BE49-F238E27FC236}">
+                    <a16:creationId xmlns:a16="http://schemas.microsoft.com/office/drawing/2014/main" id="{57280F2B-F5AA-4804-A3CF-6612BD50EC3F}"/>
+                  </a:ext>
+                </a:extLst>
+              </p:cNvPr>
+              <p:cNvSpPr txBox="1">
+                <a:spLocks noRot="1" noChangeAspect="1" noMove="1" noResize="1" noEditPoints="1" noAdjustHandles="1" noChangeArrowheads="1" noChangeShapeType="1" noTextEdit="1"/>
+              </p:cNvSpPr>
+              <p:nvPr/>
+            </p:nvSpPr>
+            <p:spPr>
+              <a:xfrm>
+                <a:off x="6742863" y="4392480"/>
+                <a:ext cx="452240" cy="369332"/>
+              </a:xfrm>
+              <a:prstGeom prst="rect">
+                <a:avLst/>
+              </a:prstGeom>
+              <a:blipFill>
+                <a:blip r:embed="rId9"/>
+                <a:stretch>
+                  <a:fillRect/>
+                </a:stretch>
+              </a:blipFill>
+            </p:spPr>
+            <p:txBody>
+              <a:bodyPr/>
+              <a:lstStyle/>
+              <a:p>
+                <a:r>
+                  <a:rPr lang="zh-CN" altLang="en-US">
+                    <a:noFill/>
+                  </a:rPr>
+                  <a:t> </a:t>
+                </a:r>
+              </a:p>
+            </p:txBody>
+          </p:sp>
+        </mc:Fallback>
+      </mc:AlternateContent>
+      <mc:AlternateContent xmlns:mc="http://schemas.openxmlformats.org/markup-compatibility/2006">
+        <mc:Choice xmlns:a14="http://schemas.microsoft.com/office/drawing/2010/main" Requires="a14">
+          <p:sp>
+            <p:nvSpPr>
+              <p:cNvPr id="60" name="文本框 59">
+                <a:extLst>
+                  <a:ext uri="{FF2B5EF4-FFF2-40B4-BE49-F238E27FC236}">
+                    <a16:creationId xmlns:a16="http://schemas.microsoft.com/office/drawing/2014/main" id="{7A81EE6C-794E-4DF4-ADB0-E104B680D77B}"/>
+                  </a:ext>
+                </a:extLst>
+              </p:cNvPr>
+              <p:cNvSpPr txBox="1"/>
+              <p:nvPr/>
+            </p:nvSpPr>
+            <p:spPr>
+              <a:xfrm>
+                <a:off x="2270960" y="418946"/>
+                <a:ext cx="483659" cy="369332"/>
+              </a:xfrm>
+              <a:prstGeom prst="rect">
+                <a:avLst/>
+              </a:prstGeom>
+              <a:noFill/>
+            </p:spPr>
+            <p:txBody>
+              <a:bodyPr wrap="none" rtlCol="0">
+                <a:spAutoFit/>
+              </a:bodyPr>
+              <a:lstStyle/>
+              <a:p>
+                <a:pPr/>
+                <a14:m>
+                  <m:oMathPara xmlns:m="http://schemas.openxmlformats.org/officeDocument/2006/math">
+                    <m:oMathParaPr>
+                      <m:jc m:val="centerGroup"/>
+                    </m:oMathParaPr>
+                    <m:oMath xmlns:m="http://schemas.openxmlformats.org/officeDocument/2006/math">
+                      <m:r>
+                        <a:rPr lang="en-US" altLang="zh-CN" b="0" i="1" smtClean="0">
+                          <a:latin typeface="Cambria Math" panose="02040503050406030204" pitchFamily="18" charset="0"/>
+                        </a:rPr>
+                        <m:t>𝐼</m:t>
+                      </m:r>
+                      <m:r>
+                        <a:rPr lang="en-US" altLang="zh-CN" i="1" smtClean="0">
+                          <a:latin typeface="Cambria Math" panose="02040503050406030204" pitchFamily="18" charset="0"/>
+                        </a:rPr>
+                        <m:t>𝑃</m:t>
+                      </m:r>
+                    </m:oMath>
+                  </m:oMathPara>
+                </a14:m>
+                <a:endParaRPr lang="en-US" altLang="zh-CN"/>
+              </a:p>
+            </p:txBody>
+          </p:sp>
+        </mc:Choice>
+        <mc:Fallback>
+          <p:sp>
+            <p:nvSpPr>
+              <p:cNvPr id="60" name="文本框 59">
+                <a:extLst>
+                  <a:ext uri="{FF2B5EF4-FFF2-40B4-BE49-F238E27FC236}">
+                    <a16:creationId xmlns:a16="http://schemas.microsoft.com/office/drawing/2014/main" id="{7A81EE6C-794E-4DF4-ADB0-E104B680D77B}"/>
+                  </a:ext>
+                </a:extLst>
+              </p:cNvPr>
+              <p:cNvSpPr txBox="1">
+                <a:spLocks noRot="1" noChangeAspect="1" noMove="1" noResize="1" noEditPoints="1" noAdjustHandles="1" noChangeArrowheads="1" noChangeShapeType="1" noTextEdit="1"/>
+              </p:cNvSpPr>
+              <p:nvPr/>
+            </p:nvSpPr>
+            <p:spPr>
+              <a:xfrm>
+                <a:off x="2270960" y="418946"/>
+                <a:ext cx="483659" cy="369332"/>
+              </a:xfrm>
+              <a:prstGeom prst="rect">
+                <a:avLst/>
+              </a:prstGeom>
+              <a:blipFill>
+                <a:blip r:embed="rId10"/>
+                <a:stretch>
+                  <a:fillRect/>
+                </a:stretch>
+              </a:blipFill>
+            </p:spPr>
+            <p:txBody>
+              <a:bodyPr/>
+              <a:lstStyle/>
+              <a:p>
+                <a:r>
+                  <a:rPr lang="zh-CN" altLang="en-US">
+                    <a:noFill/>
+                  </a:rPr>
+                  <a:t> </a:t>
+                </a:r>
+              </a:p>
+            </p:txBody>
+          </p:sp>
+        </mc:Fallback>
+      </mc:AlternateContent>
+      <mc:AlternateContent xmlns:mc="http://schemas.openxmlformats.org/markup-compatibility/2006">
+        <mc:Choice xmlns:a14="http://schemas.microsoft.com/office/drawing/2010/main" Requires="a14">
+          <p:sp>
+            <p:nvSpPr>
+              <p:cNvPr id="61" name="文本框 60">
+                <a:extLst>
+                  <a:ext uri="{FF2B5EF4-FFF2-40B4-BE49-F238E27FC236}">
+                    <a16:creationId xmlns:a16="http://schemas.microsoft.com/office/drawing/2014/main" id="{6324ACE2-FF5F-41E2-864F-75D779689809}"/>
+                  </a:ext>
+                </a:extLst>
+              </p:cNvPr>
+              <p:cNvSpPr txBox="1"/>
+              <p:nvPr/>
+            </p:nvSpPr>
+            <p:spPr>
+              <a:xfrm>
+                <a:off x="3256179" y="1104790"/>
+                <a:ext cx="373820" cy="369332"/>
+              </a:xfrm>
+              <a:prstGeom prst="rect">
+                <a:avLst/>
+              </a:prstGeom>
+              <a:noFill/>
+            </p:spPr>
+            <p:txBody>
+              <a:bodyPr wrap="none" rtlCol="0">
+                <a:spAutoFit/>
+              </a:bodyPr>
+              <a:lstStyle/>
+              <a:p>
+                <a:pPr/>
+                <a14:m>
+                  <m:oMathPara xmlns:m="http://schemas.openxmlformats.org/officeDocument/2006/math">
+                    <m:oMathParaPr>
+                      <m:jc m:val="centerGroup"/>
+                    </m:oMathParaPr>
+                    <m:oMath xmlns:m="http://schemas.openxmlformats.org/officeDocument/2006/math">
+                      <m:r>
+                        <m:rPr>
+                          <m:sty m:val="p"/>
+                        </m:rPr>
+                        <a:rPr lang="en-US" altLang="zh-CN" b="0" i="0" smtClean="0">
+                          <a:latin typeface="Cambria Math" panose="02040503050406030204" pitchFamily="18" charset="0"/>
+                        </a:rPr>
+                        <m:t>I</m:t>
+                      </m:r>
+                      <m:r>
+                        <a:rPr lang="en-US" altLang="zh-CN" i="1" smtClean="0">
+                          <a:latin typeface="Cambria Math" panose="02040503050406030204" pitchFamily="18" charset="0"/>
+                        </a:rPr>
+                        <m:t>’</m:t>
+                      </m:r>
+                    </m:oMath>
+                  </m:oMathPara>
+                </a14:m>
+                <a:endParaRPr lang="en-US" altLang="zh-CN"/>
+              </a:p>
+            </p:txBody>
+          </p:sp>
+        </mc:Choice>
+        <mc:Fallback>
+          <p:sp>
+            <p:nvSpPr>
+              <p:cNvPr id="61" name="文本框 60">
+                <a:extLst>
+                  <a:ext uri="{FF2B5EF4-FFF2-40B4-BE49-F238E27FC236}">
+                    <a16:creationId xmlns:a16="http://schemas.microsoft.com/office/drawing/2014/main" id="{6324ACE2-FF5F-41E2-864F-75D779689809}"/>
+                  </a:ext>
+                </a:extLst>
+              </p:cNvPr>
+              <p:cNvSpPr txBox="1">
+                <a:spLocks noRot="1" noChangeAspect="1" noMove="1" noResize="1" noEditPoints="1" noAdjustHandles="1" noChangeArrowheads="1" noChangeShapeType="1" noTextEdit="1"/>
+              </p:cNvSpPr>
+              <p:nvPr/>
+            </p:nvSpPr>
+            <p:spPr>
+              <a:xfrm>
+                <a:off x="3256179" y="1104790"/>
+                <a:ext cx="373820" cy="369332"/>
+              </a:xfrm>
+              <a:prstGeom prst="rect">
+                <a:avLst/>
+              </a:prstGeom>
+              <a:blipFill>
+                <a:blip r:embed="rId11"/>
+                <a:stretch>
+                  <a:fillRect/>
+                </a:stretch>
+              </a:blipFill>
+            </p:spPr>
+            <p:txBody>
+              <a:bodyPr/>
+              <a:lstStyle/>
+              <a:p>
+                <a:r>
+                  <a:rPr lang="zh-CN" altLang="en-US">
+                    <a:noFill/>
+                  </a:rPr>
+                  <a:t> </a:t>
+                </a:r>
+              </a:p>
+            </p:txBody>
+          </p:sp>
+        </mc:Fallback>
+      </mc:AlternateContent>
+      <mc:AlternateContent xmlns:mc="http://schemas.openxmlformats.org/markup-compatibility/2006">
+        <mc:Choice xmlns:a14="http://schemas.microsoft.com/office/drawing/2010/main" Requires="a14">
+          <p:sp>
+            <p:nvSpPr>
+              <p:cNvPr id="62" name="文本框 61">
+                <a:extLst>
+                  <a:ext uri="{FF2B5EF4-FFF2-40B4-BE49-F238E27FC236}">
+                    <a16:creationId xmlns:a16="http://schemas.microsoft.com/office/drawing/2014/main" id="{8A3E91A9-9CEE-47A6-A1A4-107654E266EE}"/>
+                  </a:ext>
+                </a:extLst>
+              </p:cNvPr>
+              <p:cNvSpPr txBox="1"/>
+              <p:nvPr/>
+            </p:nvSpPr>
+            <p:spPr>
+              <a:xfrm>
+                <a:off x="1461327" y="1137555"/>
+                <a:ext cx="563809" cy="369332"/>
+              </a:xfrm>
+              <a:prstGeom prst="rect">
+                <a:avLst/>
+              </a:prstGeom>
+              <a:noFill/>
+            </p:spPr>
+            <p:txBody>
+              <a:bodyPr wrap="none" rtlCol="0">
+                <a:spAutoFit/>
+              </a:bodyPr>
+              <a:lstStyle/>
+              <a:p>
+                <a:pPr/>
+                <a14:m>
+                  <m:oMathPara xmlns:m="http://schemas.openxmlformats.org/officeDocument/2006/math">
+                    <m:oMathParaPr>
+                      <m:jc m:val="centerGroup"/>
+                    </m:oMathParaPr>
+                    <m:oMath xmlns:m="http://schemas.openxmlformats.org/officeDocument/2006/math">
+                      <m:r>
+                        <a:rPr lang="en-US" altLang="zh-CN" b="0" i="1" smtClean="0">
+                          <a:latin typeface="Cambria Math" panose="02040503050406030204" pitchFamily="18" charset="0"/>
+                        </a:rPr>
+                        <m:t>𝑁𝑃</m:t>
+                      </m:r>
+                    </m:oMath>
+                  </m:oMathPara>
+                </a14:m>
+                <a:endParaRPr lang="en-US" altLang="zh-CN"/>
+              </a:p>
+            </p:txBody>
+          </p:sp>
+        </mc:Choice>
+        <mc:Fallback>
+          <p:sp>
+            <p:nvSpPr>
+              <p:cNvPr id="62" name="文本框 61">
+                <a:extLst>
+                  <a:ext uri="{FF2B5EF4-FFF2-40B4-BE49-F238E27FC236}">
+                    <a16:creationId xmlns:a16="http://schemas.microsoft.com/office/drawing/2014/main" id="{8A3E91A9-9CEE-47A6-A1A4-107654E266EE}"/>
+                  </a:ext>
+                </a:extLst>
+              </p:cNvPr>
+              <p:cNvSpPr txBox="1">
+                <a:spLocks noRot="1" noChangeAspect="1" noMove="1" noResize="1" noEditPoints="1" noAdjustHandles="1" noChangeArrowheads="1" noChangeShapeType="1" noTextEdit="1"/>
+              </p:cNvSpPr>
+              <p:nvPr/>
+            </p:nvSpPr>
+            <p:spPr>
+              <a:xfrm>
+                <a:off x="1461327" y="1137555"/>
+                <a:ext cx="563809" cy="369332"/>
+              </a:xfrm>
+              <a:prstGeom prst="rect">
+                <a:avLst/>
+              </a:prstGeom>
+              <a:blipFill>
+                <a:blip r:embed="rId12"/>
+                <a:stretch>
+                  <a:fillRect/>
+                </a:stretch>
+              </a:blipFill>
+            </p:spPr>
+            <p:txBody>
+              <a:bodyPr/>
+              <a:lstStyle/>
+              <a:p>
+                <a:r>
+                  <a:rPr lang="zh-CN" altLang="en-US">
+                    <a:noFill/>
+                  </a:rPr>
+                  <a:t> </a:t>
+                </a:r>
+              </a:p>
+            </p:txBody>
+          </p:sp>
+        </mc:Fallback>
+      </mc:AlternateContent>
+      <p:sp>
+        <p:nvSpPr>
+          <p:cNvPr id="63" name="等腰三角形 62">
+            <a:extLst>
+              <a:ext uri="{FF2B5EF4-FFF2-40B4-BE49-F238E27FC236}">
+                <a16:creationId xmlns:a16="http://schemas.microsoft.com/office/drawing/2014/main" id="{9C14B744-5EE9-4906-B71F-A1E05B0E5CD2}"/>
+              </a:ext>
+            </a:extLst>
+          </p:cNvPr>
+          <p:cNvSpPr/>
+          <p:nvPr/>
+        </p:nvSpPr>
+        <p:spPr>
+          <a:xfrm>
+            <a:off x="1387365" y="1496440"/>
+            <a:ext cx="684655" cy="230414"/>
+          </a:xfrm>
+          <a:prstGeom prst="triangle">
+            <a:avLst/>
+          </a:prstGeom>
+          <a:noFill/>
+          <a:ln>
+            <a:solidFill>
+              <a:schemeClr val="tx1"/>
+            </a:solidFill>
+          </a:ln>
+        </p:spPr>
+        <p:style>
+          <a:lnRef idx="2">
+            <a:schemeClr val="accent1">
+              <a:shade val="15000"/>
+            </a:schemeClr>
+          </a:lnRef>
+          <a:fillRef idx="1">
+            <a:schemeClr val="accent1"/>
+          </a:fillRef>
+          <a:effectRef idx="0">
+            <a:schemeClr val="accent1"/>
+          </a:effectRef>
+          <a:fontRef idx="minor">
+            <a:schemeClr val="lt1"/>
+          </a:fontRef>
+        </p:style>
+        <p:txBody>
+          <a:bodyPr rtlCol="0" anchor="ctr"/>
+          <a:lstStyle/>
+          <a:p>
+            <a:pPr algn="ctr"/>
+            <a:endParaRPr lang="zh-CN" altLang="en-US"/>
+          </a:p>
+        </p:txBody>
+      </p:sp>
+      <mc:AlternateContent xmlns:mc="http://schemas.openxmlformats.org/markup-compatibility/2006">
+        <mc:Choice xmlns:a14="http://schemas.microsoft.com/office/drawing/2010/main" Requires="a14">
+          <p:sp>
+            <p:nvSpPr>
+              <p:cNvPr id="64" name="文本框 63">
+                <a:extLst>
+                  <a:ext uri="{FF2B5EF4-FFF2-40B4-BE49-F238E27FC236}">
+                    <a16:creationId xmlns:a16="http://schemas.microsoft.com/office/drawing/2014/main" id="{23A4267E-6971-4343-87A3-0E4E40590040}"/>
+                  </a:ext>
+                </a:extLst>
+              </p:cNvPr>
+              <p:cNvSpPr txBox="1"/>
+              <p:nvPr/>
+            </p:nvSpPr>
+            <p:spPr>
+              <a:xfrm>
+                <a:off x="1347976" y="1726854"/>
+                <a:ext cx="724044" cy="369332"/>
+              </a:xfrm>
+              <a:prstGeom prst="rect">
+                <a:avLst/>
+              </a:prstGeom>
+              <a:noFill/>
+            </p:spPr>
+            <p:txBody>
+              <a:bodyPr wrap="none" rtlCol="0">
+                <a:spAutoFit/>
+              </a:bodyPr>
+              <a:lstStyle/>
+              <a:p>
+                <a:pPr/>
+                <a14:m>
+                  <m:oMathPara xmlns:m="http://schemas.openxmlformats.org/officeDocument/2006/math">
+                    <m:oMathParaPr>
+                      <m:jc m:val="centerGroup"/>
+                    </m:oMathParaPr>
+                    <m:oMath xmlns:m="http://schemas.openxmlformats.org/officeDocument/2006/math">
+                      <m:r>
+                        <a:rPr lang="en-US" altLang="zh-CN" b="0" i="1" smtClean="0">
+                          <a:latin typeface="Cambria Math" panose="02040503050406030204" pitchFamily="18" charset="0"/>
+                        </a:rPr>
+                        <m:t>𝐽𝑜h𝑛</m:t>
+                      </m:r>
+                    </m:oMath>
+                  </m:oMathPara>
+                </a14:m>
+                <a:endParaRPr lang="zh-CN" altLang="en-US"/>
+              </a:p>
+            </p:txBody>
+          </p:sp>
+        </mc:Choice>
+        <mc:Fallback>
+          <p:sp>
+            <p:nvSpPr>
+              <p:cNvPr id="64" name="文本框 63">
+                <a:extLst>
+                  <a:ext uri="{FF2B5EF4-FFF2-40B4-BE49-F238E27FC236}">
+                    <a16:creationId xmlns:a16="http://schemas.microsoft.com/office/drawing/2014/main" id="{23A4267E-6971-4343-87A3-0E4E40590040}"/>
+                  </a:ext>
+                </a:extLst>
+              </p:cNvPr>
+              <p:cNvSpPr txBox="1">
+                <a:spLocks noRot="1" noChangeAspect="1" noMove="1" noResize="1" noEditPoints="1" noAdjustHandles="1" noChangeArrowheads="1" noChangeShapeType="1" noTextEdit="1"/>
+              </p:cNvSpPr>
+              <p:nvPr/>
+            </p:nvSpPr>
+            <p:spPr>
+              <a:xfrm>
+                <a:off x="1347976" y="1726854"/>
+                <a:ext cx="724044" cy="369332"/>
+              </a:xfrm>
+              <a:prstGeom prst="rect">
+                <a:avLst/>
+              </a:prstGeom>
+              <a:blipFill>
+                <a:blip r:embed="rId13"/>
+                <a:stretch>
+                  <a:fillRect b="-9836"/>
+                </a:stretch>
+              </a:blipFill>
+            </p:spPr>
+            <p:txBody>
+              <a:bodyPr/>
+              <a:lstStyle/>
+              <a:p>
+                <a:r>
+                  <a:rPr lang="zh-CN" altLang="en-US">
+                    <a:noFill/>
+                  </a:rPr>
+                  <a:t> </a:t>
+                </a:r>
+              </a:p>
+            </p:txBody>
+          </p:sp>
+        </mc:Fallback>
+      </mc:AlternateContent>
+      <p:cxnSp>
+        <p:nvCxnSpPr>
+          <p:cNvPr id="65" name="直接连接符 64">
+            <a:extLst>
+              <a:ext uri="{FF2B5EF4-FFF2-40B4-BE49-F238E27FC236}">
+                <a16:creationId xmlns:a16="http://schemas.microsoft.com/office/drawing/2014/main" id="{90FC501A-33A2-461F-B282-B46A6BED8F92}"/>
+              </a:ext>
+            </a:extLst>
+          </p:cNvPr>
+          <p:cNvCxnSpPr>
+            <a:cxnSpLocks/>
+            <a:stCxn id="62" idx="0"/>
+            <a:endCxn id="60" idx="2"/>
+          </p:cNvCxnSpPr>
+          <p:nvPr/>
+        </p:nvCxnSpPr>
+        <p:spPr>
+          <a:xfrm flipV="1">
+            <a:off x="1743232" y="788278"/>
+            <a:ext cx="769558" cy="349277"/>
+          </a:xfrm>
+          <a:prstGeom prst="line">
+            <a:avLst/>
+          </a:prstGeom>
+          <a:ln w="12700">
+            <a:solidFill>
+              <a:schemeClr val="tx1"/>
+            </a:solidFill>
+          </a:ln>
+        </p:spPr>
+        <p:style>
+          <a:lnRef idx="1">
+            <a:schemeClr val="accent1"/>
+          </a:lnRef>
+          <a:fillRef idx="0">
+            <a:schemeClr val="accent1"/>
+          </a:fillRef>
+          <a:effectRef idx="0">
+            <a:schemeClr val="accent1"/>
+          </a:effectRef>
+          <a:fontRef idx="minor">
+            <a:schemeClr val="tx1"/>
+          </a:fontRef>
+        </p:style>
+      </p:cxnSp>
+      <p:cxnSp>
+        <p:nvCxnSpPr>
+          <p:cNvPr id="66" name="直接连接符 65">
+            <a:extLst>
+              <a:ext uri="{FF2B5EF4-FFF2-40B4-BE49-F238E27FC236}">
+                <a16:creationId xmlns:a16="http://schemas.microsoft.com/office/drawing/2014/main" id="{889D99E8-432B-4533-9901-1671F7514F12}"/>
+              </a:ext>
+            </a:extLst>
+          </p:cNvPr>
+          <p:cNvCxnSpPr>
+            <a:cxnSpLocks/>
+            <a:stCxn id="61" idx="0"/>
+            <a:endCxn id="60" idx="2"/>
+          </p:cNvCxnSpPr>
+          <p:nvPr/>
+        </p:nvCxnSpPr>
+        <p:spPr>
+          <a:xfrm flipH="1" flipV="1">
+            <a:off x="2512790" y="788278"/>
+            <a:ext cx="930299" cy="316512"/>
+          </a:xfrm>
+          <a:prstGeom prst="line">
+            <a:avLst/>
+          </a:prstGeom>
+          <a:ln w="12700">
+            <a:solidFill>
+              <a:schemeClr val="tx1"/>
+            </a:solidFill>
+          </a:ln>
+        </p:spPr>
+        <p:style>
+          <a:lnRef idx="1">
+            <a:schemeClr val="accent1"/>
+          </a:lnRef>
+          <a:fillRef idx="0">
+            <a:schemeClr val="accent1"/>
+          </a:fillRef>
+          <a:effectRef idx="0">
+            <a:schemeClr val="accent1"/>
+          </a:effectRef>
+          <a:fontRef idx="minor">
+            <a:schemeClr val="tx1"/>
+          </a:fontRef>
+        </p:style>
+      </p:cxnSp>
+      <p:cxnSp>
+        <p:nvCxnSpPr>
+          <p:cNvPr id="67" name="直接连接符 66">
+            <a:extLst>
+              <a:ext uri="{FF2B5EF4-FFF2-40B4-BE49-F238E27FC236}">
+                <a16:creationId xmlns:a16="http://schemas.microsoft.com/office/drawing/2014/main" id="{BF8A01D9-3E7E-4E1D-9B1A-A4F227E881A7}"/>
+              </a:ext>
+            </a:extLst>
+          </p:cNvPr>
+          <p:cNvCxnSpPr>
+            <a:cxnSpLocks/>
+            <a:stCxn id="61" idx="2"/>
+            <a:endCxn id="71" idx="0"/>
+          </p:cNvCxnSpPr>
+          <p:nvPr/>
+        </p:nvCxnSpPr>
+        <p:spPr>
+          <a:xfrm flipH="1">
+            <a:off x="2892962" y="1474122"/>
+            <a:ext cx="550127" cy="312544"/>
+          </a:xfrm>
+          <a:prstGeom prst="line">
+            <a:avLst/>
+          </a:prstGeom>
+          <a:ln w="12700">
+            <a:solidFill>
+              <a:schemeClr val="tx1"/>
+            </a:solidFill>
+          </a:ln>
+        </p:spPr>
+        <p:style>
+          <a:lnRef idx="1">
+            <a:schemeClr val="accent1"/>
+          </a:lnRef>
+          <a:fillRef idx="0">
+            <a:schemeClr val="accent1"/>
+          </a:fillRef>
+          <a:effectRef idx="0">
+            <a:schemeClr val="accent1"/>
+          </a:effectRef>
+          <a:fontRef idx="minor">
+            <a:schemeClr val="tx1"/>
+          </a:fontRef>
+        </p:style>
+      </p:cxnSp>
+      <p:sp>
+        <p:nvSpPr>
+          <p:cNvPr id="68" name="文本框 67">
+            <a:extLst>
+              <a:ext uri="{FF2B5EF4-FFF2-40B4-BE49-F238E27FC236}">
+                <a16:creationId xmlns:a16="http://schemas.microsoft.com/office/drawing/2014/main" id="{B4BAE4A2-216E-42DA-B16A-D43B6B827968}"/>
+              </a:ext>
+            </a:extLst>
+          </p:cNvPr>
+          <p:cNvSpPr txBox="1"/>
+          <p:nvPr/>
+        </p:nvSpPr>
+        <p:spPr>
+          <a:xfrm>
+            <a:off x="4437413" y="1769903"/>
+            <a:ext cx="346570" cy="369332"/>
+          </a:xfrm>
+          <a:prstGeom prst="rect">
+            <a:avLst/>
+          </a:prstGeom>
+          <a:noFill/>
+        </p:spPr>
+        <p:txBody>
+          <a:bodyPr wrap="square" rtlCol="0">
+            <a:spAutoFit/>
+          </a:bodyPr>
+          <a:lstStyle/>
+          <a:p>
+            <a:r>
+              <a:rPr lang="en-US" altLang="zh-CN"/>
+              <a:t>…</a:t>
+            </a:r>
+          </a:p>
+        </p:txBody>
+      </p:sp>
+      <p:cxnSp>
+        <p:nvCxnSpPr>
+          <p:cNvPr id="69" name="直接连接符 68">
+            <a:extLst>
+              <a:ext uri="{FF2B5EF4-FFF2-40B4-BE49-F238E27FC236}">
+                <a16:creationId xmlns:a16="http://schemas.microsoft.com/office/drawing/2014/main" id="{A317B62D-6DD1-4C98-867C-AAE6DBF3B99C}"/>
+              </a:ext>
+            </a:extLst>
+          </p:cNvPr>
+          <p:cNvCxnSpPr>
+            <a:cxnSpLocks/>
+          </p:cNvCxnSpPr>
+          <p:nvPr/>
+        </p:nvCxnSpPr>
+        <p:spPr>
+          <a:xfrm flipH="1" flipV="1">
+            <a:off x="4859592" y="2104313"/>
+            <a:ext cx="661422" cy="306466"/>
+          </a:xfrm>
+          <a:prstGeom prst="line">
+            <a:avLst/>
+          </a:prstGeom>
+          <a:ln w="12700">
+            <a:solidFill>
+              <a:schemeClr val="tx1"/>
+            </a:solidFill>
+          </a:ln>
+        </p:spPr>
+        <p:style>
+          <a:lnRef idx="1">
+            <a:schemeClr val="accent1"/>
+          </a:lnRef>
+          <a:fillRef idx="0">
+            <a:schemeClr val="accent1"/>
+          </a:fillRef>
+          <a:effectRef idx="0">
+            <a:schemeClr val="accent1"/>
+          </a:effectRef>
+          <a:fontRef idx="minor">
+            <a:schemeClr val="tx1"/>
+          </a:fontRef>
+        </p:style>
+      </p:cxnSp>
+      <p:cxnSp>
+        <p:nvCxnSpPr>
+          <p:cNvPr id="70" name="直接连接符 69">
+            <a:extLst>
+              <a:ext uri="{FF2B5EF4-FFF2-40B4-BE49-F238E27FC236}">
+                <a16:creationId xmlns:a16="http://schemas.microsoft.com/office/drawing/2014/main" id="{8FBAE55C-0035-44DC-A903-3627FBA0EE83}"/>
+              </a:ext>
+            </a:extLst>
+          </p:cNvPr>
+          <p:cNvCxnSpPr>
+            <a:cxnSpLocks/>
+            <a:stCxn id="61" idx="2"/>
+          </p:cNvCxnSpPr>
+          <p:nvPr/>
+        </p:nvCxnSpPr>
+        <p:spPr>
+          <a:xfrm>
+            <a:off x="3443089" y="1474122"/>
+            <a:ext cx="816658" cy="338830"/>
+          </a:xfrm>
+          <a:prstGeom prst="line">
+            <a:avLst/>
+          </a:prstGeom>
+          <a:ln w="12700">
+            <a:solidFill>
+              <a:schemeClr val="tx1"/>
+            </a:solidFill>
+          </a:ln>
+        </p:spPr>
+        <p:style>
+          <a:lnRef idx="1">
+            <a:schemeClr val="accent1"/>
+          </a:lnRef>
+          <a:fillRef idx="0">
+            <a:schemeClr val="accent1"/>
+          </a:fillRef>
+          <a:effectRef idx="0">
+            <a:schemeClr val="accent1"/>
+          </a:effectRef>
+          <a:fontRef idx="minor">
+            <a:schemeClr val="tx1"/>
+          </a:fontRef>
+        </p:style>
+      </p:cxnSp>
+      <mc:AlternateContent xmlns:mc="http://schemas.openxmlformats.org/markup-compatibility/2006">
+        <mc:Choice xmlns:a14="http://schemas.microsoft.com/office/drawing/2010/main" Requires="a14">
+          <p:sp>
+            <p:nvSpPr>
+              <p:cNvPr id="71" name="文本框 70">
+                <a:extLst>
+                  <a:ext uri="{FF2B5EF4-FFF2-40B4-BE49-F238E27FC236}">
+                    <a16:creationId xmlns:a16="http://schemas.microsoft.com/office/drawing/2014/main" id="{406CC9EC-B9DA-47A6-88AE-6FDFDBDB0043}"/>
+                  </a:ext>
+                </a:extLst>
+              </p:cNvPr>
+              <p:cNvSpPr txBox="1"/>
+              <p:nvPr/>
+            </p:nvSpPr>
+            <p:spPr>
+              <a:xfrm>
+                <a:off x="2667964" y="1786666"/>
+                <a:ext cx="449995" cy="369332"/>
+              </a:xfrm>
+              <a:prstGeom prst="rect">
+                <a:avLst/>
+              </a:prstGeom>
+              <a:noFill/>
+            </p:spPr>
+            <p:txBody>
+              <a:bodyPr wrap="none" rtlCol="0">
+                <a:spAutoFit/>
+              </a:bodyPr>
+              <a:lstStyle/>
+              <a:p>
+                <a:pPr/>
+                <a14:m>
+                  <m:oMathPara xmlns:m="http://schemas.openxmlformats.org/officeDocument/2006/math">
+                    <m:oMathParaPr>
+                      <m:jc m:val="centerGroup"/>
+                    </m:oMathParaPr>
+                    <m:oMath xmlns:m="http://schemas.openxmlformats.org/officeDocument/2006/math">
+                      <m:sSup>
+                        <m:sSupPr>
+                          <m:ctrlPr>
+                            <a:rPr lang="en-US" altLang="zh-CN" i="1" smtClean="0">
+                              <a:latin typeface="Cambria Math" panose="02040503050406030204" pitchFamily="18" charset="0"/>
+                            </a:rPr>
+                          </m:ctrlPr>
+                        </m:sSupPr>
+                        <m:e>
+                          <m:r>
+                            <a:rPr lang="en-US" altLang="zh-CN" b="0" i="1" smtClean="0">
+                              <a:latin typeface="Cambria Math" panose="02040503050406030204" pitchFamily="18" charset="0"/>
+                            </a:rPr>
+                            <m:t>𝐼</m:t>
+                          </m:r>
+                        </m:e>
+                        <m:sup>
+                          <m:r>
+                            <a:rPr lang="en-US" altLang="zh-CN" b="0" i="1" smtClean="0">
+                              <a:latin typeface="Cambria Math" panose="02040503050406030204" pitchFamily="18" charset="0"/>
+                            </a:rPr>
+                            <m:t>0</m:t>
+                          </m:r>
+                        </m:sup>
+                      </m:sSup>
+                    </m:oMath>
+                  </m:oMathPara>
+                </a14:m>
+                <a:endParaRPr lang="en-US" altLang="zh-CN"/>
+              </a:p>
+            </p:txBody>
+          </p:sp>
+        </mc:Choice>
+        <mc:Fallback>
+          <p:sp>
+            <p:nvSpPr>
+              <p:cNvPr id="71" name="文本框 70">
+                <a:extLst>
+                  <a:ext uri="{FF2B5EF4-FFF2-40B4-BE49-F238E27FC236}">
+                    <a16:creationId xmlns:a16="http://schemas.microsoft.com/office/drawing/2014/main" id="{406CC9EC-B9DA-47A6-88AE-6FDFDBDB0043}"/>
+                  </a:ext>
+                </a:extLst>
+              </p:cNvPr>
+              <p:cNvSpPr txBox="1">
+                <a:spLocks noRot="1" noChangeAspect="1" noMove="1" noResize="1" noEditPoints="1" noAdjustHandles="1" noChangeArrowheads="1" noChangeShapeType="1" noTextEdit="1"/>
+              </p:cNvSpPr>
+              <p:nvPr/>
+            </p:nvSpPr>
+            <p:spPr>
+              <a:xfrm>
+                <a:off x="2667964" y="1786666"/>
+                <a:ext cx="449995" cy="369332"/>
+              </a:xfrm>
+              <a:prstGeom prst="rect">
+                <a:avLst/>
+              </a:prstGeom>
+              <a:blipFill>
+                <a:blip r:embed="rId14"/>
+                <a:stretch>
+                  <a:fillRect/>
+                </a:stretch>
+              </a:blipFill>
+            </p:spPr>
+            <p:txBody>
+              <a:bodyPr/>
+              <a:lstStyle/>
+              <a:p>
+                <a:r>
+                  <a:rPr lang="zh-CN" altLang="en-US">
+                    <a:noFill/>
+                  </a:rPr>
+                  <a:t> </a:t>
+                </a:r>
+              </a:p>
+            </p:txBody>
+          </p:sp>
+        </mc:Fallback>
+      </mc:AlternateContent>
+      <p:sp>
+        <p:nvSpPr>
+          <p:cNvPr id="72" name="等腰三角形 71">
+            <a:extLst>
+              <a:ext uri="{FF2B5EF4-FFF2-40B4-BE49-F238E27FC236}">
+                <a16:creationId xmlns:a16="http://schemas.microsoft.com/office/drawing/2014/main" id="{69D12DED-1A56-40D5-84E3-598B8E24192B}"/>
+              </a:ext>
+            </a:extLst>
+          </p:cNvPr>
+          <p:cNvSpPr/>
+          <p:nvPr/>
+        </p:nvSpPr>
+        <p:spPr>
+          <a:xfrm>
+            <a:off x="4234163" y="3382495"/>
+            <a:ext cx="684655" cy="230414"/>
+          </a:xfrm>
+          <a:prstGeom prst="triangle">
+            <a:avLst/>
+          </a:prstGeom>
+          <a:noFill/>
+          <a:ln>
+            <a:solidFill>
+              <a:schemeClr val="tx1"/>
+            </a:solidFill>
+          </a:ln>
+        </p:spPr>
+        <p:style>
+          <a:lnRef idx="2">
+            <a:schemeClr val="accent1">
+              <a:shade val="15000"/>
+            </a:schemeClr>
+          </a:lnRef>
+          <a:fillRef idx="1">
+            <a:schemeClr val="accent1"/>
+          </a:fillRef>
+          <a:effectRef idx="0">
+            <a:schemeClr val="accent1"/>
+          </a:effectRef>
+          <a:fontRef idx="minor">
+            <a:schemeClr val="lt1"/>
+          </a:fontRef>
+        </p:style>
+        <p:txBody>
+          <a:bodyPr rtlCol="0" anchor="ctr"/>
+          <a:lstStyle/>
+          <a:p>
+            <a:pPr algn="ctr"/>
+            <a:endParaRPr lang="zh-CN" altLang="en-US"/>
+          </a:p>
+        </p:txBody>
+      </p:sp>
+      <mc:AlternateContent xmlns:mc="http://schemas.openxmlformats.org/markup-compatibility/2006">
+        <mc:Choice xmlns:a14="http://schemas.microsoft.com/office/drawing/2010/main" Requires="a14">
+          <p:sp>
+            <p:nvSpPr>
+              <p:cNvPr id="73" name="文本框 72">
+                <a:extLst>
+                  <a:ext uri="{FF2B5EF4-FFF2-40B4-BE49-F238E27FC236}">
+                    <a16:creationId xmlns:a16="http://schemas.microsoft.com/office/drawing/2014/main" id="{1CC84488-74D0-4941-BC31-30EC66D9D656}"/>
+                  </a:ext>
+                </a:extLst>
+              </p:cNvPr>
+              <p:cNvSpPr txBox="1"/>
+              <p:nvPr/>
+            </p:nvSpPr>
+            <p:spPr>
+              <a:xfrm>
+                <a:off x="3967814" y="3612909"/>
+                <a:ext cx="1196481" cy="369332"/>
+              </a:xfrm>
+              <a:prstGeom prst="rect">
+                <a:avLst/>
+              </a:prstGeom>
+              <a:noFill/>
+            </p:spPr>
+            <p:txBody>
+              <a:bodyPr wrap="none" rtlCol="0">
+                <a:spAutoFit/>
+              </a:bodyPr>
+              <a:lstStyle/>
+              <a:p>
+                <a:pPr/>
+                <a14:m>
+                  <m:oMathPara xmlns:m="http://schemas.openxmlformats.org/officeDocument/2006/math">
+                    <m:oMathParaPr>
+                      <m:jc m:val="centerGroup"/>
+                    </m:oMathParaPr>
+                    <m:oMath xmlns:m="http://schemas.openxmlformats.org/officeDocument/2006/math">
+                      <m:r>
+                        <a:rPr lang="en-US" altLang="zh-CN" b="0" i="1" smtClean="0">
+                          <a:latin typeface="Cambria Math" panose="02040503050406030204" pitchFamily="18" charset="0"/>
+                        </a:rPr>
+                        <m:t> </m:t>
+                      </m:r>
+                      <m:r>
+                        <a:rPr lang="en-US" altLang="zh-CN" b="0" i="1" smtClean="0">
+                          <a:latin typeface="Cambria Math" panose="02040503050406030204" pitchFamily="18" charset="0"/>
+                        </a:rPr>
+                        <m:t>𝑦𝑜𝑢</m:t>
+                      </m:r>
+                      <m:r>
+                        <a:rPr lang="en-US" altLang="zh-CN" b="0" i="1" smtClean="0">
+                          <a:latin typeface="Cambria Math" panose="02040503050406030204" pitchFamily="18" charset="0"/>
+                        </a:rPr>
+                        <m:t> 2 </m:t>
+                      </m:r>
+                      <m:r>
+                        <a:rPr lang="en-US" altLang="zh-CN" b="0" i="1" smtClean="0">
+                          <a:latin typeface="Cambria Math" panose="02040503050406030204" pitchFamily="18" charset="0"/>
+                        </a:rPr>
+                        <m:t>𝑚𝑖</m:t>
+                      </m:r>
+                    </m:oMath>
+                  </m:oMathPara>
+                </a14:m>
+                <a:endParaRPr lang="zh-CN" altLang="en-US" dirty="0"/>
+              </a:p>
+            </p:txBody>
+          </p:sp>
+        </mc:Choice>
+        <mc:Fallback>
+          <p:sp>
+            <p:nvSpPr>
+              <p:cNvPr id="73" name="文本框 72">
+                <a:extLst>
+                  <a:ext uri="{FF2B5EF4-FFF2-40B4-BE49-F238E27FC236}">
+                    <a16:creationId xmlns:a16="http://schemas.microsoft.com/office/drawing/2014/main" id="{1CC84488-74D0-4941-BC31-30EC66D9D656}"/>
+                  </a:ext>
+                </a:extLst>
+              </p:cNvPr>
+              <p:cNvSpPr txBox="1">
+                <a:spLocks noRot="1" noChangeAspect="1" noMove="1" noResize="1" noEditPoints="1" noAdjustHandles="1" noChangeArrowheads="1" noChangeShapeType="1" noTextEdit="1"/>
+              </p:cNvSpPr>
+              <p:nvPr/>
+            </p:nvSpPr>
+            <p:spPr>
+              <a:xfrm>
+                <a:off x="3967814" y="3612909"/>
+                <a:ext cx="1196481" cy="369332"/>
+              </a:xfrm>
+              <a:prstGeom prst="rect">
+                <a:avLst/>
+              </a:prstGeom>
+              <a:blipFill>
+                <a:blip r:embed="rId15"/>
+                <a:stretch>
+                  <a:fillRect b="-6667"/>
+                </a:stretch>
+              </a:blipFill>
+            </p:spPr>
+            <p:txBody>
+              <a:bodyPr/>
+              <a:lstStyle/>
+              <a:p>
+                <a:r>
+                  <a:rPr lang="zh-CN" altLang="en-US">
+                    <a:noFill/>
+                  </a:rPr>
+                  <a:t> </a:t>
+                </a:r>
+              </a:p>
+            </p:txBody>
+          </p:sp>
+        </mc:Fallback>
+      </mc:AlternateContent>
+      <p:cxnSp>
+        <p:nvCxnSpPr>
+          <p:cNvPr id="74" name="连接符: 肘形 73">
+            <a:extLst>
+              <a:ext uri="{FF2B5EF4-FFF2-40B4-BE49-F238E27FC236}">
+                <a16:creationId xmlns:a16="http://schemas.microsoft.com/office/drawing/2014/main" id="{1D23D84D-A42D-4D4D-8E81-18188CF9267A}"/>
+              </a:ext>
+            </a:extLst>
+          </p:cNvPr>
+          <p:cNvCxnSpPr>
+            <a:cxnSpLocks/>
+            <a:stCxn id="59" idx="2"/>
+            <a:endCxn id="64" idx="2"/>
+          </p:cNvCxnSpPr>
+          <p:nvPr/>
+        </p:nvCxnSpPr>
+        <p:spPr>
+          <a:xfrm rot="5400000" flipH="1">
+            <a:off x="3006678" y="799507"/>
+            <a:ext cx="2665626" cy="5258985"/>
+          </a:xfrm>
+          <a:prstGeom prst="bentConnector3">
+            <a:avLst>
+              <a:gd name="adj1" fmla="val -8576"/>
+            </a:avLst>
+          </a:prstGeom>
+          <a:ln w="12700">
+            <a:solidFill>
+              <a:schemeClr val="tx1"/>
+            </a:solidFill>
+            <a:prstDash val="lgDashDot"/>
+            <a:tailEnd type="triangle"/>
+          </a:ln>
+        </p:spPr>
+        <p:style>
+          <a:lnRef idx="1">
+            <a:schemeClr val="accent1"/>
+          </a:lnRef>
+          <a:fillRef idx="0">
+            <a:schemeClr val="accent1"/>
+          </a:fillRef>
+          <a:effectRef idx="0">
+            <a:schemeClr val="accent1"/>
+          </a:effectRef>
+          <a:fontRef idx="minor">
+            <a:schemeClr val="tx1"/>
+          </a:fontRef>
+        </p:style>
+      </p:cxnSp>
+      <mc:AlternateContent xmlns:mc="http://schemas.openxmlformats.org/markup-compatibility/2006">
+        <mc:Choice xmlns:a14="http://schemas.microsoft.com/office/drawing/2010/main" Requires="a14">
+          <p:sp>
+            <p:nvSpPr>
+              <p:cNvPr id="75" name="文本框 74">
+                <a:extLst>
+                  <a:ext uri="{FF2B5EF4-FFF2-40B4-BE49-F238E27FC236}">
+                    <a16:creationId xmlns:a16="http://schemas.microsoft.com/office/drawing/2014/main" id="{A374C509-B603-4B3A-8EF1-9090E189DB2E}"/>
+                  </a:ext>
+                </a:extLst>
+              </p:cNvPr>
+              <p:cNvSpPr txBox="1"/>
+              <p:nvPr/>
+            </p:nvSpPr>
+            <p:spPr>
+              <a:xfrm>
+                <a:off x="4898677" y="4075571"/>
+                <a:ext cx="922176" cy="369332"/>
+              </a:xfrm>
+              <a:prstGeom prst="rect">
+                <a:avLst/>
+              </a:prstGeom>
+              <a:noFill/>
+            </p:spPr>
+            <p:txBody>
+              <a:bodyPr wrap="none" rtlCol="0">
+                <a:spAutoFit/>
+              </a:bodyPr>
+              <a:lstStyle/>
+              <a:p>
+                <a:pPr/>
                 <a14:m>
                   <m:oMath xmlns:m="http://schemas.openxmlformats.org/officeDocument/2006/math">
-                    <m:r>
-                      <a:rPr lang="en-US" altLang="zh-CN" b="0" i="1" smtClean="0">
-                        <a:latin typeface="Cambria Math" panose="02040503050406030204" pitchFamily="18" charset="0"/>
-                      </a:rPr>
-                      <m:t>(</m:t>
-                    </m:r>
                     <m:sSub>
                       <m:sSubPr>
                         <m:ctrlPr>
@@ -7263,36 +7919,11 @@
                 <a14:m>
                   <m:oMath xmlns:m="http://schemas.openxmlformats.org/officeDocument/2006/math">
                     <m:r>
-                      <a:rPr lang="zh-CN" altLang="en-US" i="1" smtClean="0">
+                      <a:rPr lang="zh-CN" altLang="en-US" i="1" dirty="0" smtClean="0">
                         <a:latin typeface="Cambria Math" panose="02040503050406030204" pitchFamily="18" charset="0"/>
                       </a:rPr>
-                      <m:t>𝜇</m:t>
+                      <m:t>𝜑</m:t>
                     </m:r>
-                    <m:sSub>
-                      <m:sSubPr>
-                        <m:ctrlPr>
-                          <a:rPr lang="en-US" altLang="zh-CN" i="1" smtClean="0">
-                            <a:latin typeface="Cambria Math" panose="02040503050406030204" pitchFamily="18" charset="0"/>
-                          </a:rPr>
-                        </m:ctrlPr>
-                      </m:sSubPr>
-                      <m:e>
-                        <m:r>
-                          <a:rPr lang="en-US" altLang="zh-CN" b="0" i="1" smtClean="0">
-                            <a:latin typeface="Cambria Math" panose="02040503050406030204" pitchFamily="18" charset="0"/>
-                          </a:rPr>
-                          <m:t>)</m:t>
-                        </m:r>
-                      </m:e>
-                      <m:sub>
-                        <m:r>
-                          <a:rPr lang="en-US" altLang="zh-CN" b="0" i="1" smtClean="0">
-                            <a:latin typeface="Cambria Math" panose="02040503050406030204" pitchFamily="18" charset="0"/>
-                          </a:rPr>
-                          <m:t>𝑗</m:t>
-                        </m:r>
-                      </m:sub>
-                    </m:sSub>
                   </m:oMath>
                 </a14:m>
                 <a:endParaRPr lang="en-US" altLang="zh-CN" dirty="0"/>
@@ -7303,10 +7934,10 @@
         <mc:Fallback>
           <p:sp>
             <p:nvSpPr>
-              <p:cNvPr id="90" name="文本框 89">
-                <a:extLst>
-                  <a:ext uri="{FF2B5EF4-FFF2-40B4-BE49-F238E27FC236}">
-                    <a16:creationId xmlns:a16="http://schemas.microsoft.com/office/drawing/2014/main" id="{B8324AC4-AD96-EC37-F6A1-15FC3975D5C7}"/>
+              <p:cNvPr id="75" name="文本框 74">
+                <a:extLst>
+                  <a:ext uri="{FF2B5EF4-FFF2-40B4-BE49-F238E27FC236}">
+                    <a16:creationId xmlns:a16="http://schemas.microsoft.com/office/drawing/2014/main" id="{A374C509-B603-4B3A-8EF1-9090E189DB2E}"/>
                   </a:ext>
                 </a:extLst>
               </p:cNvPr>
@@ -7317,16 +7948,16 @@
             </p:nvSpPr>
             <p:spPr>
               <a:xfrm>
-                <a:off x="4507480" y="3810180"/>
-                <a:ext cx="1179234" cy="391646"/>
+                <a:off x="4898677" y="4075571"/>
+                <a:ext cx="922176" cy="369332"/>
               </a:xfrm>
               <a:prstGeom prst="rect">
                 <a:avLst/>
               </a:prstGeom>
               <a:blipFill>
-                <a:blip r:embed="rId13"/>
+                <a:blip r:embed="rId16"/>
                 <a:stretch>
-                  <a:fillRect l="-1546" t="-6250" b="-20313"/>
+                  <a:fillRect t="-10000" b="-26667"/>
                 </a:stretch>
               </a:blipFill>
             </p:spPr>
@@ -7345,108 +7976,14 @@
           </p:sp>
         </mc:Fallback>
       </mc:AlternateContent>
-      <p:cxnSp>
-        <p:nvCxnSpPr>
-          <p:cNvPr id="92" name="连接符: 肘形 91">
-            <a:extLst>
-              <a:ext uri="{FF2B5EF4-FFF2-40B4-BE49-F238E27FC236}">
-                <a16:creationId xmlns:a16="http://schemas.microsoft.com/office/drawing/2014/main" id="{8E3C6B32-9CBB-F48D-D4E3-DD6EE7DB8792}"/>
-              </a:ext>
-            </a:extLst>
-          </p:cNvPr>
-          <p:cNvCxnSpPr>
-            <a:cxnSpLocks/>
-            <a:stCxn id="112" idx="1"/>
-            <a:endCxn id="115" idx="2"/>
-          </p:cNvCxnSpPr>
-          <p:nvPr/>
-        </p:nvCxnSpPr>
-        <p:spPr>
-          <a:xfrm rot="10800000">
-            <a:off x="7644574" y="5513266"/>
-            <a:ext cx="1752967" cy="942117"/>
-          </a:xfrm>
-          <a:prstGeom prst="bentConnector2">
-            <a:avLst/>
-          </a:prstGeom>
-          <a:ln w="12700">
-            <a:solidFill>
-              <a:schemeClr val="tx1"/>
-            </a:solidFill>
-            <a:prstDash val="solid"/>
-            <a:tailEnd type="triangle"/>
-          </a:ln>
-        </p:spPr>
-        <p:style>
-          <a:lnRef idx="1">
-            <a:schemeClr val="accent1"/>
-          </a:lnRef>
-          <a:fillRef idx="0">
-            <a:schemeClr val="accent1"/>
-          </a:fillRef>
-          <a:effectRef idx="0">
-            <a:schemeClr val="accent1"/>
-          </a:effectRef>
-          <a:fontRef idx="minor">
-            <a:schemeClr val="tx1"/>
-          </a:fontRef>
-        </p:style>
-      </p:cxnSp>
-      <p:cxnSp>
-        <p:nvCxnSpPr>
-          <p:cNvPr id="97" name="连接符: 肘形 96">
-            <a:extLst>
-              <a:ext uri="{FF2B5EF4-FFF2-40B4-BE49-F238E27FC236}">
-                <a16:creationId xmlns:a16="http://schemas.microsoft.com/office/drawing/2014/main" id="{8556C2F5-DC96-4EE5-2D40-61B83DC1BC6F}"/>
-              </a:ext>
-            </a:extLst>
-          </p:cNvPr>
-          <p:cNvCxnSpPr>
-            <a:cxnSpLocks/>
-            <a:stCxn id="115" idx="1"/>
-            <a:endCxn id="90" idx="2"/>
-          </p:cNvCxnSpPr>
-          <p:nvPr/>
-        </p:nvCxnSpPr>
-        <p:spPr>
-          <a:xfrm rot="10800000">
-            <a:off x="5097098" y="4201826"/>
-            <a:ext cx="2343221" cy="1115616"/>
-          </a:xfrm>
-          <a:prstGeom prst="bentConnector2">
-            <a:avLst/>
-          </a:prstGeom>
-          <a:ln w="12700">
-            <a:solidFill>
-              <a:schemeClr val="tx1"/>
-            </a:solidFill>
-            <a:prstDash val="solid"/>
-            <a:tailEnd type="triangle"/>
-          </a:ln>
-        </p:spPr>
-        <p:style>
-          <a:lnRef idx="1">
-            <a:schemeClr val="accent1"/>
-          </a:lnRef>
-          <a:fillRef idx="0">
-            <a:schemeClr val="accent1"/>
-          </a:fillRef>
-          <a:effectRef idx="0">
-            <a:schemeClr val="accent1"/>
-          </a:effectRef>
-          <a:fontRef idx="minor">
-            <a:schemeClr val="tx1"/>
-          </a:fontRef>
-        </p:style>
-      </p:cxnSp>
-      <mc:AlternateContent xmlns:mc="http://schemas.openxmlformats.org/markup-compatibility/2006" xmlns:a14="http://schemas.microsoft.com/office/drawing/2010/main">
-        <mc:Choice Requires="a14">
-          <p:sp>
-            <p:nvSpPr>
-              <p:cNvPr id="112" name="文本框 111">
-                <a:extLst>
-                  <a:ext uri="{FF2B5EF4-FFF2-40B4-BE49-F238E27FC236}">
-                    <a16:creationId xmlns:a16="http://schemas.microsoft.com/office/drawing/2014/main" id="{5EC1E644-F881-87AB-4FC6-61ADDE6A7933}"/>
+      <mc:AlternateContent xmlns:mc="http://schemas.openxmlformats.org/markup-compatibility/2006">
+        <mc:Choice xmlns:a14="http://schemas.microsoft.com/office/drawing/2010/main" Requires="a14">
+          <p:sp>
+            <p:nvSpPr>
+              <p:cNvPr id="76" name="文本框 75">
+                <a:extLst>
+                  <a:ext uri="{FF2B5EF4-FFF2-40B4-BE49-F238E27FC236}">
+                    <a16:creationId xmlns:a16="http://schemas.microsoft.com/office/drawing/2014/main" id="{15C756A9-48B4-4BB2-9AB8-182AE55020FB}"/>
                   </a:ext>
                 </a:extLst>
               </p:cNvPr>
@@ -7455,7 +7992,7 @@
             </p:nvSpPr>
             <p:spPr>
               <a:xfrm>
-                <a:off x="9397540" y="6270716"/>
+                <a:off x="7800474" y="5271372"/>
                 <a:ext cx="409792" cy="369332"/>
               </a:xfrm>
               <a:prstGeom prst="rect">
@@ -7509,13 +8046,13 @@
             </p:txBody>
           </p:sp>
         </mc:Choice>
-        <mc:Fallback xmlns="">
-          <p:sp>
-            <p:nvSpPr>
-              <p:cNvPr id="112" name="文本框 111">
-                <a:extLst>
-                  <a:ext uri="{FF2B5EF4-FFF2-40B4-BE49-F238E27FC236}">
-                    <a16:creationId xmlns:a16="http://schemas.microsoft.com/office/drawing/2014/main" id="{5EC1E644-F881-87AB-4FC6-61ADDE6A7933}"/>
+        <mc:Fallback>
+          <p:sp>
+            <p:nvSpPr>
+              <p:cNvPr id="76" name="文本框 75">
+                <a:extLst>
+                  <a:ext uri="{FF2B5EF4-FFF2-40B4-BE49-F238E27FC236}">
+                    <a16:creationId xmlns:a16="http://schemas.microsoft.com/office/drawing/2014/main" id="{15C756A9-48B4-4BB2-9AB8-182AE55020FB}"/>
                   </a:ext>
                 </a:extLst>
               </p:cNvPr>
@@ -7526,14 +8063,14 @@
             </p:nvSpPr>
             <p:spPr>
               <a:xfrm>
-                <a:off x="9397540" y="6270716"/>
+                <a:off x="7800474" y="5271372"/>
                 <a:ext cx="409792" cy="369332"/>
               </a:xfrm>
               <a:prstGeom prst="rect">
                 <a:avLst/>
               </a:prstGeom>
               <a:blipFill>
-                <a:blip r:embed="rId14"/>
+                <a:blip r:embed="rId17"/>
                 <a:stretch>
                   <a:fillRect b="-1667"/>
                 </a:stretch>
@@ -7554,467 +8091,38 @@
           </p:sp>
         </mc:Fallback>
       </mc:AlternateContent>
-      <mc:AlternateContent xmlns:mc="http://schemas.openxmlformats.org/markup-compatibility/2006" xmlns:a14="http://schemas.microsoft.com/office/drawing/2010/main">
-        <mc:Choice Requires="a14">
-          <p:sp>
-            <p:nvSpPr>
-              <p:cNvPr id="115" name="文本框 114">
-                <a:extLst>
-                  <a:ext uri="{FF2B5EF4-FFF2-40B4-BE49-F238E27FC236}">
-                    <a16:creationId xmlns:a16="http://schemas.microsoft.com/office/drawing/2014/main" id="{7BC62686-D3E2-719C-27AD-7C6B6A324F09}"/>
-                  </a:ext>
-                </a:extLst>
-              </p:cNvPr>
-              <p:cNvSpPr txBox="1"/>
-              <p:nvPr/>
-            </p:nvSpPr>
-            <p:spPr>
-              <a:xfrm>
-                <a:off x="7440318" y="5121619"/>
-                <a:ext cx="408509" cy="391646"/>
-              </a:xfrm>
-              <a:prstGeom prst="rect">
-                <a:avLst/>
-              </a:prstGeom>
-              <a:noFill/>
-            </p:spPr>
-            <p:txBody>
-              <a:bodyPr wrap="none" rtlCol="0">
-                <a:spAutoFit/>
-              </a:bodyPr>
-              <a:lstStyle/>
-              <a:p>
-                <a:pPr/>
-                <a14:m>
-                  <m:oMathPara xmlns:m="http://schemas.openxmlformats.org/officeDocument/2006/math">
-                    <m:oMathParaPr>
-                      <m:jc m:val="centerGroup"/>
-                    </m:oMathParaPr>
-                    <m:oMath xmlns:m="http://schemas.openxmlformats.org/officeDocument/2006/math">
-                      <m:sSub>
-                        <m:sSubPr>
-                          <m:ctrlPr>
-                            <a:rPr lang="en-US" altLang="zh-CN" i="1" smtClean="0">
-                              <a:latin typeface="Cambria Math" panose="02040503050406030204" pitchFamily="18" charset="0"/>
-                            </a:rPr>
-                          </m:ctrlPr>
-                        </m:sSubPr>
-                        <m:e>
-                          <m:r>
-                            <a:rPr lang="en-US" altLang="zh-CN" b="0" i="1" smtClean="0">
-                              <a:latin typeface="Cambria Math" panose="02040503050406030204" pitchFamily="18" charset="0"/>
-                            </a:rPr>
-                            <m:t>𝑡</m:t>
-                          </m:r>
-                        </m:e>
-                        <m:sub>
-                          <m:r>
-                            <a:rPr lang="en-US" altLang="zh-CN" b="0" i="1" smtClean="0">
-                              <a:latin typeface="Cambria Math" panose="02040503050406030204" pitchFamily="18" charset="0"/>
-                            </a:rPr>
-                            <m:t>𝑗</m:t>
-                          </m:r>
-                        </m:sub>
-                      </m:sSub>
-                    </m:oMath>
-                  </m:oMathPara>
-                </a14:m>
-                <a:endParaRPr lang="en-US" altLang="zh-CN"/>
-              </a:p>
-            </p:txBody>
-          </p:sp>
-        </mc:Choice>
-        <mc:Fallback xmlns="">
-          <p:sp>
-            <p:nvSpPr>
-              <p:cNvPr id="115" name="文本框 114">
-                <a:extLst>
-                  <a:ext uri="{FF2B5EF4-FFF2-40B4-BE49-F238E27FC236}">
-                    <a16:creationId xmlns:a16="http://schemas.microsoft.com/office/drawing/2014/main" id="{7BC62686-D3E2-719C-27AD-7C6B6A324F09}"/>
-                  </a:ext>
-                </a:extLst>
-              </p:cNvPr>
-              <p:cNvSpPr txBox="1">
-                <a:spLocks noRot="1" noChangeAspect="1" noMove="1" noResize="1" noEditPoints="1" noAdjustHandles="1" noChangeArrowheads="1" noChangeShapeType="1" noTextEdit="1"/>
-              </p:cNvSpPr>
-              <p:nvPr/>
-            </p:nvSpPr>
-            <p:spPr>
-              <a:xfrm>
-                <a:off x="7440318" y="5121619"/>
-                <a:ext cx="408509" cy="391646"/>
-              </a:xfrm>
-              <a:prstGeom prst="rect">
-                <a:avLst/>
-              </a:prstGeom>
-              <a:blipFill>
-                <a:blip r:embed="rId15"/>
-                <a:stretch>
-                  <a:fillRect b="-9375"/>
-                </a:stretch>
-              </a:blipFill>
-            </p:spPr>
-            <p:txBody>
-              <a:bodyPr/>
-              <a:lstStyle/>
-              <a:p>
-                <a:r>
-                  <a:rPr lang="zh-CN" altLang="en-US">
-                    <a:noFill/>
-                  </a:rPr>
-                  <a:t> </a:t>
-                </a:r>
-              </a:p>
-            </p:txBody>
-          </p:sp>
-        </mc:Fallback>
-      </mc:AlternateContent>
-      <mc:AlternateContent xmlns:mc="http://schemas.openxmlformats.org/markup-compatibility/2006" xmlns:a14="http://schemas.microsoft.com/office/drawing/2010/main">
-        <mc:Choice Requires="a14">
-          <p:sp>
-            <p:nvSpPr>
-              <p:cNvPr id="141" name="文本框 140">
-                <a:extLst>
-                  <a:ext uri="{FF2B5EF4-FFF2-40B4-BE49-F238E27FC236}">
-                    <a16:creationId xmlns:a16="http://schemas.microsoft.com/office/drawing/2014/main" id="{AC93F4A9-D3FE-9716-0656-070653713C3F}"/>
-                  </a:ext>
-                </a:extLst>
-              </p:cNvPr>
-              <p:cNvSpPr txBox="1"/>
-              <p:nvPr/>
-            </p:nvSpPr>
-            <p:spPr>
-              <a:xfrm>
-                <a:off x="8333181" y="5504645"/>
-                <a:ext cx="452240" cy="369332"/>
-              </a:xfrm>
-              <a:prstGeom prst="rect">
-                <a:avLst/>
-              </a:prstGeom>
-              <a:noFill/>
-            </p:spPr>
-            <p:txBody>
-              <a:bodyPr wrap="none" rtlCol="0">
-                <a:spAutoFit/>
-              </a:bodyPr>
-              <a:lstStyle/>
-              <a:p>
-                <a:pPr/>
-                <a14:m>
-                  <m:oMathPara xmlns:m="http://schemas.openxmlformats.org/officeDocument/2006/math">
-                    <m:oMathParaPr>
-                      <m:jc m:val="centerGroup"/>
-                    </m:oMathParaPr>
-                    <m:oMath xmlns:m="http://schemas.openxmlformats.org/officeDocument/2006/math">
-                      <m:sSub>
-                        <m:sSubPr>
-                          <m:ctrlPr>
-                            <a:rPr lang="en-US" altLang="zh-CN" i="1" smtClean="0">
-                              <a:latin typeface="Cambria Math" panose="02040503050406030204" pitchFamily="18" charset="0"/>
-                            </a:rPr>
-                          </m:ctrlPr>
-                        </m:sSubPr>
-                        <m:e>
-                          <m:r>
-                            <a:rPr lang="en-US" altLang="zh-CN" b="0" i="1" smtClean="0">
-                              <a:latin typeface="Cambria Math" panose="02040503050406030204" pitchFamily="18" charset="0"/>
-                            </a:rPr>
-                            <m:t>𝑡</m:t>
-                          </m:r>
-                        </m:e>
-                        <m:sub>
-                          <m:r>
-                            <a:rPr lang="en-US" altLang="zh-CN" b="0" i="1" smtClean="0">
-                              <a:latin typeface="Cambria Math" panose="02040503050406030204" pitchFamily="18" charset="0"/>
-                            </a:rPr>
-                            <m:t>𝑘</m:t>
-                          </m:r>
-                        </m:sub>
-                      </m:sSub>
-                    </m:oMath>
-                  </m:oMathPara>
-                </a14:m>
-                <a:endParaRPr lang="en-US" altLang="zh-CN"/>
-              </a:p>
-            </p:txBody>
-          </p:sp>
-        </mc:Choice>
-        <mc:Fallback xmlns="">
-          <p:sp>
-            <p:nvSpPr>
-              <p:cNvPr id="141" name="文本框 140">
-                <a:extLst>
-                  <a:ext uri="{FF2B5EF4-FFF2-40B4-BE49-F238E27FC236}">
-                    <a16:creationId xmlns:a16="http://schemas.microsoft.com/office/drawing/2014/main" id="{AC93F4A9-D3FE-9716-0656-070653713C3F}"/>
-                  </a:ext>
-                </a:extLst>
-              </p:cNvPr>
-              <p:cNvSpPr txBox="1">
-                <a:spLocks noRot="1" noChangeAspect="1" noMove="1" noResize="1" noEditPoints="1" noAdjustHandles="1" noChangeArrowheads="1" noChangeShapeType="1" noTextEdit="1"/>
-              </p:cNvSpPr>
-              <p:nvPr/>
-            </p:nvSpPr>
-            <p:spPr>
-              <a:xfrm>
-                <a:off x="8333181" y="5504645"/>
-                <a:ext cx="452240" cy="369332"/>
-              </a:xfrm>
-              <a:prstGeom prst="rect">
-                <a:avLst/>
-              </a:prstGeom>
-              <a:blipFill>
-                <a:blip r:embed="rId17"/>
-                <a:stretch>
-                  <a:fillRect/>
-                </a:stretch>
-              </a:blipFill>
-            </p:spPr>
-            <p:txBody>
-              <a:bodyPr/>
-              <a:lstStyle/>
-              <a:p>
-                <a:r>
-                  <a:rPr lang="zh-CN" altLang="en-US">
-                    <a:noFill/>
-                  </a:rPr>
-                  <a:t> </a:t>
-                </a:r>
-              </a:p>
-            </p:txBody>
-          </p:sp>
-        </mc:Fallback>
-      </mc:AlternateContent>
-      <mc:AlternateContent xmlns:mc="http://schemas.openxmlformats.org/markup-compatibility/2006">
-        <mc:Choice xmlns:a14="http://schemas.microsoft.com/office/drawing/2010/main" Requires="a14">
-          <p:sp>
-            <p:nvSpPr>
-              <p:cNvPr id="142" name="文本框 141">
-                <a:extLst>
-                  <a:ext uri="{FF2B5EF4-FFF2-40B4-BE49-F238E27FC236}">
-                    <a16:creationId xmlns:a16="http://schemas.microsoft.com/office/drawing/2014/main" id="{3DC4C53C-9C52-C615-D356-A9D76952D67D}"/>
-                  </a:ext>
-                </a:extLst>
-              </p:cNvPr>
-              <p:cNvSpPr txBox="1"/>
-              <p:nvPr/>
-            </p:nvSpPr>
-            <p:spPr>
-              <a:xfrm>
-                <a:off x="2889795" y="590549"/>
-                <a:ext cx="894027" cy="369332"/>
-              </a:xfrm>
-              <a:prstGeom prst="rect">
-                <a:avLst/>
-              </a:prstGeom>
-              <a:noFill/>
-            </p:spPr>
-            <p:txBody>
-              <a:bodyPr wrap="none" rtlCol="0">
-                <a:spAutoFit/>
-              </a:bodyPr>
-              <a:lstStyle/>
-              <a:p>
-                <a:pPr/>
-                <a14:m>
-                  <m:oMathPara xmlns:m="http://schemas.openxmlformats.org/officeDocument/2006/math">
-                    <m:oMathParaPr>
-                      <m:jc m:val="centerGroup"/>
-                    </m:oMathParaPr>
-                    <m:oMath xmlns:m="http://schemas.openxmlformats.org/officeDocument/2006/math">
-                      <m:r>
-                        <a:rPr lang="en-US" altLang="zh-CN" b="0" i="1" smtClean="0">
-                          <a:latin typeface="Cambria Math" panose="02040503050406030204" pitchFamily="18" charset="0"/>
-                        </a:rPr>
-                        <m:t>𝑃𝑟𝑒𝑑</m:t>
-                      </m:r>
-                      <m:r>
-                        <a:rPr lang="en-US" altLang="zh-CN" i="1" smtClean="0">
-                          <a:latin typeface="Cambria Math" panose="02040503050406030204" pitchFamily="18" charset="0"/>
-                        </a:rPr>
-                        <m:t>𝑃</m:t>
-                      </m:r>
-                    </m:oMath>
-                  </m:oMathPara>
-                </a14:m>
-                <a:endParaRPr lang="en-US" altLang="zh-CN" dirty="0"/>
-              </a:p>
-            </p:txBody>
-          </p:sp>
-        </mc:Choice>
-        <mc:Fallback>
-          <p:sp>
-            <p:nvSpPr>
-              <p:cNvPr id="142" name="文本框 141">
-                <a:extLst>
-                  <a:ext uri="{FF2B5EF4-FFF2-40B4-BE49-F238E27FC236}">
-                    <a16:creationId xmlns:a16="http://schemas.microsoft.com/office/drawing/2014/main" id="{3DC4C53C-9C52-C615-D356-A9D76952D67D}"/>
-                  </a:ext>
-                </a:extLst>
-              </p:cNvPr>
-              <p:cNvSpPr txBox="1">
-                <a:spLocks noRot="1" noChangeAspect="1" noMove="1" noResize="1" noEditPoints="1" noAdjustHandles="1" noChangeArrowheads="1" noChangeShapeType="1" noTextEdit="1"/>
-              </p:cNvSpPr>
-              <p:nvPr/>
-            </p:nvSpPr>
-            <p:spPr>
-              <a:xfrm>
-                <a:off x="2889795" y="590549"/>
-                <a:ext cx="894027" cy="369332"/>
-              </a:xfrm>
-              <a:prstGeom prst="rect">
-                <a:avLst/>
-              </a:prstGeom>
-              <a:blipFill>
-                <a:blip r:embed="rId18"/>
-                <a:stretch>
-                  <a:fillRect/>
-                </a:stretch>
-              </a:blipFill>
-            </p:spPr>
-            <p:txBody>
-              <a:bodyPr/>
-              <a:lstStyle/>
-              <a:p>
-                <a:r>
-                  <a:rPr lang="zh-CN" altLang="en-US">
-                    <a:noFill/>
-                  </a:rPr>
-                  <a:t> </a:t>
-                </a:r>
-              </a:p>
-            </p:txBody>
-          </p:sp>
-        </mc:Fallback>
-      </mc:AlternateContent>
-      <mc:AlternateContent xmlns:mc="http://schemas.openxmlformats.org/markup-compatibility/2006">
-        <mc:Choice xmlns:a14="http://schemas.microsoft.com/office/drawing/2010/main" Requires="a14">
-          <p:sp>
-            <p:nvSpPr>
-              <p:cNvPr id="147" name="文本框 146">
-                <a:extLst>
-                  <a:ext uri="{FF2B5EF4-FFF2-40B4-BE49-F238E27FC236}">
-                    <a16:creationId xmlns:a16="http://schemas.microsoft.com/office/drawing/2014/main" id="{2C3E468F-84CA-D966-E4B6-6E3D9AF1ECE1}"/>
-                  </a:ext>
-                </a:extLst>
-              </p:cNvPr>
-              <p:cNvSpPr txBox="1"/>
-              <p:nvPr/>
-            </p:nvSpPr>
-            <p:spPr>
-              <a:xfrm>
-                <a:off x="3875014" y="1276393"/>
-                <a:ext cx="797013" cy="369332"/>
-              </a:xfrm>
-              <a:prstGeom prst="rect">
-                <a:avLst/>
-              </a:prstGeom>
-              <a:noFill/>
-            </p:spPr>
-            <p:txBody>
-              <a:bodyPr wrap="none" rtlCol="0">
-                <a:spAutoFit/>
-              </a:bodyPr>
-              <a:lstStyle/>
-              <a:p>
-                <a:pPr/>
-                <a14:m>
-                  <m:oMathPara xmlns:m="http://schemas.openxmlformats.org/officeDocument/2006/math">
-                    <m:oMathParaPr>
-                      <m:jc m:val="centerGroup"/>
-                    </m:oMathParaPr>
-                    <m:oMath xmlns:m="http://schemas.openxmlformats.org/officeDocument/2006/math">
-                      <m:r>
-                        <a:rPr lang="en-US" altLang="zh-CN" b="0" i="1" smtClean="0">
-                          <a:latin typeface="Cambria Math" panose="02040503050406030204" pitchFamily="18" charset="0"/>
-                        </a:rPr>
-                        <m:t>𝑃𝑟𝑒𝑑</m:t>
-                      </m:r>
-                      <m:r>
-                        <a:rPr lang="en-US" altLang="zh-CN" i="1" smtClean="0">
-                          <a:latin typeface="Cambria Math" panose="02040503050406030204" pitchFamily="18" charset="0"/>
-                        </a:rPr>
-                        <m:t>’</m:t>
-                      </m:r>
-                    </m:oMath>
-                  </m:oMathPara>
-                </a14:m>
-                <a:endParaRPr lang="en-US" altLang="zh-CN" dirty="0"/>
-              </a:p>
-            </p:txBody>
-          </p:sp>
-        </mc:Choice>
-        <mc:Fallback>
-          <p:sp>
-            <p:nvSpPr>
-              <p:cNvPr id="147" name="文本框 146">
-                <a:extLst>
-                  <a:ext uri="{FF2B5EF4-FFF2-40B4-BE49-F238E27FC236}">
-                    <a16:creationId xmlns:a16="http://schemas.microsoft.com/office/drawing/2014/main" id="{2C3E468F-84CA-D966-E4B6-6E3D9AF1ECE1}"/>
-                  </a:ext>
-                </a:extLst>
-              </p:cNvPr>
-              <p:cNvSpPr txBox="1">
-                <a:spLocks noRot="1" noChangeAspect="1" noMove="1" noResize="1" noEditPoints="1" noAdjustHandles="1" noChangeArrowheads="1" noChangeShapeType="1" noTextEdit="1"/>
-              </p:cNvSpPr>
-              <p:nvPr/>
-            </p:nvSpPr>
-            <p:spPr>
-              <a:xfrm>
-                <a:off x="3875014" y="1276393"/>
-                <a:ext cx="797013" cy="369332"/>
-              </a:xfrm>
-              <a:prstGeom prst="rect">
-                <a:avLst/>
-              </a:prstGeom>
-              <a:blipFill>
-                <a:blip r:embed="rId19"/>
-                <a:stretch>
-                  <a:fillRect/>
-                </a:stretch>
-              </a:blipFill>
-            </p:spPr>
-            <p:txBody>
-              <a:bodyPr/>
-              <a:lstStyle/>
-              <a:p>
-                <a:r>
-                  <a:rPr lang="zh-CN" altLang="en-US">
-                    <a:noFill/>
-                  </a:rPr>
-                  <a:t> </a:t>
-                </a:r>
-              </a:p>
-            </p:txBody>
-          </p:sp>
-        </mc:Fallback>
-      </mc:AlternateContent>
       <p:cxnSp>
         <p:nvCxnSpPr>
-          <p:cNvPr id="157" name="直接连接符 156">
+          <p:cNvPr id="77" name="连接符: 肘形 76">
             <a:extLst>
               <a:ext uri="{FF2B5EF4-FFF2-40B4-BE49-F238E27FC236}">
-                <a16:creationId xmlns:a16="http://schemas.microsoft.com/office/drawing/2014/main" id="{866465E3-D602-B8C5-0618-DFBDDDE7ABBA}"/>
+                <a16:creationId xmlns:a16="http://schemas.microsoft.com/office/drawing/2014/main" id="{9065AC99-8669-414E-91FB-0C91DB4FB8DC}"/>
               </a:ext>
             </a:extLst>
           </p:cNvPr>
           <p:cNvCxnSpPr>
             <a:cxnSpLocks/>
-            <a:endCxn id="142" idx="2"/>
+            <a:stCxn id="76" idx="2"/>
+            <a:endCxn id="75" idx="2"/>
           </p:cNvCxnSpPr>
           <p:nvPr/>
         </p:nvCxnSpPr>
         <p:spPr>
-          <a:xfrm flipV="1">
-            <a:off x="2362067" y="959881"/>
-            <a:ext cx="974742" cy="349277"/>
+          <a:xfrm rot="5400000" flipH="1">
+            <a:off x="6084667" y="3720002"/>
+            <a:ext cx="1195801" cy="2645605"/>
           </a:xfrm>
-          <a:prstGeom prst="line">
-            <a:avLst/>
+          <a:prstGeom prst="bentConnector3">
+            <a:avLst>
+              <a:gd name="adj1" fmla="val -19117"/>
+            </a:avLst>
           </a:prstGeom>
           <a:ln w="12700">
             <a:solidFill>
               <a:schemeClr val="tx1"/>
             </a:solidFill>
+            <a:prstDash val="solid"/>
+            <a:tailEnd type="triangle"/>
           </a:ln>
         </p:spPr>
         <p:style>
@@ -8032,512 +8140,6 @@
           </a:fontRef>
         </p:style>
       </p:cxnSp>
-      <p:cxnSp>
-        <p:nvCxnSpPr>
-          <p:cNvPr id="160" name="直接连接符 159">
-            <a:extLst>
-              <a:ext uri="{FF2B5EF4-FFF2-40B4-BE49-F238E27FC236}">
-                <a16:creationId xmlns:a16="http://schemas.microsoft.com/office/drawing/2014/main" id="{361819B8-5878-64B9-B200-3918C6D30549}"/>
-              </a:ext>
-            </a:extLst>
-          </p:cNvPr>
-          <p:cNvCxnSpPr>
-            <a:cxnSpLocks/>
-            <a:stCxn id="147" idx="0"/>
-            <a:endCxn id="142" idx="2"/>
-          </p:cNvCxnSpPr>
-          <p:nvPr/>
-        </p:nvCxnSpPr>
-        <p:spPr>
-          <a:xfrm flipH="1" flipV="1">
-            <a:off x="3336809" y="959881"/>
-            <a:ext cx="936712" cy="316512"/>
-          </a:xfrm>
-          <a:prstGeom prst="line">
-            <a:avLst/>
-          </a:prstGeom>
-          <a:ln w="12700">
-            <a:solidFill>
-              <a:schemeClr val="tx1"/>
-            </a:solidFill>
-          </a:ln>
-        </p:spPr>
-        <p:style>
-          <a:lnRef idx="1">
-            <a:schemeClr val="accent1"/>
-          </a:lnRef>
-          <a:fillRef idx="0">
-            <a:schemeClr val="accent1"/>
-          </a:fillRef>
-          <a:effectRef idx="0">
-            <a:schemeClr val="accent1"/>
-          </a:effectRef>
-          <a:fontRef idx="minor">
-            <a:schemeClr val="tx1"/>
-          </a:fontRef>
-        </p:style>
-      </p:cxnSp>
-      <p:cxnSp>
-        <p:nvCxnSpPr>
-          <p:cNvPr id="166" name="直接连接符 165">
-            <a:extLst>
-              <a:ext uri="{FF2B5EF4-FFF2-40B4-BE49-F238E27FC236}">
-                <a16:creationId xmlns:a16="http://schemas.microsoft.com/office/drawing/2014/main" id="{888452A3-12ED-7E1E-BA84-E65492B1D72E}"/>
-              </a:ext>
-            </a:extLst>
-          </p:cNvPr>
-          <p:cNvCxnSpPr>
-            <a:cxnSpLocks/>
-            <a:stCxn id="147" idx="2"/>
-            <a:endCxn id="215" idx="0"/>
-          </p:cNvCxnSpPr>
-          <p:nvPr/>
-        </p:nvCxnSpPr>
-        <p:spPr>
-          <a:xfrm flipH="1">
-            <a:off x="3716981" y="1645725"/>
-            <a:ext cx="556540" cy="312544"/>
-          </a:xfrm>
-          <a:prstGeom prst="line">
-            <a:avLst/>
-          </a:prstGeom>
-          <a:ln w="12700">
-            <a:solidFill>
-              <a:schemeClr val="tx1"/>
-            </a:solidFill>
-          </a:ln>
-        </p:spPr>
-        <p:style>
-          <a:lnRef idx="1">
-            <a:schemeClr val="accent1"/>
-          </a:lnRef>
-          <a:fillRef idx="0">
-            <a:schemeClr val="accent1"/>
-          </a:fillRef>
-          <a:effectRef idx="0">
-            <a:schemeClr val="accent1"/>
-          </a:effectRef>
-          <a:fontRef idx="minor">
-            <a:schemeClr val="tx1"/>
-          </a:fontRef>
-        </p:style>
-      </p:cxnSp>
-      <p:cxnSp>
-        <p:nvCxnSpPr>
-          <p:cNvPr id="202" name="直接连接符 201">
-            <a:extLst>
-              <a:ext uri="{FF2B5EF4-FFF2-40B4-BE49-F238E27FC236}">
-                <a16:creationId xmlns:a16="http://schemas.microsoft.com/office/drawing/2014/main" id="{453E73D1-6A72-8ED7-76EE-CCBD57914043}"/>
-              </a:ext>
-            </a:extLst>
-          </p:cNvPr>
-          <p:cNvCxnSpPr>
-            <a:cxnSpLocks/>
-            <a:stCxn id="4" idx="0"/>
-            <a:endCxn id="147" idx="2"/>
-          </p:cNvCxnSpPr>
-          <p:nvPr/>
-        </p:nvCxnSpPr>
-        <p:spPr>
-          <a:xfrm flipH="1" flipV="1">
-            <a:off x="4273521" y="1645725"/>
-            <a:ext cx="1049743" cy="462264"/>
-          </a:xfrm>
-          <a:prstGeom prst="line">
-            <a:avLst/>
-          </a:prstGeom>
-          <a:ln w="12700">
-            <a:solidFill>
-              <a:schemeClr val="tx1"/>
-            </a:solidFill>
-          </a:ln>
-        </p:spPr>
-        <p:style>
-          <a:lnRef idx="1">
-            <a:schemeClr val="accent1"/>
-          </a:lnRef>
-          <a:fillRef idx="0">
-            <a:schemeClr val="accent1"/>
-          </a:fillRef>
-          <a:effectRef idx="0">
-            <a:schemeClr val="accent1"/>
-          </a:effectRef>
-          <a:fontRef idx="minor">
-            <a:schemeClr val="tx1"/>
-          </a:fontRef>
-        </p:style>
-      </p:cxnSp>
-      <mc:AlternateContent xmlns:mc="http://schemas.openxmlformats.org/markup-compatibility/2006">
-        <mc:Choice xmlns:a14="http://schemas.microsoft.com/office/drawing/2010/main" Requires="a14">
-          <p:sp>
-            <p:nvSpPr>
-              <p:cNvPr id="215" name="文本框 214">
-                <a:extLst>
-                  <a:ext uri="{FF2B5EF4-FFF2-40B4-BE49-F238E27FC236}">
-                    <a16:creationId xmlns:a16="http://schemas.microsoft.com/office/drawing/2014/main" id="{6E91EB17-9AE7-239F-C755-751CCDDD856F}"/>
-                  </a:ext>
-                </a:extLst>
-              </p:cNvPr>
-              <p:cNvSpPr txBox="1"/>
-              <p:nvPr/>
-            </p:nvSpPr>
-            <p:spPr>
-              <a:xfrm>
-                <a:off x="3286799" y="1958269"/>
-                <a:ext cx="860364" cy="369332"/>
-              </a:xfrm>
-              <a:prstGeom prst="rect">
-                <a:avLst/>
-              </a:prstGeom>
-              <a:noFill/>
-            </p:spPr>
-            <p:txBody>
-              <a:bodyPr wrap="none" rtlCol="0">
-                <a:spAutoFit/>
-              </a:bodyPr>
-              <a:lstStyle/>
-              <a:p>
-                <a:pPr/>
-                <a14:m>
-                  <m:oMathPara xmlns:m="http://schemas.openxmlformats.org/officeDocument/2006/math">
-                    <m:oMathParaPr>
-                      <m:jc m:val="centerGroup"/>
-                    </m:oMathParaPr>
-                    <m:oMath xmlns:m="http://schemas.openxmlformats.org/officeDocument/2006/math">
-                      <m:sSup>
-                        <m:sSupPr>
-                          <m:ctrlPr>
-                            <a:rPr lang="en-US" altLang="zh-CN" i="1" smtClean="0">
-                              <a:latin typeface="Cambria Math" panose="02040503050406030204" pitchFamily="18" charset="0"/>
-                            </a:rPr>
-                          </m:ctrlPr>
-                        </m:sSupPr>
-                        <m:e>
-                          <m:r>
-                            <a:rPr lang="en-US" altLang="zh-CN" b="0" i="1" smtClean="0">
-                              <a:latin typeface="Cambria Math" panose="02040503050406030204" pitchFamily="18" charset="0"/>
-                            </a:rPr>
-                            <m:t>𝑃𝑟𝑒𝑑</m:t>
-                          </m:r>
-                        </m:e>
-                        <m:sup>
-                          <m:r>
-                            <a:rPr lang="en-US" altLang="zh-CN" b="0" i="1" smtClean="0">
-                              <a:latin typeface="Cambria Math" panose="02040503050406030204" pitchFamily="18" charset="0"/>
-                            </a:rPr>
-                            <m:t>0</m:t>
-                          </m:r>
-                        </m:sup>
-                      </m:sSup>
-                    </m:oMath>
-                  </m:oMathPara>
-                </a14:m>
-                <a:endParaRPr lang="en-US" altLang="zh-CN" dirty="0"/>
-              </a:p>
-            </p:txBody>
-          </p:sp>
-        </mc:Choice>
-        <mc:Fallback>
-          <p:sp>
-            <p:nvSpPr>
-              <p:cNvPr id="215" name="文本框 214">
-                <a:extLst>
-                  <a:ext uri="{FF2B5EF4-FFF2-40B4-BE49-F238E27FC236}">
-                    <a16:creationId xmlns:a16="http://schemas.microsoft.com/office/drawing/2014/main" id="{6E91EB17-9AE7-239F-C755-751CCDDD856F}"/>
-                  </a:ext>
-                </a:extLst>
-              </p:cNvPr>
-              <p:cNvSpPr txBox="1">
-                <a:spLocks noRot="1" noChangeAspect="1" noMove="1" noResize="1" noEditPoints="1" noAdjustHandles="1" noChangeArrowheads="1" noChangeShapeType="1" noTextEdit="1"/>
-              </p:cNvSpPr>
-              <p:nvPr/>
-            </p:nvSpPr>
-            <p:spPr>
-              <a:xfrm>
-                <a:off x="3286799" y="1958269"/>
-                <a:ext cx="860364" cy="369332"/>
-              </a:xfrm>
-              <a:prstGeom prst="rect">
-                <a:avLst/>
-              </a:prstGeom>
-              <a:blipFill>
-                <a:blip r:embed="rId20"/>
-                <a:stretch>
-                  <a:fillRect/>
-                </a:stretch>
-              </a:blipFill>
-            </p:spPr>
-            <p:txBody>
-              <a:bodyPr/>
-              <a:lstStyle/>
-              <a:p>
-                <a:r>
-                  <a:rPr lang="zh-CN" altLang="en-US">
-                    <a:noFill/>
-                  </a:rPr>
-                  <a:t> </a:t>
-                </a:r>
-              </a:p>
-            </p:txBody>
-          </p:sp>
-        </mc:Fallback>
-      </mc:AlternateContent>
-      <p:sp>
-        <p:nvSpPr>
-          <p:cNvPr id="229" name="等腰三角形 228">
-            <a:extLst>
-              <a:ext uri="{FF2B5EF4-FFF2-40B4-BE49-F238E27FC236}">
-                <a16:creationId xmlns:a16="http://schemas.microsoft.com/office/drawing/2014/main" id="{763893E1-3983-DC82-B082-E742B28E0787}"/>
-              </a:ext>
-            </a:extLst>
-          </p:cNvPr>
-          <p:cNvSpPr/>
-          <p:nvPr/>
-        </p:nvSpPr>
-        <p:spPr>
-          <a:xfrm>
-            <a:off x="3987372" y="3116302"/>
-            <a:ext cx="684655" cy="230414"/>
-          </a:xfrm>
-          <a:prstGeom prst="triangle">
-            <a:avLst/>
-          </a:prstGeom>
-          <a:noFill/>
-          <a:ln>
-            <a:solidFill>
-              <a:schemeClr val="tx1"/>
-            </a:solidFill>
-          </a:ln>
-        </p:spPr>
-        <p:style>
-          <a:lnRef idx="2">
-            <a:schemeClr val="accent1">
-              <a:shade val="15000"/>
-            </a:schemeClr>
-          </a:lnRef>
-          <a:fillRef idx="1">
-            <a:schemeClr val="accent1"/>
-          </a:fillRef>
-          <a:effectRef idx="0">
-            <a:schemeClr val="accent1"/>
-          </a:effectRef>
-          <a:fontRef idx="minor">
-            <a:schemeClr val="lt1"/>
-          </a:fontRef>
-        </p:style>
-        <p:txBody>
-          <a:bodyPr rtlCol="0" anchor="ctr"/>
-          <a:lstStyle/>
-          <a:p>
-            <a:pPr algn="ctr"/>
-            <a:endParaRPr lang="zh-CN" altLang="en-US"/>
-          </a:p>
-        </p:txBody>
-      </p:sp>
-      <mc:AlternateContent xmlns:mc="http://schemas.openxmlformats.org/markup-compatibility/2006">
-        <mc:Choice xmlns:a14="http://schemas.microsoft.com/office/drawing/2010/main" Requires="a14">
-          <p:sp>
-            <p:nvSpPr>
-              <p:cNvPr id="230" name="文本框 229">
-                <a:extLst>
-                  <a:ext uri="{FF2B5EF4-FFF2-40B4-BE49-F238E27FC236}">
-                    <a16:creationId xmlns:a16="http://schemas.microsoft.com/office/drawing/2014/main" id="{AB43F32C-9BA1-0B2A-2388-E3F83F6C5175}"/>
-                  </a:ext>
-                </a:extLst>
-              </p:cNvPr>
-              <p:cNvSpPr txBox="1"/>
-              <p:nvPr/>
-            </p:nvSpPr>
-            <p:spPr>
-              <a:xfrm>
-                <a:off x="3897562" y="3324334"/>
-                <a:ext cx="753027" cy="369332"/>
-              </a:xfrm>
-              <a:prstGeom prst="rect">
-                <a:avLst/>
-              </a:prstGeom>
-              <a:noFill/>
-            </p:spPr>
-            <p:txBody>
-              <a:bodyPr wrap="none" rtlCol="0">
-                <a:spAutoFit/>
-              </a:bodyPr>
-              <a:lstStyle/>
-              <a:p>
-                <a:pPr/>
-                <a14:m>
-                  <m:oMathPara xmlns:m="http://schemas.openxmlformats.org/officeDocument/2006/math">
-                    <m:oMathParaPr>
-                      <m:jc m:val="centerGroup"/>
-                    </m:oMathParaPr>
-                    <m:oMath xmlns:m="http://schemas.openxmlformats.org/officeDocument/2006/math">
-                      <m:r>
-                        <a:rPr lang="en-US" altLang="zh-CN" b="0" i="1" smtClean="0">
-                          <a:latin typeface="Cambria Math" panose="02040503050406030204" pitchFamily="18" charset="0"/>
-                        </a:rPr>
-                        <m:t> 2 </m:t>
-                      </m:r>
-                      <m:r>
-                        <a:rPr lang="en-US" altLang="zh-CN" b="0" i="1" smtClean="0">
-                          <a:latin typeface="Cambria Math" panose="02040503050406030204" pitchFamily="18" charset="0"/>
-                        </a:rPr>
-                        <m:t>𝑚𝑖</m:t>
-                      </m:r>
-                    </m:oMath>
-                  </m:oMathPara>
-                </a14:m>
-                <a:endParaRPr lang="zh-CN" altLang="en-US" dirty="0"/>
-              </a:p>
-            </p:txBody>
-          </p:sp>
-        </mc:Choice>
-        <mc:Fallback>
-          <p:sp>
-            <p:nvSpPr>
-              <p:cNvPr id="230" name="文本框 229">
-                <a:extLst>
-                  <a:ext uri="{FF2B5EF4-FFF2-40B4-BE49-F238E27FC236}">
-                    <a16:creationId xmlns:a16="http://schemas.microsoft.com/office/drawing/2014/main" id="{AB43F32C-9BA1-0B2A-2388-E3F83F6C5175}"/>
-                  </a:ext>
-                </a:extLst>
-              </p:cNvPr>
-              <p:cNvSpPr txBox="1">
-                <a:spLocks noRot="1" noChangeAspect="1" noMove="1" noResize="1" noEditPoints="1" noAdjustHandles="1" noChangeArrowheads="1" noChangeShapeType="1" noTextEdit="1"/>
-              </p:cNvSpPr>
-              <p:nvPr/>
-            </p:nvSpPr>
-            <p:spPr>
-              <a:xfrm>
-                <a:off x="3897562" y="3324334"/>
-                <a:ext cx="753027" cy="369332"/>
-              </a:xfrm>
-              <a:prstGeom prst="rect">
-                <a:avLst/>
-              </a:prstGeom>
-              <a:blipFill>
-                <a:blip r:embed="rId21"/>
-                <a:stretch>
-                  <a:fillRect/>
-                </a:stretch>
-              </a:blipFill>
-            </p:spPr>
-            <p:txBody>
-              <a:bodyPr/>
-              <a:lstStyle/>
-              <a:p>
-                <a:r>
-                  <a:rPr lang="zh-CN" altLang="en-US">
-                    <a:noFill/>
-                  </a:rPr>
-                  <a:t> </a:t>
-                </a:r>
-              </a:p>
-            </p:txBody>
-          </p:sp>
-        </mc:Fallback>
-      </mc:AlternateContent>
-      <mc:AlternateContent xmlns:mc="http://schemas.openxmlformats.org/markup-compatibility/2006">
-        <mc:Choice xmlns:a14="http://schemas.microsoft.com/office/drawing/2010/main" Requires="a14">
-          <p:sp>
-            <p:nvSpPr>
-              <p:cNvPr id="50" name="文本框 49">
-                <a:extLst>
-                  <a:ext uri="{FF2B5EF4-FFF2-40B4-BE49-F238E27FC236}">
-                    <a16:creationId xmlns:a16="http://schemas.microsoft.com/office/drawing/2014/main" id="{8D196B61-DC70-4FEF-B2F5-70F745A4D717}"/>
-                  </a:ext>
-                </a:extLst>
-              </p:cNvPr>
-              <p:cNvSpPr txBox="1"/>
-              <p:nvPr/>
-            </p:nvSpPr>
-            <p:spPr>
-              <a:xfrm>
-                <a:off x="3280060" y="2232270"/>
-                <a:ext cx="690637" cy="369332"/>
-              </a:xfrm>
-              <a:prstGeom prst="rect">
-                <a:avLst/>
-              </a:prstGeom>
-              <a:noFill/>
-            </p:spPr>
-            <p:txBody>
-              <a:bodyPr wrap="none" rtlCol="0">
-                <a:spAutoFit/>
-              </a:bodyPr>
-              <a:lstStyle/>
-              <a:p>
-                <a:pPr/>
-                <a14:m>
-                  <m:oMathPara xmlns:m="http://schemas.openxmlformats.org/officeDocument/2006/math">
-                    <m:oMathParaPr>
-                      <m:jc m:val="centerGroup"/>
-                    </m:oMathParaPr>
-                    <m:oMath xmlns:m="http://schemas.openxmlformats.org/officeDocument/2006/math">
-                      <m:r>
-                        <a:rPr lang="en-US" altLang="zh-CN" b="0" i="1" smtClean="0">
-                          <a:latin typeface="Cambria Math" panose="02040503050406030204" pitchFamily="18" charset="0"/>
-                        </a:rPr>
-                        <m:t> </m:t>
-                      </m:r>
-                      <m:r>
-                        <a:rPr lang="en-US" altLang="zh-CN" b="0" i="1" smtClean="0">
-                          <a:latin typeface="Cambria Math" panose="02040503050406030204" pitchFamily="18" charset="0"/>
-                        </a:rPr>
-                        <m:t>𝑦𝑜𝑢</m:t>
-                      </m:r>
-                    </m:oMath>
-                  </m:oMathPara>
-                </a14:m>
-                <a:endParaRPr lang="zh-CN" altLang="en-US" dirty="0"/>
-              </a:p>
-            </p:txBody>
-          </p:sp>
-        </mc:Choice>
-        <mc:Fallback>
-          <p:sp>
-            <p:nvSpPr>
-              <p:cNvPr id="50" name="文本框 49">
-                <a:extLst>
-                  <a:ext uri="{FF2B5EF4-FFF2-40B4-BE49-F238E27FC236}">
-                    <a16:creationId xmlns:a16="http://schemas.microsoft.com/office/drawing/2014/main" id="{8D196B61-DC70-4FEF-B2F5-70F745A4D717}"/>
-                  </a:ext>
-                </a:extLst>
-              </p:cNvPr>
-              <p:cNvSpPr txBox="1">
-                <a:spLocks noRot="1" noChangeAspect="1" noMove="1" noResize="1" noEditPoints="1" noAdjustHandles="1" noChangeArrowheads="1" noChangeShapeType="1" noTextEdit="1"/>
-              </p:cNvSpPr>
-              <p:nvPr/>
-            </p:nvSpPr>
-            <p:spPr>
-              <a:xfrm>
-                <a:off x="3280060" y="2232270"/>
-                <a:ext cx="690637" cy="369332"/>
-              </a:xfrm>
-              <a:prstGeom prst="rect">
-                <a:avLst/>
-              </a:prstGeom>
-              <a:blipFill>
-                <a:blip r:embed="rId22"/>
-                <a:stretch>
-                  <a:fillRect b="-6557"/>
-                </a:stretch>
-              </a:blipFill>
-            </p:spPr>
-            <p:txBody>
-              <a:bodyPr/>
-              <a:lstStyle/>
-              <a:p>
-                <a:r>
-                  <a:rPr lang="zh-CN" altLang="en-US">
-                    <a:noFill/>
-                  </a:rPr>
-                  <a:t> </a:t>
-                </a:r>
-              </a:p>
-            </p:txBody>
-          </p:sp>
-        </mc:Fallback>
-      </mc:AlternateContent>
     </p:spTree>
     <p:extLst>
       <p:ext uri="{BB962C8B-B14F-4D97-AF65-F5344CB8AC3E}">
@@ -19036,19 +18638,17 @@
           <p:cNvCxnSpPr>
             <a:cxnSpLocks/>
             <a:stCxn id="115" idx="2"/>
+            <a:endCxn id="56" idx="3"/>
           </p:cNvCxnSpPr>
           <p:nvPr/>
         </p:nvCxnSpPr>
         <p:spPr>
-          <a:xfrm rot="5400000" flipH="1">
-            <a:off x="4586779" y="1722399"/>
-            <a:ext cx="1319405" cy="2696288"/>
+          <a:xfrm rot="5400000">
+            <a:off x="6006630" y="3518559"/>
+            <a:ext cx="376310" cy="799682"/>
           </a:xfrm>
-          <a:prstGeom prst="bentConnector4">
-            <a:avLst>
-              <a:gd name="adj1" fmla="val -91792"/>
-              <a:gd name="adj2" fmla="val 99980"/>
-            </a:avLst>
+          <a:prstGeom prst="bentConnector2">
+            <a:avLst/>
           </a:prstGeom>
           <a:ln w="12700">
             <a:solidFill>
@@ -19090,8 +18690,8 @@
         </p:nvCxnSpPr>
         <p:spPr>
           <a:xfrm rot="5400000" flipH="1">
-            <a:off x="3982469" y="2694158"/>
-            <a:ext cx="1878517" cy="1337925"/>
+            <a:off x="3982473" y="2694162"/>
+            <a:ext cx="1878513" cy="1337920"/>
           </a:xfrm>
           <a:prstGeom prst="bentConnector3">
             <a:avLst>
@@ -24183,8 +23783,8 @@
             </p:nvSpPr>
             <p:spPr>
               <a:xfrm>
-                <a:off x="4045197" y="2745653"/>
-                <a:ext cx="586251" cy="369332"/>
+                <a:off x="3899517" y="2765309"/>
+                <a:ext cx="860364" cy="369332"/>
               </a:xfrm>
               <a:prstGeom prst="rect">
                 <a:avLst/>
@@ -24205,13 +23805,10 @@
                     </m:oMathParaPr>
                     <m:oMath xmlns:m="http://schemas.openxmlformats.org/officeDocument/2006/math">
                       <m:r>
-                        <m:rPr>
-                          <m:sty m:val="p"/>
-                        </m:rPr>
-                        <a:rPr lang="en-US" altLang="zh-CN" i="1">
+                        <a:rPr lang="en-US" altLang="zh-CN" b="0" i="1" smtClean="0">
                           <a:latin typeface="Cambria Math" panose="02040503050406030204" pitchFamily="18" charset="0"/>
                         </a:rPr>
-                        <m:t>bi</m:t>
+                        <m:t>𝑠𝑡𝑛𝑑</m:t>
                       </m:r>
                       <m:r>
                         <a:rPr lang="en-US" altLang="zh-CN" i="1" smtClean="0">
@@ -24244,8 +23841,8 @@
             </p:nvSpPr>
             <p:spPr>
               <a:xfrm>
-                <a:off x="4045197" y="2745653"/>
-                <a:ext cx="586251" cy="369332"/>
+                <a:off x="3899517" y="2765309"/>
+                <a:ext cx="860364" cy="369332"/>
               </a:xfrm>
               <a:prstGeom prst="rect">
                 <a:avLst/>
@@ -24374,14 +23971,14 @@
           </p:sp>
         </mc:Fallback>
       </mc:AlternateContent>
-      <mc:AlternateContent xmlns:mc="http://schemas.openxmlformats.org/markup-compatibility/2006" xmlns:a14="http://schemas.microsoft.com/office/drawing/2010/main">
-        <mc:Choice Requires="a14">
-          <p:sp>
-            <p:nvSpPr>
-              <p:cNvPr id="6" name="文本框 5">
-                <a:extLst>
-                  <a:ext uri="{FF2B5EF4-FFF2-40B4-BE49-F238E27FC236}">
-                    <a16:creationId xmlns:a16="http://schemas.microsoft.com/office/drawing/2014/main" id="{FA2C9A11-CFF2-4005-D650-0ABEAEEDFD65}"/>
+      <mc:AlternateContent xmlns:mc="http://schemas.openxmlformats.org/markup-compatibility/2006">
+        <mc:Choice xmlns:a14="http://schemas.microsoft.com/office/drawing/2010/main" Requires="a14">
+          <p:sp>
+            <p:nvSpPr>
+              <p:cNvPr id="10" name="文本框 9">
+                <a:extLst>
+                  <a:ext uri="{FF2B5EF4-FFF2-40B4-BE49-F238E27FC236}">
+                    <a16:creationId xmlns:a16="http://schemas.microsoft.com/office/drawing/2014/main" id="{C4C321FD-814A-7A1B-E5DF-83206F4D5AFD}"/>
                   </a:ext>
                 </a:extLst>
               </p:cNvPr>
@@ -24390,8 +23987,8 @@
             </p:nvSpPr>
             <p:spPr>
               <a:xfrm>
-                <a:off x="6966014" y="3578780"/>
-                <a:ext cx="810671" cy="369332"/>
+                <a:off x="6922728" y="3509000"/>
+                <a:ext cx="541367" cy="369332"/>
               </a:xfrm>
               <a:prstGeom prst="rect">
                 <a:avLst/>
@@ -24415,7 +24012,7 @@
                         <a:rPr lang="en-US" altLang="zh-CN" i="1" smtClean="0">
                           <a:latin typeface="Cambria Math" panose="02040503050406030204" pitchFamily="18" charset="0"/>
                         </a:rPr>
-                        <m:t>𝐷𝑒𝑔𝑃</m:t>
+                        <m:t>𝐴𝑃</m:t>
                       </m:r>
                     </m:oMath>
                   </m:oMathPara>
@@ -24425,13 +24022,13 @@
             </p:txBody>
           </p:sp>
         </mc:Choice>
-        <mc:Fallback xmlns="">
-          <p:sp>
-            <p:nvSpPr>
-              <p:cNvPr id="6" name="文本框 5">
-                <a:extLst>
-                  <a:ext uri="{FF2B5EF4-FFF2-40B4-BE49-F238E27FC236}">
-                    <a16:creationId xmlns:a16="http://schemas.microsoft.com/office/drawing/2014/main" id="{FA2C9A11-CFF2-4005-D650-0ABEAEEDFD65}"/>
+        <mc:Fallback>
+          <p:sp>
+            <p:nvSpPr>
+              <p:cNvPr id="10" name="文本框 9">
+                <a:extLst>
+                  <a:ext uri="{FF2B5EF4-FFF2-40B4-BE49-F238E27FC236}">
+                    <a16:creationId xmlns:a16="http://schemas.microsoft.com/office/drawing/2014/main" id="{C4C321FD-814A-7A1B-E5DF-83206F4D5AFD}"/>
                   </a:ext>
                 </a:extLst>
               </p:cNvPr>
@@ -24442,8 +24039,8 @@
             </p:nvSpPr>
             <p:spPr>
               <a:xfrm>
-                <a:off x="6966014" y="3578780"/>
-                <a:ext cx="810671" cy="369332"/>
+                <a:off x="6922728" y="3509000"/>
+                <a:ext cx="541367" cy="369332"/>
               </a:xfrm>
               <a:prstGeom prst="rect">
                 <a:avLst/>
@@ -24451,7 +24048,7 @@
               <a:blipFill>
                 <a:blip r:embed="rId5"/>
                 <a:stretch>
-                  <a:fillRect b="-11475"/>
+                  <a:fillRect/>
                 </a:stretch>
               </a:blipFill>
             </p:spPr>
@@ -24470,116 +24067,14 @@
           </p:sp>
         </mc:Fallback>
       </mc:AlternateContent>
-      <mc:AlternateContent xmlns:mc="http://schemas.openxmlformats.org/markup-compatibility/2006">
-        <mc:Choice xmlns:a14="http://schemas.microsoft.com/office/drawing/2010/main" Requires="a14">
-          <p:sp>
-            <p:nvSpPr>
-              <p:cNvPr id="7" name="文本框 6">
-                <a:extLst>
-                  <a:ext uri="{FF2B5EF4-FFF2-40B4-BE49-F238E27FC236}">
-                    <a16:creationId xmlns:a16="http://schemas.microsoft.com/office/drawing/2014/main" id="{529851E2-5A55-6641-C29C-6D5925F4C6BC}"/>
-                  </a:ext>
-                </a:extLst>
-              </p:cNvPr>
-              <p:cNvSpPr txBox="1"/>
-              <p:nvPr/>
-            </p:nvSpPr>
-            <p:spPr>
-              <a:xfrm>
-                <a:off x="6167251" y="4247985"/>
-                <a:ext cx="882806" cy="369332"/>
-              </a:xfrm>
-              <a:prstGeom prst="rect">
-                <a:avLst/>
-              </a:prstGeom>
-              <a:noFill/>
-            </p:spPr>
-            <p:txBody>
-              <a:bodyPr wrap="none" rtlCol="0">
-                <a:spAutoFit/>
-              </a:bodyPr>
-              <a:lstStyle/>
-              <a:p>
-                <a:pPr/>
-                <a14:m>
-                  <m:oMathPara xmlns:m="http://schemas.openxmlformats.org/officeDocument/2006/math">
-                    <m:oMathParaPr>
-                      <m:jc m:val="centerGroup"/>
-                    </m:oMathParaPr>
-                    <m:oMath xmlns:m="http://schemas.openxmlformats.org/officeDocument/2006/math">
-                      <m:r>
-                        <a:rPr lang="en-US" altLang="zh-CN" i="1" smtClean="0">
-                          <a:latin typeface="Cambria Math" panose="02040503050406030204" pitchFamily="18" charset="0"/>
-                        </a:rPr>
-                        <m:t>𝐷𝑖𝑓𝑓</m:t>
-                      </m:r>
-                      <m:r>
-                        <a:rPr lang="en-US" altLang="zh-CN" i="1" smtClean="0">
-                          <a:latin typeface="Cambria Math" panose="02040503050406030204" pitchFamily="18" charset="0"/>
-                        </a:rPr>
-                        <m:t>𝑃</m:t>
-                      </m:r>
-                    </m:oMath>
-                  </m:oMathPara>
-                </a14:m>
-                <a:endParaRPr lang="en-US" altLang="zh-CN" dirty="0"/>
-              </a:p>
-            </p:txBody>
-          </p:sp>
-        </mc:Choice>
-        <mc:Fallback>
-          <p:sp>
-            <p:nvSpPr>
-              <p:cNvPr id="7" name="文本框 6">
-                <a:extLst>
-                  <a:ext uri="{FF2B5EF4-FFF2-40B4-BE49-F238E27FC236}">
-                    <a16:creationId xmlns:a16="http://schemas.microsoft.com/office/drawing/2014/main" id="{529851E2-5A55-6641-C29C-6D5925F4C6BC}"/>
-                  </a:ext>
-                </a:extLst>
-              </p:cNvPr>
-              <p:cNvSpPr txBox="1">
-                <a:spLocks noRot="1" noChangeAspect="1" noMove="1" noResize="1" noEditPoints="1" noAdjustHandles="1" noChangeArrowheads="1" noChangeShapeType="1" noTextEdit="1"/>
-              </p:cNvSpPr>
-              <p:nvPr/>
-            </p:nvSpPr>
-            <p:spPr>
-              <a:xfrm>
-                <a:off x="6167251" y="4247985"/>
-                <a:ext cx="882806" cy="369332"/>
-              </a:xfrm>
-              <a:prstGeom prst="rect">
-                <a:avLst/>
-              </a:prstGeom>
-              <a:blipFill>
-                <a:blip r:embed="rId6"/>
-                <a:stretch>
-                  <a:fillRect b="-13333"/>
-                </a:stretch>
-              </a:blipFill>
-            </p:spPr>
-            <p:txBody>
-              <a:bodyPr/>
-              <a:lstStyle/>
-              <a:p>
-                <a:r>
-                  <a:rPr lang="zh-CN" altLang="en-US">
-                    <a:noFill/>
-                  </a:rPr>
-                  <a:t> </a:t>
-                </a:r>
-              </a:p>
-            </p:txBody>
-          </p:sp>
-        </mc:Fallback>
-      </mc:AlternateContent>
       <mc:AlternateContent xmlns:mc="http://schemas.openxmlformats.org/markup-compatibility/2006" xmlns:a14="http://schemas.microsoft.com/office/drawing/2010/main">
         <mc:Choice Requires="a14">
           <p:sp>
             <p:nvSpPr>
-              <p:cNvPr id="8" name="文本框 7">
-                <a:extLst>
-                  <a:ext uri="{FF2B5EF4-FFF2-40B4-BE49-F238E27FC236}">
-                    <a16:creationId xmlns:a16="http://schemas.microsoft.com/office/drawing/2014/main" id="{A5B211BB-9350-EBCD-7C32-25CED1C1AD9B}"/>
+              <p:cNvPr id="12" name="文本框 11">
+                <a:extLst>
+                  <a:ext uri="{FF2B5EF4-FFF2-40B4-BE49-F238E27FC236}">
+                    <a16:creationId xmlns:a16="http://schemas.microsoft.com/office/drawing/2014/main" id="{68DC509C-EB06-6067-D3CF-355F5F6395B3}"/>
                   </a:ext>
                 </a:extLst>
               </p:cNvPr>
@@ -24588,109 +24083,7 @@
             </p:nvSpPr>
             <p:spPr>
               <a:xfrm>
-                <a:off x="7976352" y="4247985"/>
-                <a:ext cx="713657" cy="369332"/>
-              </a:xfrm>
-              <a:prstGeom prst="rect">
-                <a:avLst/>
-              </a:prstGeom>
-              <a:noFill/>
-            </p:spPr>
-            <p:txBody>
-              <a:bodyPr wrap="none" rtlCol="0">
-                <a:spAutoFit/>
-              </a:bodyPr>
-              <a:lstStyle/>
-              <a:p>
-                <a:pPr/>
-                <a14:m>
-                  <m:oMathPara xmlns:m="http://schemas.openxmlformats.org/officeDocument/2006/math">
-                    <m:oMathParaPr>
-                      <m:jc m:val="centerGroup"/>
-                    </m:oMathParaPr>
-                    <m:oMath xmlns:m="http://schemas.openxmlformats.org/officeDocument/2006/math">
-                      <m:r>
-                        <a:rPr lang="en-US" altLang="zh-CN" i="1" smtClean="0">
-                          <a:latin typeface="Cambria Math" panose="02040503050406030204" pitchFamily="18" charset="0"/>
-                        </a:rPr>
-                        <m:t>𝐷𝑒𝑔</m:t>
-                      </m:r>
-                      <m:r>
-                        <a:rPr lang="en-US" altLang="zh-CN" i="1" smtClean="0">
-                          <a:latin typeface="Cambria Math" panose="02040503050406030204" pitchFamily="18" charset="0"/>
-                        </a:rPr>
-                        <m:t>’</m:t>
-                      </m:r>
-                    </m:oMath>
-                  </m:oMathPara>
-                </a14:m>
-                <a:endParaRPr lang="en-US" altLang="zh-CN"/>
-              </a:p>
-            </p:txBody>
-          </p:sp>
-        </mc:Choice>
-        <mc:Fallback xmlns="">
-          <p:sp>
-            <p:nvSpPr>
-              <p:cNvPr id="8" name="文本框 7">
-                <a:extLst>
-                  <a:ext uri="{FF2B5EF4-FFF2-40B4-BE49-F238E27FC236}">
-                    <a16:creationId xmlns:a16="http://schemas.microsoft.com/office/drawing/2014/main" id="{A5B211BB-9350-EBCD-7C32-25CED1C1AD9B}"/>
-                  </a:ext>
-                </a:extLst>
-              </p:cNvPr>
-              <p:cNvSpPr txBox="1">
-                <a:spLocks noRot="1" noChangeAspect="1" noMove="1" noResize="1" noEditPoints="1" noAdjustHandles="1" noChangeArrowheads="1" noChangeShapeType="1" noTextEdit="1"/>
-              </p:cNvSpPr>
-              <p:nvPr/>
-            </p:nvSpPr>
-            <p:spPr>
-              <a:xfrm>
-                <a:off x="7976352" y="4247985"/>
-                <a:ext cx="713657" cy="369332"/>
-              </a:xfrm>
-              <a:prstGeom prst="rect">
-                <a:avLst/>
-              </a:prstGeom>
-              <a:blipFill>
-                <a:blip r:embed="rId7"/>
-                <a:stretch>
-                  <a:fillRect b="-13333"/>
-                </a:stretch>
-              </a:blipFill>
-            </p:spPr>
-            <p:txBody>
-              <a:bodyPr/>
-              <a:lstStyle/>
-              <a:p>
-                <a:r>
-                  <a:rPr lang="zh-CN" altLang="en-US">
-                    <a:noFill/>
-                  </a:rPr>
-                  <a:t> </a:t>
-                </a:r>
-              </a:p>
-            </p:txBody>
-          </p:sp>
-        </mc:Fallback>
-      </mc:AlternateContent>
-      <mc:AlternateContent xmlns:mc="http://schemas.openxmlformats.org/markup-compatibility/2006" xmlns:a14="http://schemas.microsoft.com/office/drawing/2010/main">
-        <mc:Choice Requires="a14">
-          <p:sp>
-            <p:nvSpPr>
-              <p:cNvPr id="9" name="文本框 8">
-                <a:extLst>
-                  <a:ext uri="{FF2B5EF4-FFF2-40B4-BE49-F238E27FC236}">
-                    <a16:creationId xmlns:a16="http://schemas.microsoft.com/office/drawing/2014/main" id="{41B9BAC2-28DC-365D-D372-26FDA4C6349D}"/>
-                  </a:ext>
-                </a:extLst>
-              </p:cNvPr>
-              <p:cNvSpPr txBox="1"/>
-              <p:nvPr/>
-            </p:nvSpPr>
-            <p:spPr>
-              <a:xfrm>
-                <a:off x="7274303" y="4869468"/>
+                <a:off x="4774805" y="3509000"/>
                 <a:ext cx="773673" cy="369332"/>
               </a:xfrm>
               <a:prstGeom prst="rect">
@@ -24747,217 +24140,6 @@
         <mc:Fallback xmlns="">
           <p:sp>
             <p:nvSpPr>
-              <p:cNvPr id="9" name="文本框 8">
-                <a:extLst>
-                  <a:ext uri="{FF2B5EF4-FFF2-40B4-BE49-F238E27FC236}">
-                    <a16:creationId xmlns:a16="http://schemas.microsoft.com/office/drawing/2014/main" id="{41B9BAC2-28DC-365D-D372-26FDA4C6349D}"/>
-                  </a:ext>
-                </a:extLst>
-              </p:cNvPr>
-              <p:cNvSpPr txBox="1">
-                <a:spLocks noRot="1" noChangeAspect="1" noMove="1" noResize="1" noEditPoints="1" noAdjustHandles="1" noChangeArrowheads="1" noChangeShapeType="1" noTextEdit="1"/>
-              </p:cNvSpPr>
-              <p:nvPr/>
-            </p:nvSpPr>
-            <p:spPr>
-              <a:xfrm>
-                <a:off x="7274303" y="4869468"/>
-                <a:ext cx="773673" cy="369332"/>
-              </a:xfrm>
-              <a:prstGeom prst="rect">
-                <a:avLst/>
-              </a:prstGeom>
-              <a:blipFill>
-                <a:blip r:embed="rId8"/>
-                <a:stretch>
-                  <a:fillRect b="-13333"/>
-                </a:stretch>
-              </a:blipFill>
-            </p:spPr>
-            <p:txBody>
-              <a:bodyPr/>
-              <a:lstStyle/>
-              <a:p>
-                <a:r>
-                  <a:rPr lang="zh-CN" altLang="en-US">
-                    <a:noFill/>
-                  </a:rPr>
-                  <a:t> </a:t>
-                </a:r>
-              </a:p>
-            </p:txBody>
-          </p:sp>
-        </mc:Fallback>
-      </mc:AlternateContent>
-      <mc:AlternateContent xmlns:mc="http://schemas.openxmlformats.org/markup-compatibility/2006" xmlns:a14="http://schemas.microsoft.com/office/drawing/2010/main">
-        <mc:Choice Requires="a14">
-          <p:sp>
-            <p:nvSpPr>
-              <p:cNvPr id="10" name="文本框 9">
-                <a:extLst>
-                  <a:ext uri="{FF2B5EF4-FFF2-40B4-BE49-F238E27FC236}">
-                    <a16:creationId xmlns:a16="http://schemas.microsoft.com/office/drawing/2014/main" id="{C4C321FD-814A-7A1B-E5DF-83206F4D5AFD}"/>
-                  </a:ext>
-                </a:extLst>
-              </p:cNvPr>
-              <p:cNvSpPr txBox="1"/>
-              <p:nvPr/>
-            </p:nvSpPr>
-            <p:spPr>
-              <a:xfrm>
-                <a:off x="8785421" y="4887358"/>
-                <a:ext cx="541367" cy="369332"/>
-              </a:xfrm>
-              <a:prstGeom prst="rect">
-                <a:avLst/>
-              </a:prstGeom>
-              <a:noFill/>
-            </p:spPr>
-            <p:txBody>
-              <a:bodyPr wrap="none" rtlCol="0">
-                <a:spAutoFit/>
-              </a:bodyPr>
-              <a:lstStyle/>
-              <a:p>
-                <a:pPr/>
-                <a14:m>
-                  <m:oMathPara xmlns:m="http://schemas.openxmlformats.org/officeDocument/2006/math">
-                    <m:oMathParaPr>
-                      <m:jc m:val="centerGroup"/>
-                    </m:oMathParaPr>
-                    <m:oMath xmlns:m="http://schemas.openxmlformats.org/officeDocument/2006/math">
-                      <m:r>
-                        <a:rPr lang="en-US" altLang="zh-CN" i="1" smtClean="0">
-                          <a:latin typeface="Cambria Math" panose="02040503050406030204" pitchFamily="18" charset="0"/>
-                        </a:rPr>
-                        <m:t>𝐴𝑃</m:t>
-                      </m:r>
-                    </m:oMath>
-                  </m:oMathPara>
-                </a14:m>
-                <a:endParaRPr lang="en-US" altLang="zh-CN"/>
-              </a:p>
-            </p:txBody>
-          </p:sp>
-        </mc:Choice>
-        <mc:Fallback xmlns="">
-          <p:sp>
-            <p:nvSpPr>
-              <p:cNvPr id="10" name="文本框 9">
-                <a:extLst>
-                  <a:ext uri="{FF2B5EF4-FFF2-40B4-BE49-F238E27FC236}">
-                    <a16:creationId xmlns:a16="http://schemas.microsoft.com/office/drawing/2014/main" id="{C4C321FD-814A-7A1B-E5DF-83206F4D5AFD}"/>
-                  </a:ext>
-                </a:extLst>
-              </p:cNvPr>
-              <p:cNvSpPr txBox="1">
-                <a:spLocks noRot="1" noChangeAspect="1" noMove="1" noResize="1" noEditPoints="1" noAdjustHandles="1" noChangeArrowheads="1" noChangeShapeType="1" noTextEdit="1"/>
-              </p:cNvSpPr>
-              <p:nvPr/>
-            </p:nvSpPr>
-            <p:spPr>
-              <a:xfrm>
-                <a:off x="8785421" y="4887358"/>
-                <a:ext cx="541367" cy="369332"/>
-              </a:xfrm>
-              <a:prstGeom prst="rect">
-                <a:avLst/>
-              </a:prstGeom>
-              <a:blipFill>
-                <a:blip r:embed="rId9"/>
-                <a:stretch>
-                  <a:fillRect/>
-                </a:stretch>
-              </a:blipFill>
-            </p:spPr>
-            <p:txBody>
-              <a:bodyPr/>
-              <a:lstStyle/>
-              <a:p>
-                <a:r>
-                  <a:rPr lang="zh-CN" altLang="en-US">
-                    <a:noFill/>
-                  </a:rPr>
-                  <a:t> </a:t>
-                </a:r>
-              </a:p>
-            </p:txBody>
-          </p:sp>
-        </mc:Fallback>
-      </mc:AlternateContent>
-      <mc:AlternateContent xmlns:mc="http://schemas.openxmlformats.org/markup-compatibility/2006" xmlns:a14="http://schemas.microsoft.com/office/drawing/2010/main">
-        <mc:Choice Requires="a14">
-          <p:sp>
-            <p:nvSpPr>
-              <p:cNvPr id="12" name="文本框 11">
-                <a:extLst>
-                  <a:ext uri="{FF2B5EF4-FFF2-40B4-BE49-F238E27FC236}">
-                    <a16:creationId xmlns:a16="http://schemas.microsoft.com/office/drawing/2014/main" id="{68DC509C-EB06-6067-D3CF-355F5F6395B3}"/>
-                  </a:ext>
-                </a:extLst>
-              </p:cNvPr>
-              <p:cNvSpPr txBox="1"/>
-              <p:nvPr/>
-            </p:nvSpPr>
-            <p:spPr>
-              <a:xfrm>
-                <a:off x="4774805" y="3509000"/>
-                <a:ext cx="773673" cy="369332"/>
-              </a:xfrm>
-              <a:prstGeom prst="rect">
-                <a:avLst/>
-              </a:prstGeom>
-              <a:noFill/>
-            </p:spPr>
-            <p:txBody>
-              <a:bodyPr wrap="none" rtlCol="0">
-                <a:spAutoFit/>
-              </a:bodyPr>
-              <a:lstStyle/>
-              <a:p>
-                <a:pPr/>
-                <a14:m>
-                  <m:oMathPara xmlns:m="http://schemas.openxmlformats.org/officeDocument/2006/math">
-                    <m:oMathParaPr>
-                      <m:jc m:val="centerGroup"/>
-                    </m:oMathParaPr>
-                    <m:oMath xmlns:m="http://schemas.openxmlformats.org/officeDocument/2006/math">
-                      <m:sSup>
-                        <m:sSupPr>
-                          <m:ctrlPr>
-                            <a:rPr lang="en-US" altLang="zh-CN" i="1" smtClean="0">
-                              <a:latin typeface="Cambria Math" panose="02040503050406030204" pitchFamily="18" charset="0"/>
-                            </a:rPr>
-                          </m:ctrlPr>
-                        </m:sSupPr>
-                        <m:e>
-                          <m:r>
-                            <a:rPr lang="en-US" altLang="zh-CN" b="0" i="1" smtClean="0">
-                              <a:latin typeface="Cambria Math" panose="02040503050406030204" pitchFamily="18" charset="0"/>
-                            </a:rPr>
-                            <m:t>𝐷𝑒𝑔</m:t>
-                          </m:r>
-                        </m:e>
-                        <m:sup>
-                          <m:r>
-                            <a:rPr lang="en-US" altLang="zh-CN" b="0" i="1" smtClean="0">
-                              <a:latin typeface="Cambria Math" panose="02040503050406030204" pitchFamily="18" charset="0"/>
-                            </a:rPr>
-                            <m:t>0</m:t>
-                          </m:r>
-                        </m:sup>
-                      </m:sSup>
-                    </m:oMath>
-                  </m:oMathPara>
-                </a14:m>
-                <a:endParaRPr lang="en-US" altLang="zh-CN"/>
-              </a:p>
-            </p:txBody>
-          </p:sp>
-        </mc:Choice>
-        <mc:Fallback xmlns="">
-          <p:sp>
-            <p:nvSpPr>
               <p:cNvPr id="12" name="文本框 11">
                 <a:extLst>
                   <a:ext uri="{FF2B5EF4-FFF2-40B4-BE49-F238E27FC236}">
@@ -25017,8 +24199,8 @@
         </p:nvCxnSpPr>
         <p:spPr>
           <a:xfrm flipH="1">
-            <a:off x="4338323" y="2477321"/>
-            <a:ext cx="984941" cy="268332"/>
+            <a:off x="4329699" y="2477321"/>
+            <a:ext cx="993565" cy="287988"/>
           </a:xfrm>
           <a:prstGeom prst="line">
             <a:avLst/>
@@ -25146,194 +24328,14 @@
           <p:cNvCxnSpPr>
             <a:cxnSpLocks/>
             <a:stCxn id="3" idx="2"/>
-            <a:endCxn id="6" idx="0"/>
+            <a:endCxn id="10" idx="0"/>
           </p:cNvCxnSpPr>
           <p:nvPr/>
         </p:nvCxnSpPr>
         <p:spPr>
           <a:xfrm>
             <a:off x="6226774" y="3146132"/>
-            <a:ext cx="1144576" cy="432648"/>
-          </a:xfrm>
-          <a:prstGeom prst="line">
-            <a:avLst/>
-          </a:prstGeom>
-          <a:ln w="12700">
-            <a:solidFill>
-              <a:schemeClr val="tx1"/>
-            </a:solidFill>
-          </a:ln>
-        </p:spPr>
-        <p:style>
-          <a:lnRef idx="1">
-            <a:schemeClr val="accent1"/>
-          </a:lnRef>
-          <a:fillRef idx="0">
-            <a:schemeClr val="accent1"/>
-          </a:fillRef>
-          <a:effectRef idx="0">
-            <a:schemeClr val="accent1"/>
-          </a:effectRef>
-          <a:fontRef idx="minor">
-            <a:schemeClr val="tx1"/>
-          </a:fontRef>
-        </p:style>
-      </p:cxnSp>
-      <p:cxnSp>
-        <p:nvCxnSpPr>
-          <p:cNvPr id="25" name="直接连接符 24">
-            <a:extLst>
-              <a:ext uri="{FF2B5EF4-FFF2-40B4-BE49-F238E27FC236}">
-                <a16:creationId xmlns:a16="http://schemas.microsoft.com/office/drawing/2014/main" id="{FB62A621-1752-9763-6EB5-88464E19743D}"/>
-              </a:ext>
-            </a:extLst>
-          </p:cNvPr>
-          <p:cNvCxnSpPr>
-            <a:cxnSpLocks/>
-            <a:stCxn id="6" idx="2"/>
-            <a:endCxn id="7" idx="0"/>
-          </p:cNvCxnSpPr>
-          <p:nvPr/>
-        </p:nvCxnSpPr>
-        <p:spPr>
-          <a:xfrm flipH="1">
-            <a:off x="6608654" y="3948112"/>
-            <a:ext cx="762696" cy="299873"/>
-          </a:xfrm>
-          <a:prstGeom prst="line">
-            <a:avLst/>
-          </a:prstGeom>
-          <a:ln w="12700">
-            <a:solidFill>
-              <a:schemeClr val="tx1"/>
-            </a:solidFill>
-          </a:ln>
-        </p:spPr>
-        <p:style>
-          <a:lnRef idx="1">
-            <a:schemeClr val="accent1"/>
-          </a:lnRef>
-          <a:fillRef idx="0">
-            <a:schemeClr val="accent1"/>
-          </a:fillRef>
-          <a:effectRef idx="0">
-            <a:schemeClr val="accent1"/>
-          </a:effectRef>
-          <a:fontRef idx="minor">
-            <a:schemeClr val="tx1"/>
-          </a:fontRef>
-        </p:style>
-      </p:cxnSp>
-      <p:cxnSp>
-        <p:nvCxnSpPr>
-          <p:cNvPr id="28" name="直接连接符 27">
-            <a:extLst>
-              <a:ext uri="{FF2B5EF4-FFF2-40B4-BE49-F238E27FC236}">
-                <a16:creationId xmlns:a16="http://schemas.microsoft.com/office/drawing/2014/main" id="{29DC1CFA-A5CA-14CF-8014-DD89EF57D32B}"/>
-              </a:ext>
-            </a:extLst>
-          </p:cNvPr>
-          <p:cNvCxnSpPr>
-            <a:cxnSpLocks/>
-            <a:stCxn id="6" idx="2"/>
-            <a:endCxn id="8" idx="0"/>
-          </p:cNvCxnSpPr>
-          <p:nvPr/>
-        </p:nvCxnSpPr>
-        <p:spPr>
-          <a:xfrm>
-            <a:off x="7371350" y="3948112"/>
-            <a:ext cx="961831" cy="299873"/>
-          </a:xfrm>
-          <a:prstGeom prst="line">
-            <a:avLst/>
-          </a:prstGeom>
-          <a:ln w="12700">
-            <a:solidFill>
-              <a:schemeClr val="tx1"/>
-            </a:solidFill>
-          </a:ln>
-        </p:spPr>
-        <p:style>
-          <a:lnRef idx="1">
-            <a:schemeClr val="accent1"/>
-          </a:lnRef>
-          <a:fillRef idx="0">
-            <a:schemeClr val="accent1"/>
-          </a:fillRef>
-          <a:effectRef idx="0">
-            <a:schemeClr val="accent1"/>
-          </a:effectRef>
-          <a:fontRef idx="minor">
-            <a:schemeClr val="tx1"/>
-          </a:fontRef>
-        </p:style>
-      </p:cxnSp>
-      <p:cxnSp>
-        <p:nvCxnSpPr>
-          <p:cNvPr id="31" name="直接连接符 30">
-            <a:extLst>
-              <a:ext uri="{FF2B5EF4-FFF2-40B4-BE49-F238E27FC236}">
-                <a16:creationId xmlns:a16="http://schemas.microsoft.com/office/drawing/2014/main" id="{17E95D2D-35B9-6532-DAD2-D33F5F382593}"/>
-              </a:ext>
-            </a:extLst>
-          </p:cNvPr>
-          <p:cNvCxnSpPr>
-            <a:cxnSpLocks/>
-            <a:stCxn id="8" idx="2"/>
-            <a:endCxn id="9" idx="0"/>
-          </p:cNvCxnSpPr>
-          <p:nvPr/>
-        </p:nvCxnSpPr>
-        <p:spPr>
-          <a:xfrm flipH="1">
-            <a:off x="7661140" y="4617317"/>
-            <a:ext cx="672041" cy="252151"/>
-          </a:xfrm>
-          <a:prstGeom prst="line">
-            <a:avLst/>
-          </a:prstGeom>
-          <a:ln w="12700">
-            <a:solidFill>
-              <a:schemeClr val="tx1"/>
-            </a:solidFill>
-          </a:ln>
-        </p:spPr>
-        <p:style>
-          <a:lnRef idx="1">
-            <a:schemeClr val="accent1"/>
-          </a:lnRef>
-          <a:fillRef idx="0">
-            <a:schemeClr val="accent1"/>
-          </a:fillRef>
-          <a:effectRef idx="0">
-            <a:schemeClr val="accent1"/>
-          </a:effectRef>
-          <a:fontRef idx="minor">
-            <a:schemeClr val="tx1"/>
-          </a:fontRef>
-        </p:style>
-      </p:cxnSp>
-      <p:cxnSp>
-        <p:nvCxnSpPr>
-          <p:cNvPr id="34" name="直接连接符 33">
-            <a:extLst>
-              <a:ext uri="{FF2B5EF4-FFF2-40B4-BE49-F238E27FC236}">
-                <a16:creationId xmlns:a16="http://schemas.microsoft.com/office/drawing/2014/main" id="{4F4B3293-AD84-3A37-E4B2-5AEA080404A5}"/>
-              </a:ext>
-            </a:extLst>
-          </p:cNvPr>
-          <p:cNvCxnSpPr>
-            <a:cxnSpLocks/>
-            <a:stCxn id="8" idx="2"/>
-            <a:endCxn id="10" idx="0"/>
-          </p:cNvCxnSpPr>
-          <p:nvPr/>
-        </p:nvCxnSpPr>
-        <p:spPr>
-          <a:xfrm>
-            <a:off x="8333181" y="4617317"/>
-            <a:ext cx="722924" cy="270041"/>
+            <a:ext cx="966638" cy="362868"/>
           </a:xfrm>
           <a:prstGeom prst="line">
             <a:avLst/>
@@ -25377,7 +24379,7 @@
         </p:nvCxnSpPr>
         <p:spPr>
           <a:xfrm flipH="1">
-            <a:off x="8559301" y="5256690"/>
+            <a:off x="6696608" y="3878332"/>
             <a:ext cx="496804" cy="247955"/>
           </a:xfrm>
           <a:prstGeom prst="line">
@@ -25404,8 +24406,8 @@
           </a:fontRef>
         </p:style>
       </p:cxnSp>
-      <mc:AlternateContent xmlns:mc="http://schemas.openxmlformats.org/markup-compatibility/2006" xmlns:a14="http://schemas.microsoft.com/office/drawing/2010/main">
-        <mc:Choice Requires="a14">
+      <mc:AlternateContent xmlns:mc="http://schemas.openxmlformats.org/markup-compatibility/2006">
+        <mc:Choice xmlns:a14="http://schemas.microsoft.com/office/drawing/2010/main" Requires="a14">
           <p:sp>
             <p:nvSpPr>
               <p:cNvPr id="41" name="文本框 40">
@@ -25420,7 +24422,7 @@
             </p:nvSpPr>
             <p:spPr>
               <a:xfrm>
-                <a:off x="9397539" y="5551385"/>
+                <a:off x="7534846" y="4173027"/>
                 <a:ext cx="444352" cy="369332"/>
               </a:xfrm>
               <a:prstGeom prst="rect">
@@ -25461,7 +24463,7 @@
             </p:txBody>
           </p:sp>
         </mc:Choice>
-        <mc:Fallback xmlns="">
+        <mc:Fallback>
           <p:sp>
             <p:nvSpPr>
               <p:cNvPr id="41" name="文本框 40">
@@ -25478,7 +24480,7 @@
             </p:nvSpPr>
             <p:spPr>
               <a:xfrm>
-                <a:off x="9397539" y="5551385"/>
+                <a:off x="7534846" y="4173027"/>
                 <a:ext cx="444352" cy="369332"/>
               </a:xfrm>
               <a:prstGeom prst="rect">
@@ -25524,7 +24526,7 @@
         </p:nvCxnSpPr>
         <p:spPr>
           <a:xfrm>
-            <a:off x="9056105" y="5256690"/>
+            <a:off x="7193412" y="3878332"/>
             <a:ext cx="563610" cy="294695"/>
           </a:xfrm>
           <a:prstGeom prst="line">
@@ -25551,8 +24553,8 @@
           </a:fontRef>
         </p:style>
       </p:cxnSp>
-      <mc:AlternateContent xmlns:mc="http://schemas.openxmlformats.org/markup-compatibility/2006" xmlns:a14="http://schemas.microsoft.com/office/drawing/2010/main">
-        <mc:Choice Requires="a14">
+      <mc:AlternateContent xmlns:mc="http://schemas.openxmlformats.org/markup-compatibility/2006">
+        <mc:Choice xmlns:a14="http://schemas.microsoft.com/office/drawing/2010/main" Requires="a14">
           <p:sp>
             <p:nvSpPr>
               <p:cNvPr id="47" name="文本框 46">
@@ -25567,7 +24569,7 @@
             </p:nvSpPr>
             <p:spPr>
               <a:xfrm>
-                <a:off x="9370641" y="6014205"/>
+                <a:off x="7507948" y="4635847"/>
                 <a:ext cx="498149" cy="369332"/>
               </a:xfrm>
               <a:prstGeom prst="rect">
@@ -25621,7 +24623,7 @@
             </p:txBody>
           </p:sp>
         </mc:Choice>
-        <mc:Fallback xmlns="">
+        <mc:Fallback>
           <p:sp>
             <p:nvSpPr>
               <p:cNvPr id="47" name="文本框 46">
@@ -25638,7 +24640,7 @@
             </p:nvSpPr>
             <p:spPr>
               <a:xfrm>
-                <a:off x="9370641" y="6014205"/>
+                <a:off x="7507948" y="4635847"/>
                 <a:ext cx="498149" cy="369332"/>
               </a:xfrm>
               <a:prstGeom prst="rect">
@@ -25684,7 +24686,7 @@
         </p:nvCxnSpPr>
         <p:spPr>
           <a:xfrm flipH="1" flipV="1">
-            <a:off x="9619715" y="5920717"/>
+            <a:off x="7757022" y="4542359"/>
             <a:ext cx="1" cy="93488"/>
           </a:xfrm>
           <a:prstGeom prst="line">
@@ -25711,580 +24713,14 @@
           </a:fontRef>
         </p:style>
       </p:cxnSp>
-      <mc:AlternateContent xmlns:mc="http://schemas.openxmlformats.org/markup-compatibility/2006" xmlns:a14="http://schemas.microsoft.com/office/drawing/2010/main">
-        <mc:Choice Requires="a14">
-          <p:sp>
-            <p:nvSpPr>
-              <p:cNvPr id="90" name="文本框 89">
-                <a:extLst>
-                  <a:ext uri="{FF2B5EF4-FFF2-40B4-BE49-F238E27FC236}">
-                    <a16:creationId xmlns:a16="http://schemas.microsoft.com/office/drawing/2014/main" id="{B8324AC4-AD96-EC37-F6A1-15FC3975D5C7}"/>
-                  </a:ext>
-                </a:extLst>
-              </p:cNvPr>
-              <p:cNvSpPr txBox="1"/>
-              <p:nvPr/>
-            </p:nvSpPr>
-            <p:spPr>
-              <a:xfrm>
-                <a:off x="4451640" y="3810179"/>
-                <a:ext cx="1512915" cy="391646"/>
-              </a:xfrm>
-              <a:prstGeom prst="rect">
-                <a:avLst/>
-              </a:prstGeom>
-              <a:noFill/>
-            </p:spPr>
-            <p:txBody>
-              <a:bodyPr wrap="none" rtlCol="0">
-                <a:spAutoFit/>
-              </a:bodyPr>
-              <a:lstStyle/>
-              <a:p>
-                <a14:m>
-                  <m:oMath xmlns:m="http://schemas.openxmlformats.org/officeDocument/2006/math">
-                    <m:r>
-                      <a:rPr lang="en-US" altLang="zh-CN" b="0" i="1" smtClean="0">
-                        <a:latin typeface="Cambria Math" panose="02040503050406030204" pitchFamily="18" charset="0"/>
-                      </a:rPr>
-                      <m:t>(</m:t>
-                    </m:r>
-                    <m:sSub>
-                      <m:sSubPr>
-                        <m:ctrlPr>
-                          <a:rPr lang="en-US" altLang="zh-CN" i="1" smtClean="0">
-                            <a:latin typeface="Cambria Math" panose="02040503050406030204" pitchFamily="18" charset="0"/>
-                          </a:rPr>
-                        </m:ctrlPr>
-                      </m:sSubPr>
-                      <m:e>
-                        <m:r>
-                          <a:rPr lang="en-US" altLang="zh-CN" b="0" i="1" smtClean="0">
-                            <a:latin typeface="Cambria Math" panose="02040503050406030204" pitchFamily="18" charset="0"/>
-                          </a:rPr>
-                          <m:t>𝑔𝑎𝑜</m:t>
-                        </m:r>
-                      </m:e>
-                      <m:sub>
-                        <m:r>
-                          <a:rPr lang="en-US" altLang="zh-CN" b="0" i="1" smtClean="0">
-                            <a:latin typeface="Cambria Math" panose="02040503050406030204" pitchFamily="18" charset="0"/>
-                          </a:rPr>
-                          <m:t>𝑖</m:t>
-                        </m:r>
-                      </m:sub>
-                    </m:sSub>
-                  </m:oMath>
-                </a14:m>
-                <a:r>
-                  <a:rPr lang="en-US" altLang="zh-CN" dirty="0"/>
-                  <a:t>-</a:t>
-                </a:r>
-                <a14:m>
-                  <m:oMath xmlns:m="http://schemas.openxmlformats.org/officeDocument/2006/math">
-                    <m:r>
-                      <a:rPr lang="zh-CN" altLang="en-US" i="1" smtClean="0">
-                        <a:latin typeface="Cambria Math" panose="02040503050406030204" pitchFamily="18" charset="0"/>
-                      </a:rPr>
-                      <m:t>𝜇</m:t>
-                    </m:r>
-                    <m:sSub>
-                      <m:sSubPr>
-                        <m:ctrlPr>
-                          <a:rPr lang="en-US" altLang="zh-CN" i="1" smtClean="0">
-                            <a:latin typeface="Cambria Math" panose="02040503050406030204" pitchFamily="18" charset="0"/>
-                          </a:rPr>
-                        </m:ctrlPr>
-                      </m:sSubPr>
-                      <m:e>
-                        <m:r>
-                          <a:rPr lang="en-US" altLang="zh-CN" b="0" i="1" smtClean="0">
-                            <a:latin typeface="Cambria Math" panose="02040503050406030204" pitchFamily="18" charset="0"/>
-                          </a:rPr>
-                          <m:t>)</m:t>
-                        </m:r>
-                      </m:e>
-                      <m:sub>
-                        <m:r>
-                          <a:rPr lang="en-US" altLang="zh-CN" b="0" i="1" smtClean="0">
-                            <a:latin typeface="Cambria Math" panose="02040503050406030204" pitchFamily="18" charset="0"/>
-                          </a:rPr>
-                          <m:t>𝑗</m:t>
-                        </m:r>
-                      </m:sub>
-                    </m:sSub>
-                  </m:oMath>
-                </a14:m>
-                <a:r>
-                  <a:rPr lang="en-US" altLang="zh-CN" dirty="0"/>
-                  <a:t>-</a:t>
-                </a:r>
-                <a14:m>
-                  <m:oMath xmlns:m="http://schemas.openxmlformats.org/officeDocument/2006/math">
-                    <m:sSub>
-                      <m:sSubPr>
-                        <m:ctrlPr>
-                          <a:rPr lang="en-US" altLang="zh-CN" i="1" smtClean="0">
-                            <a:latin typeface="Cambria Math" panose="02040503050406030204" pitchFamily="18" charset="0"/>
-                          </a:rPr>
-                        </m:ctrlPr>
-                      </m:sSubPr>
-                      <m:e>
-                        <m:r>
-                          <a:rPr lang="zh-CN" altLang="en-US" i="1">
-                            <a:latin typeface="Cambria Math" panose="02040503050406030204" pitchFamily="18" charset="0"/>
-                          </a:rPr>
-                          <m:t>𝜉</m:t>
-                        </m:r>
-                      </m:e>
-                      <m:sub>
-                        <m:r>
-                          <m:rPr>
-                            <m:sty m:val="p"/>
-                          </m:rPr>
-                          <a:rPr lang="en-US" altLang="zh-CN" i="1">
-                            <a:latin typeface="Cambria Math" panose="02040503050406030204" pitchFamily="18" charset="0"/>
-                          </a:rPr>
-                          <m:t>n</m:t>
-                        </m:r>
-                      </m:sub>
-                    </m:sSub>
-                  </m:oMath>
-                </a14:m>
-                <a:endParaRPr lang="en-US" altLang="zh-CN" dirty="0"/>
-              </a:p>
-            </p:txBody>
-          </p:sp>
-        </mc:Choice>
-        <mc:Fallback xmlns="">
-          <p:sp>
-            <p:nvSpPr>
-              <p:cNvPr id="90" name="文本框 89">
-                <a:extLst>
-                  <a:ext uri="{FF2B5EF4-FFF2-40B4-BE49-F238E27FC236}">
-                    <a16:creationId xmlns:a16="http://schemas.microsoft.com/office/drawing/2014/main" id="{B8324AC4-AD96-EC37-F6A1-15FC3975D5C7}"/>
-                  </a:ext>
-                </a:extLst>
-              </p:cNvPr>
-              <p:cNvSpPr txBox="1">
-                <a:spLocks noRot="1" noChangeAspect="1" noMove="1" noResize="1" noEditPoints="1" noAdjustHandles="1" noChangeArrowheads="1" noChangeShapeType="1" noTextEdit="1"/>
-              </p:cNvSpPr>
-              <p:nvPr/>
-            </p:nvSpPr>
-            <p:spPr>
-              <a:xfrm>
-                <a:off x="4451640" y="3810179"/>
-                <a:ext cx="1512915" cy="391646"/>
-              </a:xfrm>
-              <a:prstGeom prst="rect">
-                <a:avLst/>
-              </a:prstGeom>
-              <a:blipFill>
-                <a:blip r:embed="rId13"/>
-                <a:stretch>
-                  <a:fillRect l="-1210" t="-6250" b="-20313"/>
-                </a:stretch>
-              </a:blipFill>
-            </p:spPr>
-            <p:txBody>
-              <a:bodyPr/>
-              <a:lstStyle/>
-              <a:p>
-                <a:r>
-                  <a:rPr lang="zh-CN" altLang="en-US">
-                    <a:noFill/>
-                  </a:rPr>
-                  <a:t> </a:t>
-                </a:r>
-              </a:p>
-            </p:txBody>
-          </p:sp>
-        </mc:Fallback>
-      </mc:AlternateContent>
-      <p:cxnSp>
-        <p:nvCxnSpPr>
-          <p:cNvPr id="92" name="连接符: 肘形 91">
-            <a:extLst>
-              <a:ext uri="{FF2B5EF4-FFF2-40B4-BE49-F238E27FC236}">
-                <a16:creationId xmlns:a16="http://schemas.microsoft.com/office/drawing/2014/main" id="{8E3C6B32-9CBB-F48D-D4E3-DD6EE7DB8792}"/>
-              </a:ext>
-            </a:extLst>
-          </p:cNvPr>
-          <p:cNvCxnSpPr>
-            <a:cxnSpLocks/>
-            <a:stCxn id="112" idx="1"/>
-            <a:endCxn id="115" idx="2"/>
-          </p:cNvCxnSpPr>
-          <p:nvPr/>
-        </p:nvCxnSpPr>
-        <p:spPr>
-          <a:xfrm rot="10800000">
-            <a:off x="7644574" y="5513266"/>
-            <a:ext cx="1752967" cy="942117"/>
-          </a:xfrm>
-          <a:prstGeom prst="bentConnector2">
-            <a:avLst/>
-          </a:prstGeom>
-          <a:ln w="12700">
-            <a:solidFill>
-              <a:schemeClr val="tx1"/>
-            </a:solidFill>
-            <a:prstDash val="solid"/>
-            <a:tailEnd type="triangle"/>
-          </a:ln>
-        </p:spPr>
-        <p:style>
-          <a:lnRef idx="1">
-            <a:schemeClr val="accent1"/>
-          </a:lnRef>
-          <a:fillRef idx="0">
-            <a:schemeClr val="accent1"/>
-          </a:fillRef>
-          <a:effectRef idx="0">
-            <a:schemeClr val="accent1"/>
-          </a:effectRef>
-          <a:fontRef idx="minor">
-            <a:schemeClr val="tx1"/>
-          </a:fontRef>
-        </p:style>
-      </p:cxnSp>
-      <p:cxnSp>
-        <p:nvCxnSpPr>
-          <p:cNvPr id="97" name="连接符: 肘形 96">
-            <a:extLst>
-              <a:ext uri="{FF2B5EF4-FFF2-40B4-BE49-F238E27FC236}">
-                <a16:creationId xmlns:a16="http://schemas.microsoft.com/office/drawing/2014/main" id="{8556C2F5-DC96-4EE5-2D40-61B83DC1BC6F}"/>
-              </a:ext>
-            </a:extLst>
-          </p:cNvPr>
-          <p:cNvCxnSpPr>
-            <a:cxnSpLocks/>
-            <a:stCxn id="115" idx="1"/>
-            <a:endCxn id="90" idx="2"/>
-          </p:cNvCxnSpPr>
-          <p:nvPr/>
-        </p:nvCxnSpPr>
-        <p:spPr>
-          <a:xfrm rot="10800000">
-            <a:off x="5208098" y="4201826"/>
-            <a:ext cx="2232220" cy="1115617"/>
-          </a:xfrm>
-          <a:prstGeom prst="bentConnector2">
-            <a:avLst/>
-          </a:prstGeom>
-          <a:ln w="12700">
-            <a:solidFill>
-              <a:schemeClr val="tx1"/>
-            </a:solidFill>
-            <a:prstDash val="solid"/>
-            <a:tailEnd type="triangle"/>
-          </a:ln>
-        </p:spPr>
-        <p:style>
-          <a:lnRef idx="1">
-            <a:schemeClr val="accent1"/>
-          </a:lnRef>
-          <a:fillRef idx="0">
-            <a:schemeClr val="accent1"/>
-          </a:fillRef>
-          <a:effectRef idx="0">
-            <a:schemeClr val="accent1"/>
-          </a:effectRef>
-          <a:fontRef idx="minor">
-            <a:schemeClr val="tx1"/>
-          </a:fontRef>
-        </p:style>
-      </p:cxnSp>
-      <mc:AlternateContent xmlns:mc="http://schemas.openxmlformats.org/markup-compatibility/2006" xmlns:a14="http://schemas.microsoft.com/office/drawing/2010/main">
-        <mc:Choice Requires="a14">
-          <p:sp>
-            <p:nvSpPr>
-              <p:cNvPr id="112" name="文本框 111">
-                <a:extLst>
-                  <a:ext uri="{FF2B5EF4-FFF2-40B4-BE49-F238E27FC236}">
-                    <a16:creationId xmlns:a16="http://schemas.microsoft.com/office/drawing/2014/main" id="{5EC1E644-F881-87AB-4FC6-61ADDE6A7933}"/>
-                  </a:ext>
-                </a:extLst>
-              </p:cNvPr>
-              <p:cNvSpPr txBox="1"/>
-              <p:nvPr/>
-            </p:nvSpPr>
-            <p:spPr>
-              <a:xfrm>
-                <a:off x="9397540" y="6270716"/>
-                <a:ext cx="409792" cy="369332"/>
-              </a:xfrm>
-              <a:prstGeom prst="rect">
-                <a:avLst/>
-              </a:prstGeom>
-              <a:noFill/>
-            </p:spPr>
-            <p:txBody>
-              <a:bodyPr wrap="none" rtlCol="0">
-                <a:spAutoFit/>
-              </a:bodyPr>
-              <a:lstStyle/>
-              <a:p>
-                <a:pPr/>
-                <a14:m>
-                  <m:oMathPara xmlns:m="http://schemas.openxmlformats.org/officeDocument/2006/math">
-                    <m:oMathParaPr>
-                      <m:jc m:val="centerGroup"/>
-                    </m:oMathParaPr>
-                    <m:oMath xmlns:m="http://schemas.openxmlformats.org/officeDocument/2006/math">
-                      <m:sSub>
-                        <m:sSubPr>
-                          <m:ctrlPr>
-                            <a:rPr lang="en-US" altLang="zh-CN" i="1" smtClean="0">
-                              <a:latin typeface="Cambria Math" panose="02040503050406030204" pitchFamily="18" charset="0"/>
-                            </a:rPr>
-                          </m:ctrlPr>
-                        </m:sSubPr>
-                        <m:e>
-                          <m:r>
-                            <a:rPr lang="en-US" altLang="zh-CN" b="0" i="1" smtClean="0">
-                              <a:latin typeface="Cambria Math" panose="02040503050406030204" pitchFamily="18" charset="0"/>
-                            </a:rPr>
-                            <m:t>𝑡</m:t>
-                          </m:r>
-                        </m:e>
-                        <m:sub>
-                          <m:r>
-                            <a:rPr lang="en-US" altLang="zh-CN" b="0" i="1" smtClean="0">
-                              <a:latin typeface="Cambria Math" panose="02040503050406030204" pitchFamily="18" charset="0"/>
-                            </a:rPr>
-                            <m:t>𝑖</m:t>
-                          </m:r>
-                        </m:sub>
-                      </m:sSub>
-                    </m:oMath>
-                  </m:oMathPara>
-                </a14:m>
-                <a:endParaRPr lang="en-US" altLang="zh-CN"/>
-              </a:p>
-            </p:txBody>
-          </p:sp>
-        </mc:Choice>
-        <mc:Fallback xmlns="">
-          <p:sp>
-            <p:nvSpPr>
-              <p:cNvPr id="112" name="文本框 111">
-                <a:extLst>
-                  <a:ext uri="{FF2B5EF4-FFF2-40B4-BE49-F238E27FC236}">
-                    <a16:creationId xmlns:a16="http://schemas.microsoft.com/office/drawing/2014/main" id="{5EC1E644-F881-87AB-4FC6-61ADDE6A7933}"/>
-                  </a:ext>
-                </a:extLst>
-              </p:cNvPr>
-              <p:cNvSpPr txBox="1">
-                <a:spLocks noRot="1" noChangeAspect="1" noMove="1" noResize="1" noEditPoints="1" noAdjustHandles="1" noChangeArrowheads="1" noChangeShapeType="1" noTextEdit="1"/>
-              </p:cNvSpPr>
-              <p:nvPr/>
-            </p:nvSpPr>
-            <p:spPr>
-              <a:xfrm>
-                <a:off x="9397540" y="6270716"/>
-                <a:ext cx="409792" cy="369332"/>
-              </a:xfrm>
-              <a:prstGeom prst="rect">
-                <a:avLst/>
-              </a:prstGeom>
-              <a:blipFill>
-                <a:blip r:embed="rId14"/>
-                <a:stretch>
-                  <a:fillRect b="-1667"/>
-                </a:stretch>
-              </a:blipFill>
-            </p:spPr>
-            <p:txBody>
-              <a:bodyPr/>
-              <a:lstStyle/>
-              <a:p>
-                <a:r>
-                  <a:rPr lang="zh-CN" altLang="en-US">
-                    <a:noFill/>
-                  </a:rPr>
-                  <a:t> </a:t>
-                </a:r>
-              </a:p>
-            </p:txBody>
-          </p:sp>
-        </mc:Fallback>
-      </mc:AlternateContent>
-      <mc:AlternateContent xmlns:mc="http://schemas.openxmlformats.org/markup-compatibility/2006" xmlns:a14="http://schemas.microsoft.com/office/drawing/2010/main">
-        <mc:Choice Requires="a14">
-          <p:sp>
-            <p:nvSpPr>
-              <p:cNvPr id="115" name="文本框 114">
-                <a:extLst>
-                  <a:ext uri="{FF2B5EF4-FFF2-40B4-BE49-F238E27FC236}">
-                    <a16:creationId xmlns:a16="http://schemas.microsoft.com/office/drawing/2014/main" id="{7BC62686-D3E2-719C-27AD-7C6B6A324F09}"/>
-                  </a:ext>
-                </a:extLst>
-              </p:cNvPr>
-              <p:cNvSpPr txBox="1"/>
-              <p:nvPr/>
-            </p:nvSpPr>
-            <p:spPr>
-              <a:xfrm>
-                <a:off x="7440318" y="5121619"/>
-                <a:ext cx="408509" cy="391646"/>
-              </a:xfrm>
-              <a:prstGeom prst="rect">
-                <a:avLst/>
-              </a:prstGeom>
-              <a:noFill/>
-            </p:spPr>
-            <p:txBody>
-              <a:bodyPr wrap="none" rtlCol="0">
-                <a:spAutoFit/>
-              </a:bodyPr>
-              <a:lstStyle/>
-              <a:p>
-                <a:pPr/>
-                <a14:m>
-                  <m:oMathPara xmlns:m="http://schemas.openxmlformats.org/officeDocument/2006/math">
-                    <m:oMathParaPr>
-                      <m:jc m:val="centerGroup"/>
-                    </m:oMathParaPr>
-                    <m:oMath xmlns:m="http://schemas.openxmlformats.org/officeDocument/2006/math">
-                      <m:sSub>
-                        <m:sSubPr>
-                          <m:ctrlPr>
-                            <a:rPr lang="en-US" altLang="zh-CN" i="1" smtClean="0">
-                              <a:latin typeface="Cambria Math" panose="02040503050406030204" pitchFamily="18" charset="0"/>
-                            </a:rPr>
-                          </m:ctrlPr>
-                        </m:sSubPr>
-                        <m:e>
-                          <m:r>
-                            <a:rPr lang="en-US" altLang="zh-CN" b="0" i="1" smtClean="0">
-                              <a:latin typeface="Cambria Math" panose="02040503050406030204" pitchFamily="18" charset="0"/>
-                            </a:rPr>
-                            <m:t>𝑡</m:t>
-                          </m:r>
-                        </m:e>
-                        <m:sub>
-                          <m:r>
-                            <a:rPr lang="en-US" altLang="zh-CN" b="0" i="1" smtClean="0">
-                              <a:latin typeface="Cambria Math" panose="02040503050406030204" pitchFamily="18" charset="0"/>
-                            </a:rPr>
-                            <m:t>𝑗</m:t>
-                          </m:r>
-                        </m:sub>
-                      </m:sSub>
-                    </m:oMath>
-                  </m:oMathPara>
-                </a14:m>
-                <a:endParaRPr lang="en-US" altLang="zh-CN"/>
-              </a:p>
-            </p:txBody>
-          </p:sp>
-        </mc:Choice>
-        <mc:Fallback xmlns="">
-          <p:sp>
-            <p:nvSpPr>
-              <p:cNvPr id="115" name="文本框 114">
-                <a:extLst>
-                  <a:ext uri="{FF2B5EF4-FFF2-40B4-BE49-F238E27FC236}">
-                    <a16:creationId xmlns:a16="http://schemas.microsoft.com/office/drawing/2014/main" id="{7BC62686-D3E2-719C-27AD-7C6B6A324F09}"/>
-                  </a:ext>
-                </a:extLst>
-              </p:cNvPr>
-              <p:cNvSpPr txBox="1">
-                <a:spLocks noRot="1" noChangeAspect="1" noMove="1" noResize="1" noEditPoints="1" noAdjustHandles="1" noChangeArrowheads="1" noChangeShapeType="1" noTextEdit="1"/>
-              </p:cNvSpPr>
-              <p:nvPr/>
-            </p:nvSpPr>
-            <p:spPr>
-              <a:xfrm>
-                <a:off x="7440318" y="5121619"/>
-                <a:ext cx="408509" cy="391646"/>
-              </a:xfrm>
-              <a:prstGeom prst="rect">
-                <a:avLst/>
-              </a:prstGeom>
-              <a:blipFill>
-                <a:blip r:embed="rId15"/>
-                <a:stretch>
-                  <a:fillRect b="-9375"/>
-                </a:stretch>
-              </a:blipFill>
-            </p:spPr>
-            <p:txBody>
-              <a:bodyPr/>
-              <a:lstStyle/>
-              <a:p>
-                <a:r>
-                  <a:rPr lang="zh-CN" altLang="en-US">
-                    <a:noFill/>
-                  </a:rPr>
-                  <a:t> </a:t>
-                </a:r>
-              </a:p>
-            </p:txBody>
-          </p:sp>
-        </mc:Fallback>
-      </mc:AlternateContent>
-      <p:sp>
-        <p:nvSpPr>
-          <p:cNvPr id="126" name="等腰三角形 125">
-            <a:extLst>
-              <a:ext uri="{FF2B5EF4-FFF2-40B4-BE49-F238E27FC236}">
-                <a16:creationId xmlns:a16="http://schemas.microsoft.com/office/drawing/2014/main" id="{BE1C878F-EA42-D7C1-5E4B-C3F9F24DC86A}"/>
-              </a:ext>
-            </a:extLst>
-          </p:cNvPr>
-          <p:cNvSpPr/>
-          <p:nvPr/>
-        </p:nvSpPr>
-        <p:spPr>
-          <a:xfrm>
-            <a:off x="6266326" y="4631061"/>
-            <a:ext cx="684655" cy="230414"/>
-          </a:xfrm>
-          <a:prstGeom prst="triangle">
-            <a:avLst/>
-          </a:prstGeom>
-          <a:noFill/>
-          <a:ln>
-            <a:solidFill>
-              <a:schemeClr val="tx1"/>
-            </a:solidFill>
-          </a:ln>
-        </p:spPr>
-        <p:style>
-          <a:lnRef idx="2">
-            <a:schemeClr val="accent1">
-              <a:shade val="15000"/>
-            </a:schemeClr>
-          </a:lnRef>
-          <a:fillRef idx="1">
-            <a:schemeClr val="accent1"/>
-          </a:fillRef>
-          <a:effectRef idx="0">
-            <a:schemeClr val="accent1"/>
-          </a:effectRef>
-          <a:fontRef idx="minor">
-            <a:schemeClr val="lt1"/>
-          </a:fontRef>
-        </p:style>
-        <p:txBody>
-          <a:bodyPr rtlCol="0" anchor="ctr"/>
-          <a:lstStyle/>
-          <a:p>
-            <a:pPr algn="ctr"/>
-            <a:endParaRPr lang="zh-CN" altLang="en-US"/>
-          </a:p>
-        </p:txBody>
-      </p:sp>
       <mc:AlternateContent xmlns:mc="http://schemas.openxmlformats.org/markup-compatibility/2006">
         <mc:Choice xmlns:a14="http://schemas.microsoft.com/office/drawing/2010/main" Requires="a14">
           <p:sp>
             <p:nvSpPr>
-              <p:cNvPr id="139" name="文本框 138">
-                <a:extLst>
-                  <a:ext uri="{FF2B5EF4-FFF2-40B4-BE49-F238E27FC236}">
-                    <a16:creationId xmlns:a16="http://schemas.microsoft.com/office/drawing/2014/main" id="{C5C2DB54-A45A-2172-ECB2-89139A1AE721}"/>
+              <p:cNvPr id="112" name="文本框 111">
+                <a:extLst>
+                  <a:ext uri="{FF2B5EF4-FFF2-40B4-BE49-F238E27FC236}">
+                    <a16:creationId xmlns:a16="http://schemas.microsoft.com/office/drawing/2014/main" id="{5EC1E644-F881-87AB-4FC6-61ADDE6A7933}"/>
                   </a:ext>
                 </a:extLst>
               </p:cNvPr>
@@ -26293,8 +24729,8 @@
             </p:nvSpPr>
             <p:spPr>
               <a:xfrm>
-                <a:off x="6184851" y="4832488"/>
-                <a:ext cx="878061" cy="369332"/>
+                <a:off x="7434529" y="4837054"/>
+                <a:ext cx="644985" cy="369332"/>
               </a:xfrm>
               <a:prstGeom prst="rect">
                 <a:avLst/>
@@ -26318,18 +24754,12 @@
                         <a:rPr lang="en-US" altLang="zh-CN" b="0" i="1" smtClean="0">
                           <a:latin typeface="Cambria Math" panose="02040503050406030204" pitchFamily="18" charset="0"/>
                         </a:rPr>
-                        <m:t>1.7 </m:t>
-                      </m:r>
-                      <m:r>
-                        <a:rPr lang="en-US" altLang="zh-CN" b="0" i="1" smtClean="0">
-                          <a:latin typeface="Cambria Math" panose="02040503050406030204" pitchFamily="18" charset="0"/>
-                        </a:rPr>
-                        <m:t>𝑚𝑖</m:t>
+                        <m:t>𝑔𝑎𝑜</m:t>
                       </m:r>
                     </m:oMath>
                   </m:oMathPara>
                 </a14:m>
-                <a:endParaRPr lang="zh-CN" altLang="en-US" dirty="0"/>
+                <a:endParaRPr lang="en-US" altLang="zh-CN" dirty="0"/>
               </a:p>
             </p:txBody>
           </p:sp>
@@ -26337,10 +24767,10 @@
         <mc:Fallback>
           <p:sp>
             <p:nvSpPr>
-              <p:cNvPr id="139" name="文本框 138">
-                <a:extLst>
-                  <a:ext uri="{FF2B5EF4-FFF2-40B4-BE49-F238E27FC236}">
-                    <a16:creationId xmlns:a16="http://schemas.microsoft.com/office/drawing/2014/main" id="{C5C2DB54-A45A-2172-ECB2-89139A1AE721}"/>
+              <p:cNvPr id="112" name="文本框 111">
+                <a:extLst>
+                  <a:ext uri="{FF2B5EF4-FFF2-40B4-BE49-F238E27FC236}">
+                    <a16:creationId xmlns:a16="http://schemas.microsoft.com/office/drawing/2014/main" id="{5EC1E644-F881-87AB-4FC6-61ADDE6A7933}"/>
                   </a:ext>
                 </a:extLst>
               </p:cNvPr>
@@ -26351,16 +24781,16 @@
             </p:nvSpPr>
             <p:spPr>
               <a:xfrm>
-                <a:off x="6184851" y="4832488"/>
-                <a:ext cx="878061" cy="369332"/>
+                <a:off x="7434529" y="4837054"/>
+                <a:ext cx="644985" cy="369332"/>
               </a:xfrm>
               <a:prstGeom prst="rect">
                 <a:avLst/>
               </a:prstGeom>
               <a:blipFill>
-                <a:blip r:embed="rId16"/>
+                <a:blip r:embed="rId13"/>
                 <a:stretch>
-                  <a:fillRect/>
+                  <a:fillRect b="-6557"/>
                 </a:stretch>
               </a:blipFill>
             </p:spPr>
@@ -26379,8 +24809,8 @@
           </p:sp>
         </mc:Fallback>
       </mc:AlternateContent>
-      <mc:AlternateContent xmlns:mc="http://schemas.openxmlformats.org/markup-compatibility/2006" xmlns:a14="http://schemas.microsoft.com/office/drawing/2010/main">
-        <mc:Choice Requires="a14">
+      <mc:AlternateContent xmlns:mc="http://schemas.openxmlformats.org/markup-compatibility/2006">
+        <mc:Choice xmlns:a14="http://schemas.microsoft.com/office/drawing/2010/main" Requires="a14">
           <p:sp>
             <p:nvSpPr>
               <p:cNvPr id="141" name="文本框 140">
@@ -26395,7 +24825,7 @@
             </p:nvSpPr>
             <p:spPr>
               <a:xfrm>
-                <a:off x="8333181" y="5504645"/>
+                <a:off x="6470488" y="4126287"/>
                 <a:ext cx="452240" cy="369332"/>
               </a:xfrm>
               <a:prstGeom prst="rect">
@@ -26449,7 +24879,7 @@
             </p:txBody>
           </p:sp>
         </mc:Choice>
-        <mc:Fallback xmlns="">
+        <mc:Fallback>
           <p:sp>
             <p:nvSpPr>
               <p:cNvPr id="141" name="文本框 140">
@@ -26466,14 +24896,14 @@
             </p:nvSpPr>
             <p:spPr>
               <a:xfrm>
-                <a:off x="8333181" y="5504645"/>
+                <a:off x="6470488" y="4126287"/>
                 <a:ext cx="452240" cy="369332"/>
               </a:xfrm>
               <a:prstGeom prst="rect">
                 <a:avLst/>
               </a:prstGeom>
               <a:blipFill>
-                <a:blip r:embed="rId17"/>
+                <a:blip r:embed="rId14"/>
                 <a:stretch>
                   <a:fillRect/>
                 </a:stretch>
@@ -27369,8 +25799,8 @@
           </a:p>
         </p:txBody>
       </p:sp>
-      <mc:AlternateContent xmlns:mc="http://schemas.openxmlformats.org/markup-compatibility/2006">
-        <mc:Choice xmlns:a14="http://schemas.microsoft.com/office/drawing/2010/main" Requires="a14">
+      <mc:AlternateContent xmlns:mc="http://schemas.openxmlformats.org/markup-compatibility/2006" xmlns:a14="http://schemas.microsoft.com/office/drawing/2010/main">
+        <mc:Choice Requires="a14">
           <p:sp>
             <p:nvSpPr>
               <p:cNvPr id="230" name="文本框 229">
@@ -27438,7 +25868,7 @@
             </p:txBody>
           </p:sp>
         </mc:Choice>
-        <mc:Fallback>
+        <mc:Fallback xmlns="">
           <p:sp>
             <p:nvSpPr>
               <p:cNvPr id="230" name="文本框 229">
@@ -27501,12 +25931,12 @@
         </p:nvCxnSpPr>
         <p:spPr>
           <a:xfrm rot="5400000" flipH="1">
-            <a:off x="2976470" y="291146"/>
-            <a:ext cx="4043984" cy="7121678"/>
+            <a:off x="2734303" y="533314"/>
+            <a:ext cx="2665626" cy="5258985"/>
           </a:xfrm>
           <a:prstGeom prst="bentConnector3">
             <a:avLst>
-              <a:gd name="adj1" fmla="val -5653"/>
+              <a:gd name="adj1" fmla="val -8576"/>
             </a:avLst>
           </a:prstGeom>
           <a:ln w="12700">
@@ -27532,6 +25962,102 @@
           </a:fontRef>
         </p:style>
       </p:cxnSp>
+      <mc:AlternateContent xmlns:mc="http://schemas.openxmlformats.org/markup-compatibility/2006">
+        <mc:Choice xmlns:a14="http://schemas.microsoft.com/office/drawing/2010/main" Requires="a14">
+          <p:sp>
+            <p:nvSpPr>
+              <p:cNvPr id="51" name="文本框 50">
+                <a:extLst>
+                  <a:ext uri="{FF2B5EF4-FFF2-40B4-BE49-F238E27FC236}">
+                    <a16:creationId xmlns:a16="http://schemas.microsoft.com/office/drawing/2014/main" id="{5BF45A9C-95C6-48E8-AB26-756BA71D69D3}"/>
+                  </a:ext>
+                </a:extLst>
+              </p:cNvPr>
+              <p:cNvSpPr txBox="1"/>
+              <p:nvPr/>
+            </p:nvSpPr>
+            <p:spPr>
+              <a:xfrm>
+                <a:off x="4648721" y="3827821"/>
+                <a:ext cx="986937" cy="369332"/>
+              </a:xfrm>
+              <a:prstGeom prst="rect">
+                <a:avLst/>
+              </a:prstGeom>
+              <a:noFill/>
+            </p:spPr>
+            <p:txBody>
+              <a:bodyPr wrap="none" rtlCol="0">
+                <a:spAutoFit/>
+              </a:bodyPr>
+              <a:lstStyle/>
+              <a:p>
+                <a:pPr/>
+                <a14:m>
+                  <m:oMathPara xmlns:m="http://schemas.openxmlformats.org/officeDocument/2006/math">
+                    <m:oMathParaPr>
+                      <m:jc m:val="centerGroup"/>
+                    </m:oMathParaPr>
+                    <m:oMath xmlns:m="http://schemas.openxmlformats.org/officeDocument/2006/math">
+                      <m:r>
+                        <a:rPr lang="en-US" altLang="zh-CN" b="0" i="1" smtClean="0">
+                          <a:latin typeface="Cambria Math" panose="02040503050406030204" pitchFamily="18" charset="0"/>
+                        </a:rPr>
+                        <m:t>𝑦𝑖𝑦𝑎𝑛𝑔</m:t>
+                      </m:r>
+                    </m:oMath>
+                  </m:oMathPara>
+                </a14:m>
+                <a:endParaRPr lang="en-US" altLang="zh-CN" dirty="0"/>
+              </a:p>
+            </p:txBody>
+          </p:sp>
+        </mc:Choice>
+        <mc:Fallback>
+          <p:sp>
+            <p:nvSpPr>
+              <p:cNvPr id="51" name="文本框 50">
+                <a:extLst>
+                  <a:ext uri="{FF2B5EF4-FFF2-40B4-BE49-F238E27FC236}">
+                    <a16:creationId xmlns:a16="http://schemas.microsoft.com/office/drawing/2014/main" id="{5BF45A9C-95C6-48E8-AB26-756BA71D69D3}"/>
+                  </a:ext>
+                </a:extLst>
+              </p:cNvPr>
+              <p:cNvSpPr txBox="1">
+                <a:spLocks noRot="1" noChangeAspect="1" noMove="1" noResize="1" noEditPoints="1" noAdjustHandles="1" noChangeArrowheads="1" noChangeShapeType="1" noTextEdit="1"/>
+              </p:cNvSpPr>
+              <p:nvPr/>
+            </p:nvSpPr>
+            <p:spPr>
+              <a:xfrm>
+                <a:off x="4648721" y="3827821"/>
+                <a:ext cx="986937" cy="369332"/>
+              </a:xfrm>
+              <a:prstGeom prst="rect">
+                <a:avLst/>
+              </a:prstGeom>
+              <a:blipFill>
+                <a:blip r:embed="rId24"/>
+                <a:stretch>
+                  <a:fillRect b="-11475"/>
+                </a:stretch>
+              </a:blipFill>
+            </p:spPr>
+            <p:txBody>
+              <a:bodyPr/>
+              <a:lstStyle/>
+              <a:p>
+                <a:r>
+                  <a:rPr lang="zh-CN" altLang="en-US">
+                    <a:noFill/>
+                  </a:rPr>
+                  <a:t> </a:t>
+                </a:r>
+              </a:p>
+            </p:txBody>
+          </p:sp>
+        </mc:Fallback>
+      </mc:AlternateContent>
     </p:spTree>
     <p:extLst>
       <p:ext uri="{BB962C8B-B14F-4D97-AF65-F5344CB8AC3E}">

--- a/正文/latex/pic.pptx
+++ b/正文/latex/pic.pptx
@@ -5,7 +5,7 @@
     <p:sldMasterId id="2147483648" r:id="rId1"/>
   </p:sldMasterIdLst>
   <p:notesMasterIdLst>
-    <p:notesMasterId r:id="rId14"/>
+    <p:notesMasterId r:id="rId15"/>
   </p:notesMasterIdLst>
   <p:sldIdLst>
     <p:sldId id="259" r:id="rId2"/>
@@ -18,8 +18,9 @@
     <p:sldId id="266" r:id="rId9"/>
     <p:sldId id="263" r:id="rId10"/>
     <p:sldId id="264" r:id="rId11"/>
-    <p:sldId id="265" r:id="rId12"/>
-    <p:sldId id="267" r:id="rId13"/>
+    <p:sldId id="268" r:id="rId12"/>
+    <p:sldId id="265" r:id="rId13"/>
+    <p:sldId id="267" r:id="rId14"/>
   </p:sldIdLst>
   <p:sldSz cx="12192000" cy="6858000"/>
   <p:notesSz cx="6858000" cy="9144000"/>
@@ -208,7 +209,7 @@
           <a:p>
             <a:fld id="{8063BDBE-08EE-4047-8793-5C274C9AA645}" type="datetimeFigureOut">
               <a:rPr lang="zh-CN" altLang="en-US" smtClean="0"/>
-              <a:t>2023/7/5</a:t>
+              <a:t>2023/7/6</a:t>
             </a:fld>
             <a:endParaRPr lang="zh-CN" altLang="en-US"/>
           </a:p>
@@ -798,7 +799,7 @@
           <a:p>
             <a:fld id="{26632025-FB45-42CA-915A-C7DCBA5F44DF}" type="datetimeFigureOut">
               <a:rPr lang="zh-CN" altLang="en-US" smtClean="0"/>
-              <a:t>2023/7/5</a:t>
+              <a:t>2023/7/6</a:t>
             </a:fld>
             <a:endParaRPr lang="zh-CN" altLang="en-US"/>
           </a:p>
@@ -996,7 +997,7 @@
           <a:p>
             <a:fld id="{26632025-FB45-42CA-915A-C7DCBA5F44DF}" type="datetimeFigureOut">
               <a:rPr lang="zh-CN" altLang="en-US" smtClean="0"/>
-              <a:t>2023/7/5</a:t>
+              <a:t>2023/7/6</a:t>
             </a:fld>
             <a:endParaRPr lang="zh-CN" altLang="en-US"/>
           </a:p>
@@ -1204,7 +1205,7 @@
           <a:p>
             <a:fld id="{26632025-FB45-42CA-915A-C7DCBA5F44DF}" type="datetimeFigureOut">
               <a:rPr lang="zh-CN" altLang="en-US" smtClean="0"/>
-              <a:t>2023/7/5</a:t>
+              <a:t>2023/7/6</a:t>
             </a:fld>
             <a:endParaRPr lang="zh-CN" altLang="en-US"/>
           </a:p>
@@ -1402,7 +1403,7 @@
           <a:p>
             <a:fld id="{26632025-FB45-42CA-915A-C7DCBA5F44DF}" type="datetimeFigureOut">
               <a:rPr lang="zh-CN" altLang="en-US" smtClean="0"/>
-              <a:t>2023/7/5</a:t>
+              <a:t>2023/7/6</a:t>
             </a:fld>
             <a:endParaRPr lang="zh-CN" altLang="en-US"/>
           </a:p>
@@ -1677,7 +1678,7 @@
           <a:p>
             <a:fld id="{26632025-FB45-42CA-915A-C7DCBA5F44DF}" type="datetimeFigureOut">
               <a:rPr lang="zh-CN" altLang="en-US" smtClean="0"/>
-              <a:t>2023/7/5</a:t>
+              <a:t>2023/7/6</a:t>
             </a:fld>
             <a:endParaRPr lang="zh-CN" altLang="en-US"/>
           </a:p>
@@ -1942,7 +1943,7 @@
           <a:p>
             <a:fld id="{26632025-FB45-42CA-915A-C7DCBA5F44DF}" type="datetimeFigureOut">
               <a:rPr lang="zh-CN" altLang="en-US" smtClean="0"/>
-              <a:t>2023/7/5</a:t>
+              <a:t>2023/7/6</a:t>
             </a:fld>
             <a:endParaRPr lang="zh-CN" altLang="en-US"/>
           </a:p>
@@ -2354,7 +2355,7 @@
           <a:p>
             <a:fld id="{26632025-FB45-42CA-915A-C7DCBA5F44DF}" type="datetimeFigureOut">
               <a:rPr lang="zh-CN" altLang="en-US" smtClean="0"/>
-              <a:t>2023/7/5</a:t>
+              <a:t>2023/7/6</a:t>
             </a:fld>
             <a:endParaRPr lang="zh-CN" altLang="en-US"/>
           </a:p>
@@ -2495,7 +2496,7 @@
           <a:p>
             <a:fld id="{26632025-FB45-42CA-915A-C7DCBA5F44DF}" type="datetimeFigureOut">
               <a:rPr lang="zh-CN" altLang="en-US" smtClean="0"/>
-              <a:t>2023/7/5</a:t>
+              <a:t>2023/7/6</a:t>
             </a:fld>
             <a:endParaRPr lang="zh-CN" altLang="en-US"/>
           </a:p>
@@ -2608,7 +2609,7 @@
           <a:p>
             <a:fld id="{26632025-FB45-42CA-915A-C7DCBA5F44DF}" type="datetimeFigureOut">
               <a:rPr lang="zh-CN" altLang="en-US" smtClean="0"/>
-              <a:t>2023/7/5</a:t>
+              <a:t>2023/7/6</a:t>
             </a:fld>
             <a:endParaRPr lang="zh-CN" altLang="en-US"/>
           </a:p>
@@ -2919,7 +2920,7 @@
           <a:p>
             <a:fld id="{26632025-FB45-42CA-915A-C7DCBA5F44DF}" type="datetimeFigureOut">
               <a:rPr lang="zh-CN" altLang="en-US" smtClean="0"/>
-              <a:t>2023/7/5</a:t>
+              <a:t>2023/7/6</a:t>
             </a:fld>
             <a:endParaRPr lang="zh-CN" altLang="en-US"/>
           </a:p>
@@ -3207,7 +3208,7 @@
           <a:p>
             <a:fld id="{26632025-FB45-42CA-915A-C7DCBA5F44DF}" type="datetimeFigureOut">
               <a:rPr lang="zh-CN" altLang="en-US" smtClean="0"/>
-              <a:t>2023/7/5</a:t>
+              <a:t>2023/7/6</a:t>
             </a:fld>
             <a:endParaRPr lang="zh-CN" altLang="en-US"/>
           </a:p>
@@ -3448,7 +3449,7 @@
           <a:p>
             <a:fld id="{26632025-FB45-42CA-915A-C7DCBA5F44DF}" type="datetimeFigureOut">
               <a:rPr lang="zh-CN" altLang="en-US" smtClean="0"/>
-              <a:t>2023/7/5</a:t>
+              <a:t>2023/7/6</a:t>
             </a:fld>
             <a:endParaRPr lang="zh-CN" altLang="en-US"/>
           </a:p>
@@ -7794,10 +7795,10 @@
         <mc:Choice xmlns:a14="http://schemas.microsoft.com/office/drawing/2010/main" Requires="a14">
           <p:sp>
             <p:nvSpPr>
-              <p:cNvPr id="39" name="文本框 38">
-                <a:extLst>
-                  <a:ext uri="{FF2B5EF4-FFF2-40B4-BE49-F238E27FC236}">
-                    <a16:creationId xmlns:a16="http://schemas.microsoft.com/office/drawing/2014/main" id="{B371E44A-53FE-4F71-9EEF-3E01BF5237A7}"/>
+              <p:cNvPr id="4" name="文本框 3">
+                <a:extLst>
+                  <a:ext uri="{FF2B5EF4-FFF2-40B4-BE49-F238E27FC236}">
+                    <a16:creationId xmlns:a16="http://schemas.microsoft.com/office/drawing/2014/main" id="{BADC498D-72FD-2662-0A3F-E79AC0B68B5B}"/>
                   </a:ext>
                 </a:extLst>
               </p:cNvPr>
@@ -7806,7 +7807,7 @@
             </p:nvSpPr>
             <p:spPr>
               <a:xfrm>
-                <a:off x="6703417" y="2869481"/>
+                <a:off x="6443372" y="3338745"/>
                 <a:ext cx="810671" cy="369332"/>
               </a:xfrm>
               <a:prstGeom prst="rect">
@@ -7844,10 +7845,10 @@
         <mc:Fallback>
           <p:sp>
             <p:nvSpPr>
-              <p:cNvPr id="39" name="文本框 38">
-                <a:extLst>
-                  <a:ext uri="{FF2B5EF4-FFF2-40B4-BE49-F238E27FC236}">
-                    <a16:creationId xmlns:a16="http://schemas.microsoft.com/office/drawing/2014/main" id="{B371E44A-53FE-4F71-9EEF-3E01BF5237A7}"/>
+              <p:cNvPr id="4" name="文本框 3">
+                <a:extLst>
+                  <a:ext uri="{FF2B5EF4-FFF2-40B4-BE49-F238E27FC236}">
+                    <a16:creationId xmlns:a16="http://schemas.microsoft.com/office/drawing/2014/main" id="{BADC498D-72FD-2662-0A3F-E79AC0B68B5B}"/>
                   </a:ext>
                 </a:extLst>
               </p:cNvPr>
@@ -7858,7 +7859,7 @@
             </p:nvSpPr>
             <p:spPr>
               <a:xfrm>
-                <a:off x="6703417" y="2869481"/>
+                <a:off x="6443372" y="3338745"/>
                 <a:ext cx="810671" cy="369332"/>
               </a:xfrm>
               <a:prstGeom prst="rect">
@@ -7890,10 +7891,10 @@
         <mc:Choice xmlns:a14="http://schemas.microsoft.com/office/drawing/2010/main" Requires="a14">
           <p:sp>
             <p:nvSpPr>
-              <p:cNvPr id="40" name="文本框 39">
-                <a:extLst>
-                  <a:ext uri="{FF2B5EF4-FFF2-40B4-BE49-F238E27FC236}">
-                    <a16:creationId xmlns:a16="http://schemas.microsoft.com/office/drawing/2014/main" id="{1376D1EA-FE2C-40BD-AD5D-2740AA05C38C}"/>
+              <p:cNvPr id="2" name="文本框 1">
+                <a:extLst>
+                  <a:ext uri="{FF2B5EF4-FFF2-40B4-BE49-F238E27FC236}">
+                    <a16:creationId xmlns:a16="http://schemas.microsoft.com/office/drawing/2014/main" id="{E7D389EC-CA87-8E2E-FAC1-7EC70B06E529}"/>
                   </a:ext>
                 </a:extLst>
               </p:cNvPr>
@@ -7902,8 +7903,8 @@
             </p:nvSpPr>
             <p:spPr>
               <a:xfrm>
-                <a:off x="5552530" y="3528142"/>
-                <a:ext cx="1086388" cy="369332"/>
+                <a:off x="5477916" y="3999251"/>
+                <a:ext cx="781817" cy="369332"/>
               </a:xfrm>
               <a:prstGeom prst="rect">
                 <a:avLst/>
@@ -7927,7 +7928,7 @@
                         <a:rPr lang="en-US" altLang="zh-CN" b="0" i="1" smtClean="0">
                           <a:latin typeface="Cambria Math" panose="02040503050406030204" pitchFamily="18" charset="0"/>
                         </a:rPr>
-                        <m:t>𝑎𝑠𝑠𝑖𝑔𝑛</m:t>
+                        <m:t>𝑎𝑑𝑣</m:t>
                       </m:r>
                       <m:r>
                         <a:rPr lang="en-US" altLang="zh-CN" i="1" smtClean="0">
@@ -7946,10 +7947,10 @@
         <mc:Fallback>
           <p:sp>
             <p:nvSpPr>
-              <p:cNvPr id="40" name="文本框 39">
-                <a:extLst>
-                  <a:ext uri="{FF2B5EF4-FFF2-40B4-BE49-F238E27FC236}">
-                    <a16:creationId xmlns:a16="http://schemas.microsoft.com/office/drawing/2014/main" id="{1376D1EA-FE2C-40BD-AD5D-2740AA05C38C}"/>
+              <p:cNvPr id="2" name="文本框 1">
+                <a:extLst>
+                  <a:ext uri="{FF2B5EF4-FFF2-40B4-BE49-F238E27FC236}">
+                    <a16:creationId xmlns:a16="http://schemas.microsoft.com/office/drawing/2014/main" id="{E7D389EC-CA87-8E2E-FAC1-7EC70B06E529}"/>
                   </a:ext>
                 </a:extLst>
               </p:cNvPr>
@@ -7960,8 +7961,8 @@
             </p:nvSpPr>
             <p:spPr>
               <a:xfrm>
-                <a:off x="5552530" y="3528142"/>
-                <a:ext cx="1086388" cy="369332"/>
+                <a:off x="5477916" y="3999251"/>
+                <a:ext cx="781817" cy="369332"/>
               </a:xfrm>
               <a:prstGeom prst="rect">
                 <a:avLst/>
@@ -7969,7 +7970,7 @@
               <a:blipFill>
                 <a:blip r:embed="rId3"/>
                 <a:stretch>
-                  <a:fillRect b="-13333"/>
+                  <a:fillRect/>
                 </a:stretch>
               </a:blipFill>
             </p:spPr>
@@ -7992,10 +7993,10 @@
         <mc:Choice xmlns:a14="http://schemas.microsoft.com/office/drawing/2010/main" Requires="a14">
           <p:sp>
             <p:nvSpPr>
-              <p:cNvPr id="42" name="文本框 41">
-                <a:extLst>
-                  <a:ext uri="{FF2B5EF4-FFF2-40B4-BE49-F238E27FC236}">
-                    <a16:creationId xmlns:a16="http://schemas.microsoft.com/office/drawing/2014/main" id="{773516CA-6BD7-402B-B98D-B41264F7E325}"/>
+              <p:cNvPr id="3" name="文本框 2">
+                <a:extLst>
+                  <a:ext uri="{FF2B5EF4-FFF2-40B4-BE49-F238E27FC236}">
+                    <a16:creationId xmlns:a16="http://schemas.microsoft.com/office/drawing/2014/main" id="{8B95ACB2-66B9-E950-0053-1DCF252015C0}"/>
                   </a:ext>
                 </a:extLst>
               </p:cNvPr>
@@ -8004,7 +8005,7 @@
             </p:nvSpPr>
             <p:spPr>
               <a:xfrm>
-                <a:off x="7651427" y="3538292"/>
+                <a:off x="7391382" y="4007556"/>
                 <a:ext cx="721672" cy="369332"/>
               </a:xfrm>
               <a:prstGeom prst="rect">
@@ -8048,10 +8049,10 @@
         <mc:Fallback>
           <p:sp>
             <p:nvSpPr>
-              <p:cNvPr id="42" name="文本框 41">
-                <a:extLst>
-                  <a:ext uri="{FF2B5EF4-FFF2-40B4-BE49-F238E27FC236}">
-                    <a16:creationId xmlns:a16="http://schemas.microsoft.com/office/drawing/2014/main" id="{773516CA-6BD7-402B-B98D-B41264F7E325}"/>
+              <p:cNvPr id="3" name="文本框 2">
+                <a:extLst>
+                  <a:ext uri="{FF2B5EF4-FFF2-40B4-BE49-F238E27FC236}">
+                    <a16:creationId xmlns:a16="http://schemas.microsoft.com/office/drawing/2014/main" id="{8B95ACB2-66B9-E950-0053-1DCF252015C0}"/>
                   </a:ext>
                 </a:extLst>
               </p:cNvPr>
@@ -8062,7 +8063,7 @@
             </p:nvSpPr>
             <p:spPr>
               <a:xfrm>
-                <a:off x="7651427" y="3538292"/>
+                <a:off x="7391382" y="4007556"/>
                 <a:ext cx="721672" cy="369332"/>
               </a:xfrm>
               <a:prstGeom prst="rect">
@@ -8094,10 +8095,10 @@
         <mc:Choice xmlns:a14="http://schemas.microsoft.com/office/drawing/2010/main" Requires="a14">
           <p:sp>
             <p:nvSpPr>
-              <p:cNvPr id="44" name="文本框 43">
-                <a:extLst>
-                  <a:ext uri="{FF2B5EF4-FFF2-40B4-BE49-F238E27FC236}">
-                    <a16:creationId xmlns:a16="http://schemas.microsoft.com/office/drawing/2014/main" id="{28D59E40-6D43-4881-9CA8-CA080DF52F15}"/>
+              <p:cNvPr id="10" name="文本框 9">
+                <a:extLst>
+                  <a:ext uri="{FF2B5EF4-FFF2-40B4-BE49-F238E27FC236}">
+                    <a16:creationId xmlns:a16="http://schemas.microsoft.com/office/drawing/2014/main" id="{C4C321FD-814A-7A1B-E5DF-83206F4D5AFD}"/>
                   </a:ext>
                 </a:extLst>
               </p:cNvPr>
@@ -8106,7 +8107,7 @@
             </p:nvSpPr>
             <p:spPr>
               <a:xfrm>
-                <a:off x="8708217" y="4270492"/>
+                <a:off x="8448172" y="4739756"/>
                 <a:ext cx="541367" cy="369332"/>
               </a:xfrm>
               <a:prstGeom prst="rect">
@@ -8144,10 +8145,10 @@
         <mc:Fallback>
           <p:sp>
             <p:nvSpPr>
-              <p:cNvPr id="44" name="文本框 43">
-                <a:extLst>
-                  <a:ext uri="{FF2B5EF4-FFF2-40B4-BE49-F238E27FC236}">
-                    <a16:creationId xmlns:a16="http://schemas.microsoft.com/office/drawing/2014/main" id="{28D59E40-6D43-4881-9CA8-CA080DF52F15}"/>
+              <p:cNvPr id="10" name="文本框 9">
+                <a:extLst>
+                  <a:ext uri="{FF2B5EF4-FFF2-40B4-BE49-F238E27FC236}">
+                    <a16:creationId xmlns:a16="http://schemas.microsoft.com/office/drawing/2014/main" id="{C4C321FD-814A-7A1B-E5DF-83206F4D5AFD}"/>
                   </a:ext>
                 </a:extLst>
               </p:cNvPr>
@@ -8158,7 +8159,7 @@
             </p:nvSpPr>
             <p:spPr>
               <a:xfrm>
-                <a:off x="8708217" y="4270492"/>
+                <a:off x="8448172" y="4739756"/>
                 <a:ext cx="541367" cy="369332"/>
               </a:xfrm>
               <a:prstGeom prst="rect">
@@ -8190,10 +8191,10 @@
         <mc:Choice xmlns:a14="http://schemas.microsoft.com/office/drawing/2010/main" Requires="a14">
           <p:sp>
             <p:nvSpPr>
-              <p:cNvPr id="45" name="文本框 44">
-                <a:extLst>
-                  <a:ext uri="{FF2B5EF4-FFF2-40B4-BE49-F238E27FC236}">
-                    <a16:creationId xmlns:a16="http://schemas.microsoft.com/office/drawing/2014/main" id="{82FDA685-7115-44AA-BF6B-35EC3B0DC824}"/>
+              <p:cNvPr id="12" name="文本框 11">
+                <a:extLst>
+                  <a:ext uri="{FF2B5EF4-FFF2-40B4-BE49-F238E27FC236}">
+                    <a16:creationId xmlns:a16="http://schemas.microsoft.com/office/drawing/2014/main" id="{68DC509C-EB06-6067-D3CF-355F5F6395B3}"/>
                   </a:ext>
                 </a:extLst>
               </p:cNvPr>
@@ -8202,7 +8203,7 @@
             </p:nvSpPr>
             <p:spPr>
               <a:xfrm>
-                <a:off x="6560294" y="4270492"/>
+                <a:off x="6300249" y="4739756"/>
                 <a:ext cx="773673" cy="369332"/>
               </a:xfrm>
               <a:prstGeom prst="rect">
@@ -8257,6 +8258,2985 @@
           </p:sp>
         </mc:Choice>
         <mc:Fallback>
+          <p:sp>
+            <p:nvSpPr>
+              <p:cNvPr id="12" name="文本框 11">
+                <a:extLst>
+                  <a:ext uri="{FF2B5EF4-FFF2-40B4-BE49-F238E27FC236}">
+                    <a16:creationId xmlns:a16="http://schemas.microsoft.com/office/drawing/2014/main" id="{68DC509C-EB06-6067-D3CF-355F5F6395B3}"/>
+                  </a:ext>
+                </a:extLst>
+              </p:cNvPr>
+              <p:cNvSpPr txBox="1">
+                <a:spLocks noRot="1" noChangeAspect="1" noMove="1" noResize="1" noEditPoints="1" noAdjustHandles="1" noChangeArrowheads="1" noChangeShapeType="1" noTextEdit="1"/>
+              </p:cNvSpPr>
+              <p:nvPr/>
+            </p:nvSpPr>
+            <p:spPr>
+              <a:xfrm>
+                <a:off x="6300249" y="4739756"/>
+                <a:ext cx="773673" cy="369332"/>
+              </a:xfrm>
+              <a:prstGeom prst="rect">
+                <a:avLst/>
+              </a:prstGeom>
+              <a:blipFill>
+                <a:blip r:embed="rId6"/>
+                <a:stretch>
+                  <a:fillRect b="-13333"/>
+                </a:stretch>
+              </a:blipFill>
+            </p:spPr>
+            <p:txBody>
+              <a:bodyPr/>
+              <a:lstStyle/>
+              <a:p>
+                <a:r>
+                  <a:rPr lang="zh-CN" altLang="en-US">
+                    <a:noFill/>
+                  </a:rPr>
+                  <a:t> </a:t>
+                </a:r>
+              </a:p>
+            </p:txBody>
+          </p:sp>
+        </mc:Fallback>
+      </mc:AlternateContent>
+      <p:cxnSp>
+        <p:nvCxnSpPr>
+          <p:cNvPr id="14" name="直接连接符 13">
+            <a:extLst>
+              <a:ext uri="{FF2B5EF4-FFF2-40B4-BE49-F238E27FC236}">
+                <a16:creationId xmlns:a16="http://schemas.microsoft.com/office/drawing/2014/main" id="{16C02841-3110-214F-038F-0751E6683D75}"/>
+              </a:ext>
+            </a:extLst>
+          </p:cNvPr>
+          <p:cNvCxnSpPr>
+            <a:stCxn id="4" idx="2"/>
+            <a:endCxn id="2" idx="0"/>
+          </p:cNvCxnSpPr>
+          <p:nvPr/>
+        </p:nvCxnSpPr>
+        <p:spPr>
+          <a:xfrm flipH="1">
+            <a:off x="5868825" y="3708077"/>
+            <a:ext cx="979883" cy="291174"/>
+          </a:xfrm>
+          <a:prstGeom prst="line">
+            <a:avLst/>
+          </a:prstGeom>
+          <a:ln w="12700">
+            <a:solidFill>
+              <a:schemeClr val="tx1"/>
+            </a:solidFill>
+          </a:ln>
+        </p:spPr>
+        <p:style>
+          <a:lnRef idx="1">
+            <a:schemeClr val="accent1"/>
+          </a:lnRef>
+          <a:fillRef idx="0">
+            <a:schemeClr val="accent1"/>
+          </a:fillRef>
+          <a:effectRef idx="0">
+            <a:schemeClr val="accent1"/>
+          </a:effectRef>
+          <a:fontRef idx="minor">
+            <a:schemeClr val="tx1"/>
+          </a:fontRef>
+        </p:style>
+      </p:cxnSp>
+      <p:cxnSp>
+        <p:nvCxnSpPr>
+          <p:cNvPr id="16" name="直接连接符 15">
+            <a:extLst>
+              <a:ext uri="{FF2B5EF4-FFF2-40B4-BE49-F238E27FC236}">
+                <a16:creationId xmlns:a16="http://schemas.microsoft.com/office/drawing/2014/main" id="{15B979E2-E9D4-F2E3-9A5E-B80D48CFCEDB}"/>
+              </a:ext>
+            </a:extLst>
+          </p:cNvPr>
+          <p:cNvCxnSpPr>
+            <a:cxnSpLocks/>
+            <a:stCxn id="4" idx="2"/>
+            <a:endCxn id="3" idx="0"/>
+          </p:cNvCxnSpPr>
+          <p:nvPr/>
+        </p:nvCxnSpPr>
+        <p:spPr>
+          <a:xfrm>
+            <a:off x="6848708" y="3708077"/>
+            <a:ext cx="903510" cy="299479"/>
+          </a:xfrm>
+          <a:prstGeom prst="line">
+            <a:avLst/>
+          </a:prstGeom>
+          <a:ln w="12700">
+            <a:solidFill>
+              <a:schemeClr val="tx1"/>
+            </a:solidFill>
+          </a:ln>
+        </p:spPr>
+        <p:style>
+          <a:lnRef idx="1">
+            <a:schemeClr val="accent1"/>
+          </a:lnRef>
+          <a:fillRef idx="0">
+            <a:schemeClr val="accent1"/>
+          </a:fillRef>
+          <a:effectRef idx="0">
+            <a:schemeClr val="accent1"/>
+          </a:effectRef>
+          <a:fontRef idx="minor">
+            <a:schemeClr val="tx1"/>
+          </a:fontRef>
+        </p:style>
+      </p:cxnSp>
+      <p:cxnSp>
+        <p:nvCxnSpPr>
+          <p:cNvPr id="19" name="直接连接符 18">
+            <a:extLst>
+              <a:ext uri="{FF2B5EF4-FFF2-40B4-BE49-F238E27FC236}">
+                <a16:creationId xmlns:a16="http://schemas.microsoft.com/office/drawing/2014/main" id="{94649AA1-E922-047F-D734-40125D482227}"/>
+              </a:ext>
+            </a:extLst>
+          </p:cNvPr>
+          <p:cNvCxnSpPr>
+            <a:cxnSpLocks/>
+            <a:stCxn id="3" idx="2"/>
+            <a:endCxn id="12" idx="0"/>
+          </p:cNvCxnSpPr>
+          <p:nvPr/>
+        </p:nvCxnSpPr>
+        <p:spPr>
+          <a:xfrm flipH="1">
+            <a:off x="6687086" y="4376888"/>
+            <a:ext cx="1065132" cy="362868"/>
+          </a:xfrm>
+          <a:prstGeom prst="line">
+            <a:avLst/>
+          </a:prstGeom>
+          <a:ln w="12700">
+            <a:solidFill>
+              <a:schemeClr val="tx1"/>
+            </a:solidFill>
+          </a:ln>
+        </p:spPr>
+        <p:style>
+          <a:lnRef idx="1">
+            <a:schemeClr val="accent1"/>
+          </a:lnRef>
+          <a:fillRef idx="0">
+            <a:schemeClr val="accent1"/>
+          </a:fillRef>
+          <a:effectRef idx="0">
+            <a:schemeClr val="accent1"/>
+          </a:effectRef>
+          <a:fontRef idx="minor">
+            <a:schemeClr val="tx1"/>
+          </a:fontRef>
+        </p:style>
+      </p:cxnSp>
+      <p:cxnSp>
+        <p:nvCxnSpPr>
+          <p:cNvPr id="22" name="直接连接符 21">
+            <a:extLst>
+              <a:ext uri="{FF2B5EF4-FFF2-40B4-BE49-F238E27FC236}">
+                <a16:creationId xmlns:a16="http://schemas.microsoft.com/office/drawing/2014/main" id="{DA143DB0-CAAA-751D-4641-0ABACA35C5D8}"/>
+              </a:ext>
+            </a:extLst>
+          </p:cNvPr>
+          <p:cNvCxnSpPr>
+            <a:cxnSpLocks/>
+            <a:stCxn id="3" idx="2"/>
+            <a:endCxn id="10" idx="0"/>
+          </p:cNvCxnSpPr>
+          <p:nvPr/>
+        </p:nvCxnSpPr>
+        <p:spPr>
+          <a:xfrm>
+            <a:off x="7752218" y="4376888"/>
+            <a:ext cx="966638" cy="362868"/>
+          </a:xfrm>
+          <a:prstGeom prst="line">
+            <a:avLst/>
+          </a:prstGeom>
+          <a:ln w="12700">
+            <a:solidFill>
+              <a:schemeClr val="tx1"/>
+            </a:solidFill>
+          </a:ln>
+        </p:spPr>
+        <p:style>
+          <a:lnRef idx="1">
+            <a:schemeClr val="accent1"/>
+          </a:lnRef>
+          <a:fillRef idx="0">
+            <a:schemeClr val="accent1"/>
+          </a:fillRef>
+          <a:effectRef idx="0">
+            <a:schemeClr val="accent1"/>
+          </a:effectRef>
+          <a:fontRef idx="minor">
+            <a:schemeClr val="tx1"/>
+          </a:fontRef>
+        </p:style>
+      </p:cxnSp>
+      <mc:AlternateContent xmlns:mc="http://schemas.openxmlformats.org/markup-compatibility/2006">
+        <mc:Choice xmlns:a14="http://schemas.microsoft.com/office/drawing/2010/main" Requires="a14">
+          <p:sp>
+            <p:nvSpPr>
+              <p:cNvPr id="41" name="文本框 40">
+                <a:extLst>
+                  <a:ext uri="{FF2B5EF4-FFF2-40B4-BE49-F238E27FC236}">
+                    <a16:creationId xmlns:a16="http://schemas.microsoft.com/office/drawing/2014/main" id="{69DEAEAB-F721-1EC1-81C6-17ECB9278418}"/>
+                  </a:ext>
+                </a:extLst>
+              </p:cNvPr>
+              <p:cNvSpPr txBox="1"/>
+              <p:nvPr/>
+            </p:nvSpPr>
+            <p:spPr>
+              <a:xfrm>
+                <a:off x="8496680" y="5325777"/>
+                <a:ext cx="444352" cy="369332"/>
+              </a:xfrm>
+              <a:prstGeom prst="rect">
+                <a:avLst/>
+              </a:prstGeom>
+              <a:noFill/>
+            </p:spPr>
+            <p:txBody>
+              <a:bodyPr wrap="none" rtlCol="0">
+                <a:spAutoFit/>
+              </a:bodyPr>
+              <a:lstStyle/>
+              <a:p>
+                <a:pPr/>
+                <a14:m>
+                  <m:oMathPara xmlns:m="http://schemas.openxmlformats.org/officeDocument/2006/math">
+                    <m:oMathParaPr>
+                      <m:jc m:val="centerGroup"/>
+                    </m:oMathParaPr>
+                    <m:oMath xmlns:m="http://schemas.openxmlformats.org/officeDocument/2006/math">
+                      <m:r>
+                        <a:rPr lang="en-US" altLang="zh-CN" i="1" smtClean="0">
+                          <a:latin typeface="Cambria Math" panose="02040503050406030204" pitchFamily="18" charset="0"/>
+                        </a:rPr>
+                        <m:t>𝐴</m:t>
+                      </m:r>
+                      <m:r>
+                        <a:rPr lang="en-US" altLang="zh-CN" i="1" smtClean="0">
+                          <a:latin typeface="Cambria Math" panose="02040503050406030204" pitchFamily="18" charset="0"/>
+                        </a:rPr>
+                        <m:t>’</m:t>
+                      </m:r>
+                    </m:oMath>
+                  </m:oMathPara>
+                </a14:m>
+                <a:endParaRPr lang="en-US" altLang="zh-CN"/>
+              </a:p>
+            </p:txBody>
+          </p:sp>
+        </mc:Choice>
+        <mc:Fallback>
+          <p:sp>
+            <p:nvSpPr>
+              <p:cNvPr id="41" name="文本框 40">
+                <a:extLst>
+                  <a:ext uri="{FF2B5EF4-FFF2-40B4-BE49-F238E27FC236}">
+                    <a16:creationId xmlns:a16="http://schemas.microsoft.com/office/drawing/2014/main" id="{69DEAEAB-F721-1EC1-81C6-17ECB9278418}"/>
+                  </a:ext>
+                </a:extLst>
+              </p:cNvPr>
+              <p:cNvSpPr txBox="1">
+                <a:spLocks noRot="1" noChangeAspect="1" noMove="1" noResize="1" noEditPoints="1" noAdjustHandles="1" noChangeArrowheads="1" noChangeShapeType="1" noTextEdit="1"/>
+              </p:cNvSpPr>
+              <p:nvPr/>
+            </p:nvSpPr>
+            <p:spPr>
+              <a:xfrm>
+                <a:off x="8496680" y="5325777"/>
+                <a:ext cx="444352" cy="369332"/>
+              </a:xfrm>
+              <a:prstGeom prst="rect">
+                <a:avLst/>
+              </a:prstGeom>
+              <a:blipFill>
+                <a:blip r:embed="rId7"/>
+                <a:stretch>
+                  <a:fillRect/>
+                </a:stretch>
+              </a:blipFill>
+            </p:spPr>
+            <p:txBody>
+              <a:bodyPr/>
+              <a:lstStyle/>
+              <a:p>
+                <a:r>
+                  <a:rPr lang="zh-CN" altLang="en-US">
+                    <a:noFill/>
+                  </a:rPr>
+                  <a:t> </a:t>
+                </a:r>
+              </a:p>
+            </p:txBody>
+          </p:sp>
+        </mc:Fallback>
+      </mc:AlternateContent>
+      <p:cxnSp>
+        <p:nvCxnSpPr>
+          <p:cNvPr id="43" name="直接连接符 42">
+            <a:extLst>
+              <a:ext uri="{FF2B5EF4-FFF2-40B4-BE49-F238E27FC236}">
+                <a16:creationId xmlns:a16="http://schemas.microsoft.com/office/drawing/2014/main" id="{3974FEF4-3336-C1C0-60E7-C784A61BF704}"/>
+              </a:ext>
+            </a:extLst>
+          </p:cNvPr>
+          <p:cNvCxnSpPr>
+            <a:cxnSpLocks/>
+            <a:stCxn id="10" idx="2"/>
+            <a:endCxn id="41" idx="0"/>
+          </p:cNvCxnSpPr>
+          <p:nvPr/>
+        </p:nvCxnSpPr>
+        <p:spPr>
+          <a:xfrm>
+            <a:off x="8718856" y="5109088"/>
+            <a:ext cx="0" cy="216689"/>
+          </a:xfrm>
+          <a:prstGeom prst="line">
+            <a:avLst/>
+          </a:prstGeom>
+          <a:ln w="12700">
+            <a:solidFill>
+              <a:schemeClr val="tx1"/>
+            </a:solidFill>
+          </a:ln>
+        </p:spPr>
+        <p:style>
+          <a:lnRef idx="1">
+            <a:schemeClr val="accent1"/>
+          </a:lnRef>
+          <a:fillRef idx="0">
+            <a:schemeClr val="accent1"/>
+          </a:fillRef>
+          <a:effectRef idx="0">
+            <a:schemeClr val="accent1"/>
+          </a:effectRef>
+          <a:fontRef idx="minor">
+            <a:schemeClr val="tx1"/>
+          </a:fontRef>
+        </p:style>
+      </p:cxnSp>
+      <mc:AlternateContent xmlns:mc="http://schemas.openxmlformats.org/markup-compatibility/2006">
+        <mc:Choice xmlns:a14="http://schemas.microsoft.com/office/drawing/2010/main" Requires="a14">
+          <p:sp>
+            <p:nvSpPr>
+              <p:cNvPr id="47" name="文本框 46">
+                <a:extLst>
+                  <a:ext uri="{FF2B5EF4-FFF2-40B4-BE49-F238E27FC236}">
+                    <a16:creationId xmlns:a16="http://schemas.microsoft.com/office/drawing/2014/main" id="{7F963081-B602-7A78-D889-3FCE575ACD20}"/>
+                  </a:ext>
+                </a:extLst>
+              </p:cNvPr>
+              <p:cNvSpPr txBox="1"/>
+              <p:nvPr/>
+            </p:nvSpPr>
+            <p:spPr>
+              <a:xfrm>
+                <a:off x="8469782" y="5788597"/>
+                <a:ext cx="498149" cy="369332"/>
+              </a:xfrm>
+              <a:prstGeom prst="rect">
+                <a:avLst/>
+              </a:prstGeom>
+              <a:noFill/>
+            </p:spPr>
+            <p:txBody>
+              <a:bodyPr wrap="none" rtlCol="0">
+                <a:spAutoFit/>
+              </a:bodyPr>
+              <a:lstStyle/>
+              <a:p>
+                <a:pPr/>
+                <a14:m>
+                  <m:oMathPara xmlns:m="http://schemas.openxmlformats.org/officeDocument/2006/math">
+                    <m:oMathParaPr>
+                      <m:jc m:val="centerGroup"/>
+                    </m:oMathParaPr>
+                    <m:oMath xmlns:m="http://schemas.openxmlformats.org/officeDocument/2006/math">
+                      <m:sSup>
+                        <m:sSupPr>
+                          <m:ctrlPr>
+                            <a:rPr lang="en-US" altLang="zh-CN" i="1" smtClean="0">
+                              <a:latin typeface="Cambria Math" panose="02040503050406030204" pitchFamily="18" charset="0"/>
+                            </a:rPr>
+                          </m:ctrlPr>
+                        </m:sSupPr>
+                        <m:e>
+                          <m:r>
+                            <a:rPr lang="en-US" altLang="zh-CN" b="0" i="1" smtClean="0">
+                              <a:latin typeface="Cambria Math" panose="02040503050406030204" pitchFamily="18" charset="0"/>
+                            </a:rPr>
+                            <m:t>𝐴</m:t>
+                          </m:r>
+                        </m:e>
+                        <m:sup>
+                          <m:r>
+                            <a:rPr lang="en-US" altLang="zh-CN" b="0" i="1" smtClean="0">
+                              <a:latin typeface="Cambria Math" panose="02040503050406030204" pitchFamily="18" charset="0"/>
+                            </a:rPr>
+                            <m:t>0</m:t>
+                          </m:r>
+                        </m:sup>
+                      </m:sSup>
+                    </m:oMath>
+                  </m:oMathPara>
+                </a14:m>
+                <a:endParaRPr lang="en-US" altLang="zh-CN"/>
+              </a:p>
+            </p:txBody>
+          </p:sp>
+        </mc:Choice>
+        <mc:Fallback>
+          <p:sp>
+            <p:nvSpPr>
+              <p:cNvPr id="47" name="文本框 46">
+                <a:extLst>
+                  <a:ext uri="{FF2B5EF4-FFF2-40B4-BE49-F238E27FC236}">
+                    <a16:creationId xmlns:a16="http://schemas.microsoft.com/office/drawing/2014/main" id="{7F963081-B602-7A78-D889-3FCE575ACD20}"/>
+                  </a:ext>
+                </a:extLst>
+              </p:cNvPr>
+              <p:cNvSpPr txBox="1">
+                <a:spLocks noRot="1" noChangeAspect="1" noMove="1" noResize="1" noEditPoints="1" noAdjustHandles="1" noChangeArrowheads="1" noChangeShapeType="1" noTextEdit="1"/>
+              </p:cNvSpPr>
+              <p:nvPr/>
+            </p:nvSpPr>
+            <p:spPr>
+              <a:xfrm>
+                <a:off x="8469782" y="5788597"/>
+                <a:ext cx="498149" cy="369332"/>
+              </a:xfrm>
+              <a:prstGeom prst="rect">
+                <a:avLst/>
+              </a:prstGeom>
+              <a:blipFill>
+                <a:blip r:embed="rId8"/>
+                <a:stretch>
+                  <a:fillRect/>
+                </a:stretch>
+              </a:blipFill>
+            </p:spPr>
+            <p:txBody>
+              <a:bodyPr/>
+              <a:lstStyle/>
+              <a:p>
+                <a:r>
+                  <a:rPr lang="zh-CN" altLang="en-US">
+                    <a:noFill/>
+                  </a:rPr>
+                  <a:t> </a:t>
+                </a:r>
+              </a:p>
+            </p:txBody>
+          </p:sp>
+        </mc:Fallback>
+      </mc:AlternateContent>
+      <p:cxnSp>
+        <p:nvCxnSpPr>
+          <p:cNvPr id="48" name="直接连接符 47">
+            <a:extLst>
+              <a:ext uri="{FF2B5EF4-FFF2-40B4-BE49-F238E27FC236}">
+                <a16:creationId xmlns:a16="http://schemas.microsoft.com/office/drawing/2014/main" id="{CAD9C502-9A60-65AF-8EE2-217224191A75}"/>
+              </a:ext>
+            </a:extLst>
+          </p:cNvPr>
+          <p:cNvCxnSpPr>
+            <a:cxnSpLocks/>
+            <a:stCxn id="47" idx="0"/>
+            <a:endCxn id="41" idx="2"/>
+          </p:cNvCxnSpPr>
+          <p:nvPr/>
+        </p:nvCxnSpPr>
+        <p:spPr>
+          <a:xfrm flipH="1" flipV="1">
+            <a:off x="8718856" y="5695109"/>
+            <a:ext cx="1" cy="93488"/>
+          </a:xfrm>
+          <a:prstGeom prst="line">
+            <a:avLst/>
+          </a:prstGeom>
+          <a:ln w="12700">
+            <a:solidFill>
+              <a:schemeClr val="tx1"/>
+            </a:solidFill>
+          </a:ln>
+        </p:spPr>
+        <p:style>
+          <a:lnRef idx="1">
+            <a:schemeClr val="accent1"/>
+          </a:lnRef>
+          <a:fillRef idx="0">
+            <a:schemeClr val="accent1"/>
+          </a:fillRef>
+          <a:effectRef idx="0">
+            <a:schemeClr val="accent1"/>
+          </a:effectRef>
+          <a:fontRef idx="minor">
+            <a:schemeClr val="tx1"/>
+          </a:fontRef>
+        </p:style>
+      </p:cxnSp>
+      <mc:AlternateContent xmlns:mc="http://schemas.openxmlformats.org/markup-compatibility/2006">
+        <mc:Choice xmlns:a14="http://schemas.microsoft.com/office/drawing/2010/main" Requires="a14">
+          <p:sp>
+            <p:nvSpPr>
+              <p:cNvPr id="112" name="文本框 111">
+                <a:extLst>
+                  <a:ext uri="{FF2B5EF4-FFF2-40B4-BE49-F238E27FC236}">
+                    <a16:creationId xmlns:a16="http://schemas.microsoft.com/office/drawing/2014/main" id="{5EC1E644-F881-87AB-4FC6-61ADDE6A7933}"/>
+                  </a:ext>
+                </a:extLst>
+              </p:cNvPr>
+              <p:cNvSpPr txBox="1"/>
+              <p:nvPr/>
+            </p:nvSpPr>
+            <p:spPr>
+              <a:xfrm>
+                <a:off x="8513960" y="6064441"/>
+                <a:ext cx="409792" cy="369332"/>
+              </a:xfrm>
+              <a:prstGeom prst="rect">
+                <a:avLst/>
+              </a:prstGeom>
+              <a:noFill/>
+            </p:spPr>
+            <p:txBody>
+              <a:bodyPr wrap="none" rtlCol="0">
+                <a:spAutoFit/>
+              </a:bodyPr>
+              <a:lstStyle/>
+              <a:p>
+                <a:pPr/>
+                <a14:m>
+                  <m:oMathPara xmlns:m="http://schemas.openxmlformats.org/officeDocument/2006/math">
+                    <m:oMathParaPr>
+                      <m:jc m:val="centerGroup"/>
+                    </m:oMathParaPr>
+                    <m:oMath xmlns:m="http://schemas.openxmlformats.org/officeDocument/2006/math">
+                      <m:sSub>
+                        <m:sSubPr>
+                          <m:ctrlPr>
+                            <a:rPr lang="en-US" altLang="zh-CN" i="1" smtClean="0">
+                              <a:latin typeface="Cambria Math" panose="02040503050406030204" pitchFamily="18" charset="0"/>
+                            </a:rPr>
+                          </m:ctrlPr>
+                        </m:sSubPr>
+                        <m:e>
+                          <m:r>
+                            <a:rPr lang="en-US" altLang="zh-CN" b="0" i="1" smtClean="0">
+                              <a:latin typeface="Cambria Math" panose="02040503050406030204" pitchFamily="18" charset="0"/>
+                            </a:rPr>
+                            <m:t>𝑡</m:t>
+                          </m:r>
+                        </m:e>
+                        <m:sub>
+                          <m:r>
+                            <a:rPr lang="en-US" altLang="zh-CN" b="0" i="1" smtClean="0">
+                              <a:latin typeface="Cambria Math" panose="02040503050406030204" pitchFamily="18" charset="0"/>
+                            </a:rPr>
+                            <m:t>𝑖</m:t>
+                          </m:r>
+                        </m:sub>
+                      </m:sSub>
+                    </m:oMath>
+                  </m:oMathPara>
+                </a14:m>
+                <a:endParaRPr lang="en-US" altLang="zh-CN" dirty="0"/>
+              </a:p>
+            </p:txBody>
+          </p:sp>
+        </mc:Choice>
+        <mc:Fallback>
+          <p:sp>
+            <p:nvSpPr>
+              <p:cNvPr id="112" name="文本框 111">
+                <a:extLst>
+                  <a:ext uri="{FF2B5EF4-FFF2-40B4-BE49-F238E27FC236}">
+                    <a16:creationId xmlns:a16="http://schemas.microsoft.com/office/drawing/2014/main" id="{5EC1E644-F881-87AB-4FC6-61ADDE6A7933}"/>
+                  </a:ext>
+                </a:extLst>
+              </p:cNvPr>
+              <p:cNvSpPr txBox="1">
+                <a:spLocks noRot="1" noChangeAspect="1" noMove="1" noResize="1" noEditPoints="1" noAdjustHandles="1" noChangeArrowheads="1" noChangeShapeType="1" noTextEdit="1"/>
+              </p:cNvSpPr>
+              <p:nvPr/>
+            </p:nvSpPr>
+            <p:spPr>
+              <a:xfrm>
+                <a:off x="8513960" y="6064441"/>
+                <a:ext cx="409792" cy="369332"/>
+              </a:xfrm>
+              <a:prstGeom prst="rect">
+                <a:avLst/>
+              </a:prstGeom>
+              <a:blipFill>
+                <a:blip r:embed="rId9"/>
+                <a:stretch>
+                  <a:fillRect b="-1667"/>
+                </a:stretch>
+              </a:blipFill>
+            </p:spPr>
+            <p:txBody>
+              <a:bodyPr/>
+              <a:lstStyle/>
+              <a:p>
+                <a:r>
+                  <a:rPr lang="zh-CN" altLang="en-US">
+                    <a:noFill/>
+                  </a:rPr>
+                  <a:t> </a:t>
+                </a:r>
+              </a:p>
+            </p:txBody>
+          </p:sp>
+        </mc:Fallback>
+      </mc:AlternateContent>
+      <mc:AlternateContent xmlns:mc="http://schemas.openxmlformats.org/markup-compatibility/2006">
+        <mc:Choice xmlns:a14="http://schemas.microsoft.com/office/drawing/2010/main" Requires="a14">
+          <p:sp>
+            <p:nvSpPr>
+              <p:cNvPr id="141" name="文本框 140">
+                <a:extLst>
+                  <a:ext uri="{FF2B5EF4-FFF2-40B4-BE49-F238E27FC236}">
+                    <a16:creationId xmlns:a16="http://schemas.microsoft.com/office/drawing/2014/main" id="{AC93F4A9-D3FE-9716-0656-070653713C3F}"/>
+                  </a:ext>
+                </a:extLst>
+              </p:cNvPr>
+              <p:cNvSpPr txBox="1"/>
+              <p:nvPr/>
+            </p:nvSpPr>
+            <p:spPr>
+              <a:xfrm>
+                <a:off x="4205454" y="2653994"/>
+                <a:ext cx="452240" cy="369332"/>
+              </a:xfrm>
+              <a:prstGeom prst="rect">
+                <a:avLst/>
+              </a:prstGeom>
+              <a:noFill/>
+            </p:spPr>
+            <p:txBody>
+              <a:bodyPr wrap="none" rtlCol="0">
+                <a:spAutoFit/>
+              </a:bodyPr>
+              <a:lstStyle/>
+              <a:p>
+                <a:pPr/>
+                <a14:m>
+                  <m:oMathPara xmlns:m="http://schemas.openxmlformats.org/officeDocument/2006/math">
+                    <m:oMathParaPr>
+                      <m:jc m:val="centerGroup"/>
+                    </m:oMathParaPr>
+                    <m:oMath xmlns:m="http://schemas.openxmlformats.org/officeDocument/2006/math">
+                      <m:sSub>
+                        <m:sSubPr>
+                          <m:ctrlPr>
+                            <a:rPr lang="en-US" altLang="zh-CN" i="1" smtClean="0">
+                              <a:latin typeface="Cambria Math" panose="02040503050406030204" pitchFamily="18" charset="0"/>
+                            </a:rPr>
+                          </m:ctrlPr>
+                        </m:sSubPr>
+                        <m:e>
+                          <m:r>
+                            <a:rPr lang="en-US" altLang="zh-CN" b="0" i="1" smtClean="0">
+                              <a:latin typeface="Cambria Math" panose="02040503050406030204" pitchFamily="18" charset="0"/>
+                            </a:rPr>
+                            <m:t>𝑡</m:t>
+                          </m:r>
+                        </m:e>
+                        <m:sub>
+                          <m:r>
+                            <a:rPr lang="en-US" altLang="zh-CN" b="0" i="1" smtClean="0">
+                              <a:latin typeface="Cambria Math" panose="02040503050406030204" pitchFamily="18" charset="0"/>
+                            </a:rPr>
+                            <m:t>𝑘</m:t>
+                          </m:r>
+                        </m:sub>
+                      </m:sSub>
+                    </m:oMath>
+                  </m:oMathPara>
+                </a14:m>
+                <a:endParaRPr lang="en-US" altLang="zh-CN"/>
+              </a:p>
+            </p:txBody>
+          </p:sp>
+        </mc:Choice>
+        <mc:Fallback>
+          <p:sp>
+            <p:nvSpPr>
+              <p:cNvPr id="141" name="文本框 140">
+                <a:extLst>
+                  <a:ext uri="{FF2B5EF4-FFF2-40B4-BE49-F238E27FC236}">
+                    <a16:creationId xmlns:a16="http://schemas.microsoft.com/office/drawing/2014/main" id="{AC93F4A9-D3FE-9716-0656-070653713C3F}"/>
+                  </a:ext>
+                </a:extLst>
+              </p:cNvPr>
+              <p:cNvSpPr txBox="1">
+                <a:spLocks noRot="1" noChangeAspect="1" noMove="1" noResize="1" noEditPoints="1" noAdjustHandles="1" noChangeArrowheads="1" noChangeShapeType="1" noTextEdit="1"/>
+              </p:cNvSpPr>
+              <p:nvPr/>
+            </p:nvSpPr>
+            <p:spPr>
+              <a:xfrm>
+                <a:off x="4205454" y="2653994"/>
+                <a:ext cx="452240" cy="369332"/>
+              </a:xfrm>
+              <a:prstGeom prst="rect">
+                <a:avLst/>
+              </a:prstGeom>
+              <a:blipFill>
+                <a:blip r:embed="rId10"/>
+                <a:stretch>
+                  <a:fillRect/>
+                </a:stretch>
+              </a:blipFill>
+            </p:spPr>
+            <p:txBody>
+              <a:bodyPr/>
+              <a:lstStyle/>
+              <a:p>
+                <a:r>
+                  <a:rPr lang="zh-CN" altLang="en-US">
+                    <a:noFill/>
+                  </a:rPr>
+                  <a:t> </a:t>
+                </a:r>
+              </a:p>
+            </p:txBody>
+          </p:sp>
+        </mc:Fallback>
+      </mc:AlternateContent>
+      <mc:AlternateContent xmlns:mc="http://schemas.openxmlformats.org/markup-compatibility/2006">
+        <mc:Choice xmlns:a14="http://schemas.microsoft.com/office/drawing/2010/main" Requires="a14">
+          <p:sp>
+            <p:nvSpPr>
+              <p:cNvPr id="142" name="文本框 141">
+                <a:extLst>
+                  <a:ext uri="{FF2B5EF4-FFF2-40B4-BE49-F238E27FC236}">
+                    <a16:creationId xmlns:a16="http://schemas.microsoft.com/office/drawing/2014/main" id="{3DC4C53C-9C52-C615-D356-A9D76952D67D}"/>
+                  </a:ext>
+                </a:extLst>
+              </p:cNvPr>
+              <p:cNvSpPr txBox="1"/>
+              <p:nvPr/>
+            </p:nvSpPr>
+            <p:spPr>
+              <a:xfrm>
+                <a:off x="2336610" y="-128934"/>
+                <a:ext cx="483659" cy="369332"/>
+              </a:xfrm>
+              <a:prstGeom prst="rect">
+                <a:avLst/>
+              </a:prstGeom>
+              <a:noFill/>
+            </p:spPr>
+            <p:txBody>
+              <a:bodyPr wrap="none" rtlCol="0">
+                <a:spAutoFit/>
+              </a:bodyPr>
+              <a:lstStyle/>
+              <a:p>
+                <a:pPr/>
+                <a14:m>
+                  <m:oMathPara xmlns:m="http://schemas.openxmlformats.org/officeDocument/2006/math">
+                    <m:oMathParaPr>
+                      <m:jc m:val="centerGroup"/>
+                    </m:oMathParaPr>
+                    <m:oMath xmlns:m="http://schemas.openxmlformats.org/officeDocument/2006/math">
+                      <m:r>
+                        <a:rPr lang="en-US" altLang="zh-CN" b="0" i="1" smtClean="0">
+                          <a:latin typeface="Cambria Math" panose="02040503050406030204" pitchFamily="18" charset="0"/>
+                        </a:rPr>
+                        <m:t>𝐼</m:t>
+                      </m:r>
+                      <m:r>
+                        <a:rPr lang="en-US" altLang="zh-CN" i="1" smtClean="0">
+                          <a:latin typeface="Cambria Math" panose="02040503050406030204" pitchFamily="18" charset="0"/>
+                        </a:rPr>
+                        <m:t>𝑃</m:t>
+                      </m:r>
+                    </m:oMath>
+                  </m:oMathPara>
+                </a14:m>
+                <a:endParaRPr lang="en-US" altLang="zh-CN"/>
+              </a:p>
+            </p:txBody>
+          </p:sp>
+        </mc:Choice>
+        <mc:Fallback>
+          <p:sp>
+            <p:nvSpPr>
+              <p:cNvPr id="142" name="文本框 141">
+                <a:extLst>
+                  <a:ext uri="{FF2B5EF4-FFF2-40B4-BE49-F238E27FC236}">
+                    <a16:creationId xmlns:a16="http://schemas.microsoft.com/office/drawing/2014/main" id="{3DC4C53C-9C52-C615-D356-A9D76952D67D}"/>
+                  </a:ext>
+                </a:extLst>
+              </p:cNvPr>
+              <p:cNvSpPr txBox="1">
+                <a:spLocks noRot="1" noChangeAspect="1" noMove="1" noResize="1" noEditPoints="1" noAdjustHandles="1" noChangeArrowheads="1" noChangeShapeType="1" noTextEdit="1"/>
+              </p:cNvSpPr>
+              <p:nvPr/>
+            </p:nvSpPr>
+            <p:spPr>
+              <a:xfrm>
+                <a:off x="2336610" y="-128934"/>
+                <a:ext cx="483659" cy="369332"/>
+              </a:xfrm>
+              <a:prstGeom prst="rect">
+                <a:avLst/>
+              </a:prstGeom>
+              <a:blipFill>
+                <a:blip r:embed="rId11"/>
+                <a:stretch>
+                  <a:fillRect/>
+                </a:stretch>
+              </a:blipFill>
+            </p:spPr>
+            <p:txBody>
+              <a:bodyPr/>
+              <a:lstStyle/>
+              <a:p>
+                <a:r>
+                  <a:rPr lang="zh-CN" altLang="en-US">
+                    <a:noFill/>
+                  </a:rPr>
+                  <a:t> </a:t>
+                </a:r>
+              </a:p>
+            </p:txBody>
+          </p:sp>
+        </mc:Fallback>
+      </mc:AlternateContent>
+      <mc:AlternateContent xmlns:mc="http://schemas.openxmlformats.org/markup-compatibility/2006">
+        <mc:Choice xmlns:a14="http://schemas.microsoft.com/office/drawing/2010/main" Requires="a14">
+          <p:sp>
+            <p:nvSpPr>
+              <p:cNvPr id="147" name="文本框 146">
+                <a:extLst>
+                  <a:ext uri="{FF2B5EF4-FFF2-40B4-BE49-F238E27FC236}">
+                    <a16:creationId xmlns:a16="http://schemas.microsoft.com/office/drawing/2014/main" id="{2C3E468F-84CA-D966-E4B6-6E3D9AF1ECE1}"/>
+                  </a:ext>
+                </a:extLst>
+              </p:cNvPr>
+              <p:cNvSpPr txBox="1"/>
+              <p:nvPr/>
+            </p:nvSpPr>
+            <p:spPr>
+              <a:xfrm>
+                <a:off x="3321829" y="556910"/>
+                <a:ext cx="373820" cy="369332"/>
+              </a:xfrm>
+              <a:prstGeom prst="rect">
+                <a:avLst/>
+              </a:prstGeom>
+              <a:noFill/>
+            </p:spPr>
+            <p:txBody>
+              <a:bodyPr wrap="none" rtlCol="0">
+                <a:spAutoFit/>
+              </a:bodyPr>
+              <a:lstStyle/>
+              <a:p>
+                <a:pPr/>
+                <a14:m>
+                  <m:oMathPara xmlns:m="http://schemas.openxmlformats.org/officeDocument/2006/math">
+                    <m:oMathParaPr>
+                      <m:jc m:val="centerGroup"/>
+                    </m:oMathParaPr>
+                    <m:oMath xmlns:m="http://schemas.openxmlformats.org/officeDocument/2006/math">
+                      <m:r>
+                        <m:rPr>
+                          <m:sty m:val="p"/>
+                        </m:rPr>
+                        <a:rPr lang="en-US" altLang="zh-CN" b="0" i="0" smtClean="0">
+                          <a:latin typeface="Cambria Math" panose="02040503050406030204" pitchFamily="18" charset="0"/>
+                        </a:rPr>
+                        <m:t>I</m:t>
+                      </m:r>
+                      <m:r>
+                        <a:rPr lang="en-US" altLang="zh-CN" i="1" smtClean="0">
+                          <a:latin typeface="Cambria Math" panose="02040503050406030204" pitchFamily="18" charset="0"/>
+                        </a:rPr>
+                        <m:t>’</m:t>
+                      </m:r>
+                    </m:oMath>
+                  </m:oMathPara>
+                </a14:m>
+                <a:endParaRPr lang="en-US" altLang="zh-CN"/>
+              </a:p>
+            </p:txBody>
+          </p:sp>
+        </mc:Choice>
+        <mc:Fallback>
+          <p:sp>
+            <p:nvSpPr>
+              <p:cNvPr id="147" name="文本框 146">
+                <a:extLst>
+                  <a:ext uri="{FF2B5EF4-FFF2-40B4-BE49-F238E27FC236}">
+                    <a16:creationId xmlns:a16="http://schemas.microsoft.com/office/drawing/2014/main" id="{2C3E468F-84CA-D966-E4B6-6E3D9AF1ECE1}"/>
+                  </a:ext>
+                </a:extLst>
+              </p:cNvPr>
+              <p:cNvSpPr txBox="1">
+                <a:spLocks noRot="1" noChangeAspect="1" noMove="1" noResize="1" noEditPoints="1" noAdjustHandles="1" noChangeArrowheads="1" noChangeShapeType="1" noTextEdit="1"/>
+              </p:cNvSpPr>
+              <p:nvPr/>
+            </p:nvSpPr>
+            <p:spPr>
+              <a:xfrm>
+                <a:off x="3321829" y="556910"/>
+                <a:ext cx="373820" cy="369332"/>
+              </a:xfrm>
+              <a:prstGeom prst="rect">
+                <a:avLst/>
+              </a:prstGeom>
+              <a:blipFill>
+                <a:blip r:embed="rId12"/>
+                <a:stretch>
+                  <a:fillRect/>
+                </a:stretch>
+              </a:blipFill>
+            </p:spPr>
+            <p:txBody>
+              <a:bodyPr/>
+              <a:lstStyle/>
+              <a:p>
+                <a:r>
+                  <a:rPr lang="zh-CN" altLang="en-US">
+                    <a:noFill/>
+                  </a:rPr>
+                  <a:t> </a:t>
+                </a:r>
+              </a:p>
+            </p:txBody>
+          </p:sp>
+        </mc:Fallback>
+      </mc:AlternateContent>
+      <mc:AlternateContent xmlns:mc="http://schemas.openxmlformats.org/markup-compatibility/2006">
+        <mc:Choice xmlns:a14="http://schemas.microsoft.com/office/drawing/2010/main" Requires="a14">
+          <p:sp>
+            <p:nvSpPr>
+              <p:cNvPr id="154" name="文本框 153">
+                <a:extLst>
+                  <a:ext uri="{FF2B5EF4-FFF2-40B4-BE49-F238E27FC236}">
+                    <a16:creationId xmlns:a16="http://schemas.microsoft.com/office/drawing/2014/main" id="{A1509B48-A6D1-4366-AEFA-2062C04CBACF}"/>
+                  </a:ext>
+                </a:extLst>
+              </p:cNvPr>
+              <p:cNvSpPr txBox="1"/>
+              <p:nvPr/>
+            </p:nvSpPr>
+            <p:spPr>
+              <a:xfrm>
+                <a:off x="1526977" y="589675"/>
+                <a:ext cx="656077" cy="369332"/>
+              </a:xfrm>
+              <a:prstGeom prst="rect">
+                <a:avLst/>
+              </a:prstGeom>
+              <a:noFill/>
+            </p:spPr>
+            <p:txBody>
+              <a:bodyPr wrap="none" rtlCol="0">
+                <a:spAutoFit/>
+              </a:bodyPr>
+              <a:lstStyle/>
+              <a:p>
+                <a:pPr/>
+                <a14:m>
+                  <m:oMathPara xmlns:m="http://schemas.openxmlformats.org/officeDocument/2006/math">
+                    <m:oMathParaPr>
+                      <m:jc m:val="centerGroup"/>
+                    </m:oMathParaPr>
+                    <m:oMath xmlns:m="http://schemas.openxmlformats.org/officeDocument/2006/math">
+                      <m:r>
+                        <a:rPr lang="en-US" altLang="zh-CN" b="0" i="1" smtClean="0">
+                          <a:latin typeface="Cambria Math" panose="02040503050406030204" pitchFamily="18" charset="0"/>
+                        </a:rPr>
+                        <m:t>𝑁</m:t>
+                      </m:r>
+                      <m:sSub>
+                        <m:sSubPr>
+                          <m:ctrlPr>
+                            <a:rPr lang="en-US" altLang="zh-CN" b="0" i="1" smtClean="0">
+                              <a:latin typeface="Cambria Math" panose="02040503050406030204" pitchFamily="18" charset="0"/>
+                            </a:rPr>
+                          </m:ctrlPr>
+                        </m:sSubPr>
+                        <m:e>
+                          <m:r>
+                            <a:rPr lang="en-US" altLang="zh-CN" b="0" i="1" smtClean="0">
+                              <a:latin typeface="Cambria Math" panose="02040503050406030204" pitchFamily="18" charset="0"/>
+                            </a:rPr>
+                            <m:t>𝑃</m:t>
+                          </m:r>
+                        </m:e>
+                        <m:sub>
+                          <m:r>
+                            <a:rPr lang="en-US" altLang="zh-CN" b="0" i="1" smtClean="0">
+                              <a:latin typeface="Cambria Math" panose="02040503050406030204" pitchFamily="18" charset="0"/>
+                            </a:rPr>
+                            <m:t>𝑘</m:t>
+                          </m:r>
+                        </m:sub>
+                      </m:sSub>
+                    </m:oMath>
+                  </m:oMathPara>
+                </a14:m>
+                <a:endParaRPr lang="en-US" altLang="zh-CN"/>
+              </a:p>
+            </p:txBody>
+          </p:sp>
+        </mc:Choice>
+        <mc:Fallback>
+          <p:sp>
+            <p:nvSpPr>
+              <p:cNvPr id="154" name="文本框 153">
+                <a:extLst>
+                  <a:ext uri="{FF2B5EF4-FFF2-40B4-BE49-F238E27FC236}">
+                    <a16:creationId xmlns:a16="http://schemas.microsoft.com/office/drawing/2014/main" id="{A1509B48-A6D1-4366-AEFA-2062C04CBACF}"/>
+                  </a:ext>
+                </a:extLst>
+              </p:cNvPr>
+              <p:cNvSpPr txBox="1">
+                <a:spLocks noRot="1" noChangeAspect="1" noMove="1" noResize="1" noEditPoints="1" noAdjustHandles="1" noChangeArrowheads="1" noChangeShapeType="1" noTextEdit="1"/>
+              </p:cNvSpPr>
+              <p:nvPr/>
+            </p:nvSpPr>
+            <p:spPr>
+              <a:xfrm>
+                <a:off x="1526977" y="589675"/>
+                <a:ext cx="656077" cy="369332"/>
+              </a:xfrm>
+              <a:prstGeom prst="rect">
+                <a:avLst/>
+              </a:prstGeom>
+              <a:blipFill>
+                <a:blip r:embed="rId13"/>
+                <a:stretch>
+                  <a:fillRect/>
+                </a:stretch>
+              </a:blipFill>
+            </p:spPr>
+            <p:txBody>
+              <a:bodyPr/>
+              <a:lstStyle/>
+              <a:p>
+                <a:r>
+                  <a:rPr lang="zh-CN" altLang="en-US">
+                    <a:noFill/>
+                  </a:rPr>
+                  <a:t> </a:t>
+                </a:r>
+              </a:p>
+            </p:txBody>
+          </p:sp>
+        </mc:Fallback>
+      </mc:AlternateContent>
+      <p:sp>
+        <p:nvSpPr>
+          <p:cNvPr id="155" name="等腰三角形 154">
+            <a:extLst>
+              <a:ext uri="{FF2B5EF4-FFF2-40B4-BE49-F238E27FC236}">
+                <a16:creationId xmlns:a16="http://schemas.microsoft.com/office/drawing/2014/main" id="{4519AC16-307D-A61F-0C11-864D0809E19A}"/>
+              </a:ext>
+            </a:extLst>
+          </p:cNvPr>
+          <p:cNvSpPr/>
+          <p:nvPr/>
+        </p:nvSpPr>
+        <p:spPr>
+          <a:xfrm>
+            <a:off x="1453015" y="948560"/>
+            <a:ext cx="684655" cy="230414"/>
+          </a:xfrm>
+          <a:prstGeom prst="triangle">
+            <a:avLst/>
+          </a:prstGeom>
+          <a:noFill/>
+          <a:ln>
+            <a:solidFill>
+              <a:schemeClr val="tx1"/>
+            </a:solidFill>
+          </a:ln>
+        </p:spPr>
+        <p:style>
+          <a:lnRef idx="2">
+            <a:schemeClr val="accent1">
+              <a:shade val="15000"/>
+            </a:schemeClr>
+          </a:lnRef>
+          <a:fillRef idx="1">
+            <a:schemeClr val="accent1"/>
+          </a:fillRef>
+          <a:effectRef idx="0">
+            <a:schemeClr val="accent1"/>
+          </a:effectRef>
+          <a:fontRef idx="minor">
+            <a:schemeClr val="lt1"/>
+          </a:fontRef>
+        </p:style>
+        <p:txBody>
+          <a:bodyPr rtlCol="0" anchor="ctr"/>
+          <a:lstStyle/>
+          <a:p>
+            <a:pPr algn="ctr"/>
+            <a:endParaRPr lang="zh-CN" altLang="en-US"/>
+          </a:p>
+        </p:txBody>
+      </p:sp>
+      <mc:AlternateContent xmlns:mc="http://schemas.openxmlformats.org/markup-compatibility/2006">
+        <mc:Choice xmlns:a14="http://schemas.microsoft.com/office/drawing/2010/main" Requires="a14">
+          <p:sp>
+            <p:nvSpPr>
+              <p:cNvPr id="156" name="文本框 155">
+                <a:extLst>
+                  <a:ext uri="{FF2B5EF4-FFF2-40B4-BE49-F238E27FC236}">
+                    <a16:creationId xmlns:a16="http://schemas.microsoft.com/office/drawing/2014/main" id="{9362988C-C1C6-0562-0263-DE67C9F7FD3B}"/>
+                  </a:ext>
+                </a:extLst>
+              </p:cNvPr>
+              <p:cNvSpPr txBox="1"/>
+              <p:nvPr/>
+            </p:nvSpPr>
+            <p:spPr>
+              <a:xfrm>
+                <a:off x="1413626" y="1178974"/>
+                <a:ext cx="724044" cy="369332"/>
+              </a:xfrm>
+              <a:prstGeom prst="rect">
+                <a:avLst/>
+              </a:prstGeom>
+              <a:noFill/>
+            </p:spPr>
+            <p:txBody>
+              <a:bodyPr wrap="none" rtlCol="0">
+                <a:spAutoFit/>
+              </a:bodyPr>
+              <a:lstStyle/>
+              <a:p>
+                <a:pPr/>
+                <a14:m>
+                  <m:oMathPara xmlns:m="http://schemas.openxmlformats.org/officeDocument/2006/math">
+                    <m:oMathParaPr>
+                      <m:jc m:val="centerGroup"/>
+                    </m:oMathParaPr>
+                    <m:oMath xmlns:m="http://schemas.openxmlformats.org/officeDocument/2006/math">
+                      <m:r>
+                        <a:rPr lang="en-US" altLang="zh-CN" b="0" i="1" smtClean="0">
+                          <a:latin typeface="Cambria Math" panose="02040503050406030204" pitchFamily="18" charset="0"/>
+                        </a:rPr>
+                        <m:t>𝐽𝑜h𝑛</m:t>
+                      </m:r>
+                    </m:oMath>
+                  </m:oMathPara>
+                </a14:m>
+                <a:endParaRPr lang="zh-CN" altLang="en-US"/>
+              </a:p>
+            </p:txBody>
+          </p:sp>
+        </mc:Choice>
+        <mc:Fallback>
+          <p:sp>
+            <p:nvSpPr>
+              <p:cNvPr id="156" name="文本框 155">
+                <a:extLst>
+                  <a:ext uri="{FF2B5EF4-FFF2-40B4-BE49-F238E27FC236}">
+                    <a16:creationId xmlns:a16="http://schemas.microsoft.com/office/drawing/2014/main" id="{9362988C-C1C6-0562-0263-DE67C9F7FD3B}"/>
+                  </a:ext>
+                </a:extLst>
+              </p:cNvPr>
+              <p:cNvSpPr txBox="1">
+                <a:spLocks noRot="1" noChangeAspect="1" noMove="1" noResize="1" noEditPoints="1" noAdjustHandles="1" noChangeArrowheads="1" noChangeShapeType="1" noTextEdit="1"/>
+              </p:cNvSpPr>
+              <p:nvPr/>
+            </p:nvSpPr>
+            <p:spPr>
+              <a:xfrm>
+                <a:off x="1413626" y="1178974"/>
+                <a:ext cx="724044" cy="369332"/>
+              </a:xfrm>
+              <a:prstGeom prst="rect">
+                <a:avLst/>
+              </a:prstGeom>
+              <a:blipFill>
+                <a:blip r:embed="rId14"/>
+                <a:stretch>
+                  <a:fillRect b="-9836"/>
+                </a:stretch>
+              </a:blipFill>
+            </p:spPr>
+            <p:txBody>
+              <a:bodyPr/>
+              <a:lstStyle/>
+              <a:p>
+                <a:r>
+                  <a:rPr lang="zh-CN" altLang="en-US">
+                    <a:noFill/>
+                  </a:rPr>
+                  <a:t> </a:t>
+                </a:r>
+              </a:p>
+            </p:txBody>
+          </p:sp>
+        </mc:Fallback>
+      </mc:AlternateContent>
+      <p:cxnSp>
+        <p:nvCxnSpPr>
+          <p:cNvPr id="157" name="直接连接符 156">
+            <a:extLst>
+              <a:ext uri="{FF2B5EF4-FFF2-40B4-BE49-F238E27FC236}">
+                <a16:creationId xmlns:a16="http://schemas.microsoft.com/office/drawing/2014/main" id="{866465E3-D602-B8C5-0618-DFBDDDE7ABBA}"/>
+              </a:ext>
+            </a:extLst>
+          </p:cNvPr>
+          <p:cNvCxnSpPr>
+            <a:cxnSpLocks/>
+            <a:stCxn id="154" idx="0"/>
+            <a:endCxn id="142" idx="2"/>
+          </p:cNvCxnSpPr>
+          <p:nvPr/>
+        </p:nvCxnSpPr>
+        <p:spPr>
+          <a:xfrm flipV="1">
+            <a:off x="1855016" y="240398"/>
+            <a:ext cx="723424" cy="349277"/>
+          </a:xfrm>
+          <a:prstGeom prst="line">
+            <a:avLst/>
+          </a:prstGeom>
+          <a:ln w="12700">
+            <a:solidFill>
+              <a:schemeClr val="tx1"/>
+            </a:solidFill>
+          </a:ln>
+        </p:spPr>
+        <p:style>
+          <a:lnRef idx="1">
+            <a:schemeClr val="accent1"/>
+          </a:lnRef>
+          <a:fillRef idx="0">
+            <a:schemeClr val="accent1"/>
+          </a:fillRef>
+          <a:effectRef idx="0">
+            <a:schemeClr val="accent1"/>
+          </a:effectRef>
+          <a:fontRef idx="minor">
+            <a:schemeClr val="tx1"/>
+          </a:fontRef>
+        </p:style>
+      </p:cxnSp>
+      <p:cxnSp>
+        <p:nvCxnSpPr>
+          <p:cNvPr id="160" name="直接连接符 159">
+            <a:extLst>
+              <a:ext uri="{FF2B5EF4-FFF2-40B4-BE49-F238E27FC236}">
+                <a16:creationId xmlns:a16="http://schemas.microsoft.com/office/drawing/2014/main" id="{361819B8-5878-64B9-B200-3918C6D30549}"/>
+              </a:ext>
+            </a:extLst>
+          </p:cNvPr>
+          <p:cNvCxnSpPr>
+            <a:cxnSpLocks/>
+            <a:stCxn id="147" idx="0"/>
+            <a:endCxn id="142" idx="2"/>
+          </p:cNvCxnSpPr>
+          <p:nvPr/>
+        </p:nvCxnSpPr>
+        <p:spPr>
+          <a:xfrm flipH="1" flipV="1">
+            <a:off x="2578440" y="240398"/>
+            <a:ext cx="930299" cy="316512"/>
+          </a:xfrm>
+          <a:prstGeom prst="line">
+            <a:avLst/>
+          </a:prstGeom>
+          <a:ln w="12700">
+            <a:solidFill>
+              <a:schemeClr val="tx1"/>
+            </a:solidFill>
+          </a:ln>
+        </p:spPr>
+        <p:style>
+          <a:lnRef idx="1">
+            <a:schemeClr val="accent1"/>
+          </a:lnRef>
+          <a:fillRef idx="0">
+            <a:schemeClr val="accent1"/>
+          </a:fillRef>
+          <a:effectRef idx="0">
+            <a:schemeClr val="accent1"/>
+          </a:effectRef>
+          <a:fontRef idx="minor">
+            <a:schemeClr val="tx1"/>
+          </a:fontRef>
+        </p:style>
+      </p:cxnSp>
+      <p:cxnSp>
+        <p:nvCxnSpPr>
+          <p:cNvPr id="166" name="直接连接符 165">
+            <a:extLst>
+              <a:ext uri="{FF2B5EF4-FFF2-40B4-BE49-F238E27FC236}">
+                <a16:creationId xmlns:a16="http://schemas.microsoft.com/office/drawing/2014/main" id="{888452A3-12ED-7E1E-BA84-E65492B1D72E}"/>
+              </a:ext>
+            </a:extLst>
+          </p:cNvPr>
+          <p:cNvCxnSpPr>
+            <a:cxnSpLocks/>
+            <a:stCxn id="147" idx="2"/>
+            <a:endCxn id="215" idx="0"/>
+          </p:cNvCxnSpPr>
+          <p:nvPr/>
+        </p:nvCxnSpPr>
+        <p:spPr>
+          <a:xfrm flipH="1">
+            <a:off x="2958612" y="926242"/>
+            <a:ext cx="550127" cy="312544"/>
+          </a:xfrm>
+          <a:prstGeom prst="line">
+            <a:avLst/>
+          </a:prstGeom>
+          <a:ln w="12700">
+            <a:solidFill>
+              <a:schemeClr val="tx1"/>
+            </a:solidFill>
+          </a:ln>
+        </p:spPr>
+        <p:style>
+          <a:lnRef idx="1">
+            <a:schemeClr val="accent1"/>
+          </a:lnRef>
+          <a:fillRef idx="0">
+            <a:schemeClr val="accent1"/>
+          </a:fillRef>
+          <a:effectRef idx="0">
+            <a:schemeClr val="accent1"/>
+          </a:effectRef>
+          <a:fontRef idx="minor">
+            <a:schemeClr val="tx1"/>
+          </a:fontRef>
+        </p:style>
+      </p:cxnSp>
+      <p:sp>
+        <p:nvSpPr>
+          <p:cNvPr id="201" name="文本框 200">
+            <a:extLst>
+              <a:ext uri="{FF2B5EF4-FFF2-40B4-BE49-F238E27FC236}">
+                <a16:creationId xmlns:a16="http://schemas.microsoft.com/office/drawing/2014/main" id="{210CADAE-8900-2F7F-A865-559C34EC4A84}"/>
+              </a:ext>
+            </a:extLst>
+          </p:cNvPr>
+          <p:cNvSpPr txBox="1"/>
+          <p:nvPr/>
+        </p:nvSpPr>
+        <p:spPr>
+          <a:xfrm>
+            <a:off x="4216692" y="1224131"/>
+            <a:ext cx="346570" cy="369332"/>
+          </a:xfrm>
+          <a:prstGeom prst="rect">
+            <a:avLst/>
+          </a:prstGeom>
+          <a:noFill/>
+        </p:spPr>
+        <p:txBody>
+          <a:bodyPr wrap="square" rtlCol="0">
+            <a:spAutoFit/>
+          </a:bodyPr>
+          <a:lstStyle/>
+          <a:p>
+            <a:r>
+              <a:rPr lang="en-US" altLang="zh-CN"/>
+              <a:t>…</a:t>
+            </a:r>
+          </a:p>
+        </p:txBody>
+      </p:sp>
+      <p:cxnSp>
+        <p:nvCxnSpPr>
+          <p:cNvPr id="205" name="直接连接符 204">
+            <a:extLst>
+              <a:ext uri="{FF2B5EF4-FFF2-40B4-BE49-F238E27FC236}">
+                <a16:creationId xmlns:a16="http://schemas.microsoft.com/office/drawing/2014/main" id="{48BBC60E-3EB8-32C4-EC31-57F1086AB8FD}"/>
+              </a:ext>
+            </a:extLst>
+          </p:cNvPr>
+          <p:cNvCxnSpPr>
+            <a:cxnSpLocks/>
+            <a:stCxn id="147" idx="2"/>
+          </p:cNvCxnSpPr>
+          <p:nvPr/>
+        </p:nvCxnSpPr>
+        <p:spPr>
+          <a:xfrm>
+            <a:off x="3508739" y="926242"/>
+            <a:ext cx="632836" cy="297889"/>
+          </a:xfrm>
+          <a:prstGeom prst="line">
+            <a:avLst/>
+          </a:prstGeom>
+          <a:ln w="12700">
+            <a:solidFill>
+              <a:schemeClr val="tx1"/>
+            </a:solidFill>
+          </a:ln>
+        </p:spPr>
+        <p:style>
+          <a:lnRef idx="1">
+            <a:schemeClr val="accent1"/>
+          </a:lnRef>
+          <a:fillRef idx="0">
+            <a:schemeClr val="accent1"/>
+          </a:fillRef>
+          <a:effectRef idx="0">
+            <a:schemeClr val="accent1"/>
+          </a:effectRef>
+          <a:fontRef idx="minor">
+            <a:schemeClr val="tx1"/>
+          </a:fontRef>
+        </p:style>
+      </p:cxnSp>
+      <mc:AlternateContent xmlns:mc="http://schemas.openxmlformats.org/markup-compatibility/2006">
+        <mc:Choice xmlns:a14="http://schemas.microsoft.com/office/drawing/2010/main" Requires="a14">
+          <p:sp>
+            <p:nvSpPr>
+              <p:cNvPr id="215" name="文本框 214">
+                <a:extLst>
+                  <a:ext uri="{FF2B5EF4-FFF2-40B4-BE49-F238E27FC236}">
+                    <a16:creationId xmlns:a16="http://schemas.microsoft.com/office/drawing/2014/main" id="{6E91EB17-9AE7-239F-C755-751CCDDD856F}"/>
+                  </a:ext>
+                </a:extLst>
+              </p:cNvPr>
+              <p:cNvSpPr txBox="1"/>
+              <p:nvPr/>
+            </p:nvSpPr>
+            <p:spPr>
+              <a:xfrm>
+                <a:off x="2733614" y="1238786"/>
+                <a:ext cx="449995" cy="369332"/>
+              </a:xfrm>
+              <a:prstGeom prst="rect">
+                <a:avLst/>
+              </a:prstGeom>
+              <a:noFill/>
+            </p:spPr>
+            <p:txBody>
+              <a:bodyPr wrap="none" rtlCol="0">
+                <a:spAutoFit/>
+              </a:bodyPr>
+              <a:lstStyle/>
+              <a:p>
+                <a:pPr/>
+                <a14:m>
+                  <m:oMathPara xmlns:m="http://schemas.openxmlformats.org/officeDocument/2006/math">
+                    <m:oMathParaPr>
+                      <m:jc m:val="centerGroup"/>
+                    </m:oMathParaPr>
+                    <m:oMath xmlns:m="http://schemas.openxmlformats.org/officeDocument/2006/math">
+                      <m:sSup>
+                        <m:sSupPr>
+                          <m:ctrlPr>
+                            <a:rPr lang="en-US" altLang="zh-CN" i="1" smtClean="0">
+                              <a:latin typeface="Cambria Math" panose="02040503050406030204" pitchFamily="18" charset="0"/>
+                            </a:rPr>
+                          </m:ctrlPr>
+                        </m:sSupPr>
+                        <m:e>
+                          <m:r>
+                            <a:rPr lang="en-US" altLang="zh-CN" b="0" i="1" smtClean="0">
+                              <a:latin typeface="Cambria Math" panose="02040503050406030204" pitchFamily="18" charset="0"/>
+                            </a:rPr>
+                            <m:t>𝐼</m:t>
+                          </m:r>
+                        </m:e>
+                        <m:sup>
+                          <m:r>
+                            <a:rPr lang="en-US" altLang="zh-CN" b="0" i="1" smtClean="0">
+                              <a:latin typeface="Cambria Math" panose="02040503050406030204" pitchFamily="18" charset="0"/>
+                            </a:rPr>
+                            <m:t>0</m:t>
+                          </m:r>
+                        </m:sup>
+                      </m:sSup>
+                    </m:oMath>
+                  </m:oMathPara>
+                </a14:m>
+                <a:endParaRPr lang="en-US" altLang="zh-CN"/>
+              </a:p>
+            </p:txBody>
+          </p:sp>
+        </mc:Choice>
+        <mc:Fallback>
+          <p:sp>
+            <p:nvSpPr>
+              <p:cNvPr id="215" name="文本框 214">
+                <a:extLst>
+                  <a:ext uri="{FF2B5EF4-FFF2-40B4-BE49-F238E27FC236}">
+                    <a16:creationId xmlns:a16="http://schemas.microsoft.com/office/drawing/2014/main" id="{6E91EB17-9AE7-239F-C755-751CCDDD856F}"/>
+                  </a:ext>
+                </a:extLst>
+              </p:cNvPr>
+              <p:cNvSpPr txBox="1">
+                <a:spLocks noRot="1" noChangeAspect="1" noMove="1" noResize="1" noEditPoints="1" noAdjustHandles="1" noChangeArrowheads="1" noChangeShapeType="1" noTextEdit="1"/>
+              </p:cNvSpPr>
+              <p:nvPr/>
+            </p:nvSpPr>
+            <p:spPr>
+              <a:xfrm>
+                <a:off x="2733614" y="1238786"/>
+                <a:ext cx="449995" cy="369332"/>
+              </a:xfrm>
+              <a:prstGeom prst="rect">
+                <a:avLst/>
+              </a:prstGeom>
+              <a:blipFill>
+                <a:blip r:embed="rId15"/>
+                <a:stretch>
+                  <a:fillRect/>
+                </a:stretch>
+              </a:blipFill>
+            </p:spPr>
+            <p:txBody>
+              <a:bodyPr/>
+              <a:lstStyle/>
+              <a:p>
+                <a:r>
+                  <a:rPr lang="zh-CN" altLang="en-US">
+                    <a:noFill/>
+                  </a:rPr>
+                  <a:t> </a:t>
+                </a:r>
+              </a:p>
+            </p:txBody>
+          </p:sp>
+        </mc:Fallback>
+      </mc:AlternateContent>
+      <p:sp>
+        <p:nvSpPr>
+          <p:cNvPr id="229" name="等腰三角形 228">
+            <a:extLst>
+              <a:ext uri="{FF2B5EF4-FFF2-40B4-BE49-F238E27FC236}">
+                <a16:creationId xmlns:a16="http://schemas.microsoft.com/office/drawing/2014/main" id="{763893E1-3983-DC82-B082-E742B28E0787}"/>
+              </a:ext>
+            </a:extLst>
+          </p:cNvPr>
+          <p:cNvSpPr/>
+          <p:nvPr/>
+        </p:nvSpPr>
+        <p:spPr>
+          <a:xfrm>
+            <a:off x="5512816" y="4347058"/>
+            <a:ext cx="684655" cy="230414"/>
+          </a:xfrm>
+          <a:prstGeom prst="triangle">
+            <a:avLst/>
+          </a:prstGeom>
+          <a:noFill/>
+          <a:ln>
+            <a:solidFill>
+              <a:schemeClr val="tx1"/>
+            </a:solidFill>
+          </a:ln>
+        </p:spPr>
+        <p:style>
+          <a:lnRef idx="2">
+            <a:schemeClr val="accent1">
+              <a:shade val="15000"/>
+            </a:schemeClr>
+          </a:lnRef>
+          <a:fillRef idx="1">
+            <a:schemeClr val="accent1"/>
+          </a:fillRef>
+          <a:effectRef idx="0">
+            <a:schemeClr val="accent1"/>
+          </a:effectRef>
+          <a:fontRef idx="minor">
+            <a:schemeClr val="lt1"/>
+          </a:fontRef>
+        </p:style>
+        <p:txBody>
+          <a:bodyPr rtlCol="0" anchor="ctr"/>
+          <a:lstStyle/>
+          <a:p>
+            <a:pPr algn="ctr"/>
+            <a:endParaRPr lang="zh-CN" altLang="en-US"/>
+          </a:p>
+        </p:txBody>
+      </p:sp>
+      <mc:AlternateContent xmlns:mc="http://schemas.openxmlformats.org/markup-compatibility/2006">
+        <mc:Choice xmlns:a14="http://schemas.microsoft.com/office/drawing/2010/main" Requires="a14">
+          <p:sp>
+            <p:nvSpPr>
+              <p:cNvPr id="230" name="文本框 229">
+                <a:extLst>
+                  <a:ext uri="{FF2B5EF4-FFF2-40B4-BE49-F238E27FC236}">
+                    <a16:creationId xmlns:a16="http://schemas.microsoft.com/office/drawing/2014/main" id="{AB43F32C-9BA1-0B2A-2388-E3F83F6C5175}"/>
+                  </a:ext>
+                </a:extLst>
+              </p:cNvPr>
+              <p:cNvSpPr txBox="1"/>
+              <p:nvPr/>
+            </p:nvSpPr>
+            <p:spPr>
+              <a:xfrm>
+                <a:off x="5464667" y="4517660"/>
+                <a:ext cx="677558" cy="369332"/>
+              </a:xfrm>
+              <a:prstGeom prst="rect">
+                <a:avLst/>
+              </a:prstGeom>
+              <a:noFill/>
+            </p:spPr>
+            <p:txBody>
+              <a:bodyPr wrap="none" rtlCol="0">
+                <a:spAutoFit/>
+              </a:bodyPr>
+              <a:lstStyle/>
+              <a:p>
+                <a:pPr/>
+                <a14:m>
+                  <m:oMathPara xmlns:m="http://schemas.openxmlformats.org/officeDocument/2006/math">
+                    <m:oMathParaPr>
+                      <m:jc m:val="centerGroup"/>
+                    </m:oMathParaPr>
+                    <m:oMath xmlns:m="http://schemas.openxmlformats.org/officeDocument/2006/math">
+                      <m:r>
+                        <a:rPr lang="en-US" altLang="zh-CN" b="0" i="1" smtClean="0">
+                          <a:latin typeface="Cambria Math" panose="02040503050406030204" pitchFamily="18" charset="0"/>
+                        </a:rPr>
+                        <m:t> </m:t>
+                      </m:r>
+                      <m:r>
+                        <a:rPr lang="en-US" altLang="zh-CN" b="0" i="1" smtClean="0">
+                          <a:latin typeface="Cambria Math" panose="02040503050406030204" pitchFamily="18" charset="0"/>
+                        </a:rPr>
+                        <m:t>h𝑒𝑛</m:t>
+                      </m:r>
+                    </m:oMath>
+                  </m:oMathPara>
+                </a14:m>
+                <a:endParaRPr lang="zh-CN" altLang="en-US" dirty="0"/>
+              </a:p>
+            </p:txBody>
+          </p:sp>
+        </mc:Choice>
+        <mc:Fallback>
+          <p:sp>
+            <p:nvSpPr>
+              <p:cNvPr id="230" name="文本框 229">
+                <a:extLst>
+                  <a:ext uri="{FF2B5EF4-FFF2-40B4-BE49-F238E27FC236}">
+                    <a16:creationId xmlns:a16="http://schemas.microsoft.com/office/drawing/2014/main" id="{AB43F32C-9BA1-0B2A-2388-E3F83F6C5175}"/>
+                  </a:ext>
+                </a:extLst>
+              </p:cNvPr>
+              <p:cNvSpPr txBox="1">
+                <a:spLocks noRot="1" noChangeAspect="1" noMove="1" noResize="1" noEditPoints="1" noAdjustHandles="1" noChangeArrowheads="1" noChangeShapeType="1" noTextEdit="1"/>
+              </p:cNvSpPr>
+              <p:nvPr/>
+            </p:nvSpPr>
+            <p:spPr>
+              <a:xfrm>
+                <a:off x="5464667" y="4517660"/>
+                <a:ext cx="677558" cy="369332"/>
+              </a:xfrm>
+              <a:prstGeom prst="rect">
+                <a:avLst/>
+              </a:prstGeom>
+              <a:blipFill>
+                <a:blip r:embed="rId16"/>
+                <a:stretch>
+                  <a:fillRect/>
+                </a:stretch>
+              </a:blipFill>
+            </p:spPr>
+            <p:txBody>
+              <a:bodyPr/>
+              <a:lstStyle/>
+              <a:p>
+                <a:r>
+                  <a:rPr lang="zh-CN" altLang="en-US">
+                    <a:noFill/>
+                  </a:rPr>
+                  <a:t> </a:t>
+                </a:r>
+              </a:p>
+            </p:txBody>
+          </p:sp>
+        </mc:Fallback>
+      </mc:AlternateContent>
+      <p:cxnSp>
+        <p:nvCxnSpPr>
+          <p:cNvPr id="231" name="连接符: 肘形 230">
+            <a:extLst>
+              <a:ext uri="{FF2B5EF4-FFF2-40B4-BE49-F238E27FC236}">
+                <a16:creationId xmlns:a16="http://schemas.microsoft.com/office/drawing/2014/main" id="{E07BDBB9-950D-A153-DFA7-C2977A378195}"/>
+              </a:ext>
+            </a:extLst>
+          </p:cNvPr>
+          <p:cNvCxnSpPr>
+            <a:cxnSpLocks/>
+            <a:stCxn id="141" idx="2"/>
+            <a:endCxn id="156" idx="2"/>
+          </p:cNvCxnSpPr>
+          <p:nvPr/>
+        </p:nvCxnSpPr>
+        <p:spPr>
+          <a:xfrm rot="5400000" flipH="1">
+            <a:off x="2366101" y="957853"/>
+            <a:ext cx="1475020" cy="2655926"/>
+          </a:xfrm>
+          <a:prstGeom prst="bentConnector3">
+            <a:avLst>
+              <a:gd name="adj1" fmla="val -15498"/>
+            </a:avLst>
+          </a:prstGeom>
+          <a:ln w="12700">
+            <a:solidFill>
+              <a:schemeClr val="tx1"/>
+            </a:solidFill>
+            <a:prstDash val="lgDashDot"/>
+            <a:tailEnd type="triangle"/>
+          </a:ln>
+        </p:spPr>
+        <p:style>
+          <a:lnRef idx="1">
+            <a:schemeClr val="accent1"/>
+          </a:lnRef>
+          <a:fillRef idx="0">
+            <a:schemeClr val="accent1"/>
+          </a:fillRef>
+          <a:effectRef idx="0">
+            <a:schemeClr val="accent1"/>
+          </a:effectRef>
+          <a:fontRef idx="minor">
+            <a:schemeClr val="tx1"/>
+          </a:fontRef>
+        </p:style>
+      </p:cxnSp>
+      <mc:AlternateContent xmlns:mc="http://schemas.openxmlformats.org/markup-compatibility/2006">
+        <mc:Choice xmlns:a14="http://schemas.microsoft.com/office/drawing/2010/main" Requires="a14">
+          <p:sp>
+            <p:nvSpPr>
+              <p:cNvPr id="51" name="文本框 50">
+                <a:extLst>
+                  <a:ext uri="{FF2B5EF4-FFF2-40B4-BE49-F238E27FC236}">
+                    <a16:creationId xmlns:a16="http://schemas.microsoft.com/office/drawing/2014/main" id="{5BF45A9C-95C6-48E8-AB26-756BA71D69D3}"/>
+                  </a:ext>
+                </a:extLst>
+              </p:cNvPr>
+              <p:cNvSpPr txBox="1"/>
+              <p:nvPr/>
+            </p:nvSpPr>
+            <p:spPr>
+              <a:xfrm>
+                <a:off x="6174165" y="5058577"/>
+                <a:ext cx="879793" cy="369332"/>
+              </a:xfrm>
+              <a:prstGeom prst="rect">
+                <a:avLst/>
+              </a:prstGeom>
+              <a:noFill/>
+            </p:spPr>
+            <p:txBody>
+              <a:bodyPr wrap="none" rtlCol="0">
+                <a:spAutoFit/>
+              </a:bodyPr>
+              <a:lstStyle/>
+              <a:p>
+                <a:pPr/>
+                <a14:m>
+                  <m:oMath xmlns:m="http://schemas.openxmlformats.org/officeDocument/2006/math">
+                    <m:sSub>
+                      <m:sSubPr>
+                        <m:ctrlPr>
+                          <a:rPr lang="en-US" altLang="zh-CN" b="0" i="1" smtClean="0">
+                            <a:latin typeface="Cambria Math" panose="02040503050406030204" pitchFamily="18" charset="0"/>
+                          </a:rPr>
+                        </m:ctrlPr>
+                      </m:sSubPr>
+                      <m:e>
+                        <m:r>
+                          <a:rPr lang="en-US" altLang="zh-CN" b="0" i="1" smtClean="0">
+                            <a:latin typeface="Cambria Math" panose="02040503050406030204" pitchFamily="18" charset="0"/>
+                          </a:rPr>
+                          <m:t>𝑔𝑎𝑜</m:t>
+                        </m:r>
+                      </m:e>
+                      <m:sub>
+                        <m:r>
+                          <a:rPr lang="en-US" altLang="zh-CN" b="0" i="1" smtClean="0">
+                            <a:latin typeface="Cambria Math" panose="02040503050406030204" pitchFamily="18" charset="0"/>
+                          </a:rPr>
+                          <m:t>𝑖</m:t>
+                        </m:r>
+                      </m:sub>
+                    </m:sSub>
+                  </m:oMath>
+                </a14:m>
+                <a:r>
+                  <a:rPr lang="en-US" altLang="zh-CN" dirty="0"/>
+                  <a:t>-</a:t>
+                </a:r>
+                <a14:m>
+                  <m:oMath xmlns:m="http://schemas.openxmlformats.org/officeDocument/2006/math">
+                    <m:r>
+                      <a:rPr lang="zh-CN" altLang="en-US" i="1" dirty="0" smtClean="0">
+                        <a:latin typeface="Cambria Math" panose="02040503050406030204" pitchFamily="18" charset="0"/>
+                      </a:rPr>
+                      <m:t>𝜉</m:t>
+                    </m:r>
+                  </m:oMath>
+                </a14:m>
+                <a:endParaRPr lang="en-US" altLang="zh-CN" dirty="0"/>
+              </a:p>
+            </p:txBody>
+          </p:sp>
+        </mc:Choice>
+        <mc:Fallback>
+          <p:sp>
+            <p:nvSpPr>
+              <p:cNvPr id="51" name="文本框 50">
+                <a:extLst>
+                  <a:ext uri="{FF2B5EF4-FFF2-40B4-BE49-F238E27FC236}">
+                    <a16:creationId xmlns:a16="http://schemas.microsoft.com/office/drawing/2014/main" id="{5BF45A9C-95C6-48E8-AB26-756BA71D69D3}"/>
+                  </a:ext>
+                </a:extLst>
+              </p:cNvPr>
+              <p:cNvSpPr txBox="1">
+                <a:spLocks noRot="1" noChangeAspect="1" noMove="1" noResize="1" noEditPoints="1" noAdjustHandles="1" noChangeArrowheads="1" noChangeShapeType="1" noTextEdit="1"/>
+              </p:cNvSpPr>
+              <p:nvPr/>
+            </p:nvSpPr>
+            <p:spPr>
+              <a:xfrm>
+                <a:off x="6174165" y="5058577"/>
+                <a:ext cx="879793" cy="369332"/>
+              </a:xfrm>
+              <a:prstGeom prst="rect">
+                <a:avLst/>
+              </a:prstGeom>
+              <a:blipFill>
+                <a:blip r:embed="rId17"/>
+                <a:stretch>
+                  <a:fillRect t="-10000" r="-694" b="-26667"/>
+                </a:stretch>
+              </a:blipFill>
+            </p:spPr>
+            <p:txBody>
+              <a:bodyPr/>
+              <a:lstStyle/>
+              <a:p>
+                <a:r>
+                  <a:rPr lang="zh-CN" altLang="en-US">
+                    <a:noFill/>
+                  </a:rPr>
+                  <a:t> </a:t>
+                </a:r>
+              </a:p>
+            </p:txBody>
+          </p:sp>
+        </mc:Fallback>
+      </mc:AlternateContent>
+      <p:cxnSp>
+        <p:nvCxnSpPr>
+          <p:cNvPr id="6" name="连接符: 肘形 5">
+            <a:extLst>
+              <a:ext uri="{FF2B5EF4-FFF2-40B4-BE49-F238E27FC236}">
+                <a16:creationId xmlns:a16="http://schemas.microsoft.com/office/drawing/2014/main" id="{4AE7AEBC-D56C-27C3-4876-FA0E1A541D47}"/>
+              </a:ext>
+            </a:extLst>
+          </p:cNvPr>
+          <p:cNvCxnSpPr>
+            <a:cxnSpLocks/>
+            <a:stCxn id="112" idx="2"/>
+            <a:endCxn id="51" idx="2"/>
+          </p:cNvCxnSpPr>
+          <p:nvPr/>
+        </p:nvCxnSpPr>
+        <p:spPr>
+          <a:xfrm rot="5400000" flipH="1">
+            <a:off x="7163527" y="4878444"/>
+            <a:ext cx="1005864" cy="2104794"/>
+          </a:xfrm>
+          <a:prstGeom prst="bentConnector3">
+            <a:avLst>
+              <a:gd name="adj1" fmla="val -22727"/>
+            </a:avLst>
+          </a:prstGeom>
+          <a:ln w="12700">
+            <a:solidFill>
+              <a:schemeClr val="tx1"/>
+            </a:solidFill>
+            <a:prstDash val="solid"/>
+            <a:tailEnd type="triangle"/>
+          </a:ln>
+        </p:spPr>
+        <p:style>
+          <a:lnRef idx="1">
+            <a:schemeClr val="accent1"/>
+          </a:lnRef>
+          <a:fillRef idx="0">
+            <a:schemeClr val="accent1"/>
+          </a:fillRef>
+          <a:effectRef idx="0">
+            <a:schemeClr val="accent1"/>
+          </a:effectRef>
+          <a:fontRef idx="minor">
+            <a:schemeClr val="tx1"/>
+          </a:fontRef>
+        </p:style>
+      </p:cxnSp>
+      <p:cxnSp>
+        <p:nvCxnSpPr>
+          <p:cNvPr id="11" name="直接连接符 10">
+            <a:extLst>
+              <a:ext uri="{FF2B5EF4-FFF2-40B4-BE49-F238E27FC236}">
+                <a16:creationId xmlns:a16="http://schemas.microsoft.com/office/drawing/2014/main" id="{54CD99A2-533F-61A6-740A-1A402E122815}"/>
+              </a:ext>
+            </a:extLst>
+          </p:cNvPr>
+          <p:cNvCxnSpPr>
+            <a:cxnSpLocks/>
+            <a:stCxn id="4" idx="0"/>
+            <a:endCxn id="15" idx="2"/>
+          </p:cNvCxnSpPr>
+          <p:nvPr/>
+        </p:nvCxnSpPr>
+        <p:spPr>
+          <a:xfrm flipH="1" flipV="1">
+            <a:off x="5945197" y="2884869"/>
+            <a:ext cx="903511" cy="453876"/>
+          </a:xfrm>
+          <a:prstGeom prst="line">
+            <a:avLst/>
+          </a:prstGeom>
+          <a:ln w="12700">
+            <a:solidFill>
+              <a:schemeClr val="tx1"/>
+            </a:solidFill>
+          </a:ln>
+        </p:spPr>
+        <p:style>
+          <a:lnRef idx="1">
+            <a:schemeClr val="accent1"/>
+          </a:lnRef>
+          <a:fillRef idx="0">
+            <a:schemeClr val="accent1"/>
+          </a:fillRef>
+          <a:effectRef idx="0">
+            <a:schemeClr val="accent1"/>
+          </a:effectRef>
+          <a:fontRef idx="minor">
+            <a:schemeClr val="tx1"/>
+          </a:fontRef>
+        </p:style>
+      </p:cxnSp>
+      <mc:AlternateContent xmlns:mc="http://schemas.openxmlformats.org/markup-compatibility/2006">
+        <mc:Choice xmlns:a14="http://schemas.microsoft.com/office/drawing/2010/main" Requires="a14">
+          <p:sp>
+            <p:nvSpPr>
+              <p:cNvPr id="13" name="文本框 12">
+                <a:extLst>
+                  <a:ext uri="{FF2B5EF4-FFF2-40B4-BE49-F238E27FC236}">
+                    <a16:creationId xmlns:a16="http://schemas.microsoft.com/office/drawing/2014/main" id="{E34F9F1C-AD2C-A823-877F-7E9468D979DB}"/>
+                  </a:ext>
+                </a:extLst>
+              </p:cNvPr>
+              <p:cNvSpPr txBox="1"/>
+              <p:nvPr/>
+            </p:nvSpPr>
+            <p:spPr>
+              <a:xfrm>
+                <a:off x="4786040" y="1866040"/>
+                <a:ext cx="894027" cy="369332"/>
+              </a:xfrm>
+              <a:prstGeom prst="rect">
+                <a:avLst/>
+              </a:prstGeom>
+              <a:noFill/>
+            </p:spPr>
+            <p:txBody>
+              <a:bodyPr wrap="none" rtlCol="0">
+                <a:spAutoFit/>
+              </a:bodyPr>
+              <a:lstStyle/>
+              <a:p>
+                <a:pPr/>
+                <a14:m>
+                  <m:oMathPara xmlns:m="http://schemas.openxmlformats.org/officeDocument/2006/math">
+                    <m:oMathParaPr>
+                      <m:jc m:val="centerGroup"/>
+                    </m:oMathParaPr>
+                    <m:oMath xmlns:m="http://schemas.openxmlformats.org/officeDocument/2006/math">
+                      <m:r>
+                        <a:rPr lang="en-US" altLang="zh-CN" b="0" i="1" smtClean="0">
+                          <a:latin typeface="Cambria Math" panose="02040503050406030204" pitchFamily="18" charset="0"/>
+                        </a:rPr>
+                        <m:t>𝑃𝑟𝑒𝑑</m:t>
+                      </m:r>
+                      <m:r>
+                        <a:rPr lang="en-US" altLang="zh-CN" i="1" smtClean="0">
+                          <a:latin typeface="Cambria Math" panose="02040503050406030204" pitchFamily="18" charset="0"/>
+                        </a:rPr>
+                        <m:t>𝑃</m:t>
+                      </m:r>
+                    </m:oMath>
+                  </m:oMathPara>
+                </a14:m>
+                <a:endParaRPr lang="en-US" altLang="zh-CN"/>
+              </a:p>
+            </p:txBody>
+          </p:sp>
+        </mc:Choice>
+        <mc:Fallback>
+          <p:sp>
+            <p:nvSpPr>
+              <p:cNvPr id="13" name="文本框 12">
+                <a:extLst>
+                  <a:ext uri="{FF2B5EF4-FFF2-40B4-BE49-F238E27FC236}">
+                    <a16:creationId xmlns:a16="http://schemas.microsoft.com/office/drawing/2014/main" id="{E34F9F1C-AD2C-A823-877F-7E9468D979DB}"/>
+                  </a:ext>
+                </a:extLst>
+              </p:cNvPr>
+              <p:cNvSpPr txBox="1">
+                <a:spLocks noRot="1" noChangeAspect="1" noMove="1" noResize="1" noEditPoints="1" noAdjustHandles="1" noChangeArrowheads="1" noChangeShapeType="1" noTextEdit="1"/>
+              </p:cNvSpPr>
+              <p:nvPr/>
+            </p:nvSpPr>
+            <p:spPr>
+              <a:xfrm>
+                <a:off x="4786040" y="1866040"/>
+                <a:ext cx="894027" cy="369332"/>
+              </a:xfrm>
+              <a:prstGeom prst="rect">
+                <a:avLst/>
+              </a:prstGeom>
+              <a:blipFill>
+                <a:blip r:embed="rId18"/>
+                <a:stretch>
+                  <a:fillRect/>
+                </a:stretch>
+              </a:blipFill>
+            </p:spPr>
+            <p:txBody>
+              <a:bodyPr/>
+              <a:lstStyle/>
+              <a:p>
+                <a:r>
+                  <a:rPr lang="zh-CN" altLang="en-US">
+                    <a:noFill/>
+                  </a:rPr>
+                  <a:t> </a:t>
+                </a:r>
+              </a:p>
+            </p:txBody>
+          </p:sp>
+        </mc:Fallback>
+      </mc:AlternateContent>
+      <mc:AlternateContent xmlns:mc="http://schemas.openxmlformats.org/markup-compatibility/2006">
+        <mc:Choice xmlns:a14="http://schemas.microsoft.com/office/drawing/2010/main" Requires="a14">
+          <p:sp>
+            <p:nvSpPr>
+              <p:cNvPr id="15" name="文本框 14">
+                <a:extLst>
+                  <a:ext uri="{FF2B5EF4-FFF2-40B4-BE49-F238E27FC236}">
+                    <a16:creationId xmlns:a16="http://schemas.microsoft.com/office/drawing/2014/main" id="{E8FC604B-3A9F-69F1-7693-6495C7923569}"/>
+                  </a:ext>
+                </a:extLst>
+              </p:cNvPr>
+              <p:cNvSpPr txBox="1"/>
+              <p:nvPr/>
+            </p:nvSpPr>
+            <p:spPr>
+              <a:xfrm>
+                <a:off x="5542682" y="2515537"/>
+                <a:ext cx="805029" cy="369332"/>
+              </a:xfrm>
+              <a:prstGeom prst="rect">
+                <a:avLst/>
+              </a:prstGeom>
+              <a:noFill/>
+            </p:spPr>
+            <p:txBody>
+              <a:bodyPr wrap="none" rtlCol="0">
+                <a:spAutoFit/>
+              </a:bodyPr>
+              <a:lstStyle/>
+              <a:p>
+                <a:pPr/>
+                <a14:m>
+                  <m:oMathPara xmlns:m="http://schemas.openxmlformats.org/officeDocument/2006/math">
+                    <m:oMathParaPr>
+                      <m:jc m:val="centerGroup"/>
+                    </m:oMathParaPr>
+                    <m:oMath xmlns:m="http://schemas.openxmlformats.org/officeDocument/2006/math">
+                      <m:r>
+                        <a:rPr lang="en-US" altLang="zh-CN" b="0" i="1" smtClean="0">
+                          <a:latin typeface="Cambria Math" panose="02040503050406030204" pitchFamily="18" charset="0"/>
+                        </a:rPr>
+                        <m:t>𝑃𝑟𝑒𝑑</m:t>
+                      </m:r>
+                      <m:r>
+                        <a:rPr lang="en-US" altLang="zh-CN" b="0" i="1" smtClean="0">
+                          <a:latin typeface="Cambria Math" panose="02040503050406030204" pitchFamily="18" charset="0"/>
+                        </a:rPr>
+                        <m:t>′</m:t>
+                      </m:r>
+                    </m:oMath>
+                  </m:oMathPara>
+                </a14:m>
+                <a:endParaRPr lang="en-US" altLang="zh-CN"/>
+              </a:p>
+            </p:txBody>
+          </p:sp>
+        </mc:Choice>
+        <mc:Fallback>
+          <p:sp>
+            <p:nvSpPr>
+              <p:cNvPr id="15" name="文本框 14">
+                <a:extLst>
+                  <a:ext uri="{FF2B5EF4-FFF2-40B4-BE49-F238E27FC236}">
+                    <a16:creationId xmlns:a16="http://schemas.microsoft.com/office/drawing/2014/main" id="{E8FC604B-3A9F-69F1-7693-6495C7923569}"/>
+                  </a:ext>
+                </a:extLst>
+              </p:cNvPr>
+              <p:cNvSpPr txBox="1">
+                <a:spLocks noRot="1" noChangeAspect="1" noMove="1" noResize="1" noEditPoints="1" noAdjustHandles="1" noChangeArrowheads="1" noChangeShapeType="1" noTextEdit="1"/>
+              </p:cNvSpPr>
+              <p:nvPr/>
+            </p:nvSpPr>
+            <p:spPr>
+              <a:xfrm>
+                <a:off x="5542682" y="2515537"/>
+                <a:ext cx="805029" cy="369332"/>
+              </a:xfrm>
+              <a:prstGeom prst="rect">
+                <a:avLst/>
+              </a:prstGeom>
+              <a:blipFill>
+                <a:blip r:embed="rId19"/>
+                <a:stretch>
+                  <a:fillRect/>
+                </a:stretch>
+              </a:blipFill>
+            </p:spPr>
+            <p:txBody>
+              <a:bodyPr/>
+              <a:lstStyle/>
+              <a:p>
+                <a:r>
+                  <a:rPr lang="zh-CN" altLang="en-US">
+                    <a:noFill/>
+                  </a:rPr>
+                  <a:t> </a:t>
+                </a:r>
+              </a:p>
+            </p:txBody>
+          </p:sp>
+        </mc:Fallback>
+      </mc:AlternateContent>
+      <p:cxnSp>
+        <p:nvCxnSpPr>
+          <p:cNvPr id="17" name="直接连接符 16">
+            <a:extLst>
+              <a:ext uri="{FF2B5EF4-FFF2-40B4-BE49-F238E27FC236}">
+                <a16:creationId xmlns:a16="http://schemas.microsoft.com/office/drawing/2014/main" id="{91C2F31C-17F9-0B70-BE8E-24976CC6E5D6}"/>
+              </a:ext>
+            </a:extLst>
+          </p:cNvPr>
+          <p:cNvCxnSpPr>
+            <a:cxnSpLocks/>
+            <a:stCxn id="13" idx="2"/>
+            <a:endCxn id="15" idx="0"/>
+          </p:cNvCxnSpPr>
+          <p:nvPr/>
+        </p:nvCxnSpPr>
+        <p:spPr>
+          <a:xfrm>
+            <a:off x="5233054" y="2235372"/>
+            <a:ext cx="712143" cy="280165"/>
+          </a:xfrm>
+          <a:prstGeom prst="line">
+            <a:avLst/>
+          </a:prstGeom>
+          <a:ln w="12700">
+            <a:solidFill>
+              <a:schemeClr val="tx1"/>
+            </a:solidFill>
+          </a:ln>
+        </p:spPr>
+        <p:style>
+          <a:lnRef idx="1">
+            <a:schemeClr val="accent1"/>
+          </a:lnRef>
+          <a:fillRef idx="0">
+            <a:schemeClr val="accent1"/>
+          </a:fillRef>
+          <a:effectRef idx="0">
+            <a:schemeClr val="accent1"/>
+          </a:effectRef>
+          <a:fontRef idx="minor">
+            <a:schemeClr val="tx1"/>
+          </a:fontRef>
+        </p:style>
+      </p:cxnSp>
+      <p:cxnSp>
+        <p:nvCxnSpPr>
+          <p:cNvPr id="18" name="直接连接符 17">
+            <a:extLst>
+              <a:ext uri="{FF2B5EF4-FFF2-40B4-BE49-F238E27FC236}">
+                <a16:creationId xmlns:a16="http://schemas.microsoft.com/office/drawing/2014/main" id="{F2D42BDD-EECB-EA6A-55F1-4D314BFFB773}"/>
+              </a:ext>
+            </a:extLst>
+          </p:cNvPr>
+          <p:cNvCxnSpPr>
+            <a:cxnSpLocks/>
+            <a:stCxn id="13" idx="2"/>
+          </p:cNvCxnSpPr>
+          <p:nvPr/>
+        </p:nvCxnSpPr>
+        <p:spPr>
+          <a:xfrm flipH="1">
+            <a:off x="4414275" y="2235372"/>
+            <a:ext cx="818779" cy="369332"/>
+          </a:xfrm>
+          <a:prstGeom prst="line">
+            <a:avLst/>
+          </a:prstGeom>
+          <a:ln w="12700">
+            <a:solidFill>
+              <a:schemeClr val="tx1"/>
+            </a:solidFill>
+          </a:ln>
+        </p:spPr>
+        <p:style>
+          <a:lnRef idx="1">
+            <a:schemeClr val="accent1"/>
+          </a:lnRef>
+          <a:fillRef idx="0">
+            <a:schemeClr val="accent1"/>
+          </a:fillRef>
+          <a:effectRef idx="0">
+            <a:schemeClr val="accent1"/>
+          </a:effectRef>
+          <a:fontRef idx="minor">
+            <a:schemeClr val="tx1"/>
+          </a:fontRef>
+        </p:style>
+      </p:cxnSp>
+      <p:cxnSp>
+        <p:nvCxnSpPr>
+          <p:cNvPr id="20" name="直接连接符 19">
+            <a:extLst>
+              <a:ext uri="{FF2B5EF4-FFF2-40B4-BE49-F238E27FC236}">
+                <a16:creationId xmlns:a16="http://schemas.microsoft.com/office/drawing/2014/main" id="{B48238E3-6701-CCCC-C3D1-D08B37D607D4}"/>
+              </a:ext>
+            </a:extLst>
+          </p:cNvPr>
+          <p:cNvCxnSpPr>
+            <a:cxnSpLocks/>
+            <a:stCxn id="21" idx="0"/>
+            <a:endCxn id="15" idx="2"/>
+          </p:cNvCxnSpPr>
+          <p:nvPr/>
+        </p:nvCxnSpPr>
+        <p:spPr>
+          <a:xfrm flipV="1">
+            <a:off x="5237608" y="2884869"/>
+            <a:ext cx="707589" cy="318068"/>
+          </a:xfrm>
+          <a:prstGeom prst="line">
+            <a:avLst/>
+          </a:prstGeom>
+          <a:ln w="12700">
+            <a:solidFill>
+              <a:schemeClr val="tx1"/>
+            </a:solidFill>
+          </a:ln>
+        </p:spPr>
+        <p:style>
+          <a:lnRef idx="1">
+            <a:schemeClr val="accent1"/>
+          </a:lnRef>
+          <a:fillRef idx="0">
+            <a:schemeClr val="accent1"/>
+          </a:fillRef>
+          <a:effectRef idx="0">
+            <a:schemeClr val="accent1"/>
+          </a:effectRef>
+          <a:fontRef idx="minor">
+            <a:schemeClr val="tx1"/>
+          </a:fontRef>
+        </p:style>
+      </p:cxnSp>
+      <mc:AlternateContent xmlns:mc="http://schemas.openxmlformats.org/markup-compatibility/2006">
+        <mc:Choice xmlns:a14="http://schemas.microsoft.com/office/drawing/2010/main" Requires="a14">
+          <p:sp>
+            <p:nvSpPr>
+              <p:cNvPr id="21" name="文本框 20">
+                <a:extLst>
+                  <a:ext uri="{FF2B5EF4-FFF2-40B4-BE49-F238E27FC236}">
+                    <a16:creationId xmlns:a16="http://schemas.microsoft.com/office/drawing/2014/main" id="{BCA7F87A-0FBD-256F-CA48-88A5398F6168}"/>
+                  </a:ext>
+                </a:extLst>
+              </p:cNvPr>
+              <p:cNvSpPr txBox="1"/>
+              <p:nvPr/>
+            </p:nvSpPr>
+            <p:spPr>
+              <a:xfrm>
+                <a:off x="4807426" y="3202937"/>
+                <a:ext cx="860364" cy="369332"/>
+              </a:xfrm>
+              <a:prstGeom prst="rect">
+                <a:avLst/>
+              </a:prstGeom>
+              <a:noFill/>
+            </p:spPr>
+            <p:txBody>
+              <a:bodyPr wrap="none" rtlCol="0">
+                <a:spAutoFit/>
+              </a:bodyPr>
+              <a:lstStyle/>
+              <a:p>
+                <a:pPr/>
+                <a14:m>
+                  <m:oMathPara xmlns:m="http://schemas.openxmlformats.org/officeDocument/2006/math">
+                    <m:oMathParaPr>
+                      <m:jc m:val="centerGroup"/>
+                    </m:oMathParaPr>
+                    <m:oMath xmlns:m="http://schemas.openxmlformats.org/officeDocument/2006/math">
+                      <m:sSup>
+                        <m:sSupPr>
+                          <m:ctrlPr>
+                            <a:rPr lang="en-US" altLang="zh-CN" i="1" smtClean="0">
+                              <a:latin typeface="Cambria Math" panose="02040503050406030204" pitchFamily="18" charset="0"/>
+                            </a:rPr>
+                          </m:ctrlPr>
+                        </m:sSupPr>
+                        <m:e>
+                          <m:r>
+                            <a:rPr lang="en-US" altLang="zh-CN" b="0" i="1" smtClean="0">
+                              <a:latin typeface="Cambria Math" panose="02040503050406030204" pitchFamily="18" charset="0"/>
+                            </a:rPr>
+                            <m:t>𝑃𝑟𝑒𝑑</m:t>
+                          </m:r>
+                        </m:e>
+                        <m:sup>
+                          <m:r>
+                            <a:rPr lang="en-US" altLang="zh-CN" b="0" i="1" smtClean="0">
+                              <a:latin typeface="Cambria Math" panose="02040503050406030204" pitchFamily="18" charset="0"/>
+                            </a:rPr>
+                            <m:t>0</m:t>
+                          </m:r>
+                        </m:sup>
+                      </m:sSup>
+                    </m:oMath>
+                  </m:oMathPara>
+                </a14:m>
+                <a:endParaRPr lang="en-US" altLang="zh-CN"/>
+              </a:p>
+            </p:txBody>
+          </p:sp>
+        </mc:Choice>
+        <mc:Fallback>
+          <p:sp>
+            <p:nvSpPr>
+              <p:cNvPr id="21" name="文本框 20">
+                <a:extLst>
+                  <a:ext uri="{FF2B5EF4-FFF2-40B4-BE49-F238E27FC236}">
+                    <a16:creationId xmlns:a16="http://schemas.microsoft.com/office/drawing/2014/main" id="{BCA7F87A-0FBD-256F-CA48-88A5398F6168}"/>
+                  </a:ext>
+                </a:extLst>
+              </p:cNvPr>
+              <p:cNvSpPr txBox="1">
+                <a:spLocks noRot="1" noChangeAspect="1" noMove="1" noResize="1" noEditPoints="1" noAdjustHandles="1" noChangeArrowheads="1" noChangeShapeType="1" noTextEdit="1"/>
+              </p:cNvSpPr>
+              <p:nvPr/>
+            </p:nvSpPr>
+            <p:spPr>
+              <a:xfrm>
+                <a:off x="4807426" y="3202937"/>
+                <a:ext cx="860364" cy="369332"/>
+              </a:xfrm>
+              <a:prstGeom prst="rect">
+                <a:avLst/>
+              </a:prstGeom>
+              <a:blipFill>
+                <a:blip r:embed="rId20"/>
+                <a:stretch>
+                  <a:fillRect/>
+                </a:stretch>
+              </a:blipFill>
+            </p:spPr>
+            <p:txBody>
+              <a:bodyPr/>
+              <a:lstStyle/>
+              <a:p>
+                <a:r>
+                  <a:rPr lang="zh-CN" altLang="en-US">
+                    <a:noFill/>
+                  </a:rPr>
+                  <a:t> </a:t>
+                </a:r>
+              </a:p>
+            </p:txBody>
+          </p:sp>
+        </mc:Fallback>
+      </mc:AlternateContent>
+      <p:cxnSp>
+        <p:nvCxnSpPr>
+          <p:cNvPr id="27" name="直接连接符 26">
+            <a:extLst>
+              <a:ext uri="{FF2B5EF4-FFF2-40B4-BE49-F238E27FC236}">
+                <a16:creationId xmlns:a16="http://schemas.microsoft.com/office/drawing/2014/main" id="{84E54742-0934-C82D-79B0-6B7923E80AE8}"/>
+              </a:ext>
+            </a:extLst>
+          </p:cNvPr>
+          <p:cNvCxnSpPr>
+            <a:cxnSpLocks/>
+          </p:cNvCxnSpPr>
+          <p:nvPr/>
+        </p:nvCxnSpPr>
+        <p:spPr>
+          <a:xfrm>
+            <a:off x="4466258" y="1548306"/>
+            <a:ext cx="547775" cy="268444"/>
+          </a:xfrm>
+          <a:prstGeom prst="line">
+            <a:avLst/>
+          </a:prstGeom>
+          <a:ln w="12700">
+            <a:solidFill>
+              <a:schemeClr val="tx1"/>
+            </a:solidFill>
+          </a:ln>
+        </p:spPr>
+        <p:style>
+          <a:lnRef idx="1">
+            <a:schemeClr val="accent1"/>
+          </a:lnRef>
+          <a:fillRef idx="0">
+            <a:schemeClr val="accent1"/>
+          </a:fillRef>
+          <a:effectRef idx="0">
+            <a:schemeClr val="accent1"/>
+          </a:effectRef>
+          <a:fontRef idx="minor">
+            <a:schemeClr val="tx1"/>
+          </a:fontRef>
+        </p:style>
+      </p:cxnSp>
+    </p:spTree>
+    <p:extLst>
+      <p:ext uri="{BB962C8B-B14F-4D97-AF65-F5344CB8AC3E}">
+        <p14:creationId xmlns:p14="http://schemas.microsoft.com/office/powerpoint/2010/main" val="401073313"/>
+      </p:ext>
+    </p:extLst>
+  </p:cSld>
+  <p:clrMapOvr>
+    <a:masterClrMapping/>
+  </p:clrMapOvr>
+</p:sld>
+</file>
+
+<file path=ppt/slides/slide12.xml><?xml version="1.0" encoding="utf-8"?>
+<p:sld xmlns:a="http://schemas.openxmlformats.org/drawingml/2006/main" xmlns:r="http://schemas.openxmlformats.org/officeDocument/2006/relationships" xmlns:p="http://schemas.openxmlformats.org/presentationml/2006/main">
+  <p:cSld>
+    <p:spTree>
+      <p:nvGrpSpPr>
+        <p:cNvPr id="1" name=""/>
+        <p:cNvGrpSpPr/>
+        <p:nvPr/>
+      </p:nvGrpSpPr>
+      <p:grpSpPr>
+        <a:xfrm>
+          <a:off x="0" y="0"/>
+          <a:ext cx="0" cy="0"/>
+          <a:chOff x="0" y="0"/>
+          <a:chExt cx="0" cy="0"/>
+        </a:xfrm>
+      </p:grpSpPr>
+      <mc:AlternateContent xmlns:mc="http://schemas.openxmlformats.org/markup-compatibility/2006" xmlns:a14="http://schemas.microsoft.com/office/drawing/2010/main">
+        <mc:Choice Requires="a14">
+          <p:sp>
+            <p:nvSpPr>
+              <p:cNvPr id="39" name="文本框 38">
+                <a:extLst>
+                  <a:ext uri="{FF2B5EF4-FFF2-40B4-BE49-F238E27FC236}">
+                    <a16:creationId xmlns:a16="http://schemas.microsoft.com/office/drawing/2014/main" id="{B371E44A-53FE-4F71-9EEF-3E01BF5237A7}"/>
+                  </a:ext>
+                </a:extLst>
+              </p:cNvPr>
+              <p:cNvSpPr txBox="1"/>
+              <p:nvPr/>
+            </p:nvSpPr>
+            <p:spPr>
+              <a:xfrm>
+                <a:off x="6703417" y="2869481"/>
+                <a:ext cx="810671" cy="369332"/>
+              </a:xfrm>
+              <a:prstGeom prst="rect">
+                <a:avLst/>
+              </a:prstGeom>
+              <a:noFill/>
+            </p:spPr>
+            <p:txBody>
+              <a:bodyPr wrap="none" rtlCol="0">
+                <a:spAutoFit/>
+              </a:bodyPr>
+              <a:lstStyle/>
+              <a:p>
+                <a:pPr/>
+                <a14:m>
+                  <m:oMathPara xmlns:m="http://schemas.openxmlformats.org/officeDocument/2006/math">
+                    <m:oMathParaPr>
+                      <m:jc m:val="centerGroup"/>
+                    </m:oMathParaPr>
+                    <m:oMath xmlns:m="http://schemas.openxmlformats.org/officeDocument/2006/math">
+                      <m:r>
+                        <a:rPr lang="en-US" altLang="zh-CN" i="1" smtClean="0">
+                          <a:latin typeface="Cambria Math" panose="02040503050406030204" pitchFamily="18" charset="0"/>
+                        </a:rPr>
+                        <m:t>𝐷𝑒𝑔𝑃</m:t>
+                      </m:r>
+                    </m:oMath>
+                  </m:oMathPara>
+                </a14:m>
+                <a:endParaRPr lang="en-US" altLang="zh-CN"/>
+              </a:p>
+            </p:txBody>
+          </p:sp>
+        </mc:Choice>
+        <mc:Fallback xmlns="">
+          <p:sp>
+            <p:nvSpPr>
+              <p:cNvPr id="39" name="文本框 38">
+                <a:extLst>
+                  <a:ext uri="{FF2B5EF4-FFF2-40B4-BE49-F238E27FC236}">
+                    <a16:creationId xmlns:a16="http://schemas.microsoft.com/office/drawing/2014/main" id="{B371E44A-53FE-4F71-9EEF-3E01BF5237A7}"/>
+                  </a:ext>
+                </a:extLst>
+              </p:cNvPr>
+              <p:cNvSpPr txBox="1">
+                <a:spLocks noRot="1" noChangeAspect="1" noMove="1" noResize="1" noEditPoints="1" noAdjustHandles="1" noChangeArrowheads="1" noChangeShapeType="1" noTextEdit="1"/>
+              </p:cNvSpPr>
+              <p:nvPr/>
+            </p:nvSpPr>
+            <p:spPr>
+              <a:xfrm>
+                <a:off x="6703417" y="2869481"/>
+                <a:ext cx="810671" cy="369332"/>
+              </a:xfrm>
+              <a:prstGeom prst="rect">
+                <a:avLst/>
+              </a:prstGeom>
+              <a:blipFill>
+                <a:blip r:embed="rId2"/>
+                <a:stretch>
+                  <a:fillRect b="-13333"/>
+                </a:stretch>
+              </a:blipFill>
+            </p:spPr>
+            <p:txBody>
+              <a:bodyPr/>
+              <a:lstStyle/>
+              <a:p>
+                <a:r>
+                  <a:rPr lang="zh-CN" altLang="en-US">
+                    <a:noFill/>
+                  </a:rPr>
+                  <a:t> </a:t>
+                </a:r>
+              </a:p>
+            </p:txBody>
+          </p:sp>
+        </mc:Fallback>
+      </mc:AlternateContent>
+      <mc:AlternateContent xmlns:mc="http://schemas.openxmlformats.org/markup-compatibility/2006" xmlns:a14="http://schemas.microsoft.com/office/drawing/2010/main">
+        <mc:Choice Requires="a14">
+          <p:sp>
+            <p:nvSpPr>
+              <p:cNvPr id="40" name="文本框 39">
+                <a:extLst>
+                  <a:ext uri="{FF2B5EF4-FFF2-40B4-BE49-F238E27FC236}">
+                    <a16:creationId xmlns:a16="http://schemas.microsoft.com/office/drawing/2014/main" id="{1376D1EA-FE2C-40BD-AD5D-2740AA05C38C}"/>
+                  </a:ext>
+                </a:extLst>
+              </p:cNvPr>
+              <p:cNvSpPr txBox="1"/>
+              <p:nvPr/>
+            </p:nvSpPr>
+            <p:spPr>
+              <a:xfrm>
+                <a:off x="5552530" y="3528142"/>
+                <a:ext cx="1086388" cy="369332"/>
+              </a:xfrm>
+              <a:prstGeom prst="rect">
+                <a:avLst/>
+              </a:prstGeom>
+              <a:noFill/>
+            </p:spPr>
+            <p:txBody>
+              <a:bodyPr wrap="none" rtlCol="0">
+                <a:spAutoFit/>
+              </a:bodyPr>
+              <a:lstStyle/>
+              <a:p>
+                <a:pPr/>
+                <a14:m>
+                  <m:oMathPara xmlns:m="http://schemas.openxmlformats.org/officeDocument/2006/math">
+                    <m:oMathParaPr>
+                      <m:jc m:val="centerGroup"/>
+                    </m:oMathParaPr>
+                    <m:oMath xmlns:m="http://schemas.openxmlformats.org/officeDocument/2006/math">
+                      <m:r>
+                        <a:rPr lang="en-US" altLang="zh-CN" b="0" i="1" smtClean="0">
+                          <a:latin typeface="Cambria Math" panose="02040503050406030204" pitchFamily="18" charset="0"/>
+                        </a:rPr>
+                        <m:t>𝑎𝑠𝑠𝑖𝑔𝑛</m:t>
+                      </m:r>
+                      <m:r>
+                        <a:rPr lang="en-US" altLang="zh-CN" i="1" smtClean="0">
+                          <a:latin typeface="Cambria Math" panose="02040503050406030204" pitchFamily="18" charset="0"/>
+                        </a:rPr>
+                        <m:t>𝑃</m:t>
+                      </m:r>
+                    </m:oMath>
+                  </m:oMathPara>
+                </a14:m>
+                <a:endParaRPr lang="en-US" altLang="zh-CN" dirty="0"/>
+              </a:p>
+            </p:txBody>
+          </p:sp>
+        </mc:Choice>
+        <mc:Fallback xmlns="">
+          <p:sp>
+            <p:nvSpPr>
+              <p:cNvPr id="40" name="文本框 39">
+                <a:extLst>
+                  <a:ext uri="{FF2B5EF4-FFF2-40B4-BE49-F238E27FC236}">
+                    <a16:creationId xmlns:a16="http://schemas.microsoft.com/office/drawing/2014/main" id="{1376D1EA-FE2C-40BD-AD5D-2740AA05C38C}"/>
+                  </a:ext>
+                </a:extLst>
+              </p:cNvPr>
+              <p:cNvSpPr txBox="1">
+                <a:spLocks noRot="1" noChangeAspect="1" noMove="1" noResize="1" noEditPoints="1" noAdjustHandles="1" noChangeArrowheads="1" noChangeShapeType="1" noTextEdit="1"/>
+              </p:cNvSpPr>
+              <p:nvPr/>
+            </p:nvSpPr>
+            <p:spPr>
+              <a:xfrm>
+                <a:off x="5552530" y="3528142"/>
+                <a:ext cx="1086388" cy="369332"/>
+              </a:xfrm>
+              <a:prstGeom prst="rect">
+                <a:avLst/>
+              </a:prstGeom>
+              <a:blipFill>
+                <a:blip r:embed="rId3"/>
+                <a:stretch>
+                  <a:fillRect b="-13333"/>
+                </a:stretch>
+              </a:blipFill>
+            </p:spPr>
+            <p:txBody>
+              <a:bodyPr/>
+              <a:lstStyle/>
+              <a:p>
+                <a:r>
+                  <a:rPr lang="zh-CN" altLang="en-US">
+                    <a:noFill/>
+                  </a:rPr>
+                  <a:t> </a:t>
+                </a:r>
+              </a:p>
+            </p:txBody>
+          </p:sp>
+        </mc:Fallback>
+      </mc:AlternateContent>
+      <mc:AlternateContent xmlns:mc="http://schemas.openxmlformats.org/markup-compatibility/2006" xmlns:a14="http://schemas.microsoft.com/office/drawing/2010/main">
+        <mc:Choice Requires="a14">
+          <p:sp>
+            <p:nvSpPr>
+              <p:cNvPr id="42" name="文本框 41">
+                <a:extLst>
+                  <a:ext uri="{FF2B5EF4-FFF2-40B4-BE49-F238E27FC236}">
+                    <a16:creationId xmlns:a16="http://schemas.microsoft.com/office/drawing/2014/main" id="{773516CA-6BD7-402B-B98D-B41264F7E325}"/>
+                  </a:ext>
+                </a:extLst>
+              </p:cNvPr>
+              <p:cNvSpPr txBox="1"/>
+              <p:nvPr/>
+            </p:nvSpPr>
+            <p:spPr>
+              <a:xfrm>
+                <a:off x="7651427" y="3538292"/>
+                <a:ext cx="721672" cy="369332"/>
+              </a:xfrm>
+              <a:prstGeom prst="rect">
+                <a:avLst/>
+              </a:prstGeom>
+              <a:noFill/>
+            </p:spPr>
+            <p:txBody>
+              <a:bodyPr wrap="none" rtlCol="0">
+                <a:spAutoFit/>
+              </a:bodyPr>
+              <a:lstStyle/>
+              <a:p>
+                <a:pPr/>
+                <a14:m>
+                  <m:oMathPara xmlns:m="http://schemas.openxmlformats.org/officeDocument/2006/math">
+                    <m:oMathParaPr>
+                      <m:jc m:val="centerGroup"/>
+                    </m:oMathParaPr>
+                    <m:oMath xmlns:m="http://schemas.openxmlformats.org/officeDocument/2006/math">
+                      <m:r>
+                        <a:rPr lang="en-US" altLang="zh-CN" i="1" smtClean="0">
+                          <a:latin typeface="Cambria Math" panose="02040503050406030204" pitchFamily="18" charset="0"/>
+                        </a:rPr>
+                        <m:t>𝐷𝑒𝑔</m:t>
+                      </m:r>
+                      <m:r>
+                        <a:rPr lang="en-US" altLang="zh-CN" b="0" i="1" smtClean="0">
+                          <a:latin typeface="Cambria Math" panose="02040503050406030204" pitchFamily="18" charset="0"/>
+                        </a:rPr>
+                        <m:t>′</m:t>
+                      </m:r>
+                    </m:oMath>
+                  </m:oMathPara>
+                </a14:m>
+                <a:endParaRPr lang="en-US" altLang="zh-CN" dirty="0"/>
+              </a:p>
+            </p:txBody>
+          </p:sp>
+        </mc:Choice>
+        <mc:Fallback xmlns="">
+          <p:sp>
+            <p:nvSpPr>
+              <p:cNvPr id="42" name="文本框 41">
+                <a:extLst>
+                  <a:ext uri="{FF2B5EF4-FFF2-40B4-BE49-F238E27FC236}">
+                    <a16:creationId xmlns:a16="http://schemas.microsoft.com/office/drawing/2014/main" id="{773516CA-6BD7-402B-B98D-B41264F7E325}"/>
+                  </a:ext>
+                </a:extLst>
+              </p:cNvPr>
+              <p:cNvSpPr txBox="1">
+                <a:spLocks noRot="1" noChangeAspect="1" noMove="1" noResize="1" noEditPoints="1" noAdjustHandles="1" noChangeArrowheads="1" noChangeShapeType="1" noTextEdit="1"/>
+              </p:cNvSpPr>
+              <p:nvPr/>
+            </p:nvSpPr>
+            <p:spPr>
+              <a:xfrm>
+                <a:off x="7651427" y="3538292"/>
+                <a:ext cx="721672" cy="369332"/>
+              </a:xfrm>
+              <a:prstGeom prst="rect">
+                <a:avLst/>
+              </a:prstGeom>
+              <a:blipFill>
+                <a:blip r:embed="rId4"/>
+                <a:stretch>
+                  <a:fillRect b="-11475"/>
+                </a:stretch>
+              </a:blipFill>
+            </p:spPr>
+            <p:txBody>
+              <a:bodyPr/>
+              <a:lstStyle/>
+              <a:p>
+                <a:r>
+                  <a:rPr lang="zh-CN" altLang="en-US">
+                    <a:noFill/>
+                  </a:rPr>
+                  <a:t> </a:t>
+                </a:r>
+              </a:p>
+            </p:txBody>
+          </p:sp>
+        </mc:Fallback>
+      </mc:AlternateContent>
+      <mc:AlternateContent xmlns:mc="http://schemas.openxmlformats.org/markup-compatibility/2006" xmlns:a14="http://schemas.microsoft.com/office/drawing/2010/main">
+        <mc:Choice Requires="a14">
+          <p:sp>
+            <p:nvSpPr>
+              <p:cNvPr id="44" name="文本框 43">
+                <a:extLst>
+                  <a:ext uri="{FF2B5EF4-FFF2-40B4-BE49-F238E27FC236}">
+                    <a16:creationId xmlns:a16="http://schemas.microsoft.com/office/drawing/2014/main" id="{28D59E40-6D43-4881-9CA8-CA080DF52F15}"/>
+                  </a:ext>
+                </a:extLst>
+              </p:cNvPr>
+              <p:cNvSpPr txBox="1"/>
+              <p:nvPr/>
+            </p:nvSpPr>
+            <p:spPr>
+              <a:xfrm>
+                <a:off x="8708217" y="4270492"/>
+                <a:ext cx="541367" cy="369332"/>
+              </a:xfrm>
+              <a:prstGeom prst="rect">
+                <a:avLst/>
+              </a:prstGeom>
+              <a:noFill/>
+            </p:spPr>
+            <p:txBody>
+              <a:bodyPr wrap="none" rtlCol="0">
+                <a:spAutoFit/>
+              </a:bodyPr>
+              <a:lstStyle/>
+              <a:p>
+                <a:pPr/>
+                <a14:m>
+                  <m:oMathPara xmlns:m="http://schemas.openxmlformats.org/officeDocument/2006/math">
+                    <m:oMathParaPr>
+                      <m:jc m:val="centerGroup"/>
+                    </m:oMathParaPr>
+                    <m:oMath xmlns:m="http://schemas.openxmlformats.org/officeDocument/2006/math">
+                      <m:r>
+                        <a:rPr lang="en-US" altLang="zh-CN" i="1" smtClean="0">
+                          <a:latin typeface="Cambria Math" panose="02040503050406030204" pitchFamily="18" charset="0"/>
+                        </a:rPr>
+                        <m:t>𝐴𝑃</m:t>
+                      </m:r>
+                    </m:oMath>
+                  </m:oMathPara>
+                </a14:m>
+                <a:endParaRPr lang="en-US" altLang="zh-CN"/>
+              </a:p>
+            </p:txBody>
+          </p:sp>
+        </mc:Choice>
+        <mc:Fallback xmlns="">
+          <p:sp>
+            <p:nvSpPr>
+              <p:cNvPr id="44" name="文本框 43">
+                <a:extLst>
+                  <a:ext uri="{FF2B5EF4-FFF2-40B4-BE49-F238E27FC236}">
+                    <a16:creationId xmlns:a16="http://schemas.microsoft.com/office/drawing/2014/main" id="{28D59E40-6D43-4881-9CA8-CA080DF52F15}"/>
+                  </a:ext>
+                </a:extLst>
+              </p:cNvPr>
+              <p:cNvSpPr txBox="1">
+                <a:spLocks noRot="1" noChangeAspect="1" noMove="1" noResize="1" noEditPoints="1" noAdjustHandles="1" noChangeArrowheads="1" noChangeShapeType="1" noTextEdit="1"/>
+              </p:cNvSpPr>
+              <p:nvPr/>
+            </p:nvSpPr>
+            <p:spPr>
+              <a:xfrm>
+                <a:off x="8708217" y="4270492"/>
+                <a:ext cx="541367" cy="369332"/>
+              </a:xfrm>
+              <a:prstGeom prst="rect">
+                <a:avLst/>
+              </a:prstGeom>
+              <a:blipFill>
+                <a:blip r:embed="rId5"/>
+                <a:stretch>
+                  <a:fillRect/>
+                </a:stretch>
+              </a:blipFill>
+            </p:spPr>
+            <p:txBody>
+              <a:bodyPr/>
+              <a:lstStyle/>
+              <a:p>
+                <a:r>
+                  <a:rPr lang="zh-CN" altLang="en-US">
+                    <a:noFill/>
+                  </a:rPr>
+                  <a:t> </a:t>
+                </a:r>
+              </a:p>
+            </p:txBody>
+          </p:sp>
+        </mc:Fallback>
+      </mc:AlternateContent>
+      <mc:AlternateContent xmlns:mc="http://schemas.openxmlformats.org/markup-compatibility/2006" xmlns:a14="http://schemas.microsoft.com/office/drawing/2010/main">
+        <mc:Choice Requires="a14">
+          <p:sp>
+            <p:nvSpPr>
+              <p:cNvPr id="45" name="文本框 44">
+                <a:extLst>
+                  <a:ext uri="{FF2B5EF4-FFF2-40B4-BE49-F238E27FC236}">
+                    <a16:creationId xmlns:a16="http://schemas.microsoft.com/office/drawing/2014/main" id="{82FDA685-7115-44AA-BF6B-35EC3B0DC824}"/>
+                  </a:ext>
+                </a:extLst>
+              </p:cNvPr>
+              <p:cNvSpPr txBox="1"/>
+              <p:nvPr/>
+            </p:nvSpPr>
+            <p:spPr>
+              <a:xfrm>
+                <a:off x="6560294" y="4270492"/>
+                <a:ext cx="773673" cy="369332"/>
+              </a:xfrm>
+              <a:prstGeom prst="rect">
+                <a:avLst/>
+              </a:prstGeom>
+              <a:noFill/>
+            </p:spPr>
+            <p:txBody>
+              <a:bodyPr wrap="none" rtlCol="0">
+                <a:spAutoFit/>
+              </a:bodyPr>
+              <a:lstStyle/>
+              <a:p>
+                <a:pPr/>
+                <a14:m>
+                  <m:oMathPara xmlns:m="http://schemas.openxmlformats.org/officeDocument/2006/math">
+                    <m:oMathParaPr>
+                      <m:jc m:val="centerGroup"/>
+                    </m:oMathParaPr>
+                    <m:oMath xmlns:m="http://schemas.openxmlformats.org/officeDocument/2006/math">
+                      <m:sSup>
+                        <m:sSupPr>
+                          <m:ctrlPr>
+                            <a:rPr lang="en-US" altLang="zh-CN" i="1" smtClean="0">
+                              <a:latin typeface="Cambria Math" panose="02040503050406030204" pitchFamily="18" charset="0"/>
+                            </a:rPr>
+                          </m:ctrlPr>
+                        </m:sSupPr>
+                        <m:e>
+                          <m:r>
+                            <a:rPr lang="en-US" altLang="zh-CN" b="0" i="1" smtClean="0">
+                              <a:latin typeface="Cambria Math" panose="02040503050406030204" pitchFamily="18" charset="0"/>
+                            </a:rPr>
+                            <m:t>𝐷𝑒𝑔</m:t>
+                          </m:r>
+                        </m:e>
+                        <m:sup>
+                          <m:r>
+                            <a:rPr lang="en-US" altLang="zh-CN" b="0" i="1" smtClean="0">
+                              <a:latin typeface="Cambria Math" panose="02040503050406030204" pitchFamily="18" charset="0"/>
+                            </a:rPr>
+                            <m:t>0</m:t>
+                          </m:r>
+                        </m:sup>
+                      </m:sSup>
+                    </m:oMath>
+                  </m:oMathPara>
+                </a14:m>
+                <a:endParaRPr lang="en-US" altLang="zh-CN" dirty="0"/>
+              </a:p>
+            </p:txBody>
+          </p:sp>
+        </mc:Choice>
+        <mc:Fallback xmlns="">
           <p:sp>
             <p:nvSpPr>
               <p:cNvPr id="45" name="文本框 44">
@@ -8525,8 +11505,8 @@
           </a:fontRef>
         </p:style>
       </p:cxnSp>
-      <mc:AlternateContent xmlns:mc="http://schemas.openxmlformats.org/markup-compatibility/2006">
-        <mc:Choice xmlns:a14="http://schemas.microsoft.com/office/drawing/2010/main" Requires="a14">
+      <mc:AlternateContent xmlns:mc="http://schemas.openxmlformats.org/markup-compatibility/2006" xmlns:a14="http://schemas.microsoft.com/office/drawing/2010/main">
+        <mc:Choice Requires="a14">
           <p:sp>
             <p:nvSpPr>
               <p:cNvPr id="54" name="文本框 53">
@@ -8582,7 +11562,7 @@
             </p:txBody>
           </p:sp>
         </mc:Choice>
-        <mc:Fallback>
+        <mc:Fallback xmlns="">
           <p:sp>
             <p:nvSpPr>
               <p:cNvPr id="54" name="文本框 53">
@@ -8672,8 +11652,8 @@
           </a:fontRef>
         </p:style>
       </p:cxnSp>
-      <mc:AlternateContent xmlns:mc="http://schemas.openxmlformats.org/markup-compatibility/2006">
-        <mc:Choice xmlns:a14="http://schemas.microsoft.com/office/drawing/2010/main" Requires="a14">
+      <mc:AlternateContent xmlns:mc="http://schemas.openxmlformats.org/markup-compatibility/2006" xmlns:a14="http://schemas.microsoft.com/office/drawing/2010/main">
+        <mc:Choice Requires="a14">
           <p:sp>
             <p:nvSpPr>
               <p:cNvPr id="56" name="文本框 55">
@@ -8742,7 +11722,7 @@
             </p:txBody>
           </p:sp>
         </mc:Choice>
-        <mc:Fallback>
+        <mc:Fallback xmlns="">
           <p:sp>
             <p:nvSpPr>
               <p:cNvPr id="56" name="文本框 55">
@@ -8832,8 +11812,8 @@
           </a:fontRef>
         </p:style>
       </p:cxnSp>
-      <mc:AlternateContent xmlns:mc="http://schemas.openxmlformats.org/markup-compatibility/2006">
-        <mc:Choice xmlns:a14="http://schemas.microsoft.com/office/drawing/2010/main" Requires="a14">
+      <mc:AlternateContent xmlns:mc="http://schemas.openxmlformats.org/markup-compatibility/2006" xmlns:a14="http://schemas.microsoft.com/office/drawing/2010/main">
+        <mc:Choice Requires="a14">
           <p:sp>
             <p:nvSpPr>
               <p:cNvPr id="59" name="文本框 58">
@@ -8902,7 +11882,7 @@
             </p:txBody>
           </p:sp>
         </mc:Choice>
-        <mc:Fallback>
+        <mc:Fallback xmlns="">
           <p:sp>
             <p:nvSpPr>
               <p:cNvPr id="59" name="文本框 58">
@@ -8947,8 +11927,8 @@
           </p:sp>
         </mc:Fallback>
       </mc:AlternateContent>
-      <mc:AlternateContent xmlns:mc="http://schemas.openxmlformats.org/markup-compatibility/2006">
-        <mc:Choice xmlns:a14="http://schemas.microsoft.com/office/drawing/2010/main" Requires="a14">
+      <mc:AlternateContent xmlns:mc="http://schemas.openxmlformats.org/markup-compatibility/2006" xmlns:a14="http://schemas.microsoft.com/office/drawing/2010/main">
+        <mc:Choice Requires="a14">
           <p:sp>
             <p:nvSpPr>
               <p:cNvPr id="60" name="文本框 59">
@@ -9004,7 +11984,7 @@
             </p:txBody>
           </p:sp>
         </mc:Choice>
-        <mc:Fallback>
+        <mc:Fallback xmlns="">
           <p:sp>
             <p:nvSpPr>
               <p:cNvPr id="60" name="文本框 59">
@@ -9049,8 +12029,8 @@
           </p:sp>
         </mc:Fallback>
       </mc:AlternateContent>
-      <mc:AlternateContent xmlns:mc="http://schemas.openxmlformats.org/markup-compatibility/2006">
-        <mc:Choice xmlns:a14="http://schemas.microsoft.com/office/drawing/2010/main" Requires="a14">
+      <mc:AlternateContent xmlns:mc="http://schemas.openxmlformats.org/markup-compatibility/2006" xmlns:a14="http://schemas.microsoft.com/office/drawing/2010/main">
+        <mc:Choice Requires="a14">
           <p:sp>
             <p:nvSpPr>
               <p:cNvPr id="61" name="文本框 60">
@@ -9109,7 +12089,7 @@
             </p:txBody>
           </p:sp>
         </mc:Choice>
-        <mc:Fallback>
+        <mc:Fallback xmlns="">
           <p:sp>
             <p:nvSpPr>
               <p:cNvPr id="61" name="文本框 60">
@@ -9154,8 +12134,8 @@
           </p:sp>
         </mc:Fallback>
       </mc:AlternateContent>
-      <mc:AlternateContent xmlns:mc="http://schemas.openxmlformats.org/markup-compatibility/2006">
-        <mc:Choice xmlns:a14="http://schemas.microsoft.com/office/drawing/2010/main" Requires="a14">
+      <mc:AlternateContent xmlns:mc="http://schemas.openxmlformats.org/markup-compatibility/2006" xmlns:a14="http://schemas.microsoft.com/office/drawing/2010/main">
+        <mc:Choice Requires="a14">
           <p:sp>
             <p:nvSpPr>
               <p:cNvPr id="62" name="文本框 61">
@@ -9205,7 +12185,7 @@
             </p:txBody>
           </p:sp>
         </mc:Choice>
-        <mc:Fallback>
+        <mc:Fallback xmlns="">
           <p:sp>
             <p:nvSpPr>
               <p:cNvPr id="62" name="文本框 61">
@@ -9302,8 +12282,8 @@
           </a:p>
         </p:txBody>
       </p:sp>
-      <mc:AlternateContent xmlns:mc="http://schemas.openxmlformats.org/markup-compatibility/2006">
-        <mc:Choice xmlns:a14="http://schemas.microsoft.com/office/drawing/2010/main" Requires="a14">
+      <mc:AlternateContent xmlns:mc="http://schemas.openxmlformats.org/markup-compatibility/2006" xmlns:a14="http://schemas.microsoft.com/office/drawing/2010/main">
+        <mc:Choice Requires="a14">
           <p:sp>
             <p:nvSpPr>
               <p:cNvPr id="64" name="文本框 63">
@@ -9353,7 +12333,7 @@
             </p:txBody>
           </p:sp>
         </mc:Choice>
-        <mc:Fallback>
+        <mc:Fallback xmlns="">
           <p:sp>
             <p:nvSpPr>
               <p:cNvPr id="64" name="文本框 63">
@@ -9612,8 +12592,8 @@
           </a:fontRef>
         </p:style>
       </p:cxnSp>
-      <mc:AlternateContent xmlns:mc="http://schemas.openxmlformats.org/markup-compatibility/2006">
-        <mc:Choice xmlns:a14="http://schemas.microsoft.com/office/drawing/2010/main" Requires="a14">
+      <mc:AlternateContent xmlns:mc="http://schemas.openxmlformats.org/markup-compatibility/2006" xmlns:a14="http://schemas.microsoft.com/office/drawing/2010/main">
+        <mc:Choice Requires="a14">
           <p:sp>
             <p:nvSpPr>
               <p:cNvPr id="71" name="文本框 70">
@@ -9682,7 +12662,7 @@
             </p:txBody>
           </p:sp>
         </mc:Choice>
-        <mc:Fallback>
+        <mc:Fallback xmlns="">
           <p:sp>
             <p:nvSpPr>
               <p:cNvPr id="71" name="文本框 70">
@@ -9779,8 +12759,8 @@
           </a:p>
         </p:txBody>
       </p:sp>
-      <mc:AlternateContent xmlns:mc="http://schemas.openxmlformats.org/markup-compatibility/2006">
-        <mc:Choice xmlns:a14="http://schemas.microsoft.com/office/drawing/2010/main" Requires="a14">
+      <mc:AlternateContent xmlns:mc="http://schemas.openxmlformats.org/markup-compatibility/2006" xmlns:a14="http://schemas.microsoft.com/office/drawing/2010/main">
+        <mc:Choice Requires="a14">
           <p:sp>
             <p:nvSpPr>
               <p:cNvPr id="73" name="文本框 72">
@@ -9836,7 +12816,7 @@
             </p:txBody>
           </p:sp>
         </mc:Choice>
-        <mc:Fallback>
+        <mc:Fallback xmlns="">
           <p:sp>
             <p:nvSpPr>
               <p:cNvPr id="73" name="文本框 72">
@@ -9930,8 +12910,8 @@
           </a:fontRef>
         </p:style>
       </p:cxnSp>
-      <mc:AlternateContent xmlns:mc="http://schemas.openxmlformats.org/markup-compatibility/2006">
-        <mc:Choice xmlns:a14="http://schemas.microsoft.com/office/drawing/2010/main" Requires="a14">
+      <mc:AlternateContent xmlns:mc="http://schemas.openxmlformats.org/markup-compatibility/2006" xmlns:a14="http://schemas.microsoft.com/office/drawing/2010/main">
+        <mc:Choice Requires="a14">
           <p:sp>
             <p:nvSpPr>
               <p:cNvPr id="75" name="文本框 74">
@@ -10008,7 +12988,7 @@
             </p:txBody>
           </p:sp>
         </mc:Choice>
-        <mc:Fallback>
+        <mc:Fallback xmlns="">
           <p:sp>
             <p:nvSpPr>
               <p:cNvPr id="75" name="文本框 74">
@@ -10053,8 +13033,8 @@
           </p:sp>
         </mc:Fallback>
       </mc:AlternateContent>
-      <mc:AlternateContent xmlns:mc="http://schemas.openxmlformats.org/markup-compatibility/2006">
-        <mc:Choice xmlns:a14="http://schemas.microsoft.com/office/drawing/2010/main" Requires="a14">
+      <mc:AlternateContent xmlns:mc="http://schemas.openxmlformats.org/markup-compatibility/2006" xmlns:a14="http://schemas.microsoft.com/office/drawing/2010/main">
+        <mc:Choice Requires="a14">
           <p:sp>
             <p:nvSpPr>
               <p:cNvPr id="76" name="文本框 75">
@@ -10123,7 +13103,7 @@
             </p:txBody>
           </p:sp>
         </mc:Choice>
-        <mc:Fallback>
+        <mc:Fallback xmlns="">
           <p:sp>
             <p:nvSpPr>
               <p:cNvPr id="76" name="文本框 75">
@@ -10262,8 +13242,8 @@
           </a:fontRef>
         </p:style>
       </p:cxnSp>
-      <mc:AlternateContent xmlns:mc="http://schemas.openxmlformats.org/markup-compatibility/2006">
-        <mc:Choice xmlns:a14="http://schemas.microsoft.com/office/drawing/2010/main" Requires="a14">
+      <mc:AlternateContent xmlns:mc="http://schemas.openxmlformats.org/markup-compatibility/2006" xmlns:a14="http://schemas.microsoft.com/office/drawing/2010/main">
+        <mc:Choice Requires="a14">
           <p:sp>
             <p:nvSpPr>
               <p:cNvPr id="4" name="文本框 3">
@@ -10319,7 +13299,7 @@
             </p:txBody>
           </p:sp>
         </mc:Choice>
-        <mc:Fallback>
+        <mc:Fallback xmlns="">
           <p:sp>
             <p:nvSpPr>
               <p:cNvPr id="4" name="文本框 3">
@@ -10364,8 +13344,8 @@
           </p:sp>
         </mc:Fallback>
       </mc:AlternateContent>
-      <mc:AlternateContent xmlns:mc="http://schemas.openxmlformats.org/markup-compatibility/2006">
-        <mc:Choice xmlns:a14="http://schemas.microsoft.com/office/drawing/2010/main" Requires="a14">
+      <mc:AlternateContent xmlns:mc="http://schemas.openxmlformats.org/markup-compatibility/2006" xmlns:a14="http://schemas.microsoft.com/office/drawing/2010/main">
+        <mc:Choice Requires="a14">
           <p:sp>
             <p:nvSpPr>
               <p:cNvPr id="5" name="文本框 4">
@@ -10421,7 +13401,7 @@
             </p:txBody>
           </p:sp>
         </mc:Choice>
-        <mc:Fallback>
+        <mc:Fallback xmlns="">
           <p:sp>
             <p:nvSpPr>
               <p:cNvPr id="5" name="文本框 4">
@@ -10644,8 +13624,8 @@
           </a:fontRef>
         </p:style>
       </p:cxnSp>
-      <mc:AlternateContent xmlns:mc="http://schemas.openxmlformats.org/markup-compatibility/2006">
-        <mc:Choice xmlns:a14="http://schemas.microsoft.com/office/drawing/2010/main" Requires="a14">
+      <mc:AlternateContent xmlns:mc="http://schemas.openxmlformats.org/markup-compatibility/2006" xmlns:a14="http://schemas.microsoft.com/office/drawing/2010/main">
+        <mc:Choice Requires="a14">
           <p:sp>
             <p:nvSpPr>
               <p:cNvPr id="10" name="文本框 9">
@@ -10714,7 +13694,7 @@
             </p:txBody>
           </p:sp>
         </mc:Choice>
-        <mc:Fallback>
+        <mc:Fallback xmlns="">
           <p:sp>
             <p:nvSpPr>
               <p:cNvPr id="10" name="文本框 9">
@@ -10759,8 +13739,8 @@
           </p:sp>
         </mc:Fallback>
       </mc:AlternateContent>
-      <mc:AlternateContent xmlns:mc="http://schemas.openxmlformats.org/markup-compatibility/2006">
-        <mc:Choice xmlns:a14="http://schemas.microsoft.com/office/drawing/2010/main" Requires="a14">
+      <mc:AlternateContent xmlns:mc="http://schemas.openxmlformats.org/markup-compatibility/2006" xmlns:a14="http://schemas.microsoft.com/office/drawing/2010/main">
+        <mc:Choice Requires="a14">
           <p:sp>
             <p:nvSpPr>
               <p:cNvPr id="14" name="文本框 13">
@@ -10810,7 +13790,7 @@
             </p:txBody>
           </p:sp>
         </mc:Choice>
-        <mc:Fallback>
+        <mc:Fallback xmlns="">
           <p:sp>
             <p:nvSpPr>
               <p:cNvPr id="14" name="文本框 13">
@@ -10868,7 +13848,7 @@
 </p:sld>
 </file>
 
-<file path=ppt/slides/slide12.xml><?xml version="1.0" encoding="utf-8"?>
+<file path=ppt/slides/slide13.xml><?xml version="1.0" encoding="utf-8"?>
 <p:sld xmlns:a="http://schemas.openxmlformats.org/drawingml/2006/main" xmlns:r="http://schemas.openxmlformats.org/officeDocument/2006/relationships" xmlns:p="http://schemas.openxmlformats.org/presentationml/2006/main">
   <p:cSld>
     <p:spTree>
@@ -10885,8 +13865,8 @@
           <a:chExt cx="0" cy="0"/>
         </a:xfrm>
       </p:grpSpPr>
-      <mc:AlternateContent xmlns:mc="http://schemas.openxmlformats.org/markup-compatibility/2006">
-        <mc:Choice xmlns:a14="http://schemas.microsoft.com/office/drawing/2010/main" Requires="a14">
+      <mc:AlternateContent xmlns:mc="http://schemas.openxmlformats.org/markup-compatibility/2006" xmlns:a14="http://schemas.microsoft.com/office/drawing/2010/main">
+        <mc:Choice Requires="a14">
           <p:sp>
             <p:nvSpPr>
               <p:cNvPr id="39" name="文本框 38">
@@ -10936,7 +13916,7 @@
             </p:txBody>
           </p:sp>
         </mc:Choice>
-        <mc:Fallback>
+        <mc:Fallback xmlns="">
           <p:sp>
             <p:nvSpPr>
               <p:cNvPr id="39" name="文本框 38">
@@ -10981,8 +13961,8 @@
           </p:sp>
         </mc:Fallback>
       </mc:AlternateContent>
-      <mc:AlternateContent xmlns:mc="http://schemas.openxmlformats.org/markup-compatibility/2006">
-        <mc:Choice xmlns:a14="http://schemas.microsoft.com/office/drawing/2010/main" Requires="a14">
+      <mc:AlternateContent xmlns:mc="http://schemas.openxmlformats.org/markup-compatibility/2006" xmlns:a14="http://schemas.microsoft.com/office/drawing/2010/main">
+        <mc:Choice Requires="a14">
           <p:sp>
             <p:nvSpPr>
               <p:cNvPr id="40" name="文本框 39">
@@ -11038,7 +14018,7 @@
             </p:txBody>
           </p:sp>
         </mc:Choice>
-        <mc:Fallback>
+        <mc:Fallback xmlns="">
           <p:sp>
             <p:nvSpPr>
               <p:cNvPr id="40" name="文本框 39">
@@ -11083,8 +14063,8 @@
           </p:sp>
         </mc:Fallback>
       </mc:AlternateContent>
-      <mc:AlternateContent xmlns:mc="http://schemas.openxmlformats.org/markup-compatibility/2006">
-        <mc:Choice xmlns:a14="http://schemas.microsoft.com/office/drawing/2010/main" Requires="a14">
+      <mc:AlternateContent xmlns:mc="http://schemas.openxmlformats.org/markup-compatibility/2006" xmlns:a14="http://schemas.microsoft.com/office/drawing/2010/main">
+        <mc:Choice Requires="a14">
           <p:sp>
             <p:nvSpPr>
               <p:cNvPr id="42" name="文本框 41">
@@ -11140,7 +14120,7 @@
             </p:txBody>
           </p:sp>
         </mc:Choice>
-        <mc:Fallback>
+        <mc:Fallback xmlns="">
           <p:sp>
             <p:nvSpPr>
               <p:cNvPr id="42" name="文本框 41">
@@ -11185,8 +14165,8 @@
           </p:sp>
         </mc:Fallback>
       </mc:AlternateContent>
-      <mc:AlternateContent xmlns:mc="http://schemas.openxmlformats.org/markup-compatibility/2006">
-        <mc:Choice xmlns:a14="http://schemas.microsoft.com/office/drawing/2010/main" Requires="a14">
+      <mc:AlternateContent xmlns:mc="http://schemas.openxmlformats.org/markup-compatibility/2006" xmlns:a14="http://schemas.microsoft.com/office/drawing/2010/main">
+        <mc:Choice Requires="a14">
           <p:sp>
             <p:nvSpPr>
               <p:cNvPr id="44" name="文本框 43">
@@ -11236,7 +14216,7 @@
             </p:txBody>
           </p:sp>
         </mc:Choice>
-        <mc:Fallback>
+        <mc:Fallback xmlns="">
           <p:sp>
             <p:nvSpPr>
               <p:cNvPr id="44" name="文本框 43">
@@ -11281,8 +14261,8 @@
           </p:sp>
         </mc:Fallback>
       </mc:AlternateContent>
-      <mc:AlternateContent xmlns:mc="http://schemas.openxmlformats.org/markup-compatibility/2006">
-        <mc:Choice xmlns:a14="http://schemas.microsoft.com/office/drawing/2010/main" Requires="a14">
+      <mc:AlternateContent xmlns:mc="http://schemas.openxmlformats.org/markup-compatibility/2006" xmlns:a14="http://schemas.microsoft.com/office/drawing/2010/main">
+        <mc:Choice Requires="a14">
           <p:sp>
             <p:nvSpPr>
               <p:cNvPr id="45" name="文本框 44">
@@ -11351,7 +14331,7 @@
             </p:txBody>
           </p:sp>
         </mc:Choice>
-        <mc:Fallback>
+        <mc:Fallback xmlns="">
           <p:sp>
             <p:nvSpPr>
               <p:cNvPr id="45" name="文本框 44">
@@ -11619,8 +14599,8 @@
           </a:fontRef>
         </p:style>
       </p:cxnSp>
-      <mc:AlternateContent xmlns:mc="http://schemas.openxmlformats.org/markup-compatibility/2006">
-        <mc:Choice xmlns:a14="http://schemas.microsoft.com/office/drawing/2010/main" Requires="a14">
+      <mc:AlternateContent xmlns:mc="http://schemas.openxmlformats.org/markup-compatibility/2006" xmlns:a14="http://schemas.microsoft.com/office/drawing/2010/main">
+        <mc:Choice Requires="a14">
           <p:sp>
             <p:nvSpPr>
               <p:cNvPr id="54" name="文本框 53">
@@ -11676,7 +14656,7 @@
             </p:txBody>
           </p:sp>
         </mc:Choice>
-        <mc:Fallback>
+        <mc:Fallback xmlns="">
           <p:sp>
             <p:nvSpPr>
               <p:cNvPr id="54" name="文本框 53">
@@ -11766,8 +14746,8 @@
           </a:fontRef>
         </p:style>
       </p:cxnSp>
-      <mc:AlternateContent xmlns:mc="http://schemas.openxmlformats.org/markup-compatibility/2006">
-        <mc:Choice xmlns:a14="http://schemas.microsoft.com/office/drawing/2010/main" Requires="a14">
+      <mc:AlternateContent xmlns:mc="http://schemas.openxmlformats.org/markup-compatibility/2006" xmlns:a14="http://schemas.microsoft.com/office/drawing/2010/main">
+        <mc:Choice Requires="a14">
           <p:sp>
             <p:nvSpPr>
               <p:cNvPr id="56" name="文本框 55">
@@ -11836,7 +14816,7 @@
             </p:txBody>
           </p:sp>
         </mc:Choice>
-        <mc:Fallback>
+        <mc:Fallback xmlns="">
           <p:sp>
             <p:nvSpPr>
               <p:cNvPr id="56" name="文本框 55">
@@ -11978,8 +14958,8 @@
           </a:p>
         </p:txBody>
       </p:sp>
-      <mc:AlternateContent xmlns:mc="http://schemas.openxmlformats.org/markup-compatibility/2006">
-        <mc:Choice xmlns:a14="http://schemas.microsoft.com/office/drawing/2010/main" Requires="a14">
+      <mc:AlternateContent xmlns:mc="http://schemas.openxmlformats.org/markup-compatibility/2006" xmlns:a14="http://schemas.microsoft.com/office/drawing/2010/main">
+        <mc:Choice Requires="a14">
           <p:sp>
             <p:nvSpPr>
               <p:cNvPr id="73" name="文本框 72">
@@ -12035,7 +15015,7 @@
             </p:txBody>
           </p:sp>
         </mc:Choice>
-        <mc:Fallback>
+        <mc:Fallback xmlns="">
           <p:sp>
             <p:nvSpPr>
               <p:cNvPr id="73" name="文本框 72">
@@ -12080,8 +15060,8 @@
           </p:sp>
         </mc:Fallback>
       </mc:AlternateContent>
-      <mc:AlternateContent xmlns:mc="http://schemas.openxmlformats.org/markup-compatibility/2006">
-        <mc:Choice xmlns:a14="http://schemas.microsoft.com/office/drawing/2010/main" Requires="a14">
+      <mc:AlternateContent xmlns:mc="http://schemas.openxmlformats.org/markup-compatibility/2006" xmlns:a14="http://schemas.microsoft.com/office/drawing/2010/main">
+        <mc:Choice Requires="a14">
           <p:sp>
             <p:nvSpPr>
               <p:cNvPr id="76" name="文本框 75">
@@ -12150,7 +15130,7 @@
             </p:txBody>
           </p:sp>
         </mc:Choice>
-        <mc:Fallback>
+        <mc:Fallback xmlns="">
           <p:sp>
             <p:nvSpPr>
               <p:cNvPr id="76" name="文本框 75">
@@ -12287,8 +15267,8 @@
           </a:fontRef>
         </p:style>
       </p:cxnSp>
-      <mc:AlternateContent xmlns:mc="http://schemas.openxmlformats.org/markup-compatibility/2006">
-        <mc:Choice xmlns:a14="http://schemas.microsoft.com/office/drawing/2010/main" Requires="a14">
+      <mc:AlternateContent xmlns:mc="http://schemas.openxmlformats.org/markup-compatibility/2006" xmlns:a14="http://schemas.microsoft.com/office/drawing/2010/main">
+        <mc:Choice Requires="a14">
           <p:sp>
             <p:nvSpPr>
               <p:cNvPr id="4" name="文本框 3">
@@ -12344,7 +15324,7 @@
             </p:txBody>
           </p:sp>
         </mc:Choice>
-        <mc:Fallback>
+        <mc:Fallback xmlns="">
           <p:sp>
             <p:nvSpPr>
               <p:cNvPr id="4" name="文本框 3">
@@ -12389,8 +15369,8 @@
           </p:sp>
         </mc:Fallback>
       </mc:AlternateContent>
-      <mc:AlternateContent xmlns:mc="http://schemas.openxmlformats.org/markup-compatibility/2006">
-        <mc:Choice xmlns:a14="http://schemas.microsoft.com/office/drawing/2010/main" Requires="a14">
+      <mc:AlternateContent xmlns:mc="http://schemas.openxmlformats.org/markup-compatibility/2006" xmlns:a14="http://schemas.microsoft.com/office/drawing/2010/main">
+        <mc:Choice Requires="a14">
           <p:sp>
             <p:nvSpPr>
               <p:cNvPr id="5" name="文本框 4">
@@ -12446,7 +15426,7 @@
             </p:txBody>
           </p:sp>
         </mc:Choice>
-        <mc:Fallback>
+        <mc:Fallback xmlns="">
           <p:sp>
             <p:nvSpPr>
               <p:cNvPr id="5" name="文本框 4">
@@ -12581,8 +15561,8 @@
           </a:fontRef>
         </p:style>
       </p:cxnSp>
-      <mc:AlternateContent xmlns:mc="http://schemas.openxmlformats.org/markup-compatibility/2006">
-        <mc:Choice xmlns:a14="http://schemas.microsoft.com/office/drawing/2010/main" Requires="a14">
+      <mc:AlternateContent xmlns:mc="http://schemas.openxmlformats.org/markup-compatibility/2006" xmlns:a14="http://schemas.microsoft.com/office/drawing/2010/main">
+        <mc:Choice Requires="a14">
           <p:sp>
             <p:nvSpPr>
               <p:cNvPr id="10" name="文本框 9">
@@ -12651,7 +15631,7 @@
             </p:txBody>
           </p:sp>
         </mc:Choice>
-        <mc:Fallback>
+        <mc:Fallback xmlns="">
           <p:sp>
             <p:nvSpPr>
               <p:cNvPr id="10" name="文本框 9">
@@ -12696,8 +15676,8 @@
           </p:sp>
         </mc:Fallback>
       </mc:AlternateContent>
-      <mc:AlternateContent xmlns:mc="http://schemas.openxmlformats.org/markup-compatibility/2006">
-        <mc:Choice xmlns:a14="http://schemas.microsoft.com/office/drawing/2010/main" Requires="a14">
+      <mc:AlternateContent xmlns:mc="http://schemas.openxmlformats.org/markup-compatibility/2006" xmlns:a14="http://schemas.microsoft.com/office/drawing/2010/main">
+        <mc:Choice Requires="a14">
           <p:sp>
             <p:nvSpPr>
               <p:cNvPr id="11" name="文本框 10">
@@ -12805,7 +15785,7 @@
             </p:txBody>
           </p:sp>
         </mc:Choice>
-        <mc:Fallback>
+        <mc:Fallback xmlns="">
           <p:sp>
             <p:nvSpPr>
               <p:cNvPr id="11" name="文本框 10">
@@ -12850,8 +15830,8 @@
           </p:sp>
         </mc:Fallback>
       </mc:AlternateContent>
-      <mc:AlternateContent xmlns:mc="http://schemas.openxmlformats.org/markup-compatibility/2006">
-        <mc:Choice xmlns:a14="http://schemas.microsoft.com/office/drawing/2010/main" Requires="a14">
+      <mc:AlternateContent xmlns:mc="http://schemas.openxmlformats.org/markup-compatibility/2006" xmlns:a14="http://schemas.microsoft.com/office/drawing/2010/main">
+        <mc:Choice Requires="a14">
           <p:sp>
             <p:nvSpPr>
               <p:cNvPr id="12" name="文本框 11">
@@ -12920,7 +15900,7 @@
             </p:txBody>
           </p:sp>
         </mc:Choice>
-        <mc:Fallback>
+        <mc:Fallback xmlns="">
           <p:sp>
             <p:nvSpPr>
               <p:cNvPr id="12" name="文本框 11">
@@ -21185,8 +24165,8 @@
           <a:chExt cx="0" cy="0"/>
         </a:xfrm>
       </p:grpSpPr>
-      <mc:AlternateContent xmlns:mc="http://schemas.openxmlformats.org/markup-compatibility/2006">
-        <mc:Choice xmlns:a14="http://schemas.microsoft.com/office/drawing/2010/main" Requires="a14">
+      <mc:AlternateContent xmlns:mc="http://schemas.openxmlformats.org/markup-compatibility/2006" xmlns:a14="http://schemas.microsoft.com/office/drawing/2010/main">
+        <mc:Choice Requires="a14">
           <p:sp>
             <p:nvSpPr>
               <p:cNvPr id="4" name="文本框 3">
@@ -21236,7 +24216,7 @@
             </p:txBody>
           </p:sp>
         </mc:Choice>
-        <mc:Fallback>
+        <mc:Fallback xmlns="">
           <p:sp>
             <p:nvSpPr>
               <p:cNvPr id="4" name="文本框 3">
@@ -21281,8 +24261,8 @@
           </p:sp>
         </mc:Fallback>
       </mc:AlternateContent>
-      <mc:AlternateContent xmlns:mc="http://schemas.openxmlformats.org/markup-compatibility/2006">
-        <mc:Choice xmlns:a14="http://schemas.microsoft.com/office/drawing/2010/main" Requires="a14">
+      <mc:AlternateContent xmlns:mc="http://schemas.openxmlformats.org/markup-compatibility/2006" xmlns:a14="http://schemas.microsoft.com/office/drawing/2010/main">
+        <mc:Choice Requires="a14">
           <p:sp>
             <p:nvSpPr>
               <p:cNvPr id="3" name="文本框 2">
@@ -21338,7 +24318,7 @@
             </p:txBody>
           </p:sp>
         </mc:Choice>
-        <mc:Fallback>
+        <mc:Fallback xmlns="">
           <p:sp>
             <p:nvSpPr>
               <p:cNvPr id="3" name="文本框 2">
@@ -21383,8 +24363,8 @@
           </p:sp>
         </mc:Fallback>
       </mc:AlternateContent>
-      <mc:AlternateContent xmlns:mc="http://schemas.openxmlformats.org/markup-compatibility/2006">
-        <mc:Choice xmlns:a14="http://schemas.microsoft.com/office/drawing/2010/main" Requires="a14">
+      <mc:AlternateContent xmlns:mc="http://schemas.openxmlformats.org/markup-compatibility/2006" xmlns:a14="http://schemas.microsoft.com/office/drawing/2010/main">
+        <mc:Choice Requires="a14">
           <p:sp>
             <p:nvSpPr>
               <p:cNvPr id="10" name="文本框 9">
@@ -21434,7 +24414,7 @@
             </p:txBody>
           </p:sp>
         </mc:Choice>
-        <mc:Fallback>
+        <mc:Fallback xmlns="">
           <p:sp>
             <p:nvSpPr>
               <p:cNvPr id="10" name="文本框 9">
@@ -21479,8 +24459,8 @@
           </p:sp>
         </mc:Fallback>
       </mc:AlternateContent>
-      <mc:AlternateContent xmlns:mc="http://schemas.openxmlformats.org/markup-compatibility/2006">
-        <mc:Choice xmlns:a14="http://schemas.microsoft.com/office/drawing/2010/main" Requires="a14">
+      <mc:AlternateContent xmlns:mc="http://schemas.openxmlformats.org/markup-compatibility/2006" xmlns:a14="http://schemas.microsoft.com/office/drawing/2010/main">
+        <mc:Choice Requires="a14">
           <p:sp>
             <p:nvSpPr>
               <p:cNvPr id="12" name="文本框 11">
@@ -21549,7 +24529,7 @@
             </p:txBody>
           </p:sp>
         </mc:Choice>
-        <mc:Fallback>
+        <mc:Fallback xmlns="">
           <p:sp>
             <p:nvSpPr>
               <p:cNvPr id="12" name="文本框 11">
@@ -21741,14 +24721,13 @@
           <p:cNvCxnSpPr>
             <a:cxnSpLocks/>
             <a:stCxn id="10" idx="2"/>
-            <a:endCxn id="141" idx="0"/>
           </p:cNvCxnSpPr>
           <p:nvPr/>
         </p:nvCxnSpPr>
         <p:spPr>
           <a:xfrm flipH="1">
             <a:off x="8173901" y="4683413"/>
-            <a:ext cx="448296" cy="219051"/>
+            <a:ext cx="448296" cy="140386"/>
           </a:xfrm>
           <a:prstGeom prst="line">
             <a:avLst/>
@@ -21774,8 +24753,8 @@
           </a:fontRef>
         </p:style>
       </p:cxnSp>
-      <mc:AlternateContent xmlns:mc="http://schemas.openxmlformats.org/markup-compatibility/2006">
-        <mc:Choice xmlns:a14="http://schemas.microsoft.com/office/drawing/2010/main" Requires="a14">
+      <mc:AlternateContent xmlns:mc="http://schemas.openxmlformats.org/markup-compatibility/2006" xmlns:a14="http://schemas.microsoft.com/office/drawing/2010/main">
+        <mc:Choice Requires="a14">
           <p:sp>
             <p:nvSpPr>
               <p:cNvPr id="41" name="文本框 40">
@@ -21831,7 +24810,7 @@
             </p:txBody>
           </p:sp>
         </mc:Choice>
-        <mc:Fallback>
+        <mc:Fallback xmlns="">
           <p:sp>
             <p:nvSpPr>
               <p:cNvPr id="41" name="文本框 40">
@@ -21921,8 +24900,8 @@
           </a:fontRef>
         </p:style>
       </p:cxnSp>
-      <mc:AlternateContent xmlns:mc="http://schemas.openxmlformats.org/markup-compatibility/2006">
-        <mc:Choice xmlns:a14="http://schemas.microsoft.com/office/drawing/2010/main" Requires="a14">
+      <mc:AlternateContent xmlns:mc="http://schemas.openxmlformats.org/markup-compatibility/2006" xmlns:a14="http://schemas.microsoft.com/office/drawing/2010/main">
+        <mc:Choice Requires="a14">
           <p:sp>
             <p:nvSpPr>
               <p:cNvPr id="47" name="文本框 46">
@@ -21991,7 +24970,7 @@
             </p:txBody>
           </p:sp>
         </mc:Choice>
-        <mc:Fallback>
+        <mc:Fallback xmlns="">
           <p:sp>
             <p:nvSpPr>
               <p:cNvPr id="47" name="文本框 46">
@@ -22098,7 +25077,7 @@
             <p:spPr>
               <a:xfrm>
                 <a:off x="6893506" y="4608272"/>
-                <a:ext cx="879793" cy="369332"/>
+                <a:ext cx="984500" cy="369332"/>
               </a:xfrm>
               <a:prstGeom prst="rect">
                 <a:avLst/>
@@ -22146,12 +25125,31 @@
                 </a:r>
                 <a14:m>
                   <m:oMath xmlns:m="http://schemas.openxmlformats.org/officeDocument/2006/math">
-                    <m:r>
-                      <a:rPr lang="zh-CN" altLang="en-US" i="1">
-                        <a:latin typeface="Cambria Math" panose="02040503050406030204" pitchFamily="18" charset="0"/>
-                      </a:rPr>
-                      <m:t>𝜉</m:t>
-                    </m:r>
+                    <m:sSub>
+                      <m:sSubPr>
+                        <m:ctrlPr>
+                          <a:rPr lang="en-US" altLang="zh-CN" i="1" smtClean="0">
+                            <a:latin typeface="Cambria Math" panose="02040503050406030204" pitchFamily="18" charset="0"/>
+                          </a:rPr>
+                        </m:ctrlPr>
+                      </m:sSubPr>
+                      <m:e>
+                        <m:r>
+                          <a:rPr lang="zh-CN" altLang="en-US" i="1">
+                            <a:latin typeface="Cambria Math" panose="02040503050406030204" pitchFamily="18" charset="0"/>
+                          </a:rPr>
+                          <m:t>𝜉</m:t>
+                        </m:r>
+                      </m:e>
+                      <m:sub>
+                        <m:r>
+                          <a:rPr lang="en-US" altLang="zh-CN" b="0" i="1" smtClean="0">
+                            <a:latin typeface="Cambria Math" panose="02040503050406030204" pitchFamily="18" charset="0"/>
+                          </a:rPr>
+                          <m:t>𝑛</m:t>
+                        </m:r>
+                      </m:sub>
+                    </m:sSub>
                   </m:oMath>
                 </a14:m>
                 <a:endParaRPr lang="en-US" altLang="zh-CN" dirty="0"/>
@@ -22177,7 +25175,7 @@
             <p:spPr>
               <a:xfrm>
                 <a:off x="6893506" y="4608272"/>
-                <a:ext cx="879793" cy="369332"/>
+                <a:ext cx="984500" cy="369332"/>
               </a:xfrm>
               <a:prstGeom prst="rect">
                 <a:avLst/>
@@ -22185,7 +25183,7 @@
               <a:blipFill>
                 <a:blip r:embed="rId9"/>
                 <a:stretch>
-                  <a:fillRect t="-9836" r="-694" b="-24590"/>
+                  <a:fillRect t="-9836" b="-24590"/>
                 </a:stretch>
               </a:blipFill>
             </p:spPr>
@@ -22222,8 +25220,8 @@
         </p:nvCxnSpPr>
         <p:spPr>
           <a:xfrm rot="5400000" flipH="1">
-            <a:off x="7803967" y="4507041"/>
-            <a:ext cx="950766" cy="1891893"/>
+            <a:off x="7830143" y="4533217"/>
+            <a:ext cx="950766" cy="1839540"/>
           </a:xfrm>
           <a:prstGeom prst="bentConnector3">
             <a:avLst>
@@ -22253,8 +25251,8 @@
           </a:fontRef>
         </p:style>
       </p:cxnSp>
-      <mc:AlternateContent xmlns:mc="http://schemas.openxmlformats.org/markup-compatibility/2006">
-        <mc:Choice xmlns:a14="http://schemas.microsoft.com/office/drawing/2010/main" Requires="a14">
+      <mc:AlternateContent xmlns:mc="http://schemas.openxmlformats.org/markup-compatibility/2006" xmlns:a14="http://schemas.microsoft.com/office/drawing/2010/main">
+        <mc:Choice Requires="a14">
           <p:sp>
             <p:nvSpPr>
               <p:cNvPr id="112" name="文本框 111">
@@ -22323,7 +25321,7 @@
             </p:txBody>
           </p:sp>
         </mc:Choice>
-        <mc:Fallback>
+        <mc:Fallback xmlns="">
           <p:sp>
             <p:nvSpPr>
               <p:cNvPr id="112" name="文本框 111">
@@ -22384,7 +25382,7 @@
             </p:nvSpPr>
             <p:spPr>
               <a:xfrm>
-                <a:off x="7947781" y="4902464"/>
+                <a:off x="5500872" y="2598272"/>
                 <a:ext cx="452240" cy="369332"/>
               </a:xfrm>
               <a:prstGeom prst="rect">
@@ -22455,7 +25453,7 @@
             </p:nvSpPr>
             <p:spPr>
               <a:xfrm>
-                <a:off x="7947781" y="4902464"/>
+                <a:off x="5500872" y="2598272"/>
                 <a:ext cx="452240" cy="369332"/>
               </a:xfrm>
               <a:prstGeom prst="rect">
@@ -22585,8 +25583,8 @@
           </p:sp>
         </mc:Fallback>
       </mc:AlternateContent>
-      <mc:AlternateContent xmlns:mc="http://schemas.openxmlformats.org/markup-compatibility/2006">
-        <mc:Choice xmlns:a14="http://schemas.microsoft.com/office/drawing/2010/main" Requires="a14">
+      <mc:AlternateContent xmlns:mc="http://schemas.openxmlformats.org/markup-compatibility/2006" xmlns:a14="http://schemas.microsoft.com/office/drawing/2010/main">
+        <mc:Choice Requires="a14">
           <p:sp>
             <p:nvSpPr>
               <p:cNvPr id="147" name="文本框 146">
@@ -22645,7 +25643,7 @@
             </p:txBody>
           </p:sp>
         </mc:Choice>
-        <mc:Fallback>
+        <mc:Fallback xmlns="">
           <p:sp>
             <p:nvSpPr>
               <p:cNvPr id="147" name="文本框 146">
@@ -22707,7 +25705,7 @@
             <p:spPr>
               <a:xfrm>
                 <a:off x="1891155" y="901383"/>
-                <a:ext cx="1443857" cy="369332"/>
+                <a:ext cx="1535549" cy="369332"/>
               </a:xfrm>
               <a:prstGeom prst="rect">
                 <a:avLst/>
@@ -22731,8 +25729,33 @@
                         <a:rPr lang="en-US" altLang="zh-CN" b="0" i="1" smtClean="0">
                           <a:latin typeface="Cambria Math" panose="02040503050406030204" pitchFamily="18" charset="0"/>
                         </a:rPr>
-                        <m:t>𝐶𝑜𝑚𝑝𝑎𝑟𝑒𝑒𝑃</m:t>
+                        <m:t>𝐶𝑜𝑚𝑝𝑎𝑟𝑒𝑒</m:t>
                       </m:r>
+                      <m:sSub>
+                        <m:sSubPr>
+                          <m:ctrlPr>
+                            <a:rPr lang="en-US" altLang="zh-CN" b="0" i="1" smtClean="0">
+                              <a:latin typeface="Cambria Math" panose="02040503050406030204" pitchFamily="18" charset="0"/>
+                            </a:rPr>
+                          </m:ctrlPr>
+                        </m:sSubPr>
+                        <m:e>
+                          <m:r>
+                            <a:rPr lang="en-US" altLang="zh-CN" b="0" i="1" smtClean="0">
+                              <a:latin typeface="Cambria Math" panose="02040503050406030204" pitchFamily="18" charset="0"/>
+                            </a:rPr>
+                            <m:t>𝑃</m:t>
+                          </m:r>
+                        </m:e>
+                        <m:sub>
+                          <m:r>
+                            <a:rPr lang="en-US" altLang="zh-CN" b="0" i="1" smtClean="0">
+                              <a:latin typeface="Cambria Math" panose="02040503050406030204" pitchFamily="18" charset="0"/>
+                            </a:rPr>
+                            <m:t>𝑘</m:t>
+                          </m:r>
+                        </m:sub>
+                      </m:sSub>
                     </m:oMath>
                   </m:oMathPara>
                 </a14:m>
@@ -22759,7 +25782,7 @@
             <p:spPr>
               <a:xfrm>
                 <a:off x="1891155" y="901383"/>
-                <a:ext cx="1443857" cy="369332"/>
+                <a:ext cx="1535549" cy="369332"/>
               </a:xfrm>
               <a:prstGeom prst="rect">
                 <a:avLst/>
@@ -22856,8 +25879,8 @@
         </p:nvCxnSpPr>
         <p:spPr>
           <a:xfrm flipV="1">
-            <a:off x="2613084" y="620344"/>
-            <a:ext cx="842843" cy="281039"/>
+            <a:off x="2658930" y="620344"/>
+            <a:ext cx="796997" cy="281039"/>
           </a:xfrm>
           <a:prstGeom prst="line">
             <a:avLst/>
@@ -23097,8 +26120,8 @@
           </a:fontRef>
         </p:style>
       </p:cxnSp>
-      <mc:AlternateContent xmlns:mc="http://schemas.openxmlformats.org/markup-compatibility/2006">
-        <mc:Choice xmlns:a14="http://schemas.microsoft.com/office/drawing/2010/main" Requires="a14">
+      <mc:AlternateContent xmlns:mc="http://schemas.openxmlformats.org/markup-compatibility/2006" xmlns:a14="http://schemas.microsoft.com/office/drawing/2010/main">
+        <mc:Choice Requires="a14">
           <p:sp>
             <p:nvSpPr>
               <p:cNvPr id="215" name="文本框 214">
@@ -23167,7 +26190,7 @@
             </p:txBody>
           </p:sp>
         </mc:Choice>
-        <mc:Fallback>
+        <mc:Fallback xmlns="">
           <p:sp>
             <p:nvSpPr>
               <p:cNvPr id="215" name="文本框 214">
@@ -23224,18 +26247,18 @@
           <p:cNvCxnSpPr>
             <a:cxnSpLocks/>
             <a:stCxn id="141" idx="2"/>
+            <a:endCxn id="155" idx="3"/>
           </p:cNvCxnSpPr>
           <p:nvPr/>
         </p:nvCxnSpPr>
         <p:spPr>
           <a:xfrm rot="5400000" flipH="1">
-            <a:off x="3533415" y="631310"/>
-            <a:ext cx="3685592" cy="5595380"/>
+            <a:off x="3434456" y="675068"/>
+            <a:ext cx="1469960" cy="3115113"/>
           </a:xfrm>
-          <a:prstGeom prst="bentConnector4">
+          <a:prstGeom prst="bentConnector3">
             <a:avLst>
-              <a:gd name="adj1" fmla="val -6203"/>
-              <a:gd name="adj2" fmla="val 100041"/>
+              <a:gd name="adj1" fmla="val -15551"/>
             </a:avLst>
           </a:prstGeom>
           <a:ln w="12700">
@@ -23261,8 +26284,8 @@
           </a:fontRef>
         </p:style>
       </p:cxnSp>
-      <mc:AlternateContent xmlns:mc="http://schemas.openxmlformats.org/markup-compatibility/2006">
-        <mc:Choice xmlns:a14="http://schemas.microsoft.com/office/drawing/2010/main" Requires="a14">
+      <mc:AlternateContent xmlns:mc="http://schemas.openxmlformats.org/markup-compatibility/2006" xmlns:a14="http://schemas.microsoft.com/office/drawing/2010/main">
+        <mc:Choice Requires="a14">
           <p:sp>
             <p:nvSpPr>
               <p:cNvPr id="7" name="文本框 6">
@@ -23318,7 +26341,7 @@
             </p:txBody>
           </p:sp>
         </mc:Choice>
-        <mc:Fallback>
+        <mc:Fallback xmlns="">
           <p:sp>
             <p:nvSpPr>
               <p:cNvPr id="7" name="文本框 6">
@@ -23363,8 +26386,8 @@
           </p:sp>
         </mc:Fallback>
       </mc:AlternateContent>
-      <mc:AlternateContent xmlns:mc="http://schemas.openxmlformats.org/markup-compatibility/2006">
-        <mc:Choice xmlns:a14="http://schemas.microsoft.com/office/drawing/2010/main" Requires="a14">
+      <mc:AlternateContent xmlns:mc="http://schemas.openxmlformats.org/markup-compatibility/2006" xmlns:a14="http://schemas.microsoft.com/office/drawing/2010/main">
+        <mc:Choice Requires="a14">
           <p:sp>
             <p:nvSpPr>
               <p:cNvPr id="8" name="文本框 7">
@@ -23420,7 +26443,7 @@
             </p:txBody>
           </p:sp>
         </mc:Choice>
-        <mc:Fallback>
+        <mc:Fallback xmlns="">
           <p:sp>
             <p:nvSpPr>
               <p:cNvPr id="8" name="文本框 7">
@@ -23642,8 +26665,8 @@
           </a:fontRef>
         </p:style>
       </p:cxnSp>
-      <mc:AlternateContent xmlns:mc="http://schemas.openxmlformats.org/markup-compatibility/2006">
-        <mc:Choice xmlns:a14="http://schemas.microsoft.com/office/drawing/2010/main" Requires="a14">
+      <mc:AlternateContent xmlns:mc="http://schemas.openxmlformats.org/markup-compatibility/2006" xmlns:a14="http://schemas.microsoft.com/office/drawing/2010/main">
+        <mc:Choice Requires="a14">
           <p:sp>
             <p:nvSpPr>
               <p:cNvPr id="64" name="文本框 63">
@@ -23699,7 +26722,7 @@
             </p:txBody>
           </p:sp>
         </mc:Choice>
-        <mc:Fallback>
+        <mc:Fallback xmlns="">
           <p:sp>
             <p:nvSpPr>
               <p:cNvPr id="64" name="文本框 63">
@@ -23841,8 +26864,8 @@
           </a:fontRef>
         </p:style>
       </p:cxnSp>
-      <mc:AlternateContent xmlns:mc="http://schemas.openxmlformats.org/markup-compatibility/2006">
-        <mc:Choice xmlns:a14="http://schemas.microsoft.com/office/drawing/2010/main" Requires="a14">
+      <mc:AlternateContent xmlns:mc="http://schemas.openxmlformats.org/markup-compatibility/2006" xmlns:a14="http://schemas.microsoft.com/office/drawing/2010/main">
+        <mc:Choice Requires="a14">
           <p:sp>
             <p:nvSpPr>
               <p:cNvPr id="71" name="文本框 70">
@@ -23911,7 +26934,7 @@
             </p:txBody>
           </p:sp>
         </mc:Choice>
-        <mc:Fallback>
+        <mc:Fallback xmlns="">
           <p:sp>
             <p:nvSpPr>
               <p:cNvPr id="71" name="文本框 70">
@@ -23972,8 +26995,8 @@
             </p:nvSpPr>
             <p:spPr>
               <a:xfrm>
-                <a:off x="6007424" y="3356228"/>
-                <a:ext cx="453266" cy="369332"/>
+                <a:off x="5791298" y="3349396"/>
+                <a:ext cx="888577" cy="369332"/>
               </a:xfrm>
               <a:prstGeom prst="rect">
                 <a:avLst/>
@@ -23986,6 +27009,7 @@
               </a:bodyPr>
               <a:lstStyle/>
               <a:p>
+                <a:pPr/>
                 <a14:m>
                   <m:oMathPara xmlns:m="http://schemas.openxmlformats.org/officeDocument/2006/math">
                     <m:oMathParaPr>
@@ -23998,6 +27022,18 @@
                         </a:rPr>
                         <m:t>𝑏𝑖</m:t>
                       </m:r>
+                      <m:r>
+                        <a:rPr lang="en-US" altLang="zh-CN" b="0" i="1" smtClean="0">
+                          <a:latin typeface="Cambria Math" panose="02040503050406030204" pitchFamily="18" charset="0"/>
+                        </a:rPr>
+                        <m:t>/</m:t>
+                      </m:r>
+                      <m:r>
+                        <a:rPr lang="en-US" altLang="zh-CN" b="0" i="1" smtClean="0">
+                          <a:latin typeface="Cambria Math" panose="02040503050406030204" pitchFamily="18" charset="0"/>
+                        </a:rPr>
+                        <m:t>𝑧𝑎𝑖</m:t>
+                      </m:r>
                     </m:oMath>
                   </m:oMathPara>
                 </a14:m>
@@ -24023,8 +27059,8 @@
             </p:nvSpPr>
             <p:spPr>
               <a:xfrm>
-                <a:off x="6007424" y="3356228"/>
-                <a:ext cx="453266" cy="369332"/>
+                <a:off x="5791298" y="3349396"/>
+                <a:ext cx="888577" cy="369332"/>
               </a:xfrm>
               <a:prstGeom prst="rect">
                 <a:avLst/>
@@ -24032,7 +27068,7 @@
               <a:blipFill>
                 <a:blip r:embed="rId20"/>
                 <a:stretch>
-                  <a:fillRect/>
+                  <a:fillRect b="-13115"/>
                 </a:stretch>
               </a:blipFill>
             </p:spPr>
@@ -24081,8 +27117,8 @@
           <a:chExt cx="0" cy="0"/>
         </a:xfrm>
       </p:grpSpPr>
-      <mc:AlternateContent xmlns:mc="http://schemas.openxmlformats.org/markup-compatibility/2006">
-        <mc:Choice xmlns:a14="http://schemas.microsoft.com/office/drawing/2010/main" Requires="a14">
+      <mc:AlternateContent xmlns:mc="http://schemas.openxmlformats.org/markup-compatibility/2006" xmlns:a14="http://schemas.microsoft.com/office/drawing/2010/main">
+        <mc:Choice Requires="a14">
           <p:sp>
             <p:nvSpPr>
               <p:cNvPr id="4" name="文本框 3">
@@ -24132,7 +27168,7 @@
             </p:txBody>
           </p:sp>
         </mc:Choice>
-        <mc:Fallback>
+        <mc:Fallback xmlns="">
           <p:sp>
             <p:nvSpPr>
               <p:cNvPr id="4" name="文本框 3">
@@ -24177,8 +27213,8 @@
           </p:sp>
         </mc:Fallback>
       </mc:AlternateContent>
-      <mc:AlternateContent xmlns:mc="http://schemas.openxmlformats.org/markup-compatibility/2006">
-        <mc:Choice xmlns:a14="http://schemas.microsoft.com/office/drawing/2010/main" Requires="a14">
+      <mc:AlternateContent xmlns:mc="http://schemas.openxmlformats.org/markup-compatibility/2006" xmlns:a14="http://schemas.microsoft.com/office/drawing/2010/main">
+        <mc:Choice Requires="a14">
           <p:sp>
             <p:nvSpPr>
               <p:cNvPr id="2" name="文本框 1">
@@ -24234,7 +27270,7 @@
             </p:txBody>
           </p:sp>
         </mc:Choice>
-        <mc:Fallback>
+        <mc:Fallback xmlns="">
           <p:sp>
             <p:nvSpPr>
               <p:cNvPr id="2" name="文本框 1">
@@ -24279,8 +27315,8 @@
           </p:sp>
         </mc:Fallback>
       </mc:AlternateContent>
-      <mc:AlternateContent xmlns:mc="http://schemas.openxmlformats.org/markup-compatibility/2006">
-        <mc:Choice xmlns:a14="http://schemas.microsoft.com/office/drawing/2010/main" Requires="a14">
+      <mc:AlternateContent xmlns:mc="http://schemas.openxmlformats.org/markup-compatibility/2006" xmlns:a14="http://schemas.microsoft.com/office/drawing/2010/main">
+        <mc:Choice Requires="a14">
           <p:sp>
             <p:nvSpPr>
               <p:cNvPr id="3" name="文本框 2">
@@ -24336,7 +27372,7 @@
             </p:txBody>
           </p:sp>
         </mc:Choice>
-        <mc:Fallback>
+        <mc:Fallback xmlns="">
           <p:sp>
             <p:nvSpPr>
               <p:cNvPr id="3" name="文本框 2">
@@ -24381,8 +27417,8 @@
           </p:sp>
         </mc:Fallback>
       </mc:AlternateContent>
-      <mc:AlternateContent xmlns:mc="http://schemas.openxmlformats.org/markup-compatibility/2006">
-        <mc:Choice xmlns:a14="http://schemas.microsoft.com/office/drawing/2010/main" Requires="a14">
+      <mc:AlternateContent xmlns:mc="http://schemas.openxmlformats.org/markup-compatibility/2006" xmlns:a14="http://schemas.microsoft.com/office/drawing/2010/main">
+        <mc:Choice Requires="a14">
           <p:sp>
             <p:nvSpPr>
               <p:cNvPr id="6" name="文本框 5">
@@ -24432,7 +27468,7 @@
             </p:txBody>
           </p:sp>
         </mc:Choice>
-        <mc:Fallback>
+        <mc:Fallback xmlns="">
           <p:sp>
             <p:nvSpPr>
               <p:cNvPr id="6" name="文本框 5">
@@ -24477,8 +27513,8 @@
           </p:sp>
         </mc:Fallback>
       </mc:AlternateContent>
-      <mc:AlternateContent xmlns:mc="http://schemas.openxmlformats.org/markup-compatibility/2006">
-        <mc:Choice xmlns:a14="http://schemas.microsoft.com/office/drawing/2010/main" Requires="a14">
+      <mc:AlternateContent xmlns:mc="http://schemas.openxmlformats.org/markup-compatibility/2006" xmlns:a14="http://schemas.microsoft.com/office/drawing/2010/main">
+        <mc:Choice Requires="a14">
           <p:sp>
             <p:nvSpPr>
               <p:cNvPr id="7" name="文本框 6">
@@ -24528,7 +27564,7 @@
             </p:txBody>
           </p:sp>
         </mc:Choice>
-        <mc:Fallback>
+        <mc:Fallback xmlns="">
           <p:sp>
             <p:nvSpPr>
               <p:cNvPr id="7" name="文本框 6">
@@ -24573,8 +27609,8 @@
           </p:sp>
         </mc:Fallback>
       </mc:AlternateContent>
-      <mc:AlternateContent xmlns:mc="http://schemas.openxmlformats.org/markup-compatibility/2006">
-        <mc:Choice xmlns:a14="http://schemas.microsoft.com/office/drawing/2010/main" Requires="a14">
+      <mc:AlternateContent xmlns:mc="http://schemas.openxmlformats.org/markup-compatibility/2006" xmlns:a14="http://schemas.microsoft.com/office/drawing/2010/main">
+        <mc:Choice Requires="a14">
           <p:sp>
             <p:nvSpPr>
               <p:cNvPr id="8" name="文本框 7">
@@ -24630,7 +27666,7 @@
             </p:txBody>
           </p:sp>
         </mc:Choice>
-        <mc:Fallback>
+        <mc:Fallback xmlns="">
           <p:sp>
             <p:nvSpPr>
               <p:cNvPr id="8" name="文本框 7">
@@ -24675,8 +27711,8 @@
           </p:sp>
         </mc:Fallback>
       </mc:AlternateContent>
-      <mc:AlternateContent xmlns:mc="http://schemas.openxmlformats.org/markup-compatibility/2006">
-        <mc:Choice xmlns:a14="http://schemas.microsoft.com/office/drawing/2010/main" Requires="a14">
+      <mc:AlternateContent xmlns:mc="http://schemas.openxmlformats.org/markup-compatibility/2006" xmlns:a14="http://schemas.microsoft.com/office/drawing/2010/main">
+        <mc:Choice Requires="a14">
           <p:sp>
             <p:nvSpPr>
               <p:cNvPr id="9" name="文本框 8">
@@ -24745,7 +27781,7 @@
             </p:txBody>
           </p:sp>
         </mc:Choice>
-        <mc:Fallback>
+        <mc:Fallback xmlns="">
           <p:sp>
             <p:nvSpPr>
               <p:cNvPr id="9" name="文本框 8">
@@ -24790,8 +27826,8 @@
           </p:sp>
         </mc:Fallback>
       </mc:AlternateContent>
-      <mc:AlternateContent xmlns:mc="http://schemas.openxmlformats.org/markup-compatibility/2006">
-        <mc:Choice xmlns:a14="http://schemas.microsoft.com/office/drawing/2010/main" Requires="a14">
+      <mc:AlternateContent xmlns:mc="http://schemas.openxmlformats.org/markup-compatibility/2006" xmlns:a14="http://schemas.microsoft.com/office/drawing/2010/main">
+        <mc:Choice Requires="a14">
           <p:sp>
             <p:nvSpPr>
               <p:cNvPr id="10" name="文本框 9">
@@ -24841,7 +27877,7 @@
             </p:txBody>
           </p:sp>
         </mc:Choice>
-        <mc:Fallback>
+        <mc:Fallback xmlns="">
           <p:sp>
             <p:nvSpPr>
               <p:cNvPr id="10" name="文本框 9">
@@ -24886,8 +27922,8 @@
           </p:sp>
         </mc:Fallback>
       </mc:AlternateContent>
-      <mc:AlternateContent xmlns:mc="http://schemas.openxmlformats.org/markup-compatibility/2006">
-        <mc:Choice xmlns:a14="http://schemas.microsoft.com/office/drawing/2010/main" Requires="a14">
+      <mc:AlternateContent xmlns:mc="http://schemas.openxmlformats.org/markup-compatibility/2006" xmlns:a14="http://schemas.microsoft.com/office/drawing/2010/main">
+        <mc:Choice Requires="a14">
           <p:sp>
             <p:nvSpPr>
               <p:cNvPr id="12" name="文本框 11">
@@ -24956,7 +27992,7 @@
             </p:txBody>
           </p:sp>
         </mc:Choice>
-        <mc:Fallback>
+        <mc:Fallback xmlns="">
           <p:sp>
             <p:nvSpPr>
               <p:cNvPr id="12" name="文本框 11">
@@ -25361,51 +28397,6 @@
           </a:fontRef>
         </p:style>
       </p:cxnSp>
-      <p:cxnSp>
-        <p:nvCxnSpPr>
-          <p:cNvPr id="37" name="直接连接符 36">
-            <a:extLst>
-              <a:ext uri="{FF2B5EF4-FFF2-40B4-BE49-F238E27FC236}">
-                <a16:creationId xmlns:a16="http://schemas.microsoft.com/office/drawing/2014/main" id="{B45A0D3A-0F94-DC01-70CB-BAB2EDE7198C}"/>
-              </a:ext>
-            </a:extLst>
-          </p:cNvPr>
-          <p:cNvCxnSpPr>
-            <a:cxnSpLocks/>
-            <a:stCxn id="10" idx="2"/>
-            <a:endCxn id="141" idx="0"/>
-          </p:cNvCxnSpPr>
-          <p:nvPr/>
-        </p:nvCxnSpPr>
-        <p:spPr>
-          <a:xfrm flipH="1">
-            <a:off x="9650378" y="5402271"/>
-            <a:ext cx="642449" cy="201192"/>
-          </a:xfrm>
-          <a:prstGeom prst="line">
-            <a:avLst/>
-          </a:prstGeom>
-          <a:ln w="12700">
-            <a:solidFill>
-              <a:schemeClr val="tx1"/>
-            </a:solidFill>
-          </a:ln>
-        </p:spPr>
-        <p:style>
-          <a:lnRef idx="1">
-            <a:schemeClr val="accent1"/>
-          </a:lnRef>
-          <a:fillRef idx="0">
-            <a:schemeClr val="accent1"/>
-          </a:fillRef>
-          <a:effectRef idx="0">
-            <a:schemeClr val="accent1"/>
-          </a:effectRef>
-          <a:fontRef idx="minor">
-            <a:schemeClr val="tx1"/>
-          </a:fontRef>
-        </p:style>
-      </p:cxnSp>
       <mc:AlternateContent xmlns:mc="http://schemas.openxmlformats.org/markup-compatibility/2006">
         <mc:Choice xmlns:a14="http://schemas.microsoft.com/office/drawing/2010/main" Requires="a14">
           <p:sp>
@@ -25422,7 +28413,7 @@
             </p:nvSpPr>
             <p:spPr>
               <a:xfrm>
-                <a:off x="10866645" y="5614620"/>
+                <a:off x="10070651" y="5608161"/>
                 <a:ext cx="444352" cy="369332"/>
               </a:xfrm>
               <a:prstGeom prst="rect">
@@ -25480,7 +28471,7 @@
             </p:nvSpPr>
             <p:spPr>
               <a:xfrm>
-                <a:off x="10866645" y="5614620"/>
+                <a:off x="10070651" y="5608161"/>
                 <a:ext cx="444352" cy="369332"/>
               </a:xfrm>
               <a:prstGeom prst="rect">
@@ -25527,7 +28518,7 @@
         <p:spPr>
           <a:xfrm>
             <a:off x="10292827" y="5402271"/>
-            <a:ext cx="795994" cy="212349"/>
+            <a:ext cx="0" cy="205890"/>
           </a:xfrm>
           <a:prstGeom prst="line">
             <a:avLst/>
@@ -25569,7 +28560,7 @@
             </p:nvSpPr>
             <p:spPr>
               <a:xfrm>
-                <a:off x="10839747" y="6077440"/>
+                <a:off x="10043753" y="6070981"/>
                 <a:ext cx="498149" cy="369332"/>
               </a:xfrm>
               <a:prstGeom prst="rect">
@@ -25640,7 +28631,7 @@
             </p:nvSpPr>
             <p:spPr>
               <a:xfrm>
-                <a:off x="10839747" y="6077440"/>
+                <a:off x="10043753" y="6070981"/>
                 <a:ext cx="498149" cy="369332"/>
               </a:xfrm>
               <a:prstGeom prst="rect">
@@ -25686,7 +28677,7 @@
         </p:nvCxnSpPr>
         <p:spPr>
           <a:xfrm flipH="1" flipV="1">
-            <a:off x="11088821" y="5983952"/>
+            <a:off x="10292827" y="5977493"/>
             <a:ext cx="1" cy="93488"/>
           </a:xfrm>
           <a:prstGeom prst="line">
@@ -25713,8 +28704,8 @@
           </a:fontRef>
         </p:style>
       </p:cxnSp>
-      <mc:AlternateContent xmlns:mc="http://schemas.openxmlformats.org/markup-compatibility/2006">
-        <mc:Choice xmlns:a14="http://schemas.microsoft.com/office/drawing/2010/main" Requires="a14">
+      <mc:AlternateContent xmlns:mc="http://schemas.openxmlformats.org/markup-compatibility/2006" xmlns:a14="http://schemas.microsoft.com/office/drawing/2010/main">
+        <mc:Choice Requires="a14">
           <p:sp>
             <p:nvSpPr>
               <p:cNvPr id="90" name="文本框 89">
@@ -25858,7 +28849,7 @@
             </p:txBody>
           </p:sp>
         </mc:Choice>
-        <mc:Fallback>
+        <mc:Fallback xmlns="">
           <p:sp>
             <p:nvSpPr>
               <p:cNvPr id="90" name="文本框 89">
@@ -25921,8 +28912,8 @@
         </p:nvCxnSpPr>
         <p:spPr>
           <a:xfrm rot="10800000">
-            <a:off x="8525438" y="5792827"/>
-            <a:ext cx="2341208" cy="725790"/>
+            <a:off x="8525438" y="5792828"/>
+            <a:ext cx="1545214" cy="719331"/>
           </a:xfrm>
           <a:prstGeom prst="bentConnector2">
             <a:avLst/>
@@ -26013,7 +29004,7 @@
             </p:nvSpPr>
             <p:spPr>
               <a:xfrm>
-                <a:off x="10866646" y="6333951"/>
+                <a:off x="10070652" y="6327492"/>
                 <a:ext cx="409792" cy="369332"/>
               </a:xfrm>
               <a:prstGeom prst="rect">
@@ -26084,7 +29075,7 @@
             </p:nvSpPr>
             <p:spPr>
               <a:xfrm>
-                <a:off x="10866646" y="6333951"/>
+                <a:off x="10070652" y="6327492"/>
                 <a:ext cx="409792" cy="369332"/>
               </a:xfrm>
               <a:prstGeom prst="rect">
@@ -26112,8 +29103,8 @@
           </p:sp>
         </mc:Fallback>
       </mc:AlternateContent>
-      <mc:AlternateContent xmlns:mc="http://schemas.openxmlformats.org/markup-compatibility/2006">
-        <mc:Choice xmlns:a14="http://schemas.microsoft.com/office/drawing/2010/main" Requires="a14">
+      <mc:AlternateContent xmlns:mc="http://schemas.openxmlformats.org/markup-compatibility/2006" xmlns:a14="http://schemas.microsoft.com/office/drawing/2010/main">
+        <mc:Choice Requires="a14">
           <p:sp>
             <p:nvSpPr>
               <p:cNvPr id="115" name="文本框 114">
@@ -26182,7 +29173,7 @@
             </p:txBody>
           </p:sp>
         </mc:Choice>
-        <mc:Fallback>
+        <mc:Fallback xmlns="">
           <p:sp>
             <p:nvSpPr>
               <p:cNvPr id="115" name="文本框 114">
@@ -26279,8 +29270,8 @@
           </a:p>
         </p:txBody>
       </p:sp>
-      <mc:AlternateContent xmlns:mc="http://schemas.openxmlformats.org/markup-compatibility/2006">
-        <mc:Choice xmlns:a14="http://schemas.microsoft.com/office/drawing/2010/main" Requires="a14">
+      <mc:AlternateContent xmlns:mc="http://schemas.openxmlformats.org/markup-compatibility/2006" xmlns:a14="http://schemas.microsoft.com/office/drawing/2010/main">
+        <mc:Choice Requires="a14">
           <p:sp>
             <p:nvSpPr>
               <p:cNvPr id="139" name="文本框 138">
@@ -26336,7 +29327,7 @@
             </p:txBody>
           </p:sp>
         </mc:Choice>
-        <mc:Fallback>
+        <mc:Fallback xmlns="">
           <p:sp>
             <p:nvSpPr>
               <p:cNvPr id="139" name="文本框 138">
@@ -26397,7 +29388,7 @@
             </p:nvSpPr>
             <p:spPr>
               <a:xfrm>
-                <a:off x="9424258" y="5603463"/>
+                <a:off x="3361057" y="1901427"/>
                 <a:ext cx="452240" cy="369332"/>
               </a:xfrm>
               <a:prstGeom prst="rect">
@@ -26468,7 +29459,7 @@
             </p:nvSpPr>
             <p:spPr>
               <a:xfrm>
-                <a:off x="9424258" y="5603463"/>
+                <a:off x="3361057" y="1901427"/>
                 <a:ext cx="452240" cy="369332"/>
               </a:xfrm>
               <a:prstGeom prst="rect">
@@ -26496,8 +29487,8 @@
           </p:sp>
         </mc:Fallback>
       </mc:AlternateContent>
-      <mc:AlternateContent xmlns:mc="http://schemas.openxmlformats.org/markup-compatibility/2006">
-        <mc:Choice xmlns:a14="http://schemas.microsoft.com/office/drawing/2010/main" Requires="a14">
+      <mc:AlternateContent xmlns:mc="http://schemas.openxmlformats.org/markup-compatibility/2006" xmlns:a14="http://schemas.microsoft.com/office/drawing/2010/main">
+        <mc:Choice Requires="a14">
           <p:sp>
             <p:nvSpPr>
               <p:cNvPr id="142" name="文本框 141">
@@ -26553,7 +29544,7 @@
             </p:txBody>
           </p:sp>
         </mc:Choice>
-        <mc:Fallback>
+        <mc:Fallback xmlns="">
           <p:sp>
             <p:nvSpPr>
               <p:cNvPr id="142" name="文本框 141">
@@ -26598,8 +29589,8 @@
           </p:sp>
         </mc:Fallback>
       </mc:AlternateContent>
-      <mc:AlternateContent xmlns:mc="http://schemas.openxmlformats.org/markup-compatibility/2006">
-        <mc:Choice xmlns:a14="http://schemas.microsoft.com/office/drawing/2010/main" Requires="a14">
+      <mc:AlternateContent xmlns:mc="http://schemas.openxmlformats.org/markup-compatibility/2006" xmlns:a14="http://schemas.microsoft.com/office/drawing/2010/main">
+        <mc:Choice Requires="a14">
           <p:sp>
             <p:nvSpPr>
               <p:cNvPr id="147" name="文本框 146">
@@ -26658,7 +29649,7 @@
             </p:txBody>
           </p:sp>
         </mc:Choice>
-        <mc:Fallback>
+        <mc:Fallback xmlns="">
           <p:sp>
             <p:nvSpPr>
               <p:cNvPr id="147" name="文本框 146">
@@ -26720,7 +29711,7 @@
             <p:spPr>
               <a:xfrm>
                 <a:off x="518598" y="-118609"/>
-                <a:ext cx="563809" cy="369332"/>
+                <a:ext cx="656077" cy="369332"/>
               </a:xfrm>
               <a:prstGeom prst="rect">
                 <a:avLst/>
@@ -26744,8 +29735,33 @@
                         <a:rPr lang="en-US" altLang="zh-CN" b="0" i="1" smtClean="0">
                           <a:latin typeface="Cambria Math" panose="02040503050406030204" pitchFamily="18" charset="0"/>
                         </a:rPr>
-                        <m:t>𝑁𝑃</m:t>
+                        <m:t>𝑁</m:t>
                       </m:r>
+                      <m:sSub>
+                        <m:sSubPr>
+                          <m:ctrlPr>
+                            <a:rPr lang="en-US" altLang="zh-CN" b="0" i="1" smtClean="0">
+                              <a:latin typeface="Cambria Math" panose="02040503050406030204" pitchFamily="18" charset="0"/>
+                            </a:rPr>
+                          </m:ctrlPr>
+                        </m:sSubPr>
+                        <m:e>
+                          <m:r>
+                            <a:rPr lang="en-US" altLang="zh-CN" b="0" i="1" smtClean="0">
+                              <a:latin typeface="Cambria Math" panose="02040503050406030204" pitchFamily="18" charset="0"/>
+                            </a:rPr>
+                            <m:t>𝑃</m:t>
+                          </m:r>
+                        </m:e>
+                        <m:sub>
+                          <m:r>
+                            <a:rPr lang="en-US" altLang="zh-CN" b="0" i="1" smtClean="0">
+                              <a:latin typeface="Cambria Math" panose="02040503050406030204" pitchFamily="18" charset="0"/>
+                            </a:rPr>
+                            <m:t>𝑘</m:t>
+                          </m:r>
+                        </m:sub>
+                      </m:sSub>
                     </m:oMath>
                   </m:oMathPara>
                 </a14:m>
@@ -26772,7 +29788,7 @@
             <p:spPr>
               <a:xfrm>
                 <a:off x="518598" y="-118609"/>
-                <a:ext cx="563809" cy="369332"/>
+                <a:ext cx="656077" cy="369332"/>
               </a:xfrm>
               <a:prstGeom prst="rect">
                 <a:avLst/>
@@ -26851,8 +29867,8 @@
           </a:p>
         </p:txBody>
       </p:sp>
-      <mc:AlternateContent xmlns:mc="http://schemas.openxmlformats.org/markup-compatibility/2006">
-        <mc:Choice xmlns:a14="http://schemas.microsoft.com/office/drawing/2010/main" Requires="a14">
+      <mc:AlternateContent xmlns:mc="http://schemas.openxmlformats.org/markup-compatibility/2006" xmlns:a14="http://schemas.microsoft.com/office/drawing/2010/main">
+        <mc:Choice Requires="a14">
           <p:sp>
             <p:nvSpPr>
               <p:cNvPr id="156" name="文本框 155">
@@ -26902,7 +29918,7 @@
             </p:txBody>
           </p:sp>
         </mc:Choice>
-        <mc:Fallback>
+        <mc:Fallback xmlns="">
           <p:sp>
             <p:nvSpPr>
               <p:cNvPr id="156" name="文本框 155">
@@ -26965,8 +29981,8 @@
         </p:nvCxnSpPr>
         <p:spPr>
           <a:xfrm flipV="1">
-            <a:off x="800503" y="-467886"/>
-            <a:ext cx="769558" cy="349277"/>
+            <a:off x="846637" y="-467886"/>
+            <a:ext cx="723424" cy="349277"/>
           </a:xfrm>
           <a:prstGeom prst="line">
             <a:avLst/>
@@ -27206,8 +30222,8 @@
           </a:fontRef>
         </p:style>
       </p:cxnSp>
-      <mc:AlternateContent xmlns:mc="http://schemas.openxmlformats.org/markup-compatibility/2006">
-        <mc:Choice xmlns:a14="http://schemas.microsoft.com/office/drawing/2010/main" Requires="a14">
+      <mc:AlternateContent xmlns:mc="http://schemas.openxmlformats.org/markup-compatibility/2006" xmlns:a14="http://schemas.microsoft.com/office/drawing/2010/main">
+        <mc:Choice Requires="a14">
           <p:sp>
             <p:nvSpPr>
               <p:cNvPr id="215" name="文本框 214">
@@ -27276,7 +30292,7 @@
             </p:txBody>
           </p:sp>
         </mc:Choice>
-        <mc:Fallback>
+        <mc:Fallback xmlns="">
           <p:sp>
             <p:nvSpPr>
               <p:cNvPr id="215" name="文本框 214">
@@ -27391,12 +30407,12 @@
         </p:nvCxnSpPr>
         <p:spPr>
           <a:xfrm rot="5400000" flipH="1">
-            <a:off x="2642437" y="-1035145"/>
-            <a:ext cx="5132773" cy="8883109"/>
+            <a:off x="1461854" y="145437"/>
+            <a:ext cx="1430737" cy="2819908"/>
           </a:xfrm>
           <a:prstGeom prst="bentConnector3">
             <a:avLst>
-              <a:gd name="adj1" fmla="val -4454"/>
+              <a:gd name="adj1" fmla="val -15978"/>
             </a:avLst>
           </a:prstGeom>
           <a:ln w="12700">
@@ -27422,8 +30438,8 @@
           </a:fontRef>
         </p:style>
       </p:cxnSp>
-      <mc:AlternateContent xmlns:mc="http://schemas.openxmlformats.org/markup-compatibility/2006">
-        <mc:Choice xmlns:a14="http://schemas.microsoft.com/office/drawing/2010/main" Requires="a14">
+      <mc:AlternateContent xmlns:mc="http://schemas.openxmlformats.org/markup-compatibility/2006" xmlns:a14="http://schemas.microsoft.com/office/drawing/2010/main">
+        <mc:Choice Requires="a14">
           <p:sp>
             <p:nvSpPr>
               <p:cNvPr id="11" name="文本框 10">
@@ -27479,7 +30495,7 @@
             </p:txBody>
           </p:sp>
         </mc:Choice>
-        <mc:Fallback>
+        <mc:Fallback xmlns="">
           <p:sp>
             <p:nvSpPr>
               <p:cNvPr id="11" name="文本框 10">
@@ -27524,8 +30540,8 @@
           </p:sp>
         </mc:Fallback>
       </mc:AlternateContent>
-      <mc:AlternateContent xmlns:mc="http://schemas.openxmlformats.org/markup-compatibility/2006">
-        <mc:Choice xmlns:a14="http://schemas.microsoft.com/office/drawing/2010/main" Requires="a14">
+      <mc:AlternateContent xmlns:mc="http://schemas.openxmlformats.org/markup-compatibility/2006" xmlns:a14="http://schemas.microsoft.com/office/drawing/2010/main">
+        <mc:Choice Requires="a14">
           <p:sp>
             <p:nvSpPr>
               <p:cNvPr id="13" name="文本框 12">
@@ -27581,7 +30597,7 @@
             </p:txBody>
           </p:sp>
         </mc:Choice>
-        <mc:Fallback>
+        <mc:Fallback xmlns="">
           <p:sp>
             <p:nvSpPr>
               <p:cNvPr id="13" name="文本框 12">
@@ -27804,8 +30820,8 @@
           </a:fontRef>
         </p:style>
       </p:cxnSp>
-      <mc:AlternateContent xmlns:mc="http://schemas.openxmlformats.org/markup-compatibility/2006">
-        <mc:Choice xmlns:a14="http://schemas.microsoft.com/office/drawing/2010/main" Requires="a14">
+      <mc:AlternateContent xmlns:mc="http://schemas.openxmlformats.org/markup-compatibility/2006" xmlns:a14="http://schemas.microsoft.com/office/drawing/2010/main">
+        <mc:Choice Requires="a14">
           <p:sp>
             <p:nvSpPr>
               <p:cNvPr id="21" name="文本框 20">
@@ -27874,7 +30890,7 @@
             </p:txBody>
           </p:sp>
         </mc:Choice>
-        <mc:Fallback>
+        <mc:Fallback xmlns="">
           <p:sp>
             <p:nvSpPr>
               <p:cNvPr id="21" name="文本框 20">
@@ -27899,6 +30915,102 @@
               </a:prstGeom>
               <a:blipFill>
                 <a:blip r:embed="rId25"/>
+                <a:stretch>
+                  <a:fillRect/>
+                </a:stretch>
+              </a:blipFill>
+            </p:spPr>
+            <p:txBody>
+              <a:bodyPr/>
+              <a:lstStyle/>
+              <a:p>
+                <a:r>
+                  <a:rPr lang="zh-CN" altLang="en-US">
+                    <a:noFill/>
+                  </a:rPr>
+                  <a:t> </a:t>
+                </a:r>
+              </a:p>
+            </p:txBody>
+          </p:sp>
+        </mc:Fallback>
+      </mc:AlternateContent>
+      <mc:AlternateContent xmlns:mc="http://schemas.openxmlformats.org/markup-compatibility/2006">
+        <mc:Choice xmlns:a14="http://schemas.microsoft.com/office/drawing/2010/main" Requires="a14">
+          <p:sp>
+            <p:nvSpPr>
+              <p:cNvPr id="29" name="文本框 28">
+                <a:extLst>
+                  <a:ext uri="{FF2B5EF4-FFF2-40B4-BE49-F238E27FC236}">
+                    <a16:creationId xmlns:a16="http://schemas.microsoft.com/office/drawing/2014/main" id="{92DDE135-A0EB-B67F-D6D6-CFC6A931948A}"/>
+                  </a:ext>
+                </a:extLst>
+              </p:cNvPr>
+              <p:cNvSpPr txBox="1"/>
+              <p:nvPr/>
+            </p:nvSpPr>
+            <p:spPr>
+              <a:xfrm>
+                <a:off x="4070699" y="2665016"/>
+                <a:ext cx="594265" cy="369332"/>
+              </a:xfrm>
+              <a:prstGeom prst="rect">
+                <a:avLst/>
+              </a:prstGeom>
+              <a:noFill/>
+            </p:spPr>
+            <p:txBody>
+              <a:bodyPr wrap="square" rtlCol="0">
+                <a:spAutoFit/>
+              </a:bodyPr>
+              <a:lstStyle/>
+              <a:p>
+                <a:pPr/>
+                <a14:m>
+                  <m:oMathPara xmlns:m="http://schemas.openxmlformats.org/officeDocument/2006/math">
+                    <m:oMathParaPr>
+                      <m:jc m:val="centerGroup"/>
+                    </m:oMathParaPr>
+                    <m:oMath xmlns:m="http://schemas.openxmlformats.org/officeDocument/2006/math">
+                      <m:r>
+                        <a:rPr lang="en-US" altLang="zh-CN" b="0" i="1" smtClean="0">
+                          <a:latin typeface="Cambria Math" panose="02040503050406030204" pitchFamily="18" charset="0"/>
+                        </a:rPr>
+                        <m:t>𝑏𝑖</m:t>
+                      </m:r>
+                    </m:oMath>
+                  </m:oMathPara>
+                </a14:m>
+                <a:endParaRPr lang="en-US" altLang="zh-CN"/>
+              </a:p>
+            </p:txBody>
+          </p:sp>
+        </mc:Choice>
+        <mc:Fallback>
+          <p:sp>
+            <p:nvSpPr>
+              <p:cNvPr id="29" name="文本框 28">
+                <a:extLst>
+                  <a:ext uri="{FF2B5EF4-FFF2-40B4-BE49-F238E27FC236}">
+                    <a16:creationId xmlns:a16="http://schemas.microsoft.com/office/drawing/2014/main" id="{92DDE135-A0EB-B67F-D6D6-CFC6A931948A}"/>
+                  </a:ext>
+                </a:extLst>
+              </p:cNvPr>
+              <p:cNvSpPr txBox="1">
+                <a:spLocks noRot="1" noChangeAspect="1" noMove="1" noResize="1" noEditPoints="1" noAdjustHandles="1" noChangeArrowheads="1" noChangeShapeType="1" noTextEdit="1"/>
+              </p:cNvSpPr>
+              <p:nvPr/>
+            </p:nvSpPr>
+            <p:spPr>
+              <a:xfrm>
+                <a:off x="4070699" y="2665016"/>
+                <a:ext cx="594265" cy="369332"/>
+              </a:xfrm>
+              <a:prstGeom prst="rect">
+                <a:avLst/>
+              </a:prstGeom>
+              <a:blipFill>
+                <a:blip r:embed="rId26"/>
                 <a:stretch>
                   <a:fillRect/>
                 </a:stretch>
@@ -27949,8 +31061,8 @@
           <a:chExt cx="0" cy="0"/>
         </a:xfrm>
       </p:grpSpPr>
-      <mc:AlternateContent xmlns:mc="http://schemas.openxmlformats.org/markup-compatibility/2006">
-        <mc:Choice xmlns:a14="http://schemas.microsoft.com/office/drawing/2010/main" Requires="a14">
+      <mc:AlternateContent xmlns:mc="http://schemas.openxmlformats.org/markup-compatibility/2006" xmlns:a14="http://schemas.microsoft.com/office/drawing/2010/main">
+        <mc:Choice Requires="a14">
           <p:sp>
             <p:nvSpPr>
               <p:cNvPr id="4" name="文本框 3">
@@ -28000,7 +31112,7 @@
             </p:txBody>
           </p:sp>
         </mc:Choice>
-        <mc:Fallback>
+        <mc:Fallback xmlns="">
           <p:sp>
             <p:nvSpPr>
               <p:cNvPr id="4" name="文本框 3">
@@ -28045,8 +31157,8 @@
           </p:sp>
         </mc:Fallback>
       </mc:AlternateContent>
-      <mc:AlternateContent xmlns:mc="http://schemas.openxmlformats.org/markup-compatibility/2006">
-        <mc:Choice xmlns:a14="http://schemas.microsoft.com/office/drawing/2010/main" Requires="a14">
+      <mc:AlternateContent xmlns:mc="http://schemas.openxmlformats.org/markup-compatibility/2006" xmlns:a14="http://schemas.microsoft.com/office/drawing/2010/main">
+        <mc:Choice Requires="a14">
           <p:sp>
             <p:nvSpPr>
               <p:cNvPr id="2" name="文本框 1">
@@ -28102,7 +31214,7 @@
             </p:txBody>
           </p:sp>
         </mc:Choice>
-        <mc:Fallback>
+        <mc:Fallback xmlns="">
           <p:sp>
             <p:nvSpPr>
               <p:cNvPr id="2" name="文本框 1">
@@ -28147,8 +31259,8 @@
           </p:sp>
         </mc:Fallback>
       </mc:AlternateContent>
-      <mc:AlternateContent xmlns:mc="http://schemas.openxmlformats.org/markup-compatibility/2006">
-        <mc:Choice xmlns:a14="http://schemas.microsoft.com/office/drawing/2010/main" Requires="a14">
+      <mc:AlternateContent xmlns:mc="http://schemas.openxmlformats.org/markup-compatibility/2006" xmlns:a14="http://schemas.microsoft.com/office/drawing/2010/main">
+        <mc:Choice Requires="a14">
           <p:sp>
             <p:nvSpPr>
               <p:cNvPr id="3" name="文本框 2">
@@ -28204,7 +31316,7 @@
             </p:txBody>
           </p:sp>
         </mc:Choice>
-        <mc:Fallback>
+        <mc:Fallback xmlns="">
           <p:sp>
             <p:nvSpPr>
               <p:cNvPr id="3" name="文本框 2">
@@ -28249,8 +31361,8 @@
           </p:sp>
         </mc:Fallback>
       </mc:AlternateContent>
-      <mc:AlternateContent xmlns:mc="http://schemas.openxmlformats.org/markup-compatibility/2006">
-        <mc:Choice xmlns:a14="http://schemas.microsoft.com/office/drawing/2010/main" Requires="a14">
+      <mc:AlternateContent xmlns:mc="http://schemas.openxmlformats.org/markup-compatibility/2006" xmlns:a14="http://schemas.microsoft.com/office/drawing/2010/main">
+        <mc:Choice Requires="a14">
           <p:sp>
             <p:nvSpPr>
               <p:cNvPr id="6" name="文本框 5">
@@ -28300,7 +31412,7 @@
             </p:txBody>
           </p:sp>
         </mc:Choice>
-        <mc:Fallback>
+        <mc:Fallback xmlns="">
           <p:sp>
             <p:nvSpPr>
               <p:cNvPr id="6" name="文本框 5">
@@ -28345,8 +31457,8 @@
           </p:sp>
         </mc:Fallback>
       </mc:AlternateContent>
-      <mc:AlternateContent xmlns:mc="http://schemas.openxmlformats.org/markup-compatibility/2006">
-        <mc:Choice xmlns:a14="http://schemas.microsoft.com/office/drawing/2010/main" Requires="a14">
+      <mc:AlternateContent xmlns:mc="http://schemas.openxmlformats.org/markup-compatibility/2006" xmlns:a14="http://schemas.microsoft.com/office/drawing/2010/main">
+        <mc:Choice Requires="a14">
           <p:sp>
             <p:nvSpPr>
               <p:cNvPr id="7" name="文本框 6">
@@ -28396,7 +31508,7 @@
             </p:txBody>
           </p:sp>
         </mc:Choice>
-        <mc:Fallback>
+        <mc:Fallback xmlns="">
           <p:sp>
             <p:nvSpPr>
               <p:cNvPr id="7" name="文本框 6">
@@ -28441,8 +31553,8 @@
           </p:sp>
         </mc:Fallback>
       </mc:AlternateContent>
-      <mc:AlternateContent xmlns:mc="http://schemas.openxmlformats.org/markup-compatibility/2006">
-        <mc:Choice xmlns:a14="http://schemas.microsoft.com/office/drawing/2010/main" Requires="a14">
+      <mc:AlternateContent xmlns:mc="http://schemas.openxmlformats.org/markup-compatibility/2006" xmlns:a14="http://schemas.microsoft.com/office/drawing/2010/main">
+        <mc:Choice Requires="a14">
           <p:sp>
             <p:nvSpPr>
               <p:cNvPr id="8" name="文本框 7">
@@ -28498,7 +31610,7 @@
             </p:txBody>
           </p:sp>
         </mc:Choice>
-        <mc:Fallback>
+        <mc:Fallback xmlns="">
           <p:sp>
             <p:nvSpPr>
               <p:cNvPr id="8" name="文本框 7">
@@ -28543,8 +31655,8 @@
           </p:sp>
         </mc:Fallback>
       </mc:AlternateContent>
-      <mc:AlternateContent xmlns:mc="http://schemas.openxmlformats.org/markup-compatibility/2006">
-        <mc:Choice xmlns:a14="http://schemas.microsoft.com/office/drawing/2010/main" Requires="a14">
+      <mc:AlternateContent xmlns:mc="http://schemas.openxmlformats.org/markup-compatibility/2006" xmlns:a14="http://schemas.microsoft.com/office/drawing/2010/main">
+        <mc:Choice Requires="a14">
           <p:sp>
             <p:nvSpPr>
               <p:cNvPr id="9" name="文本框 8">
@@ -28613,7 +31725,7 @@
             </p:txBody>
           </p:sp>
         </mc:Choice>
-        <mc:Fallback>
+        <mc:Fallback xmlns="">
           <p:sp>
             <p:nvSpPr>
               <p:cNvPr id="9" name="文本框 8">
@@ -28658,8 +31770,8 @@
           </p:sp>
         </mc:Fallback>
       </mc:AlternateContent>
-      <mc:AlternateContent xmlns:mc="http://schemas.openxmlformats.org/markup-compatibility/2006">
-        <mc:Choice xmlns:a14="http://schemas.microsoft.com/office/drawing/2010/main" Requires="a14">
+      <mc:AlternateContent xmlns:mc="http://schemas.openxmlformats.org/markup-compatibility/2006" xmlns:a14="http://schemas.microsoft.com/office/drawing/2010/main">
+        <mc:Choice Requires="a14">
           <p:sp>
             <p:nvSpPr>
               <p:cNvPr id="10" name="文本框 9">
@@ -28709,7 +31821,7 @@
             </p:txBody>
           </p:sp>
         </mc:Choice>
-        <mc:Fallback>
+        <mc:Fallback xmlns="">
           <p:sp>
             <p:nvSpPr>
               <p:cNvPr id="10" name="文本框 9">
@@ -28754,8 +31866,8 @@
           </p:sp>
         </mc:Fallback>
       </mc:AlternateContent>
-      <mc:AlternateContent xmlns:mc="http://schemas.openxmlformats.org/markup-compatibility/2006">
-        <mc:Choice xmlns:a14="http://schemas.microsoft.com/office/drawing/2010/main" Requires="a14">
+      <mc:AlternateContent xmlns:mc="http://schemas.openxmlformats.org/markup-compatibility/2006" xmlns:a14="http://schemas.microsoft.com/office/drawing/2010/main">
+        <mc:Choice Requires="a14">
           <p:sp>
             <p:nvSpPr>
               <p:cNvPr id="12" name="文本框 11">
@@ -28824,7 +31936,7 @@
             </p:txBody>
           </p:sp>
         </mc:Choice>
-        <mc:Fallback>
+        <mc:Fallback xmlns="">
           <p:sp>
             <p:nvSpPr>
               <p:cNvPr id="12" name="文本框 11">
@@ -29273,8 +32385,8 @@
           </a:fontRef>
         </p:style>
       </p:cxnSp>
-      <mc:AlternateContent xmlns:mc="http://schemas.openxmlformats.org/markup-compatibility/2006">
-        <mc:Choice xmlns:a14="http://schemas.microsoft.com/office/drawing/2010/main" Requires="a14">
+      <mc:AlternateContent xmlns:mc="http://schemas.openxmlformats.org/markup-compatibility/2006" xmlns:a14="http://schemas.microsoft.com/office/drawing/2010/main">
+        <mc:Choice Requires="a14">
           <p:sp>
             <p:nvSpPr>
               <p:cNvPr id="41" name="文本框 40">
@@ -29330,7 +32442,7 @@
             </p:txBody>
           </p:sp>
         </mc:Choice>
-        <mc:Fallback>
+        <mc:Fallback xmlns="">
           <p:sp>
             <p:nvSpPr>
               <p:cNvPr id="41" name="文本框 40">
@@ -29420,8 +32532,8 @@
           </a:fontRef>
         </p:style>
       </p:cxnSp>
-      <mc:AlternateContent xmlns:mc="http://schemas.openxmlformats.org/markup-compatibility/2006">
-        <mc:Choice xmlns:a14="http://schemas.microsoft.com/office/drawing/2010/main" Requires="a14">
+      <mc:AlternateContent xmlns:mc="http://schemas.openxmlformats.org/markup-compatibility/2006" xmlns:a14="http://schemas.microsoft.com/office/drawing/2010/main">
+        <mc:Choice Requires="a14">
           <p:sp>
             <p:nvSpPr>
               <p:cNvPr id="47" name="文本框 46">
@@ -29490,7 +32602,7 @@
             </p:txBody>
           </p:sp>
         </mc:Choice>
-        <mc:Fallback>
+        <mc:Fallback xmlns="">
           <p:sp>
             <p:nvSpPr>
               <p:cNvPr id="47" name="文本框 46">
@@ -29674,8 +32786,8 @@
           </a:fontRef>
         </p:style>
       </p:cxnSp>
-      <mc:AlternateContent xmlns:mc="http://schemas.openxmlformats.org/markup-compatibility/2006">
-        <mc:Choice xmlns:a14="http://schemas.microsoft.com/office/drawing/2010/main" Requires="a14">
+      <mc:AlternateContent xmlns:mc="http://schemas.openxmlformats.org/markup-compatibility/2006" xmlns:a14="http://schemas.microsoft.com/office/drawing/2010/main">
+        <mc:Choice Requires="a14">
           <p:sp>
             <p:nvSpPr>
               <p:cNvPr id="112" name="文本框 111">
@@ -29744,7 +32856,7 @@
             </p:txBody>
           </p:sp>
         </mc:Choice>
-        <mc:Fallback>
+        <mc:Fallback xmlns="">
           <p:sp>
             <p:nvSpPr>
               <p:cNvPr id="112" name="文本框 111">
@@ -29789,8 +32901,8 @@
           </p:sp>
         </mc:Fallback>
       </mc:AlternateContent>
-      <mc:AlternateContent xmlns:mc="http://schemas.openxmlformats.org/markup-compatibility/2006">
-        <mc:Choice xmlns:a14="http://schemas.microsoft.com/office/drawing/2010/main" Requires="a14">
+      <mc:AlternateContent xmlns:mc="http://schemas.openxmlformats.org/markup-compatibility/2006" xmlns:a14="http://schemas.microsoft.com/office/drawing/2010/main">
+        <mc:Choice Requires="a14">
           <p:sp>
             <p:nvSpPr>
               <p:cNvPr id="115" name="文本框 114">
@@ -29859,7 +32971,7 @@
             </p:txBody>
           </p:sp>
         </mc:Choice>
-        <mc:Fallback>
+        <mc:Fallback xmlns="">
           <p:sp>
             <p:nvSpPr>
               <p:cNvPr id="115" name="文本框 114">
@@ -29956,8 +33068,8 @@
           </a:p>
         </p:txBody>
       </p:sp>
-      <mc:AlternateContent xmlns:mc="http://schemas.openxmlformats.org/markup-compatibility/2006">
-        <mc:Choice xmlns:a14="http://schemas.microsoft.com/office/drawing/2010/main" Requires="a14">
+      <mc:AlternateContent xmlns:mc="http://schemas.openxmlformats.org/markup-compatibility/2006" xmlns:a14="http://schemas.microsoft.com/office/drawing/2010/main">
+        <mc:Choice Requires="a14">
           <p:sp>
             <p:nvSpPr>
               <p:cNvPr id="139" name="文本框 138">
@@ -30013,7 +33125,7 @@
             </p:txBody>
           </p:sp>
         </mc:Choice>
-        <mc:Fallback>
+        <mc:Fallback xmlns="">
           <p:sp>
             <p:nvSpPr>
               <p:cNvPr id="139" name="文本框 138">
@@ -30155,8 +33267,8 @@
           </a:p>
         </p:txBody>
       </p:sp>
-      <mc:AlternateContent xmlns:mc="http://schemas.openxmlformats.org/markup-compatibility/2006">
-        <mc:Choice xmlns:a14="http://schemas.microsoft.com/office/drawing/2010/main" Requires="a14">
+      <mc:AlternateContent xmlns:mc="http://schemas.openxmlformats.org/markup-compatibility/2006" xmlns:a14="http://schemas.microsoft.com/office/drawing/2010/main">
+        <mc:Choice Requires="a14">
           <p:sp>
             <p:nvSpPr>
               <p:cNvPr id="11" name="文本框 10">
@@ -30212,7 +33324,7 @@
             </p:txBody>
           </p:sp>
         </mc:Choice>
-        <mc:Fallback>
+        <mc:Fallback xmlns="">
           <p:sp>
             <p:nvSpPr>
               <p:cNvPr id="11" name="文本框 10">
@@ -30257,8 +33369,8 @@
           </p:sp>
         </mc:Fallback>
       </mc:AlternateContent>
-      <mc:AlternateContent xmlns:mc="http://schemas.openxmlformats.org/markup-compatibility/2006">
-        <mc:Choice xmlns:a14="http://schemas.microsoft.com/office/drawing/2010/main" Requires="a14">
+      <mc:AlternateContent xmlns:mc="http://schemas.openxmlformats.org/markup-compatibility/2006" xmlns:a14="http://schemas.microsoft.com/office/drawing/2010/main">
+        <mc:Choice Requires="a14">
           <p:sp>
             <p:nvSpPr>
               <p:cNvPr id="13" name="文本框 12">
@@ -30314,7 +33426,7 @@
             </p:txBody>
           </p:sp>
         </mc:Choice>
-        <mc:Fallback>
+        <mc:Fallback xmlns="">
           <p:sp>
             <p:nvSpPr>
               <p:cNvPr id="13" name="文本框 12">
@@ -30449,8 +33561,8 @@
           </a:fontRef>
         </p:style>
       </p:cxnSp>
-      <mc:AlternateContent xmlns:mc="http://schemas.openxmlformats.org/markup-compatibility/2006">
-        <mc:Choice xmlns:a14="http://schemas.microsoft.com/office/drawing/2010/main" Requires="a14">
+      <mc:AlternateContent xmlns:mc="http://schemas.openxmlformats.org/markup-compatibility/2006" xmlns:a14="http://schemas.microsoft.com/office/drawing/2010/main">
+        <mc:Choice Requires="a14">
           <p:sp>
             <p:nvSpPr>
               <p:cNvPr id="21" name="文本框 20">
@@ -30519,7 +33631,7 @@
             </p:txBody>
           </p:sp>
         </mc:Choice>
-        <mc:Fallback>
+        <mc:Fallback xmlns="">
           <p:sp>
             <p:nvSpPr>
               <p:cNvPr id="21" name="文本框 20">
@@ -30564,8 +33676,8 @@
           </p:sp>
         </mc:Fallback>
       </mc:AlternateContent>
-      <mc:AlternateContent xmlns:mc="http://schemas.openxmlformats.org/markup-compatibility/2006">
-        <mc:Choice xmlns:a14="http://schemas.microsoft.com/office/drawing/2010/main" Requires="a14">
+      <mc:AlternateContent xmlns:mc="http://schemas.openxmlformats.org/markup-compatibility/2006" xmlns:a14="http://schemas.microsoft.com/office/drawing/2010/main">
+        <mc:Choice Requires="a14">
           <p:sp>
             <p:nvSpPr>
               <p:cNvPr id="23" name="文本框 22">
@@ -30600,13 +33712,7 @@
                       <a:rPr lang="en-US" altLang="zh-CN" b="0" i="1" smtClean="0">
                         <a:latin typeface="Cambria Math" panose="02040503050406030204" pitchFamily="18" charset="0"/>
                       </a:rPr>
-                      <m:t>(</m:t>
-                    </m:r>
-                    <m:r>
-                      <a:rPr lang="en-US" altLang="zh-CN" b="0" i="1" smtClean="0">
-                        <a:latin typeface="Cambria Math" panose="02040503050406030204" pitchFamily="18" charset="0"/>
-                      </a:rPr>
-                      <m:t>(</m:t>
+                      <m:t>((</m:t>
                     </m:r>
                     <m:sSub>
                       <m:sSubPr>
@@ -30740,7 +33846,7 @@
             </p:txBody>
           </p:sp>
         </mc:Choice>
-        <mc:Fallback>
+        <mc:Fallback xmlns="">
           <p:sp>
             <p:nvSpPr>
               <p:cNvPr id="23" name="文本框 22">
@@ -30785,8 +33891,8 @@
           </p:sp>
         </mc:Fallback>
       </mc:AlternateContent>
-      <mc:AlternateContent xmlns:mc="http://schemas.openxmlformats.org/markup-compatibility/2006">
-        <mc:Choice xmlns:a14="http://schemas.microsoft.com/office/drawing/2010/main" Requires="a14">
+      <mc:AlternateContent xmlns:mc="http://schemas.openxmlformats.org/markup-compatibility/2006" xmlns:a14="http://schemas.microsoft.com/office/drawing/2010/main">
+        <mc:Choice Requires="a14">
           <p:sp>
             <p:nvSpPr>
               <p:cNvPr id="24" name="文本框 23">
@@ -30855,7 +33961,7 @@
             </p:txBody>
           </p:sp>
         </mc:Choice>
-        <mc:Fallback>
+        <mc:Fallback xmlns="">
           <p:sp>
             <p:nvSpPr>
               <p:cNvPr id="24" name="文本框 23">
@@ -30947,8 +34053,8 @@
           </a:fontRef>
         </p:style>
       </p:cxnSp>
-      <mc:AlternateContent xmlns:mc="http://schemas.openxmlformats.org/markup-compatibility/2006">
-        <mc:Choice xmlns:a14="http://schemas.microsoft.com/office/drawing/2010/main" Requires="a14">
+      <mc:AlternateContent xmlns:mc="http://schemas.openxmlformats.org/markup-compatibility/2006" xmlns:a14="http://schemas.microsoft.com/office/drawing/2010/main">
+        <mc:Choice Requires="a14">
           <p:sp>
             <p:nvSpPr>
               <p:cNvPr id="32" name="文本框 31">
@@ -30998,7 +34104,7 @@
             </p:txBody>
           </p:sp>
         </mc:Choice>
-        <mc:Fallback>
+        <mc:Fallback xmlns="">
           <p:sp>
             <p:nvSpPr>
               <p:cNvPr id="32" name="文本框 31">
